--- a/REPL-Driven-Development.pptx
+++ b/REPL-Driven-Development.pptx
@@ -5,7 +5,7 @@
     <p:sldMasterId id="2147483648" r:id="rId1"/>
   </p:sldMasterIdLst>
   <p:notesMasterIdLst>
-    <p:notesMasterId r:id="rId25"/>
+    <p:notesMasterId r:id="rId29"/>
   </p:notesMasterIdLst>
   <p:sldIdLst>
     <p:sldId id="256" r:id="rId2"/>
@@ -18,19 +18,23 @@
     <p:sldId id="276" r:id="rId9"/>
     <p:sldId id="266" r:id="rId10"/>
     <p:sldId id="259" r:id="rId11"/>
-    <p:sldId id="277" r:id="rId12"/>
-    <p:sldId id="272" r:id="rId13"/>
-    <p:sldId id="273" r:id="rId14"/>
-    <p:sldId id="280" r:id="rId15"/>
-    <p:sldId id="274" r:id="rId16"/>
-    <p:sldId id="279" r:id="rId17"/>
-    <p:sldId id="278" r:id="rId18"/>
-    <p:sldId id="263" r:id="rId19"/>
-    <p:sldId id="267" r:id="rId20"/>
-    <p:sldId id="275" r:id="rId21"/>
-    <p:sldId id="268" r:id="rId22"/>
-    <p:sldId id="269" r:id="rId23"/>
-    <p:sldId id="270" r:id="rId24"/>
+    <p:sldId id="281" r:id="rId12"/>
+    <p:sldId id="282" r:id="rId13"/>
+    <p:sldId id="277" r:id="rId14"/>
+    <p:sldId id="268" r:id="rId15"/>
+    <p:sldId id="285" r:id="rId16"/>
+    <p:sldId id="286" r:id="rId17"/>
+    <p:sldId id="287" r:id="rId18"/>
+    <p:sldId id="288" r:id="rId19"/>
+    <p:sldId id="290" r:id="rId20"/>
+    <p:sldId id="291" r:id="rId21"/>
+    <p:sldId id="289" r:id="rId22"/>
+    <p:sldId id="272" r:id="rId23"/>
+    <p:sldId id="267" r:id="rId24"/>
+    <p:sldId id="283" r:id="rId25"/>
+    <p:sldId id="284" r:id="rId26"/>
+    <p:sldId id="278" r:id="rId27"/>
+    <p:sldId id="263" r:id="rId28"/>
   </p:sldIdLst>
   <p:sldSz cx="12192000" cy="6858000"/>
   <p:notesSz cx="6858000" cy="9144000"/>
@@ -219,7 +223,7 @@
           <a:p>
             <a:fld id="{97FCCB77-9557-4FCB-BD32-C7F96AFA0985}" type="datetimeFigureOut">
               <a:rPr lang="en-US" smtClean="0"/>
-              <a:t>5/13/2016</a:t>
+              <a:t>5/14/2016</a:t>
             </a:fld>
             <a:endParaRPr lang="en-US"/>
           </a:p>
@@ -1123,114 +1127,6 @@
 </p:notes>
 </file>
 
-<file path=ppt/notesSlides/notesSlide7.xml><?xml version="1.0" encoding="utf-8"?>
-<p:notes xmlns:a="http://schemas.openxmlformats.org/drawingml/2006/main" xmlns:r="http://schemas.openxmlformats.org/officeDocument/2006/relationships" xmlns:p="http://schemas.openxmlformats.org/presentationml/2006/main">
-  <p:cSld>
-    <p:spTree>
-      <p:nvGrpSpPr>
-        <p:cNvPr id="1" name=""/>
-        <p:cNvGrpSpPr/>
-        <p:nvPr/>
-      </p:nvGrpSpPr>
-      <p:grpSpPr>
-        <a:xfrm>
-          <a:off x="0" y="0"/>
-          <a:ext cx="0" cy="0"/>
-          <a:chOff x="0" y="0"/>
-          <a:chExt cx="0" cy="0"/>
-        </a:xfrm>
-      </p:grpSpPr>
-      <p:sp>
-        <p:nvSpPr>
-          <p:cNvPr id="2" name="Slide Image Placeholder 1"/>
-          <p:cNvSpPr>
-            <a:spLocks noGrp="1" noRot="1" noChangeAspect="1"/>
-          </p:cNvSpPr>
-          <p:nvPr>
-            <p:ph type="sldImg"/>
-          </p:nvPr>
-        </p:nvSpPr>
-        <p:spPr/>
-      </p:sp>
-      <p:sp>
-        <p:nvSpPr>
-          <p:cNvPr id="3" name="Notes Placeholder 2"/>
-          <p:cNvSpPr>
-            <a:spLocks noGrp="1"/>
-          </p:cNvSpPr>
-          <p:nvPr>
-            <p:ph type="body" idx="1"/>
-          </p:nvPr>
-        </p:nvSpPr>
-        <p:spPr/>
-        <p:txBody>
-          <a:bodyPr/>
-          <a:lstStyle/>
-          <a:p>
-            <a:r>
-              <a:rPr lang="en-US" dirty="0" smtClean="0"/>
-              <a:t>75,000 franc prize</a:t>
-            </a:r>
-          </a:p>
-          <a:p>
-            <a:r>
-              <a:rPr lang="en-US" dirty="0" err="1" smtClean="0"/>
-              <a:t>UsDoD</a:t>
-            </a:r>
-            <a:r>
-              <a:rPr lang="en-US" dirty="0" smtClean="0"/>
-              <a:t> Contract: $25,000</a:t>
-            </a:r>
-          </a:p>
-          <a:p>
-            <a:r>
-              <a:rPr lang="en-US" dirty="0" err="1" smtClean="0"/>
-              <a:t>FDoD</a:t>
-            </a:r>
-            <a:r>
-              <a:rPr lang="en-US" dirty="0" smtClean="0"/>
-              <a:t> Contract</a:t>
-            </a:r>
-            <a:endParaRPr lang="en-US" dirty="0"/>
-          </a:p>
-        </p:txBody>
-      </p:sp>
-      <p:sp>
-        <p:nvSpPr>
-          <p:cNvPr id="4" name="Slide Number Placeholder 3"/>
-          <p:cNvSpPr>
-            <a:spLocks noGrp="1"/>
-          </p:cNvSpPr>
-          <p:nvPr>
-            <p:ph type="sldNum" sz="quarter" idx="10"/>
-          </p:nvPr>
-        </p:nvSpPr>
-        <p:spPr/>
-        <p:txBody>
-          <a:bodyPr/>
-          <a:lstStyle/>
-          <a:p>
-            <a:fld id="{AD49793D-66B8-4F70-9EED-FB8F0263A06D}" type="slidenum">
-              <a:rPr lang="en-US" smtClean="0"/>
-              <a:t>13</a:t>
-            </a:fld>
-            <a:endParaRPr lang="en-US"/>
-          </a:p>
-        </p:txBody>
-      </p:sp>
-    </p:spTree>
-    <p:extLst>
-      <p:ext uri="{BB962C8B-B14F-4D97-AF65-F5344CB8AC3E}">
-        <p14:creationId xmlns:p14="http://schemas.microsoft.com/office/powerpoint/2010/main" val="2388826099"/>
-      </p:ext>
-    </p:extLst>
-  </p:cSld>
-  <p:clrMapOvr>
-    <a:masterClrMapping/>
-  </p:clrMapOvr>
-</p:notes>
-</file>
-
 <file path=ppt/slideLayouts/slideLayout1.xml><?xml version="1.0" encoding="utf-8"?>
 <p:sldLayout xmlns:a="http://schemas.openxmlformats.org/drawingml/2006/main" xmlns:r="http://schemas.openxmlformats.org/officeDocument/2006/relationships" xmlns:p="http://schemas.openxmlformats.org/presentationml/2006/main" type="title" preserve="1">
   <p:cSld name="Title Slide">
@@ -1362,7 +1258,7 @@
           <a:p>
             <a:fld id="{2E9DB05E-0671-4B9C-8F82-30620B9FA112}" type="datetimeFigureOut">
               <a:rPr lang="en-US" smtClean="0"/>
-              <a:t>5/13/2016</a:t>
+              <a:t>5/14/2016</a:t>
             </a:fld>
             <a:endParaRPr lang="en-US"/>
           </a:p>
@@ -1532,7 +1428,7 @@
           <a:p>
             <a:fld id="{2E9DB05E-0671-4B9C-8F82-30620B9FA112}" type="datetimeFigureOut">
               <a:rPr lang="en-US" smtClean="0"/>
-              <a:t>5/13/2016</a:t>
+              <a:t>5/14/2016</a:t>
             </a:fld>
             <a:endParaRPr lang="en-US"/>
           </a:p>
@@ -1712,7 +1608,7 @@
           <a:p>
             <a:fld id="{2E9DB05E-0671-4B9C-8F82-30620B9FA112}" type="datetimeFigureOut">
               <a:rPr lang="en-US" smtClean="0"/>
-              <a:t>5/13/2016</a:t>
+              <a:t>5/14/2016</a:t>
             </a:fld>
             <a:endParaRPr lang="en-US"/>
           </a:p>
@@ -1882,7 +1778,7 @@
           <a:p>
             <a:fld id="{2E9DB05E-0671-4B9C-8F82-30620B9FA112}" type="datetimeFigureOut">
               <a:rPr lang="en-US" smtClean="0"/>
-              <a:t>5/13/2016</a:t>
+              <a:t>5/14/2016</a:t>
             </a:fld>
             <a:endParaRPr lang="en-US"/>
           </a:p>
@@ -2128,7 +2024,7 @@
           <a:p>
             <a:fld id="{2E9DB05E-0671-4B9C-8F82-30620B9FA112}" type="datetimeFigureOut">
               <a:rPr lang="en-US" smtClean="0"/>
-              <a:t>5/13/2016</a:t>
+              <a:t>5/14/2016</a:t>
             </a:fld>
             <a:endParaRPr lang="en-US"/>
           </a:p>
@@ -2360,7 +2256,7 @@
           <a:p>
             <a:fld id="{2E9DB05E-0671-4B9C-8F82-30620B9FA112}" type="datetimeFigureOut">
               <a:rPr lang="en-US" smtClean="0"/>
-              <a:t>5/13/2016</a:t>
+              <a:t>5/14/2016</a:t>
             </a:fld>
             <a:endParaRPr lang="en-US"/>
           </a:p>
@@ -2727,7 +2623,7 @@
           <a:p>
             <a:fld id="{2E9DB05E-0671-4B9C-8F82-30620B9FA112}" type="datetimeFigureOut">
               <a:rPr lang="en-US" smtClean="0"/>
-              <a:t>5/13/2016</a:t>
+              <a:t>5/14/2016</a:t>
             </a:fld>
             <a:endParaRPr lang="en-US"/>
           </a:p>
@@ -2845,7 +2741,7 @@
           <a:p>
             <a:fld id="{2E9DB05E-0671-4B9C-8F82-30620B9FA112}" type="datetimeFigureOut">
               <a:rPr lang="en-US" smtClean="0"/>
-              <a:t>5/13/2016</a:t>
+              <a:t>5/14/2016</a:t>
             </a:fld>
             <a:endParaRPr lang="en-US"/>
           </a:p>
@@ -2940,7 +2836,7 @@
           <a:p>
             <a:fld id="{2E9DB05E-0671-4B9C-8F82-30620B9FA112}" type="datetimeFigureOut">
               <a:rPr lang="en-US" smtClean="0"/>
-              <a:t>5/13/2016</a:t>
+              <a:t>5/14/2016</a:t>
             </a:fld>
             <a:endParaRPr lang="en-US"/>
           </a:p>
@@ -3217,7 +3113,7 @@
           <a:p>
             <a:fld id="{2E9DB05E-0671-4B9C-8F82-30620B9FA112}" type="datetimeFigureOut">
               <a:rPr lang="en-US" smtClean="0"/>
-              <a:t>5/13/2016</a:t>
+              <a:t>5/14/2016</a:t>
             </a:fld>
             <a:endParaRPr lang="en-US"/>
           </a:p>
@@ -3470,7 +3366,7 @@
           <a:p>
             <a:fld id="{2E9DB05E-0671-4B9C-8F82-30620B9FA112}" type="datetimeFigureOut">
               <a:rPr lang="en-US" smtClean="0"/>
-              <a:t>5/13/2016</a:t>
+              <a:t>5/14/2016</a:t>
             </a:fld>
             <a:endParaRPr lang="en-US"/>
           </a:p>
@@ -3683,7 +3579,7 @@
           <a:p>
             <a:fld id="{2E9DB05E-0671-4B9C-8F82-30620B9FA112}" type="datetimeFigureOut">
               <a:rPr lang="en-US" smtClean="0"/>
-              <a:t>5/13/2016</a:t>
+              <a:t>5/14/2016</a:t>
             </a:fld>
             <a:endParaRPr lang="en-US"/>
           </a:p>
@@ -4328,6 +4224,350 @@
           <a:chExt cx="0" cy="0"/>
         </a:xfrm>
       </p:grpSpPr>
+      <p:sp>
+        <p:nvSpPr>
+          <p:cNvPr id="2" name="Title 1"/>
+          <p:cNvSpPr>
+            <a:spLocks noGrp="1"/>
+          </p:cNvSpPr>
+          <p:nvPr>
+            <p:ph type="title"/>
+          </p:nvPr>
+        </p:nvSpPr>
+        <p:spPr/>
+        <p:txBody>
+          <a:bodyPr/>
+          <a:lstStyle/>
+          <a:p>
+            <a:r>
+              <a:rPr lang="en-US" dirty="0" smtClean="0"/>
+              <a:t>Remove The Clutter</a:t>
+            </a:r>
+            <a:endParaRPr lang="en-US" dirty="0"/>
+          </a:p>
+        </p:txBody>
+      </p:sp>
+      <p:pic>
+        <p:nvPicPr>
+          <p:cNvPr id="3" name="Content Placeholder 4"/>
+          <p:cNvPicPr>
+            <a:picLocks noGrp="1" noChangeAspect="1"/>
+          </p:cNvPicPr>
+          <p:nvPr>
+            <p:ph idx="1"/>
+          </p:nvPr>
+        </p:nvPicPr>
+        <p:blipFill>
+          <a:blip r:embed="rId2">
+            <a:extLst>
+              <a:ext uri="{28A0092B-C50C-407E-A947-70E740481C1C}">
+                <a14:useLocalDpi xmlns:a14="http://schemas.microsoft.com/office/drawing/2010/main" val="0"/>
+              </a:ext>
+            </a:extLst>
+          </a:blip>
+          <a:stretch>
+            <a:fillRect/>
+          </a:stretch>
+        </p:blipFill>
+        <p:spPr>
+          <a:xfrm>
+            <a:off x="3017578" y="1690688"/>
+            <a:ext cx="1404257" cy="1705575"/>
+          </a:xfrm>
+        </p:spPr>
+      </p:pic>
+      <p:pic>
+        <p:nvPicPr>
+          <p:cNvPr id="4" name="Picture 3"/>
+          <p:cNvPicPr>
+            <a:picLocks noChangeAspect="1"/>
+          </p:cNvPicPr>
+          <p:nvPr/>
+        </p:nvPicPr>
+        <p:blipFill>
+          <a:blip r:embed="rId3">
+            <a:extLst>
+              <a:ext uri="{28A0092B-C50C-407E-A947-70E740481C1C}">
+                <a14:useLocalDpi xmlns:a14="http://schemas.microsoft.com/office/drawing/2010/main" val="0"/>
+              </a:ext>
+            </a:extLst>
+          </a:blip>
+          <a:stretch>
+            <a:fillRect/>
+          </a:stretch>
+        </p:blipFill>
+        <p:spPr>
+          <a:xfrm>
+            <a:off x="709806" y="3755038"/>
+            <a:ext cx="2857500" cy="1933575"/>
+          </a:xfrm>
+          <a:prstGeom prst="rect">
+            <a:avLst/>
+          </a:prstGeom>
+        </p:spPr>
+      </p:pic>
+      <p:pic>
+        <p:nvPicPr>
+          <p:cNvPr id="5" name="Picture 4"/>
+          <p:cNvPicPr>
+            <a:picLocks noChangeAspect="1"/>
+          </p:cNvPicPr>
+          <p:nvPr/>
+        </p:nvPicPr>
+        <p:blipFill>
+          <a:blip r:embed="rId4">
+            <a:extLst>
+              <a:ext uri="{28A0092B-C50C-407E-A947-70E740481C1C}">
+                <a14:useLocalDpi xmlns:a14="http://schemas.microsoft.com/office/drawing/2010/main" val="0"/>
+              </a:ext>
+            </a:extLst>
+          </a:blip>
+          <a:stretch>
+            <a:fillRect/>
+          </a:stretch>
+        </p:blipFill>
+        <p:spPr>
+          <a:xfrm>
+            <a:off x="3964442" y="3804089"/>
+            <a:ext cx="2719388" cy="1873558"/>
+          </a:xfrm>
+          <a:prstGeom prst="rect">
+            <a:avLst/>
+          </a:prstGeom>
+        </p:spPr>
+      </p:pic>
+      <p:pic>
+        <p:nvPicPr>
+          <p:cNvPr id="6" name="Picture 5"/>
+          <p:cNvPicPr>
+            <a:picLocks noChangeAspect="1"/>
+          </p:cNvPicPr>
+          <p:nvPr/>
+        </p:nvPicPr>
+        <p:blipFill>
+          <a:blip r:embed="rId5">
+            <a:extLst>
+              <a:ext uri="{28A0092B-C50C-407E-A947-70E740481C1C}">
+                <a14:useLocalDpi xmlns:a14="http://schemas.microsoft.com/office/drawing/2010/main" val="0"/>
+              </a:ext>
+            </a:extLst>
+          </a:blip>
+          <a:stretch>
+            <a:fillRect/>
+          </a:stretch>
+        </p:blipFill>
+        <p:spPr>
+          <a:xfrm>
+            <a:off x="8727428" y="1551213"/>
+            <a:ext cx="1472485" cy="1845050"/>
+          </a:xfrm>
+          <a:prstGeom prst="rect">
+            <a:avLst/>
+          </a:prstGeom>
+        </p:spPr>
+      </p:pic>
+      <p:pic>
+        <p:nvPicPr>
+          <p:cNvPr id="8" name="Picture 7"/>
+          <p:cNvPicPr>
+            <a:picLocks noChangeAspect="1"/>
+          </p:cNvPicPr>
+          <p:nvPr/>
+        </p:nvPicPr>
+        <p:blipFill>
+          <a:blip r:embed="rId6">
+            <a:extLst>
+              <a:ext uri="{28A0092B-C50C-407E-A947-70E740481C1C}">
+                <a14:useLocalDpi xmlns:a14="http://schemas.microsoft.com/office/drawing/2010/main" val="0"/>
+              </a:ext>
+            </a:extLst>
+          </a:blip>
+          <a:stretch>
+            <a:fillRect/>
+          </a:stretch>
+        </p:blipFill>
+        <p:spPr>
+          <a:xfrm>
+            <a:off x="8366101" y="3662333"/>
+            <a:ext cx="2195137" cy="2026280"/>
+          </a:xfrm>
+          <a:prstGeom prst="rect">
+            <a:avLst/>
+          </a:prstGeom>
+        </p:spPr>
+      </p:pic>
+    </p:spTree>
+    <p:extLst>
+      <p:ext uri="{BB962C8B-B14F-4D97-AF65-F5344CB8AC3E}">
+        <p14:creationId xmlns:p14="http://schemas.microsoft.com/office/powerpoint/2010/main" val="12815349"/>
+      </p:ext>
+    </p:extLst>
+  </p:cSld>
+  <p:clrMapOvr>
+    <a:masterClrMapping/>
+  </p:clrMapOvr>
+</p:sld>
+</file>
+
+<file path=ppt/slides/slide12.xml><?xml version="1.0" encoding="utf-8"?>
+<p:sld xmlns:a="http://schemas.openxmlformats.org/drawingml/2006/main" xmlns:r="http://schemas.openxmlformats.org/officeDocument/2006/relationships" xmlns:p="http://schemas.openxmlformats.org/presentationml/2006/main">
+  <p:cSld>
+    <p:spTree>
+      <p:nvGrpSpPr>
+        <p:cNvPr id="1" name=""/>
+        <p:cNvGrpSpPr/>
+        <p:nvPr/>
+      </p:nvGrpSpPr>
+      <p:grpSpPr>
+        <a:xfrm>
+          <a:off x="0" y="0"/>
+          <a:ext cx="0" cy="0"/>
+          <a:chOff x="0" y="0"/>
+          <a:chExt cx="0" cy="0"/>
+        </a:xfrm>
+      </p:grpSpPr>
+      <p:sp>
+        <p:nvSpPr>
+          <p:cNvPr id="2" name="Title 1"/>
+          <p:cNvSpPr>
+            <a:spLocks noGrp="1"/>
+          </p:cNvSpPr>
+          <p:nvPr>
+            <p:ph type="title"/>
+          </p:nvPr>
+        </p:nvSpPr>
+        <p:spPr/>
+        <p:txBody>
+          <a:bodyPr/>
+          <a:lstStyle/>
+          <a:p>
+            <a:r>
+              <a:rPr lang="en-US" dirty="0" smtClean="0"/>
+              <a:t>Take Breaks</a:t>
+            </a:r>
+            <a:endParaRPr lang="en-US" dirty="0"/>
+          </a:p>
+        </p:txBody>
+      </p:sp>
+      <p:pic>
+        <p:nvPicPr>
+          <p:cNvPr id="4" name="Picture 3"/>
+          <p:cNvPicPr>
+            <a:picLocks noChangeAspect="1"/>
+          </p:cNvPicPr>
+          <p:nvPr/>
+        </p:nvPicPr>
+        <p:blipFill>
+          <a:blip r:embed="rId2">
+            <a:extLst>
+              <a:ext uri="{28A0092B-C50C-407E-A947-70E740481C1C}">
+                <a14:useLocalDpi xmlns:a14="http://schemas.microsoft.com/office/drawing/2010/main" val="0"/>
+              </a:ext>
+            </a:extLst>
+          </a:blip>
+          <a:stretch>
+            <a:fillRect/>
+          </a:stretch>
+        </p:blipFill>
+        <p:spPr>
+          <a:xfrm>
+            <a:off x="1308162" y="2015898"/>
+            <a:ext cx="3005302" cy="2033588"/>
+          </a:xfrm>
+          <a:prstGeom prst="rect">
+            <a:avLst/>
+          </a:prstGeom>
+        </p:spPr>
+      </p:pic>
+      <p:pic>
+        <p:nvPicPr>
+          <p:cNvPr id="5" name="Content Placeholder 4"/>
+          <p:cNvPicPr>
+            <a:picLocks noGrp="1" noChangeAspect="1"/>
+          </p:cNvPicPr>
+          <p:nvPr>
+            <p:ph idx="1"/>
+          </p:nvPr>
+        </p:nvPicPr>
+        <p:blipFill>
+          <a:blip r:embed="rId3">
+            <a:extLst>
+              <a:ext uri="{28A0092B-C50C-407E-A947-70E740481C1C}">
+                <a14:useLocalDpi xmlns:a14="http://schemas.microsoft.com/office/drawing/2010/main" val="0"/>
+              </a:ext>
+            </a:extLst>
+          </a:blip>
+          <a:stretch>
+            <a:fillRect/>
+          </a:stretch>
+        </p:blipFill>
+        <p:spPr>
+          <a:xfrm>
+            <a:off x="3611335" y="3521908"/>
+            <a:ext cx="1404257" cy="1705575"/>
+          </a:xfrm>
+        </p:spPr>
+      </p:pic>
+      <p:pic>
+        <p:nvPicPr>
+          <p:cNvPr id="6" name="Picture 5"/>
+          <p:cNvPicPr>
+            <a:picLocks noChangeAspect="1"/>
+          </p:cNvPicPr>
+          <p:nvPr/>
+        </p:nvPicPr>
+        <p:blipFill>
+          <a:blip r:embed="rId4">
+            <a:extLst>
+              <a:ext uri="{28A0092B-C50C-407E-A947-70E740481C1C}">
+                <a14:useLocalDpi xmlns:a14="http://schemas.microsoft.com/office/drawing/2010/main" val="0"/>
+              </a:ext>
+            </a:extLst>
+          </a:blip>
+          <a:stretch>
+            <a:fillRect/>
+          </a:stretch>
+        </p:blipFill>
+        <p:spPr>
+          <a:xfrm>
+            <a:off x="7797968" y="2015898"/>
+            <a:ext cx="2082179" cy="3154816"/>
+          </a:xfrm>
+          <a:prstGeom prst="rect">
+            <a:avLst/>
+          </a:prstGeom>
+        </p:spPr>
+      </p:pic>
+    </p:spTree>
+    <p:extLst>
+      <p:ext uri="{BB962C8B-B14F-4D97-AF65-F5344CB8AC3E}">
+        <p14:creationId xmlns:p14="http://schemas.microsoft.com/office/powerpoint/2010/main" val="3713655992"/>
+      </p:ext>
+    </p:extLst>
+  </p:cSld>
+  <p:clrMapOvr>
+    <a:masterClrMapping/>
+  </p:clrMapOvr>
+</p:sld>
+</file>
+
+<file path=ppt/slides/slide13.xml><?xml version="1.0" encoding="utf-8"?>
+<p:sld xmlns:a="http://schemas.openxmlformats.org/drawingml/2006/main" xmlns:r="http://schemas.openxmlformats.org/officeDocument/2006/relationships" xmlns:p="http://schemas.openxmlformats.org/presentationml/2006/main">
+  <p:cSld>
+    <p:spTree>
+      <p:nvGrpSpPr>
+        <p:cNvPr id="1" name=""/>
+        <p:cNvGrpSpPr/>
+        <p:nvPr/>
+      </p:nvGrpSpPr>
+      <p:grpSpPr>
+        <a:xfrm>
+          <a:off x="0" y="0"/>
+          <a:ext cx="0" cy="0"/>
+          <a:chOff x="0" y="0"/>
+          <a:chExt cx="0" cy="0"/>
+        </a:xfrm>
+      </p:grpSpPr>
       <p:pic>
         <p:nvPicPr>
           <p:cNvPr id="4" name="Picture 3"/>
@@ -4401,7 +4641,885 @@
 </p:sld>
 </file>
 
-<file path=ppt/slides/slide12.xml><?xml version="1.0" encoding="utf-8"?>
+<file path=ppt/slides/slide14.xml><?xml version="1.0" encoding="utf-8"?>
+<p:sld xmlns:a="http://schemas.openxmlformats.org/drawingml/2006/main" xmlns:r="http://schemas.openxmlformats.org/officeDocument/2006/relationships" xmlns:p="http://schemas.openxmlformats.org/presentationml/2006/main">
+  <p:cSld>
+    <p:spTree>
+      <p:nvGrpSpPr>
+        <p:cNvPr id="1" name=""/>
+        <p:cNvGrpSpPr/>
+        <p:nvPr/>
+      </p:nvGrpSpPr>
+      <p:grpSpPr>
+        <a:xfrm>
+          <a:off x="0" y="0"/>
+          <a:ext cx="0" cy="0"/>
+          <a:chOff x="0" y="0"/>
+          <a:chExt cx="0" cy="0"/>
+        </a:xfrm>
+      </p:grpSpPr>
+      <p:sp>
+        <p:nvSpPr>
+          <p:cNvPr id="2" name="Title 1"/>
+          <p:cNvSpPr>
+            <a:spLocks noGrp="1"/>
+          </p:cNvSpPr>
+          <p:nvPr>
+            <p:ph type="title"/>
+          </p:nvPr>
+        </p:nvSpPr>
+        <p:spPr/>
+        <p:txBody>
+          <a:bodyPr/>
+          <a:lstStyle/>
+          <a:p>
+            <a:r>
+              <a:rPr lang="en-US" dirty="0" smtClean="0"/>
+              <a:t>What Does This Have to Do With Writing Software?</a:t>
+            </a:r>
+            <a:endParaRPr lang="en-US" dirty="0"/>
+          </a:p>
+        </p:txBody>
+      </p:sp>
+      <p:pic>
+        <p:nvPicPr>
+          <p:cNvPr id="4" name="Picture 3"/>
+          <p:cNvPicPr>
+            <a:picLocks noChangeAspect="1"/>
+          </p:cNvPicPr>
+          <p:nvPr/>
+        </p:nvPicPr>
+        <p:blipFill>
+          <a:blip r:embed="rId2">
+            <a:extLst>
+              <a:ext uri="{28A0092B-C50C-407E-A947-70E740481C1C}">
+                <a14:useLocalDpi xmlns:a14="http://schemas.microsoft.com/office/drawing/2010/main" val="0"/>
+              </a:ext>
+            </a:extLst>
+          </a:blip>
+          <a:stretch>
+            <a:fillRect/>
+          </a:stretch>
+        </p:blipFill>
+        <p:spPr>
+          <a:xfrm>
+            <a:off x="1187441" y="1967139"/>
+            <a:ext cx="3055851" cy="2648404"/>
+          </a:xfrm>
+          <a:prstGeom prst="rect">
+            <a:avLst/>
+          </a:prstGeom>
+        </p:spPr>
+      </p:pic>
+      <p:sp>
+        <p:nvSpPr>
+          <p:cNvPr id="5" name="Content Placeholder 2"/>
+          <p:cNvSpPr>
+            <a:spLocks noGrp="1"/>
+          </p:cNvSpPr>
+          <p:nvPr>
+            <p:ph idx="1"/>
+          </p:nvPr>
+        </p:nvSpPr>
+        <p:spPr>
+          <a:xfrm>
+            <a:off x="4914900" y="1825625"/>
+            <a:ext cx="2792186" cy="1965197"/>
+          </a:xfrm>
+        </p:spPr>
+        <p:txBody>
+          <a:bodyPr/>
+          <a:lstStyle/>
+          <a:p>
+            <a:r>
+              <a:rPr lang="en-US" dirty="0" smtClean="0"/>
+              <a:t>Language?</a:t>
+            </a:r>
+          </a:p>
+          <a:p>
+            <a:r>
+              <a:rPr lang="en-US" dirty="0" smtClean="0"/>
+              <a:t>Tools?</a:t>
+            </a:r>
+          </a:p>
+          <a:p>
+            <a:r>
+              <a:rPr lang="en-US" dirty="0" smtClean="0"/>
+              <a:t>Ensure Correctness?</a:t>
+            </a:r>
+          </a:p>
+          <a:p>
+            <a:endParaRPr lang="en-US" dirty="0" smtClean="0"/>
+          </a:p>
+          <a:p>
+            <a:endParaRPr lang="en-US" dirty="0"/>
+          </a:p>
+        </p:txBody>
+      </p:sp>
+      <p:pic>
+        <p:nvPicPr>
+          <p:cNvPr id="6" name="Picture 5"/>
+          <p:cNvPicPr>
+            <a:picLocks noChangeAspect="1"/>
+          </p:cNvPicPr>
+          <p:nvPr/>
+        </p:nvPicPr>
+        <p:blipFill>
+          <a:blip r:embed="rId3">
+            <a:extLst>
+              <a:ext uri="{28A0092B-C50C-407E-A947-70E740481C1C}">
+                <a14:useLocalDpi xmlns:a14="http://schemas.microsoft.com/office/drawing/2010/main" val="0"/>
+              </a:ext>
+            </a:extLst>
+          </a:blip>
+          <a:stretch>
+            <a:fillRect/>
+          </a:stretch>
+        </p:blipFill>
+        <p:spPr>
+          <a:xfrm>
+            <a:off x="7968343" y="1690688"/>
+            <a:ext cx="2188029" cy="3071456"/>
+          </a:xfrm>
+          <a:prstGeom prst="rect">
+            <a:avLst/>
+          </a:prstGeom>
+        </p:spPr>
+      </p:pic>
+    </p:spTree>
+    <p:extLst>
+      <p:ext uri="{BB962C8B-B14F-4D97-AF65-F5344CB8AC3E}">
+        <p14:creationId xmlns:p14="http://schemas.microsoft.com/office/powerpoint/2010/main" val="1358624829"/>
+      </p:ext>
+    </p:extLst>
+  </p:cSld>
+  <p:clrMapOvr>
+    <a:masterClrMapping/>
+  </p:clrMapOvr>
+</p:sld>
+</file>
+
+<file path=ppt/slides/slide15.xml><?xml version="1.0" encoding="utf-8"?>
+<p:sld xmlns:a="http://schemas.openxmlformats.org/drawingml/2006/main" xmlns:r="http://schemas.openxmlformats.org/officeDocument/2006/relationships" xmlns:p="http://schemas.openxmlformats.org/presentationml/2006/main">
+  <p:cSld>
+    <p:spTree>
+      <p:nvGrpSpPr>
+        <p:cNvPr id="1" name=""/>
+        <p:cNvGrpSpPr/>
+        <p:nvPr/>
+      </p:nvGrpSpPr>
+      <p:grpSpPr>
+        <a:xfrm>
+          <a:off x="0" y="0"/>
+          <a:ext cx="0" cy="0"/>
+          <a:chOff x="0" y="0"/>
+          <a:chExt cx="0" cy="0"/>
+        </a:xfrm>
+      </p:grpSpPr>
+      <p:sp>
+        <p:nvSpPr>
+          <p:cNvPr id="2" name="Title 1"/>
+          <p:cNvSpPr>
+            <a:spLocks noGrp="1"/>
+          </p:cNvSpPr>
+          <p:nvPr>
+            <p:ph type="title"/>
+          </p:nvPr>
+        </p:nvSpPr>
+        <p:spPr/>
+        <p:txBody>
+          <a:bodyPr/>
+          <a:lstStyle/>
+          <a:p>
+            <a:r>
+              <a:rPr lang="en-US" dirty="0" smtClean="0"/>
+              <a:t>Fail Fast and Early</a:t>
+            </a:r>
+            <a:endParaRPr lang="en-US" dirty="0"/>
+          </a:p>
+        </p:txBody>
+      </p:sp>
+      <p:sp>
+        <p:nvSpPr>
+          <p:cNvPr id="3" name="Content Placeholder 2"/>
+          <p:cNvSpPr>
+            <a:spLocks noGrp="1"/>
+          </p:cNvSpPr>
+          <p:nvPr>
+            <p:ph idx="1"/>
+          </p:nvPr>
+        </p:nvSpPr>
+        <p:spPr/>
+        <p:txBody>
+          <a:bodyPr/>
+          <a:lstStyle/>
+          <a:p>
+            <a:endParaRPr lang="en-US" dirty="0"/>
+          </a:p>
+        </p:txBody>
+      </p:sp>
+    </p:spTree>
+    <p:extLst>
+      <p:ext uri="{BB962C8B-B14F-4D97-AF65-F5344CB8AC3E}">
+        <p14:creationId xmlns:p14="http://schemas.microsoft.com/office/powerpoint/2010/main" val="2119202571"/>
+      </p:ext>
+    </p:extLst>
+  </p:cSld>
+  <p:clrMapOvr>
+    <a:masterClrMapping/>
+  </p:clrMapOvr>
+</p:sld>
+</file>
+
+<file path=ppt/slides/slide16.xml><?xml version="1.0" encoding="utf-8"?>
+<p:sld xmlns:a="http://schemas.openxmlformats.org/drawingml/2006/main" xmlns:r="http://schemas.openxmlformats.org/officeDocument/2006/relationships" xmlns:p="http://schemas.openxmlformats.org/presentationml/2006/main">
+  <p:cSld>
+    <p:spTree>
+      <p:nvGrpSpPr>
+        <p:cNvPr id="1" name=""/>
+        <p:cNvGrpSpPr/>
+        <p:nvPr/>
+      </p:nvGrpSpPr>
+      <p:grpSpPr>
+        <a:xfrm>
+          <a:off x="0" y="0"/>
+          <a:ext cx="0" cy="0"/>
+          <a:chOff x="0" y="0"/>
+          <a:chExt cx="0" cy="0"/>
+        </a:xfrm>
+      </p:grpSpPr>
+      <p:sp>
+        <p:nvSpPr>
+          <p:cNvPr id="2" name="Title 1"/>
+          <p:cNvSpPr>
+            <a:spLocks noGrp="1"/>
+          </p:cNvSpPr>
+          <p:nvPr>
+            <p:ph type="title"/>
+          </p:nvPr>
+        </p:nvSpPr>
+        <p:spPr/>
+        <p:txBody>
+          <a:bodyPr/>
+          <a:lstStyle/>
+          <a:p>
+            <a:r>
+              <a:rPr lang="en-US" dirty="0" smtClean="0"/>
+              <a:t>Stop Context Switching/Remove the Noise</a:t>
+            </a:r>
+            <a:endParaRPr lang="en-US" dirty="0"/>
+          </a:p>
+        </p:txBody>
+      </p:sp>
+      <p:sp>
+        <p:nvSpPr>
+          <p:cNvPr id="3" name="Content Placeholder 2"/>
+          <p:cNvSpPr>
+            <a:spLocks noGrp="1"/>
+          </p:cNvSpPr>
+          <p:nvPr>
+            <p:ph idx="1"/>
+          </p:nvPr>
+        </p:nvSpPr>
+        <p:spPr/>
+        <p:txBody>
+          <a:bodyPr/>
+          <a:lstStyle/>
+          <a:p>
+            <a:endParaRPr lang="en-US" dirty="0" smtClean="0"/>
+          </a:p>
+          <a:p>
+            <a:endParaRPr lang="en-US" dirty="0"/>
+          </a:p>
+          <a:p>
+            <a:endParaRPr lang="en-US" dirty="0" smtClean="0"/>
+          </a:p>
+          <a:p>
+            <a:endParaRPr lang="en-US" dirty="0"/>
+          </a:p>
+          <a:p>
+            <a:endParaRPr lang="en-US" dirty="0" smtClean="0"/>
+          </a:p>
+          <a:p>
+            <a:endParaRPr lang="en-US" dirty="0"/>
+          </a:p>
+          <a:p>
+            <a:endParaRPr lang="en-US" dirty="0" smtClean="0"/>
+          </a:p>
+          <a:p>
+            <a:r>
+              <a:rPr lang="en-US" dirty="0" smtClean="0"/>
+              <a:t>See The Burning Monks series</a:t>
+            </a:r>
+            <a:endParaRPr lang="en-US" dirty="0"/>
+          </a:p>
+        </p:txBody>
+      </p:sp>
+    </p:spTree>
+    <p:extLst>
+      <p:ext uri="{BB962C8B-B14F-4D97-AF65-F5344CB8AC3E}">
+        <p14:creationId xmlns:p14="http://schemas.microsoft.com/office/powerpoint/2010/main" val="3035983225"/>
+      </p:ext>
+    </p:extLst>
+  </p:cSld>
+  <p:clrMapOvr>
+    <a:masterClrMapping/>
+  </p:clrMapOvr>
+</p:sld>
+</file>
+
+<file path=ppt/slides/slide17.xml><?xml version="1.0" encoding="utf-8"?>
+<p:sld xmlns:a="http://schemas.openxmlformats.org/drawingml/2006/main" xmlns:r="http://schemas.openxmlformats.org/officeDocument/2006/relationships" xmlns:p="http://schemas.openxmlformats.org/presentationml/2006/main">
+  <p:cSld>
+    <p:spTree>
+      <p:nvGrpSpPr>
+        <p:cNvPr id="1" name=""/>
+        <p:cNvGrpSpPr/>
+        <p:nvPr/>
+      </p:nvGrpSpPr>
+      <p:grpSpPr>
+        <a:xfrm>
+          <a:off x="0" y="0"/>
+          <a:ext cx="0" cy="0"/>
+          <a:chOff x="0" y="0"/>
+          <a:chExt cx="0" cy="0"/>
+        </a:xfrm>
+      </p:grpSpPr>
+      <p:sp>
+        <p:nvSpPr>
+          <p:cNvPr id="2" name="Title 1"/>
+          <p:cNvSpPr>
+            <a:spLocks noGrp="1"/>
+          </p:cNvSpPr>
+          <p:nvPr>
+            <p:ph type="title"/>
+          </p:nvPr>
+        </p:nvSpPr>
+        <p:spPr/>
+        <p:txBody>
+          <a:bodyPr/>
+          <a:lstStyle/>
+          <a:p>
+            <a:r>
+              <a:rPr lang="en-US" dirty="0" smtClean="0"/>
+              <a:t>Working Too Hard Makes More Work</a:t>
+            </a:r>
+            <a:endParaRPr lang="en-US" dirty="0"/>
+          </a:p>
+        </p:txBody>
+      </p:sp>
+      <p:sp>
+        <p:nvSpPr>
+          <p:cNvPr id="3" name="Content Placeholder 2"/>
+          <p:cNvSpPr>
+            <a:spLocks noGrp="1"/>
+          </p:cNvSpPr>
+          <p:nvPr>
+            <p:ph idx="1"/>
+          </p:nvPr>
+        </p:nvSpPr>
+        <p:spPr/>
+        <p:txBody>
+          <a:bodyPr/>
+          <a:lstStyle/>
+          <a:p>
+            <a:r>
+              <a:rPr lang="en-US" dirty="0" smtClean="0"/>
+              <a:t>What % Code Coverage is right?</a:t>
+            </a:r>
+          </a:p>
+          <a:p>
+            <a:r>
+              <a:rPr lang="en-US" dirty="0"/>
+              <a:t>Props need to be unit tested?</a:t>
+            </a:r>
+          </a:p>
+          <a:p>
+            <a:endParaRPr lang="en-US" dirty="0"/>
+          </a:p>
+        </p:txBody>
+      </p:sp>
+    </p:spTree>
+    <p:extLst>
+      <p:ext uri="{BB962C8B-B14F-4D97-AF65-F5344CB8AC3E}">
+        <p14:creationId xmlns:p14="http://schemas.microsoft.com/office/powerpoint/2010/main" val="3388284204"/>
+      </p:ext>
+    </p:extLst>
+  </p:cSld>
+  <p:clrMapOvr>
+    <a:masterClrMapping/>
+  </p:clrMapOvr>
+</p:sld>
+</file>
+
+<file path=ppt/slides/slide18.xml><?xml version="1.0" encoding="utf-8"?>
+<p:sld xmlns:a="http://schemas.openxmlformats.org/drawingml/2006/main" xmlns:r="http://schemas.openxmlformats.org/officeDocument/2006/relationships" xmlns:p="http://schemas.openxmlformats.org/presentationml/2006/main">
+  <p:cSld>
+    <p:spTree>
+      <p:nvGrpSpPr>
+        <p:cNvPr id="1" name=""/>
+        <p:cNvGrpSpPr/>
+        <p:nvPr/>
+      </p:nvGrpSpPr>
+      <p:grpSpPr>
+        <a:xfrm>
+          <a:off x="0" y="0"/>
+          <a:ext cx="0" cy="0"/>
+          <a:chOff x="0" y="0"/>
+          <a:chExt cx="0" cy="0"/>
+        </a:xfrm>
+      </p:grpSpPr>
+      <p:sp>
+        <p:nvSpPr>
+          <p:cNvPr id="2" name="Title 1"/>
+          <p:cNvSpPr>
+            <a:spLocks noGrp="1"/>
+          </p:cNvSpPr>
+          <p:nvPr>
+            <p:ph type="title"/>
+          </p:nvPr>
+        </p:nvSpPr>
+        <p:spPr/>
+        <p:txBody>
+          <a:bodyPr/>
+          <a:lstStyle/>
+          <a:p>
+            <a:r>
+              <a:rPr lang="en-US" dirty="0" smtClean="0"/>
+              <a:t>Duplication/Boilerplates/Templates are a complete and total waste</a:t>
+            </a:r>
+            <a:endParaRPr lang="en-US" dirty="0"/>
+          </a:p>
+        </p:txBody>
+      </p:sp>
+      <p:sp>
+        <p:nvSpPr>
+          <p:cNvPr id="3" name="Content Placeholder 2"/>
+          <p:cNvSpPr>
+            <a:spLocks noGrp="1"/>
+          </p:cNvSpPr>
+          <p:nvPr>
+            <p:ph idx="1"/>
+          </p:nvPr>
+        </p:nvSpPr>
+        <p:spPr/>
+        <p:txBody>
+          <a:bodyPr/>
+          <a:lstStyle/>
+          <a:p>
+            <a:endParaRPr lang="en-US" dirty="0"/>
+          </a:p>
+        </p:txBody>
+      </p:sp>
+    </p:spTree>
+    <p:extLst>
+      <p:ext uri="{BB962C8B-B14F-4D97-AF65-F5344CB8AC3E}">
+        <p14:creationId xmlns:p14="http://schemas.microsoft.com/office/powerpoint/2010/main" val="153963186"/>
+      </p:ext>
+    </p:extLst>
+  </p:cSld>
+  <p:clrMapOvr>
+    <a:masterClrMapping/>
+  </p:clrMapOvr>
+</p:sld>
+</file>
+
+<file path=ppt/slides/slide19.xml><?xml version="1.0" encoding="utf-8"?>
+<p:sld xmlns:a="http://schemas.openxmlformats.org/drawingml/2006/main" xmlns:r="http://schemas.openxmlformats.org/officeDocument/2006/relationships" xmlns:p="http://schemas.openxmlformats.org/presentationml/2006/main">
+  <p:cSld>
+    <p:spTree>
+      <p:nvGrpSpPr>
+        <p:cNvPr id="1" name=""/>
+        <p:cNvGrpSpPr/>
+        <p:nvPr/>
+      </p:nvGrpSpPr>
+      <p:grpSpPr>
+        <a:xfrm>
+          <a:off x="0" y="0"/>
+          <a:ext cx="0" cy="0"/>
+          <a:chOff x="0" y="0"/>
+          <a:chExt cx="0" cy="0"/>
+        </a:xfrm>
+      </p:grpSpPr>
+      <p:sp>
+        <p:nvSpPr>
+          <p:cNvPr id="2" name="Title 1"/>
+          <p:cNvSpPr>
+            <a:spLocks noGrp="1"/>
+          </p:cNvSpPr>
+          <p:nvPr>
+            <p:ph type="title"/>
+          </p:nvPr>
+        </p:nvSpPr>
+        <p:spPr/>
+        <p:txBody>
+          <a:bodyPr/>
+          <a:lstStyle/>
+          <a:p>
+            <a:r>
+              <a:rPr lang="en-US" dirty="0" smtClean="0"/>
+              <a:t>Why TDD?</a:t>
+            </a:r>
+            <a:endParaRPr lang="en-US" dirty="0"/>
+          </a:p>
+        </p:txBody>
+      </p:sp>
+      <p:sp>
+        <p:nvSpPr>
+          <p:cNvPr id="3" name="Content Placeholder 2"/>
+          <p:cNvSpPr>
+            <a:spLocks noGrp="1"/>
+          </p:cNvSpPr>
+          <p:nvPr>
+            <p:ph idx="1"/>
+          </p:nvPr>
+        </p:nvSpPr>
+        <p:spPr>
+          <a:xfrm>
+            <a:off x="838200" y="1825625"/>
+            <a:ext cx="10515600" cy="1919061"/>
+          </a:xfrm>
+        </p:spPr>
+        <p:txBody>
+          <a:bodyPr/>
+          <a:lstStyle/>
+          <a:p>
+            <a:r>
+              <a:rPr lang="en-US" dirty="0" smtClean="0"/>
+              <a:t>Correctness</a:t>
+            </a:r>
+          </a:p>
+          <a:p>
+            <a:r>
+              <a:rPr lang="en-US" dirty="0" smtClean="0"/>
+              <a:t>Change-Proof</a:t>
+            </a:r>
+          </a:p>
+          <a:p>
+            <a:r>
+              <a:rPr lang="en-US" dirty="0" smtClean="0"/>
+              <a:t>Force small testable methods</a:t>
+            </a:r>
+          </a:p>
+          <a:p>
+            <a:endParaRPr lang="en-US" dirty="0"/>
+          </a:p>
+        </p:txBody>
+      </p:sp>
+    </p:spTree>
+    <p:extLst>
+      <p:ext uri="{BB962C8B-B14F-4D97-AF65-F5344CB8AC3E}">
+        <p14:creationId xmlns:p14="http://schemas.microsoft.com/office/powerpoint/2010/main" val="806549103"/>
+      </p:ext>
+    </p:extLst>
+  </p:cSld>
+  <p:clrMapOvr>
+    <a:masterClrMapping/>
+  </p:clrMapOvr>
+</p:sld>
+</file>
+
+<file path=ppt/slides/slide2.xml><?xml version="1.0" encoding="utf-8"?>
+<p:sld xmlns:a="http://schemas.openxmlformats.org/drawingml/2006/main" xmlns:r="http://schemas.openxmlformats.org/officeDocument/2006/relationships" xmlns:p="http://schemas.openxmlformats.org/presentationml/2006/main">
+  <p:cSld>
+    <p:spTree>
+      <p:nvGrpSpPr>
+        <p:cNvPr id="1" name=""/>
+        <p:cNvGrpSpPr/>
+        <p:nvPr/>
+      </p:nvGrpSpPr>
+      <p:grpSpPr>
+        <a:xfrm>
+          <a:off x="0" y="0"/>
+          <a:ext cx="0" cy="0"/>
+          <a:chOff x="0" y="0"/>
+          <a:chExt cx="0" cy="0"/>
+        </a:xfrm>
+      </p:grpSpPr>
+      <p:pic>
+        <p:nvPicPr>
+          <p:cNvPr id="4" name="Picture 3"/>
+          <p:cNvPicPr>
+            <a:picLocks noChangeAspect="1"/>
+          </p:cNvPicPr>
+          <p:nvPr/>
+        </p:nvPicPr>
+        <p:blipFill>
+          <a:blip r:embed="rId3">
+            <a:extLst>
+              <a:ext uri="{28A0092B-C50C-407E-A947-70E740481C1C}">
+                <a14:useLocalDpi xmlns:a14="http://schemas.microsoft.com/office/drawing/2010/main" val="0"/>
+              </a:ext>
+            </a:extLst>
+          </a:blip>
+          <a:stretch>
+            <a:fillRect/>
+          </a:stretch>
+        </p:blipFill>
+        <p:spPr>
+          <a:xfrm>
+            <a:off x="838200" y="1495915"/>
+            <a:ext cx="2162175" cy="2847975"/>
+          </a:xfrm>
+          <a:prstGeom prst="rect">
+            <a:avLst/>
+          </a:prstGeom>
+        </p:spPr>
+      </p:pic>
+      <p:pic>
+        <p:nvPicPr>
+          <p:cNvPr id="5" name="Picture 4"/>
+          <p:cNvPicPr>
+            <a:picLocks noChangeAspect="1"/>
+          </p:cNvPicPr>
+          <p:nvPr/>
+        </p:nvPicPr>
+        <p:blipFill>
+          <a:blip r:embed="rId4">
+            <a:extLst>
+              <a:ext uri="{28A0092B-C50C-407E-A947-70E740481C1C}">
+                <a14:useLocalDpi xmlns:a14="http://schemas.microsoft.com/office/drawing/2010/main" val="0"/>
+              </a:ext>
+            </a:extLst>
+          </a:blip>
+          <a:stretch>
+            <a:fillRect/>
+          </a:stretch>
+        </p:blipFill>
+        <p:spPr>
+          <a:xfrm>
+            <a:off x="3829870" y="1753089"/>
+            <a:ext cx="2809875" cy="2333625"/>
+          </a:xfrm>
+          <a:prstGeom prst="rect">
+            <a:avLst/>
+          </a:prstGeom>
+        </p:spPr>
+      </p:pic>
+      <p:pic>
+        <p:nvPicPr>
+          <p:cNvPr id="6" name="Picture 5"/>
+          <p:cNvPicPr>
+            <a:picLocks noChangeAspect="1"/>
+          </p:cNvPicPr>
+          <p:nvPr/>
+        </p:nvPicPr>
+        <p:blipFill>
+          <a:blip r:embed="rId5">
+            <a:extLst>
+              <a:ext uri="{28A0092B-C50C-407E-A947-70E740481C1C}">
+                <a14:useLocalDpi xmlns:a14="http://schemas.microsoft.com/office/drawing/2010/main" val="0"/>
+              </a:ext>
+            </a:extLst>
+          </a:blip>
+          <a:stretch>
+            <a:fillRect/>
+          </a:stretch>
+        </p:blipFill>
+        <p:spPr>
+          <a:xfrm>
+            <a:off x="7469240" y="1916001"/>
+            <a:ext cx="2847975" cy="1895475"/>
+          </a:xfrm>
+          <a:prstGeom prst="rect">
+            <a:avLst/>
+          </a:prstGeom>
+        </p:spPr>
+      </p:pic>
+      <p:sp>
+        <p:nvSpPr>
+          <p:cNvPr id="7" name="Content Placeholder 2"/>
+          <p:cNvSpPr>
+            <a:spLocks noGrp="1"/>
+          </p:cNvSpPr>
+          <p:nvPr>
+            <p:ph idx="1"/>
+          </p:nvPr>
+        </p:nvSpPr>
+        <p:spPr>
+          <a:xfrm>
+            <a:off x="838200" y="4972050"/>
+            <a:ext cx="10515600" cy="1504950"/>
+          </a:xfrm>
+        </p:spPr>
+        <p:txBody>
+          <a:bodyPr>
+            <a:normAutofit/>
+          </a:bodyPr>
+          <a:lstStyle/>
+          <a:p>
+            <a:pPr marL="0" indent="0">
+              <a:buNone/>
+            </a:pPr>
+            <a:r>
+              <a:rPr lang="en-US" dirty="0" smtClean="0"/>
+              <a:t>I </a:t>
+            </a:r>
+            <a:r>
+              <a:rPr lang="en-US" dirty="0"/>
+              <a:t>am about to begin a systematic study of the subject in preparation for practical work to which I expect to devote what time I can spare from my regular business. </a:t>
+            </a:r>
+          </a:p>
+        </p:txBody>
+      </p:sp>
+    </p:spTree>
+    <p:extLst>
+      <p:ext uri="{BB962C8B-B14F-4D97-AF65-F5344CB8AC3E}">
+        <p14:creationId xmlns:p14="http://schemas.microsoft.com/office/powerpoint/2010/main" val="437504232"/>
+      </p:ext>
+    </p:extLst>
+  </p:cSld>
+  <p:clrMapOvr>
+    <a:masterClrMapping/>
+  </p:clrMapOvr>
+</p:sld>
+</file>
+
+<file path=ppt/slides/slide20.xml><?xml version="1.0" encoding="utf-8"?>
+<p:sld xmlns:a="http://schemas.openxmlformats.org/drawingml/2006/main" xmlns:r="http://schemas.openxmlformats.org/officeDocument/2006/relationships" xmlns:p="http://schemas.openxmlformats.org/presentationml/2006/main">
+  <p:cSld>
+    <p:spTree>
+      <p:nvGrpSpPr>
+        <p:cNvPr id="1" name=""/>
+        <p:cNvGrpSpPr/>
+        <p:nvPr/>
+      </p:nvGrpSpPr>
+      <p:grpSpPr>
+        <a:xfrm>
+          <a:off x="0" y="0"/>
+          <a:ext cx="0" cy="0"/>
+          <a:chOff x="0" y="0"/>
+          <a:chExt cx="0" cy="0"/>
+        </a:xfrm>
+      </p:grpSpPr>
+      <p:sp>
+        <p:nvSpPr>
+          <p:cNvPr id="2" name="Title 1"/>
+          <p:cNvSpPr>
+            <a:spLocks noGrp="1"/>
+          </p:cNvSpPr>
+          <p:nvPr>
+            <p:ph type="title"/>
+          </p:nvPr>
+        </p:nvSpPr>
+        <p:spPr/>
+        <p:txBody>
+          <a:bodyPr/>
+          <a:lstStyle/>
+          <a:p>
+            <a:r>
+              <a:rPr lang="en-US" dirty="0" smtClean="0"/>
+              <a:t>Is This a Natural Evolution?</a:t>
+            </a:r>
+            <a:endParaRPr lang="en-US" dirty="0"/>
+          </a:p>
+        </p:txBody>
+      </p:sp>
+      <p:sp>
+        <p:nvSpPr>
+          <p:cNvPr id="3" name="Content Placeholder 2"/>
+          <p:cNvSpPr>
+            <a:spLocks noGrp="1"/>
+          </p:cNvSpPr>
+          <p:nvPr>
+            <p:ph idx="1"/>
+          </p:nvPr>
+        </p:nvSpPr>
+        <p:spPr/>
+        <p:txBody>
+          <a:bodyPr/>
+          <a:lstStyle/>
+          <a:p>
+            <a:endParaRPr lang="en-US" dirty="0"/>
+          </a:p>
+        </p:txBody>
+      </p:sp>
+    </p:spTree>
+    <p:extLst>
+      <p:ext uri="{BB962C8B-B14F-4D97-AF65-F5344CB8AC3E}">
+        <p14:creationId xmlns:p14="http://schemas.microsoft.com/office/powerpoint/2010/main" val="3218997376"/>
+      </p:ext>
+    </p:extLst>
+  </p:cSld>
+  <p:clrMapOvr>
+    <a:masterClrMapping/>
+  </p:clrMapOvr>
+</p:sld>
+</file>
+
+<file path=ppt/slides/slide21.xml><?xml version="1.0" encoding="utf-8"?>
+<p:sld xmlns:a="http://schemas.openxmlformats.org/drawingml/2006/main" xmlns:r="http://schemas.openxmlformats.org/officeDocument/2006/relationships" xmlns:p="http://schemas.openxmlformats.org/presentationml/2006/main">
+  <p:cSld>
+    <p:spTree>
+      <p:nvGrpSpPr>
+        <p:cNvPr id="1" name=""/>
+        <p:cNvGrpSpPr/>
+        <p:nvPr/>
+      </p:nvGrpSpPr>
+      <p:grpSpPr>
+        <a:xfrm>
+          <a:off x="0" y="0"/>
+          <a:ext cx="0" cy="0"/>
+          <a:chOff x="0" y="0"/>
+          <a:chExt cx="0" cy="0"/>
+        </a:xfrm>
+      </p:grpSpPr>
+      <p:sp>
+        <p:nvSpPr>
+          <p:cNvPr id="2" name="Title 1"/>
+          <p:cNvSpPr>
+            <a:spLocks noGrp="1"/>
+          </p:cNvSpPr>
+          <p:nvPr>
+            <p:ph type="title"/>
+          </p:nvPr>
+        </p:nvSpPr>
+        <p:spPr/>
+        <p:txBody>
+          <a:bodyPr/>
+          <a:lstStyle/>
+          <a:p>
+            <a:endParaRPr lang="en-US"/>
+          </a:p>
+        </p:txBody>
+      </p:sp>
+      <p:sp>
+        <p:nvSpPr>
+          <p:cNvPr id="3" name="Content Placeholder 2"/>
+          <p:cNvSpPr>
+            <a:spLocks noGrp="1"/>
+          </p:cNvSpPr>
+          <p:nvPr>
+            <p:ph idx="1"/>
+          </p:nvPr>
+        </p:nvSpPr>
+        <p:spPr/>
+        <p:txBody>
+          <a:bodyPr/>
+          <a:lstStyle/>
+          <a:p>
+            <a:r>
+              <a:rPr lang="en-US" dirty="0" smtClean="0"/>
+              <a:t>BREAK</a:t>
+            </a:r>
+            <a:endParaRPr lang="en-US" dirty="0"/>
+          </a:p>
+        </p:txBody>
+      </p:sp>
+    </p:spTree>
+    <p:extLst>
+      <p:ext uri="{BB962C8B-B14F-4D97-AF65-F5344CB8AC3E}">
+        <p14:creationId xmlns:p14="http://schemas.microsoft.com/office/powerpoint/2010/main" val="1150297048"/>
+      </p:ext>
+    </p:extLst>
+  </p:cSld>
+  <p:clrMapOvr>
+    <a:masterClrMapping/>
+  </p:clrMapOvr>
+</p:sld>
+</file>
+
+<file path=ppt/slides/slide22.xml><?xml version="1.0" encoding="utf-8"?>
 <p:sld xmlns:a="http://schemas.openxmlformats.org/drawingml/2006/main" xmlns:r="http://schemas.openxmlformats.org/officeDocument/2006/relationships" xmlns:p="http://schemas.openxmlformats.org/presentationml/2006/main">
   <p:cSld>
     <p:spTree>
@@ -4478,36 +5596,6 @@
           </a:prstGeom>
         </p:spPr>
       </p:pic>
-      <p:pic>
-        <p:nvPicPr>
-          <p:cNvPr id="9" name="Picture 8"/>
-          <p:cNvPicPr>
-            <a:picLocks noChangeAspect="1"/>
-          </p:cNvPicPr>
-          <p:nvPr/>
-        </p:nvPicPr>
-        <p:blipFill>
-          <a:blip r:embed="rId4">
-            <a:extLst>
-              <a:ext uri="{28A0092B-C50C-407E-A947-70E740481C1C}">
-                <a14:useLocalDpi xmlns:a14="http://schemas.microsoft.com/office/drawing/2010/main" val="0"/>
-              </a:ext>
-            </a:extLst>
-          </a:blip>
-          <a:stretch>
-            <a:fillRect/>
-          </a:stretch>
-        </p:blipFill>
-        <p:spPr>
-          <a:xfrm>
-            <a:off x="3878038" y="2604425"/>
-            <a:ext cx="3867150" cy="1933575"/>
-          </a:xfrm>
-          <a:prstGeom prst="rect">
-            <a:avLst/>
-          </a:prstGeom>
-        </p:spPr>
-      </p:pic>
       <p:sp>
         <p:nvSpPr>
           <p:cNvPr id="11" name="Title 10"/>
@@ -4540,908 +5628,7 @@
 </p:sld>
 </file>
 
-<file path=ppt/slides/slide13.xml><?xml version="1.0" encoding="utf-8"?>
-<p:sld xmlns:a="http://schemas.openxmlformats.org/drawingml/2006/main" xmlns:r="http://schemas.openxmlformats.org/officeDocument/2006/relationships" xmlns:p="http://schemas.openxmlformats.org/presentationml/2006/main">
-  <p:cSld>
-    <p:spTree>
-      <p:nvGrpSpPr>
-        <p:cNvPr id="1" name=""/>
-        <p:cNvGrpSpPr/>
-        <p:nvPr/>
-      </p:nvGrpSpPr>
-      <p:grpSpPr>
-        <a:xfrm>
-          <a:off x="0" y="0"/>
-          <a:ext cx="0" cy="0"/>
-          <a:chOff x="0" y="0"/>
-          <a:chExt cx="0" cy="0"/>
-        </a:xfrm>
-      </p:grpSpPr>
-      <p:pic>
-        <p:nvPicPr>
-          <p:cNvPr id="4" name="Picture 3"/>
-          <p:cNvPicPr>
-            <a:picLocks noChangeAspect="1"/>
-          </p:cNvPicPr>
-          <p:nvPr/>
-        </p:nvPicPr>
-        <p:blipFill>
-          <a:blip r:embed="rId3">
-            <a:extLst>
-              <a:ext uri="{28A0092B-C50C-407E-A947-70E740481C1C}">
-                <a14:useLocalDpi xmlns:a14="http://schemas.microsoft.com/office/drawing/2010/main" val="0"/>
-              </a:ext>
-            </a:extLst>
-          </a:blip>
-          <a:stretch>
-            <a:fillRect/>
-          </a:stretch>
-        </p:blipFill>
-        <p:spPr>
-          <a:xfrm>
-            <a:off x="1001485" y="1626544"/>
-            <a:ext cx="2162175" cy="2847975"/>
-          </a:xfrm>
-          <a:prstGeom prst="rect">
-            <a:avLst/>
-          </a:prstGeom>
-        </p:spPr>
-      </p:pic>
-      <p:pic>
-        <p:nvPicPr>
-          <p:cNvPr id="6" name="Picture 5"/>
-          <p:cNvPicPr>
-            <a:picLocks noChangeAspect="1"/>
-          </p:cNvPicPr>
-          <p:nvPr/>
-        </p:nvPicPr>
-        <p:blipFill>
-          <a:blip r:embed="rId4">
-            <a:extLst>
-              <a:ext uri="{28A0092B-C50C-407E-A947-70E740481C1C}">
-                <a14:useLocalDpi xmlns:a14="http://schemas.microsoft.com/office/drawing/2010/main" val="0"/>
-              </a:ext>
-            </a:extLst>
-          </a:blip>
-          <a:stretch>
-            <a:fillRect/>
-          </a:stretch>
-        </p:blipFill>
-        <p:spPr>
-          <a:xfrm>
-            <a:off x="4827071" y="1626543"/>
-            <a:ext cx="1988809" cy="2847975"/>
-          </a:xfrm>
-          <a:prstGeom prst="rect">
-            <a:avLst/>
-          </a:prstGeom>
-        </p:spPr>
-      </p:pic>
-      <p:pic>
-        <p:nvPicPr>
-          <p:cNvPr id="8" name="Picture 7"/>
-          <p:cNvPicPr>
-            <a:picLocks noChangeAspect="1"/>
-          </p:cNvPicPr>
-          <p:nvPr/>
-        </p:nvPicPr>
-        <p:blipFill>
-          <a:blip r:embed="rId5">
-            <a:extLst>
-              <a:ext uri="{28A0092B-C50C-407E-A947-70E740481C1C}">
-                <a14:useLocalDpi xmlns:a14="http://schemas.microsoft.com/office/drawing/2010/main" val="0"/>
-              </a:ext>
-            </a:extLst>
-          </a:blip>
-          <a:stretch>
-            <a:fillRect/>
-          </a:stretch>
-        </p:blipFill>
-        <p:spPr>
-          <a:xfrm>
-            <a:off x="8451396" y="1626543"/>
-            <a:ext cx="2298678" cy="2863770"/>
-          </a:xfrm>
-          <a:prstGeom prst="rect">
-            <a:avLst/>
-          </a:prstGeom>
-        </p:spPr>
-      </p:pic>
-    </p:spTree>
-    <p:extLst>
-      <p:ext uri="{BB962C8B-B14F-4D97-AF65-F5344CB8AC3E}">
-        <p14:creationId xmlns:p14="http://schemas.microsoft.com/office/powerpoint/2010/main" val="4130869633"/>
-      </p:ext>
-    </p:extLst>
-  </p:cSld>
-  <p:clrMapOvr>
-    <a:masterClrMapping/>
-  </p:clrMapOvr>
-</p:sld>
-</file>
-
-<file path=ppt/slides/slide14.xml><?xml version="1.0" encoding="utf-8"?>
-<p:sld xmlns:a="http://schemas.openxmlformats.org/drawingml/2006/main" xmlns:r="http://schemas.openxmlformats.org/officeDocument/2006/relationships" xmlns:p="http://schemas.openxmlformats.org/presentationml/2006/main">
-  <p:cSld>
-    <p:spTree>
-      <p:nvGrpSpPr>
-        <p:cNvPr id="1" name=""/>
-        <p:cNvGrpSpPr/>
-        <p:nvPr/>
-      </p:nvGrpSpPr>
-      <p:grpSpPr>
-        <a:xfrm>
-          <a:off x="0" y="0"/>
-          <a:ext cx="0" cy="0"/>
-          <a:chOff x="0" y="0"/>
-          <a:chExt cx="0" cy="0"/>
-        </a:xfrm>
-      </p:grpSpPr>
-      <p:sp>
-        <p:nvSpPr>
-          <p:cNvPr id="2" name="Title 1"/>
-          <p:cNvSpPr>
-            <a:spLocks noGrp="1"/>
-          </p:cNvSpPr>
-          <p:nvPr>
-            <p:ph type="title"/>
-          </p:nvPr>
-        </p:nvSpPr>
-        <p:spPr/>
-        <p:txBody>
-          <a:bodyPr/>
-          <a:lstStyle/>
-          <a:p>
-            <a:r>
-              <a:rPr lang="en-US" dirty="0" smtClean="0"/>
-              <a:t>Single Direction</a:t>
-            </a:r>
-            <a:endParaRPr lang="en-US" dirty="0"/>
-          </a:p>
-        </p:txBody>
-      </p:sp>
-      <p:pic>
-        <p:nvPicPr>
-          <p:cNvPr id="7" name="Picture 6"/>
-          <p:cNvPicPr>
-            <a:picLocks noChangeAspect="1"/>
-          </p:cNvPicPr>
-          <p:nvPr/>
-        </p:nvPicPr>
-        <p:blipFill>
-          <a:blip r:embed="rId2">
-            <a:extLst>
-              <a:ext uri="{28A0092B-C50C-407E-A947-70E740481C1C}">
-                <a14:useLocalDpi xmlns:a14="http://schemas.microsoft.com/office/drawing/2010/main" val="0"/>
-              </a:ext>
-            </a:extLst>
-          </a:blip>
-          <a:stretch>
-            <a:fillRect/>
-          </a:stretch>
-        </p:blipFill>
-        <p:spPr>
-          <a:xfrm>
-            <a:off x="351994" y="2259733"/>
-            <a:ext cx="2298678" cy="2863770"/>
-          </a:xfrm>
-          <a:prstGeom prst="rect">
-            <a:avLst/>
-          </a:prstGeom>
-        </p:spPr>
-      </p:pic>
-      <p:pic>
-        <p:nvPicPr>
-          <p:cNvPr id="8" name="Picture 7"/>
-          <p:cNvPicPr>
-            <a:picLocks noChangeAspect="1"/>
-          </p:cNvPicPr>
-          <p:nvPr/>
-        </p:nvPicPr>
-        <p:blipFill>
-          <a:blip r:embed="rId3">
-            <a:extLst>
-              <a:ext uri="{28A0092B-C50C-407E-A947-70E740481C1C}">
-                <a14:useLocalDpi xmlns:a14="http://schemas.microsoft.com/office/drawing/2010/main" val="0"/>
-              </a:ext>
-            </a:extLst>
-          </a:blip>
-          <a:stretch>
-            <a:fillRect/>
-          </a:stretch>
-        </p:blipFill>
-        <p:spPr>
-          <a:xfrm>
-            <a:off x="8683399" y="4193721"/>
-            <a:ext cx="2857500" cy="1866900"/>
-          </a:xfrm>
-          <a:prstGeom prst="rect">
-            <a:avLst/>
-          </a:prstGeom>
-        </p:spPr>
-      </p:pic>
-      <p:pic>
-        <p:nvPicPr>
-          <p:cNvPr id="9" name="Picture 8"/>
-          <p:cNvPicPr>
-            <a:picLocks noChangeAspect="1"/>
-          </p:cNvPicPr>
-          <p:nvPr/>
-        </p:nvPicPr>
-        <p:blipFill>
-          <a:blip r:embed="rId4">
-            <a:extLst>
-              <a:ext uri="{28A0092B-C50C-407E-A947-70E740481C1C}">
-                <a14:useLocalDpi xmlns:a14="http://schemas.microsoft.com/office/drawing/2010/main" val="0"/>
-              </a:ext>
-            </a:extLst>
-          </a:blip>
-          <a:stretch>
-            <a:fillRect/>
-          </a:stretch>
-        </p:blipFill>
-        <p:spPr>
-          <a:xfrm>
-            <a:off x="7508421" y="1958068"/>
-            <a:ext cx="2162175" cy="2847975"/>
-          </a:xfrm>
-          <a:prstGeom prst="rect">
-            <a:avLst/>
-          </a:prstGeom>
-        </p:spPr>
-      </p:pic>
-      <p:pic>
-        <p:nvPicPr>
-          <p:cNvPr id="5" name="Picture 4"/>
-          <p:cNvPicPr>
-            <a:picLocks noChangeAspect="1"/>
-          </p:cNvPicPr>
-          <p:nvPr/>
-        </p:nvPicPr>
-        <p:blipFill>
-          <a:blip r:embed="rId5">
-            <a:extLst>
-              <a:ext uri="{28A0092B-C50C-407E-A947-70E740481C1C}">
-                <a14:useLocalDpi xmlns:a14="http://schemas.microsoft.com/office/drawing/2010/main" val="0"/>
-              </a:ext>
-            </a:extLst>
-          </a:blip>
-          <a:stretch>
-            <a:fillRect/>
-          </a:stretch>
-        </p:blipFill>
-        <p:spPr>
-          <a:xfrm>
-            <a:off x="2410919" y="3875673"/>
-            <a:ext cx="3210189" cy="2172861"/>
-          </a:xfrm>
-          <a:prstGeom prst="rect">
-            <a:avLst/>
-          </a:prstGeom>
-        </p:spPr>
-      </p:pic>
-      <p:pic>
-        <p:nvPicPr>
-          <p:cNvPr id="11" name="Picture 10"/>
-          <p:cNvPicPr>
-            <a:picLocks noChangeAspect="1"/>
-          </p:cNvPicPr>
-          <p:nvPr/>
-        </p:nvPicPr>
-        <p:blipFill>
-          <a:blip r:embed="rId6">
-            <a:extLst>
-              <a:ext uri="{28A0092B-C50C-407E-A947-70E740481C1C}">
-                <a14:useLocalDpi xmlns:a14="http://schemas.microsoft.com/office/drawing/2010/main" val="0"/>
-              </a:ext>
-            </a:extLst>
-          </a:blip>
-          <a:stretch>
-            <a:fillRect/>
-          </a:stretch>
-        </p:blipFill>
-        <p:spPr>
-          <a:xfrm>
-            <a:off x="2410919" y="2135467"/>
-            <a:ext cx="3227199" cy="1171161"/>
-          </a:xfrm>
-          <a:prstGeom prst="rect">
-            <a:avLst/>
-          </a:prstGeom>
-        </p:spPr>
-      </p:pic>
-    </p:spTree>
-    <p:extLst>
-      <p:ext uri="{BB962C8B-B14F-4D97-AF65-F5344CB8AC3E}">
-        <p14:creationId xmlns:p14="http://schemas.microsoft.com/office/powerpoint/2010/main" val="1246383446"/>
-      </p:ext>
-    </p:extLst>
-  </p:cSld>
-  <p:clrMapOvr>
-    <a:masterClrMapping/>
-  </p:clrMapOvr>
-</p:sld>
-</file>
-
-<file path=ppt/slides/slide15.xml><?xml version="1.0" encoding="utf-8"?>
-<p:sld xmlns:a="http://schemas.openxmlformats.org/drawingml/2006/main" xmlns:r="http://schemas.openxmlformats.org/officeDocument/2006/relationships" xmlns:p="http://schemas.openxmlformats.org/presentationml/2006/main">
-  <p:cSld>
-    <p:spTree>
-      <p:nvGrpSpPr>
-        <p:cNvPr id="1" name=""/>
-        <p:cNvGrpSpPr/>
-        <p:nvPr/>
-      </p:nvGrpSpPr>
-      <p:grpSpPr>
-        <a:xfrm>
-          <a:off x="0" y="0"/>
-          <a:ext cx="0" cy="0"/>
-          <a:chOff x="0" y="0"/>
-          <a:chExt cx="0" cy="0"/>
-        </a:xfrm>
-      </p:grpSpPr>
-      <p:sp>
-        <p:nvSpPr>
-          <p:cNvPr id="10" name="Title 1"/>
-          <p:cNvSpPr>
-            <a:spLocks noGrp="1"/>
-          </p:cNvSpPr>
-          <p:nvPr>
-            <p:ph type="title"/>
-          </p:nvPr>
-        </p:nvSpPr>
-        <p:spPr>
-          <a:xfrm>
-            <a:off x="838200" y="365125"/>
-            <a:ext cx="10515600" cy="1325563"/>
-          </a:xfrm>
-        </p:spPr>
-        <p:txBody>
-          <a:bodyPr/>
-          <a:lstStyle/>
-          <a:p>
-            <a:r>
-              <a:rPr lang="en-US" dirty="0" smtClean="0"/>
-              <a:t>Cut The Noise</a:t>
-            </a:r>
-            <a:endParaRPr lang="en-US" dirty="0"/>
-          </a:p>
-        </p:txBody>
-      </p:sp>
-      <p:pic>
-        <p:nvPicPr>
-          <p:cNvPr id="11" name="Picture 10"/>
-          <p:cNvPicPr>
-            <a:picLocks noChangeAspect="1"/>
-          </p:cNvPicPr>
-          <p:nvPr/>
-        </p:nvPicPr>
-        <p:blipFill>
-          <a:blip r:embed="rId2">
-            <a:extLst>
-              <a:ext uri="{28A0092B-C50C-407E-A947-70E740481C1C}">
-                <a14:useLocalDpi xmlns:a14="http://schemas.microsoft.com/office/drawing/2010/main" val="0"/>
-              </a:ext>
-            </a:extLst>
-          </a:blip>
-          <a:stretch>
-            <a:fillRect/>
-          </a:stretch>
-        </p:blipFill>
-        <p:spPr>
-          <a:xfrm>
-            <a:off x="9075965" y="1673680"/>
-            <a:ext cx="2857500" cy="1600200"/>
-          </a:xfrm>
-          <a:prstGeom prst="rect">
-            <a:avLst/>
-          </a:prstGeom>
-        </p:spPr>
-      </p:pic>
-      <p:pic>
-        <p:nvPicPr>
-          <p:cNvPr id="12" name="Picture 11"/>
-          <p:cNvPicPr>
-            <a:picLocks noChangeAspect="1"/>
-          </p:cNvPicPr>
-          <p:nvPr/>
-        </p:nvPicPr>
-        <p:blipFill>
-          <a:blip r:embed="rId3">
-            <a:extLst>
-              <a:ext uri="{28A0092B-C50C-407E-A947-70E740481C1C}">
-                <a14:useLocalDpi xmlns:a14="http://schemas.microsoft.com/office/drawing/2010/main" val="0"/>
-              </a:ext>
-            </a:extLst>
-          </a:blip>
-          <a:stretch>
-            <a:fillRect/>
-          </a:stretch>
-        </p:blipFill>
-        <p:spPr>
-          <a:xfrm>
-            <a:off x="7279821" y="2588759"/>
-            <a:ext cx="2162175" cy="2847975"/>
-          </a:xfrm>
-          <a:prstGeom prst="rect">
-            <a:avLst/>
-          </a:prstGeom>
-        </p:spPr>
-      </p:pic>
-      <p:pic>
-        <p:nvPicPr>
-          <p:cNvPr id="13" name="Picture 12"/>
-          <p:cNvPicPr>
-            <a:picLocks noChangeAspect="1"/>
-          </p:cNvPicPr>
-          <p:nvPr/>
-        </p:nvPicPr>
-        <p:blipFill>
-          <a:blip r:embed="rId4">
-            <a:extLst>
-              <a:ext uri="{28A0092B-C50C-407E-A947-70E740481C1C}">
-                <a14:useLocalDpi xmlns:a14="http://schemas.microsoft.com/office/drawing/2010/main" val="0"/>
-              </a:ext>
-            </a:extLst>
-          </a:blip>
-          <a:stretch>
-            <a:fillRect/>
-          </a:stretch>
-        </p:blipFill>
-        <p:spPr>
-          <a:xfrm>
-            <a:off x="351994" y="2259733"/>
-            <a:ext cx="2298678" cy="2863770"/>
-          </a:xfrm>
-          <a:prstGeom prst="rect">
-            <a:avLst/>
-          </a:prstGeom>
-        </p:spPr>
-      </p:pic>
-    </p:spTree>
-    <p:extLst>
-      <p:ext uri="{BB962C8B-B14F-4D97-AF65-F5344CB8AC3E}">
-        <p14:creationId xmlns:p14="http://schemas.microsoft.com/office/powerpoint/2010/main" val="754679278"/>
-      </p:ext>
-    </p:extLst>
-  </p:cSld>
-  <p:clrMapOvr>
-    <a:masterClrMapping/>
-  </p:clrMapOvr>
-</p:sld>
-</file>
-
-<file path=ppt/slides/slide16.xml><?xml version="1.0" encoding="utf-8"?>
-<p:sld xmlns:a="http://schemas.openxmlformats.org/drawingml/2006/main" xmlns:r="http://schemas.openxmlformats.org/officeDocument/2006/relationships" xmlns:p="http://schemas.openxmlformats.org/presentationml/2006/main">
-  <p:cSld>
-    <p:spTree>
-      <p:nvGrpSpPr>
-        <p:cNvPr id="1" name=""/>
-        <p:cNvGrpSpPr/>
-        <p:nvPr/>
-      </p:nvGrpSpPr>
-      <p:grpSpPr>
-        <a:xfrm>
-          <a:off x="0" y="0"/>
-          <a:ext cx="0" cy="0"/>
-          <a:chOff x="0" y="0"/>
-          <a:chExt cx="0" cy="0"/>
-        </a:xfrm>
-      </p:grpSpPr>
-      <p:sp>
-        <p:nvSpPr>
-          <p:cNvPr id="2" name="Title 1"/>
-          <p:cNvSpPr>
-            <a:spLocks noGrp="1"/>
-          </p:cNvSpPr>
-          <p:nvPr>
-            <p:ph type="title"/>
-          </p:nvPr>
-        </p:nvSpPr>
-        <p:spPr/>
-        <p:txBody>
-          <a:bodyPr/>
-          <a:lstStyle/>
-          <a:p>
-            <a:r>
-              <a:rPr lang="en-US" dirty="0" smtClean="0"/>
-              <a:t>Evolve The Design/Small Changes</a:t>
-            </a:r>
-            <a:endParaRPr lang="en-US" dirty="0"/>
-          </a:p>
-        </p:txBody>
-      </p:sp>
-    </p:spTree>
-    <p:extLst>
-      <p:ext uri="{BB962C8B-B14F-4D97-AF65-F5344CB8AC3E}">
-        <p14:creationId xmlns:p14="http://schemas.microsoft.com/office/powerpoint/2010/main" val="1358138319"/>
-      </p:ext>
-    </p:extLst>
-  </p:cSld>
-  <p:clrMapOvr>
-    <a:masterClrMapping/>
-  </p:clrMapOvr>
-</p:sld>
-</file>
-
-<file path=ppt/slides/slide17.xml><?xml version="1.0" encoding="utf-8"?>
-<p:sld xmlns:a="http://schemas.openxmlformats.org/drawingml/2006/main" xmlns:r="http://schemas.openxmlformats.org/officeDocument/2006/relationships" xmlns:p="http://schemas.openxmlformats.org/presentationml/2006/main">
-  <p:cSld>
-    <p:spTree>
-      <p:nvGrpSpPr>
-        <p:cNvPr id="1" name=""/>
-        <p:cNvGrpSpPr/>
-        <p:nvPr/>
-      </p:nvGrpSpPr>
-      <p:grpSpPr>
-        <a:xfrm>
-          <a:off x="0" y="0"/>
-          <a:ext cx="0" cy="0"/>
-          <a:chOff x="0" y="0"/>
-          <a:chExt cx="0" cy="0"/>
-        </a:xfrm>
-      </p:grpSpPr>
-      <p:pic>
-        <p:nvPicPr>
-          <p:cNvPr id="4" name="Picture 3"/>
-          <p:cNvPicPr>
-            <a:picLocks noChangeAspect="1"/>
-          </p:cNvPicPr>
-          <p:nvPr/>
-        </p:nvPicPr>
-        <p:blipFill>
-          <a:blip r:embed="rId2">
-            <a:extLst>
-              <a:ext uri="{28A0092B-C50C-407E-A947-70E740481C1C}">
-                <a14:useLocalDpi xmlns:a14="http://schemas.microsoft.com/office/drawing/2010/main" val="0"/>
-              </a:ext>
-            </a:extLst>
-          </a:blip>
-          <a:stretch>
-            <a:fillRect/>
-          </a:stretch>
-        </p:blipFill>
-        <p:spPr>
-          <a:xfrm>
-            <a:off x="931579" y="2419348"/>
-            <a:ext cx="2857500" cy="1905000"/>
-          </a:xfrm>
-          <a:prstGeom prst="rect">
-            <a:avLst/>
-          </a:prstGeom>
-        </p:spPr>
-      </p:pic>
-      <p:pic>
-        <p:nvPicPr>
-          <p:cNvPr id="6" name="Picture 5"/>
-          <p:cNvPicPr>
-            <a:picLocks noChangeAspect="1"/>
-          </p:cNvPicPr>
-          <p:nvPr/>
-        </p:nvPicPr>
-        <p:blipFill>
-          <a:blip r:embed="rId3">
-            <a:extLst>
-              <a:ext uri="{28A0092B-C50C-407E-A947-70E740481C1C}">
-                <a14:useLocalDpi xmlns:a14="http://schemas.microsoft.com/office/drawing/2010/main" val="0"/>
-              </a:ext>
-            </a:extLst>
-          </a:blip>
-          <a:stretch>
-            <a:fillRect/>
-          </a:stretch>
-        </p:blipFill>
-        <p:spPr>
-          <a:xfrm>
-            <a:off x="5134438" y="2400298"/>
-            <a:ext cx="2847975" cy="1924050"/>
-          </a:xfrm>
-          <a:prstGeom prst="rect">
-            <a:avLst/>
-          </a:prstGeom>
-        </p:spPr>
-      </p:pic>
-      <p:pic>
-        <p:nvPicPr>
-          <p:cNvPr id="7" name="Picture 6"/>
-          <p:cNvPicPr>
-            <a:picLocks noChangeAspect="1"/>
-          </p:cNvPicPr>
-          <p:nvPr/>
-        </p:nvPicPr>
-        <p:blipFill>
-          <a:blip r:embed="rId4">
-            <a:extLst>
-              <a:ext uri="{28A0092B-C50C-407E-A947-70E740481C1C}">
-                <a14:useLocalDpi xmlns:a14="http://schemas.microsoft.com/office/drawing/2010/main" val="0"/>
-              </a:ext>
-            </a:extLst>
-          </a:blip>
-          <a:stretch>
-            <a:fillRect/>
-          </a:stretch>
-        </p:blipFill>
-        <p:spPr>
-          <a:xfrm>
-            <a:off x="9750909" y="1947860"/>
-            <a:ext cx="2028825" cy="2847975"/>
-          </a:xfrm>
-          <a:prstGeom prst="rect">
-            <a:avLst/>
-          </a:prstGeom>
-        </p:spPr>
-      </p:pic>
-      <p:pic>
-        <p:nvPicPr>
-          <p:cNvPr id="8" name="Picture 7"/>
-          <p:cNvPicPr>
-            <a:picLocks noChangeAspect="1"/>
-          </p:cNvPicPr>
-          <p:nvPr/>
-        </p:nvPicPr>
-        <p:blipFill>
-          <a:blip r:embed="rId5">
-            <a:extLst>
-              <a:ext uri="{28A0092B-C50C-407E-A947-70E740481C1C}">
-                <a14:useLocalDpi xmlns:a14="http://schemas.microsoft.com/office/drawing/2010/main" val="0"/>
-              </a:ext>
-            </a:extLst>
-          </a:blip>
-          <a:stretch>
-            <a:fillRect/>
-          </a:stretch>
-        </p:blipFill>
-        <p:spPr>
-          <a:xfrm>
-            <a:off x="2786186" y="3665416"/>
-            <a:ext cx="1496538" cy="1864438"/>
-          </a:xfrm>
-          <a:prstGeom prst="rect">
-            <a:avLst/>
-          </a:prstGeom>
-        </p:spPr>
-      </p:pic>
-      <p:pic>
-        <p:nvPicPr>
-          <p:cNvPr id="9" name="Picture 8"/>
-          <p:cNvPicPr>
-            <a:picLocks noChangeAspect="1"/>
-          </p:cNvPicPr>
-          <p:nvPr/>
-        </p:nvPicPr>
-        <p:blipFill>
-          <a:blip r:embed="rId6">
-            <a:extLst>
-              <a:ext uri="{28A0092B-C50C-407E-A947-70E740481C1C}">
-                <a14:useLocalDpi xmlns:a14="http://schemas.microsoft.com/office/drawing/2010/main" val="0"/>
-              </a:ext>
-            </a:extLst>
-          </a:blip>
-          <a:stretch>
-            <a:fillRect/>
-          </a:stretch>
-        </p:blipFill>
-        <p:spPr>
-          <a:xfrm>
-            <a:off x="7201611" y="3654665"/>
-            <a:ext cx="1496538" cy="1875189"/>
-          </a:xfrm>
-          <a:prstGeom prst="rect">
-            <a:avLst/>
-          </a:prstGeom>
-        </p:spPr>
-      </p:pic>
-      <p:sp>
-        <p:nvSpPr>
-          <p:cNvPr id="10" name="Title 1"/>
-          <p:cNvSpPr>
-            <a:spLocks noGrp="1"/>
-          </p:cNvSpPr>
-          <p:nvPr>
-            <p:ph type="title"/>
-          </p:nvPr>
-        </p:nvSpPr>
-        <p:spPr>
-          <a:xfrm>
-            <a:off x="838200" y="365125"/>
-            <a:ext cx="10515600" cy="1325563"/>
-          </a:xfrm>
-        </p:spPr>
-        <p:txBody>
-          <a:bodyPr/>
-          <a:lstStyle/>
-          <a:p>
-            <a:endParaRPr lang="en-US" dirty="0"/>
-          </a:p>
-        </p:txBody>
-      </p:sp>
-    </p:spTree>
-    <p:extLst>
-      <p:ext uri="{BB962C8B-B14F-4D97-AF65-F5344CB8AC3E}">
-        <p14:creationId xmlns:p14="http://schemas.microsoft.com/office/powerpoint/2010/main" val="3952716218"/>
-      </p:ext>
-    </p:extLst>
-  </p:cSld>
-  <p:clrMapOvr>
-    <a:masterClrMapping/>
-  </p:clrMapOvr>
-</p:sld>
-</file>
-
-<file path=ppt/slides/slide18.xml><?xml version="1.0" encoding="utf-8"?>
-<p:sld xmlns:a="http://schemas.openxmlformats.org/drawingml/2006/main" xmlns:r="http://schemas.openxmlformats.org/officeDocument/2006/relationships" xmlns:p="http://schemas.openxmlformats.org/presentationml/2006/main">
-  <p:cSld>
-    <p:spTree>
-      <p:nvGrpSpPr>
-        <p:cNvPr id="1" name=""/>
-        <p:cNvGrpSpPr/>
-        <p:nvPr/>
-      </p:nvGrpSpPr>
-      <p:grpSpPr>
-        <a:xfrm>
-          <a:off x="0" y="0"/>
-          <a:ext cx="0" cy="0"/>
-          <a:chOff x="0" y="0"/>
-          <a:chExt cx="0" cy="0"/>
-        </a:xfrm>
-      </p:grpSpPr>
-      <p:sp>
-        <p:nvSpPr>
-          <p:cNvPr id="2" name="Title 1"/>
-          <p:cNvSpPr>
-            <a:spLocks noGrp="1"/>
-          </p:cNvSpPr>
-          <p:nvPr>
-            <p:ph type="title"/>
-          </p:nvPr>
-        </p:nvSpPr>
-        <p:spPr/>
-        <p:txBody>
-          <a:bodyPr/>
-          <a:lstStyle/>
-          <a:p>
-            <a:r>
-              <a:rPr lang="en-US" dirty="0" smtClean="0"/>
-              <a:t>But Who Really Won?</a:t>
-            </a:r>
-            <a:endParaRPr lang="en-US" dirty="0"/>
-          </a:p>
-        </p:txBody>
-      </p:sp>
-      <p:pic>
-        <p:nvPicPr>
-          <p:cNvPr id="8" name="Picture 7"/>
-          <p:cNvPicPr>
-            <a:picLocks noChangeAspect="1"/>
-          </p:cNvPicPr>
-          <p:nvPr/>
-        </p:nvPicPr>
-        <p:blipFill>
-          <a:blip r:embed="rId2">
-            <a:extLst>
-              <a:ext uri="{28A0092B-C50C-407E-A947-70E740481C1C}">
-                <a14:useLocalDpi xmlns:a14="http://schemas.microsoft.com/office/drawing/2010/main" val="0"/>
-              </a:ext>
-            </a:extLst>
-          </a:blip>
-          <a:stretch>
-            <a:fillRect/>
-          </a:stretch>
-        </p:blipFill>
-        <p:spPr>
-          <a:xfrm>
-            <a:off x="1265464" y="2444183"/>
-            <a:ext cx="3229102" cy="2400300"/>
-          </a:xfrm>
-          <a:prstGeom prst="rect">
-            <a:avLst/>
-          </a:prstGeom>
-        </p:spPr>
-      </p:pic>
-      <p:pic>
-        <p:nvPicPr>
-          <p:cNvPr id="3" name="Picture 2"/>
-          <p:cNvPicPr>
-            <a:picLocks noChangeAspect="1"/>
-          </p:cNvPicPr>
-          <p:nvPr/>
-        </p:nvPicPr>
-        <p:blipFill>
-          <a:blip r:embed="rId3">
-            <a:extLst>
-              <a:ext uri="{28A0092B-C50C-407E-A947-70E740481C1C}">
-                <a14:useLocalDpi xmlns:a14="http://schemas.microsoft.com/office/drawing/2010/main" val="0"/>
-              </a:ext>
-            </a:extLst>
-          </a:blip>
-          <a:stretch>
-            <a:fillRect/>
-          </a:stretch>
-        </p:blipFill>
-        <p:spPr>
-          <a:xfrm>
-            <a:off x="5153025" y="2387032"/>
-            <a:ext cx="1885950" cy="2400300"/>
-          </a:xfrm>
-          <a:prstGeom prst="rect">
-            <a:avLst/>
-          </a:prstGeom>
-        </p:spPr>
-      </p:pic>
-      <p:pic>
-        <p:nvPicPr>
-          <p:cNvPr id="7" name="Picture 6"/>
-          <p:cNvPicPr>
-            <a:picLocks noChangeAspect="1"/>
-          </p:cNvPicPr>
-          <p:nvPr/>
-        </p:nvPicPr>
-        <p:blipFill>
-          <a:blip r:embed="rId4">
-            <a:extLst>
-              <a:ext uri="{28A0092B-C50C-407E-A947-70E740481C1C}">
-                <a14:useLocalDpi xmlns:a14="http://schemas.microsoft.com/office/drawing/2010/main" val="0"/>
-              </a:ext>
-            </a:extLst>
-          </a:blip>
-          <a:stretch>
-            <a:fillRect/>
-          </a:stretch>
-        </p:blipFill>
-        <p:spPr>
-          <a:xfrm>
-            <a:off x="7900307" y="2501333"/>
-            <a:ext cx="2857500" cy="2286000"/>
-          </a:xfrm>
-          <a:prstGeom prst="rect">
-            <a:avLst/>
-          </a:prstGeom>
-        </p:spPr>
-      </p:pic>
-      <p:pic>
-        <p:nvPicPr>
-          <p:cNvPr id="9" name="Picture 8"/>
-          <p:cNvPicPr>
-            <a:picLocks noChangeAspect="1"/>
-          </p:cNvPicPr>
-          <p:nvPr/>
-        </p:nvPicPr>
-        <p:blipFill>
-          <a:blip r:embed="rId5">
-            <a:extLst>
-              <a:ext uri="{28A0092B-C50C-407E-A947-70E740481C1C}">
-                <a14:useLocalDpi xmlns:a14="http://schemas.microsoft.com/office/drawing/2010/main" val="0"/>
-              </a:ext>
-            </a:extLst>
-          </a:blip>
-          <a:stretch>
-            <a:fillRect/>
-          </a:stretch>
-        </p:blipFill>
-        <p:spPr>
-          <a:xfrm>
-            <a:off x="9108621" y="4058670"/>
-            <a:ext cx="2857500" cy="1457325"/>
-          </a:xfrm>
-          <a:prstGeom prst="rect">
-            <a:avLst/>
-          </a:prstGeom>
-        </p:spPr>
-      </p:pic>
-    </p:spTree>
-    <p:extLst>
-      <p:ext uri="{BB962C8B-B14F-4D97-AF65-F5344CB8AC3E}">
-        <p14:creationId xmlns:p14="http://schemas.microsoft.com/office/powerpoint/2010/main" val="4228679331"/>
-      </p:ext>
-    </p:extLst>
-  </p:cSld>
-  <p:clrMapOvr>
-    <a:masterClrMapping/>
-  </p:clrMapOvr>
-</p:sld>
-</file>
-
-<file path=ppt/slides/slide19.xml><?xml version="1.0" encoding="utf-8"?>
+<file path=ppt/slides/slide23.xml><?xml version="1.0" encoding="utf-8"?>
 <p:sld xmlns:a="http://schemas.openxmlformats.org/drawingml/2006/main" xmlns:r="http://schemas.openxmlformats.org/officeDocument/2006/relationships" xmlns:p="http://schemas.openxmlformats.org/presentationml/2006/main">
   <p:cSld>
     <p:spTree>
@@ -5984,7 +6171,7 @@
 </p:sld>
 </file>
 
-<file path=ppt/slides/slide2.xml><?xml version="1.0" encoding="utf-8"?>
+<file path=ppt/slides/slide24.xml><?xml version="1.0" encoding="utf-8"?>
 <p:sld xmlns:a="http://schemas.openxmlformats.org/drawingml/2006/main" xmlns:r="http://schemas.openxmlformats.org/officeDocument/2006/relationships" xmlns:p="http://schemas.openxmlformats.org/presentationml/2006/main">
   <p:cSld>
     <p:spTree>
@@ -6001,162 +6188,29 @@
           <a:chExt cx="0" cy="0"/>
         </a:xfrm>
       </p:grpSpPr>
-      <p:pic>
-        <p:nvPicPr>
-          <p:cNvPr id="4" name="Picture 3"/>
-          <p:cNvPicPr>
-            <a:picLocks noChangeAspect="1"/>
-          </p:cNvPicPr>
-          <p:nvPr/>
-        </p:nvPicPr>
-        <p:blipFill>
-          <a:blip r:embed="rId3">
-            <a:extLst>
-              <a:ext uri="{28A0092B-C50C-407E-A947-70E740481C1C}">
-                <a14:useLocalDpi xmlns:a14="http://schemas.microsoft.com/office/drawing/2010/main" val="0"/>
-              </a:ext>
-            </a:extLst>
-          </a:blip>
-          <a:stretch>
-            <a:fillRect/>
-          </a:stretch>
-        </p:blipFill>
-        <p:spPr>
-          <a:xfrm>
-            <a:off x="838200" y="1495915"/>
-            <a:ext cx="2162175" cy="2847975"/>
-          </a:xfrm>
-          <a:prstGeom prst="rect">
-            <a:avLst/>
-          </a:prstGeom>
-        </p:spPr>
-      </p:pic>
-      <p:pic>
-        <p:nvPicPr>
-          <p:cNvPr id="5" name="Picture 4"/>
-          <p:cNvPicPr>
-            <a:picLocks noChangeAspect="1"/>
-          </p:cNvPicPr>
-          <p:nvPr/>
-        </p:nvPicPr>
-        <p:blipFill>
-          <a:blip r:embed="rId4">
-            <a:extLst>
-              <a:ext uri="{28A0092B-C50C-407E-A947-70E740481C1C}">
-                <a14:useLocalDpi xmlns:a14="http://schemas.microsoft.com/office/drawing/2010/main" val="0"/>
-              </a:ext>
-            </a:extLst>
-          </a:blip>
-          <a:stretch>
-            <a:fillRect/>
-          </a:stretch>
-        </p:blipFill>
-        <p:spPr>
-          <a:xfrm>
-            <a:off x="3829870" y="1753089"/>
-            <a:ext cx="2809875" cy="2333625"/>
-          </a:xfrm>
-          <a:prstGeom prst="rect">
-            <a:avLst/>
-          </a:prstGeom>
-        </p:spPr>
-      </p:pic>
-      <p:pic>
-        <p:nvPicPr>
-          <p:cNvPr id="6" name="Picture 5"/>
-          <p:cNvPicPr>
-            <a:picLocks noChangeAspect="1"/>
-          </p:cNvPicPr>
-          <p:nvPr/>
-        </p:nvPicPr>
-        <p:blipFill>
-          <a:blip r:embed="rId5">
-            <a:extLst>
-              <a:ext uri="{28A0092B-C50C-407E-A947-70E740481C1C}">
-                <a14:useLocalDpi xmlns:a14="http://schemas.microsoft.com/office/drawing/2010/main" val="0"/>
-              </a:ext>
-            </a:extLst>
-          </a:blip>
-          <a:stretch>
-            <a:fillRect/>
-          </a:stretch>
-        </p:blipFill>
-        <p:spPr>
-          <a:xfrm>
-            <a:off x="7469240" y="1916001"/>
-            <a:ext cx="2847975" cy="1895475"/>
-          </a:xfrm>
-          <a:prstGeom prst="rect">
-            <a:avLst/>
-          </a:prstGeom>
-        </p:spPr>
-      </p:pic>
-      <p:sp>
-        <p:nvSpPr>
-          <p:cNvPr id="7" name="Content Placeholder 2"/>
-          <p:cNvSpPr>
-            <a:spLocks noGrp="1"/>
-          </p:cNvSpPr>
-          <p:nvPr>
-            <p:ph idx="1"/>
-          </p:nvPr>
-        </p:nvSpPr>
-        <p:spPr>
-          <a:xfrm>
-            <a:off x="838200" y="4972050"/>
-            <a:ext cx="10515600" cy="1504950"/>
-          </a:xfrm>
-        </p:spPr>
-        <p:txBody>
-          <a:bodyPr>
-            <a:normAutofit/>
-          </a:bodyPr>
+      <p:sp>
+        <p:nvSpPr>
+          <p:cNvPr id="2" name="Title 1"/>
+          <p:cNvSpPr>
+            <a:spLocks noGrp="1"/>
+          </p:cNvSpPr>
+          <p:nvPr>
+            <p:ph type="title"/>
+          </p:nvPr>
+        </p:nvSpPr>
+        <p:spPr/>
+        <p:txBody>
+          <a:bodyPr/>
           <a:lstStyle/>
           <a:p>
-            <a:pPr marL="0" indent="0">
-              <a:buNone/>
-            </a:pPr>
             <a:r>
               <a:rPr lang="en-US" dirty="0" smtClean="0"/>
-              <a:t>I </a:t>
-            </a:r>
-            <a:r>
-              <a:rPr lang="en-US" dirty="0"/>
-              <a:t>am about to begin a systematic study of the subject in preparation for practical work to which I expect to devote what time I can spare from my regular business. </a:t>
-            </a:r>
-          </a:p>
-        </p:txBody>
-      </p:sp>
-    </p:spTree>
-    <p:extLst>
-      <p:ext uri="{BB962C8B-B14F-4D97-AF65-F5344CB8AC3E}">
-        <p14:creationId xmlns:p14="http://schemas.microsoft.com/office/powerpoint/2010/main" val="437504232"/>
-      </p:ext>
-    </p:extLst>
-  </p:cSld>
-  <p:clrMapOvr>
-    <a:masterClrMapping/>
-  </p:clrMapOvr>
-</p:sld>
-</file>
-
-<file path=ppt/slides/slide20.xml><?xml version="1.0" encoding="utf-8"?>
-<p:sld xmlns:a="http://schemas.openxmlformats.org/drawingml/2006/main" xmlns:r="http://schemas.openxmlformats.org/officeDocument/2006/relationships" xmlns:p="http://schemas.openxmlformats.org/presentationml/2006/main">
-  <p:cSld>
-    <p:spTree>
-      <p:nvGrpSpPr>
-        <p:cNvPr id="1" name=""/>
-        <p:cNvGrpSpPr/>
-        <p:nvPr/>
-      </p:nvGrpSpPr>
-      <p:grpSpPr>
-        <a:xfrm>
-          <a:off x="0" y="0"/>
-          <a:ext cx="0" cy="0"/>
-          <a:chOff x="0" y="0"/>
-          <a:chExt cx="0" cy="0"/>
-        </a:xfrm>
-      </p:grpSpPr>
+              <a:t>Small Teams</a:t>
+            </a:r>
+            <a:endParaRPr lang="en-US" dirty="0"/>
+          </a:p>
+        </p:txBody>
+      </p:sp>
       <p:pic>
         <p:nvPicPr>
           <p:cNvPr id="4" name="Picture 3"/>
@@ -6179,8 +6233,8 @@
         </p:blipFill>
         <p:spPr>
           <a:xfrm>
-            <a:off x="1054554" y="1212397"/>
-            <a:ext cx="1885950" cy="1885950"/>
+            <a:off x="921884" y="1934935"/>
+            <a:ext cx="3650116" cy="2583621"/>
           </a:xfrm>
           <a:prstGeom prst="rect">
             <a:avLst/>
@@ -6209,8 +6263,467 @@
         </p:blipFill>
         <p:spPr>
           <a:xfrm>
-            <a:off x="1054554" y="3924301"/>
-            <a:ext cx="1752600" cy="1752600"/>
+            <a:off x="4217192" y="3023751"/>
+            <a:ext cx="3472217" cy="2604163"/>
+          </a:xfrm>
+          <a:prstGeom prst="rect">
+            <a:avLst/>
+          </a:prstGeom>
+        </p:spPr>
+      </p:pic>
+      <p:pic>
+        <p:nvPicPr>
+          <p:cNvPr id="6" name="Picture 5"/>
+          <p:cNvPicPr>
+            <a:picLocks noChangeAspect="1"/>
+          </p:cNvPicPr>
+          <p:nvPr/>
+        </p:nvPicPr>
+        <p:blipFill>
+          <a:blip r:embed="rId4">
+            <a:extLst>
+              <a:ext uri="{28A0092B-C50C-407E-A947-70E740481C1C}">
+                <a14:useLocalDpi xmlns:a14="http://schemas.microsoft.com/office/drawing/2010/main" val="0"/>
+              </a:ext>
+            </a:extLst>
+          </a:blip>
+          <a:stretch>
+            <a:fillRect/>
+          </a:stretch>
+        </p:blipFill>
+        <p:spPr>
+          <a:xfrm>
+            <a:off x="8940575" y="3237364"/>
+            <a:ext cx="1747373" cy="2176936"/>
+          </a:xfrm>
+          <a:prstGeom prst="rect">
+            <a:avLst/>
+          </a:prstGeom>
+        </p:spPr>
+      </p:pic>
+    </p:spTree>
+    <p:extLst>
+      <p:ext uri="{BB962C8B-B14F-4D97-AF65-F5344CB8AC3E}">
+        <p14:creationId xmlns:p14="http://schemas.microsoft.com/office/powerpoint/2010/main" val="3273127039"/>
+      </p:ext>
+    </p:extLst>
+  </p:cSld>
+  <p:clrMapOvr>
+    <a:masterClrMapping/>
+  </p:clrMapOvr>
+</p:sld>
+</file>
+
+<file path=ppt/slides/slide25.xml><?xml version="1.0" encoding="utf-8"?>
+<p:sld xmlns:a="http://schemas.openxmlformats.org/drawingml/2006/main" xmlns:r="http://schemas.openxmlformats.org/officeDocument/2006/relationships" xmlns:p="http://schemas.openxmlformats.org/presentationml/2006/main">
+  <p:cSld>
+    <p:spTree>
+      <p:nvGrpSpPr>
+        <p:cNvPr id="1" name=""/>
+        <p:cNvGrpSpPr/>
+        <p:nvPr/>
+      </p:nvGrpSpPr>
+      <p:grpSpPr>
+        <a:xfrm>
+          <a:off x="0" y="0"/>
+          <a:ext cx="0" cy="0"/>
+          <a:chOff x="0" y="0"/>
+          <a:chExt cx="0" cy="0"/>
+        </a:xfrm>
+      </p:grpSpPr>
+      <p:sp>
+        <p:nvSpPr>
+          <p:cNvPr id="2" name="Title 1"/>
+          <p:cNvSpPr>
+            <a:spLocks noGrp="1"/>
+          </p:cNvSpPr>
+          <p:nvPr>
+            <p:ph type="title"/>
+          </p:nvPr>
+        </p:nvSpPr>
+        <p:spPr/>
+        <p:txBody>
+          <a:bodyPr/>
+          <a:lstStyle/>
+          <a:p>
+            <a:r>
+              <a:rPr lang="en-US" dirty="0"/>
+              <a:t>Evolve The Design/Small Changes</a:t>
+            </a:r>
+          </a:p>
+        </p:txBody>
+      </p:sp>
+      <p:pic>
+        <p:nvPicPr>
+          <p:cNvPr id="4" name="Picture 3"/>
+          <p:cNvPicPr>
+            <a:picLocks noChangeAspect="1"/>
+          </p:cNvPicPr>
+          <p:nvPr/>
+        </p:nvPicPr>
+        <p:blipFill>
+          <a:blip r:embed="rId2">
+            <a:extLst>
+              <a:ext uri="{28A0092B-C50C-407E-A947-70E740481C1C}">
+                <a14:useLocalDpi xmlns:a14="http://schemas.microsoft.com/office/drawing/2010/main" val="0"/>
+              </a:ext>
+            </a:extLst>
+          </a:blip>
+          <a:stretch>
+            <a:fillRect/>
+          </a:stretch>
+        </p:blipFill>
+        <p:spPr>
+          <a:xfrm>
+            <a:off x="615355" y="2911463"/>
+            <a:ext cx="2631812" cy="1570314"/>
+          </a:xfrm>
+          <a:prstGeom prst="rect">
+            <a:avLst/>
+          </a:prstGeom>
+        </p:spPr>
+      </p:pic>
+      <p:pic>
+        <p:nvPicPr>
+          <p:cNvPr id="5" name="Picture 4"/>
+          <p:cNvPicPr>
+            <a:picLocks noChangeAspect="1"/>
+          </p:cNvPicPr>
+          <p:nvPr/>
+        </p:nvPicPr>
+        <p:blipFill>
+          <a:blip r:embed="rId3">
+            <a:extLst>
+              <a:ext uri="{28A0092B-C50C-407E-A947-70E740481C1C}">
+                <a14:useLocalDpi xmlns:a14="http://schemas.microsoft.com/office/drawing/2010/main" val="0"/>
+              </a:ext>
+            </a:extLst>
+          </a:blip>
+          <a:stretch>
+            <a:fillRect/>
+          </a:stretch>
+        </p:blipFill>
+        <p:spPr>
+          <a:xfrm>
+            <a:off x="2652385" y="3548812"/>
+            <a:ext cx="3196456" cy="1667216"/>
+          </a:xfrm>
+          <a:prstGeom prst="rect">
+            <a:avLst/>
+          </a:prstGeom>
+        </p:spPr>
+      </p:pic>
+      <p:pic>
+        <p:nvPicPr>
+          <p:cNvPr id="6" name="Picture 5"/>
+          <p:cNvPicPr>
+            <a:picLocks noChangeAspect="1"/>
+          </p:cNvPicPr>
+          <p:nvPr/>
+        </p:nvPicPr>
+        <p:blipFill>
+          <a:blip r:embed="rId4">
+            <a:extLst>
+              <a:ext uri="{28A0092B-C50C-407E-A947-70E740481C1C}">
+                <a14:useLocalDpi xmlns:a14="http://schemas.microsoft.com/office/drawing/2010/main" val="0"/>
+              </a:ext>
+            </a:extLst>
+          </a:blip>
+          <a:stretch>
+            <a:fillRect/>
+          </a:stretch>
+        </p:blipFill>
+        <p:spPr>
+          <a:xfrm>
+            <a:off x="5270578" y="2489712"/>
+            <a:ext cx="2615293" cy="1673788"/>
+          </a:xfrm>
+          <a:prstGeom prst="rect">
+            <a:avLst/>
+          </a:prstGeom>
+        </p:spPr>
+      </p:pic>
+      <p:pic>
+        <p:nvPicPr>
+          <p:cNvPr id="7" name="Picture 6"/>
+          <p:cNvPicPr>
+            <a:picLocks noChangeAspect="1"/>
+          </p:cNvPicPr>
+          <p:nvPr/>
+        </p:nvPicPr>
+        <p:blipFill>
+          <a:blip r:embed="rId5">
+            <a:extLst>
+              <a:ext uri="{28A0092B-C50C-407E-A947-70E740481C1C}">
+                <a14:useLocalDpi xmlns:a14="http://schemas.microsoft.com/office/drawing/2010/main" val="0"/>
+              </a:ext>
+            </a:extLst>
+          </a:blip>
+          <a:stretch>
+            <a:fillRect/>
+          </a:stretch>
+        </p:blipFill>
+        <p:spPr>
+          <a:xfrm>
+            <a:off x="7051782" y="3576902"/>
+            <a:ext cx="2857500" cy="1809750"/>
+          </a:xfrm>
+          <a:prstGeom prst="rect">
+            <a:avLst/>
+          </a:prstGeom>
+        </p:spPr>
+      </p:pic>
+      <p:pic>
+        <p:nvPicPr>
+          <p:cNvPr id="8" name="Picture 7"/>
+          <p:cNvPicPr>
+            <a:picLocks noChangeAspect="1"/>
+          </p:cNvPicPr>
+          <p:nvPr/>
+        </p:nvPicPr>
+        <p:blipFill>
+          <a:blip r:embed="rId6">
+            <a:extLst>
+              <a:ext uri="{28A0092B-C50C-407E-A947-70E740481C1C}">
+                <a14:useLocalDpi xmlns:a14="http://schemas.microsoft.com/office/drawing/2010/main" val="0"/>
+              </a:ext>
+            </a:extLst>
+          </a:blip>
+          <a:stretch>
+            <a:fillRect/>
+          </a:stretch>
+        </p:blipFill>
+        <p:spPr>
+          <a:xfrm>
+            <a:off x="9476225" y="2134194"/>
+            <a:ext cx="1443392" cy="1798226"/>
+          </a:xfrm>
+          <a:prstGeom prst="rect">
+            <a:avLst/>
+          </a:prstGeom>
+        </p:spPr>
+      </p:pic>
+    </p:spTree>
+    <p:extLst>
+      <p:ext uri="{BB962C8B-B14F-4D97-AF65-F5344CB8AC3E}">
+        <p14:creationId xmlns:p14="http://schemas.microsoft.com/office/powerpoint/2010/main" val="546184659"/>
+      </p:ext>
+    </p:extLst>
+  </p:cSld>
+  <p:clrMapOvr>
+    <a:masterClrMapping/>
+  </p:clrMapOvr>
+</p:sld>
+</file>
+
+<file path=ppt/slides/slide26.xml><?xml version="1.0" encoding="utf-8"?>
+<p:sld xmlns:a="http://schemas.openxmlformats.org/drawingml/2006/main" xmlns:r="http://schemas.openxmlformats.org/officeDocument/2006/relationships" xmlns:p="http://schemas.openxmlformats.org/presentationml/2006/main">
+  <p:cSld>
+    <p:spTree>
+      <p:nvGrpSpPr>
+        <p:cNvPr id="1" name=""/>
+        <p:cNvGrpSpPr/>
+        <p:nvPr/>
+      </p:nvGrpSpPr>
+      <p:grpSpPr>
+        <a:xfrm>
+          <a:off x="0" y="0"/>
+          <a:ext cx="0" cy="0"/>
+          <a:chOff x="0" y="0"/>
+          <a:chExt cx="0" cy="0"/>
+        </a:xfrm>
+      </p:grpSpPr>
+      <p:pic>
+        <p:nvPicPr>
+          <p:cNvPr id="7" name="Picture 6"/>
+          <p:cNvPicPr>
+            <a:picLocks noChangeAspect="1"/>
+          </p:cNvPicPr>
+          <p:nvPr/>
+        </p:nvPicPr>
+        <p:blipFill>
+          <a:blip r:embed="rId2">
+            <a:extLst>
+              <a:ext uri="{28A0092B-C50C-407E-A947-70E740481C1C}">
+                <a14:useLocalDpi xmlns:a14="http://schemas.microsoft.com/office/drawing/2010/main" val="0"/>
+              </a:ext>
+            </a:extLst>
+          </a:blip>
+          <a:stretch>
+            <a:fillRect/>
+          </a:stretch>
+        </p:blipFill>
+        <p:spPr>
+          <a:xfrm>
+            <a:off x="6824569" y="2230888"/>
+            <a:ext cx="2028825" cy="2847975"/>
+          </a:xfrm>
+          <a:prstGeom prst="rect">
+            <a:avLst/>
+          </a:prstGeom>
+        </p:spPr>
+      </p:pic>
+      <p:pic>
+        <p:nvPicPr>
+          <p:cNvPr id="9" name="Picture 8"/>
+          <p:cNvPicPr>
+            <a:picLocks noChangeAspect="1"/>
+          </p:cNvPicPr>
+          <p:nvPr/>
+        </p:nvPicPr>
+        <p:blipFill>
+          <a:blip r:embed="rId3">
+            <a:extLst>
+              <a:ext uri="{28A0092B-C50C-407E-A947-70E740481C1C}">
+                <a14:useLocalDpi xmlns:a14="http://schemas.microsoft.com/office/drawing/2010/main" val="0"/>
+              </a:ext>
+            </a:extLst>
+          </a:blip>
+          <a:stretch>
+            <a:fillRect/>
+          </a:stretch>
+        </p:blipFill>
+        <p:spPr>
+          <a:xfrm>
+            <a:off x="8322839" y="4372883"/>
+            <a:ext cx="1496538" cy="1875189"/>
+          </a:xfrm>
+          <a:prstGeom prst="rect">
+            <a:avLst/>
+          </a:prstGeom>
+        </p:spPr>
+      </p:pic>
+      <p:sp>
+        <p:nvSpPr>
+          <p:cNvPr id="10" name="Title 1"/>
+          <p:cNvSpPr>
+            <a:spLocks noGrp="1"/>
+          </p:cNvSpPr>
+          <p:nvPr>
+            <p:ph type="title"/>
+          </p:nvPr>
+        </p:nvSpPr>
+        <p:spPr>
+          <a:xfrm>
+            <a:off x="838200" y="365125"/>
+            <a:ext cx="10515600" cy="1325563"/>
+          </a:xfrm>
+        </p:spPr>
+        <p:txBody>
+          <a:bodyPr/>
+          <a:lstStyle/>
+          <a:p>
+            <a:endParaRPr lang="en-US" dirty="0"/>
+          </a:p>
+        </p:txBody>
+      </p:sp>
+    </p:spTree>
+    <p:extLst>
+      <p:ext uri="{BB962C8B-B14F-4D97-AF65-F5344CB8AC3E}">
+        <p14:creationId xmlns:p14="http://schemas.microsoft.com/office/powerpoint/2010/main" val="3952716218"/>
+      </p:ext>
+    </p:extLst>
+  </p:cSld>
+  <p:clrMapOvr>
+    <a:masterClrMapping/>
+  </p:clrMapOvr>
+</p:sld>
+</file>
+
+<file path=ppt/slides/slide27.xml><?xml version="1.0" encoding="utf-8"?>
+<p:sld xmlns:a="http://schemas.openxmlformats.org/drawingml/2006/main" xmlns:r="http://schemas.openxmlformats.org/officeDocument/2006/relationships" xmlns:p="http://schemas.openxmlformats.org/presentationml/2006/main">
+  <p:cSld>
+    <p:spTree>
+      <p:nvGrpSpPr>
+        <p:cNvPr id="1" name=""/>
+        <p:cNvGrpSpPr/>
+        <p:nvPr/>
+      </p:nvGrpSpPr>
+      <p:grpSpPr>
+        <a:xfrm>
+          <a:off x="0" y="0"/>
+          <a:ext cx="0" cy="0"/>
+          <a:chOff x="0" y="0"/>
+          <a:chExt cx="0" cy="0"/>
+        </a:xfrm>
+      </p:grpSpPr>
+      <p:sp>
+        <p:nvSpPr>
+          <p:cNvPr id="2" name="Title 1"/>
+          <p:cNvSpPr>
+            <a:spLocks noGrp="1"/>
+          </p:cNvSpPr>
+          <p:nvPr>
+            <p:ph type="title"/>
+          </p:nvPr>
+        </p:nvSpPr>
+        <p:spPr/>
+        <p:txBody>
+          <a:bodyPr/>
+          <a:lstStyle/>
+          <a:p>
+            <a:r>
+              <a:rPr lang="en-US" dirty="0" smtClean="0"/>
+              <a:t>But Who Really Won?</a:t>
+            </a:r>
+            <a:endParaRPr lang="en-US" dirty="0"/>
+          </a:p>
+        </p:txBody>
+      </p:sp>
+      <p:pic>
+        <p:nvPicPr>
+          <p:cNvPr id="8" name="Picture 7"/>
+          <p:cNvPicPr>
+            <a:picLocks noChangeAspect="1"/>
+          </p:cNvPicPr>
+          <p:nvPr/>
+        </p:nvPicPr>
+        <p:blipFill>
+          <a:blip r:embed="rId2">
+            <a:extLst>
+              <a:ext uri="{28A0092B-C50C-407E-A947-70E740481C1C}">
+                <a14:useLocalDpi xmlns:a14="http://schemas.microsoft.com/office/drawing/2010/main" val="0"/>
+              </a:ext>
+            </a:extLst>
+          </a:blip>
+          <a:stretch>
+            <a:fillRect/>
+          </a:stretch>
+        </p:blipFill>
+        <p:spPr>
+          <a:xfrm>
+            <a:off x="1265464" y="2444183"/>
+            <a:ext cx="3229102" cy="2400300"/>
+          </a:xfrm>
+          <a:prstGeom prst="rect">
+            <a:avLst/>
+          </a:prstGeom>
+        </p:spPr>
+      </p:pic>
+      <p:pic>
+        <p:nvPicPr>
+          <p:cNvPr id="3" name="Picture 2"/>
+          <p:cNvPicPr>
+            <a:picLocks noChangeAspect="1"/>
+          </p:cNvPicPr>
+          <p:nvPr/>
+        </p:nvPicPr>
+        <p:blipFill>
+          <a:blip r:embed="rId3">
+            <a:extLst>
+              <a:ext uri="{28A0092B-C50C-407E-A947-70E740481C1C}">
+                <a14:useLocalDpi xmlns:a14="http://schemas.microsoft.com/office/drawing/2010/main" val="0"/>
+              </a:ext>
+            </a:extLst>
+          </a:blip>
+          <a:stretch>
+            <a:fillRect/>
+          </a:stretch>
+        </p:blipFill>
+        <p:spPr>
+          <a:xfrm>
+            <a:off x="5153025" y="2387032"/>
+            <a:ext cx="1885950" cy="2400300"/>
           </a:xfrm>
           <a:prstGeom prst="rect">
             <a:avLst/>
@@ -6239,8 +6752,8 @@
         </p:blipFill>
         <p:spPr>
           <a:xfrm>
-            <a:off x="7296018" y="1347272"/>
-            <a:ext cx="3212097" cy="1751076"/>
+            <a:off x="7900307" y="2501333"/>
+            <a:ext cx="2857500" cy="2286000"/>
           </a:xfrm>
           <a:prstGeom prst="rect">
             <a:avLst/>
@@ -6269,38 +6782,8 @@
         </p:blipFill>
         <p:spPr>
           <a:xfrm>
-            <a:off x="4300878" y="1279071"/>
-            <a:ext cx="2483852" cy="1819276"/>
-          </a:xfrm>
-          <a:prstGeom prst="rect">
-            <a:avLst/>
-          </a:prstGeom>
-        </p:spPr>
-      </p:pic>
-      <p:pic>
-        <p:nvPicPr>
-          <p:cNvPr id="10" name="Picture 9"/>
-          <p:cNvPicPr>
-            <a:picLocks noChangeAspect="1"/>
-          </p:cNvPicPr>
-          <p:nvPr/>
-        </p:nvPicPr>
-        <p:blipFill>
-          <a:blip r:embed="rId6">
-            <a:extLst>
-              <a:ext uri="{28A0092B-C50C-407E-A947-70E740481C1C}">
-                <a14:useLocalDpi xmlns:a14="http://schemas.microsoft.com/office/drawing/2010/main" val="0"/>
-              </a:ext>
-            </a:extLst>
-          </a:blip>
-          <a:stretch>
-            <a:fillRect/>
-          </a:stretch>
-        </p:blipFill>
-        <p:spPr>
-          <a:xfrm>
-            <a:off x="4300878" y="3709988"/>
-            <a:ext cx="2483852" cy="2181225"/>
+            <a:off x="9108621" y="4058670"/>
+            <a:ext cx="2857500" cy="1457325"/>
           </a:xfrm>
           <a:prstGeom prst="rect">
             <a:avLst/>
@@ -6310,329 +6793,7 @@
     </p:spTree>
     <p:extLst>
       <p:ext uri="{BB962C8B-B14F-4D97-AF65-F5344CB8AC3E}">
-        <p14:creationId xmlns:p14="http://schemas.microsoft.com/office/powerpoint/2010/main" val="2972852752"/>
-      </p:ext>
-    </p:extLst>
-  </p:cSld>
-  <p:clrMapOvr>
-    <a:masterClrMapping/>
-  </p:clrMapOvr>
-</p:sld>
-</file>
-
-<file path=ppt/slides/slide21.xml><?xml version="1.0" encoding="utf-8"?>
-<p:sld xmlns:a="http://schemas.openxmlformats.org/drawingml/2006/main" xmlns:r="http://schemas.openxmlformats.org/officeDocument/2006/relationships" xmlns:p="http://schemas.openxmlformats.org/presentationml/2006/main">
-  <p:cSld>
-    <p:spTree>
-      <p:nvGrpSpPr>
-        <p:cNvPr id="1" name=""/>
-        <p:cNvGrpSpPr/>
-        <p:nvPr/>
-      </p:nvGrpSpPr>
-      <p:grpSpPr>
-        <a:xfrm>
-          <a:off x="0" y="0"/>
-          <a:ext cx="0" cy="0"/>
-          <a:chOff x="0" y="0"/>
-          <a:chExt cx="0" cy="0"/>
-        </a:xfrm>
-      </p:grpSpPr>
-      <p:sp>
-        <p:nvSpPr>
-          <p:cNvPr id="2" name="Title 1"/>
-          <p:cNvSpPr>
-            <a:spLocks noGrp="1"/>
-          </p:cNvSpPr>
-          <p:nvPr>
-            <p:ph type="title"/>
-          </p:nvPr>
-        </p:nvSpPr>
-        <p:spPr/>
-        <p:txBody>
-          <a:bodyPr/>
-          <a:lstStyle/>
-          <a:p>
-            <a:r>
-              <a:rPr lang="en-US" dirty="0" smtClean="0"/>
-              <a:t>What Does This Have to Do With Software?</a:t>
-            </a:r>
-            <a:endParaRPr lang="en-US" dirty="0"/>
-          </a:p>
-        </p:txBody>
-      </p:sp>
-      <p:pic>
-        <p:nvPicPr>
-          <p:cNvPr id="4" name="Picture 3"/>
-          <p:cNvPicPr>
-            <a:picLocks noChangeAspect="1"/>
-          </p:cNvPicPr>
-          <p:nvPr/>
-        </p:nvPicPr>
-        <p:blipFill>
-          <a:blip r:embed="rId2">
-            <a:extLst>
-              <a:ext uri="{28A0092B-C50C-407E-A947-70E740481C1C}">
-                <a14:useLocalDpi xmlns:a14="http://schemas.microsoft.com/office/drawing/2010/main" val="0"/>
-              </a:ext>
-            </a:extLst>
-          </a:blip>
-          <a:stretch>
-            <a:fillRect/>
-          </a:stretch>
-        </p:blipFill>
-        <p:spPr>
-          <a:xfrm>
-            <a:off x="1507671" y="1825625"/>
-            <a:ext cx="2267535" cy="1965197"/>
-          </a:xfrm>
-          <a:prstGeom prst="rect">
-            <a:avLst/>
-          </a:prstGeom>
-        </p:spPr>
-      </p:pic>
-      <p:sp>
-        <p:nvSpPr>
-          <p:cNvPr id="5" name="Content Placeholder 2"/>
-          <p:cNvSpPr>
-            <a:spLocks noGrp="1"/>
-          </p:cNvSpPr>
-          <p:nvPr>
-            <p:ph idx="1"/>
-          </p:nvPr>
-        </p:nvSpPr>
-        <p:spPr>
-          <a:xfrm>
-            <a:off x="4914900" y="1825625"/>
-            <a:ext cx="2792186" cy="1965197"/>
-          </a:xfrm>
-        </p:spPr>
-        <p:txBody>
-          <a:bodyPr/>
-          <a:lstStyle/>
-          <a:p>
-            <a:r>
-              <a:rPr lang="en-US" dirty="0" smtClean="0"/>
-              <a:t>Language?</a:t>
-            </a:r>
-          </a:p>
-          <a:p>
-            <a:r>
-              <a:rPr lang="en-US" dirty="0" smtClean="0"/>
-              <a:t>Tools?</a:t>
-            </a:r>
-            <a:endParaRPr lang="en-US" dirty="0" smtClean="0"/>
-          </a:p>
-          <a:p>
-            <a:r>
-              <a:rPr lang="en-US" dirty="0" err="1" smtClean="0"/>
-              <a:t>TDD</a:t>
-            </a:r>
-            <a:r>
-              <a:rPr lang="en-US" dirty="0" smtClean="0"/>
-              <a:t>?</a:t>
-            </a:r>
-          </a:p>
-          <a:p>
-            <a:endParaRPr lang="en-US" dirty="0" smtClean="0"/>
-          </a:p>
-          <a:p>
-            <a:endParaRPr lang="en-US" dirty="0"/>
-          </a:p>
-        </p:txBody>
-      </p:sp>
-      <p:pic>
-        <p:nvPicPr>
-          <p:cNvPr id="6" name="Picture 5"/>
-          <p:cNvPicPr>
-            <a:picLocks noChangeAspect="1"/>
-          </p:cNvPicPr>
-          <p:nvPr/>
-        </p:nvPicPr>
-        <p:blipFill>
-          <a:blip r:embed="rId3">
-            <a:extLst>
-              <a:ext uri="{28A0092B-C50C-407E-A947-70E740481C1C}">
-                <a14:useLocalDpi xmlns:a14="http://schemas.microsoft.com/office/drawing/2010/main" val="0"/>
-              </a:ext>
-            </a:extLst>
-          </a:blip>
-          <a:stretch>
-            <a:fillRect/>
-          </a:stretch>
-        </p:blipFill>
-        <p:spPr>
-          <a:xfrm>
-            <a:off x="8846780" y="1690688"/>
-            <a:ext cx="1505534" cy="2113401"/>
-          </a:xfrm>
-          <a:prstGeom prst="rect">
-            <a:avLst/>
-          </a:prstGeom>
-        </p:spPr>
-      </p:pic>
-    </p:spTree>
-    <p:extLst>
-      <p:ext uri="{BB962C8B-B14F-4D97-AF65-F5344CB8AC3E}">
-        <p14:creationId xmlns:p14="http://schemas.microsoft.com/office/powerpoint/2010/main" val="1358624829"/>
-      </p:ext>
-    </p:extLst>
-  </p:cSld>
-  <p:clrMapOvr>
-    <a:masterClrMapping/>
-  </p:clrMapOvr>
-</p:sld>
-</file>
-
-<file path=ppt/slides/slide22.xml><?xml version="1.0" encoding="utf-8"?>
-<p:sld xmlns:a="http://schemas.openxmlformats.org/drawingml/2006/main" xmlns:r="http://schemas.openxmlformats.org/officeDocument/2006/relationships" xmlns:p="http://schemas.openxmlformats.org/presentationml/2006/main">
-  <p:cSld>
-    <p:spTree>
-      <p:nvGrpSpPr>
-        <p:cNvPr id="1" name=""/>
-        <p:cNvGrpSpPr/>
-        <p:nvPr/>
-      </p:nvGrpSpPr>
-      <p:grpSpPr>
-        <a:xfrm>
-          <a:off x="0" y="0"/>
-          <a:ext cx="0" cy="0"/>
-          <a:chOff x="0" y="0"/>
-          <a:chExt cx="0" cy="0"/>
-        </a:xfrm>
-      </p:grpSpPr>
-      <p:sp>
-        <p:nvSpPr>
-          <p:cNvPr id="2" name="Title 1"/>
-          <p:cNvSpPr>
-            <a:spLocks noGrp="1"/>
-          </p:cNvSpPr>
-          <p:nvPr>
-            <p:ph type="title"/>
-          </p:nvPr>
-        </p:nvSpPr>
-        <p:spPr/>
-        <p:txBody>
-          <a:bodyPr/>
-          <a:lstStyle/>
-          <a:p>
-            <a:r>
-              <a:rPr lang="en-US" dirty="0" smtClean="0"/>
-              <a:t>Context Switching Are A Killer</a:t>
-            </a:r>
-            <a:endParaRPr lang="en-US" dirty="0"/>
-          </a:p>
-        </p:txBody>
-      </p:sp>
-      <p:sp>
-        <p:nvSpPr>
-          <p:cNvPr id="3" name="Content Placeholder 2"/>
-          <p:cNvSpPr>
-            <a:spLocks noGrp="1"/>
-          </p:cNvSpPr>
-          <p:nvPr>
-            <p:ph idx="1"/>
-          </p:nvPr>
-        </p:nvSpPr>
-        <p:spPr/>
-        <p:txBody>
-          <a:bodyPr/>
-          <a:lstStyle/>
-          <a:p>
-            <a:r>
-              <a:rPr lang="en-US" dirty="0" smtClean="0"/>
-              <a:t>Is your idea “the code” ?</a:t>
-            </a:r>
-          </a:p>
-          <a:p>
-            <a:r>
-              <a:rPr lang="en-US" dirty="0" smtClean="0"/>
-              <a:t>; is this helpful?</a:t>
-            </a:r>
-          </a:p>
-          <a:p>
-            <a:endParaRPr lang="en-US" dirty="0"/>
-          </a:p>
-          <a:p>
-            <a:r>
-              <a:rPr lang="en-US" dirty="0" smtClean="0"/>
-              <a:t>Yan Chu’s talk</a:t>
-            </a:r>
-            <a:endParaRPr lang="en-US" dirty="0"/>
-          </a:p>
-        </p:txBody>
-      </p:sp>
-    </p:spTree>
-    <p:extLst>
-      <p:ext uri="{BB962C8B-B14F-4D97-AF65-F5344CB8AC3E}">
-        <p14:creationId xmlns:p14="http://schemas.microsoft.com/office/powerpoint/2010/main" val="3112480813"/>
-      </p:ext>
-    </p:extLst>
-  </p:cSld>
-  <p:clrMapOvr>
-    <a:masterClrMapping/>
-  </p:clrMapOvr>
-</p:sld>
-</file>
-
-<file path=ppt/slides/slide23.xml><?xml version="1.0" encoding="utf-8"?>
-<p:sld xmlns:a="http://schemas.openxmlformats.org/drawingml/2006/main" xmlns:r="http://schemas.openxmlformats.org/officeDocument/2006/relationships" xmlns:p="http://schemas.openxmlformats.org/presentationml/2006/main">
-  <p:cSld>
-    <p:spTree>
-      <p:nvGrpSpPr>
-        <p:cNvPr id="1" name=""/>
-        <p:cNvGrpSpPr/>
-        <p:nvPr/>
-      </p:nvGrpSpPr>
-      <p:grpSpPr>
-        <a:xfrm>
-          <a:off x="0" y="0"/>
-          <a:ext cx="0" cy="0"/>
-          <a:chOff x="0" y="0"/>
-          <a:chExt cx="0" cy="0"/>
-        </a:xfrm>
-      </p:grpSpPr>
-      <p:sp>
-        <p:nvSpPr>
-          <p:cNvPr id="2" name="Title 1"/>
-          <p:cNvSpPr>
-            <a:spLocks noGrp="1"/>
-          </p:cNvSpPr>
-          <p:nvPr>
-            <p:ph type="title"/>
-          </p:nvPr>
-        </p:nvSpPr>
-        <p:spPr/>
-        <p:txBody>
-          <a:bodyPr/>
-          <a:lstStyle/>
-          <a:p>
-            <a:endParaRPr lang="en-US"/>
-          </a:p>
-        </p:txBody>
-      </p:sp>
-      <p:sp>
-        <p:nvSpPr>
-          <p:cNvPr id="3" name="Content Placeholder 2"/>
-          <p:cNvSpPr>
-            <a:spLocks noGrp="1"/>
-          </p:cNvSpPr>
-          <p:nvPr>
-            <p:ph idx="1"/>
-          </p:nvPr>
-        </p:nvSpPr>
-        <p:spPr/>
-        <p:txBody>
-          <a:bodyPr/>
-          <a:lstStyle/>
-          <a:p>
-            <a:endParaRPr lang="en-US"/>
-          </a:p>
-        </p:txBody>
-      </p:sp>
-    </p:spTree>
-    <p:extLst>
-      <p:ext uri="{BB962C8B-B14F-4D97-AF65-F5344CB8AC3E}">
-        <p14:creationId xmlns:p14="http://schemas.microsoft.com/office/powerpoint/2010/main" val="2307311890"/>
+        <p14:creationId xmlns:p14="http://schemas.microsoft.com/office/powerpoint/2010/main" val="4228679331"/>
       </p:ext>
     </p:extLst>
   </p:cSld>
@@ -7445,31 +7606,2691 @@
           </a:p>
         </p:txBody>
       </p:sp>
-      <p:sp>
-        <p:nvSpPr>
-          <p:cNvPr id="3" name="Content Placeholder 2"/>
-          <p:cNvSpPr>
-            <a:spLocks noGrp="1"/>
-          </p:cNvSpPr>
+      <p:graphicFrame>
+        <p:nvGraphicFramePr>
+          <p:cNvPr id="4" name="Table 3"/>
+          <p:cNvGraphicFramePr>
+            <a:graphicFrameLocks noGrp="1"/>
+          </p:cNvGraphicFramePr>
+          <p:nvPr>
+            <p:extLst>
+              <p:ext uri="{D42A27DB-BD31-4B8C-83A1-F6EECF244321}">
+                <p14:modId xmlns:p14="http://schemas.microsoft.com/office/powerpoint/2010/main" val="3647715834"/>
+              </p:ext>
+            </p:extLst>
+          </p:nvPr>
+        </p:nvGraphicFramePr>
+        <p:xfrm>
+          <a:off x="6925359" y="1911566"/>
+          <a:ext cx="3799115" cy="2702604"/>
+        </p:xfrm>
+        <a:graphic>
+          <a:graphicData uri="http://schemas.openxmlformats.org/drawingml/2006/table">
+            <a:tbl>
+              <a:tblPr>
+                <a:tableStyleId>{5C22544A-7EE6-4342-B048-85BDC9FD1C3A}</a:tableStyleId>
+              </a:tblPr>
+              <a:tblGrid>
+                <a:gridCol w="759823"/>
+                <a:gridCol w="759823"/>
+                <a:gridCol w="759823"/>
+                <a:gridCol w="759823"/>
+                <a:gridCol w="759823"/>
+              </a:tblGrid>
+              <a:tr h="203970">
+                <a:tc>
+                  <a:txBody>
+                    <a:bodyPr/>
+                    <a:lstStyle/>
+                    <a:p>
+                      <a:pPr algn="l" fontAlgn="b"/>
+                      <a:r>
+                        <a:rPr lang="en-US" sz="1100" u="none" strike="noStrike" dirty="0">
+                          <a:effectLst/>
+                        </a:rPr>
+                        <a:t>WW</a:t>
+                      </a:r>
+                      <a:endParaRPr lang="en-US" sz="1100" b="1" i="0" u="none" strike="noStrike" dirty="0">
+                        <a:solidFill>
+                          <a:srgbClr val="000000"/>
+                        </a:solidFill>
+                        <a:effectLst/>
+                        <a:latin typeface="Calibri" panose="020F0502020204030204" pitchFamily="34" charset="0"/>
+                      </a:endParaRPr>
+                    </a:p>
+                  </a:txBody>
+                  <a:tcPr marL="7620" marR="7620" marT="7620" marB="0" anchor="b"/>
+                </a:tc>
+                <a:tc>
+                  <a:txBody>
+                    <a:bodyPr/>
+                    <a:lstStyle/>
+                    <a:p>
+                      <a:pPr algn="ctr" fontAlgn="b"/>
+                      <a:r>
+                        <a:rPr lang="en-US" sz="1100" u="none" strike="noStrike">
+                          <a:effectLst/>
+                        </a:rPr>
+                        <a:t>1900</a:t>
+                      </a:r>
+                      <a:endParaRPr lang="en-US" sz="1100" b="0" i="0" u="none" strike="noStrike">
+                        <a:solidFill>
+                          <a:srgbClr val="000000"/>
+                        </a:solidFill>
+                        <a:effectLst/>
+                        <a:latin typeface="Calibri" panose="020F0502020204030204" pitchFamily="34" charset="0"/>
+                      </a:endParaRPr>
+                    </a:p>
+                  </a:txBody>
+                  <a:tcPr marL="7620" marR="7620" marT="7620" marB="0" anchor="b"/>
+                </a:tc>
+                <a:tc>
+                  <a:txBody>
+                    <a:bodyPr/>
+                    <a:lstStyle/>
+                    <a:p>
+                      <a:pPr algn="ctr" fontAlgn="b"/>
+                      <a:r>
+                        <a:rPr lang="en-US" sz="1100" u="none" strike="noStrike">
+                          <a:effectLst/>
+                        </a:rPr>
+                        <a:t>1901</a:t>
+                      </a:r>
+                      <a:endParaRPr lang="en-US" sz="1100" b="0" i="0" u="none" strike="noStrike">
+                        <a:solidFill>
+                          <a:srgbClr val="000000"/>
+                        </a:solidFill>
+                        <a:effectLst/>
+                        <a:latin typeface="Calibri" panose="020F0502020204030204" pitchFamily="34" charset="0"/>
+                      </a:endParaRPr>
+                    </a:p>
+                  </a:txBody>
+                  <a:tcPr marL="7620" marR="7620" marT="7620" marB="0" anchor="b"/>
+                </a:tc>
+                <a:tc>
+                  <a:txBody>
+                    <a:bodyPr/>
+                    <a:lstStyle/>
+                    <a:p>
+                      <a:pPr algn="ctr" fontAlgn="b"/>
+                      <a:r>
+                        <a:rPr lang="en-US" sz="1100" u="none" strike="noStrike" dirty="0">
+                          <a:effectLst/>
+                        </a:rPr>
+                        <a:t>1902</a:t>
+                      </a:r>
+                      <a:endParaRPr lang="en-US" sz="1100" b="0" i="0" u="none" strike="noStrike" dirty="0">
+                        <a:solidFill>
+                          <a:srgbClr val="000000"/>
+                        </a:solidFill>
+                        <a:effectLst/>
+                        <a:latin typeface="Calibri" panose="020F0502020204030204" pitchFamily="34" charset="0"/>
+                      </a:endParaRPr>
+                    </a:p>
+                  </a:txBody>
+                  <a:tcPr marL="7620" marR="7620" marT="7620" marB="0" anchor="b"/>
+                </a:tc>
+                <a:tc>
+                  <a:txBody>
+                    <a:bodyPr/>
+                    <a:lstStyle/>
+                    <a:p>
+                      <a:pPr algn="ctr" fontAlgn="b"/>
+                      <a:r>
+                        <a:rPr lang="en-US" sz="1100" u="none" strike="noStrike">
+                          <a:effectLst/>
+                        </a:rPr>
+                        <a:t>1903</a:t>
+                      </a:r>
+                      <a:endParaRPr lang="en-US" sz="1100" b="0" i="0" u="none" strike="noStrike">
+                        <a:solidFill>
+                          <a:srgbClr val="000000"/>
+                        </a:solidFill>
+                        <a:effectLst/>
+                        <a:latin typeface="Calibri" panose="020F0502020204030204" pitchFamily="34" charset="0"/>
+                      </a:endParaRPr>
+                    </a:p>
+                  </a:txBody>
+                  <a:tcPr marL="7620" marR="7620" marT="7620" marB="0" anchor="b"/>
+                </a:tc>
+              </a:tr>
+              <a:tr h="203970">
+                <a:tc>
+                  <a:txBody>
+                    <a:bodyPr/>
+                    <a:lstStyle/>
+                    <a:p>
+                      <a:pPr algn="l" fontAlgn="b"/>
+                      <a:r>
+                        <a:rPr lang="en-US" sz="1100" u="none" strike="noStrike">
+                          <a:effectLst/>
+                        </a:rPr>
+                        <a:t>Jan</a:t>
+                      </a:r>
+                      <a:endParaRPr lang="en-US" sz="1100" b="0" i="0" u="none" strike="noStrike">
+                        <a:solidFill>
+                          <a:srgbClr val="000000"/>
+                        </a:solidFill>
+                        <a:effectLst/>
+                        <a:latin typeface="Calibri" panose="020F0502020204030204" pitchFamily="34" charset="0"/>
+                      </a:endParaRPr>
+                    </a:p>
+                  </a:txBody>
+                  <a:tcPr marL="7620" marR="7620" marT="7620" marB="0" anchor="b"/>
+                </a:tc>
+                <a:tc>
+                  <a:txBody>
+                    <a:bodyPr/>
+                    <a:lstStyle/>
+                    <a:p>
+                      <a:pPr algn="ctr" fontAlgn="b"/>
+                      <a:endParaRPr lang="en-US" sz="1100" b="0" i="0" u="none" strike="noStrike">
+                        <a:solidFill>
+                          <a:srgbClr val="000000"/>
+                        </a:solidFill>
+                        <a:effectLst/>
+                        <a:latin typeface="Calibri" panose="020F0502020204030204" pitchFamily="34" charset="0"/>
+                      </a:endParaRPr>
+                    </a:p>
+                  </a:txBody>
+                  <a:tcPr marL="7620" marR="7620" marT="7620" marB="0" anchor="b"/>
+                </a:tc>
+                <a:tc>
+                  <a:txBody>
+                    <a:bodyPr/>
+                    <a:lstStyle/>
+                    <a:p>
+                      <a:pPr algn="ctr" fontAlgn="b"/>
+                      <a:endParaRPr lang="en-US" sz="1100" b="0" i="0" u="none" strike="noStrike">
+                        <a:solidFill>
+                          <a:srgbClr val="000000"/>
+                        </a:solidFill>
+                        <a:effectLst/>
+                        <a:latin typeface="Calibri" panose="020F0502020204030204" pitchFamily="34" charset="0"/>
+                      </a:endParaRPr>
+                    </a:p>
+                  </a:txBody>
+                  <a:tcPr marL="7620" marR="7620" marT="7620" marB="0" anchor="b"/>
+                </a:tc>
+                <a:tc>
+                  <a:txBody>
+                    <a:bodyPr/>
+                    <a:lstStyle/>
+                    <a:p>
+                      <a:pPr algn="ctr" fontAlgn="b"/>
+                      <a:endParaRPr lang="en-US" sz="1100" b="0" i="0" u="none" strike="noStrike">
+                        <a:solidFill>
+                          <a:srgbClr val="000000"/>
+                        </a:solidFill>
+                        <a:effectLst/>
+                        <a:latin typeface="Calibri" panose="020F0502020204030204" pitchFamily="34" charset="0"/>
+                      </a:endParaRPr>
+                    </a:p>
+                  </a:txBody>
+                  <a:tcPr marL="7620" marR="7620" marT="7620" marB="0" anchor="b"/>
+                </a:tc>
+                <a:tc>
+                  <a:txBody>
+                    <a:bodyPr/>
+                    <a:lstStyle/>
+                    <a:p>
+                      <a:pPr algn="ctr" fontAlgn="b"/>
+                      <a:endParaRPr lang="en-US" sz="1100" b="0" i="0" u="none" strike="noStrike">
+                        <a:solidFill>
+                          <a:srgbClr val="000000"/>
+                        </a:solidFill>
+                        <a:effectLst/>
+                        <a:latin typeface="Calibri" panose="020F0502020204030204" pitchFamily="34" charset="0"/>
+                      </a:endParaRPr>
+                    </a:p>
+                  </a:txBody>
+                  <a:tcPr marL="7620" marR="7620" marT="7620" marB="0" anchor="b"/>
+                </a:tc>
+              </a:tr>
+              <a:tr h="203970">
+                <a:tc>
+                  <a:txBody>
+                    <a:bodyPr/>
+                    <a:lstStyle/>
+                    <a:p>
+                      <a:pPr algn="l" fontAlgn="b"/>
+                      <a:r>
+                        <a:rPr lang="en-US" sz="1100" u="none" strike="noStrike">
+                          <a:effectLst/>
+                        </a:rPr>
+                        <a:t>Feb</a:t>
+                      </a:r>
+                      <a:endParaRPr lang="en-US" sz="1100" b="0" i="0" u="none" strike="noStrike">
+                        <a:solidFill>
+                          <a:srgbClr val="000000"/>
+                        </a:solidFill>
+                        <a:effectLst/>
+                        <a:latin typeface="Calibri" panose="020F0502020204030204" pitchFamily="34" charset="0"/>
+                      </a:endParaRPr>
+                    </a:p>
+                  </a:txBody>
+                  <a:tcPr marL="7620" marR="7620" marT="7620" marB="0" anchor="b"/>
+                </a:tc>
+                <a:tc>
+                  <a:txBody>
+                    <a:bodyPr/>
+                    <a:lstStyle/>
+                    <a:p>
+                      <a:pPr algn="ctr" fontAlgn="b"/>
+                      <a:endParaRPr lang="en-US" sz="1100" b="0" i="0" u="none" strike="noStrike" dirty="0">
+                        <a:solidFill>
+                          <a:srgbClr val="000000"/>
+                        </a:solidFill>
+                        <a:effectLst/>
+                        <a:latin typeface="Calibri" panose="020F0502020204030204" pitchFamily="34" charset="0"/>
+                      </a:endParaRPr>
+                    </a:p>
+                  </a:txBody>
+                  <a:tcPr marL="7620" marR="7620" marT="7620" marB="0" anchor="b"/>
+                </a:tc>
+                <a:tc>
+                  <a:txBody>
+                    <a:bodyPr/>
+                    <a:lstStyle/>
+                    <a:p>
+                      <a:pPr algn="ctr" fontAlgn="b"/>
+                      <a:endParaRPr lang="en-US" sz="1100" b="0" i="0" u="none" strike="noStrike">
+                        <a:solidFill>
+                          <a:srgbClr val="000000"/>
+                        </a:solidFill>
+                        <a:effectLst/>
+                        <a:latin typeface="Calibri" panose="020F0502020204030204" pitchFamily="34" charset="0"/>
+                      </a:endParaRPr>
+                    </a:p>
+                  </a:txBody>
+                  <a:tcPr marL="7620" marR="7620" marT="7620" marB="0" anchor="b"/>
+                </a:tc>
+                <a:tc>
+                  <a:txBody>
+                    <a:bodyPr/>
+                    <a:lstStyle/>
+                    <a:p>
+                      <a:pPr algn="ctr" fontAlgn="b"/>
+                      <a:endParaRPr lang="en-US" sz="1100" b="0" i="0" u="none" strike="noStrike">
+                        <a:solidFill>
+                          <a:srgbClr val="000000"/>
+                        </a:solidFill>
+                        <a:effectLst/>
+                        <a:latin typeface="Calibri" panose="020F0502020204030204" pitchFamily="34" charset="0"/>
+                      </a:endParaRPr>
+                    </a:p>
+                  </a:txBody>
+                  <a:tcPr marL="7620" marR="7620" marT="7620" marB="0" anchor="b"/>
+                </a:tc>
+                <a:tc>
+                  <a:txBody>
+                    <a:bodyPr/>
+                    <a:lstStyle/>
+                    <a:p>
+                      <a:pPr algn="ctr" fontAlgn="b"/>
+                      <a:endParaRPr lang="en-US" sz="1100" b="0" i="0" u="none" strike="noStrike">
+                        <a:solidFill>
+                          <a:srgbClr val="000000"/>
+                        </a:solidFill>
+                        <a:effectLst/>
+                        <a:latin typeface="Calibri" panose="020F0502020204030204" pitchFamily="34" charset="0"/>
+                      </a:endParaRPr>
+                    </a:p>
+                  </a:txBody>
+                  <a:tcPr marL="7620" marR="7620" marT="7620" marB="0" anchor="b"/>
+                </a:tc>
+              </a:tr>
+              <a:tr h="203970">
+                <a:tc>
+                  <a:txBody>
+                    <a:bodyPr/>
+                    <a:lstStyle/>
+                    <a:p>
+                      <a:pPr algn="l" fontAlgn="b"/>
+                      <a:r>
+                        <a:rPr lang="en-US" sz="1100" u="none" strike="noStrike">
+                          <a:effectLst/>
+                        </a:rPr>
+                        <a:t>Mar</a:t>
+                      </a:r>
+                      <a:endParaRPr lang="en-US" sz="1100" b="0" i="0" u="none" strike="noStrike">
+                        <a:solidFill>
+                          <a:srgbClr val="000000"/>
+                        </a:solidFill>
+                        <a:effectLst/>
+                        <a:latin typeface="Calibri" panose="020F0502020204030204" pitchFamily="34" charset="0"/>
+                      </a:endParaRPr>
+                    </a:p>
+                  </a:txBody>
+                  <a:tcPr marL="7620" marR="7620" marT="7620" marB="0" anchor="b"/>
+                </a:tc>
+                <a:tc>
+                  <a:txBody>
+                    <a:bodyPr/>
+                    <a:lstStyle/>
+                    <a:p>
+                      <a:pPr algn="ctr" fontAlgn="b"/>
+                      <a:endParaRPr lang="en-US" sz="1100" b="0" i="0" u="none" strike="noStrike">
+                        <a:solidFill>
+                          <a:srgbClr val="000000"/>
+                        </a:solidFill>
+                        <a:effectLst/>
+                        <a:latin typeface="Calibri" panose="020F0502020204030204" pitchFamily="34" charset="0"/>
+                      </a:endParaRPr>
+                    </a:p>
+                  </a:txBody>
+                  <a:tcPr marL="7620" marR="7620" marT="7620" marB="0" anchor="b"/>
+                </a:tc>
+                <a:tc>
+                  <a:txBody>
+                    <a:bodyPr/>
+                    <a:lstStyle/>
+                    <a:p>
+                      <a:pPr algn="ctr" fontAlgn="b"/>
+                      <a:endParaRPr lang="en-US" sz="1100" b="0" i="0" u="none" strike="noStrike">
+                        <a:solidFill>
+                          <a:srgbClr val="000000"/>
+                        </a:solidFill>
+                        <a:effectLst/>
+                        <a:latin typeface="Calibri" panose="020F0502020204030204" pitchFamily="34" charset="0"/>
+                      </a:endParaRPr>
+                    </a:p>
+                  </a:txBody>
+                  <a:tcPr marL="7620" marR="7620" marT="7620" marB="0" anchor="b"/>
+                </a:tc>
+                <a:tc>
+                  <a:txBody>
+                    <a:bodyPr/>
+                    <a:lstStyle/>
+                    <a:p>
+                      <a:pPr algn="ctr" fontAlgn="b"/>
+                      <a:endParaRPr lang="en-US" sz="1100" b="0" i="0" u="none" strike="noStrike">
+                        <a:solidFill>
+                          <a:srgbClr val="000000"/>
+                        </a:solidFill>
+                        <a:effectLst/>
+                        <a:latin typeface="Calibri" panose="020F0502020204030204" pitchFamily="34" charset="0"/>
+                      </a:endParaRPr>
+                    </a:p>
+                  </a:txBody>
+                  <a:tcPr marL="7620" marR="7620" marT="7620" marB="0" anchor="b"/>
+                </a:tc>
+                <a:tc>
+                  <a:txBody>
+                    <a:bodyPr/>
+                    <a:lstStyle/>
+                    <a:p>
+                      <a:pPr algn="ctr" fontAlgn="b"/>
+                      <a:endParaRPr lang="en-US" sz="1100" b="0" i="0" u="none" strike="noStrike">
+                        <a:solidFill>
+                          <a:srgbClr val="000000"/>
+                        </a:solidFill>
+                        <a:effectLst/>
+                        <a:latin typeface="Calibri" panose="020F0502020204030204" pitchFamily="34" charset="0"/>
+                      </a:endParaRPr>
+                    </a:p>
+                  </a:txBody>
+                  <a:tcPr marL="7620" marR="7620" marT="7620" marB="0" anchor="b"/>
+                </a:tc>
+              </a:tr>
+              <a:tr h="203970">
+                <a:tc>
+                  <a:txBody>
+                    <a:bodyPr/>
+                    <a:lstStyle/>
+                    <a:p>
+                      <a:pPr algn="l" fontAlgn="b"/>
+                      <a:r>
+                        <a:rPr lang="en-US" sz="1100" u="none" strike="noStrike">
+                          <a:effectLst/>
+                        </a:rPr>
+                        <a:t>Apr</a:t>
+                      </a:r>
+                      <a:endParaRPr lang="en-US" sz="1100" b="0" i="0" u="none" strike="noStrike">
+                        <a:solidFill>
+                          <a:srgbClr val="000000"/>
+                        </a:solidFill>
+                        <a:effectLst/>
+                        <a:latin typeface="Calibri" panose="020F0502020204030204" pitchFamily="34" charset="0"/>
+                      </a:endParaRPr>
+                    </a:p>
+                  </a:txBody>
+                  <a:tcPr marL="7620" marR="7620" marT="7620" marB="0" anchor="b"/>
+                </a:tc>
+                <a:tc>
+                  <a:txBody>
+                    <a:bodyPr/>
+                    <a:lstStyle/>
+                    <a:p>
+                      <a:pPr algn="ctr" fontAlgn="b"/>
+                      <a:endParaRPr lang="en-US" sz="1100" b="0" i="0" u="none" strike="noStrike">
+                        <a:solidFill>
+                          <a:srgbClr val="000000"/>
+                        </a:solidFill>
+                        <a:effectLst/>
+                        <a:latin typeface="Calibri" panose="020F0502020204030204" pitchFamily="34" charset="0"/>
+                      </a:endParaRPr>
+                    </a:p>
+                  </a:txBody>
+                  <a:tcPr marL="7620" marR="7620" marT="7620" marB="0" anchor="b"/>
+                </a:tc>
+                <a:tc>
+                  <a:txBody>
+                    <a:bodyPr/>
+                    <a:lstStyle/>
+                    <a:p>
+                      <a:pPr algn="ctr" fontAlgn="b"/>
+                      <a:endParaRPr lang="en-US" sz="1100" b="0" i="0" u="none" strike="noStrike">
+                        <a:solidFill>
+                          <a:srgbClr val="000000"/>
+                        </a:solidFill>
+                        <a:effectLst/>
+                        <a:latin typeface="Calibri" panose="020F0502020204030204" pitchFamily="34" charset="0"/>
+                      </a:endParaRPr>
+                    </a:p>
+                  </a:txBody>
+                  <a:tcPr marL="7620" marR="7620" marT="7620" marB="0" anchor="b"/>
+                </a:tc>
+                <a:tc>
+                  <a:txBody>
+                    <a:bodyPr/>
+                    <a:lstStyle/>
+                    <a:p>
+                      <a:pPr algn="ctr" fontAlgn="b"/>
+                      <a:endParaRPr lang="en-US" sz="1100" b="0" i="0" u="none" strike="noStrike">
+                        <a:solidFill>
+                          <a:srgbClr val="000000"/>
+                        </a:solidFill>
+                        <a:effectLst/>
+                        <a:latin typeface="Calibri" panose="020F0502020204030204" pitchFamily="34" charset="0"/>
+                      </a:endParaRPr>
+                    </a:p>
+                  </a:txBody>
+                  <a:tcPr marL="7620" marR="7620" marT="7620" marB="0" anchor="b"/>
+                </a:tc>
+                <a:tc>
+                  <a:txBody>
+                    <a:bodyPr/>
+                    <a:lstStyle/>
+                    <a:p>
+                      <a:pPr algn="ctr" fontAlgn="b"/>
+                      <a:endParaRPr lang="en-US" sz="1100" b="0" i="0" u="none" strike="noStrike">
+                        <a:solidFill>
+                          <a:srgbClr val="000000"/>
+                        </a:solidFill>
+                        <a:effectLst/>
+                        <a:latin typeface="Calibri" panose="020F0502020204030204" pitchFamily="34" charset="0"/>
+                      </a:endParaRPr>
+                    </a:p>
+                  </a:txBody>
+                  <a:tcPr marL="7620" marR="7620" marT="7620" marB="0" anchor="b"/>
+                </a:tc>
+              </a:tr>
+              <a:tr h="203970">
+                <a:tc>
+                  <a:txBody>
+                    <a:bodyPr/>
+                    <a:lstStyle/>
+                    <a:p>
+                      <a:pPr algn="l" fontAlgn="b"/>
+                      <a:r>
+                        <a:rPr lang="en-US" sz="1100" u="none" strike="noStrike">
+                          <a:effectLst/>
+                        </a:rPr>
+                        <a:t>May</a:t>
+                      </a:r>
+                      <a:endParaRPr lang="en-US" sz="1100" b="0" i="0" u="none" strike="noStrike">
+                        <a:solidFill>
+                          <a:srgbClr val="000000"/>
+                        </a:solidFill>
+                        <a:effectLst/>
+                        <a:latin typeface="Calibri" panose="020F0502020204030204" pitchFamily="34" charset="0"/>
+                      </a:endParaRPr>
+                    </a:p>
+                  </a:txBody>
+                  <a:tcPr marL="7620" marR="7620" marT="7620" marB="0" anchor="b"/>
+                </a:tc>
+                <a:tc>
+                  <a:txBody>
+                    <a:bodyPr/>
+                    <a:lstStyle/>
+                    <a:p>
+                      <a:pPr algn="ctr" fontAlgn="b"/>
+                      <a:endParaRPr lang="en-US" sz="1100" b="0" i="0" u="none" strike="noStrike">
+                        <a:solidFill>
+                          <a:srgbClr val="000000"/>
+                        </a:solidFill>
+                        <a:effectLst/>
+                        <a:latin typeface="Calibri" panose="020F0502020204030204" pitchFamily="34" charset="0"/>
+                      </a:endParaRPr>
+                    </a:p>
+                  </a:txBody>
+                  <a:tcPr marL="7620" marR="7620" marT="7620" marB="0" anchor="b"/>
+                </a:tc>
+                <a:tc>
+                  <a:txBody>
+                    <a:bodyPr/>
+                    <a:lstStyle/>
+                    <a:p>
+                      <a:pPr algn="ctr" fontAlgn="b"/>
+                      <a:endParaRPr lang="en-US" sz="1100" b="0" i="0" u="none" strike="noStrike">
+                        <a:solidFill>
+                          <a:srgbClr val="000000"/>
+                        </a:solidFill>
+                        <a:effectLst/>
+                        <a:latin typeface="Calibri" panose="020F0502020204030204" pitchFamily="34" charset="0"/>
+                      </a:endParaRPr>
+                    </a:p>
+                  </a:txBody>
+                  <a:tcPr marL="7620" marR="7620" marT="7620" marB="0" anchor="b"/>
+                </a:tc>
+                <a:tc>
+                  <a:txBody>
+                    <a:bodyPr/>
+                    <a:lstStyle/>
+                    <a:p>
+                      <a:pPr algn="ctr" fontAlgn="b"/>
+                      <a:endParaRPr lang="en-US" sz="1100" b="0" i="0" u="none" strike="noStrike">
+                        <a:solidFill>
+                          <a:srgbClr val="000000"/>
+                        </a:solidFill>
+                        <a:effectLst/>
+                        <a:latin typeface="Calibri" panose="020F0502020204030204" pitchFamily="34" charset="0"/>
+                      </a:endParaRPr>
+                    </a:p>
+                  </a:txBody>
+                  <a:tcPr marL="7620" marR="7620" marT="7620" marB="0" anchor="b"/>
+                </a:tc>
+                <a:tc>
+                  <a:txBody>
+                    <a:bodyPr/>
+                    <a:lstStyle/>
+                    <a:p>
+                      <a:pPr algn="ctr" fontAlgn="b"/>
+                      <a:endParaRPr lang="en-US" sz="1100" b="0" i="0" u="none" strike="noStrike">
+                        <a:solidFill>
+                          <a:srgbClr val="000000"/>
+                        </a:solidFill>
+                        <a:effectLst/>
+                        <a:latin typeface="Calibri" panose="020F0502020204030204" pitchFamily="34" charset="0"/>
+                      </a:endParaRPr>
+                    </a:p>
+                  </a:txBody>
+                  <a:tcPr marL="7620" marR="7620" marT="7620" marB="0" anchor="b"/>
+                </a:tc>
+              </a:tr>
+              <a:tr h="212469">
+                <a:tc>
+                  <a:txBody>
+                    <a:bodyPr/>
+                    <a:lstStyle/>
+                    <a:p>
+                      <a:pPr algn="l" fontAlgn="b"/>
+                      <a:r>
+                        <a:rPr lang="en-US" sz="1100" u="none" strike="noStrike">
+                          <a:effectLst/>
+                        </a:rPr>
+                        <a:t>Jun</a:t>
+                      </a:r>
+                      <a:endParaRPr lang="en-US" sz="1100" b="0" i="0" u="none" strike="noStrike">
+                        <a:solidFill>
+                          <a:srgbClr val="000000"/>
+                        </a:solidFill>
+                        <a:effectLst/>
+                        <a:latin typeface="Calibri" panose="020F0502020204030204" pitchFamily="34" charset="0"/>
+                      </a:endParaRPr>
+                    </a:p>
+                  </a:txBody>
+                  <a:tcPr marL="7620" marR="7620" marT="7620" marB="0" anchor="b"/>
+                </a:tc>
+                <a:tc>
+                  <a:txBody>
+                    <a:bodyPr/>
+                    <a:lstStyle/>
+                    <a:p>
+                      <a:pPr algn="ctr" fontAlgn="b"/>
+                      <a:endParaRPr lang="en-US" sz="1100" b="0" i="0" u="none" strike="noStrike">
+                        <a:solidFill>
+                          <a:srgbClr val="000000"/>
+                        </a:solidFill>
+                        <a:effectLst/>
+                        <a:latin typeface="Calibri" panose="020F0502020204030204" pitchFamily="34" charset="0"/>
+                      </a:endParaRPr>
+                    </a:p>
+                  </a:txBody>
+                  <a:tcPr marL="7620" marR="7620" marT="7620" marB="0" anchor="b"/>
+                </a:tc>
+                <a:tc>
+                  <a:txBody>
+                    <a:bodyPr/>
+                    <a:lstStyle/>
+                    <a:p>
+                      <a:pPr algn="ctr" fontAlgn="b"/>
+                      <a:endParaRPr lang="en-US" sz="1100" b="0" i="0" u="none" strike="noStrike">
+                        <a:solidFill>
+                          <a:srgbClr val="000000"/>
+                        </a:solidFill>
+                        <a:effectLst/>
+                        <a:latin typeface="Calibri" panose="020F0502020204030204" pitchFamily="34" charset="0"/>
+                      </a:endParaRPr>
+                    </a:p>
+                  </a:txBody>
+                  <a:tcPr marL="7620" marR="7620" marT="7620" marB="0" anchor="b"/>
+                </a:tc>
+                <a:tc>
+                  <a:txBody>
+                    <a:bodyPr/>
+                    <a:lstStyle/>
+                    <a:p>
+                      <a:pPr algn="ctr" fontAlgn="b"/>
+                      <a:endParaRPr lang="en-US" sz="1100" b="0" i="0" u="none" strike="noStrike">
+                        <a:solidFill>
+                          <a:srgbClr val="000000"/>
+                        </a:solidFill>
+                        <a:effectLst/>
+                        <a:latin typeface="Calibri" panose="020F0502020204030204" pitchFamily="34" charset="0"/>
+                      </a:endParaRPr>
+                    </a:p>
+                  </a:txBody>
+                  <a:tcPr marL="7620" marR="7620" marT="7620" marB="0" anchor="b"/>
+                </a:tc>
+                <a:tc>
+                  <a:txBody>
+                    <a:bodyPr/>
+                    <a:lstStyle/>
+                    <a:p>
+                      <a:pPr algn="ctr" fontAlgn="b"/>
+                      <a:endParaRPr lang="en-US" sz="1100" b="0" i="0" u="none" strike="noStrike">
+                        <a:solidFill>
+                          <a:srgbClr val="000000"/>
+                        </a:solidFill>
+                        <a:effectLst/>
+                        <a:latin typeface="Calibri" panose="020F0502020204030204" pitchFamily="34" charset="0"/>
+                      </a:endParaRPr>
+                    </a:p>
+                  </a:txBody>
+                  <a:tcPr marL="7620" marR="7620" marT="7620" marB="0" anchor="b"/>
+                </a:tc>
+              </a:tr>
+              <a:tr h="212469">
+                <a:tc>
+                  <a:txBody>
+                    <a:bodyPr/>
+                    <a:lstStyle/>
+                    <a:p>
+                      <a:pPr algn="l" fontAlgn="b"/>
+                      <a:r>
+                        <a:rPr lang="en-US" sz="1100" u="none" strike="noStrike">
+                          <a:effectLst/>
+                        </a:rPr>
+                        <a:t>Jul</a:t>
+                      </a:r>
+                      <a:endParaRPr lang="en-US" sz="1100" b="0" i="0" u="none" strike="noStrike">
+                        <a:solidFill>
+                          <a:srgbClr val="000000"/>
+                        </a:solidFill>
+                        <a:effectLst/>
+                        <a:latin typeface="Calibri" panose="020F0502020204030204" pitchFamily="34" charset="0"/>
+                      </a:endParaRPr>
+                    </a:p>
+                  </a:txBody>
+                  <a:tcPr marL="7620" marR="7620" marT="7620" marB="0" anchor="b"/>
+                </a:tc>
+                <a:tc>
+                  <a:txBody>
+                    <a:bodyPr/>
+                    <a:lstStyle/>
+                    <a:p>
+                      <a:pPr algn="ctr" fontAlgn="b"/>
+                      <a:endParaRPr lang="en-US" sz="1100" b="0" i="0" u="none" strike="noStrike">
+                        <a:solidFill>
+                          <a:srgbClr val="000000"/>
+                        </a:solidFill>
+                        <a:effectLst/>
+                        <a:latin typeface="Calibri" panose="020F0502020204030204" pitchFamily="34" charset="0"/>
+                      </a:endParaRPr>
+                    </a:p>
+                  </a:txBody>
+                  <a:tcPr marL="7620" marR="7620" marT="7620" marB="0" anchor="b"/>
+                </a:tc>
+                <a:tc>
+                  <a:txBody>
+                    <a:bodyPr/>
+                    <a:lstStyle/>
+                    <a:p>
+                      <a:pPr algn="ctr" fontAlgn="b"/>
+                      <a:r>
+                        <a:rPr lang="en-US" sz="1100" u="none" strike="noStrike">
+                          <a:effectLst/>
+                        </a:rPr>
+                        <a:t>15</a:t>
+                      </a:r>
+                      <a:endParaRPr lang="en-US" sz="1100" b="0" i="0" u="none" strike="noStrike">
+                        <a:solidFill>
+                          <a:srgbClr val="000000"/>
+                        </a:solidFill>
+                        <a:effectLst/>
+                        <a:latin typeface="Calibri" panose="020F0502020204030204" pitchFamily="34" charset="0"/>
+                      </a:endParaRPr>
+                    </a:p>
+                  </a:txBody>
+                  <a:tcPr marL="7620" marR="7620" marT="7620" marB="0" anchor="b"/>
+                </a:tc>
+                <a:tc>
+                  <a:txBody>
+                    <a:bodyPr/>
+                    <a:lstStyle/>
+                    <a:p>
+                      <a:pPr algn="ctr" fontAlgn="b"/>
+                      <a:endParaRPr lang="en-US" sz="1100" b="0" i="0" u="none" strike="noStrike">
+                        <a:solidFill>
+                          <a:srgbClr val="000000"/>
+                        </a:solidFill>
+                        <a:effectLst/>
+                        <a:latin typeface="Calibri" panose="020F0502020204030204" pitchFamily="34" charset="0"/>
+                      </a:endParaRPr>
+                    </a:p>
+                  </a:txBody>
+                  <a:tcPr marL="7620" marR="7620" marT="7620" marB="0" anchor="b"/>
+                </a:tc>
+                <a:tc>
+                  <a:txBody>
+                    <a:bodyPr/>
+                    <a:lstStyle/>
+                    <a:p>
+                      <a:pPr algn="ctr" fontAlgn="b"/>
+                      <a:endParaRPr lang="en-US" sz="1100" b="0" i="0" u="none" strike="noStrike">
+                        <a:solidFill>
+                          <a:srgbClr val="000000"/>
+                        </a:solidFill>
+                        <a:effectLst/>
+                        <a:latin typeface="Calibri" panose="020F0502020204030204" pitchFamily="34" charset="0"/>
+                      </a:endParaRPr>
+                    </a:p>
+                  </a:txBody>
+                  <a:tcPr marL="7620" marR="7620" marT="7620" marB="0" anchor="b"/>
+                </a:tc>
+              </a:tr>
+              <a:tr h="212469">
+                <a:tc>
+                  <a:txBody>
+                    <a:bodyPr/>
+                    <a:lstStyle/>
+                    <a:p>
+                      <a:pPr algn="l" fontAlgn="b"/>
+                      <a:r>
+                        <a:rPr lang="en-US" sz="1100" u="none" strike="noStrike">
+                          <a:effectLst/>
+                        </a:rPr>
+                        <a:t>Aug</a:t>
+                      </a:r>
+                      <a:endParaRPr lang="en-US" sz="1100" b="0" i="0" u="none" strike="noStrike">
+                        <a:solidFill>
+                          <a:srgbClr val="000000"/>
+                        </a:solidFill>
+                        <a:effectLst/>
+                        <a:latin typeface="Calibri" panose="020F0502020204030204" pitchFamily="34" charset="0"/>
+                      </a:endParaRPr>
+                    </a:p>
+                  </a:txBody>
+                  <a:tcPr marL="7620" marR="7620" marT="7620" marB="0" anchor="b"/>
+                </a:tc>
+                <a:tc>
+                  <a:txBody>
+                    <a:bodyPr/>
+                    <a:lstStyle/>
+                    <a:p>
+                      <a:pPr algn="ctr" fontAlgn="b"/>
+                      <a:endParaRPr lang="en-US" sz="1100" b="0" i="0" u="none" strike="noStrike">
+                        <a:solidFill>
+                          <a:srgbClr val="000000"/>
+                        </a:solidFill>
+                        <a:effectLst/>
+                        <a:latin typeface="Calibri" panose="020F0502020204030204" pitchFamily="34" charset="0"/>
+                      </a:endParaRPr>
+                    </a:p>
+                  </a:txBody>
+                  <a:tcPr marL="7620" marR="7620" marT="7620" marB="0" anchor="b"/>
+                </a:tc>
+                <a:tc>
+                  <a:txBody>
+                    <a:bodyPr/>
+                    <a:lstStyle/>
+                    <a:p>
+                      <a:pPr algn="ctr" fontAlgn="b"/>
+                      <a:r>
+                        <a:rPr lang="en-US" sz="1100" u="none" strike="noStrike">
+                          <a:effectLst/>
+                        </a:rPr>
+                        <a:t>60</a:t>
+                      </a:r>
+                      <a:endParaRPr lang="en-US" sz="1100" b="0" i="0" u="none" strike="noStrike">
+                        <a:solidFill>
+                          <a:srgbClr val="000000"/>
+                        </a:solidFill>
+                        <a:effectLst/>
+                        <a:latin typeface="Calibri" panose="020F0502020204030204" pitchFamily="34" charset="0"/>
+                      </a:endParaRPr>
+                    </a:p>
+                  </a:txBody>
+                  <a:tcPr marL="7620" marR="7620" marT="7620" marB="0" anchor="b"/>
+                </a:tc>
+                <a:tc>
+                  <a:txBody>
+                    <a:bodyPr/>
+                    <a:lstStyle/>
+                    <a:p>
+                      <a:pPr algn="ctr" fontAlgn="b"/>
+                      <a:r>
+                        <a:rPr lang="en-US" sz="1100" u="none" strike="noStrike">
+                          <a:effectLst/>
+                        </a:rPr>
+                        <a:t> </a:t>
+                      </a:r>
+                      <a:endParaRPr lang="en-US" sz="1100" b="0" i="0" u="none" strike="noStrike">
+                        <a:solidFill>
+                          <a:srgbClr val="000000"/>
+                        </a:solidFill>
+                        <a:effectLst/>
+                        <a:latin typeface="Calibri" panose="020F0502020204030204" pitchFamily="34" charset="0"/>
+                      </a:endParaRPr>
+                    </a:p>
+                  </a:txBody>
+                  <a:tcPr marL="7620" marR="7620" marT="7620" marB="0" anchor="b"/>
+                </a:tc>
+                <a:tc>
+                  <a:txBody>
+                    <a:bodyPr/>
+                    <a:lstStyle/>
+                    <a:p>
+                      <a:pPr algn="ctr" fontAlgn="b"/>
+                      <a:endParaRPr lang="en-US" sz="1100" b="0" i="0" u="none" strike="noStrike">
+                        <a:solidFill>
+                          <a:srgbClr val="000000"/>
+                        </a:solidFill>
+                        <a:effectLst/>
+                        <a:latin typeface="Calibri" panose="020F0502020204030204" pitchFamily="34" charset="0"/>
+                      </a:endParaRPr>
+                    </a:p>
+                  </a:txBody>
+                  <a:tcPr marL="7620" marR="7620" marT="7620" marB="0" anchor="b"/>
+                </a:tc>
+              </a:tr>
+              <a:tr h="212469">
+                <a:tc>
+                  <a:txBody>
+                    <a:bodyPr/>
+                    <a:lstStyle/>
+                    <a:p>
+                      <a:pPr algn="l" fontAlgn="b"/>
+                      <a:r>
+                        <a:rPr lang="en-US" sz="1100" u="none" strike="noStrike">
+                          <a:effectLst/>
+                        </a:rPr>
+                        <a:t>Sep</a:t>
+                      </a:r>
+                      <a:endParaRPr lang="en-US" sz="1100" b="0" i="0" u="none" strike="noStrike">
+                        <a:solidFill>
+                          <a:srgbClr val="000000"/>
+                        </a:solidFill>
+                        <a:effectLst/>
+                        <a:latin typeface="Calibri" panose="020F0502020204030204" pitchFamily="34" charset="0"/>
+                      </a:endParaRPr>
+                    </a:p>
+                  </a:txBody>
+                  <a:tcPr marL="7620" marR="7620" marT="7620" marB="0" anchor="b"/>
+                </a:tc>
+                <a:tc>
+                  <a:txBody>
+                    <a:bodyPr/>
+                    <a:lstStyle/>
+                    <a:p>
+                      <a:pPr algn="ctr" fontAlgn="b"/>
+                      <a:r>
+                        <a:rPr lang="en-US" sz="1100" u="none" strike="noStrike">
+                          <a:effectLst/>
+                        </a:rPr>
+                        <a:t> </a:t>
+                      </a:r>
+                      <a:endParaRPr lang="en-US" sz="1100" b="0" i="0" u="none" strike="noStrike">
+                        <a:solidFill>
+                          <a:srgbClr val="000000"/>
+                        </a:solidFill>
+                        <a:effectLst/>
+                        <a:latin typeface="Calibri" panose="020F0502020204030204" pitchFamily="34" charset="0"/>
+                      </a:endParaRPr>
+                    </a:p>
+                  </a:txBody>
+                  <a:tcPr marL="7620" marR="7620" marT="7620" marB="0" anchor="b"/>
+                </a:tc>
+                <a:tc>
+                  <a:txBody>
+                    <a:bodyPr/>
+                    <a:lstStyle/>
+                    <a:p>
+                      <a:pPr algn="ctr" fontAlgn="b"/>
+                      <a:endParaRPr lang="en-US" sz="1100" b="0" i="0" u="none" strike="noStrike">
+                        <a:solidFill>
+                          <a:srgbClr val="000000"/>
+                        </a:solidFill>
+                        <a:effectLst/>
+                        <a:latin typeface="Calibri" panose="020F0502020204030204" pitchFamily="34" charset="0"/>
+                      </a:endParaRPr>
+                    </a:p>
+                  </a:txBody>
+                  <a:tcPr marL="7620" marR="7620" marT="7620" marB="0" anchor="b"/>
+                </a:tc>
+                <a:tc>
+                  <a:txBody>
+                    <a:bodyPr/>
+                    <a:lstStyle/>
+                    <a:p>
+                      <a:pPr algn="ctr" fontAlgn="b"/>
+                      <a:r>
+                        <a:rPr lang="en-US" sz="1100" u="none" strike="noStrike">
+                          <a:effectLst/>
+                        </a:rPr>
+                        <a:t>25</a:t>
+                      </a:r>
+                      <a:endParaRPr lang="en-US" sz="1100" b="0" i="0" u="none" strike="noStrike">
+                        <a:solidFill>
+                          <a:srgbClr val="000000"/>
+                        </a:solidFill>
+                        <a:effectLst/>
+                        <a:latin typeface="Calibri" panose="020F0502020204030204" pitchFamily="34" charset="0"/>
+                      </a:endParaRPr>
+                    </a:p>
+                  </a:txBody>
+                  <a:tcPr marL="7620" marR="7620" marT="7620" marB="0" anchor="b"/>
+                </a:tc>
+                <a:tc>
+                  <a:txBody>
+                    <a:bodyPr/>
+                    <a:lstStyle/>
+                    <a:p>
+                      <a:pPr algn="ctr" fontAlgn="b"/>
+                      <a:endParaRPr lang="en-US" sz="1100" b="0" i="0" u="none" strike="noStrike">
+                        <a:solidFill>
+                          <a:srgbClr val="000000"/>
+                        </a:solidFill>
+                        <a:effectLst/>
+                        <a:latin typeface="Calibri" panose="020F0502020204030204" pitchFamily="34" charset="0"/>
+                      </a:endParaRPr>
+                    </a:p>
+                  </a:txBody>
+                  <a:tcPr marL="7620" marR="7620" marT="7620" marB="0" anchor="b"/>
+                </a:tc>
+              </a:tr>
+              <a:tr h="212469">
+                <a:tc>
+                  <a:txBody>
+                    <a:bodyPr/>
+                    <a:lstStyle/>
+                    <a:p>
+                      <a:pPr algn="l" fontAlgn="b"/>
+                      <a:r>
+                        <a:rPr lang="en-US" sz="1100" u="none" strike="noStrike">
+                          <a:effectLst/>
+                        </a:rPr>
+                        <a:t>Oct</a:t>
+                      </a:r>
+                      <a:endParaRPr lang="en-US" sz="1100" b="0" i="0" u="none" strike="noStrike">
+                        <a:solidFill>
+                          <a:srgbClr val="000000"/>
+                        </a:solidFill>
+                        <a:effectLst/>
+                        <a:latin typeface="Calibri" panose="020F0502020204030204" pitchFamily="34" charset="0"/>
+                      </a:endParaRPr>
+                    </a:p>
+                  </a:txBody>
+                  <a:tcPr marL="7620" marR="7620" marT="7620" marB="0" anchor="b"/>
+                </a:tc>
+                <a:tc>
+                  <a:txBody>
+                    <a:bodyPr/>
+                    <a:lstStyle/>
+                    <a:p>
+                      <a:pPr algn="ctr" fontAlgn="b"/>
+                      <a:r>
+                        <a:rPr lang="en-US" sz="1100" u="none" strike="noStrike">
+                          <a:effectLst/>
+                        </a:rPr>
+                        <a:t>50</a:t>
+                      </a:r>
+                      <a:endParaRPr lang="en-US" sz="1100" b="0" i="0" u="none" strike="noStrike">
+                        <a:solidFill>
+                          <a:srgbClr val="000000"/>
+                        </a:solidFill>
+                        <a:effectLst/>
+                        <a:latin typeface="Calibri" panose="020F0502020204030204" pitchFamily="34" charset="0"/>
+                      </a:endParaRPr>
+                    </a:p>
+                  </a:txBody>
+                  <a:tcPr marL="7620" marR="7620" marT="7620" marB="0" anchor="b"/>
+                </a:tc>
+                <a:tc>
+                  <a:txBody>
+                    <a:bodyPr/>
+                    <a:lstStyle/>
+                    <a:p>
+                      <a:pPr algn="ctr" fontAlgn="b"/>
+                      <a:endParaRPr lang="en-US" sz="1100" b="0" i="0" u="none" strike="noStrike">
+                        <a:solidFill>
+                          <a:srgbClr val="000000"/>
+                        </a:solidFill>
+                        <a:effectLst/>
+                        <a:latin typeface="Calibri" panose="020F0502020204030204" pitchFamily="34" charset="0"/>
+                      </a:endParaRPr>
+                    </a:p>
+                  </a:txBody>
+                  <a:tcPr marL="7620" marR="7620" marT="7620" marB="0" anchor="b"/>
+                </a:tc>
+                <a:tc>
+                  <a:txBody>
+                    <a:bodyPr/>
+                    <a:lstStyle/>
+                    <a:p>
+                      <a:pPr algn="ctr" fontAlgn="b"/>
+                      <a:r>
+                        <a:rPr lang="en-US" sz="1100" u="none" strike="noStrike">
+                          <a:effectLst/>
+                        </a:rPr>
+                        <a:t>350</a:t>
+                      </a:r>
+                      <a:endParaRPr lang="en-US" sz="1100" b="0" i="0" u="none" strike="noStrike">
+                        <a:solidFill>
+                          <a:srgbClr val="000000"/>
+                        </a:solidFill>
+                        <a:effectLst/>
+                        <a:latin typeface="Calibri" panose="020F0502020204030204" pitchFamily="34" charset="0"/>
+                      </a:endParaRPr>
+                    </a:p>
+                  </a:txBody>
+                  <a:tcPr marL="7620" marR="7620" marT="7620" marB="0" anchor="b"/>
+                </a:tc>
+                <a:tc>
+                  <a:txBody>
+                    <a:bodyPr/>
+                    <a:lstStyle/>
+                    <a:p>
+                      <a:pPr algn="ctr" fontAlgn="b"/>
+                      <a:r>
+                        <a:rPr lang="en-US" sz="1100" u="none" strike="noStrike">
+                          <a:effectLst/>
+                        </a:rPr>
+                        <a:t> </a:t>
+                      </a:r>
+                      <a:endParaRPr lang="en-US" sz="1100" b="0" i="0" u="none" strike="noStrike">
+                        <a:solidFill>
+                          <a:srgbClr val="000000"/>
+                        </a:solidFill>
+                        <a:effectLst/>
+                        <a:latin typeface="Calibri" panose="020F0502020204030204" pitchFamily="34" charset="0"/>
+                      </a:endParaRPr>
+                    </a:p>
+                  </a:txBody>
+                  <a:tcPr marL="7620" marR="7620" marT="7620" marB="0" anchor="b"/>
+                </a:tc>
+              </a:tr>
+              <a:tr h="203970">
+                <a:tc>
+                  <a:txBody>
+                    <a:bodyPr/>
+                    <a:lstStyle/>
+                    <a:p>
+                      <a:pPr algn="l" fontAlgn="b"/>
+                      <a:r>
+                        <a:rPr lang="en-US" sz="1100" u="none" strike="noStrike">
+                          <a:effectLst/>
+                        </a:rPr>
+                        <a:t>Nov</a:t>
+                      </a:r>
+                      <a:endParaRPr lang="en-US" sz="1100" b="0" i="0" u="none" strike="noStrike">
+                        <a:solidFill>
+                          <a:srgbClr val="000000"/>
+                        </a:solidFill>
+                        <a:effectLst/>
+                        <a:latin typeface="Calibri" panose="020F0502020204030204" pitchFamily="34" charset="0"/>
+                      </a:endParaRPr>
+                    </a:p>
+                  </a:txBody>
+                  <a:tcPr marL="7620" marR="7620" marT="7620" marB="0" anchor="b"/>
+                </a:tc>
+                <a:tc>
+                  <a:txBody>
+                    <a:bodyPr/>
+                    <a:lstStyle/>
+                    <a:p>
+                      <a:pPr algn="ctr" fontAlgn="b"/>
+                      <a:endParaRPr lang="en-US" sz="1100" b="0" i="0" u="none" strike="noStrike">
+                        <a:solidFill>
+                          <a:srgbClr val="000000"/>
+                        </a:solidFill>
+                        <a:effectLst/>
+                        <a:latin typeface="Calibri" panose="020F0502020204030204" pitchFamily="34" charset="0"/>
+                      </a:endParaRPr>
+                    </a:p>
+                  </a:txBody>
+                  <a:tcPr marL="7620" marR="7620" marT="7620" marB="0" anchor="b"/>
+                </a:tc>
+                <a:tc>
+                  <a:txBody>
+                    <a:bodyPr/>
+                    <a:lstStyle/>
+                    <a:p>
+                      <a:pPr algn="ctr" fontAlgn="b"/>
+                      <a:endParaRPr lang="en-US" sz="1100" b="0" i="0" u="none" strike="noStrike">
+                        <a:solidFill>
+                          <a:srgbClr val="000000"/>
+                        </a:solidFill>
+                        <a:effectLst/>
+                        <a:latin typeface="Calibri" panose="020F0502020204030204" pitchFamily="34" charset="0"/>
+                      </a:endParaRPr>
+                    </a:p>
+                  </a:txBody>
+                  <a:tcPr marL="7620" marR="7620" marT="7620" marB="0" anchor="b"/>
+                </a:tc>
+                <a:tc>
+                  <a:txBody>
+                    <a:bodyPr/>
+                    <a:lstStyle/>
+                    <a:p>
+                      <a:pPr algn="ctr" fontAlgn="b"/>
+                      <a:endParaRPr lang="en-US" sz="1100" b="0" i="0" u="none" strike="noStrike">
+                        <a:solidFill>
+                          <a:srgbClr val="000000"/>
+                        </a:solidFill>
+                        <a:effectLst/>
+                        <a:latin typeface="Calibri" panose="020F0502020204030204" pitchFamily="34" charset="0"/>
+                      </a:endParaRPr>
+                    </a:p>
+                  </a:txBody>
+                  <a:tcPr marL="7620" marR="7620" marT="7620" marB="0" anchor="b"/>
+                </a:tc>
+                <a:tc>
+                  <a:txBody>
+                    <a:bodyPr/>
+                    <a:lstStyle/>
+                    <a:p>
+                      <a:pPr algn="ctr" fontAlgn="b"/>
+                      <a:r>
+                        <a:rPr lang="en-US" sz="1100" u="none" strike="noStrike">
+                          <a:effectLst/>
+                        </a:rPr>
+                        <a:t> </a:t>
+                      </a:r>
+                      <a:endParaRPr lang="en-US" sz="1100" b="0" i="0" u="none" strike="noStrike">
+                        <a:solidFill>
+                          <a:srgbClr val="000000"/>
+                        </a:solidFill>
+                        <a:effectLst/>
+                        <a:latin typeface="Calibri" panose="020F0502020204030204" pitchFamily="34" charset="0"/>
+                      </a:endParaRPr>
+                    </a:p>
+                  </a:txBody>
+                  <a:tcPr marL="7620" marR="7620" marT="7620" marB="0" anchor="b"/>
+                </a:tc>
+              </a:tr>
+              <a:tr h="212469">
+                <a:tc>
+                  <a:txBody>
+                    <a:bodyPr/>
+                    <a:lstStyle/>
+                    <a:p>
+                      <a:pPr algn="l" fontAlgn="b"/>
+                      <a:r>
+                        <a:rPr lang="en-US" sz="1100" u="none" strike="noStrike">
+                          <a:effectLst/>
+                        </a:rPr>
+                        <a:t>Dec</a:t>
+                      </a:r>
+                      <a:endParaRPr lang="en-US" sz="1100" b="0" i="0" u="none" strike="noStrike">
+                        <a:solidFill>
+                          <a:srgbClr val="000000"/>
+                        </a:solidFill>
+                        <a:effectLst/>
+                        <a:latin typeface="Calibri" panose="020F0502020204030204" pitchFamily="34" charset="0"/>
+                      </a:endParaRPr>
+                    </a:p>
+                  </a:txBody>
+                  <a:tcPr marL="7620" marR="7620" marT="7620" marB="0" anchor="b"/>
+                </a:tc>
+                <a:tc>
+                  <a:txBody>
+                    <a:bodyPr/>
+                    <a:lstStyle/>
+                    <a:p>
+                      <a:pPr algn="ctr" fontAlgn="b"/>
+                      <a:endParaRPr lang="en-US" sz="1100" b="0" i="0" u="none" strike="noStrike">
+                        <a:solidFill>
+                          <a:srgbClr val="000000"/>
+                        </a:solidFill>
+                        <a:effectLst/>
+                        <a:latin typeface="Calibri" panose="020F0502020204030204" pitchFamily="34" charset="0"/>
+                      </a:endParaRPr>
+                    </a:p>
+                  </a:txBody>
+                  <a:tcPr marL="7620" marR="7620" marT="7620" marB="0" anchor="b"/>
+                </a:tc>
+                <a:tc>
+                  <a:txBody>
+                    <a:bodyPr/>
+                    <a:lstStyle/>
+                    <a:p>
+                      <a:pPr algn="ctr" fontAlgn="b"/>
+                      <a:endParaRPr lang="en-US" sz="1100" b="0" i="0" u="none" strike="noStrike">
+                        <a:solidFill>
+                          <a:srgbClr val="000000"/>
+                        </a:solidFill>
+                        <a:effectLst/>
+                        <a:latin typeface="Calibri" panose="020F0502020204030204" pitchFamily="34" charset="0"/>
+                      </a:endParaRPr>
+                    </a:p>
+                  </a:txBody>
+                  <a:tcPr marL="7620" marR="7620" marT="7620" marB="0" anchor="b"/>
+                </a:tc>
+                <a:tc>
+                  <a:txBody>
+                    <a:bodyPr/>
+                    <a:lstStyle/>
+                    <a:p>
+                      <a:pPr algn="ctr" fontAlgn="b"/>
+                      <a:endParaRPr lang="en-US" sz="1100" b="0" i="0" u="none" strike="noStrike">
+                        <a:solidFill>
+                          <a:srgbClr val="000000"/>
+                        </a:solidFill>
+                        <a:effectLst/>
+                        <a:latin typeface="Calibri" panose="020F0502020204030204" pitchFamily="34" charset="0"/>
+                      </a:endParaRPr>
+                    </a:p>
+                  </a:txBody>
+                  <a:tcPr marL="7620" marR="7620" marT="7620" marB="0" anchor="b"/>
+                </a:tc>
+                <a:tc>
+                  <a:txBody>
+                    <a:bodyPr/>
+                    <a:lstStyle/>
+                    <a:p>
+                      <a:pPr algn="ctr" fontAlgn="b"/>
+                      <a:r>
+                        <a:rPr lang="en-US" sz="1100" u="none" strike="noStrike" dirty="0">
+                          <a:effectLst/>
+                        </a:rPr>
+                        <a:t>3 </a:t>
+                      </a:r>
+                      <a:r>
+                        <a:rPr lang="en-US" sz="1100" u="none" strike="noStrike" dirty="0" smtClean="0">
+                          <a:effectLst/>
+                        </a:rPr>
+                        <a:t> - X</a:t>
+                      </a:r>
+                      <a:endParaRPr lang="en-US" sz="1100" b="0" i="0" u="none" strike="noStrike" dirty="0">
+                        <a:solidFill>
+                          <a:srgbClr val="000000"/>
+                        </a:solidFill>
+                        <a:effectLst/>
+                        <a:latin typeface="Calibri" panose="020F0502020204030204" pitchFamily="34" charset="0"/>
+                      </a:endParaRPr>
+                    </a:p>
+                  </a:txBody>
+                  <a:tcPr marL="7620" marR="7620" marT="7620" marB="0" anchor="b"/>
+                </a:tc>
+              </a:tr>
+            </a:tbl>
+          </a:graphicData>
+        </a:graphic>
+      </p:graphicFrame>
+      <p:graphicFrame>
+        <p:nvGraphicFramePr>
+          <p:cNvPr id="5" name="Table 4"/>
+          <p:cNvGraphicFramePr>
+            <a:graphicFrameLocks noGrp="1"/>
+          </p:cNvGraphicFramePr>
+          <p:nvPr>
+            <p:extLst>
+              <p:ext uri="{D42A27DB-BD31-4B8C-83A1-F6EECF244321}">
+                <p14:modId xmlns:p14="http://schemas.microsoft.com/office/powerpoint/2010/main" val="759729401"/>
+              </p:ext>
+            </p:extLst>
+          </p:nvPr>
+        </p:nvGraphicFramePr>
+        <p:xfrm>
+          <a:off x="1295400" y="1911566"/>
+          <a:ext cx="3635830" cy="2748889"/>
+        </p:xfrm>
+        <a:graphic>
+          <a:graphicData uri="http://schemas.openxmlformats.org/drawingml/2006/table">
+            <a:tbl>
+              <a:tblPr>
+                <a:tableStyleId>{5C22544A-7EE6-4342-B048-85BDC9FD1C3A}</a:tableStyleId>
+              </a:tblPr>
+              <a:tblGrid>
+                <a:gridCol w="727166"/>
+                <a:gridCol w="727166"/>
+                <a:gridCol w="727166"/>
+                <a:gridCol w="727166"/>
+                <a:gridCol w="727166"/>
+              </a:tblGrid>
+              <a:tr h="211453">
+                <a:tc>
+                  <a:txBody>
+                    <a:bodyPr/>
+                    <a:lstStyle/>
+                    <a:p>
+                      <a:pPr algn="l" fontAlgn="b"/>
+                      <a:r>
+                        <a:rPr lang="en-US" sz="1100" u="none" strike="noStrike" dirty="0">
+                          <a:effectLst/>
+                        </a:rPr>
+                        <a:t>SL</a:t>
+                      </a:r>
+                      <a:endParaRPr lang="en-US" sz="1100" b="1" i="0" u="none" strike="noStrike" dirty="0">
+                        <a:solidFill>
+                          <a:srgbClr val="000000"/>
+                        </a:solidFill>
+                        <a:effectLst/>
+                        <a:latin typeface="Calibri" panose="020F0502020204030204" pitchFamily="34" charset="0"/>
+                      </a:endParaRPr>
+                    </a:p>
+                  </a:txBody>
+                  <a:tcPr marL="7620" marR="7620" marT="7620" marB="0" anchor="b"/>
+                </a:tc>
+                <a:tc>
+                  <a:txBody>
+                    <a:bodyPr/>
+                    <a:lstStyle/>
+                    <a:p>
+                      <a:pPr algn="ctr" fontAlgn="b"/>
+                      <a:r>
+                        <a:rPr lang="en-US" sz="1100" u="none" strike="noStrike">
+                          <a:effectLst/>
+                        </a:rPr>
+                        <a:t>1900</a:t>
+                      </a:r>
+                      <a:endParaRPr lang="en-US" sz="1100" b="0" i="0" u="none" strike="noStrike">
+                        <a:solidFill>
+                          <a:srgbClr val="000000"/>
+                        </a:solidFill>
+                        <a:effectLst/>
+                        <a:latin typeface="Calibri" panose="020F0502020204030204" pitchFamily="34" charset="0"/>
+                      </a:endParaRPr>
+                    </a:p>
+                  </a:txBody>
+                  <a:tcPr marL="7620" marR="7620" marT="7620" marB="0" anchor="b"/>
+                </a:tc>
+                <a:tc>
+                  <a:txBody>
+                    <a:bodyPr/>
+                    <a:lstStyle/>
+                    <a:p>
+                      <a:pPr algn="ctr" fontAlgn="b"/>
+                      <a:r>
+                        <a:rPr lang="en-US" sz="1100" u="none" strike="noStrike">
+                          <a:effectLst/>
+                        </a:rPr>
+                        <a:t>1901</a:t>
+                      </a:r>
+                      <a:endParaRPr lang="en-US" sz="1100" b="0" i="0" u="none" strike="noStrike">
+                        <a:solidFill>
+                          <a:srgbClr val="000000"/>
+                        </a:solidFill>
+                        <a:effectLst/>
+                        <a:latin typeface="Calibri" panose="020F0502020204030204" pitchFamily="34" charset="0"/>
+                      </a:endParaRPr>
+                    </a:p>
+                  </a:txBody>
+                  <a:tcPr marL="7620" marR="7620" marT="7620" marB="0" anchor="b"/>
+                </a:tc>
+                <a:tc>
+                  <a:txBody>
+                    <a:bodyPr/>
+                    <a:lstStyle/>
+                    <a:p>
+                      <a:pPr algn="ctr" fontAlgn="b"/>
+                      <a:r>
+                        <a:rPr lang="en-US" sz="1100" u="none" strike="noStrike">
+                          <a:effectLst/>
+                        </a:rPr>
+                        <a:t>1902</a:t>
+                      </a:r>
+                      <a:endParaRPr lang="en-US" sz="1100" b="0" i="0" u="none" strike="noStrike">
+                        <a:solidFill>
+                          <a:srgbClr val="000000"/>
+                        </a:solidFill>
+                        <a:effectLst/>
+                        <a:latin typeface="Calibri" panose="020F0502020204030204" pitchFamily="34" charset="0"/>
+                      </a:endParaRPr>
+                    </a:p>
+                  </a:txBody>
+                  <a:tcPr marL="7620" marR="7620" marT="7620" marB="0" anchor="b"/>
+                </a:tc>
+                <a:tc>
+                  <a:txBody>
+                    <a:bodyPr/>
+                    <a:lstStyle/>
+                    <a:p>
+                      <a:pPr algn="ctr" fontAlgn="b"/>
+                      <a:r>
+                        <a:rPr lang="en-US" sz="1100" u="none" strike="noStrike">
+                          <a:effectLst/>
+                        </a:rPr>
+                        <a:t>1903</a:t>
+                      </a:r>
+                      <a:endParaRPr lang="en-US" sz="1100" b="0" i="0" u="none" strike="noStrike">
+                        <a:solidFill>
+                          <a:srgbClr val="000000"/>
+                        </a:solidFill>
+                        <a:effectLst/>
+                        <a:latin typeface="Calibri" panose="020F0502020204030204" pitchFamily="34" charset="0"/>
+                      </a:endParaRPr>
+                    </a:p>
+                  </a:txBody>
+                  <a:tcPr marL="7620" marR="7620" marT="7620" marB="0" anchor="b"/>
+                </a:tc>
+              </a:tr>
+              <a:tr h="211453">
+                <a:tc>
+                  <a:txBody>
+                    <a:bodyPr/>
+                    <a:lstStyle/>
+                    <a:p>
+                      <a:pPr algn="l" fontAlgn="b"/>
+                      <a:r>
+                        <a:rPr lang="en-US" sz="1100" u="none" strike="noStrike">
+                          <a:effectLst/>
+                        </a:rPr>
+                        <a:t>Jan</a:t>
+                      </a:r>
+                      <a:endParaRPr lang="en-US" sz="1100" b="0" i="0" u="none" strike="noStrike">
+                        <a:solidFill>
+                          <a:srgbClr val="000000"/>
+                        </a:solidFill>
+                        <a:effectLst/>
+                        <a:latin typeface="Calibri" panose="020F0502020204030204" pitchFamily="34" charset="0"/>
+                      </a:endParaRPr>
+                    </a:p>
+                  </a:txBody>
+                  <a:tcPr marL="7620" marR="7620" marT="7620" marB="0" anchor="b"/>
+                </a:tc>
+                <a:tc>
+                  <a:txBody>
+                    <a:bodyPr/>
+                    <a:lstStyle/>
+                    <a:p>
+                      <a:pPr algn="ctr" fontAlgn="b"/>
+                      <a:endParaRPr lang="en-US" sz="1100" b="0" i="0" u="none" strike="noStrike">
+                        <a:solidFill>
+                          <a:srgbClr val="000000"/>
+                        </a:solidFill>
+                        <a:effectLst/>
+                        <a:latin typeface="Calibri" panose="020F0502020204030204" pitchFamily="34" charset="0"/>
+                      </a:endParaRPr>
+                    </a:p>
+                  </a:txBody>
+                  <a:tcPr marL="7620" marR="7620" marT="7620" marB="0" anchor="b"/>
+                </a:tc>
+                <a:tc>
+                  <a:txBody>
+                    <a:bodyPr/>
+                    <a:lstStyle/>
+                    <a:p>
+                      <a:pPr algn="ctr" fontAlgn="b"/>
+                      <a:endParaRPr lang="en-US" sz="1100" b="0" i="0" u="none" strike="noStrike">
+                        <a:solidFill>
+                          <a:srgbClr val="000000"/>
+                        </a:solidFill>
+                        <a:effectLst/>
+                        <a:latin typeface="Calibri" panose="020F0502020204030204" pitchFamily="34" charset="0"/>
+                      </a:endParaRPr>
+                    </a:p>
+                  </a:txBody>
+                  <a:tcPr marL="7620" marR="7620" marT="7620" marB="0" anchor="b"/>
+                </a:tc>
+                <a:tc>
+                  <a:txBody>
+                    <a:bodyPr/>
+                    <a:lstStyle/>
+                    <a:p>
+                      <a:pPr algn="ctr" fontAlgn="b"/>
+                      <a:endParaRPr lang="en-US" sz="1100" b="0" i="0" u="none" strike="noStrike">
+                        <a:solidFill>
+                          <a:srgbClr val="000000"/>
+                        </a:solidFill>
+                        <a:effectLst/>
+                        <a:latin typeface="Calibri" panose="020F0502020204030204" pitchFamily="34" charset="0"/>
+                      </a:endParaRPr>
+                    </a:p>
+                  </a:txBody>
+                  <a:tcPr marL="7620" marR="7620" marT="7620" marB="0" anchor="b"/>
+                </a:tc>
+                <a:tc>
+                  <a:txBody>
+                    <a:bodyPr/>
+                    <a:lstStyle/>
+                    <a:p>
+                      <a:pPr algn="ctr" fontAlgn="b"/>
+                      <a:endParaRPr lang="en-US" sz="1100" b="0" i="0" u="none" strike="noStrike">
+                        <a:solidFill>
+                          <a:srgbClr val="000000"/>
+                        </a:solidFill>
+                        <a:effectLst/>
+                        <a:latin typeface="Calibri" panose="020F0502020204030204" pitchFamily="34" charset="0"/>
+                      </a:endParaRPr>
+                    </a:p>
+                  </a:txBody>
+                  <a:tcPr marL="7620" marR="7620" marT="7620" marB="0" anchor="b"/>
+                </a:tc>
+              </a:tr>
+              <a:tr h="211453">
+                <a:tc>
+                  <a:txBody>
+                    <a:bodyPr/>
+                    <a:lstStyle/>
+                    <a:p>
+                      <a:pPr algn="l" fontAlgn="b"/>
+                      <a:r>
+                        <a:rPr lang="en-US" sz="1100" u="none" strike="noStrike">
+                          <a:effectLst/>
+                        </a:rPr>
+                        <a:t>Feb</a:t>
+                      </a:r>
+                      <a:endParaRPr lang="en-US" sz="1100" b="0" i="0" u="none" strike="noStrike">
+                        <a:solidFill>
+                          <a:srgbClr val="000000"/>
+                        </a:solidFill>
+                        <a:effectLst/>
+                        <a:latin typeface="Calibri" panose="020F0502020204030204" pitchFamily="34" charset="0"/>
+                      </a:endParaRPr>
+                    </a:p>
+                  </a:txBody>
+                  <a:tcPr marL="7620" marR="7620" marT="7620" marB="0" anchor="b"/>
+                </a:tc>
+                <a:tc>
+                  <a:txBody>
+                    <a:bodyPr/>
+                    <a:lstStyle/>
+                    <a:p>
+                      <a:pPr algn="ctr" fontAlgn="b"/>
+                      <a:endParaRPr lang="en-US" sz="1100" b="0" i="0" u="none" strike="noStrike">
+                        <a:solidFill>
+                          <a:srgbClr val="000000"/>
+                        </a:solidFill>
+                        <a:effectLst/>
+                        <a:latin typeface="Calibri" panose="020F0502020204030204" pitchFamily="34" charset="0"/>
+                      </a:endParaRPr>
+                    </a:p>
+                  </a:txBody>
+                  <a:tcPr marL="7620" marR="7620" marT="7620" marB="0" anchor="b"/>
+                </a:tc>
+                <a:tc>
+                  <a:txBody>
+                    <a:bodyPr/>
+                    <a:lstStyle/>
+                    <a:p>
+                      <a:pPr algn="ctr" fontAlgn="b"/>
+                      <a:endParaRPr lang="en-US" sz="1100" b="0" i="0" u="none" strike="noStrike">
+                        <a:solidFill>
+                          <a:srgbClr val="000000"/>
+                        </a:solidFill>
+                        <a:effectLst/>
+                        <a:latin typeface="Calibri" panose="020F0502020204030204" pitchFamily="34" charset="0"/>
+                      </a:endParaRPr>
+                    </a:p>
+                  </a:txBody>
+                  <a:tcPr marL="7620" marR="7620" marT="7620" marB="0" anchor="b"/>
+                </a:tc>
+                <a:tc>
+                  <a:txBody>
+                    <a:bodyPr/>
+                    <a:lstStyle/>
+                    <a:p>
+                      <a:pPr algn="ctr" fontAlgn="b"/>
+                      <a:endParaRPr lang="en-US" sz="1100" b="0" i="0" u="none" strike="noStrike">
+                        <a:solidFill>
+                          <a:srgbClr val="000000"/>
+                        </a:solidFill>
+                        <a:effectLst/>
+                        <a:latin typeface="Calibri" panose="020F0502020204030204" pitchFamily="34" charset="0"/>
+                      </a:endParaRPr>
+                    </a:p>
+                  </a:txBody>
+                  <a:tcPr marL="7620" marR="7620" marT="7620" marB="0" anchor="b"/>
+                </a:tc>
+                <a:tc>
+                  <a:txBody>
+                    <a:bodyPr/>
+                    <a:lstStyle/>
+                    <a:p>
+                      <a:pPr algn="ctr" fontAlgn="b"/>
+                      <a:endParaRPr lang="en-US" sz="1100" b="0" i="0" u="none" strike="noStrike">
+                        <a:solidFill>
+                          <a:srgbClr val="000000"/>
+                        </a:solidFill>
+                        <a:effectLst/>
+                        <a:latin typeface="Calibri" panose="020F0502020204030204" pitchFamily="34" charset="0"/>
+                      </a:endParaRPr>
+                    </a:p>
+                  </a:txBody>
+                  <a:tcPr marL="7620" marR="7620" marT="7620" marB="0" anchor="b"/>
+                </a:tc>
+              </a:tr>
+              <a:tr h="211453">
+                <a:tc>
+                  <a:txBody>
+                    <a:bodyPr/>
+                    <a:lstStyle/>
+                    <a:p>
+                      <a:pPr algn="l" fontAlgn="b"/>
+                      <a:r>
+                        <a:rPr lang="en-US" sz="1100" u="none" strike="noStrike">
+                          <a:effectLst/>
+                        </a:rPr>
+                        <a:t>Mar</a:t>
+                      </a:r>
+                      <a:endParaRPr lang="en-US" sz="1100" b="0" i="0" u="none" strike="noStrike">
+                        <a:solidFill>
+                          <a:srgbClr val="000000"/>
+                        </a:solidFill>
+                        <a:effectLst/>
+                        <a:latin typeface="Calibri" panose="020F0502020204030204" pitchFamily="34" charset="0"/>
+                      </a:endParaRPr>
+                    </a:p>
+                  </a:txBody>
+                  <a:tcPr marL="7620" marR="7620" marT="7620" marB="0" anchor="b"/>
+                </a:tc>
+                <a:tc>
+                  <a:txBody>
+                    <a:bodyPr/>
+                    <a:lstStyle/>
+                    <a:p>
+                      <a:pPr algn="ctr" fontAlgn="b"/>
+                      <a:endParaRPr lang="en-US" sz="1100" b="0" i="0" u="none" strike="noStrike">
+                        <a:solidFill>
+                          <a:srgbClr val="000000"/>
+                        </a:solidFill>
+                        <a:effectLst/>
+                        <a:latin typeface="Calibri" panose="020F0502020204030204" pitchFamily="34" charset="0"/>
+                      </a:endParaRPr>
+                    </a:p>
+                  </a:txBody>
+                  <a:tcPr marL="7620" marR="7620" marT="7620" marB="0" anchor="b"/>
+                </a:tc>
+                <a:tc>
+                  <a:txBody>
+                    <a:bodyPr/>
+                    <a:lstStyle/>
+                    <a:p>
+                      <a:pPr algn="ctr" fontAlgn="b"/>
+                      <a:endParaRPr lang="en-US" sz="1100" b="0" i="0" u="none" strike="noStrike">
+                        <a:solidFill>
+                          <a:srgbClr val="000000"/>
+                        </a:solidFill>
+                        <a:effectLst/>
+                        <a:latin typeface="Calibri" panose="020F0502020204030204" pitchFamily="34" charset="0"/>
+                      </a:endParaRPr>
+                    </a:p>
+                  </a:txBody>
+                  <a:tcPr marL="7620" marR="7620" marT="7620" marB="0" anchor="b"/>
+                </a:tc>
+                <a:tc>
+                  <a:txBody>
+                    <a:bodyPr/>
+                    <a:lstStyle/>
+                    <a:p>
+                      <a:pPr algn="ctr" fontAlgn="b"/>
+                      <a:endParaRPr lang="en-US" sz="1100" b="0" i="0" u="none" strike="noStrike">
+                        <a:solidFill>
+                          <a:srgbClr val="000000"/>
+                        </a:solidFill>
+                        <a:effectLst/>
+                        <a:latin typeface="Calibri" panose="020F0502020204030204" pitchFamily="34" charset="0"/>
+                      </a:endParaRPr>
+                    </a:p>
+                  </a:txBody>
+                  <a:tcPr marL="7620" marR="7620" marT="7620" marB="0" anchor="b"/>
+                </a:tc>
+                <a:tc>
+                  <a:txBody>
+                    <a:bodyPr/>
+                    <a:lstStyle/>
+                    <a:p>
+                      <a:pPr algn="ctr" fontAlgn="b"/>
+                      <a:endParaRPr lang="en-US" sz="1100" b="0" i="0" u="none" strike="noStrike">
+                        <a:solidFill>
+                          <a:srgbClr val="000000"/>
+                        </a:solidFill>
+                        <a:effectLst/>
+                        <a:latin typeface="Calibri" panose="020F0502020204030204" pitchFamily="34" charset="0"/>
+                      </a:endParaRPr>
+                    </a:p>
+                  </a:txBody>
+                  <a:tcPr marL="7620" marR="7620" marT="7620" marB="0" anchor="b"/>
+                </a:tc>
+              </a:tr>
+              <a:tr h="211453">
+                <a:tc>
+                  <a:txBody>
+                    <a:bodyPr/>
+                    <a:lstStyle/>
+                    <a:p>
+                      <a:pPr algn="l" fontAlgn="b"/>
+                      <a:r>
+                        <a:rPr lang="en-US" sz="1100" u="none" strike="noStrike">
+                          <a:effectLst/>
+                        </a:rPr>
+                        <a:t>Apr</a:t>
+                      </a:r>
+                      <a:endParaRPr lang="en-US" sz="1100" b="0" i="0" u="none" strike="noStrike">
+                        <a:solidFill>
+                          <a:srgbClr val="000000"/>
+                        </a:solidFill>
+                        <a:effectLst/>
+                        <a:latin typeface="Calibri" panose="020F0502020204030204" pitchFamily="34" charset="0"/>
+                      </a:endParaRPr>
+                    </a:p>
+                  </a:txBody>
+                  <a:tcPr marL="7620" marR="7620" marT="7620" marB="0" anchor="b"/>
+                </a:tc>
+                <a:tc>
+                  <a:txBody>
+                    <a:bodyPr/>
+                    <a:lstStyle/>
+                    <a:p>
+                      <a:pPr algn="ctr" fontAlgn="b"/>
+                      <a:endParaRPr lang="en-US" sz="1100" b="0" i="0" u="none" strike="noStrike">
+                        <a:solidFill>
+                          <a:srgbClr val="000000"/>
+                        </a:solidFill>
+                        <a:effectLst/>
+                        <a:latin typeface="Calibri" panose="020F0502020204030204" pitchFamily="34" charset="0"/>
+                      </a:endParaRPr>
+                    </a:p>
+                  </a:txBody>
+                  <a:tcPr marL="7620" marR="7620" marT="7620" marB="0" anchor="b"/>
+                </a:tc>
+                <a:tc>
+                  <a:txBody>
+                    <a:bodyPr/>
+                    <a:lstStyle/>
+                    <a:p>
+                      <a:pPr algn="ctr" fontAlgn="b"/>
+                      <a:endParaRPr lang="en-US" sz="1100" b="0" i="0" u="none" strike="noStrike">
+                        <a:solidFill>
+                          <a:srgbClr val="000000"/>
+                        </a:solidFill>
+                        <a:effectLst/>
+                        <a:latin typeface="Calibri" panose="020F0502020204030204" pitchFamily="34" charset="0"/>
+                      </a:endParaRPr>
+                    </a:p>
+                  </a:txBody>
+                  <a:tcPr marL="7620" marR="7620" marT="7620" marB="0" anchor="b"/>
+                </a:tc>
+                <a:tc>
+                  <a:txBody>
+                    <a:bodyPr/>
+                    <a:lstStyle/>
+                    <a:p>
+                      <a:pPr algn="ctr" fontAlgn="b"/>
+                      <a:endParaRPr lang="en-US" sz="1100" b="0" i="0" u="none" strike="noStrike">
+                        <a:solidFill>
+                          <a:srgbClr val="000000"/>
+                        </a:solidFill>
+                        <a:effectLst/>
+                        <a:latin typeface="Calibri" panose="020F0502020204030204" pitchFamily="34" charset="0"/>
+                      </a:endParaRPr>
+                    </a:p>
+                  </a:txBody>
+                  <a:tcPr marL="7620" marR="7620" marT="7620" marB="0" anchor="b"/>
+                </a:tc>
+                <a:tc>
+                  <a:txBody>
+                    <a:bodyPr/>
+                    <a:lstStyle/>
+                    <a:p>
+                      <a:pPr algn="ctr" fontAlgn="b"/>
+                      <a:endParaRPr lang="en-US" sz="1100" b="0" i="0" u="none" strike="noStrike">
+                        <a:solidFill>
+                          <a:srgbClr val="000000"/>
+                        </a:solidFill>
+                        <a:effectLst/>
+                        <a:latin typeface="Calibri" panose="020F0502020204030204" pitchFamily="34" charset="0"/>
+                      </a:endParaRPr>
+                    </a:p>
+                  </a:txBody>
+                  <a:tcPr marL="7620" marR="7620" marT="7620" marB="0" anchor="b"/>
+                </a:tc>
+              </a:tr>
+              <a:tr h="211453">
+                <a:tc>
+                  <a:txBody>
+                    <a:bodyPr/>
+                    <a:lstStyle/>
+                    <a:p>
+                      <a:pPr algn="l" fontAlgn="b"/>
+                      <a:r>
+                        <a:rPr lang="en-US" sz="1100" u="none" strike="noStrike">
+                          <a:effectLst/>
+                        </a:rPr>
+                        <a:t>May</a:t>
+                      </a:r>
+                      <a:endParaRPr lang="en-US" sz="1100" b="0" i="0" u="none" strike="noStrike">
+                        <a:solidFill>
+                          <a:srgbClr val="000000"/>
+                        </a:solidFill>
+                        <a:effectLst/>
+                        <a:latin typeface="Calibri" panose="020F0502020204030204" pitchFamily="34" charset="0"/>
+                      </a:endParaRPr>
+                    </a:p>
+                  </a:txBody>
+                  <a:tcPr marL="7620" marR="7620" marT="7620" marB="0" anchor="b"/>
+                </a:tc>
+                <a:tc>
+                  <a:txBody>
+                    <a:bodyPr/>
+                    <a:lstStyle/>
+                    <a:p>
+                      <a:pPr algn="ctr" fontAlgn="b"/>
+                      <a:endParaRPr lang="en-US" sz="1100" b="0" i="0" u="none" strike="noStrike">
+                        <a:solidFill>
+                          <a:srgbClr val="000000"/>
+                        </a:solidFill>
+                        <a:effectLst/>
+                        <a:latin typeface="Calibri" panose="020F0502020204030204" pitchFamily="34" charset="0"/>
+                      </a:endParaRPr>
+                    </a:p>
+                  </a:txBody>
+                  <a:tcPr marL="7620" marR="7620" marT="7620" marB="0" anchor="b"/>
+                </a:tc>
+                <a:tc>
+                  <a:txBody>
+                    <a:bodyPr/>
+                    <a:lstStyle/>
+                    <a:p>
+                      <a:pPr algn="ctr" fontAlgn="b"/>
+                      <a:endParaRPr lang="en-US" sz="1100" b="0" i="0" u="none" strike="noStrike">
+                        <a:solidFill>
+                          <a:srgbClr val="000000"/>
+                        </a:solidFill>
+                        <a:effectLst/>
+                        <a:latin typeface="Calibri" panose="020F0502020204030204" pitchFamily="34" charset="0"/>
+                      </a:endParaRPr>
+                    </a:p>
+                  </a:txBody>
+                  <a:tcPr marL="7620" marR="7620" marT="7620" marB="0" anchor="b"/>
+                </a:tc>
+                <a:tc>
+                  <a:txBody>
+                    <a:bodyPr/>
+                    <a:lstStyle/>
+                    <a:p>
+                      <a:pPr algn="ctr" fontAlgn="b"/>
+                      <a:endParaRPr lang="en-US" sz="1100" b="0" i="0" u="none" strike="noStrike">
+                        <a:solidFill>
+                          <a:srgbClr val="000000"/>
+                        </a:solidFill>
+                        <a:effectLst/>
+                        <a:latin typeface="Calibri" panose="020F0502020204030204" pitchFamily="34" charset="0"/>
+                      </a:endParaRPr>
+                    </a:p>
+                  </a:txBody>
+                  <a:tcPr marL="7620" marR="7620" marT="7620" marB="0" anchor="b"/>
+                </a:tc>
+                <a:tc>
+                  <a:txBody>
+                    <a:bodyPr/>
+                    <a:lstStyle/>
+                    <a:p>
+                      <a:pPr algn="ctr" fontAlgn="b"/>
+                      <a:endParaRPr lang="en-US" sz="1100" b="0" i="0" u="none" strike="noStrike">
+                        <a:solidFill>
+                          <a:srgbClr val="000000"/>
+                        </a:solidFill>
+                        <a:effectLst/>
+                        <a:latin typeface="Calibri" panose="020F0502020204030204" pitchFamily="34" charset="0"/>
+                      </a:endParaRPr>
+                    </a:p>
+                  </a:txBody>
+                  <a:tcPr marL="7620" marR="7620" marT="7620" marB="0" anchor="b"/>
+                </a:tc>
+              </a:tr>
+              <a:tr h="211453">
+                <a:tc>
+                  <a:txBody>
+                    <a:bodyPr/>
+                    <a:lstStyle/>
+                    <a:p>
+                      <a:pPr algn="l" fontAlgn="b"/>
+                      <a:r>
+                        <a:rPr lang="en-US" sz="1100" u="none" strike="noStrike">
+                          <a:effectLst/>
+                        </a:rPr>
+                        <a:t>Jun</a:t>
+                      </a:r>
+                      <a:endParaRPr lang="en-US" sz="1100" b="0" i="0" u="none" strike="noStrike">
+                        <a:solidFill>
+                          <a:srgbClr val="000000"/>
+                        </a:solidFill>
+                        <a:effectLst/>
+                        <a:latin typeface="Calibri" panose="020F0502020204030204" pitchFamily="34" charset="0"/>
+                      </a:endParaRPr>
+                    </a:p>
+                  </a:txBody>
+                  <a:tcPr marL="7620" marR="7620" marT="7620" marB="0" anchor="b"/>
+                </a:tc>
+                <a:tc>
+                  <a:txBody>
+                    <a:bodyPr/>
+                    <a:lstStyle/>
+                    <a:p>
+                      <a:pPr algn="ctr" fontAlgn="b"/>
+                      <a:endParaRPr lang="en-US" sz="1100" b="0" i="0" u="none" strike="noStrike">
+                        <a:solidFill>
+                          <a:srgbClr val="000000"/>
+                        </a:solidFill>
+                        <a:effectLst/>
+                        <a:latin typeface="Calibri" panose="020F0502020204030204" pitchFamily="34" charset="0"/>
+                      </a:endParaRPr>
+                    </a:p>
+                  </a:txBody>
+                  <a:tcPr marL="7620" marR="7620" marT="7620" marB="0" anchor="b"/>
+                </a:tc>
+                <a:tc>
+                  <a:txBody>
+                    <a:bodyPr/>
+                    <a:lstStyle/>
+                    <a:p>
+                      <a:pPr algn="ctr" fontAlgn="b"/>
+                      <a:r>
+                        <a:rPr lang="en-US" sz="1100" u="none" strike="noStrike">
+                          <a:effectLst/>
+                        </a:rPr>
+                        <a:t>3</a:t>
+                      </a:r>
+                      <a:endParaRPr lang="en-US" sz="1100" b="0" i="0" u="none" strike="noStrike">
+                        <a:solidFill>
+                          <a:srgbClr val="000000"/>
+                        </a:solidFill>
+                        <a:effectLst/>
+                        <a:latin typeface="Calibri" panose="020F0502020204030204" pitchFamily="34" charset="0"/>
+                      </a:endParaRPr>
+                    </a:p>
+                  </a:txBody>
+                  <a:tcPr marL="7620" marR="7620" marT="7620" marB="0" anchor="b"/>
+                </a:tc>
+                <a:tc>
+                  <a:txBody>
+                    <a:bodyPr/>
+                    <a:lstStyle/>
+                    <a:p>
+                      <a:pPr algn="ctr" fontAlgn="b"/>
+                      <a:endParaRPr lang="en-US" sz="1100" b="0" i="0" u="none" strike="noStrike">
+                        <a:solidFill>
+                          <a:srgbClr val="000000"/>
+                        </a:solidFill>
+                        <a:effectLst/>
+                        <a:latin typeface="Calibri" panose="020F0502020204030204" pitchFamily="34" charset="0"/>
+                      </a:endParaRPr>
+                    </a:p>
+                  </a:txBody>
+                  <a:tcPr marL="7620" marR="7620" marT="7620" marB="0" anchor="b"/>
+                </a:tc>
+                <a:tc>
+                  <a:txBody>
+                    <a:bodyPr/>
+                    <a:lstStyle/>
+                    <a:p>
+                      <a:pPr algn="ctr" fontAlgn="b"/>
+                      <a:endParaRPr lang="en-US" sz="1100" b="0" i="0" u="none" strike="noStrike">
+                        <a:solidFill>
+                          <a:srgbClr val="000000"/>
+                        </a:solidFill>
+                        <a:effectLst/>
+                        <a:latin typeface="Calibri" panose="020F0502020204030204" pitchFamily="34" charset="0"/>
+                      </a:endParaRPr>
+                    </a:p>
+                  </a:txBody>
+                  <a:tcPr marL="7620" marR="7620" marT="7620" marB="0" anchor="b"/>
+                </a:tc>
+              </a:tr>
+              <a:tr h="211453">
+                <a:tc>
+                  <a:txBody>
+                    <a:bodyPr/>
+                    <a:lstStyle/>
+                    <a:p>
+                      <a:pPr algn="l" fontAlgn="b"/>
+                      <a:r>
+                        <a:rPr lang="en-US" sz="1100" u="none" strike="noStrike">
+                          <a:effectLst/>
+                        </a:rPr>
+                        <a:t>Jul</a:t>
+                      </a:r>
+                      <a:endParaRPr lang="en-US" sz="1100" b="0" i="0" u="none" strike="noStrike">
+                        <a:solidFill>
+                          <a:srgbClr val="000000"/>
+                        </a:solidFill>
+                        <a:effectLst/>
+                        <a:latin typeface="Calibri" panose="020F0502020204030204" pitchFamily="34" charset="0"/>
+                      </a:endParaRPr>
+                    </a:p>
+                  </a:txBody>
+                  <a:tcPr marL="7620" marR="7620" marT="7620" marB="0" anchor="b"/>
+                </a:tc>
+                <a:tc>
+                  <a:txBody>
+                    <a:bodyPr/>
+                    <a:lstStyle/>
+                    <a:p>
+                      <a:pPr algn="ctr" fontAlgn="b"/>
+                      <a:endParaRPr lang="en-US" sz="1100" b="0" i="0" u="none" strike="noStrike">
+                        <a:solidFill>
+                          <a:srgbClr val="000000"/>
+                        </a:solidFill>
+                        <a:effectLst/>
+                        <a:latin typeface="Calibri" panose="020F0502020204030204" pitchFamily="34" charset="0"/>
+                      </a:endParaRPr>
+                    </a:p>
+                  </a:txBody>
+                  <a:tcPr marL="7620" marR="7620" marT="7620" marB="0" anchor="b"/>
+                </a:tc>
+                <a:tc>
+                  <a:txBody>
+                    <a:bodyPr/>
+                    <a:lstStyle/>
+                    <a:p>
+                      <a:pPr algn="ctr" fontAlgn="b"/>
+                      <a:endParaRPr lang="en-US" sz="1100" b="0" i="0" u="none" strike="noStrike">
+                        <a:solidFill>
+                          <a:srgbClr val="000000"/>
+                        </a:solidFill>
+                        <a:effectLst/>
+                        <a:latin typeface="Calibri" panose="020F0502020204030204" pitchFamily="34" charset="0"/>
+                      </a:endParaRPr>
+                    </a:p>
+                  </a:txBody>
+                  <a:tcPr marL="7620" marR="7620" marT="7620" marB="0" anchor="b"/>
+                </a:tc>
+                <a:tc>
+                  <a:txBody>
+                    <a:bodyPr/>
+                    <a:lstStyle/>
+                    <a:p>
+                      <a:pPr algn="ctr" fontAlgn="b"/>
+                      <a:endParaRPr lang="en-US" sz="1100" b="0" i="0" u="none" strike="noStrike">
+                        <a:solidFill>
+                          <a:srgbClr val="000000"/>
+                        </a:solidFill>
+                        <a:effectLst/>
+                        <a:latin typeface="Calibri" panose="020F0502020204030204" pitchFamily="34" charset="0"/>
+                      </a:endParaRPr>
+                    </a:p>
+                  </a:txBody>
+                  <a:tcPr marL="7620" marR="7620" marT="7620" marB="0" anchor="b"/>
+                </a:tc>
+                <a:tc>
+                  <a:txBody>
+                    <a:bodyPr/>
+                    <a:lstStyle/>
+                    <a:p>
+                      <a:pPr algn="ctr" fontAlgn="b"/>
+                      <a:endParaRPr lang="en-US" sz="1100" b="0" i="0" u="none" strike="noStrike">
+                        <a:solidFill>
+                          <a:srgbClr val="000000"/>
+                        </a:solidFill>
+                        <a:effectLst/>
+                        <a:latin typeface="Calibri" panose="020F0502020204030204" pitchFamily="34" charset="0"/>
+                      </a:endParaRPr>
+                    </a:p>
+                  </a:txBody>
+                  <a:tcPr marL="7620" marR="7620" marT="7620" marB="0" anchor="b"/>
+                </a:tc>
+              </a:tr>
+              <a:tr h="211453">
+                <a:tc>
+                  <a:txBody>
+                    <a:bodyPr/>
+                    <a:lstStyle/>
+                    <a:p>
+                      <a:pPr algn="l" fontAlgn="b"/>
+                      <a:r>
+                        <a:rPr lang="en-US" sz="1100" u="none" strike="noStrike">
+                          <a:effectLst/>
+                        </a:rPr>
+                        <a:t>Aug</a:t>
+                      </a:r>
+                      <a:endParaRPr lang="en-US" sz="1100" b="0" i="0" u="none" strike="noStrike">
+                        <a:solidFill>
+                          <a:srgbClr val="000000"/>
+                        </a:solidFill>
+                        <a:effectLst/>
+                        <a:latin typeface="Calibri" panose="020F0502020204030204" pitchFamily="34" charset="0"/>
+                      </a:endParaRPr>
+                    </a:p>
+                  </a:txBody>
+                  <a:tcPr marL="7620" marR="7620" marT="7620" marB="0" anchor="b"/>
+                </a:tc>
+                <a:tc>
+                  <a:txBody>
+                    <a:bodyPr/>
+                    <a:lstStyle/>
+                    <a:p>
+                      <a:pPr algn="ctr" fontAlgn="b"/>
+                      <a:endParaRPr lang="en-US" sz="1100" b="0" i="0" u="none" strike="noStrike">
+                        <a:solidFill>
+                          <a:srgbClr val="000000"/>
+                        </a:solidFill>
+                        <a:effectLst/>
+                        <a:latin typeface="Calibri" panose="020F0502020204030204" pitchFamily="34" charset="0"/>
+                      </a:endParaRPr>
+                    </a:p>
+                  </a:txBody>
+                  <a:tcPr marL="7620" marR="7620" marT="7620" marB="0" anchor="b"/>
+                </a:tc>
+                <a:tc>
+                  <a:txBody>
+                    <a:bodyPr/>
+                    <a:lstStyle/>
+                    <a:p>
+                      <a:pPr algn="ctr" fontAlgn="b"/>
+                      <a:endParaRPr lang="en-US" sz="1100" b="0" i="0" u="none" strike="noStrike">
+                        <a:solidFill>
+                          <a:srgbClr val="000000"/>
+                        </a:solidFill>
+                        <a:effectLst/>
+                        <a:latin typeface="Calibri" panose="020F0502020204030204" pitchFamily="34" charset="0"/>
+                      </a:endParaRPr>
+                    </a:p>
+                  </a:txBody>
+                  <a:tcPr marL="7620" marR="7620" marT="7620" marB="0" anchor="b"/>
+                </a:tc>
+                <a:tc>
+                  <a:txBody>
+                    <a:bodyPr/>
+                    <a:lstStyle/>
+                    <a:p>
+                      <a:pPr algn="ctr" fontAlgn="b"/>
+                      <a:endParaRPr lang="en-US" sz="1100" b="0" i="0" u="none" strike="noStrike" dirty="0">
+                        <a:solidFill>
+                          <a:srgbClr val="000000"/>
+                        </a:solidFill>
+                        <a:effectLst/>
+                        <a:latin typeface="Calibri" panose="020F0502020204030204" pitchFamily="34" charset="0"/>
+                      </a:endParaRPr>
+                    </a:p>
+                  </a:txBody>
+                  <a:tcPr marL="7620" marR="7620" marT="7620" marB="0" anchor="b"/>
+                </a:tc>
+                <a:tc>
+                  <a:txBody>
+                    <a:bodyPr/>
+                    <a:lstStyle/>
+                    <a:p>
+                      <a:pPr algn="ctr" fontAlgn="b"/>
+                      <a:r>
+                        <a:rPr lang="en-US" sz="1100" u="none" strike="noStrike">
+                          <a:effectLst/>
+                        </a:rPr>
+                        <a:t>1</a:t>
+                      </a:r>
+                      <a:endParaRPr lang="en-US" sz="1100" b="0" i="0" u="none" strike="noStrike">
+                        <a:solidFill>
+                          <a:srgbClr val="000000"/>
+                        </a:solidFill>
+                        <a:effectLst/>
+                        <a:latin typeface="Calibri" panose="020F0502020204030204" pitchFamily="34" charset="0"/>
+                      </a:endParaRPr>
+                    </a:p>
+                  </a:txBody>
+                  <a:tcPr marL="7620" marR="7620" marT="7620" marB="0" anchor="b"/>
+                </a:tc>
+              </a:tr>
+              <a:tr h="211453">
+                <a:tc>
+                  <a:txBody>
+                    <a:bodyPr/>
+                    <a:lstStyle/>
+                    <a:p>
+                      <a:pPr algn="l" fontAlgn="b"/>
+                      <a:r>
+                        <a:rPr lang="en-US" sz="1100" u="none" strike="noStrike">
+                          <a:effectLst/>
+                        </a:rPr>
+                        <a:t>Sep</a:t>
+                      </a:r>
+                      <a:endParaRPr lang="en-US" sz="1100" b="0" i="0" u="none" strike="noStrike">
+                        <a:solidFill>
+                          <a:srgbClr val="000000"/>
+                        </a:solidFill>
+                        <a:effectLst/>
+                        <a:latin typeface="Calibri" panose="020F0502020204030204" pitchFamily="34" charset="0"/>
+                      </a:endParaRPr>
+                    </a:p>
+                  </a:txBody>
+                  <a:tcPr marL="7620" marR="7620" marT="7620" marB="0" anchor="b"/>
+                </a:tc>
+                <a:tc>
+                  <a:txBody>
+                    <a:bodyPr/>
+                    <a:lstStyle/>
+                    <a:p>
+                      <a:pPr algn="ctr" fontAlgn="b"/>
+                      <a:endParaRPr lang="en-US" sz="1100" b="0" i="0" u="none" strike="noStrike">
+                        <a:solidFill>
+                          <a:srgbClr val="000000"/>
+                        </a:solidFill>
+                        <a:effectLst/>
+                        <a:latin typeface="Calibri" panose="020F0502020204030204" pitchFamily="34" charset="0"/>
+                      </a:endParaRPr>
+                    </a:p>
+                  </a:txBody>
+                  <a:tcPr marL="7620" marR="7620" marT="7620" marB="0" anchor="b"/>
+                </a:tc>
+                <a:tc>
+                  <a:txBody>
+                    <a:bodyPr/>
+                    <a:lstStyle/>
+                    <a:p>
+                      <a:pPr algn="ctr" fontAlgn="b"/>
+                      <a:endParaRPr lang="en-US" sz="1100" b="0" i="0" u="none" strike="noStrike">
+                        <a:solidFill>
+                          <a:srgbClr val="000000"/>
+                        </a:solidFill>
+                        <a:effectLst/>
+                        <a:latin typeface="Calibri" panose="020F0502020204030204" pitchFamily="34" charset="0"/>
+                      </a:endParaRPr>
+                    </a:p>
+                  </a:txBody>
+                  <a:tcPr marL="7620" marR="7620" marT="7620" marB="0" anchor="b"/>
+                </a:tc>
+                <a:tc>
+                  <a:txBody>
+                    <a:bodyPr/>
+                    <a:lstStyle/>
+                    <a:p>
+                      <a:pPr algn="ctr" fontAlgn="b"/>
+                      <a:endParaRPr lang="en-US" sz="1100" b="0" i="0" u="none" strike="noStrike">
+                        <a:solidFill>
+                          <a:srgbClr val="000000"/>
+                        </a:solidFill>
+                        <a:effectLst/>
+                        <a:latin typeface="Calibri" panose="020F0502020204030204" pitchFamily="34" charset="0"/>
+                      </a:endParaRPr>
+                    </a:p>
+                  </a:txBody>
+                  <a:tcPr marL="7620" marR="7620" marT="7620" marB="0" anchor="b"/>
+                </a:tc>
+                <a:tc>
+                  <a:txBody>
+                    <a:bodyPr/>
+                    <a:lstStyle/>
+                    <a:p>
+                      <a:pPr algn="ctr" fontAlgn="b"/>
+                      <a:endParaRPr lang="en-US" sz="1100" b="0" i="0" u="none" strike="noStrike">
+                        <a:solidFill>
+                          <a:srgbClr val="000000"/>
+                        </a:solidFill>
+                        <a:effectLst/>
+                        <a:latin typeface="Calibri" panose="020F0502020204030204" pitchFamily="34" charset="0"/>
+                      </a:endParaRPr>
+                    </a:p>
+                  </a:txBody>
+                  <a:tcPr marL="7620" marR="7620" marT="7620" marB="0" anchor="b"/>
+                </a:tc>
+              </a:tr>
+              <a:tr h="211453">
+                <a:tc>
+                  <a:txBody>
+                    <a:bodyPr/>
+                    <a:lstStyle/>
+                    <a:p>
+                      <a:pPr algn="l" fontAlgn="b"/>
+                      <a:r>
+                        <a:rPr lang="en-US" sz="1100" u="none" strike="noStrike">
+                          <a:effectLst/>
+                        </a:rPr>
+                        <a:t>Oct</a:t>
+                      </a:r>
+                      <a:endParaRPr lang="en-US" sz="1100" b="0" i="0" u="none" strike="noStrike">
+                        <a:solidFill>
+                          <a:srgbClr val="000000"/>
+                        </a:solidFill>
+                        <a:effectLst/>
+                        <a:latin typeface="Calibri" panose="020F0502020204030204" pitchFamily="34" charset="0"/>
+                      </a:endParaRPr>
+                    </a:p>
+                  </a:txBody>
+                  <a:tcPr marL="7620" marR="7620" marT="7620" marB="0" anchor="b"/>
+                </a:tc>
+                <a:tc>
+                  <a:txBody>
+                    <a:bodyPr/>
+                    <a:lstStyle/>
+                    <a:p>
+                      <a:pPr algn="ctr" fontAlgn="b"/>
+                      <a:endParaRPr lang="en-US" sz="1100" b="0" i="0" u="none" strike="noStrike">
+                        <a:solidFill>
+                          <a:srgbClr val="000000"/>
+                        </a:solidFill>
+                        <a:effectLst/>
+                        <a:latin typeface="Calibri" panose="020F0502020204030204" pitchFamily="34" charset="0"/>
+                      </a:endParaRPr>
+                    </a:p>
+                  </a:txBody>
+                  <a:tcPr marL="7620" marR="7620" marT="7620" marB="0" anchor="b"/>
+                </a:tc>
+                <a:tc>
+                  <a:txBody>
+                    <a:bodyPr/>
+                    <a:lstStyle/>
+                    <a:p>
+                      <a:pPr algn="ctr" fontAlgn="b"/>
+                      <a:endParaRPr lang="en-US" sz="1100" b="0" i="0" u="none" strike="noStrike">
+                        <a:solidFill>
+                          <a:srgbClr val="000000"/>
+                        </a:solidFill>
+                        <a:effectLst/>
+                        <a:latin typeface="Calibri" panose="020F0502020204030204" pitchFamily="34" charset="0"/>
+                      </a:endParaRPr>
+                    </a:p>
+                  </a:txBody>
+                  <a:tcPr marL="7620" marR="7620" marT="7620" marB="0" anchor="b"/>
+                </a:tc>
+                <a:tc>
+                  <a:txBody>
+                    <a:bodyPr/>
+                    <a:lstStyle/>
+                    <a:p>
+                      <a:pPr algn="ctr" fontAlgn="b"/>
+                      <a:endParaRPr lang="en-US" sz="1100" b="0" i="0" u="none" strike="noStrike">
+                        <a:solidFill>
+                          <a:srgbClr val="000000"/>
+                        </a:solidFill>
+                        <a:effectLst/>
+                        <a:latin typeface="Calibri" panose="020F0502020204030204" pitchFamily="34" charset="0"/>
+                      </a:endParaRPr>
+                    </a:p>
+                  </a:txBody>
+                  <a:tcPr marL="7620" marR="7620" marT="7620" marB="0" anchor="b"/>
+                </a:tc>
+                <a:tc>
+                  <a:txBody>
+                    <a:bodyPr/>
+                    <a:lstStyle/>
+                    <a:p>
+                      <a:pPr algn="ctr" fontAlgn="b"/>
+                      <a:r>
+                        <a:rPr lang="en-US" sz="1100" u="none" strike="noStrike">
+                          <a:effectLst/>
+                        </a:rPr>
+                        <a:t>1</a:t>
+                      </a:r>
+                      <a:endParaRPr lang="en-US" sz="1100" b="0" i="0" u="none" strike="noStrike">
+                        <a:solidFill>
+                          <a:srgbClr val="000000"/>
+                        </a:solidFill>
+                        <a:effectLst/>
+                        <a:latin typeface="Calibri" panose="020F0502020204030204" pitchFamily="34" charset="0"/>
+                      </a:endParaRPr>
+                    </a:p>
+                  </a:txBody>
+                  <a:tcPr marL="7620" marR="7620" marT="7620" marB="0" anchor="b"/>
+                </a:tc>
+              </a:tr>
+              <a:tr h="211453">
+                <a:tc>
+                  <a:txBody>
+                    <a:bodyPr/>
+                    <a:lstStyle/>
+                    <a:p>
+                      <a:pPr algn="l" fontAlgn="b"/>
+                      <a:r>
+                        <a:rPr lang="en-US" sz="1100" u="none" strike="noStrike">
+                          <a:effectLst/>
+                        </a:rPr>
+                        <a:t>Nov</a:t>
+                      </a:r>
+                      <a:endParaRPr lang="en-US" sz="1100" b="0" i="0" u="none" strike="noStrike">
+                        <a:solidFill>
+                          <a:srgbClr val="000000"/>
+                        </a:solidFill>
+                        <a:effectLst/>
+                        <a:latin typeface="Calibri" panose="020F0502020204030204" pitchFamily="34" charset="0"/>
+                      </a:endParaRPr>
+                    </a:p>
+                  </a:txBody>
+                  <a:tcPr marL="7620" marR="7620" marT="7620" marB="0" anchor="b"/>
+                </a:tc>
+                <a:tc>
+                  <a:txBody>
+                    <a:bodyPr/>
+                    <a:lstStyle/>
+                    <a:p>
+                      <a:pPr algn="ctr" fontAlgn="b"/>
+                      <a:endParaRPr lang="en-US" sz="1100" b="0" i="0" u="none" strike="noStrike">
+                        <a:solidFill>
+                          <a:srgbClr val="000000"/>
+                        </a:solidFill>
+                        <a:effectLst/>
+                        <a:latin typeface="Calibri" panose="020F0502020204030204" pitchFamily="34" charset="0"/>
+                      </a:endParaRPr>
+                    </a:p>
+                  </a:txBody>
+                  <a:tcPr marL="7620" marR="7620" marT="7620" marB="0" anchor="b"/>
+                </a:tc>
+                <a:tc>
+                  <a:txBody>
+                    <a:bodyPr/>
+                    <a:lstStyle/>
+                    <a:p>
+                      <a:pPr algn="ctr" fontAlgn="b"/>
+                      <a:endParaRPr lang="en-US" sz="1100" b="0" i="0" u="none" strike="noStrike">
+                        <a:solidFill>
+                          <a:srgbClr val="000000"/>
+                        </a:solidFill>
+                        <a:effectLst/>
+                        <a:latin typeface="Calibri" panose="020F0502020204030204" pitchFamily="34" charset="0"/>
+                      </a:endParaRPr>
+                    </a:p>
+                  </a:txBody>
+                  <a:tcPr marL="7620" marR="7620" marT="7620" marB="0" anchor="b"/>
+                </a:tc>
+                <a:tc>
+                  <a:txBody>
+                    <a:bodyPr/>
+                    <a:lstStyle/>
+                    <a:p>
+                      <a:pPr algn="ctr" fontAlgn="b"/>
+                      <a:endParaRPr lang="en-US" sz="1100" b="0" i="0" u="none" strike="noStrike">
+                        <a:solidFill>
+                          <a:srgbClr val="000000"/>
+                        </a:solidFill>
+                        <a:effectLst/>
+                        <a:latin typeface="Calibri" panose="020F0502020204030204" pitchFamily="34" charset="0"/>
+                      </a:endParaRPr>
+                    </a:p>
+                  </a:txBody>
+                  <a:tcPr marL="7620" marR="7620" marT="7620" marB="0" anchor="b"/>
+                </a:tc>
+                <a:tc>
+                  <a:txBody>
+                    <a:bodyPr/>
+                    <a:lstStyle/>
+                    <a:p>
+                      <a:pPr algn="ctr" fontAlgn="b"/>
+                      <a:endParaRPr lang="en-US" sz="1100" b="0" i="0" u="none" strike="noStrike">
+                        <a:solidFill>
+                          <a:srgbClr val="000000"/>
+                        </a:solidFill>
+                        <a:effectLst/>
+                        <a:latin typeface="Calibri" panose="020F0502020204030204" pitchFamily="34" charset="0"/>
+                      </a:endParaRPr>
+                    </a:p>
+                  </a:txBody>
+                  <a:tcPr marL="7620" marR="7620" marT="7620" marB="0" anchor="b"/>
+                </a:tc>
+              </a:tr>
+              <a:tr h="211453">
+                <a:tc>
+                  <a:txBody>
+                    <a:bodyPr/>
+                    <a:lstStyle/>
+                    <a:p>
+                      <a:pPr algn="l" fontAlgn="b"/>
+                      <a:r>
+                        <a:rPr lang="en-US" sz="1100" u="none" strike="noStrike">
+                          <a:effectLst/>
+                        </a:rPr>
+                        <a:t>Dec</a:t>
+                      </a:r>
+                      <a:endParaRPr lang="en-US" sz="1100" b="0" i="0" u="none" strike="noStrike">
+                        <a:solidFill>
+                          <a:srgbClr val="000000"/>
+                        </a:solidFill>
+                        <a:effectLst/>
+                        <a:latin typeface="Calibri" panose="020F0502020204030204" pitchFamily="34" charset="0"/>
+                      </a:endParaRPr>
+                    </a:p>
+                  </a:txBody>
+                  <a:tcPr marL="7620" marR="7620" marT="7620" marB="0" anchor="b"/>
+                </a:tc>
+                <a:tc>
+                  <a:txBody>
+                    <a:bodyPr/>
+                    <a:lstStyle/>
+                    <a:p>
+                      <a:pPr algn="ctr" fontAlgn="b"/>
+                      <a:endParaRPr lang="en-US" sz="1100" b="0" i="0" u="none" strike="noStrike" dirty="0">
+                        <a:solidFill>
+                          <a:srgbClr val="000000"/>
+                        </a:solidFill>
+                        <a:effectLst/>
+                        <a:latin typeface="Calibri" panose="020F0502020204030204" pitchFamily="34" charset="0"/>
+                      </a:endParaRPr>
+                    </a:p>
+                  </a:txBody>
+                  <a:tcPr marL="7620" marR="7620" marT="7620" marB="0" anchor="b"/>
+                </a:tc>
+                <a:tc>
+                  <a:txBody>
+                    <a:bodyPr/>
+                    <a:lstStyle/>
+                    <a:p>
+                      <a:pPr algn="ctr" fontAlgn="b"/>
+                      <a:endParaRPr lang="en-US" sz="1100" b="0" i="0" u="none" strike="noStrike">
+                        <a:solidFill>
+                          <a:srgbClr val="000000"/>
+                        </a:solidFill>
+                        <a:effectLst/>
+                        <a:latin typeface="Calibri" panose="020F0502020204030204" pitchFamily="34" charset="0"/>
+                      </a:endParaRPr>
+                    </a:p>
+                  </a:txBody>
+                  <a:tcPr marL="7620" marR="7620" marT="7620" marB="0" anchor="b"/>
+                </a:tc>
+                <a:tc>
+                  <a:txBody>
+                    <a:bodyPr/>
+                    <a:lstStyle/>
+                    <a:p>
+                      <a:pPr algn="ctr" fontAlgn="b"/>
+                      <a:endParaRPr lang="en-US" sz="1100" b="0" i="0" u="none" strike="noStrike">
+                        <a:solidFill>
+                          <a:srgbClr val="000000"/>
+                        </a:solidFill>
+                        <a:effectLst/>
+                        <a:latin typeface="Calibri" panose="020F0502020204030204" pitchFamily="34" charset="0"/>
+                      </a:endParaRPr>
+                    </a:p>
+                  </a:txBody>
+                  <a:tcPr marL="7620" marR="7620" marT="7620" marB="0" anchor="b"/>
+                </a:tc>
+                <a:tc>
+                  <a:txBody>
+                    <a:bodyPr/>
+                    <a:lstStyle/>
+                    <a:p>
+                      <a:pPr algn="ctr" fontAlgn="b"/>
+                      <a:r>
+                        <a:rPr lang="en-US" sz="1100" u="none" strike="noStrike" dirty="0">
+                          <a:effectLst/>
+                        </a:rPr>
+                        <a:t>X</a:t>
+                      </a:r>
+                      <a:endParaRPr lang="en-US" sz="1100" b="0" i="0" u="none" strike="noStrike" dirty="0">
+                        <a:solidFill>
+                          <a:srgbClr val="000000"/>
+                        </a:solidFill>
+                        <a:effectLst/>
+                        <a:latin typeface="Calibri" panose="020F0502020204030204" pitchFamily="34" charset="0"/>
+                      </a:endParaRPr>
+                    </a:p>
+                  </a:txBody>
+                  <a:tcPr marL="7620" marR="7620" marT="7620" marB="0" anchor="b"/>
+                </a:tc>
+              </a:tr>
+            </a:tbl>
+          </a:graphicData>
+        </a:graphic>
+      </p:graphicFrame>
+      <p:pic>
+        <p:nvPicPr>
+          <p:cNvPr id="6" name="Content Placeholder 4"/>
+          <p:cNvPicPr>
+            <a:picLocks noGrp="1" noChangeAspect="1"/>
+          </p:cNvPicPr>
           <p:nvPr>
             <p:ph idx="1"/>
           </p:nvPr>
-        </p:nvSpPr>
-        <p:spPr/>
-        <p:txBody>
-          <a:bodyPr/>
-          <a:lstStyle/>
-          <a:p>
-            <a:r>
-              <a:rPr lang="en-US" dirty="0" smtClean="0"/>
-              <a:t>Flights by month</a:t>
-            </a:r>
-          </a:p>
-          <a:p>
-            <a:endParaRPr lang="en-US" dirty="0"/>
-          </a:p>
-        </p:txBody>
-      </p:sp>
+        </p:nvPicPr>
+        <p:blipFill>
+          <a:blip r:embed="rId2">
+            <a:extLst>
+              <a:ext uri="{28A0092B-C50C-407E-A947-70E740481C1C}">
+                <a14:useLocalDpi xmlns:a14="http://schemas.microsoft.com/office/drawing/2010/main" val="0"/>
+              </a:ext>
+            </a:extLst>
+          </a:blip>
+          <a:stretch>
+            <a:fillRect/>
+          </a:stretch>
+        </p:blipFill>
+        <p:spPr>
+          <a:xfrm>
+            <a:off x="2449097" y="4917258"/>
+            <a:ext cx="1328435" cy="1613483"/>
+          </a:xfrm>
+        </p:spPr>
+      </p:pic>
+      <p:pic>
+        <p:nvPicPr>
+          <p:cNvPr id="7" name="Picture 6"/>
+          <p:cNvPicPr>
+            <a:picLocks noChangeAspect="1"/>
+          </p:cNvPicPr>
+          <p:nvPr/>
+        </p:nvPicPr>
+        <p:blipFill>
+          <a:blip r:embed="rId3">
+            <a:extLst>
+              <a:ext uri="{28A0092B-C50C-407E-A947-70E740481C1C}">
+                <a14:useLocalDpi xmlns:a14="http://schemas.microsoft.com/office/drawing/2010/main" val="0"/>
+              </a:ext>
+            </a:extLst>
+          </a:blip>
+          <a:stretch>
+            <a:fillRect/>
+          </a:stretch>
+        </p:blipFill>
+        <p:spPr>
+          <a:xfrm>
+            <a:off x="8152406" y="4845408"/>
+            <a:ext cx="1345019" cy="1685333"/>
+          </a:xfrm>
+          <a:prstGeom prst="rect">
+            <a:avLst/>
+          </a:prstGeom>
+        </p:spPr>
+      </p:pic>
     </p:spTree>
     <p:extLst>
       <p:ext uri="{BB962C8B-B14F-4D97-AF65-F5344CB8AC3E}">

--- a/REPL-Driven-Development.pptx
+++ b/REPL-Driven-Development.pptx
@@ -5,7 +5,7 @@
     <p:sldMasterId id="2147483648" r:id="rId1"/>
   </p:sldMasterIdLst>
   <p:notesMasterIdLst>
-    <p:notesMasterId r:id="rId29"/>
+    <p:notesMasterId r:id="rId22"/>
   </p:notesMasterIdLst>
   <p:sldIdLst>
     <p:sldId id="256" r:id="rId2"/>
@@ -28,13 +28,6 @@
     <p:sldId id="288" r:id="rId19"/>
     <p:sldId id="290" r:id="rId20"/>
     <p:sldId id="291" r:id="rId21"/>
-    <p:sldId id="289" r:id="rId22"/>
-    <p:sldId id="272" r:id="rId23"/>
-    <p:sldId id="267" r:id="rId24"/>
-    <p:sldId id="283" r:id="rId25"/>
-    <p:sldId id="284" r:id="rId26"/>
-    <p:sldId id="278" r:id="rId27"/>
-    <p:sldId id="263" r:id="rId28"/>
   </p:sldIdLst>
   <p:sldSz cx="12192000" cy="6858000"/>
   <p:notesSz cx="6858000" cy="9144000"/>
@@ -901,12 +894,6 @@
             <a:r>
               <a:rPr lang="en-US" baseline="0" dirty="0" smtClean="0"/>
               <a:t>“Only speak when asked a question.  Otherwise he was not listening”</a:t>
-            </a:r>
-          </a:p>
-          <a:p>
-            <a:r>
-              <a:rPr lang="en-US" baseline="0" dirty="0" smtClean="0"/>
-              <a:t>Annual vacation to the Pacific, Caribbean, Europe</a:t>
             </a:r>
           </a:p>
           <a:p>
@@ -4728,8 +4715,16 @@
           </a:xfrm>
         </p:spPr>
         <p:txBody>
-          <a:bodyPr/>
+          <a:bodyPr>
+            <a:normAutofit fontScale="92500" lnSpcReduction="20000"/>
+          </a:bodyPr>
           <a:lstStyle/>
+          <a:p>
+            <a:r>
+              <a:rPr lang="en-US" dirty="0" smtClean="0"/>
+              <a:t>Stack?</a:t>
+            </a:r>
+          </a:p>
           <a:p>
             <a:r>
               <a:rPr lang="en-US" dirty="0" smtClean="0"/>
@@ -4849,335 +4844,10 @@
             <p:ph idx="1"/>
           </p:nvPr>
         </p:nvSpPr>
-        <p:spPr/>
-        <p:txBody>
-          <a:bodyPr/>
-          <a:lstStyle/>
-          <a:p>
-            <a:endParaRPr lang="en-US" dirty="0"/>
-          </a:p>
-        </p:txBody>
-      </p:sp>
-    </p:spTree>
-    <p:extLst>
-      <p:ext uri="{BB962C8B-B14F-4D97-AF65-F5344CB8AC3E}">
-        <p14:creationId xmlns:p14="http://schemas.microsoft.com/office/powerpoint/2010/main" val="2119202571"/>
-      </p:ext>
-    </p:extLst>
-  </p:cSld>
-  <p:clrMapOvr>
-    <a:masterClrMapping/>
-  </p:clrMapOvr>
-</p:sld>
-</file>
-
-<file path=ppt/slides/slide16.xml><?xml version="1.0" encoding="utf-8"?>
-<p:sld xmlns:a="http://schemas.openxmlformats.org/drawingml/2006/main" xmlns:r="http://schemas.openxmlformats.org/officeDocument/2006/relationships" xmlns:p="http://schemas.openxmlformats.org/presentationml/2006/main">
-  <p:cSld>
-    <p:spTree>
-      <p:nvGrpSpPr>
-        <p:cNvPr id="1" name=""/>
-        <p:cNvGrpSpPr/>
-        <p:nvPr/>
-      </p:nvGrpSpPr>
-      <p:grpSpPr>
-        <a:xfrm>
-          <a:off x="0" y="0"/>
-          <a:ext cx="0" cy="0"/>
-          <a:chOff x="0" y="0"/>
-          <a:chExt cx="0" cy="0"/>
-        </a:xfrm>
-      </p:grpSpPr>
-      <p:sp>
-        <p:nvSpPr>
-          <p:cNvPr id="2" name="Title 1"/>
-          <p:cNvSpPr>
-            <a:spLocks noGrp="1"/>
-          </p:cNvSpPr>
-          <p:nvPr>
-            <p:ph type="title"/>
-          </p:nvPr>
-        </p:nvSpPr>
-        <p:spPr/>
-        <p:txBody>
-          <a:bodyPr/>
-          <a:lstStyle/>
-          <a:p>
-            <a:r>
-              <a:rPr lang="en-US" dirty="0" smtClean="0"/>
-              <a:t>Stop Context Switching/Remove the Noise</a:t>
-            </a:r>
-            <a:endParaRPr lang="en-US" dirty="0"/>
-          </a:p>
-        </p:txBody>
-      </p:sp>
-      <p:sp>
-        <p:nvSpPr>
-          <p:cNvPr id="3" name="Content Placeholder 2"/>
-          <p:cNvSpPr>
-            <a:spLocks noGrp="1"/>
-          </p:cNvSpPr>
-          <p:nvPr>
-            <p:ph idx="1"/>
-          </p:nvPr>
-        </p:nvSpPr>
-        <p:spPr/>
-        <p:txBody>
-          <a:bodyPr/>
-          <a:lstStyle/>
-          <a:p>
-            <a:endParaRPr lang="en-US" dirty="0" smtClean="0"/>
-          </a:p>
-          <a:p>
-            <a:endParaRPr lang="en-US" dirty="0"/>
-          </a:p>
-          <a:p>
-            <a:endParaRPr lang="en-US" dirty="0" smtClean="0"/>
-          </a:p>
-          <a:p>
-            <a:endParaRPr lang="en-US" dirty="0"/>
-          </a:p>
-          <a:p>
-            <a:endParaRPr lang="en-US" dirty="0" smtClean="0"/>
-          </a:p>
-          <a:p>
-            <a:endParaRPr lang="en-US" dirty="0"/>
-          </a:p>
-          <a:p>
-            <a:endParaRPr lang="en-US" dirty="0" smtClean="0"/>
-          </a:p>
-          <a:p>
-            <a:r>
-              <a:rPr lang="en-US" dirty="0" smtClean="0"/>
-              <a:t>See The Burning Monks series</a:t>
-            </a:r>
-            <a:endParaRPr lang="en-US" dirty="0"/>
-          </a:p>
-        </p:txBody>
-      </p:sp>
-    </p:spTree>
-    <p:extLst>
-      <p:ext uri="{BB962C8B-B14F-4D97-AF65-F5344CB8AC3E}">
-        <p14:creationId xmlns:p14="http://schemas.microsoft.com/office/powerpoint/2010/main" val="3035983225"/>
-      </p:ext>
-    </p:extLst>
-  </p:cSld>
-  <p:clrMapOvr>
-    <a:masterClrMapping/>
-  </p:clrMapOvr>
-</p:sld>
-</file>
-
-<file path=ppt/slides/slide17.xml><?xml version="1.0" encoding="utf-8"?>
-<p:sld xmlns:a="http://schemas.openxmlformats.org/drawingml/2006/main" xmlns:r="http://schemas.openxmlformats.org/officeDocument/2006/relationships" xmlns:p="http://schemas.openxmlformats.org/presentationml/2006/main">
-  <p:cSld>
-    <p:spTree>
-      <p:nvGrpSpPr>
-        <p:cNvPr id="1" name=""/>
-        <p:cNvGrpSpPr/>
-        <p:nvPr/>
-      </p:nvGrpSpPr>
-      <p:grpSpPr>
-        <a:xfrm>
-          <a:off x="0" y="0"/>
-          <a:ext cx="0" cy="0"/>
-          <a:chOff x="0" y="0"/>
-          <a:chExt cx="0" cy="0"/>
-        </a:xfrm>
-      </p:grpSpPr>
-      <p:sp>
-        <p:nvSpPr>
-          <p:cNvPr id="2" name="Title 1"/>
-          <p:cNvSpPr>
-            <a:spLocks noGrp="1"/>
-          </p:cNvSpPr>
-          <p:nvPr>
-            <p:ph type="title"/>
-          </p:nvPr>
-        </p:nvSpPr>
-        <p:spPr/>
-        <p:txBody>
-          <a:bodyPr/>
-          <a:lstStyle/>
-          <a:p>
-            <a:r>
-              <a:rPr lang="en-US" dirty="0" smtClean="0"/>
-              <a:t>Working Too Hard Makes More Work</a:t>
-            </a:r>
-            <a:endParaRPr lang="en-US" dirty="0"/>
-          </a:p>
-        </p:txBody>
-      </p:sp>
-      <p:sp>
-        <p:nvSpPr>
-          <p:cNvPr id="3" name="Content Placeholder 2"/>
-          <p:cNvSpPr>
-            <a:spLocks noGrp="1"/>
-          </p:cNvSpPr>
-          <p:nvPr>
-            <p:ph idx="1"/>
-          </p:nvPr>
-        </p:nvSpPr>
-        <p:spPr/>
-        <p:txBody>
-          <a:bodyPr/>
-          <a:lstStyle/>
-          <a:p>
-            <a:r>
-              <a:rPr lang="en-US" dirty="0" smtClean="0"/>
-              <a:t>What % Code Coverage is right?</a:t>
-            </a:r>
-          </a:p>
-          <a:p>
-            <a:r>
-              <a:rPr lang="en-US" dirty="0"/>
-              <a:t>Props need to be unit tested?</a:t>
-            </a:r>
-          </a:p>
-          <a:p>
-            <a:endParaRPr lang="en-US" dirty="0"/>
-          </a:p>
-        </p:txBody>
-      </p:sp>
-    </p:spTree>
-    <p:extLst>
-      <p:ext uri="{BB962C8B-B14F-4D97-AF65-F5344CB8AC3E}">
-        <p14:creationId xmlns:p14="http://schemas.microsoft.com/office/powerpoint/2010/main" val="3388284204"/>
-      </p:ext>
-    </p:extLst>
-  </p:cSld>
-  <p:clrMapOvr>
-    <a:masterClrMapping/>
-  </p:clrMapOvr>
-</p:sld>
-</file>
-
-<file path=ppt/slides/slide18.xml><?xml version="1.0" encoding="utf-8"?>
-<p:sld xmlns:a="http://schemas.openxmlformats.org/drawingml/2006/main" xmlns:r="http://schemas.openxmlformats.org/officeDocument/2006/relationships" xmlns:p="http://schemas.openxmlformats.org/presentationml/2006/main">
-  <p:cSld>
-    <p:spTree>
-      <p:nvGrpSpPr>
-        <p:cNvPr id="1" name=""/>
-        <p:cNvGrpSpPr/>
-        <p:nvPr/>
-      </p:nvGrpSpPr>
-      <p:grpSpPr>
-        <a:xfrm>
-          <a:off x="0" y="0"/>
-          <a:ext cx="0" cy="0"/>
-          <a:chOff x="0" y="0"/>
-          <a:chExt cx="0" cy="0"/>
-        </a:xfrm>
-      </p:grpSpPr>
-      <p:sp>
-        <p:nvSpPr>
-          <p:cNvPr id="2" name="Title 1"/>
-          <p:cNvSpPr>
-            <a:spLocks noGrp="1"/>
-          </p:cNvSpPr>
-          <p:nvPr>
-            <p:ph type="title"/>
-          </p:nvPr>
-        </p:nvSpPr>
-        <p:spPr/>
-        <p:txBody>
-          <a:bodyPr/>
-          <a:lstStyle/>
-          <a:p>
-            <a:r>
-              <a:rPr lang="en-US" dirty="0" smtClean="0"/>
-              <a:t>Duplication/Boilerplates/Templates are a complete and total waste</a:t>
-            </a:r>
-            <a:endParaRPr lang="en-US" dirty="0"/>
-          </a:p>
-        </p:txBody>
-      </p:sp>
-      <p:sp>
-        <p:nvSpPr>
-          <p:cNvPr id="3" name="Content Placeholder 2"/>
-          <p:cNvSpPr>
-            <a:spLocks noGrp="1"/>
-          </p:cNvSpPr>
-          <p:nvPr>
-            <p:ph idx="1"/>
-          </p:nvPr>
-        </p:nvSpPr>
-        <p:spPr/>
-        <p:txBody>
-          <a:bodyPr/>
-          <a:lstStyle/>
-          <a:p>
-            <a:endParaRPr lang="en-US" dirty="0"/>
-          </a:p>
-        </p:txBody>
-      </p:sp>
-    </p:spTree>
-    <p:extLst>
-      <p:ext uri="{BB962C8B-B14F-4D97-AF65-F5344CB8AC3E}">
-        <p14:creationId xmlns:p14="http://schemas.microsoft.com/office/powerpoint/2010/main" val="153963186"/>
-      </p:ext>
-    </p:extLst>
-  </p:cSld>
-  <p:clrMapOvr>
-    <a:masterClrMapping/>
-  </p:clrMapOvr>
-</p:sld>
-</file>
-
-<file path=ppt/slides/slide19.xml><?xml version="1.0" encoding="utf-8"?>
-<p:sld xmlns:a="http://schemas.openxmlformats.org/drawingml/2006/main" xmlns:r="http://schemas.openxmlformats.org/officeDocument/2006/relationships" xmlns:p="http://schemas.openxmlformats.org/presentationml/2006/main">
-  <p:cSld>
-    <p:spTree>
-      <p:nvGrpSpPr>
-        <p:cNvPr id="1" name=""/>
-        <p:cNvGrpSpPr/>
-        <p:nvPr/>
-      </p:nvGrpSpPr>
-      <p:grpSpPr>
-        <a:xfrm>
-          <a:off x="0" y="0"/>
-          <a:ext cx="0" cy="0"/>
-          <a:chOff x="0" y="0"/>
-          <a:chExt cx="0" cy="0"/>
-        </a:xfrm>
-      </p:grpSpPr>
-      <p:sp>
-        <p:nvSpPr>
-          <p:cNvPr id="2" name="Title 1"/>
-          <p:cNvSpPr>
-            <a:spLocks noGrp="1"/>
-          </p:cNvSpPr>
-          <p:nvPr>
-            <p:ph type="title"/>
-          </p:nvPr>
-        </p:nvSpPr>
-        <p:spPr/>
-        <p:txBody>
-          <a:bodyPr/>
-          <a:lstStyle/>
-          <a:p>
-            <a:r>
-              <a:rPr lang="en-US" dirty="0" smtClean="0"/>
-              <a:t>Why TDD?</a:t>
-            </a:r>
-            <a:endParaRPr lang="en-US" dirty="0"/>
-          </a:p>
-        </p:txBody>
-      </p:sp>
-      <p:sp>
-        <p:nvSpPr>
-          <p:cNvPr id="3" name="Content Placeholder 2"/>
-          <p:cNvSpPr>
-            <a:spLocks noGrp="1"/>
-          </p:cNvSpPr>
-          <p:nvPr>
-            <p:ph idx="1"/>
-          </p:nvPr>
-        </p:nvSpPr>
         <p:spPr>
           <a:xfrm>
             <a:off x="838200" y="1825625"/>
-            <a:ext cx="10515600" cy="1919061"/>
+            <a:ext cx="4430486" cy="4351338"/>
           </a:xfrm>
         </p:spPr>
         <p:txBody>
@@ -5186,19 +4856,37 @@
           <a:p>
             <a:r>
               <a:rPr lang="en-US" dirty="0" smtClean="0"/>
-              <a:t>Correctness</a:t>
+              <a:t>Extract an interface</a:t>
             </a:r>
           </a:p>
           <a:p>
             <a:r>
               <a:rPr lang="en-US" dirty="0" smtClean="0"/>
-              <a:t>Change-Proof</a:t>
+              <a:t>Create unit test class</a:t>
             </a:r>
           </a:p>
           <a:p>
             <a:r>
               <a:rPr lang="en-US" dirty="0" smtClean="0"/>
-              <a:t>Force small testable methods</a:t>
+              <a:t>Create method</a:t>
+            </a:r>
+          </a:p>
+          <a:p>
+            <a:r>
+              <a:rPr lang="en-US" dirty="0" smtClean="0"/>
+              <a:t>Write method</a:t>
+            </a:r>
+          </a:p>
+          <a:p>
+            <a:r>
+              <a:rPr lang="en-US" dirty="0" smtClean="0"/>
+              <a:t>Create working code class</a:t>
+            </a:r>
+          </a:p>
+          <a:p>
+            <a:r>
+              <a:rPr lang="en-US" dirty="0" smtClean="0"/>
+              <a:t>Implement method</a:t>
             </a:r>
           </a:p>
           <a:p>
@@ -5206,574 +4894,18 @@
           </a:p>
         </p:txBody>
       </p:sp>
-    </p:spTree>
-    <p:extLst>
-      <p:ext uri="{BB962C8B-B14F-4D97-AF65-F5344CB8AC3E}">
-        <p14:creationId xmlns:p14="http://schemas.microsoft.com/office/powerpoint/2010/main" val="806549103"/>
-      </p:ext>
-    </p:extLst>
-  </p:cSld>
-  <p:clrMapOvr>
-    <a:masterClrMapping/>
-  </p:clrMapOvr>
-</p:sld>
-</file>
-
-<file path=ppt/slides/slide2.xml><?xml version="1.0" encoding="utf-8"?>
-<p:sld xmlns:a="http://schemas.openxmlformats.org/drawingml/2006/main" xmlns:r="http://schemas.openxmlformats.org/officeDocument/2006/relationships" xmlns:p="http://schemas.openxmlformats.org/presentationml/2006/main">
-  <p:cSld>
-    <p:spTree>
-      <p:nvGrpSpPr>
-        <p:cNvPr id="1" name=""/>
-        <p:cNvGrpSpPr/>
-        <p:nvPr/>
-      </p:nvGrpSpPr>
-      <p:grpSpPr>
-        <a:xfrm>
-          <a:off x="0" y="0"/>
-          <a:ext cx="0" cy="0"/>
-          <a:chOff x="0" y="0"/>
-          <a:chExt cx="0" cy="0"/>
-        </a:xfrm>
-      </p:grpSpPr>
-      <p:pic>
-        <p:nvPicPr>
-          <p:cNvPr id="4" name="Picture 3"/>
-          <p:cNvPicPr>
-            <a:picLocks noChangeAspect="1"/>
-          </p:cNvPicPr>
+      <p:sp>
+        <p:nvSpPr>
+          <p:cNvPr id="4" name="Content Placeholder 2"/>
+          <p:cNvSpPr txBox="1">
+            <a:spLocks/>
+          </p:cNvSpPr>
           <p:nvPr/>
-        </p:nvPicPr>
-        <p:blipFill>
-          <a:blip r:embed="rId3">
-            <a:extLst>
-              <a:ext uri="{28A0092B-C50C-407E-A947-70E740481C1C}">
-                <a14:useLocalDpi xmlns:a14="http://schemas.microsoft.com/office/drawing/2010/main" val="0"/>
-              </a:ext>
-            </a:extLst>
-          </a:blip>
-          <a:stretch>
-            <a:fillRect/>
-          </a:stretch>
-        </p:blipFill>
+        </p:nvSpPr>
         <p:spPr>
           <a:xfrm>
-            <a:off x="838200" y="1495915"/>
-            <a:ext cx="2162175" cy="2847975"/>
-          </a:xfrm>
-          <a:prstGeom prst="rect">
-            <a:avLst/>
-          </a:prstGeom>
-        </p:spPr>
-      </p:pic>
-      <p:pic>
-        <p:nvPicPr>
-          <p:cNvPr id="5" name="Picture 4"/>
-          <p:cNvPicPr>
-            <a:picLocks noChangeAspect="1"/>
-          </p:cNvPicPr>
-          <p:nvPr/>
-        </p:nvPicPr>
-        <p:blipFill>
-          <a:blip r:embed="rId4">
-            <a:extLst>
-              <a:ext uri="{28A0092B-C50C-407E-A947-70E740481C1C}">
-                <a14:useLocalDpi xmlns:a14="http://schemas.microsoft.com/office/drawing/2010/main" val="0"/>
-              </a:ext>
-            </a:extLst>
-          </a:blip>
-          <a:stretch>
-            <a:fillRect/>
-          </a:stretch>
-        </p:blipFill>
-        <p:spPr>
-          <a:xfrm>
-            <a:off x="3829870" y="1753089"/>
-            <a:ext cx="2809875" cy="2333625"/>
-          </a:xfrm>
-          <a:prstGeom prst="rect">
-            <a:avLst/>
-          </a:prstGeom>
-        </p:spPr>
-      </p:pic>
-      <p:pic>
-        <p:nvPicPr>
-          <p:cNvPr id="6" name="Picture 5"/>
-          <p:cNvPicPr>
-            <a:picLocks noChangeAspect="1"/>
-          </p:cNvPicPr>
-          <p:nvPr/>
-        </p:nvPicPr>
-        <p:blipFill>
-          <a:blip r:embed="rId5">
-            <a:extLst>
-              <a:ext uri="{28A0092B-C50C-407E-A947-70E740481C1C}">
-                <a14:useLocalDpi xmlns:a14="http://schemas.microsoft.com/office/drawing/2010/main" val="0"/>
-              </a:ext>
-            </a:extLst>
-          </a:blip>
-          <a:stretch>
-            <a:fillRect/>
-          </a:stretch>
-        </p:blipFill>
-        <p:spPr>
-          <a:xfrm>
-            <a:off x="7469240" y="1916001"/>
-            <a:ext cx="2847975" cy="1895475"/>
-          </a:xfrm>
-          <a:prstGeom prst="rect">
-            <a:avLst/>
-          </a:prstGeom>
-        </p:spPr>
-      </p:pic>
-      <p:sp>
-        <p:nvSpPr>
-          <p:cNvPr id="7" name="Content Placeholder 2"/>
-          <p:cNvSpPr>
-            <a:spLocks noGrp="1"/>
-          </p:cNvSpPr>
-          <p:nvPr>
-            <p:ph idx="1"/>
-          </p:nvPr>
-        </p:nvSpPr>
-        <p:spPr>
-          <a:xfrm>
-            <a:off x="838200" y="4972050"/>
-            <a:ext cx="10515600" cy="1504950"/>
-          </a:xfrm>
-        </p:spPr>
-        <p:txBody>
-          <a:bodyPr>
-            <a:normAutofit/>
-          </a:bodyPr>
-          <a:lstStyle/>
-          <a:p>
-            <a:pPr marL="0" indent="0">
-              <a:buNone/>
-            </a:pPr>
-            <a:r>
-              <a:rPr lang="en-US" dirty="0" smtClean="0"/>
-              <a:t>I </a:t>
-            </a:r>
-            <a:r>
-              <a:rPr lang="en-US" dirty="0"/>
-              <a:t>am about to begin a systematic study of the subject in preparation for practical work to which I expect to devote what time I can spare from my regular business. </a:t>
-            </a:r>
-          </a:p>
-        </p:txBody>
-      </p:sp>
-    </p:spTree>
-    <p:extLst>
-      <p:ext uri="{BB962C8B-B14F-4D97-AF65-F5344CB8AC3E}">
-        <p14:creationId xmlns:p14="http://schemas.microsoft.com/office/powerpoint/2010/main" val="437504232"/>
-      </p:ext>
-    </p:extLst>
-  </p:cSld>
-  <p:clrMapOvr>
-    <a:masterClrMapping/>
-  </p:clrMapOvr>
-</p:sld>
-</file>
-
-<file path=ppt/slides/slide20.xml><?xml version="1.0" encoding="utf-8"?>
-<p:sld xmlns:a="http://schemas.openxmlformats.org/drawingml/2006/main" xmlns:r="http://schemas.openxmlformats.org/officeDocument/2006/relationships" xmlns:p="http://schemas.openxmlformats.org/presentationml/2006/main">
-  <p:cSld>
-    <p:spTree>
-      <p:nvGrpSpPr>
-        <p:cNvPr id="1" name=""/>
-        <p:cNvGrpSpPr/>
-        <p:nvPr/>
-      </p:nvGrpSpPr>
-      <p:grpSpPr>
-        <a:xfrm>
-          <a:off x="0" y="0"/>
-          <a:ext cx="0" cy="0"/>
-          <a:chOff x="0" y="0"/>
-          <a:chExt cx="0" cy="0"/>
-        </a:xfrm>
-      </p:grpSpPr>
-      <p:sp>
-        <p:nvSpPr>
-          <p:cNvPr id="2" name="Title 1"/>
-          <p:cNvSpPr>
-            <a:spLocks noGrp="1"/>
-          </p:cNvSpPr>
-          <p:nvPr>
-            <p:ph type="title"/>
-          </p:nvPr>
-        </p:nvSpPr>
-        <p:spPr/>
-        <p:txBody>
-          <a:bodyPr/>
-          <a:lstStyle/>
-          <a:p>
-            <a:r>
-              <a:rPr lang="en-US" dirty="0" smtClean="0"/>
-              <a:t>Is This a Natural Evolution?</a:t>
-            </a:r>
-            <a:endParaRPr lang="en-US" dirty="0"/>
-          </a:p>
-        </p:txBody>
-      </p:sp>
-      <p:sp>
-        <p:nvSpPr>
-          <p:cNvPr id="3" name="Content Placeholder 2"/>
-          <p:cNvSpPr>
-            <a:spLocks noGrp="1"/>
-          </p:cNvSpPr>
-          <p:nvPr>
-            <p:ph idx="1"/>
-          </p:nvPr>
-        </p:nvSpPr>
-        <p:spPr/>
-        <p:txBody>
-          <a:bodyPr/>
-          <a:lstStyle/>
-          <a:p>
-            <a:endParaRPr lang="en-US" dirty="0"/>
-          </a:p>
-        </p:txBody>
-      </p:sp>
-    </p:spTree>
-    <p:extLst>
-      <p:ext uri="{BB962C8B-B14F-4D97-AF65-F5344CB8AC3E}">
-        <p14:creationId xmlns:p14="http://schemas.microsoft.com/office/powerpoint/2010/main" val="3218997376"/>
-      </p:ext>
-    </p:extLst>
-  </p:cSld>
-  <p:clrMapOvr>
-    <a:masterClrMapping/>
-  </p:clrMapOvr>
-</p:sld>
-</file>
-
-<file path=ppt/slides/slide21.xml><?xml version="1.0" encoding="utf-8"?>
-<p:sld xmlns:a="http://schemas.openxmlformats.org/drawingml/2006/main" xmlns:r="http://schemas.openxmlformats.org/officeDocument/2006/relationships" xmlns:p="http://schemas.openxmlformats.org/presentationml/2006/main">
-  <p:cSld>
-    <p:spTree>
-      <p:nvGrpSpPr>
-        <p:cNvPr id="1" name=""/>
-        <p:cNvGrpSpPr/>
-        <p:nvPr/>
-      </p:nvGrpSpPr>
-      <p:grpSpPr>
-        <a:xfrm>
-          <a:off x="0" y="0"/>
-          <a:ext cx="0" cy="0"/>
-          <a:chOff x="0" y="0"/>
-          <a:chExt cx="0" cy="0"/>
-        </a:xfrm>
-      </p:grpSpPr>
-      <p:sp>
-        <p:nvSpPr>
-          <p:cNvPr id="2" name="Title 1"/>
-          <p:cNvSpPr>
-            <a:spLocks noGrp="1"/>
-          </p:cNvSpPr>
-          <p:nvPr>
-            <p:ph type="title"/>
-          </p:nvPr>
-        </p:nvSpPr>
-        <p:spPr/>
-        <p:txBody>
-          <a:bodyPr/>
-          <a:lstStyle/>
-          <a:p>
-            <a:endParaRPr lang="en-US"/>
-          </a:p>
-        </p:txBody>
-      </p:sp>
-      <p:sp>
-        <p:nvSpPr>
-          <p:cNvPr id="3" name="Content Placeholder 2"/>
-          <p:cNvSpPr>
-            <a:spLocks noGrp="1"/>
-          </p:cNvSpPr>
-          <p:nvPr>
-            <p:ph idx="1"/>
-          </p:nvPr>
-        </p:nvSpPr>
-        <p:spPr/>
-        <p:txBody>
-          <a:bodyPr/>
-          <a:lstStyle/>
-          <a:p>
-            <a:r>
-              <a:rPr lang="en-US" dirty="0" smtClean="0"/>
-              <a:t>BREAK</a:t>
-            </a:r>
-            <a:endParaRPr lang="en-US" dirty="0"/>
-          </a:p>
-        </p:txBody>
-      </p:sp>
-    </p:spTree>
-    <p:extLst>
-      <p:ext uri="{BB962C8B-B14F-4D97-AF65-F5344CB8AC3E}">
-        <p14:creationId xmlns:p14="http://schemas.microsoft.com/office/powerpoint/2010/main" val="1150297048"/>
-      </p:ext>
-    </p:extLst>
-  </p:cSld>
-  <p:clrMapOvr>
-    <a:masterClrMapping/>
-  </p:clrMapOvr>
-</p:sld>
-</file>
-
-<file path=ppt/slides/slide22.xml><?xml version="1.0" encoding="utf-8"?>
-<p:sld xmlns:a="http://schemas.openxmlformats.org/drawingml/2006/main" xmlns:r="http://schemas.openxmlformats.org/officeDocument/2006/relationships" xmlns:p="http://schemas.openxmlformats.org/presentationml/2006/main">
-  <p:cSld>
-    <p:spTree>
-      <p:nvGrpSpPr>
-        <p:cNvPr id="1" name=""/>
-        <p:cNvGrpSpPr/>
-        <p:nvPr/>
-      </p:nvGrpSpPr>
-      <p:grpSpPr>
-        <a:xfrm>
-          <a:off x="0" y="0"/>
-          <a:ext cx="0" cy="0"/>
-          <a:chOff x="0" y="0"/>
-          <a:chExt cx="0" cy="0"/>
-        </a:xfrm>
-      </p:grpSpPr>
-      <p:pic>
-        <p:nvPicPr>
-          <p:cNvPr id="6" name="Picture 5"/>
-          <p:cNvPicPr>
-            <a:picLocks noChangeAspect="1"/>
-          </p:cNvPicPr>
-          <p:nvPr/>
-        </p:nvPicPr>
-        <p:blipFill>
-          <a:blip r:embed="rId2">
-            <a:extLst>
-              <a:ext uri="{28A0092B-C50C-407E-A947-70E740481C1C}">
-                <a14:useLocalDpi xmlns:a14="http://schemas.microsoft.com/office/drawing/2010/main" val="0"/>
-              </a:ext>
-            </a:extLst>
-          </a:blip>
-          <a:stretch>
-            <a:fillRect/>
-          </a:stretch>
-        </p:blipFill>
-        <p:spPr>
-          <a:xfrm>
-            <a:off x="8528957" y="2604425"/>
-            <a:ext cx="2857500" cy="1933575"/>
-          </a:xfrm>
-          <a:prstGeom prst="rect">
-            <a:avLst/>
-          </a:prstGeom>
-        </p:spPr>
-      </p:pic>
-      <p:pic>
-        <p:nvPicPr>
-          <p:cNvPr id="8" name="Picture 7"/>
-          <p:cNvPicPr>
-            <a:picLocks noChangeAspect="1"/>
-          </p:cNvPicPr>
-          <p:nvPr/>
-        </p:nvPicPr>
-        <p:blipFill>
-          <a:blip r:embed="rId3">
-            <a:extLst>
-              <a:ext uri="{28A0092B-C50C-407E-A947-70E740481C1C}">
-                <a14:useLocalDpi xmlns:a14="http://schemas.microsoft.com/office/drawing/2010/main" val="0"/>
-              </a:ext>
-            </a:extLst>
-          </a:blip>
-          <a:stretch>
-            <a:fillRect/>
-          </a:stretch>
-        </p:blipFill>
-        <p:spPr>
-          <a:xfrm>
-            <a:off x="625031" y="2139327"/>
-            <a:ext cx="2298678" cy="2863770"/>
-          </a:xfrm>
-          <a:prstGeom prst="rect">
-            <a:avLst/>
-          </a:prstGeom>
-        </p:spPr>
-      </p:pic>
-      <p:sp>
-        <p:nvSpPr>
-          <p:cNvPr id="11" name="Title 10"/>
-          <p:cNvSpPr>
-            <a:spLocks noGrp="1"/>
-          </p:cNvSpPr>
-          <p:nvPr>
-            <p:ph type="title"/>
-          </p:nvPr>
-        </p:nvSpPr>
-        <p:spPr/>
-        <p:txBody>
-          <a:bodyPr/>
-          <a:lstStyle/>
-          <a:p>
-            <a:endParaRPr lang="en-US"/>
-          </a:p>
-        </p:txBody>
-      </p:sp>
-    </p:spTree>
-    <p:extLst>
-      <p:ext uri="{BB962C8B-B14F-4D97-AF65-F5344CB8AC3E}">
-        <p14:creationId xmlns:p14="http://schemas.microsoft.com/office/powerpoint/2010/main" val="4049765291"/>
-      </p:ext>
-    </p:extLst>
-  </p:cSld>
-  <p:clrMapOvr>
-    <a:masterClrMapping/>
-  </p:clrMapOvr>
-</p:sld>
-</file>
-
-<file path=ppt/slides/slide23.xml><?xml version="1.0" encoding="utf-8"?>
-<p:sld xmlns:a="http://schemas.openxmlformats.org/drawingml/2006/main" xmlns:r="http://schemas.openxmlformats.org/officeDocument/2006/relationships" xmlns:p="http://schemas.openxmlformats.org/presentationml/2006/main">
-  <p:cSld>
-    <p:spTree>
-      <p:nvGrpSpPr>
-        <p:cNvPr id="1" name=""/>
-        <p:cNvGrpSpPr/>
-        <p:nvPr/>
-      </p:nvGrpSpPr>
-      <p:grpSpPr>
-        <a:xfrm>
-          <a:off x="0" y="0"/>
-          <a:ext cx="0" cy="0"/>
-          <a:chOff x="0" y="0"/>
-          <a:chExt cx="0" cy="0"/>
-        </a:xfrm>
-      </p:grpSpPr>
-      <p:pic>
-        <p:nvPicPr>
-          <p:cNvPr id="6" name="Content Placeholder 4"/>
-          <p:cNvPicPr>
-            <a:picLocks noGrp="1" noChangeAspect="1"/>
-          </p:cNvPicPr>
-          <p:nvPr>
-            <p:ph idx="1"/>
-          </p:nvPr>
-        </p:nvPicPr>
-        <p:blipFill>
-          <a:blip r:embed="rId2">
-            <a:extLst>
-              <a:ext uri="{28A0092B-C50C-407E-A947-70E740481C1C}">
-                <a14:useLocalDpi xmlns:a14="http://schemas.microsoft.com/office/drawing/2010/main" val="0"/>
-              </a:ext>
-            </a:extLst>
-          </a:blip>
-          <a:stretch>
-            <a:fillRect/>
-          </a:stretch>
-        </p:blipFill>
-        <p:spPr>
-          <a:xfrm>
-            <a:off x="8134350" y="418118"/>
-            <a:ext cx="1047750" cy="1272570"/>
-          </a:xfrm>
-        </p:spPr>
-      </p:pic>
-      <p:pic>
-        <p:nvPicPr>
-          <p:cNvPr id="7" name="Picture 6"/>
-          <p:cNvPicPr>
-            <a:picLocks noChangeAspect="1"/>
-          </p:cNvPicPr>
-          <p:nvPr/>
-        </p:nvPicPr>
-        <p:blipFill>
-          <a:blip r:embed="rId3">
-            <a:extLst>
-              <a:ext uri="{28A0092B-C50C-407E-A947-70E740481C1C}">
-                <a14:useLocalDpi xmlns:a14="http://schemas.microsoft.com/office/drawing/2010/main" val="0"/>
-              </a:ext>
-            </a:extLst>
-          </a:blip>
-          <a:stretch>
-            <a:fillRect/>
-          </a:stretch>
-        </p:blipFill>
-        <p:spPr>
-          <a:xfrm>
-            <a:off x="6400801" y="418118"/>
-            <a:ext cx="1015604" cy="1272570"/>
-          </a:xfrm>
-          <a:prstGeom prst="rect">
-            <a:avLst/>
-          </a:prstGeom>
-        </p:spPr>
-      </p:pic>
-      <p:sp>
-        <p:nvSpPr>
-          <p:cNvPr id="8" name="Title 1"/>
-          <p:cNvSpPr>
-            <a:spLocks noGrp="1"/>
-          </p:cNvSpPr>
-          <p:nvPr>
-            <p:ph type="title"/>
-          </p:nvPr>
-        </p:nvSpPr>
-        <p:spPr>
-          <a:xfrm>
-            <a:off x="838200" y="365125"/>
-            <a:ext cx="5124450" cy="1325563"/>
-          </a:xfrm>
-        </p:spPr>
-        <p:txBody>
-          <a:bodyPr/>
-          <a:lstStyle/>
-          <a:p>
-            <a:r>
-              <a:rPr lang="en-US" dirty="0" smtClean="0"/>
-              <a:t>Summary</a:t>
-            </a:r>
-            <a:endParaRPr lang="en-US" dirty="0"/>
-          </a:p>
-        </p:txBody>
-      </p:sp>
-      <p:pic>
-        <p:nvPicPr>
-          <p:cNvPr id="9" name="Picture 8"/>
-          <p:cNvPicPr>
-            <a:picLocks noChangeAspect="1"/>
-          </p:cNvPicPr>
-          <p:nvPr/>
-        </p:nvPicPr>
-        <p:blipFill>
-          <a:blip r:embed="rId4">
-            <a:extLst>
-              <a:ext uri="{28A0092B-C50C-407E-A947-70E740481C1C}">
-                <a14:useLocalDpi xmlns:a14="http://schemas.microsoft.com/office/drawing/2010/main" val="0"/>
-              </a:ext>
-            </a:extLst>
-          </a:blip>
-          <a:stretch>
-            <a:fillRect/>
-          </a:stretch>
-        </p:blipFill>
-        <p:spPr>
-          <a:xfrm>
-            <a:off x="9900045" y="391621"/>
-            <a:ext cx="1021461" cy="1272570"/>
-          </a:xfrm>
-          <a:prstGeom prst="rect">
-            <a:avLst/>
-          </a:prstGeom>
-        </p:spPr>
-      </p:pic>
-      <p:sp>
-        <p:nvSpPr>
-          <p:cNvPr id="10" name="Content Placeholder 2"/>
-          <p:cNvSpPr txBox="1">
-            <a:spLocks/>
-          </p:cNvSpPr>
-          <p:nvPr/>
-        </p:nvSpPr>
-        <p:spPr>
-          <a:xfrm>
-            <a:off x="838200" y="2375808"/>
-            <a:ext cx="5562601" cy="759278"/>
+            <a:off x="6183086" y="1825625"/>
+            <a:ext cx="4430486" cy="4351338"/>
           </a:xfrm>
           <a:prstGeom prst="rect">
             <a:avLst/>
@@ -5948,21 +5080,116 @@
             </a:lvl9pPr>
           </a:lstStyle>
           <a:p>
-            <a:pPr marL="0" indent="0">
-              <a:buFont typeface="Arial" panose="020B0604020202020204" pitchFamily="34" charset="0"/>
-              <a:buNone/>
-            </a:pPr>
             <a:r>
               <a:rPr lang="en-US" dirty="0" smtClean="0"/>
-              <a:t>Round 1: Discovery</a:t>
-            </a:r>
+              <a:t>Write a function</a:t>
+            </a:r>
+          </a:p>
+          <a:p>
             <a:endParaRPr lang="en-US" dirty="0"/>
           </a:p>
         </p:txBody>
       </p:sp>
-      <p:sp>
-        <p:nvSpPr>
-          <p:cNvPr id="11" name="Content Placeholder 2"/>
+    </p:spTree>
+    <p:extLst>
+      <p:ext uri="{BB962C8B-B14F-4D97-AF65-F5344CB8AC3E}">
+        <p14:creationId xmlns:p14="http://schemas.microsoft.com/office/powerpoint/2010/main" val="2119202571"/>
+      </p:ext>
+    </p:extLst>
+  </p:cSld>
+  <p:clrMapOvr>
+    <a:masterClrMapping/>
+  </p:clrMapOvr>
+</p:sld>
+</file>
+
+<file path=ppt/slides/slide16.xml><?xml version="1.0" encoding="utf-8"?>
+<p:sld xmlns:a="http://schemas.openxmlformats.org/drawingml/2006/main" xmlns:r="http://schemas.openxmlformats.org/officeDocument/2006/relationships" xmlns:p="http://schemas.openxmlformats.org/presentationml/2006/main">
+  <p:cSld>
+    <p:spTree>
+      <p:nvGrpSpPr>
+        <p:cNvPr id="1" name=""/>
+        <p:cNvGrpSpPr/>
+        <p:nvPr/>
+      </p:nvGrpSpPr>
+      <p:grpSpPr>
+        <a:xfrm>
+          <a:off x="0" y="0"/>
+          <a:ext cx="0" cy="0"/>
+          <a:chOff x="0" y="0"/>
+          <a:chExt cx="0" cy="0"/>
+        </a:xfrm>
+      </p:grpSpPr>
+      <p:sp>
+        <p:nvSpPr>
+          <p:cNvPr id="2" name="Title 1"/>
+          <p:cNvSpPr>
+            <a:spLocks noGrp="1"/>
+          </p:cNvSpPr>
+          <p:nvPr>
+            <p:ph type="title"/>
+          </p:nvPr>
+        </p:nvSpPr>
+        <p:spPr/>
+        <p:txBody>
+          <a:bodyPr/>
+          <a:lstStyle/>
+          <a:p>
+            <a:r>
+              <a:rPr lang="en-US" dirty="0" smtClean="0"/>
+              <a:t>Stop Context Switching/Remove the Noise</a:t>
+            </a:r>
+            <a:endParaRPr lang="en-US" dirty="0"/>
+          </a:p>
+        </p:txBody>
+      </p:sp>
+      <p:sp>
+        <p:nvSpPr>
+          <p:cNvPr id="3" name="Content Placeholder 2"/>
+          <p:cNvSpPr>
+            <a:spLocks noGrp="1"/>
+          </p:cNvSpPr>
+          <p:nvPr>
+            <p:ph idx="1"/>
+          </p:nvPr>
+        </p:nvSpPr>
+        <p:spPr/>
+        <p:txBody>
+          <a:bodyPr/>
+          <a:lstStyle/>
+          <a:p>
+            <a:endParaRPr lang="en-US" dirty="0" smtClean="0"/>
+          </a:p>
+          <a:p>
+            <a:endParaRPr lang="en-US" dirty="0"/>
+          </a:p>
+          <a:p>
+            <a:endParaRPr lang="en-US" dirty="0" smtClean="0"/>
+          </a:p>
+          <a:p>
+            <a:endParaRPr lang="en-US" dirty="0"/>
+          </a:p>
+          <a:p>
+            <a:endParaRPr lang="en-US" dirty="0" smtClean="0"/>
+          </a:p>
+          <a:p>
+            <a:endParaRPr lang="en-US" dirty="0"/>
+          </a:p>
+          <a:p>
+            <a:endParaRPr lang="en-US" dirty="0" smtClean="0"/>
+          </a:p>
+          <a:p>
+            <a:r>
+              <a:rPr lang="en-US" dirty="0" smtClean="0"/>
+              <a:t>See The Burning Monks series</a:t>
+            </a:r>
+            <a:endParaRPr lang="en-US" dirty="0"/>
+          </a:p>
+        </p:txBody>
+      </p:sp>
+      <p:sp>
+        <p:nvSpPr>
+          <p:cNvPr id="4" name="Content Placeholder 2"/>
           <p:cNvSpPr txBox="1">
             <a:spLocks/>
           </p:cNvSpPr>
@@ -5970,8 +5197,8 @@
         </p:nvSpPr>
         <p:spPr>
           <a:xfrm>
-            <a:off x="838200" y="4291694"/>
-            <a:ext cx="5382986" cy="759278"/>
+            <a:off x="838200" y="1825625"/>
+            <a:ext cx="4430486" cy="3203575"/>
           </a:xfrm>
           <a:prstGeom prst="rect">
             <a:avLst/>
@@ -6146,14 +5373,233 @@
             </a:lvl9pPr>
           </a:lstStyle>
           <a:p>
-            <a:pPr marL="0" indent="0">
+            <a:r>
+              <a:rPr lang="en-US" dirty="0" smtClean="0"/>
+              <a:t>; ?</a:t>
+            </a:r>
+          </a:p>
+          <a:p>
+            <a:r>
+              <a:rPr lang="en-US" dirty="0" smtClean="0"/>
+              <a:t>{ } ?</a:t>
+            </a:r>
+          </a:p>
+          <a:p>
+            <a:r>
+              <a:rPr lang="en-US" dirty="0"/>
+              <a:t>p</a:t>
+            </a:r>
+            <a:r>
+              <a:rPr lang="en-US" dirty="0" smtClean="0"/>
+              <a:t>ublic class ?</a:t>
+            </a:r>
+          </a:p>
+          <a:p>
+            <a:r>
+              <a:rPr lang="en-US" dirty="0" smtClean="0"/>
+              <a:t>Switch between UT and SUT</a:t>
+            </a:r>
+          </a:p>
+          <a:p>
+            <a:endParaRPr lang="en-US" dirty="0" smtClean="0"/>
+          </a:p>
+          <a:p>
+            <a:endParaRPr lang="en-US" dirty="0"/>
+          </a:p>
+        </p:txBody>
+      </p:sp>
+      <p:sp>
+        <p:nvSpPr>
+          <p:cNvPr id="5" name="Content Placeholder 2"/>
+          <p:cNvSpPr txBox="1">
+            <a:spLocks/>
+          </p:cNvSpPr>
+          <p:nvPr/>
+        </p:nvSpPr>
+        <p:spPr>
+          <a:xfrm>
+            <a:off x="6183086" y="1825625"/>
+            <a:ext cx="4430486" cy="4351338"/>
+          </a:xfrm>
+          <a:prstGeom prst="rect">
+            <a:avLst/>
+          </a:prstGeom>
+        </p:spPr>
+        <p:txBody>
+          <a:bodyPr vert="horz" lIns="91440" tIns="45720" rIns="91440" bIns="45720" rtlCol="0">
+            <a:normAutofit/>
+          </a:bodyPr>
+          <a:lstStyle>
+            <a:lvl1pPr marL="228600" indent="-228600" algn="l" defTabSz="914400" rtl="0" eaLnBrk="1" latinLnBrk="0" hangingPunct="1">
+              <a:lnSpc>
+                <a:spcPct val="90000"/>
+              </a:lnSpc>
+              <a:spcBef>
+                <a:spcPts val="1000"/>
+              </a:spcBef>
               <a:buFont typeface="Arial" panose="020B0604020202020204" pitchFamily="34" charset="0"/>
-              <a:buNone/>
-            </a:pPr>
+              <a:buChar char="•"/>
+              <a:defRPr sz="2800" kern="1200">
+                <a:solidFill>
+                  <a:schemeClr val="tx1"/>
+                </a:solidFill>
+                <a:latin typeface="+mn-lt"/>
+                <a:ea typeface="+mn-ea"/>
+                <a:cs typeface="+mn-cs"/>
+              </a:defRPr>
+            </a:lvl1pPr>
+            <a:lvl2pPr marL="685800" indent="-228600" algn="l" defTabSz="914400" rtl="0" eaLnBrk="1" latinLnBrk="0" hangingPunct="1">
+              <a:lnSpc>
+                <a:spcPct val="90000"/>
+              </a:lnSpc>
+              <a:spcBef>
+                <a:spcPts val="500"/>
+              </a:spcBef>
+              <a:buFont typeface="Arial" panose="020B0604020202020204" pitchFamily="34" charset="0"/>
+              <a:buChar char="•"/>
+              <a:defRPr sz="2400" kern="1200">
+                <a:solidFill>
+                  <a:schemeClr val="tx1"/>
+                </a:solidFill>
+                <a:latin typeface="+mn-lt"/>
+                <a:ea typeface="+mn-ea"/>
+                <a:cs typeface="+mn-cs"/>
+              </a:defRPr>
+            </a:lvl2pPr>
+            <a:lvl3pPr marL="1143000" indent="-228600" algn="l" defTabSz="914400" rtl="0" eaLnBrk="1" latinLnBrk="0" hangingPunct="1">
+              <a:lnSpc>
+                <a:spcPct val="90000"/>
+              </a:lnSpc>
+              <a:spcBef>
+                <a:spcPts val="500"/>
+              </a:spcBef>
+              <a:buFont typeface="Arial" panose="020B0604020202020204" pitchFamily="34" charset="0"/>
+              <a:buChar char="•"/>
+              <a:defRPr sz="2000" kern="1200">
+                <a:solidFill>
+                  <a:schemeClr val="tx1"/>
+                </a:solidFill>
+                <a:latin typeface="+mn-lt"/>
+                <a:ea typeface="+mn-ea"/>
+                <a:cs typeface="+mn-cs"/>
+              </a:defRPr>
+            </a:lvl3pPr>
+            <a:lvl4pPr marL="1600200" indent="-228600" algn="l" defTabSz="914400" rtl="0" eaLnBrk="1" latinLnBrk="0" hangingPunct="1">
+              <a:lnSpc>
+                <a:spcPct val="90000"/>
+              </a:lnSpc>
+              <a:spcBef>
+                <a:spcPts val="500"/>
+              </a:spcBef>
+              <a:buFont typeface="Arial" panose="020B0604020202020204" pitchFamily="34" charset="0"/>
+              <a:buChar char="•"/>
+              <a:defRPr sz="1800" kern="1200">
+                <a:solidFill>
+                  <a:schemeClr val="tx1"/>
+                </a:solidFill>
+                <a:latin typeface="+mn-lt"/>
+                <a:ea typeface="+mn-ea"/>
+                <a:cs typeface="+mn-cs"/>
+              </a:defRPr>
+            </a:lvl4pPr>
+            <a:lvl5pPr marL="2057400" indent="-228600" algn="l" defTabSz="914400" rtl="0" eaLnBrk="1" latinLnBrk="0" hangingPunct="1">
+              <a:lnSpc>
+                <a:spcPct val="90000"/>
+              </a:lnSpc>
+              <a:spcBef>
+                <a:spcPts val="500"/>
+              </a:spcBef>
+              <a:buFont typeface="Arial" panose="020B0604020202020204" pitchFamily="34" charset="0"/>
+              <a:buChar char="•"/>
+              <a:defRPr sz="1800" kern="1200">
+                <a:solidFill>
+                  <a:schemeClr val="tx1"/>
+                </a:solidFill>
+                <a:latin typeface="+mn-lt"/>
+                <a:ea typeface="+mn-ea"/>
+                <a:cs typeface="+mn-cs"/>
+              </a:defRPr>
+            </a:lvl5pPr>
+            <a:lvl6pPr marL="2514600" indent="-228600" algn="l" defTabSz="914400" rtl="0" eaLnBrk="1" latinLnBrk="0" hangingPunct="1">
+              <a:lnSpc>
+                <a:spcPct val="90000"/>
+              </a:lnSpc>
+              <a:spcBef>
+                <a:spcPts val="500"/>
+              </a:spcBef>
+              <a:buFont typeface="Arial" panose="020B0604020202020204" pitchFamily="34" charset="0"/>
+              <a:buChar char="•"/>
+              <a:defRPr sz="1800" kern="1200">
+                <a:solidFill>
+                  <a:schemeClr val="tx1"/>
+                </a:solidFill>
+                <a:latin typeface="+mn-lt"/>
+                <a:ea typeface="+mn-ea"/>
+                <a:cs typeface="+mn-cs"/>
+              </a:defRPr>
+            </a:lvl6pPr>
+            <a:lvl7pPr marL="2971800" indent="-228600" algn="l" defTabSz="914400" rtl="0" eaLnBrk="1" latinLnBrk="0" hangingPunct="1">
+              <a:lnSpc>
+                <a:spcPct val="90000"/>
+              </a:lnSpc>
+              <a:spcBef>
+                <a:spcPts val="500"/>
+              </a:spcBef>
+              <a:buFont typeface="Arial" panose="020B0604020202020204" pitchFamily="34" charset="0"/>
+              <a:buChar char="•"/>
+              <a:defRPr sz="1800" kern="1200">
+                <a:solidFill>
+                  <a:schemeClr val="tx1"/>
+                </a:solidFill>
+                <a:latin typeface="+mn-lt"/>
+                <a:ea typeface="+mn-ea"/>
+                <a:cs typeface="+mn-cs"/>
+              </a:defRPr>
+            </a:lvl7pPr>
+            <a:lvl8pPr marL="3429000" indent="-228600" algn="l" defTabSz="914400" rtl="0" eaLnBrk="1" latinLnBrk="0" hangingPunct="1">
+              <a:lnSpc>
+                <a:spcPct val="90000"/>
+              </a:lnSpc>
+              <a:spcBef>
+                <a:spcPts val="500"/>
+              </a:spcBef>
+              <a:buFont typeface="Arial" panose="020B0604020202020204" pitchFamily="34" charset="0"/>
+              <a:buChar char="•"/>
+              <a:defRPr sz="1800" kern="1200">
+                <a:solidFill>
+                  <a:schemeClr val="tx1"/>
+                </a:solidFill>
+                <a:latin typeface="+mn-lt"/>
+                <a:ea typeface="+mn-ea"/>
+                <a:cs typeface="+mn-cs"/>
+              </a:defRPr>
+            </a:lvl8pPr>
+            <a:lvl9pPr marL="3886200" indent="-228600" algn="l" defTabSz="914400" rtl="0" eaLnBrk="1" latinLnBrk="0" hangingPunct="1">
+              <a:lnSpc>
+                <a:spcPct val="90000"/>
+              </a:lnSpc>
+              <a:spcBef>
+                <a:spcPts val="500"/>
+              </a:spcBef>
+              <a:buFont typeface="Arial" panose="020B0604020202020204" pitchFamily="34" charset="0"/>
+              <a:buChar char="•"/>
+              <a:defRPr sz="1800" kern="1200">
+                <a:solidFill>
+                  <a:schemeClr val="tx1"/>
+                </a:solidFill>
+                <a:latin typeface="+mn-lt"/>
+                <a:ea typeface="+mn-ea"/>
+                <a:cs typeface="+mn-cs"/>
+              </a:defRPr>
+            </a:lvl9pPr>
+          </a:lstStyle>
+          <a:p>
             <a:r>
               <a:rPr lang="en-US" dirty="0" smtClean="0"/>
-              <a:t>Round 2: Monetization</a:t>
-            </a:r>
+              <a:t>Write a function</a:t>
+            </a:r>
+          </a:p>
+          <a:p>
             <a:endParaRPr lang="en-US" dirty="0"/>
           </a:p>
         </p:txBody>
@@ -6161,7 +5607,7 @@
     </p:spTree>
     <p:extLst>
       <p:ext uri="{BB962C8B-B14F-4D97-AF65-F5344CB8AC3E}">
-        <p14:creationId xmlns:p14="http://schemas.microsoft.com/office/powerpoint/2010/main" val="1347249857"/>
+        <p14:creationId xmlns:p14="http://schemas.microsoft.com/office/powerpoint/2010/main" val="3035983225"/>
       </p:ext>
     </p:extLst>
   </p:cSld>
@@ -6171,7 +5617,7 @@
 </p:sld>
 </file>
 
-<file path=ppt/slides/slide24.xml><?xml version="1.0" encoding="utf-8"?>
+<file path=ppt/slides/slide17.xml><?xml version="1.0" encoding="utf-8"?>
 <p:sld xmlns:a="http://schemas.openxmlformats.org/drawingml/2006/main" xmlns:r="http://schemas.openxmlformats.org/officeDocument/2006/relationships" xmlns:p="http://schemas.openxmlformats.org/presentationml/2006/main">
   <p:cSld>
     <p:spTree>
@@ -6205,45 +5651,470 @@
           <a:p>
             <a:r>
               <a:rPr lang="en-US" dirty="0" smtClean="0"/>
-              <a:t>Small Teams</a:t>
+              <a:t>Working Too Hard Makes More Work</a:t>
             </a:r>
             <a:endParaRPr lang="en-US" dirty="0"/>
           </a:p>
         </p:txBody>
       </p:sp>
-      <p:pic>
-        <p:nvPicPr>
-          <p:cNvPr id="4" name="Picture 3"/>
-          <p:cNvPicPr>
-            <a:picLocks noChangeAspect="1"/>
-          </p:cNvPicPr>
+      <p:sp>
+        <p:nvSpPr>
+          <p:cNvPr id="3" name="Content Placeholder 2"/>
+          <p:cNvSpPr>
+            <a:spLocks noGrp="1"/>
+          </p:cNvSpPr>
+          <p:nvPr>
+            <p:ph idx="1"/>
+          </p:nvPr>
+        </p:nvSpPr>
+        <p:spPr/>
+        <p:txBody>
+          <a:bodyPr/>
+          <a:lstStyle/>
+          <a:p>
+            <a:r>
+              <a:rPr lang="en-US" dirty="0" smtClean="0"/>
+              <a:t>What % Code Coverage is right?</a:t>
+            </a:r>
+          </a:p>
+          <a:p>
+            <a:r>
+              <a:rPr lang="en-US" dirty="0"/>
+              <a:t>Props need to be unit tested</a:t>
+            </a:r>
+            <a:r>
+              <a:rPr lang="en-US" dirty="0" smtClean="0"/>
+              <a:t>?</a:t>
+            </a:r>
+          </a:p>
+          <a:p>
+            <a:r>
+              <a:rPr lang="en-US" dirty="0" smtClean="0"/>
+              <a:t>Does 1 +1 need to be tested?</a:t>
+            </a:r>
+          </a:p>
+          <a:p>
+            <a:r>
+              <a:rPr lang="en-US" dirty="0" smtClean="0"/>
+              <a:t>What about mocks?</a:t>
+            </a:r>
+          </a:p>
+          <a:p>
+            <a:pPr marL="0" indent="0">
+              <a:buNone/>
+            </a:pPr>
+            <a:endParaRPr lang="en-US" dirty="0"/>
+          </a:p>
+          <a:p>
+            <a:endParaRPr lang="en-US" dirty="0"/>
+          </a:p>
+        </p:txBody>
+      </p:sp>
+      <p:sp>
+        <p:nvSpPr>
+          <p:cNvPr id="4" name="Content Placeholder 2"/>
+          <p:cNvSpPr txBox="1">
+            <a:spLocks/>
+          </p:cNvSpPr>
           <p:nvPr/>
-        </p:nvPicPr>
-        <p:blipFill>
-          <a:blip r:embed="rId2">
-            <a:extLst>
-              <a:ext uri="{28A0092B-C50C-407E-A947-70E740481C1C}">
-                <a14:useLocalDpi xmlns:a14="http://schemas.microsoft.com/office/drawing/2010/main" val="0"/>
-              </a:ext>
-            </a:extLst>
-          </a:blip>
-          <a:stretch>
-            <a:fillRect/>
-          </a:stretch>
-        </p:blipFill>
+        </p:nvSpPr>
         <p:spPr>
           <a:xfrm>
-            <a:off x="921884" y="1934935"/>
-            <a:ext cx="3650116" cy="2583621"/>
+            <a:off x="6183086" y="1825625"/>
+            <a:ext cx="4430486" cy="4351338"/>
           </a:xfrm>
           <a:prstGeom prst="rect">
             <a:avLst/>
           </a:prstGeom>
         </p:spPr>
-      </p:pic>
+        <p:txBody>
+          <a:bodyPr vert="horz" lIns="91440" tIns="45720" rIns="91440" bIns="45720" rtlCol="0">
+            <a:normAutofit/>
+          </a:bodyPr>
+          <a:lstStyle>
+            <a:lvl1pPr marL="228600" indent="-228600" algn="l" defTabSz="914400" rtl="0" eaLnBrk="1" latinLnBrk="0" hangingPunct="1">
+              <a:lnSpc>
+                <a:spcPct val="90000"/>
+              </a:lnSpc>
+              <a:spcBef>
+                <a:spcPts val="1000"/>
+              </a:spcBef>
+              <a:buFont typeface="Arial" panose="020B0604020202020204" pitchFamily="34" charset="0"/>
+              <a:buChar char="•"/>
+              <a:defRPr sz="2800" kern="1200">
+                <a:solidFill>
+                  <a:schemeClr val="tx1"/>
+                </a:solidFill>
+                <a:latin typeface="+mn-lt"/>
+                <a:ea typeface="+mn-ea"/>
+                <a:cs typeface="+mn-cs"/>
+              </a:defRPr>
+            </a:lvl1pPr>
+            <a:lvl2pPr marL="685800" indent="-228600" algn="l" defTabSz="914400" rtl="0" eaLnBrk="1" latinLnBrk="0" hangingPunct="1">
+              <a:lnSpc>
+                <a:spcPct val="90000"/>
+              </a:lnSpc>
+              <a:spcBef>
+                <a:spcPts val="500"/>
+              </a:spcBef>
+              <a:buFont typeface="Arial" panose="020B0604020202020204" pitchFamily="34" charset="0"/>
+              <a:buChar char="•"/>
+              <a:defRPr sz="2400" kern="1200">
+                <a:solidFill>
+                  <a:schemeClr val="tx1"/>
+                </a:solidFill>
+                <a:latin typeface="+mn-lt"/>
+                <a:ea typeface="+mn-ea"/>
+                <a:cs typeface="+mn-cs"/>
+              </a:defRPr>
+            </a:lvl2pPr>
+            <a:lvl3pPr marL="1143000" indent="-228600" algn="l" defTabSz="914400" rtl="0" eaLnBrk="1" latinLnBrk="0" hangingPunct="1">
+              <a:lnSpc>
+                <a:spcPct val="90000"/>
+              </a:lnSpc>
+              <a:spcBef>
+                <a:spcPts val="500"/>
+              </a:spcBef>
+              <a:buFont typeface="Arial" panose="020B0604020202020204" pitchFamily="34" charset="0"/>
+              <a:buChar char="•"/>
+              <a:defRPr sz="2000" kern="1200">
+                <a:solidFill>
+                  <a:schemeClr val="tx1"/>
+                </a:solidFill>
+                <a:latin typeface="+mn-lt"/>
+                <a:ea typeface="+mn-ea"/>
+                <a:cs typeface="+mn-cs"/>
+              </a:defRPr>
+            </a:lvl3pPr>
+            <a:lvl4pPr marL="1600200" indent="-228600" algn="l" defTabSz="914400" rtl="0" eaLnBrk="1" latinLnBrk="0" hangingPunct="1">
+              <a:lnSpc>
+                <a:spcPct val="90000"/>
+              </a:lnSpc>
+              <a:spcBef>
+                <a:spcPts val="500"/>
+              </a:spcBef>
+              <a:buFont typeface="Arial" panose="020B0604020202020204" pitchFamily="34" charset="0"/>
+              <a:buChar char="•"/>
+              <a:defRPr sz="1800" kern="1200">
+                <a:solidFill>
+                  <a:schemeClr val="tx1"/>
+                </a:solidFill>
+                <a:latin typeface="+mn-lt"/>
+                <a:ea typeface="+mn-ea"/>
+                <a:cs typeface="+mn-cs"/>
+              </a:defRPr>
+            </a:lvl4pPr>
+            <a:lvl5pPr marL="2057400" indent="-228600" algn="l" defTabSz="914400" rtl="0" eaLnBrk="1" latinLnBrk="0" hangingPunct="1">
+              <a:lnSpc>
+                <a:spcPct val="90000"/>
+              </a:lnSpc>
+              <a:spcBef>
+                <a:spcPts val="500"/>
+              </a:spcBef>
+              <a:buFont typeface="Arial" panose="020B0604020202020204" pitchFamily="34" charset="0"/>
+              <a:buChar char="•"/>
+              <a:defRPr sz="1800" kern="1200">
+                <a:solidFill>
+                  <a:schemeClr val="tx1"/>
+                </a:solidFill>
+                <a:latin typeface="+mn-lt"/>
+                <a:ea typeface="+mn-ea"/>
+                <a:cs typeface="+mn-cs"/>
+              </a:defRPr>
+            </a:lvl5pPr>
+            <a:lvl6pPr marL="2514600" indent="-228600" algn="l" defTabSz="914400" rtl="0" eaLnBrk="1" latinLnBrk="0" hangingPunct="1">
+              <a:lnSpc>
+                <a:spcPct val="90000"/>
+              </a:lnSpc>
+              <a:spcBef>
+                <a:spcPts val="500"/>
+              </a:spcBef>
+              <a:buFont typeface="Arial" panose="020B0604020202020204" pitchFamily="34" charset="0"/>
+              <a:buChar char="•"/>
+              <a:defRPr sz="1800" kern="1200">
+                <a:solidFill>
+                  <a:schemeClr val="tx1"/>
+                </a:solidFill>
+                <a:latin typeface="+mn-lt"/>
+                <a:ea typeface="+mn-ea"/>
+                <a:cs typeface="+mn-cs"/>
+              </a:defRPr>
+            </a:lvl6pPr>
+            <a:lvl7pPr marL="2971800" indent="-228600" algn="l" defTabSz="914400" rtl="0" eaLnBrk="1" latinLnBrk="0" hangingPunct="1">
+              <a:lnSpc>
+                <a:spcPct val="90000"/>
+              </a:lnSpc>
+              <a:spcBef>
+                <a:spcPts val="500"/>
+              </a:spcBef>
+              <a:buFont typeface="Arial" panose="020B0604020202020204" pitchFamily="34" charset="0"/>
+              <a:buChar char="•"/>
+              <a:defRPr sz="1800" kern="1200">
+                <a:solidFill>
+                  <a:schemeClr val="tx1"/>
+                </a:solidFill>
+                <a:latin typeface="+mn-lt"/>
+                <a:ea typeface="+mn-ea"/>
+                <a:cs typeface="+mn-cs"/>
+              </a:defRPr>
+            </a:lvl7pPr>
+            <a:lvl8pPr marL="3429000" indent="-228600" algn="l" defTabSz="914400" rtl="0" eaLnBrk="1" latinLnBrk="0" hangingPunct="1">
+              <a:lnSpc>
+                <a:spcPct val="90000"/>
+              </a:lnSpc>
+              <a:spcBef>
+                <a:spcPts val="500"/>
+              </a:spcBef>
+              <a:buFont typeface="Arial" panose="020B0604020202020204" pitchFamily="34" charset="0"/>
+              <a:buChar char="•"/>
+              <a:defRPr sz="1800" kern="1200">
+                <a:solidFill>
+                  <a:schemeClr val="tx1"/>
+                </a:solidFill>
+                <a:latin typeface="+mn-lt"/>
+                <a:ea typeface="+mn-ea"/>
+                <a:cs typeface="+mn-cs"/>
+              </a:defRPr>
+            </a:lvl8pPr>
+            <a:lvl9pPr marL="3886200" indent="-228600" algn="l" defTabSz="914400" rtl="0" eaLnBrk="1" latinLnBrk="0" hangingPunct="1">
+              <a:lnSpc>
+                <a:spcPct val="90000"/>
+              </a:lnSpc>
+              <a:spcBef>
+                <a:spcPts val="500"/>
+              </a:spcBef>
+              <a:buFont typeface="Arial" panose="020B0604020202020204" pitchFamily="34" charset="0"/>
+              <a:buChar char="•"/>
+              <a:defRPr sz="1800" kern="1200">
+                <a:solidFill>
+                  <a:schemeClr val="tx1"/>
+                </a:solidFill>
+                <a:latin typeface="+mn-lt"/>
+                <a:ea typeface="+mn-ea"/>
+                <a:cs typeface="+mn-cs"/>
+              </a:defRPr>
+            </a:lvl9pPr>
+          </a:lstStyle>
+          <a:p>
+            <a:r>
+              <a:rPr lang="en-US" dirty="0" smtClean="0"/>
+              <a:t>Write a function</a:t>
+            </a:r>
+          </a:p>
+          <a:p>
+            <a:endParaRPr lang="en-US" dirty="0"/>
+          </a:p>
+        </p:txBody>
+      </p:sp>
+    </p:spTree>
+    <p:extLst>
+      <p:ext uri="{BB962C8B-B14F-4D97-AF65-F5344CB8AC3E}">
+        <p14:creationId xmlns:p14="http://schemas.microsoft.com/office/powerpoint/2010/main" val="3388284204"/>
+      </p:ext>
+    </p:extLst>
+  </p:cSld>
+  <p:clrMapOvr>
+    <a:masterClrMapping/>
+  </p:clrMapOvr>
+</p:sld>
+</file>
+
+<file path=ppt/slides/slide18.xml><?xml version="1.0" encoding="utf-8"?>
+<p:sld xmlns:a="http://schemas.openxmlformats.org/drawingml/2006/main" xmlns:r="http://schemas.openxmlformats.org/officeDocument/2006/relationships" xmlns:p="http://schemas.openxmlformats.org/presentationml/2006/main">
+  <p:cSld>
+    <p:spTree>
+      <p:nvGrpSpPr>
+        <p:cNvPr id="1" name=""/>
+        <p:cNvGrpSpPr/>
+        <p:nvPr/>
+      </p:nvGrpSpPr>
+      <p:grpSpPr>
+        <a:xfrm>
+          <a:off x="0" y="0"/>
+          <a:ext cx="0" cy="0"/>
+          <a:chOff x="0" y="0"/>
+          <a:chExt cx="0" cy="0"/>
+        </a:xfrm>
+      </p:grpSpPr>
+      <p:sp>
+        <p:nvSpPr>
+          <p:cNvPr id="2" name="Title 1"/>
+          <p:cNvSpPr>
+            <a:spLocks noGrp="1"/>
+          </p:cNvSpPr>
+          <p:nvPr>
+            <p:ph type="title"/>
+          </p:nvPr>
+        </p:nvSpPr>
+        <p:spPr/>
+        <p:txBody>
+          <a:bodyPr/>
+          <a:lstStyle/>
+          <a:p>
+            <a:r>
+              <a:rPr lang="en-US" dirty="0" smtClean="0"/>
+              <a:t>Duplication/Boilerplates/Templates are a complete and total waste</a:t>
+            </a:r>
+            <a:endParaRPr lang="en-US" dirty="0"/>
+          </a:p>
+        </p:txBody>
+      </p:sp>
+      <p:sp>
+        <p:nvSpPr>
+          <p:cNvPr id="3" name="Content Placeholder 2"/>
+          <p:cNvSpPr>
+            <a:spLocks noGrp="1"/>
+          </p:cNvSpPr>
+          <p:nvPr>
+            <p:ph idx="1"/>
+          </p:nvPr>
+        </p:nvSpPr>
+        <p:spPr>
+          <a:xfrm>
+            <a:off x="838200" y="1825625"/>
+            <a:ext cx="3820886" cy="4351338"/>
+          </a:xfrm>
+        </p:spPr>
+        <p:txBody>
+          <a:bodyPr/>
+          <a:lstStyle/>
+          <a:p>
+            <a:r>
+              <a:rPr lang="en-US" dirty="0" smtClean="0"/>
+              <a:t>Why are they needed?</a:t>
+            </a:r>
+            <a:endParaRPr lang="en-US" dirty="0"/>
+          </a:p>
+        </p:txBody>
+      </p:sp>
+    </p:spTree>
+    <p:extLst>
+      <p:ext uri="{BB962C8B-B14F-4D97-AF65-F5344CB8AC3E}">
+        <p14:creationId xmlns:p14="http://schemas.microsoft.com/office/powerpoint/2010/main" val="153963186"/>
+      </p:ext>
+    </p:extLst>
+  </p:cSld>
+  <p:clrMapOvr>
+    <a:masterClrMapping/>
+  </p:clrMapOvr>
+</p:sld>
+</file>
+
+<file path=ppt/slides/slide19.xml><?xml version="1.0" encoding="utf-8"?>
+<p:sld xmlns:a="http://schemas.openxmlformats.org/drawingml/2006/main" xmlns:r="http://schemas.openxmlformats.org/officeDocument/2006/relationships" xmlns:p="http://schemas.openxmlformats.org/presentationml/2006/main">
+  <p:cSld>
+    <p:spTree>
+      <p:nvGrpSpPr>
+        <p:cNvPr id="1" name=""/>
+        <p:cNvGrpSpPr/>
+        <p:nvPr/>
+      </p:nvGrpSpPr>
+      <p:grpSpPr>
+        <a:xfrm>
+          <a:off x="0" y="0"/>
+          <a:ext cx="0" cy="0"/>
+          <a:chOff x="0" y="0"/>
+          <a:chExt cx="0" cy="0"/>
+        </a:xfrm>
+      </p:grpSpPr>
+      <p:sp>
+        <p:nvSpPr>
+          <p:cNvPr id="2" name="Title 1"/>
+          <p:cNvSpPr>
+            <a:spLocks noGrp="1"/>
+          </p:cNvSpPr>
+          <p:nvPr>
+            <p:ph type="title"/>
+          </p:nvPr>
+        </p:nvSpPr>
+        <p:spPr/>
+        <p:txBody>
+          <a:bodyPr/>
+          <a:lstStyle/>
+          <a:p>
+            <a:r>
+              <a:rPr lang="en-US" dirty="0" smtClean="0"/>
+              <a:t>Why TDD?</a:t>
+            </a:r>
+            <a:endParaRPr lang="en-US" dirty="0"/>
+          </a:p>
+        </p:txBody>
+      </p:sp>
+      <p:sp>
+        <p:nvSpPr>
+          <p:cNvPr id="3" name="Content Placeholder 2"/>
+          <p:cNvSpPr>
+            <a:spLocks noGrp="1"/>
+          </p:cNvSpPr>
+          <p:nvPr>
+            <p:ph idx="1"/>
+          </p:nvPr>
+        </p:nvSpPr>
+        <p:spPr>
+          <a:xfrm>
+            <a:off x="838200" y="1825625"/>
+            <a:ext cx="10515600" cy="1919061"/>
+          </a:xfrm>
+        </p:spPr>
+        <p:txBody>
+          <a:bodyPr/>
+          <a:lstStyle/>
+          <a:p>
+            <a:r>
+              <a:rPr lang="en-US" dirty="0" smtClean="0"/>
+              <a:t>Correctness</a:t>
+            </a:r>
+          </a:p>
+          <a:p>
+            <a:r>
+              <a:rPr lang="en-US" dirty="0" smtClean="0"/>
+              <a:t>Change-Proof</a:t>
+            </a:r>
+          </a:p>
+          <a:p>
+            <a:r>
+              <a:rPr lang="en-US" dirty="0" smtClean="0"/>
+              <a:t>Force small testable methods</a:t>
+            </a:r>
+          </a:p>
+          <a:p>
+            <a:endParaRPr lang="en-US" dirty="0"/>
+          </a:p>
+        </p:txBody>
+      </p:sp>
+    </p:spTree>
+    <p:extLst>
+      <p:ext uri="{BB962C8B-B14F-4D97-AF65-F5344CB8AC3E}">
+        <p14:creationId xmlns:p14="http://schemas.microsoft.com/office/powerpoint/2010/main" val="806549103"/>
+      </p:ext>
+    </p:extLst>
+  </p:cSld>
+  <p:clrMapOvr>
+    <a:masterClrMapping/>
+  </p:clrMapOvr>
+</p:sld>
+</file>
+
+<file path=ppt/slides/slide2.xml><?xml version="1.0" encoding="utf-8"?>
+<p:sld xmlns:a="http://schemas.openxmlformats.org/drawingml/2006/main" xmlns:r="http://schemas.openxmlformats.org/officeDocument/2006/relationships" xmlns:p="http://schemas.openxmlformats.org/presentationml/2006/main">
+  <p:cSld>
+    <p:spTree>
+      <p:nvGrpSpPr>
+        <p:cNvPr id="1" name=""/>
+        <p:cNvGrpSpPr/>
+        <p:nvPr/>
+      </p:nvGrpSpPr>
+      <p:grpSpPr>
+        <a:xfrm>
+          <a:off x="0" y="0"/>
+          <a:ext cx="0" cy="0"/>
+          <a:chOff x="0" y="0"/>
+          <a:chExt cx="0" cy="0"/>
+        </a:xfrm>
+      </p:grpSpPr>
       <p:pic>
         <p:nvPicPr>
-          <p:cNvPr id="5" name="Picture 4"/>
+          <p:cNvPr id="4" name="Picture 3"/>
           <p:cNvPicPr>
             <a:picLocks noChangeAspect="1"/>
           </p:cNvPicPr>
@@ -6263,8 +6134,8 @@
         </p:blipFill>
         <p:spPr>
           <a:xfrm>
-            <a:off x="4217192" y="3023751"/>
-            <a:ext cx="3472217" cy="2604163"/>
+            <a:off x="838200" y="1495915"/>
+            <a:ext cx="2162175" cy="2847975"/>
           </a:xfrm>
           <a:prstGeom prst="rect">
             <a:avLst/>
@@ -6273,7 +6144,7 @@
       </p:pic>
       <p:pic>
         <p:nvPicPr>
-          <p:cNvPr id="6" name="Picture 5"/>
+          <p:cNvPr id="5" name="Picture 4"/>
           <p:cNvPicPr>
             <a:picLocks noChangeAspect="1"/>
           </p:cNvPicPr>
@@ -6293,120 +6164,8 @@
         </p:blipFill>
         <p:spPr>
           <a:xfrm>
-            <a:off x="8940575" y="3237364"/>
-            <a:ext cx="1747373" cy="2176936"/>
-          </a:xfrm>
-          <a:prstGeom prst="rect">
-            <a:avLst/>
-          </a:prstGeom>
-        </p:spPr>
-      </p:pic>
-    </p:spTree>
-    <p:extLst>
-      <p:ext uri="{BB962C8B-B14F-4D97-AF65-F5344CB8AC3E}">
-        <p14:creationId xmlns:p14="http://schemas.microsoft.com/office/powerpoint/2010/main" val="3273127039"/>
-      </p:ext>
-    </p:extLst>
-  </p:cSld>
-  <p:clrMapOvr>
-    <a:masterClrMapping/>
-  </p:clrMapOvr>
-</p:sld>
-</file>
-
-<file path=ppt/slides/slide25.xml><?xml version="1.0" encoding="utf-8"?>
-<p:sld xmlns:a="http://schemas.openxmlformats.org/drawingml/2006/main" xmlns:r="http://schemas.openxmlformats.org/officeDocument/2006/relationships" xmlns:p="http://schemas.openxmlformats.org/presentationml/2006/main">
-  <p:cSld>
-    <p:spTree>
-      <p:nvGrpSpPr>
-        <p:cNvPr id="1" name=""/>
-        <p:cNvGrpSpPr/>
-        <p:nvPr/>
-      </p:nvGrpSpPr>
-      <p:grpSpPr>
-        <a:xfrm>
-          <a:off x="0" y="0"/>
-          <a:ext cx="0" cy="0"/>
-          <a:chOff x="0" y="0"/>
-          <a:chExt cx="0" cy="0"/>
-        </a:xfrm>
-      </p:grpSpPr>
-      <p:sp>
-        <p:nvSpPr>
-          <p:cNvPr id="2" name="Title 1"/>
-          <p:cNvSpPr>
-            <a:spLocks noGrp="1"/>
-          </p:cNvSpPr>
-          <p:nvPr>
-            <p:ph type="title"/>
-          </p:nvPr>
-        </p:nvSpPr>
-        <p:spPr/>
-        <p:txBody>
-          <a:bodyPr/>
-          <a:lstStyle/>
-          <a:p>
-            <a:r>
-              <a:rPr lang="en-US" dirty="0"/>
-              <a:t>Evolve The Design/Small Changes</a:t>
-            </a:r>
-          </a:p>
-        </p:txBody>
-      </p:sp>
-      <p:pic>
-        <p:nvPicPr>
-          <p:cNvPr id="4" name="Picture 3"/>
-          <p:cNvPicPr>
-            <a:picLocks noChangeAspect="1"/>
-          </p:cNvPicPr>
-          <p:nvPr/>
-        </p:nvPicPr>
-        <p:blipFill>
-          <a:blip r:embed="rId2">
-            <a:extLst>
-              <a:ext uri="{28A0092B-C50C-407E-A947-70E740481C1C}">
-                <a14:useLocalDpi xmlns:a14="http://schemas.microsoft.com/office/drawing/2010/main" val="0"/>
-              </a:ext>
-            </a:extLst>
-          </a:blip>
-          <a:stretch>
-            <a:fillRect/>
-          </a:stretch>
-        </p:blipFill>
-        <p:spPr>
-          <a:xfrm>
-            <a:off x="615355" y="2911463"/>
-            <a:ext cx="2631812" cy="1570314"/>
-          </a:xfrm>
-          <a:prstGeom prst="rect">
-            <a:avLst/>
-          </a:prstGeom>
-        </p:spPr>
-      </p:pic>
-      <p:pic>
-        <p:nvPicPr>
-          <p:cNvPr id="5" name="Picture 4"/>
-          <p:cNvPicPr>
-            <a:picLocks noChangeAspect="1"/>
-          </p:cNvPicPr>
-          <p:nvPr/>
-        </p:nvPicPr>
-        <p:blipFill>
-          <a:blip r:embed="rId3">
-            <a:extLst>
-              <a:ext uri="{28A0092B-C50C-407E-A947-70E740481C1C}">
-                <a14:useLocalDpi xmlns:a14="http://schemas.microsoft.com/office/drawing/2010/main" val="0"/>
-              </a:ext>
-            </a:extLst>
-          </a:blip>
-          <a:stretch>
-            <a:fillRect/>
-          </a:stretch>
-        </p:blipFill>
-        <p:spPr>
-          <a:xfrm>
-            <a:off x="2652385" y="3548812"/>
-            <a:ext cx="3196456" cy="1667216"/>
+            <a:off x="3829870" y="1753089"/>
+            <a:ext cx="2809875" cy="2333625"/>
           </a:xfrm>
           <a:prstGeom prst="rect">
             <a:avLst/>
@@ -6416,36 +6175,6 @@
       <p:pic>
         <p:nvPicPr>
           <p:cNvPr id="6" name="Picture 5"/>
-          <p:cNvPicPr>
-            <a:picLocks noChangeAspect="1"/>
-          </p:cNvPicPr>
-          <p:nvPr/>
-        </p:nvPicPr>
-        <p:blipFill>
-          <a:blip r:embed="rId4">
-            <a:extLst>
-              <a:ext uri="{28A0092B-C50C-407E-A947-70E740481C1C}">
-                <a14:useLocalDpi xmlns:a14="http://schemas.microsoft.com/office/drawing/2010/main" val="0"/>
-              </a:ext>
-            </a:extLst>
-          </a:blip>
-          <a:stretch>
-            <a:fillRect/>
-          </a:stretch>
-        </p:blipFill>
-        <p:spPr>
-          <a:xfrm>
-            <a:off x="5270578" y="2489712"/>
-            <a:ext cx="2615293" cy="1673788"/>
-          </a:xfrm>
-          <a:prstGeom prst="rect">
-            <a:avLst/>
-          </a:prstGeom>
-        </p:spPr>
-      </p:pic>
-      <p:pic>
-        <p:nvPicPr>
-          <p:cNvPr id="7" name="Picture 6"/>
           <p:cNvPicPr>
             <a:picLocks noChangeAspect="1"/>
           </p:cNvPicPr>
@@ -6465,48 +6194,54 @@
         </p:blipFill>
         <p:spPr>
           <a:xfrm>
-            <a:off x="7051782" y="3576902"/>
-            <a:ext cx="2857500" cy="1809750"/>
+            <a:off x="7469240" y="1916001"/>
+            <a:ext cx="2847975" cy="1895475"/>
           </a:xfrm>
           <a:prstGeom prst="rect">
             <a:avLst/>
           </a:prstGeom>
         </p:spPr>
       </p:pic>
-      <p:pic>
-        <p:nvPicPr>
-          <p:cNvPr id="8" name="Picture 7"/>
-          <p:cNvPicPr>
-            <a:picLocks noChangeAspect="1"/>
-          </p:cNvPicPr>
-          <p:nvPr/>
-        </p:nvPicPr>
-        <p:blipFill>
-          <a:blip r:embed="rId6">
-            <a:extLst>
-              <a:ext uri="{28A0092B-C50C-407E-A947-70E740481C1C}">
-                <a14:useLocalDpi xmlns:a14="http://schemas.microsoft.com/office/drawing/2010/main" val="0"/>
-              </a:ext>
-            </a:extLst>
-          </a:blip>
-          <a:stretch>
-            <a:fillRect/>
-          </a:stretch>
-        </p:blipFill>
+      <p:sp>
+        <p:nvSpPr>
+          <p:cNvPr id="7" name="Content Placeholder 2"/>
+          <p:cNvSpPr>
+            <a:spLocks noGrp="1"/>
+          </p:cNvSpPr>
+          <p:nvPr>
+            <p:ph idx="1"/>
+          </p:nvPr>
+        </p:nvSpPr>
         <p:spPr>
           <a:xfrm>
-            <a:off x="9476225" y="2134194"/>
-            <a:ext cx="1443392" cy="1798226"/>
+            <a:off x="838200" y="4972050"/>
+            <a:ext cx="10515600" cy="1504950"/>
           </a:xfrm>
-          <a:prstGeom prst="rect">
-            <a:avLst/>
-          </a:prstGeom>
         </p:spPr>
-      </p:pic>
+        <p:txBody>
+          <a:bodyPr>
+            <a:normAutofit/>
+          </a:bodyPr>
+          <a:lstStyle/>
+          <a:p>
+            <a:pPr marL="0" indent="0">
+              <a:buNone/>
+            </a:pPr>
+            <a:r>
+              <a:rPr lang="en-US" dirty="0" smtClean="0"/>
+              <a:t>I </a:t>
+            </a:r>
+            <a:r>
+              <a:rPr lang="en-US" dirty="0"/>
+              <a:t>am about to begin a systematic study of the subject in preparation for practical work to which I expect to devote what time I can spare from my regular business. </a:t>
+            </a:r>
+          </a:p>
+        </p:txBody>
+      </p:sp>
     </p:spTree>
     <p:extLst>
       <p:ext uri="{BB962C8B-B14F-4D97-AF65-F5344CB8AC3E}">
-        <p14:creationId xmlns:p14="http://schemas.microsoft.com/office/powerpoint/2010/main" val="546184659"/>
+        <p14:creationId xmlns:p14="http://schemas.microsoft.com/office/powerpoint/2010/main" val="437504232"/>
       </p:ext>
     </p:extLst>
   </p:cSld>
@@ -6516,7 +6251,7 @@
 </p:sld>
 </file>
 
-<file path=ppt/slides/slide26.xml><?xml version="1.0" encoding="utf-8"?>
+<file path=ppt/slides/slide20.xml><?xml version="1.0" encoding="utf-8"?>
 <p:sld xmlns:a="http://schemas.openxmlformats.org/drawingml/2006/main" xmlns:r="http://schemas.openxmlformats.org/officeDocument/2006/relationships" xmlns:p="http://schemas.openxmlformats.org/presentationml/2006/main">
   <p:cSld>
     <p:spTree>
@@ -6533,69 +6268,9 @@
           <a:chExt cx="0" cy="0"/>
         </a:xfrm>
       </p:grpSpPr>
-      <p:pic>
-        <p:nvPicPr>
-          <p:cNvPr id="7" name="Picture 6"/>
-          <p:cNvPicPr>
-            <a:picLocks noChangeAspect="1"/>
-          </p:cNvPicPr>
-          <p:nvPr/>
-        </p:nvPicPr>
-        <p:blipFill>
-          <a:blip r:embed="rId2">
-            <a:extLst>
-              <a:ext uri="{28A0092B-C50C-407E-A947-70E740481C1C}">
-                <a14:useLocalDpi xmlns:a14="http://schemas.microsoft.com/office/drawing/2010/main" val="0"/>
-              </a:ext>
-            </a:extLst>
-          </a:blip>
-          <a:stretch>
-            <a:fillRect/>
-          </a:stretch>
-        </p:blipFill>
-        <p:spPr>
-          <a:xfrm>
-            <a:off x="6824569" y="2230888"/>
-            <a:ext cx="2028825" cy="2847975"/>
-          </a:xfrm>
-          <a:prstGeom prst="rect">
-            <a:avLst/>
-          </a:prstGeom>
-        </p:spPr>
-      </p:pic>
-      <p:pic>
-        <p:nvPicPr>
-          <p:cNvPr id="9" name="Picture 8"/>
-          <p:cNvPicPr>
-            <a:picLocks noChangeAspect="1"/>
-          </p:cNvPicPr>
-          <p:nvPr/>
-        </p:nvPicPr>
-        <p:blipFill>
-          <a:blip r:embed="rId3">
-            <a:extLst>
-              <a:ext uri="{28A0092B-C50C-407E-A947-70E740481C1C}">
-                <a14:useLocalDpi xmlns:a14="http://schemas.microsoft.com/office/drawing/2010/main" val="0"/>
-              </a:ext>
-            </a:extLst>
-          </a:blip>
-          <a:stretch>
-            <a:fillRect/>
-          </a:stretch>
-        </p:blipFill>
-        <p:spPr>
-          <a:xfrm>
-            <a:off x="8322839" y="4372883"/>
-            <a:ext cx="1496538" cy="1875189"/>
-          </a:xfrm>
-          <a:prstGeom prst="rect">
-            <a:avLst/>
-          </a:prstGeom>
-        </p:spPr>
-      </p:pic>
-      <p:sp>
-        <p:nvSpPr>
-          <p:cNvPr id="10" name="Title 1"/>
+      <p:sp>
+        <p:nvSpPr>
+          <p:cNvPr id="2" name="Title 1"/>
           <p:cNvSpPr>
             <a:spLocks noGrp="1"/>
           </p:cNvSpPr>
@@ -6603,15 +6278,51 @@
             <p:ph type="title"/>
           </p:nvPr>
         </p:nvSpPr>
-        <p:spPr>
-          <a:xfrm>
-            <a:off x="838200" y="365125"/>
-            <a:ext cx="10515600" cy="1325563"/>
-          </a:xfrm>
-        </p:spPr>
+        <p:spPr/>
         <p:txBody>
           <a:bodyPr/>
           <a:lstStyle/>
+          <a:p>
+            <a:r>
+              <a:rPr lang="en-US" dirty="0" smtClean="0"/>
+              <a:t>Is This a Natural Evolution?</a:t>
+            </a:r>
+            <a:endParaRPr lang="en-US" dirty="0"/>
+          </a:p>
+        </p:txBody>
+      </p:sp>
+      <p:sp>
+        <p:nvSpPr>
+          <p:cNvPr id="3" name="Content Placeholder 2"/>
+          <p:cNvSpPr>
+            <a:spLocks noGrp="1"/>
+          </p:cNvSpPr>
+          <p:nvPr>
+            <p:ph idx="1"/>
+          </p:nvPr>
+        </p:nvSpPr>
+        <p:spPr/>
+        <p:txBody>
+          <a:bodyPr/>
+          <a:lstStyle/>
+          <a:p>
+            <a:r>
+              <a:rPr lang="en-US" dirty="0" smtClean="0"/>
+              <a:t>Code and pray</a:t>
+            </a:r>
+          </a:p>
+          <a:p>
+            <a:r>
+              <a:rPr lang="en-US" dirty="0" smtClean="0"/>
+              <a:t>TDD</a:t>
+            </a:r>
+          </a:p>
+          <a:p>
+            <a:r>
+              <a:rPr lang="en-US" dirty="0" smtClean="0"/>
+              <a:t>RDD</a:t>
+            </a:r>
+          </a:p>
           <a:p>
             <a:endParaRPr lang="en-US" dirty="0"/>
           </a:p>
@@ -6620,180 +6331,7 @@
     </p:spTree>
     <p:extLst>
       <p:ext uri="{BB962C8B-B14F-4D97-AF65-F5344CB8AC3E}">
-        <p14:creationId xmlns:p14="http://schemas.microsoft.com/office/powerpoint/2010/main" val="3952716218"/>
-      </p:ext>
-    </p:extLst>
-  </p:cSld>
-  <p:clrMapOvr>
-    <a:masterClrMapping/>
-  </p:clrMapOvr>
-</p:sld>
-</file>
-
-<file path=ppt/slides/slide27.xml><?xml version="1.0" encoding="utf-8"?>
-<p:sld xmlns:a="http://schemas.openxmlformats.org/drawingml/2006/main" xmlns:r="http://schemas.openxmlformats.org/officeDocument/2006/relationships" xmlns:p="http://schemas.openxmlformats.org/presentationml/2006/main">
-  <p:cSld>
-    <p:spTree>
-      <p:nvGrpSpPr>
-        <p:cNvPr id="1" name=""/>
-        <p:cNvGrpSpPr/>
-        <p:nvPr/>
-      </p:nvGrpSpPr>
-      <p:grpSpPr>
-        <a:xfrm>
-          <a:off x="0" y="0"/>
-          <a:ext cx="0" cy="0"/>
-          <a:chOff x="0" y="0"/>
-          <a:chExt cx="0" cy="0"/>
-        </a:xfrm>
-      </p:grpSpPr>
-      <p:sp>
-        <p:nvSpPr>
-          <p:cNvPr id="2" name="Title 1"/>
-          <p:cNvSpPr>
-            <a:spLocks noGrp="1"/>
-          </p:cNvSpPr>
-          <p:nvPr>
-            <p:ph type="title"/>
-          </p:nvPr>
-        </p:nvSpPr>
-        <p:spPr/>
-        <p:txBody>
-          <a:bodyPr/>
-          <a:lstStyle/>
-          <a:p>
-            <a:r>
-              <a:rPr lang="en-US" dirty="0" smtClean="0"/>
-              <a:t>But Who Really Won?</a:t>
-            </a:r>
-            <a:endParaRPr lang="en-US" dirty="0"/>
-          </a:p>
-        </p:txBody>
-      </p:sp>
-      <p:pic>
-        <p:nvPicPr>
-          <p:cNvPr id="8" name="Picture 7"/>
-          <p:cNvPicPr>
-            <a:picLocks noChangeAspect="1"/>
-          </p:cNvPicPr>
-          <p:nvPr/>
-        </p:nvPicPr>
-        <p:blipFill>
-          <a:blip r:embed="rId2">
-            <a:extLst>
-              <a:ext uri="{28A0092B-C50C-407E-A947-70E740481C1C}">
-                <a14:useLocalDpi xmlns:a14="http://schemas.microsoft.com/office/drawing/2010/main" val="0"/>
-              </a:ext>
-            </a:extLst>
-          </a:blip>
-          <a:stretch>
-            <a:fillRect/>
-          </a:stretch>
-        </p:blipFill>
-        <p:spPr>
-          <a:xfrm>
-            <a:off x="1265464" y="2444183"/>
-            <a:ext cx="3229102" cy="2400300"/>
-          </a:xfrm>
-          <a:prstGeom prst="rect">
-            <a:avLst/>
-          </a:prstGeom>
-        </p:spPr>
-      </p:pic>
-      <p:pic>
-        <p:nvPicPr>
-          <p:cNvPr id="3" name="Picture 2"/>
-          <p:cNvPicPr>
-            <a:picLocks noChangeAspect="1"/>
-          </p:cNvPicPr>
-          <p:nvPr/>
-        </p:nvPicPr>
-        <p:blipFill>
-          <a:blip r:embed="rId3">
-            <a:extLst>
-              <a:ext uri="{28A0092B-C50C-407E-A947-70E740481C1C}">
-                <a14:useLocalDpi xmlns:a14="http://schemas.microsoft.com/office/drawing/2010/main" val="0"/>
-              </a:ext>
-            </a:extLst>
-          </a:blip>
-          <a:stretch>
-            <a:fillRect/>
-          </a:stretch>
-        </p:blipFill>
-        <p:spPr>
-          <a:xfrm>
-            <a:off x="5153025" y="2387032"/>
-            <a:ext cx="1885950" cy="2400300"/>
-          </a:xfrm>
-          <a:prstGeom prst="rect">
-            <a:avLst/>
-          </a:prstGeom>
-        </p:spPr>
-      </p:pic>
-      <p:pic>
-        <p:nvPicPr>
-          <p:cNvPr id="7" name="Picture 6"/>
-          <p:cNvPicPr>
-            <a:picLocks noChangeAspect="1"/>
-          </p:cNvPicPr>
-          <p:nvPr/>
-        </p:nvPicPr>
-        <p:blipFill>
-          <a:blip r:embed="rId4">
-            <a:extLst>
-              <a:ext uri="{28A0092B-C50C-407E-A947-70E740481C1C}">
-                <a14:useLocalDpi xmlns:a14="http://schemas.microsoft.com/office/drawing/2010/main" val="0"/>
-              </a:ext>
-            </a:extLst>
-          </a:blip>
-          <a:stretch>
-            <a:fillRect/>
-          </a:stretch>
-        </p:blipFill>
-        <p:spPr>
-          <a:xfrm>
-            <a:off x="7900307" y="2501333"/>
-            <a:ext cx="2857500" cy="2286000"/>
-          </a:xfrm>
-          <a:prstGeom prst="rect">
-            <a:avLst/>
-          </a:prstGeom>
-        </p:spPr>
-      </p:pic>
-      <p:pic>
-        <p:nvPicPr>
-          <p:cNvPr id="9" name="Picture 8"/>
-          <p:cNvPicPr>
-            <a:picLocks noChangeAspect="1"/>
-          </p:cNvPicPr>
-          <p:nvPr/>
-        </p:nvPicPr>
-        <p:blipFill>
-          <a:blip r:embed="rId5">
-            <a:extLst>
-              <a:ext uri="{28A0092B-C50C-407E-A947-70E740481C1C}">
-                <a14:useLocalDpi xmlns:a14="http://schemas.microsoft.com/office/drawing/2010/main" val="0"/>
-              </a:ext>
-            </a:extLst>
-          </a:blip>
-          <a:stretch>
-            <a:fillRect/>
-          </a:stretch>
-        </p:blipFill>
-        <p:spPr>
-          <a:xfrm>
-            <a:off x="9108621" y="4058670"/>
-            <a:ext cx="2857500" cy="1457325"/>
-          </a:xfrm>
-          <a:prstGeom prst="rect">
-            <a:avLst/>
-          </a:prstGeom>
-        </p:spPr>
-      </p:pic>
-    </p:spTree>
-    <p:extLst>
-      <p:ext uri="{BB962C8B-B14F-4D97-AF65-F5344CB8AC3E}">
-        <p14:creationId xmlns:p14="http://schemas.microsoft.com/office/powerpoint/2010/main" val="4228679331"/>
+        <p14:creationId xmlns:p14="http://schemas.microsoft.com/office/powerpoint/2010/main" val="3218997376"/>
       </p:ext>
     </p:extLst>
   </p:cSld>
@@ -8692,12 +8230,12 @@
                     <a:p>
                       <a:pPr algn="ctr" fontAlgn="b"/>
                       <a:r>
-                        <a:rPr lang="en-US" sz="1100" u="none" strike="noStrike">
+                        <a:rPr lang="en-US" sz="1100" u="none" strike="noStrike" dirty="0">
                           <a:effectLst/>
                         </a:rPr>
                         <a:t>350</a:t>
                       </a:r>
-                      <a:endParaRPr lang="en-US" sz="1100" b="0" i="0" u="none" strike="noStrike">
+                      <a:endParaRPr lang="en-US" sz="1100" b="0" i="0" u="none" strike="noStrike" dirty="0">
                         <a:solidFill>
                           <a:srgbClr val="000000"/>
                         </a:solidFill>
@@ -8796,7 +8334,7 @@
                     <a:lstStyle/>
                     <a:p>
                       <a:pPr algn="ctr" fontAlgn="b"/>
-                      <a:endParaRPr lang="en-US" sz="1100" b="0" i="0" u="none" strike="noStrike">
+                      <a:endParaRPr lang="en-US" sz="1100" b="0" i="0" u="none" strike="noStrike" dirty="0">
                         <a:solidFill>
                           <a:srgbClr val="000000"/>
                         </a:solidFill>

--- a/REPL-Driven-Development.pptx
+++ b/REPL-Driven-Development.pptx
@@ -2,7 +2,7 @@
 <file path=ppt/presentation.xml><?xml version="1.0" encoding="utf-8"?>
 <p:presentation xmlns:a="http://schemas.openxmlformats.org/drawingml/2006/main" xmlns:r="http://schemas.openxmlformats.org/officeDocument/2006/relationships" xmlns:p="http://schemas.openxmlformats.org/presentationml/2006/main" saveSubsetFonts="1">
   <p:sldMasterIdLst>
-    <p:sldMasterId id="2147483648" r:id="rId1"/>
+    <p:sldMasterId id="2147483660" r:id="rId1"/>
   </p:sldMasterIdLst>
   <p:notesMasterIdLst>
     <p:notesMasterId r:id="rId22"/>
@@ -19,14 +19,14 @@
     <p:sldId id="266" r:id="rId10"/>
     <p:sldId id="259" r:id="rId11"/>
     <p:sldId id="281" r:id="rId12"/>
-    <p:sldId id="282" r:id="rId13"/>
-    <p:sldId id="277" r:id="rId14"/>
-    <p:sldId id="268" r:id="rId15"/>
-    <p:sldId id="285" r:id="rId16"/>
-    <p:sldId id="286" r:id="rId17"/>
-    <p:sldId id="287" r:id="rId18"/>
-    <p:sldId id="288" r:id="rId19"/>
-    <p:sldId id="290" r:id="rId20"/>
+    <p:sldId id="277" r:id="rId13"/>
+    <p:sldId id="268" r:id="rId14"/>
+    <p:sldId id="285" r:id="rId15"/>
+    <p:sldId id="292" r:id="rId16"/>
+    <p:sldId id="287" r:id="rId17"/>
+    <p:sldId id="290" r:id="rId18"/>
+    <p:sldId id="293" r:id="rId19"/>
+    <p:sldId id="286" r:id="rId20"/>
     <p:sldId id="291" r:id="rId21"/>
   </p:sldIdLst>
   <p:sldSz cx="12192000" cy="6858000"/>
@@ -216,7 +216,7 @@
           <a:p>
             <a:fld id="{97FCCB77-9557-4FCB-BD32-C7F96AFA0985}" type="datetimeFigureOut">
               <a:rPr lang="en-US" smtClean="0"/>
-              <a:t>5/14/2016</a:t>
+              <a:t>5/22/2016</a:t>
             </a:fld>
             <a:endParaRPr lang="en-US"/>
           </a:p>
@@ -1114,6 +1114,98 @@
 </p:notes>
 </file>
 
+<file path=ppt/notesSlides/notesSlide7.xml><?xml version="1.0" encoding="utf-8"?>
+<p:notes xmlns:a="http://schemas.openxmlformats.org/drawingml/2006/main" xmlns:r="http://schemas.openxmlformats.org/officeDocument/2006/relationships" xmlns:p="http://schemas.openxmlformats.org/presentationml/2006/main">
+  <p:cSld>
+    <p:spTree>
+      <p:nvGrpSpPr>
+        <p:cNvPr id="1" name=""/>
+        <p:cNvGrpSpPr/>
+        <p:nvPr/>
+      </p:nvGrpSpPr>
+      <p:grpSpPr>
+        <a:xfrm>
+          <a:off x="0" y="0"/>
+          <a:ext cx="0" cy="0"/>
+          <a:chOff x="0" y="0"/>
+          <a:chExt cx="0" cy="0"/>
+        </a:xfrm>
+      </p:grpSpPr>
+      <p:sp>
+        <p:nvSpPr>
+          <p:cNvPr id="2" name="Slide Image Placeholder 1"/>
+          <p:cNvSpPr>
+            <a:spLocks noGrp="1" noRot="1" noChangeAspect="1"/>
+          </p:cNvSpPr>
+          <p:nvPr>
+            <p:ph type="sldImg"/>
+          </p:nvPr>
+        </p:nvSpPr>
+        <p:spPr/>
+      </p:sp>
+      <p:sp>
+        <p:nvSpPr>
+          <p:cNvPr id="3" name="Notes Placeholder 2"/>
+          <p:cNvSpPr>
+            <a:spLocks noGrp="1"/>
+          </p:cNvSpPr>
+          <p:nvPr>
+            <p:ph type="body" idx="1"/>
+          </p:nvPr>
+        </p:nvSpPr>
+        <p:spPr/>
+        <p:txBody>
+          <a:bodyPr/>
+          <a:lstStyle/>
+          <a:p>
+            <a:r>
+              <a:rPr lang="en-US" dirty="0" smtClean="0"/>
+              <a:t>Property</a:t>
+            </a:r>
+            <a:r>
+              <a:rPr lang="en-US" baseline="0" dirty="0" smtClean="0"/>
+              <a:t> based versus Example Based Testing</a:t>
+            </a:r>
+            <a:endParaRPr lang="en-US" dirty="0"/>
+          </a:p>
+        </p:txBody>
+      </p:sp>
+      <p:sp>
+        <p:nvSpPr>
+          <p:cNvPr id="4" name="Slide Number Placeholder 3"/>
+          <p:cNvSpPr>
+            <a:spLocks noGrp="1"/>
+          </p:cNvSpPr>
+          <p:nvPr>
+            <p:ph type="sldNum" sz="quarter" idx="10"/>
+          </p:nvPr>
+        </p:nvSpPr>
+        <p:spPr/>
+        <p:txBody>
+          <a:bodyPr/>
+          <a:lstStyle/>
+          <a:p>
+            <a:fld id="{AD49793D-66B8-4F70-9EED-FB8F0263A06D}" type="slidenum">
+              <a:rPr lang="en-US" smtClean="0"/>
+              <a:t>16</a:t>
+            </a:fld>
+            <a:endParaRPr lang="en-US"/>
+          </a:p>
+        </p:txBody>
+      </p:sp>
+    </p:spTree>
+    <p:extLst>
+      <p:ext uri="{BB962C8B-B14F-4D97-AF65-F5344CB8AC3E}">
+        <p14:creationId xmlns:p14="http://schemas.microsoft.com/office/powerpoint/2010/main" val="1611145580"/>
+      </p:ext>
+    </p:extLst>
+  </p:cSld>
+  <p:clrMapOvr>
+    <a:masterClrMapping/>
+  </p:clrMapOvr>
+</p:notes>
+</file>
+
 <file path=ppt/slideLayouts/slideLayout1.xml><?xml version="1.0" encoding="utf-8"?>
 <p:sldLayout xmlns:a="http://schemas.openxmlformats.org/drawingml/2006/main" xmlns:r="http://schemas.openxmlformats.org/officeDocument/2006/relationships" xmlns:p="http://schemas.openxmlformats.org/presentationml/2006/main" type="title" preserve="1">
   <p:cSld name="Title Slide">
@@ -1143,12 +1235,14 @@
         </p:nvSpPr>
         <p:spPr>
           <a:xfrm>
-            <a:off x="1524000" y="1122363"/>
+            <a:off x="1524000" y="1124530"/>
             <a:ext cx="9144000" cy="2387600"/>
           </a:xfrm>
         </p:spPr>
         <p:txBody>
-          <a:bodyPr anchor="b"/>
+          <a:bodyPr anchor="b">
+            <a:normAutofit/>
+          </a:bodyPr>
           <a:lstStyle>
             <a:lvl1pPr algn="ctr">
               <a:defRPr sz="6000"/>
@@ -1159,7 +1253,7 @@
               <a:rPr lang="en-US" smtClean="0"/>
               <a:t>Click to edit Master title style</a:t>
             </a:r>
-            <a:endParaRPr lang="en-US"/>
+            <a:endParaRPr lang="en-US" dirty="0"/>
           </a:p>
         </p:txBody>
       </p:sp>
@@ -1180,43 +1274,52 @@
           </a:xfrm>
         </p:spPr>
         <p:txBody>
-          <a:bodyPr/>
+          <a:bodyPr>
+            <a:normAutofit/>
+          </a:bodyPr>
           <a:lstStyle>
             <a:lvl1pPr marL="0" indent="0" algn="ctr">
               <a:buNone/>
-              <a:defRPr sz="2400"/>
+              <a:defRPr sz="2400">
+                <a:solidFill>
+                  <a:schemeClr val="tx1">
+                    <a:lumMod val="75000"/>
+                    <a:lumOff val="25000"/>
+                  </a:schemeClr>
+                </a:solidFill>
+              </a:defRPr>
             </a:lvl1pPr>
             <a:lvl2pPr marL="457200" indent="0" algn="ctr">
               <a:buNone/>
-              <a:defRPr sz="2000"/>
+              <a:defRPr sz="2800"/>
             </a:lvl2pPr>
             <a:lvl3pPr marL="914400" indent="0" algn="ctr">
               <a:buNone/>
-              <a:defRPr sz="1800"/>
+              <a:defRPr sz="2400"/>
             </a:lvl3pPr>
             <a:lvl4pPr marL="1371600" indent="0" algn="ctr">
               <a:buNone/>
-              <a:defRPr sz="1600"/>
+              <a:defRPr sz="2000"/>
             </a:lvl4pPr>
             <a:lvl5pPr marL="1828800" indent="0" algn="ctr">
               <a:buNone/>
-              <a:defRPr sz="1600"/>
+              <a:defRPr sz="2000"/>
             </a:lvl5pPr>
             <a:lvl6pPr marL="2286000" indent="0" algn="ctr">
               <a:buNone/>
-              <a:defRPr sz="1600"/>
+              <a:defRPr sz="2000"/>
             </a:lvl6pPr>
             <a:lvl7pPr marL="2743200" indent="0" algn="ctr">
               <a:buNone/>
-              <a:defRPr sz="1600"/>
+              <a:defRPr sz="2000"/>
             </a:lvl7pPr>
             <a:lvl8pPr marL="3200400" indent="0" algn="ctr">
               <a:buNone/>
-              <a:defRPr sz="1600"/>
+              <a:defRPr sz="2000"/>
             </a:lvl8pPr>
             <a:lvl9pPr marL="3657600" indent="0" algn="ctr">
               <a:buNone/>
-              <a:defRPr sz="1600"/>
+              <a:defRPr sz="2000"/>
             </a:lvl9pPr>
           </a:lstStyle>
           <a:p>
@@ -1224,7 +1327,7 @@
               <a:rPr lang="en-US" smtClean="0"/>
               <a:t>Click to edit Master subtitle style</a:t>
             </a:r>
-            <a:endParaRPr lang="en-US"/>
+            <a:endParaRPr lang="en-US" dirty="0"/>
           </a:p>
         </p:txBody>
       </p:sp>
@@ -1245,7 +1348,7 @@
           <a:p>
             <a:fld id="{2E9DB05E-0671-4B9C-8F82-30620B9FA112}" type="datetimeFigureOut">
               <a:rPr lang="en-US" smtClean="0"/>
-              <a:t>5/14/2016</a:t>
+              <a:t>5/22/2016</a:t>
             </a:fld>
             <a:endParaRPr lang="en-US"/>
           </a:p>
@@ -1296,7 +1399,7 @@
     </p:spTree>
     <p:extLst>
       <p:ext uri="{BB962C8B-B14F-4D97-AF65-F5344CB8AC3E}">
-        <p14:creationId xmlns:p14="http://schemas.microsoft.com/office/powerpoint/2010/main" val="3493955399"/>
+        <p14:creationId xmlns:p14="http://schemas.microsoft.com/office/powerpoint/2010/main" val="3173683589"/>
       </p:ext>
     </p:extLst>
   </p:cSld>
@@ -1394,7 +1497,7 @@
               <a:rPr lang="en-US" smtClean="0"/>
               <a:t>Fifth level</a:t>
             </a:r>
-            <a:endParaRPr lang="en-US"/>
+            <a:endParaRPr lang="en-US" dirty="0"/>
           </a:p>
         </p:txBody>
       </p:sp>
@@ -1415,7 +1518,7 @@
           <a:p>
             <a:fld id="{2E9DB05E-0671-4B9C-8F82-30620B9FA112}" type="datetimeFigureOut">
               <a:rPr lang="en-US" smtClean="0"/>
-              <a:t>5/14/2016</a:t>
+              <a:t>5/22/2016</a:t>
             </a:fld>
             <a:endParaRPr lang="en-US"/>
           </a:p>
@@ -1466,7 +1569,7 @@
     </p:spTree>
     <p:extLst>
       <p:ext uri="{BB962C8B-B14F-4D97-AF65-F5344CB8AC3E}">
-        <p14:creationId xmlns:p14="http://schemas.microsoft.com/office/powerpoint/2010/main" val="1029779917"/>
+        <p14:creationId xmlns:p14="http://schemas.microsoft.com/office/powerpoint/2010/main" val="2359843726"/>
       </p:ext>
     </p:extLst>
   </p:cSld>
@@ -1505,7 +1608,7 @@
         </p:nvSpPr>
         <p:spPr>
           <a:xfrm>
-            <a:off x="8724900" y="365125"/>
+            <a:off x="8724900" y="360362"/>
             <a:ext cx="2628900" cy="5811838"/>
           </a:xfrm>
         </p:spPr>
@@ -1533,8 +1636,8 @@
         </p:nvSpPr>
         <p:spPr>
           <a:xfrm>
-            <a:off x="838200" y="365125"/>
-            <a:ext cx="7734300" cy="5811838"/>
+            <a:off x="838200" y="360362"/>
+            <a:ext cx="7734300" cy="5811837"/>
           </a:xfrm>
         </p:spPr>
         <p:txBody>
@@ -1595,7 +1698,7 @@
           <a:p>
             <a:fld id="{2E9DB05E-0671-4B9C-8F82-30620B9FA112}" type="datetimeFigureOut">
               <a:rPr lang="en-US" smtClean="0"/>
-              <a:t>5/14/2016</a:t>
+              <a:t>5/22/2016</a:t>
             </a:fld>
             <a:endParaRPr lang="en-US"/>
           </a:p>
@@ -1646,7 +1749,7 @@
     </p:spTree>
     <p:extLst>
       <p:ext uri="{BB962C8B-B14F-4D97-AF65-F5344CB8AC3E}">
-        <p14:creationId xmlns:p14="http://schemas.microsoft.com/office/powerpoint/2010/main" val="1824410848"/>
+        <p14:creationId xmlns:p14="http://schemas.microsoft.com/office/powerpoint/2010/main" val="1245021800"/>
       </p:ext>
     </p:extLst>
   </p:cSld>
@@ -1692,7 +1795,7 @@
               <a:rPr lang="en-US" smtClean="0"/>
               <a:t>Click to edit Master title style</a:t>
             </a:r>
-            <a:endParaRPr lang="en-US"/>
+            <a:endParaRPr lang="en-US" dirty="0"/>
           </a:p>
         </p:txBody>
       </p:sp>
@@ -1744,7 +1847,7 @@
               <a:rPr lang="en-US" smtClean="0"/>
               <a:t>Fifth level</a:t>
             </a:r>
-            <a:endParaRPr lang="en-US"/>
+            <a:endParaRPr lang="en-US" dirty="0"/>
           </a:p>
         </p:txBody>
       </p:sp>
@@ -1765,7 +1868,7 @@
           <a:p>
             <a:fld id="{2E9DB05E-0671-4B9C-8F82-30620B9FA112}" type="datetimeFigureOut">
               <a:rPr lang="en-US" smtClean="0"/>
-              <a:t>5/14/2016</a:t>
+              <a:t>5/22/2016</a:t>
             </a:fld>
             <a:endParaRPr lang="en-US"/>
           </a:p>
@@ -1816,7 +1919,7 @@
     </p:spTree>
     <p:extLst>
       <p:ext uri="{BB962C8B-B14F-4D97-AF65-F5344CB8AC3E}">
-        <p14:creationId xmlns:p14="http://schemas.microsoft.com/office/powerpoint/2010/main" val="1471327474"/>
+        <p14:creationId xmlns:p14="http://schemas.microsoft.com/office/powerpoint/2010/main" val="527370722"/>
       </p:ext>
     </p:extLst>
   </p:cSld>
@@ -1855,15 +1958,17 @@
         </p:nvSpPr>
         <p:spPr>
           <a:xfrm>
-            <a:off x="831850" y="1709738"/>
-            <a:ext cx="10515600" cy="2852737"/>
+            <a:off x="831850" y="1712423"/>
+            <a:ext cx="10515600" cy="2851208"/>
           </a:xfrm>
         </p:spPr>
         <p:txBody>
-          <a:bodyPr anchor="b"/>
+          <a:bodyPr anchor="b">
+            <a:normAutofit/>
+          </a:bodyPr>
           <a:lstStyle>
             <a:lvl1pPr>
-              <a:defRPr sz="6000"/>
+              <a:defRPr sz="6000" b="0"/>
             </a:lvl1pPr>
           </a:lstStyle>
           <a:p>
@@ -1871,7 +1976,7 @@
               <a:rPr lang="en-US" smtClean="0"/>
               <a:t>Click to edit Master title style</a:t>
             </a:r>
-            <a:endParaRPr lang="en-US"/>
+            <a:endParaRPr lang="en-US" dirty="0"/>
           </a:p>
         </p:txBody>
       </p:sp>
@@ -1887,26 +1992,29 @@
         </p:nvSpPr>
         <p:spPr>
           <a:xfrm>
-            <a:off x="831850" y="4589463"/>
+            <a:off x="831850" y="4552633"/>
             <a:ext cx="10515600" cy="1500187"/>
           </a:xfrm>
         </p:spPr>
         <p:txBody>
-          <a:bodyPr/>
+          <a:bodyPr anchor="t">
+            <a:normAutofit/>
+          </a:bodyPr>
           <a:lstStyle>
             <a:lvl1pPr marL="0" indent="0">
               <a:buNone/>
               <a:defRPr sz="2400">
                 <a:solidFill>
                   <a:schemeClr val="tx1">
-                    <a:tint val="75000"/>
+                    <a:lumMod val="75000"/>
+                    <a:lumOff val="25000"/>
                   </a:schemeClr>
                 </a:solidFill>
               </a:defRPr>
             </a:lvl1pPr>
             <a:lvl2pPr marL="457200" indent="0">
               <a:buNone/>
-              <a:defRPr sz="2000">
+              <a:defRPr sz="1800">
                 <a:solidFill>
                   <a:schemeClr val="tx1">
                     <a:tint val="75000"/>
@@ -1916,7 +2024,7 @@
             </a:lvl2pPr>
             <a:lvl3pPr marL="914400" indent="0">
               <a:buNone/>
-              <a:defRPr sz="1800">
+              <a:defRPr sz="1600">
                 <a:solidFill>
                   <a:schemeClr val="tx1">
                     <a:tint val="75000"/>
@@ -1926,7 +2034,7 @@
             </a:lvl3pPr>
             <a:lvl4pPr marL="1371600" indent="0">
               <a:buNone/>
-              <a:defRPr sz="1600">
+              <a:defRPr sz="1400">
                 <a:solidFill>
                   <a:schemeClr val="tx1">
                     <a:tint val="75000"/>
@@ -1936,7 +2044,7 @@
             </a:lvl4pPr>
             <a:lvl5pPr marL="1828800" indent="0">
               <a:buNone/>
-              <a:defRPr sz="1600">
+              <a:defRPr sz="1400">
                 <a:solidFill>
                   <a:schemeClr val="tx1">
                     <a:tint val="75000"/>
@@ -1946,7 +2054,7 @@
             </a:lvl5pPr>
             <a:lvl6pPr marL="2286000" indent="0">
               <a:buNone/>
-              <a:defRPr sz="1600">
+              <a:defRPr sz="1400">
                 <a:solidFill>
                   <a:schemeClr val="tx1">
                     <a:tint val="75000"/>
@@ -1956,7 +2064,7 @@
             </a:lvl6pPr>
             <a:lvl7pPr marL="2743200" indent="0">
               <a:buNone/>
-              <a:defRPr sz="1600">
+              <a:defRPr sz="1400">
                 <a:solidFill>
                   <a:schemeClr val="tx1">
                     <a:tint val="75000"/>
@@ -1966,7 +2074,7 @@
             </a:lvl7pPr>
             <a:lvl8pPr marL="3200400" indent="0">
               <a:buNone/>
-              <a:defRPr sz="1600">
+              <a:defRPr sz="1400">
                 <a:solidFill>
                   <a:schemeClr val="tx1">
                     <a:tint val="75000"/>
@@ -1976,7 +2084,7 @@
             </a:lvl8pPr>
             <a:lvl9pPr marL="3657600" indent="0">
               <a:buNone/>
-              <a:defRPr sz="1600">
+              <a:defRPr sz="1400">
                 <a:solidFill>
                   <a:schemeClr val="tx1">
                     <a:tint val="75000"/>
@@ -2011,7 +2119,7 @@
           <a:p>
             <a:fld id="{2E9DB05E-0671-4B9C-8F82-30620B9FA112}" type="datetimeFigureOut">
               <a:rPr lang="en-US" smtClean="0"/>
-              <a:t>5/14/2016</a:t>
+              <a:t>5/22/2016</a:t>
             </a:fld>
             <a:endParaRPr lang="en-US"/>
           </a:p>
@@ -2062,7 +2170,7 @@
     </p:spTree>
     <p:extLst>
       <p:ext uri="{BB962C8B-B14F-4D97-AF65-F5344CB8AC3E}">
-        <p14:creationId xmlns:p14="http://schemas.microsoft.com/office/powerpoint/2010/main" val="4146986612"/>
+        <p14:creationId xmlns:p14="http://schemas.microsoft.com/office/powerpoint/2010/main" val="3664110783"/>
       </p:ext>
     </p:extLst>
   </p:cSld>
@@ -2108,7 +2216,7 @@
               <a:rPr lang="en-US" smtClean="0"/>
               <a:t>Click to edit Master title style</a:t>
             </a:r>
-            <a:endParaRPr lang="en-US"/>
+            <a:endParaRPr lang="en-US" dirty="0"/>
           </a:p>
         </p:txBody>
       </p:sp>
@@ -2124,8 +2232,8 @@
         </p:nvSpPr>
         <p:spPr>
           <a:xfrm>
-            <a:off x="838200" y="1825625"/>
-            <a:ext cx="5181600" cy="4351338"/>
+            <a:off x="845127" y="1828800"/>
+            <a:ext cx="5181600" cy="4351337"/>
           </a:xfrm>
         </p:spPr>
         <p:txBody>
@@ -2165,7 +2273,7 @@
               <a:rPr lang="en-US" smtClean="0"/>
               <a:t>Fifth level</a:t>
             </a:r>
-            <a:endParaRPr lang="en-US"/>
+            <a:endParaRPr lang="en-US" dirty="0"/>
           </a:p>
         </p:txBody>
       </p:sp>
@@ -2181,8 +2289,8 @@
         </p:nvSpPr>
         <p:spPr>
           <a:xfrm>
-            <a:off x="6172200" y="1825625"/>
-            <a:ext cx="5181600" cy="4351338"/>
+            <a:off x="6172200" y="1828800"/>
+            <a:ext cx="5181600" cy="4351337"/>
           </a:xfrm>
         </p:spPr>
         <p:txBody>
@@ -2222,7 +2330,7 @@
               <a:rPr lang="en-US" smtClean="0"/>
               <a:t>Fifth level</a:t>
             </a:r>
-            <a:endParaRPr lang="en-US"/>
+            <a:endParaRPr lang="en-US" dirty="0"/>
           </a:p>
         </p:txBody>
       </p:sp>
@@ -2243,7 +2351,7 @@
           <a:p>
             <a:fld id="{2E9DB05E-0671-4B9C-8F82-30620B9FA112}" type="datetimeFigureOut">
               <a:rPr lang="en-US" smtClean="0"/>
-              <a:t>5/14/2016</a:t>
+              <a:t>5/22/2016</a:t>
             </a:fld>
             <a:endParaRPr lang="en-US"/>
           </a:p>
@@ -2294,7 +2402,7 @@
     </p:spTree>
     <p:extLst>
       <p:ext uri="{BB962C8B-B14F-4D97-AF65-F5344CB8AC3E}">
-        <p14:creationId xmlns:p14="http://schemas.microsoft.com/office/powerpoint/2010/main" val="481000650"/>
+        <p14:creationId xmlns:p14="http://schemas.microsoft.com/office/powerpoint/2010/main" val="44708860"/>
       </p:ext>
     </p:extLst>
   </p:cSld>
@@ -2305,7 +2413,7 @@
 </file>
 
 <file path=ppt/slideLayouts/slideLayout5.xml><?xml version="1.0" encoding="utf-8"?>
-<p:sldLayout xmlns:a="http://schemas.openxmlformats.org/drawingml/2006/main" xmlns:r="http://schemas.openxmlformats.org/officeDocument/2006/relationships" xmlns:p="http://schemas.openxmlformats.org/presentationml/2006/main" type="twoTxTwoObj" preserve="1">
+<p:sldLayout xmlns:a="http://schemas.openxmlformats.org/drawingml/2006/main" xmlns:r="http://schemas.openxmlformats.org/officeDocument/2006/relationships" xmlns:p="http://schemas.openxmlformats.org/presentationml/2006/main" preserve="1">
   <p:cSld name="Comparison">
     <p:spTree>
       <p:nvGrpSpPr>
@@ -2323,34 +2431,6 @@
       </p:grpSpPr>
       <p:sp>
         <p:nvSpPr>
-          <p:cNvPr id="2" name="Title 1"/>
-          <p:cNvSpPr>
-            <a:spLocks noGrp="1"/>
-          </p:cNvSpPr>
-          <p:nvPr>
-            <p:ph type="title"/>
-          </p:nvPr>
-        </p:nvSpPr>
-        <p:spPr>
-          <a:xfrm>
-            <a:off x="839788" y="365125"/>
-            <a:ext cx="10515600" cy="1325563"/>
-          </a:xfrm>
-        </p:spPr>
-        <p:txBody>
-          <a:bodyPr/>
-          <a:lstStyle/>
-          <a:p>
-            <a:r>
-              <a:rPr lang="en-US" smtClean="0"/>
-              <a:t>Click to edit Master title style</a:t>
-            </a:r>
-            <a:endParaRPr lang="en-US"/>
-          </a:p>
-        </p:txBody>
-      </p:sp>
-      <p:sp>
-        <p:nvSpPr>
           <p:cNvPr id="3" name="Text Placeholder 2"/>
           <p:cNvSpPr>
             <a:spLocks noGrp="1"/>
@@ -2361,14 +2441,19 @@
         </p:nvSpPr>
         <p:spPr>
           <a:xfrm>
-            <a:off x="839788" y="1681163"/>
-            <a:ext cx="5157787" cy="823912"/>
+            <a:off x="845127" y="1681850"/>
+            <a:ext cx="5156200" cy="825699"/>
           </a:xfrm>
         </p:spPr>
         <p:txBody>
-          <a:bodyPr anchor="b"/>
+          <a:bodyPr anchor="b">
+            <a:normAutofit/>
+          </a:bodyPr>
           <a:lstStyle>
             <a:lvl1pPr marL="0" indent="0">
+              <a:spcBef>
+                <a:spcPts val="0"/>
+              </a:spcBef>
               <a:buNone/>
               <a:defRPr sz="2400" b="1"/>
             </a:lvl1pPr>
@@ -2426,8 +2511,8 @@
         </p:nvSpPr>
         <p:spPr>
           <a:xfrm>
-            <a:off x="839788" y="2505075"/>
-            <a:ext cx="5157787" cy="3684588"/>
+            <a:off x="845127" y="2507550"/>
+            <a:ext cx="5156200" cy="3680525"/>
           </a:xfrm>
         </p:spPr>
         <p:txBody>
@@ -2467,7 +2552,7 @@
               <a:rPr lang="en-US" smtClean="0"/>
               <a:t>Fifth level</a:t>
             </a:r>
-            <a:endParaRPr lang="en-US"/>
+            <a:endParaRPr lang="en-US" dirty="0"/>
           </a:p>
         </p:txBody>
       </p:sp>
@@ -2483,14 +2568,17 @@
         </p:nvSpPr>
         <p:spPr>
           <a:xfrm>
-            <a:off x="6172200" y="1681163"/>
-            <a:ext cx="5183188" cy="823912"/>
+            <a:off x="6172200" y="1681851"/>
+            <a:ext cx="5181601" cy="825698"/>
           </a:xfrm>
         </p:spPr>
         <p:txBody>
           <a:bodyPr anchor="b"/>
           <a:lstStyle>
             <a:lvl1pPr marL="0" indent="0">
+              <a:spcBef>
+                <a:spcPts val="0"/>
+              </a:spcBef>
               <a:buNone/>
               <a:defRPr sz="2400" b="1"/>
             </a:lvl1pPr>
@@ -2548,8 +2636,8 @@
         </p:nvSpPr>
         <p:spPr>
           <a:xfrm>
-            <a:off x="6172200" y="2505075"/>
-            <a:ext cx="5183188" cy="3684588"/>
+            <a:off x="6172200" y="2507550"/>
+            <a:ext cx="5181601" cy="3680525"/>
           </a:xfrm>
         </p:spPr>
         <p:txBody>
@@ -2610,7 +2698,7 @@
           <a:p>
             <a:fld id="{2E9DB05E-0671-4B9C-8F82-30620B9FA112}" type="datetimeFigureOut">
               <a:rPr lang="en-US" smtClean="0"/>
-              <a:t>5/14/2016</a:t>
+              <a:t>5/22/2016</a:t>
             </a:fld>
             <a:endParaRPr lang="en-US"/>
           </a:p>
@@ -2658,10 +2746,33 @@
           </a:p>
         </p:txBody>
       </p:sp>
+      <p:sp>
+        <p:nvSpPr>
+          <p:cNvPr id="10" name="Title 9"/>
+          <p:cNvSpPr>
+            <a:spLocks noGrp="1"/>
+          </p:cNvSpPr>
+          <p:nvPr>
+            <p:ph type="title"/>
+          </p:nvPr>
+        </p:nvSpPr>
+        <p:spPr/>
+        <p:txBody>
+          <a:bodyPr/>
+          <a:lstStyle/>
+          <a:p>
+            <a:r>
+              <a:rPr lang="en-US" smtClean="0"/>
+              <a:t>Click to edit Master title style</a:t>
+            </a:r>
+            <a:endParaRPr lang="en-US" dirty="0"/>
+          </a:p>
+        </p:txBody>
+      </p:sp>
     </p:spTree>
     <p:extLst>
       <p:ext uri="{BB962C8B-B14F-4D97-AF65-F5344CB8AC3E}">
-        <p14:creationId xmlns:p14="http://schemas.microsoft.com/office/powerpoint/2010/main" val="1366053644"/>
+        <p14:creationId xmlns:p14="http://schemas.microsoft.com/office/powerpoint/2010/main" val="4145233152"/>
       </p:ext>
     </p:extLst>
   </p:cSld>
@@ -2672,7 +2783,7 @@
 </file>
 
 <file path=ppt/slideLayouts/slideLayout6.xml><?xml version="1.0" encoding="utf-8"?>
-<p:sldLayout xmlns:a="http://schemas.openxmlformats.org/drawingml/2006/main" xmlns:r="http://schemas.openxmlformats.org/officeDocument/2006/relationships" xmlns:p="http://schemas.openxmlformats.org/presentationml/2006/main" type="titleOnly" preserve="1">
+<p:sldLayout xmlns:a="http://schemas.openxmlformats.org/drawingml/2006/main" xmlns:r="http://schemas.openxmlformats.org/officeDocument/2006/relationships" xmlns:p="http://schemas.openxmlformats.org/presentationml/2006/main" preserve="1">
   <p:cSld name="Title Only">
     <p:spTree>
       <p:nvGrpSpPr>
@@ -2690,29 +2801,6 @@
       </p:grpSpPr>
       <p:sp>
         <p:nvSpPr>
-          <p:cNvPr id="2" name="Title 1"/>
-          <p:cNvSpPr>
-            <a:spLocks noGrp="1"/>
-          </p:cNvSpPr>
-          <p:nvPr>
-            <p:ph type="title"/>
-          </p:nvPr>
-        </p:nvSpPr>
-        <p:spPr/>
-        <p:txBody>
-          <a:bodyPr/>
-          <a:lstStyle/>
-          <a:p>
-            <a:r>
-              <a:rPr lang="en-US" smtClean="0"/>
-              <a:t>Click to edit Master title style</a:t>
-            </a:r>
-            <a:endParaRPr lang="en-US"/>
-          </a:p>
-        </p:txBody>
-      </p:sp>
-      <p:sp>
-        <p:nvSpPr>
           <p:cNvPr id="3" name="Date Placeholder 2"/>
           <p:cNvSpPr>
             <a:spLocks noGrp="1"/>
@@ -2728,7 +2816,7 @@
           <a:p>
             <a:fld id="{2E9DB05E-0671-4B9C-8F82-30620B9FA112}" type="datetimeFigureOut">
               <a:rPr lang="en-US" smtClean="0"/>
-              <a:t>5/14/2016</a:t>
+              <a:t>5/22/2016</a:t>
             </a:fld>
             <a:endParaRPr lang="en-US"/>
           </a:p>
@@ -2776,10 +2864,33 @@
           </a:p>
         </p:txBody>
       </p:sp>
+      <p:sp>
+        <p:nvSpPr>
+          <p:cNvPr id="6" name="Title 5"/>
+          <p:cNvSpPr>
+            <a:spLocks noGrp="1"/>
+          </p:cNvSpPr>
+          <p:nvPr>
+            <p:ph type="title"/>
+          </p:nvPr>
+        </p:nvSpPr>
+        <p:spPr/>
+        <p:txBody>
+          <a:bodyPr/>
+          <a:lstStyle/>
+          <a:p>
+            <a:r>
+              <a:rPr lang="en-US" smtClean="0"/>
+              <a:t>Click to edit Master title style</a:t>
+            </a:r>
+            <a:endParaRPr lang="en-US"/>
+          </a:p>
+        </p:txBody>
+      </p:sp>
     </p:spTree>
     <p:extLst>
       <p:ext uri="{BB962C8B-B14F-4D97-AF65-F5344CB8AC3E}">
-        <p14:creationId xmlns:p14="http://schemas.microsoft.com/office/powerpoint/2010/main" val="3546053621"/>
+        <p14:creationId xmlns:p14="http://schemas.microsoft.com/office/powerpoint/2010/main" val="3875515253"/>
       </p:ext>
     </p:extLst>
   </p:cSld>
@@ -2823,7 +2934,7 @@
           <a:p>
             <a:fld id="{2E9DB05E-0671-4B9C-8F82-30620B9FA112}" type="datetimeFigureOut">
               <a:rPr lang="en-US" smtClean="0"/>
-              <a:t>5/14/2016</a:t>
+              <a:t>5/22/2016</a:t>
             </a:fld>
             <a:endParaRPr lang="en-US"/>
           </a:p>
@@ -2874,7 +2985,7 @@
     </p:spTree>
     <p:extLst>
       <p:ext uri="{BB962C8B-B14F-4D97-AF65-F5344CB8AC3E}">
-        <p14:creationId xmlns:p14="http://schemas.microsoft.com/office/powerpoint/2010/main" val="1261381004"/>
+        <p14:creationId xmlns:p14="http://schemas.microsoft.com/office/powerpoint/2010/main" val="3073930352"/>
       </p:ext>
     </p:extLst>
   </p:cSld>
@@ -2913,15 +3024,17 @@
         </p:nvSpPr>
         <p:spPr>
           <a:xfrm>
-            <a:off x="839788" y="457200"/>
-            <a:ext cx="3932237" cy="1600200"/>
+            <a:off x="841248" y="457200"/>
+            <a:ext cx="3931920" cy="1600197"/>
           </a:xfrm>
         </p:spPr>
         <p:txBody>
-          <a:bodyPr anchor="b"/>
+          <a:bodyPr anchor="b">
+            <a:normAutofit/>
+          </a:bodyPr>
           <a:lstStyle>
             <a:lvl1pPr>
-              <a:defRPr sz="3200"/>
+              <a:defRPr sz="3200" b="0"/>
             </a:lvl1pPr>
           </a:lstStyle>
           <a:p>
@@ -2929,7 +3042,7 @@
               <a:rPr lang="en-US" smtClean="0"/>
               <a:t>Click to edit Master title style</a:t>
             </a:r>
-            <a:endParaRPr lang="en-US"/>
+            <a:endParaRPr lang="en-US" dirty="0"/>
           </a:p>
         </p:txBody>
       </p:sp>
@@ -2945,8 +3058,8 @@
         </p:nvSpPr>
         <p:spPr>
           <a:xfrm>
-            <a:off x="5183188" y="987425"/>
-            <a:ext cx="6172200" cy="4873625"/>
+            <a:off x="5181600" y="990600"/>
+            <a:ext cx="6172200" cy="4876800"/>
           </a:xfrm>
         </p:spPr>
         <p:txBody>
@@ -3014,7 +3127,7 @@
               <a:rPr lang="en-US" smtClean="0"/>
               <a:t>Fifth level</a:t>
             </a:r>
-            <a:endParaRPr lang="en-US"/>
+            <a:endParaRPr lang="en-US" dirty="0"/>
           </a:p>
         </p:txBody>
       </p:sp>
@@ -3030,48 +3143,53 @@
         </p:nvSpPr>
         <p:spPr>
           <a:xfrm>
-            <a:off x="839788" y="2057400"/>
-            <a:ext cx="3932237" cy="3811588"/>
+            <a:off x="841248" y="2057399"/>
+            <a:ext cx="3931920" cy="3810001"/>
           </a:xfrm>
         </p:spPr>
         <p:txBody>
-          <a:bodyPr/>
+          <a:bodyPr>
+            <a:normAutofit/>
+          </a:bodyPr>
           <a:lstStyle>
             <a:lvl1pPr marL="0" indent="0">
+              <a:lnSpc>
+                <a:spcPct val="90000"/>
+              </a:lnSpc>
               <a:buNone/>
               <a:defRPr sz="1600"/>
             </a:lvl1pPr>
             <a:lvl2pPr marL="457200" indent="0">
               <a:buNone/>
-              <a:defRPr sz="1400"/>
+              <a:defRPr sz="1200"/>
             </a:lvl2pPr>
             <a:lvl3pPr marL="914400" indent="0">
               <a:buNone/>
-              <a:defRPr sz="1200"/>
+              <a:defRPr sz="1000"/>
             </a:lvl3pPr>
             <a:lvl4pPr marL="1371600" indent="0">
               <a:buNone/>
-              <a:defRPr sz="1000"/>
+              <a:defRPr sz="900"/>
             </a:lvl4pPr>
             <a:lvl5pPr marL="1828800" indent="0">
               <a:buNone/>
-              <a:defRPr sz="1000"/>
+              <a:defRPr sz="900"/>
             </a:lvl5pPr>
             <a:lvl6pPr marL="2286000" indent="0">
               <a:buNone/>
-              <a:defRPr sz="1000"/>
+              <a:defRPr sz="900"/>
             </a:lvl6pPr>
             <a:lvl7pPr marL="2743200" indent="0">
               <a:buNone/>
-              <a:defRPr sz="1000"/>
+              <a:defRPr sz="900"/>
             </a:lvl7pPr>
             <a:lvl8pPr marL="3200400" indent="0">
               <a:buNone/>
-              <a:defRPr sz="1000"/>
+              <a:defRPr sz="900"/>
             </a:lvl8pPr>
             <a:lvl9pPr marL="3657600" indent="0">
               <a:buNone/>
-              <a:defRPr sz="1000"/>
+              <a:defRPr sz="900"/>
             </a:lvl9pPr>
           </a:lstStyle>
           <a:p>
@@ -3100,7 +3218,7 @@
           <a:p>
             <a:fld id="{2E9DB05E-0671-4B9C-8F82-30620B9FA112}" type="datetimeFigureOut">
               <a:rPr lang="en-US" smtClean="0"/>
-              <a:t>5/14/2016</a:t>
+              <a:t>5/22/2016</a:t>
             </a:fld>
             <a:endParaRPr lang="en-US"/>
           </a:p>
@@ -3151,7 +3269,7 @@
     </p:spTree>
     <p:extLst>
       <p:ext uri="{BB962C8B-B14F-4D97-AF65-F5344CB8AC3E}">
-        <p14:creationId xmlns:p14="http://schemas.microsoft.com/office/powerpoint/2010/main" val="4174334943"/>
+        <p14:creationId xmlns:p14="http://schemas.microsoft.com/office/powerpoint/2010/main" val="75779500"/>
       </p:ext>
     </p:extLst>
   </p:cSld>
@@ -3190,15 +3308,17 @@
         </p:nvSpPr>
         <p:spPr>
           <a:xfrm>
-            <a:off x="839788" y="457200"/>
-            <a:ext cx="3932237" cy="1600200"/>
+            <a:off x="841248" y="457200"/>
+            <a:ext cx="3931920" cy="1600200"/>
           </a:xfrm>
         </p:spPr>
         <p:txBody>
-          <a:bodyPr anchor="b"/>
+          <a:bodyPr anchor="b">
+            <a:normAutofit/>
+          </a:bodyPr>
           <a:lstStyle>
             <a:lvl1pPr>
-              <a:defRPr sz="3200"/>
+              <a:defRPr sz="3200" b="0"/>
             </a:lvl1pPr>
           </a:lstStyle>
           <a:p>
@@ -3206,7 +3326,7 @@
               <a:rPr lang="en-US" smtClean="0"/>
               <a:t>Click to edit Master title style</a:t>
             </a:r>
-            <a:endParaRPr lang="en-US"/>
+            <a:endParaRPr lang="en-US" dirty="0"/>
           </a:p>
         </p:txBody>
       </p:sp>
@@ -3222,8 +3342,8 @@
         </p:nvSpPr>
         <p:spPr>
           <a:xfrm>
-            <a:off x="5183188" y="987425"/>
-            <a:ext cx="6172200" cy="4873625"/>
+            <a:off x="5181600" y="990600"/>
+            <a:ext cx="6172200" cy="4876800"/>
           </a:xfrm>
         </p:spPr>
         <p:txBody>
@@ -3267,7 +3387,11 @@
             </a:lvl9pPr>
           </a:lstStyle>
           <a:p>
-            <a:endParaRPr lang="en-US"/>
+            <a:r>
+              <a:rPr lang="en-US" smtClean="0"/>
+              <a:t>Click icon to add picture</a:t>
+            </a:r>
+            <a:endParaRPr lang="en-US" dirty="0"/>
           </a:p>
         </p:txBody>
       </p:sp>
@@ -3283,48 +3407,53 @@
         </p:nvSpPr>
         <p:spPr>
           <a:xfrm>
-            <a:off x="839788" y="2057400"/>
-            <a:ext cx="3932237" cy="3811588"/>
+            <a:off x="841248" y="2057400"/>
+            <a:ext cx="3931920" cy="3810000"/>
           </a:xfrm>
         </p:spPr>
         <p:txBody>
-          <a:bodyPr/>
+          <a:bodyPr>
+            <a:normAutofit/>
+          </a:bodyPr>
           <a:lstStyle>
             <a:lvl1pPr marL="0" indent="0">
+              <a:lnSpc>
+                <a:spcPct val="90000"/>
+              </a:lnSpc>
               <a:buNone/>
               <a:defRPr sz="1600"/>
             </a:lvl1pPr>
             <a:lvl2pPr marL="457200" indent="0">
               <a:buNone/>
-              <a:defRPr sz="1400"/>
+              <a:defRPr sz="1200"/>
             </a:lvl2pPr>
             <a:lvl3pPr marL="914400" indent="0">
               <a:buNone/>
-              <a:defRPr sz="1200"/>
+              <a:defRPr sz="1000"/>
             </a:lvl3pPr>
             <a:lvl4pPr marL="1371600" indent="0">
               <a:buNone/>
-              <a:defRPr sz="1000"/>
+              <a:defRPr sz="900"/>
             </a:lvl4pPr>
             <a:lvl5pPr marL="1828800" indent="0">
               <a:buNone/>
-              <a:defRPr sz="1000"/>
+              <a:defRPr sz="900"/>
             </a:lvl5pPr>
             <a:lvl6pPr marL="2286000" indent="0">
               <a:buNone/>
-              <a:defRPr sz="1000"/>
+              <a:defRPr sz="900"/>
             </a:lvl6pPr>
             <a:lvl7pPr marL="2743200" indent="0">
               <a:buNone/>
-              <a:defRPr sz="1000"/>
+              <a:defRPr sz="900"/>
             </a:lvl7pPr>
             <a:lvl8pPr marL="3200400" indent="0">
               <a:buNone/>
-              <a:defRPr sz="1000"/>
+              <a:defRPr sz="900"/>
             </a:lvl8pPr>
             <a:lvl9pPr marL="3657600" indent="0">
               <a:buNone/>
-              <a:defRPr sz="1000"/>
+              <a:defRPr sz="900"/>
             </a:lvl9pPr>
           </a:lstStyle>
           <a:p>
@@ -3353,7 +3482,7 @@
           <a:p>
             <a:fld id="{2E9DB05E-0671-4B9C-8F82-30620B9FA112}" type="datetimeFigureOut">
               <a:rPr lang="en-US" smtClean="0"/>
-              <a:t>5/14/2016</a:t>
+              <a:t>5/22/2016</a:t>
             </a:fld>
             <a:endParaRPr lang="en-US"/>
           </a:p>
@@ -3404,7 +3533,7 @@
     </p:spTree>
     <p:extLst>
       <p:ext uri="{BB962C8B-B14F-4D97-AF65-F5344CB8AC3E}">
-        <p14:creationId xmlns:p14="http://schemas.microsoft.com/office/powerpoint/2010/main" val="2563424073"/>
+        <p14:creationId xmlns:p14="http://schemas.microsoft.com/office/powerpoint/2010/main" val="533807928"/>
       </p:ext>
     </p:extLst>
   </p:cSld>
@@ -3415,7 +3544,7 @@
 </file>
 
 <file path=ppt/slideMasters/slideMaster1.xml><?xml version="1.0" encoding="utf-8"?>
-<p:sldMaster xmlns:a="http://schemas.openxmlformats.org/drawingml/2006/main" xmlns:r="http://schemas.openxmlformats.org/officeDocument/2006/relationships" xmlns:p="http://schemas.openxmlformats.org/presentationml/2006/main">
+<p:sldMaster xmlns:a="http://schemas.openxmlformats.org/drawingml/2006/main" xmlns:r="http://schemas.openxmlformats.org/officeDocument/2006/relationships" xmlns:p="http://schemas.openxmlformats.org/presentationml/2006/main" preserve="1">
   <p:cSld>
     <p:bg>
       <p:bgRef idx="1001">
@@ -3448,8 +3577,8 @@
         </p:nvSpPr>
         <p:spPr>
           <a:xfrm>
-            <a:off x="838200" y="365125"/>
-            <a:ext cx="10515600" cy="1325563"/>
+            <a:off x="845127" y="365760"/>
+            <a:ext cx="10515600" cy="1325562"/>
           </a:xfrm>
           <a:prstGeom prst="rect">
             <a:avLst/>
@@ -3465,7 +3594,7 @@
               <a:rPr lang="en-US" smtClean="0"/>
               <a:t>Click to edit Master title style</a:t>
             </a:r>
-            <a:endParaRPr lang="en-US"/>
+            <a:endParaRPr lang="en-US" dirty="0"/>
           </a:p>
         </p:txBody>
       </p:sp>
@@ -3481,8 +3610,8 @@
         </p:nvSpPr>
         <p:spPr>
           <a:xfrm>
-            <a:off x="838200" y="1825625"/>
-            <a:ext cx="10515600" cy="4351338"/>
+            <a:off x="845127" y="1828800"/>
+            <a:ext cx="10515600" cy="4351337"/>
           </a:xfrm>
           <a:prstGeom prst="rect">
             <a:avLst/>
@@ -3527,7 +3656,7 @@
               <a:rPr lang="en-US" smtClean="0"/>
               <a:t>Fifth level</a:t>
             </a:r>
-            <a:endParaRPr lang="en-US"/>
+            <a:endParaRPr lang="en-US" dirty="0"/>
           </a:p>
         </p:txBody>
       </p:sp>
@@ -3554,10 +3683,11 @@
           <a:bodyPr vert="horz" lIns="91440" tIns="45720" rIns="91440" bIns="45720" rtlCol="0" anchor="ctr"/>
           <a:lstStyle>
             <a:lvl1pPr algn="l">
-              <a:defRPr sz="1200">
+              <a:defRPr sz="1100">
                 <a:solidFill>
                   <a:schemeClr val="tx1">
-                    <a:tint val="75000"/>
+                    <a:lumMod val="65000"/>
+                    <a:lumOff val="35000"/>
                   </a:schemeClr>
                 </a:solidFill>
               </a:defRPr>
@@ -3566,7 +3696,7 @@
           <a:p>
             <a:fld id="{2E9DB05E-0671-4B9C-8F82-30620B9FA112}" type="datetimeFigureOut">
               <a:rPr lang="en-US" smtClean="0"/>
-              <a:t>5/14/2016</a:t>
+              <a:t>5/22/2016</a:t>
             </a:fld>
             <a:endParaRPr lang="en-US"/>
           </a:p>
@@ -3595,7 +3725,45 @@
           <a:bodyPr vert="horz" lIns="91440" tIns="45720" rIns="91440" bIns="45720" rtlCol="0" anchor="ctr"/>
           <a:lstStyle>
             <a:lvl1pPr algn="ctr">
-              <a:defRPr sz="1200">
+              <a:defRPr sz="1100">
+                <a:solidFill>
+                  <a:schemeClr val="tx1">
+                    <a:lumMod val="65000"/>
+                    <a:lumOff val="35000"/>
+                  </a:schemeClr>
+                </a:solidFill>
+              </a:defRPr>
+            </a:lvl1pPr>
+          </a:lstStyle>
+          <a:p>
+            <a:endParaRPr lang="en-US"/>
+          </a:p>
+        </p:txBody>
+      </p:sp>
+      <p:sp>
+        <p:nvSpPr>
+          <p:cNvPr id="6" name="Slide Number Placeholder 5"/>
+          <p:cNvSpPr>
+            <a:spLocks noGrp="1"/>
+          </p:cNvSpPr>
+          <p:nvPr>
+            <p:ph type="sldNum" sz="quarter" idx="4"/>
+          </p:nvPr>
+        </p:nvSpPr>
+        <p:spPr>
+          <a:xfrm>
+            <a:off x="8617527" y="6356350"/>
+            <a:ext cx="2743200" cy="365125"/>
+          </a:xfrm>
+          <a:prstGeom prst="rect">
+            <a:avLst/>
+          </a:prstGeom>
+        </p:spPr>
+        <p:txBody>
+          <a:bodyPr vert="horz" lIns="91440" tIns="45720" rIns="91440" bIns="45720" rtlCol="0" anchor="ctr"/>
+          <a:lstStyle>
+            <a:lvl1pPr algn="r">
+              <a:defRPr sz="1100">
                 <a:solidFill>
                   <a:schemeClr val="tx1">
                     <a:tint val="75000"/>
@@ -3605,43 +3773,6 @@
             </a:lvl1pPr>
           </a:lstStyle>
           <a:p>
-            <a:endParaRPr lang="en-US"/>
-          </a:p>
-        </p:txBody>
-      </p:sp>
-      <p:sp>
-        <p:nvSpPr>
-          <p:cNvPr id="6" name="Slide Number Placeholder 5"/>
-          <p:cNvSpPr>
-            <a:spLocks noGrp="1"/>
-          </p:cNvSpPr>
-          <p:nvPr>
-            <p:ph type="sldNum" sz="quarter" idx="4"/>
-          </p:nvPr>
-        </p:nvSpPr>
-        <p:spPr>
-          <a:xfrm>
-            <a:off x="8610600" y="6356350"/>
-            <a:ext cx="2743200" cy="365125"/>
-          </a:xfrm>
-          <a:prstGeom prst="rect">
-            <a:avLst/>
-          </a:prstGeom>
-        </p:spPr>
-        <p:txBody>
-          <a:bodyPr vert="horz" lIns="91440" tIns="45720" rIns="91440" bIns="45720" rtlCol="0" anchor="ctr"/>
-          <a:lstStyle>
-            <a:lvl1pPr algn="r">
-              <a:defRPr sz="1200">
-                <a:solidFill>
-                  <a:schemeClr val="tx1">
-                    <a:tint val="75000"/>
-                  </a:schemeClr>
-                </a:solidFill>
-              </a:defRPr>
-            </a:lvl1pPr>
-          </a:lstStyle>
-          <a:p>
             <a:fld id="{81EC29CC-B1C4-40F1-821E-9DEB10357042}" type="slidenum">
               <a:rPr lang="en-US" smtClean="0"/>
               <a:t>‹#›</a:t>
@@ -3653,23 +3784,23 @@
     </p:spTree>
     <p:extLst>
       <p:ext uri="{BB962C8B-B14F-4D97-AF65-F5344CB8AC3E}">
-        <p14:creationId xmlns:p14="http://schemas.microsoft.com/office/powerpoint/2010/main" val="3623573138"/>
+        <p14:creationId xmlns:p14="http://schemas.microsoft.com/office/powerpoint/2010/main" val="326531294"/>
       </p:ext>
     </p:extLst>
   </p:cSld>
   <p:clrMap bg1="lt1" tx1="dk1" bg2="lt2" tx2="dk2" accent1="accent1" accent2="accent2" accent3="accent3" accent4="accent4" accent5="accent5" accent6="accent6" hlink="hlink" folHlink="folHlink"/>
   <p:sldLayoutIdLst>
-    <p:sldLayoutId id="2147483649" r:id="rId1"/>
-    <p:sldLayoutId id="2147483650" r:id="rId2"/>
-    <p:sldLayoutId id="2147483651" r:id="rId3"/>
-    <p:sldLayoutId id="2147483652" r:id="rId4"/>
-    <p:sldLayoutId id="2147483653" r:id="rId5"/>
-    <p:sldLayoutId id="2147483654" r:id="rId6"/>
-    <p:sldLayoutId id="2147483655" r:id="rId7"/>
-    <p:sldLayoutId id="2147483656" r:id="rId8"/>
-    <p:sldLayoutId id="2147483657" r:id="rId9"/>
-    <p:sldLayoutId id="2147483658" r:id="rId10"/>
-    <p:sldLayoutId id="2147483659" r:id="rId11"/>
+    <p:sldLayoutId id="2147483661" r:id="rId1"/>
+    <p:sldLayoutId id="2147483662" r:id="rId2"/>
+    <p:sldLayoutId id="2147483663" r:id="rId3"/>
+    <p:sldLayoutId id="2147483664" r:id="rId4"/>
+    <p:sldLayoutId id="2147483665" r:id="rId5"/>
+    <p:sldLayoutId id="2147483666" r:id="rId6"/>
+    <p:sldLayoutId id="2147483667" r:id="rId7"/>
+    <p:sldLayoutId id="2147483668" r:id="rId8"/>
+    <p:sldLayoutId id="2147483669" r:id="rId9"/>
+    <p:sldLayoutId id="2147483670" r:id="rId10"/>
+    <p:sldLayoutId id="2147483671" r:id="rId11"/>
   </p:sldLayoutIdLst>
   <p:txStyles>
     <p:titleStyle>
@@ -3699,8 +3830,8 @@
         <a:spcBef>
           <a:spcPts val="1000"/>
         </a:spcBef>
-        <a:buFont typeface="Arial" panose="020B0604020202020204" pitchFamily="34" charset="0"/>
-        <a:buChar char="•"/>
+        <a:buFont typeface="Wingdings 2" pitchFamily="18" charset="2"/>
+        <a:buChar char=""/>
         <a:defRPr sz="2800" kern="1200">
           <a:solidFill>
             <a:schemeClr val="tx1"/>
@@ -3717,8 +3848,8 @@
         <a:spcBef>
           <a:spcPts val="500"/>
         </a:spcBef>
-        <a:buFont typeface="Arial" panose="020B0604020202020204" pitchFamily="34" charset="0"/>
-        <a:buChar char="•"/>
+        <a:buFont typeface="Wingdings 2" pitchFamily="18" charset="2"/>
+        <a:buChar char=""/>
         <a:defRPr sz="2400" kern="1200">
           <a:solidFill>
             <a:schemeClr val="tx1"/>
@@ -3735,8 +3866,8 @@
         <a:spcBef>
           <a:spcPts val="500"/>
         </a:spcBef>
-        <a:buFont typeface="Arial" panose="020B0604020202020204" pitchFamily="34" charset="0"/>
-        <a:buChar char="•"/>
+        <a:buFont typeface="Wingdings 2" pitchFamily="18" charset="2"/>
+        <a:buChar char=""/>
         <a:defRPr sz="2000" kern="1200">
           <a:solidFill>
             <a:schemeClr val="tx1"/>
@@ -3753,8 +3884,8 @@
         <a:spcBef>
           <a:spcPts val="500"/>
         </a:spcBef>
-        <a:buFont typeface="Arial" panose="020B0604020202020204" pitchFamily="34" charset="0"/>
-        <a:buChar char="•"/>
+        <a:buFont typeface="Wingdings 2" pitchFamily="18" charset="2"/>
+        <a:buChar char=""/>
         <a:defRPr sz="1800" kern="1200">
           <a:solidFill>
             <a:schemeClr val="tx1"/>
@@ -3771,8 +3902,8 @@
         <a:spcBef>
           <a:spcPts val="500"/>
         </a:spcBef>
-        <a:buFont typeface="Arial" panose="020B0604020202020204" pitchFamily="34" charset="0"/>
-        <a:buChar char="•"/>
+        <a:buFont typeface="Wingdings 2" pitchFamily="18" charset="2"/>
+        <a:buChar char=""/>
         <a:defRPr sz="1800" kern="1200">
           <a:solidFill>
             <a:schemeClr val="tx1"/>
@@ -3783,14 +3914,11 @@
         </a:defRPr>
       </a:lvl5pPr>
       <a:lvl6pPr marL="2514600" indent="-228600" algn="l" defTabSz="914400" rtl="0" eaLnBrk="1" latinLnBrk="0" hangingPunct="1">
-        <a:lnSpc>
-          <a:spcPct val="90000"/>
-        </a:lnSpc>
         <a:spcBef>
-          <a:spcPts val="500"/>
+          <a:spcPct val="20000"/>
         </a:spcBef>
-        <a:buFont typeface="Arial" panose="020B0604020202020204" pitchFamily="34" charset="0"/>
-        <a:buChar char="•"/>
+        <a:buFont typeface="Wingdings 2" pitchFamily="18" charset="2"/>
+        <a:buChar char=""/>
         <a:defRPr sz="1800" kern="1200">
           <a:solidFill>
             <a:schemeClr val="tx1"/>
@@ -3801,14 +3929,11 @@
         </a:defRPr>
       </a:lvl6pPr>
       <a:lvl7pPr marL="2971800" indent="-228600" algn="l" defTabSz="914400" rtl="0" eaLnBrk="1" latinLnBrk="0" hangingPunct="1">
-        <a:lnSpc>
-          <a:spcPct val="90000"/>
-        </a:lnSpc>
         <a:spcBef>
-          <a:spcPts val="500"/>
+          <a:spcPct val="20000"/>
         </a:spcBef>
-        <a:buFont typeface="Arial" panose="020B0604020202020204" pitchFamily="34" charset="0"/>
-        <a:buChar char="•"/>
+        <a:buFont typeface="Wingdings 2" pitchFamily="18" charset="2"/>
+        <a:buChar char=""/>
         <a:defRPr sz="1800" kern="1200">
           <a:solidFill>
             <a:schemeClr val="tx1"/>
@@ -3819,14 +3944,11 @@
         </a:defRPr>
       </a:lvl7pPr>
       <a:lvl8pPr marL="3429000" indent="-228600" algn="l" defTabSz="914400" rtl="0" eaLnBrk="1" latinLnBrk="0" hangingPunct="1">
-        <a:lnSpc>
-          <a:spcPct val="90000"/>
-        </a:lnSpc>
         <a:spcBef>
-          <a:spcPts val="500"/>
+          <a:spcPct val="20000"/>
         </a:spcBef>
-        <a:buFont typeface="Arial" panose="020B0604020202020204" pitchFamily="34" charset="0"/>
-        <a:buChar char="•"/>
+        <a:buFont typeface="Wingdings 2" pitchFamily="18" charset="2"/>
+        <a:buChar char=""/>
         <a:defRPr sz="1800" kern="1200">
           <a:solidFill>
             <a:schemeClr val="tx1"/>
@@ -3837,14 +3959,11 @@
         </a:defRPr>
       </a:lvl8pPr>
       <a:lvl9pPr marL="3886200" indent="-228600" algn="l" defTabSz="914400" rtl="0" eaLnBrk="1" latinLnBrk="0" hangingPunct="1">
-        <a:lnSpc>
-          <a:spcPct val="90000"/>
-        </a:lnSpc>
         <a:spcBef>
-          <a:spcPts val="500"/>
+          <a:spcPct val="20000"/>
         </a:spcBef>
-        <a:buFont typeface="Arial" panose="020B0604020202020204" pitchFamily="34" charset="0"/>
-        <a:buChar char="•"/>
+        <a:buFont typeface="Wingdings 2" pitchFamily="18" charset="2"/>
+        <a:buChar char=""/>
         <a:defRPr sz="1800" kern="1200">
           <a:solidFill>
             <a:schemeClr val="tx1"/>
@@ -3983,10 +4102,16 @@
         </p:nvSpPr>
         <p:spPr/>
         <p:txBody>
-          <a:bodyPr/>
+          <a:bodyPr>
+            <a:normAutofit fontScale="90000"/>
+          </a:bodyPr>
           <a:lstStyle/>
           <a:p>
-            <a:endParaRPr lang="en-US"/>
+            <a:r>
+              <a:rPr lang="en-US" dirty="0" smtClean="0"/>
+              <a:t>REPL Driven Development, Scrum, and the Wright Brothers</a:t>
+            </a:r>
+            <a:endParaRPr lang="en-US" dirty="0"/>
           </a:p>
         </p:txBody>
       </p:sp>
@@ -4005,7 +4130,29 @@
           <a:bodyPr/>
           <a:lstStyle/>
           <a:p>
-            <a:endParaRPr lang="en-US"/>
+            <a:r>
+              <a:rPr lang="en-US" dirty="0" smtClean="0"/>
+              <a:t>Jamie Dixon</a:t>
+            </a:r>
+          </a:p>
+          <a:p>
+            <a:r>
+              <a:rPr lang="en-US" dirty="0" smtClean="0"/>
+              <a:t>NDC Oslo: 19 </a:t>
+            </a:r>
+            <a:r>
+              <a:rPr lang="en-US" dirty="0" err="1" smtClean="0"/>
+              <a:t>j</a:t>
+            </a:r>
+            <a:r>
+              <a:rPr lang="en-US" dirty="0" err="1" smtClean="0"/>
+              <a:t>uni</a:t>
+            </a:r>
+            <a:r>
+              <a:rPr lang="en-US" dirty="0" smtClean="0"/>
+              <a:t> 2016</a:t>
+            </a:r>
+            <a:endParaRPr lang="en-US" dirty="0"/>
           </a:p>
         </p:txBody>
       </p:sp>
@@ -4413,148 +4560,6 @@
           <a:chExt cx="0" cy="0"/>
         </a:xfrm>
       </p:grpSpPr>
-      <p:sp>
-        <p:nvSpPr>
-          <p:cNvPr id="2" name="Title 1"/>
-          <p:cNvSpPr>
-            <a:spLocks noGrp="1"/>
-          </p:cNvSpPr>
-          <p:nvPr>
-            <p:ph type="title"/>
-          </p:nvPr>
-        </p:nvSpPr>
-        <p:spPr/>
-        <p:txBody>
-          <a:bodyPr/>
-          <a:lstStyle/>
-          <a:p>
-            <a:r>
-              <a:rPr lang="en-US" dirty="0" smtClean="0"/>
-              <a:t>Take Breaks</a:t>
-            </a:r>
-            <a:endParaRPr lang="en-US" dirty="0"/>
-          </a:p>
-        </p:txBody>
-      </p:sp>
-      <p:pic>
-        <p:nvPicPr>
-          <p:cNvPr id="4" name="Picture 3"/>
-          <p:cNvPicPr>
-            <a:picLocks noChangeAspect="1"/>
-          </p:cNvPicPr>
-          <p:nvPr/>
-        </p:nvPicPr>
-        <p:blipFill>
-          <a:blip r:embed="rId2">
-            <a:extLst>
-              <a:ext uri="{28A0092B-C50C-407E-A947-70E740481C1C}">
-                <a14:useLocalDpi xmlns:a14="http://schemas.microsoft.com/office/drawing/2010/main" val="0"/>
-              </a:ext>
-            </a:extLst>
-          </a:blip>
-          <a:stretch>
-            <a:fillRect/>
-          </a:stretch>
-        </p:blipFill>
-        <p:spPr>
-          <a:xfrm>
-            <a:off x="1308162" y="2015898"/>
-            <a:ext cx="3005302" cy="2033588"/>
-          </a:xfrm>
-          <a:prstGeom prst="rect">
-            <a:avLst/>
-          </a:prstGeom>
-        </p:spPr>
-      </p:pic>
-      <p:pic>
-        <p:nvPicPr>
-          <p:cNvPr id="5" name="Content Placeholder 4"/>
-          <p:cNvPicPr>
-            <a:picLocks noGrp="1" noChangeAspect="1"/>
-          </p:cNvPicPr>
-          <p:nvPr>
-            <p:ph idx="1"/>
-          </p:nvPr>
-        </p:nvPicPr>
-        <p:blipFill>
-          <a:blip r:embed="rId3">
-            <a:extLst>
-              <a:ext uri="{28A0092B-C50C-407E-A947-70E740481C1C}">
-                <a14:useLocalDpi xmlns:a14="http://schemas.microsoft.com/office/drawing/2010/main" val="0"/>
-              </a:ext>
-            </a:extLst>
-          </a:blip>
-          <a:stretch>
-            <a:fillRect/>
-          </a:stretch>
-        </p:blipFill>
-        <p:spPr>
-          <a:xfrm>
-            <a:off x="3611335" y="3521908"/>
-            <a:ext cx="1404257" cy="1705575"/>
-          </a:xfrm>
-        </p:spPr>
-      </p:pic>
-      <p:pic>
-        <p:nvPicPr>
-          <p:cNvPr id="6" name="Picture 5"/>
-          <p:cNvPicPr>
-            <a:picLocks noChangeAspect="1"/>
-          </p:cNvPicPr>
-          <p:nvPr/>
-        </p:nvPicPr>
-        <p:blipFill>
-          <a:blip r:embed="rId4">
-            <a:extLst>
-              <a:ext uri="{28A0092B-C50C-407E-A947-70E740481C1C}">
-                <a14:useLocalDpi xmlns:a14="http://schemas.microsoft.com/office/drawing/2010/main" val="0"/>
-              </a:ext>
-            </a:extLst>
-          </a:blip>
-          <a:stretch>
-            <a:fillRect/>
-          </a:stretch>
-        </p:blipFill>
-        <p:spPr>
-          <a:xfrm>
-            <a:off x="7797968" y="2015898"/>
-            <a:ext cx="2082179" cy="3154816"/>
-          </a:xfrm>
-          <a:prstGeom prst="rect">
-            <a:avLst/>
-          </a:prstGeom>
-        </p:spPr>
-      </p:pic>
-    </p:spTree>
-    <p:extLst>
-      <p:ext uri="{BB962C8B-B14F-4D97-AF65-F5344CB8AC3E}">
-        <p14:creationId xmlns:p14="http://schemas.microsoft.com/office/powerpoint/2010/main" val="3713655992"/>
-      </p:ext>
-    </p:extLst>
-  </p:cSld>
-  <p:clrMapOvr>
-    <a:masterClrMapping/>
-  </p:clrMapOvr>
-</p:sld>
-</file>
-
-<file path=ppt/slides/slide13.xml><?xml version="1.0" encoding="utf-8"?>
-<p:sld xmlns:a="http://schemas.openxmlformats.org/drawingml/2006/main" xmlns:r="http://schemas.openxmlformats.org/officeDocument/2006/relationships" xmlns:p="http://schemas.openxmlformats.org/presentationml/2006/main">
-  <p:cSld>
-    <p:spTree>
-      <p:nvGrpSpPr>
-        <p:cNvPr id="1" name=""/>
-        <p:cNvGrpSpPr/>
-        <p:nvPr/>
-      </p:nvGrpSpPr>
-      <p:grpSpPr>
-        <a:xfrm>
-          <a:off x="0" y="0"/>
-          <a:ext cx="0" cy="0"/>
-          <a:chOff x="0" y="0"/>
-          <a:chExt cx="0" cy="0"/>
-        </a:xfrm>
-      </p:grpSpPr>
       <p:pic>
         <p:nvPicPr>
           <p:cNvPr id="4" name="Picture 3"/>
@@ -4628,7 +4633,7 @@
 </p:sld>
 </file>
 
-<file path=ppt/slides/slide14.xml><?xml version="1.0" encoding="utf-8"?>
+<file path=ppt/slides/slide13.xml><?xml version="1.0" encoding="utf-8"?>
 <p:sld xmlns:a="http://schemas.openxmlformats.org/drawingml/2006/main" xmlns:r="http://schemas.openxmlformats.org/officeDocument/2006/relationships" xmlns:p="http://schemas.openxmlformats.org/presentationml/2006/main">
   <p:cSld>
     <p:spTree>
@@ -4664,6 +4669,66 @@
               <a:rPr lang="en-US" dirty="0" smtClean="0"/>
               <a:t>What Does This Have to Do With Writing Software?</a:t>
             </a:r>
+            <a:endParaRPr lang="en-US" dirty="0"/>
+          </a:p>
+        </p:txBody>
+      </p:sp>
+      <p:sp>
+        <p:nvSpPr>
+          <p:cNvPr id="5" name="Content Placeholder 2"/>
+          <p:cNvSpPr>
+            <a:spLocks noGrp="1"/>
+          </p:cNvSpPr>
+          <p:nvPr>
+            <p:ph idx="1"/>
+          </p:nvPr>
+        </p:nvSpPr>
+        <p:spPr>
+          <a:xfrm>
+            <a:off x="4637314" y="1825624"/>
+            <a:ext cx="3069772" cy="2936519"/>
+          </a:xfrm>
+        </p:spPr>
+        <p:txBody>
+          <a:bodyPr>
+            <a:normAutofit/>
+          </a:bodyPr>
+          <a:lstStyle/>
+          <a:p>
+            <a:r>
+              <a:rPr lang="en-US" dirty="0" smtClean="0"/>
+              <a:t>One thing </a:t>
+            </a:r>
+            <a:r>
+              <a:rPr lang="en-US" dirty="0"/>
+              <a:t>a</a:t>
+            </a:r>
+            <a:r>
+              <a:rPr lang="en-US" dirty="0" smtClean="0"/>
+              <a:t>t </a:t>
+            </a:r>
+            <a:r>
+              <a:rPr lang="en-US" dirty="0"/>
+              <a:t>a</a:t>
+            </a:r>
+            <a:r>
+              <a:rPr lang="en-US" dirty="0" smtClean="0"/>
+              <a:t> time?</a:t>
+            </a:r>
+          </a:p>
+          <a:p>
+            <a:r>
+              <a:rPr lang="en-US" dirty="0" smtClean="0"/>
+              <a:t>Safely make small changes?</a:t>
+            </a:r>
+          </a:p>
+          <a:p>
+            <a:endParaRPr lang="en-US" dirty="0" smtClean="0"/>
+          </a:p>
+          <a:p>
+            <a:endParaRPr lang="en-US" dirty="0" smtClean="0"/>
+          </a:p>
+          <a:p>
             <a:endParaRPr lang="en-US" dirty="0"/>
           </a:p>
         </p:txBody>
@@ -4698,59 +4763,6 @@
           </a:prstGeom>
         </p:spPr>
       </p:pic>
-      <p:sp>
-        <p:nvSpPr>
-          <p:cNvPr id="5" name="Content Placeholder 2"/>
-          <p:cNvSpPr>
-            <a:spLocks noGrp="1"/>
-          </p:cNvSpPr>
-          <p:nvPr>
-            <p:ph idx="1"/>
-          </p:nvPr>
-        </p:nvSpPr>
-        <p:spPr>
-          <a:xfrm>
-            <a:off x="4914900" y="1825625"/>
-            <a:ext cx="2792186" cy="1965197"/>
-          </a:xfrm>
-        </p:spPr>
-        <p:txBody>
-          <a:bodyPr>
-            <a:normAutofit fontScale="92500" lnSpcReduction="20000"/>
-          </a:bodyPr>
-          <a:lstStyle/>
-          <a:p>
-            <a:r>
-              <a:rPr lang="en-US" dirty="0" smtClean="0"/>
-              <a:t>Stack?</a:t>
-            </a:r>
-          </a:p>
-          <a:p>
-            <a:r>
-              <a:rPr lang="en-US" dirty="0" smtClean="0"/>
-              <a:t>Language?</a:t>
-            </a:r>
-          </a:p>
-          <a:p>
-            <a:r>
-              <a:rPr lang="en-US" dirty="0" smtClean="0"/>
-              <a:t>Tools?</a:t>
-            </a:r>
-          </a:p>
-          <a:p>
-            <a:r>
-              <a:rPr lang="en-US" dirty="0" smtClean="0"/>
-              <a:t>Ensure Correctness?</a:t>
-            </a:r>
-          </a:p>
-          <a:p>
-            <a:endParaRPr lang="en-US" dirty="0" smtClean="0"/>
-          </a:p>
-          <a:p>
-            <a:endParaRPr lang="en-US" dirty="0"/>
-          </a:p>
-        </p:txBody>
-      </p:sp>
       <p:pic>
         <p:nvPicPr>
           <p:cNvPr id="6" name="Picture 5"/>
@@ -4781,131 +4793,18 @@
           </a:prstGeom>
         </p:spPr>
       </p:pic>
-    </p:spTree>
-    <p:extLst>
-      <p:ext uri="{BB962C8B-B14F-4D97-AF65-F5344CB8AC3E}">
-        <p14:creationId xmlns:p14="http://schemas.microsoft.com/office/powerpoint/2010/main" val="1358624829"/>
-      </p:ext>
-    </p:extLst>
-  </p:cSld>
-  <p:clrMapOvr>
-    <a:masterClrMapping/>
-  </p:clrMapOvr>
-</p:sld>
-</file>
-
-<file path=ppt/slides/slide15.xml><?xml version="1.0" encoding="utf-8"?>
-<p:sld xmlns:a="http://schemas.openxmlformats.org/drawingml/2006/main" xmlns:r="http://schemas.openxmlformats.org/officeDocument/2006/relationships" xmlns:p="http://schemas.openxmlformats.org/presentationml/2006/main">
-  <p:cSld>
-    <p:spTree>
-      <p:nvGrpSpPr>
-        <p:cNvPr id="1" name=""/>
-        <p:cNvGrpSpPr/>
-        <p:nvPr/>
-      </p:nvGrpSpPr>
-      <p:grpSpPr>
-        <a:xfrm>
-          <a:off x="0" y="0"/>
-          <a:ext cx="0" cy="0"/>
-          <a:chOff x="0" y="0"/>
-          <a:chExt cx="0" cy="0"/>
-        </a:xfrm>
-      </p:grpSpPr>
-      <p:sp>
-        <p:nvSpPr>
-          <p:cNvPr id="2" name="Title 1"/>
-          <p:cNvSpPr>
-            <a:spLocks noGrp="1"/>
-          </p:cNvSpPr>
-          <p:nvPr>
-            <p:ph type="title"/>
-          </p:nvPr>
-        </p:nvSpPr>
-        <p:spPr/>
-        <p:txBody>
-          <a:bodyPr/>
-          <a:lstStyle/>
-          <a:p>
-            <a:r>
-              <a:rPr lang="en-US" dirty="0" smtClean="0"/>
-              <a:t>Fail Fast and Early</a:t>
-            </a:r>
-            <a:endParaRPr lang="en-US" dirty="0"/>
-          </a:p>
-        </p:txBody>
-      </p:sp>
-      <p:sp>
-        <p:nvSpPr>
-          <p:cNvPr id="3" name="Content Placeholder 2"/>
-          <p:cNvSpPr>
-            <a:spLocks noGrp="1"/>
-          </p:cNvSpPr>
-          <p:nvPr>
-            <p:ph idx="1"/>
-          </p:nvPr>
+      <p:sp>
+        <p:nvSpPr>
+          <p:cNvPr id="7" name="Content Placeholder 5"/>
+          <p:cNvSpPr txBox="1">
+            <a:spLocks/>
+          </p:cNvSpPr>
+          <p:nvPr/>
         </p:nvSpPr>
         <p:spPr>
           <a:xfrm>
-            <a:off x="838200" y="1825625"/>
-            <a:ext cx="4430486" cy="4351338"/>
-          </a:xfrm>
-        </p:spPr>
-        <p:txBody>
-          <a:bodyPr/>
-          <a:lstStyle/>
-          <a:p>
-            <a:r>
-              <a:rPr lang="en-US" dirty="0" smtClean="0"/>
-              <a:t>Extract an interface</a:t>
-            </a:r>
-          </a:p>
-          <a:p>
-            <a:r>
-              <a:rPr lang="en-US" dirty="0" smtClean="0"/>
-              <a:t>Create unit test class</a:t>
-            </a:r>
-          </a:p>
-          <a:p>
-            <a:r>
-              <a:rPr lang="en-US" dirty="0" smtClean="0"/>
-              <a:t>Create method</a:t>
-            </a:r>
-          </a:p>
-          <a:p>
-            <a:r>
-              <a:rPr lang="en-US" dirty="0" smtClean="0"/>
-              <a:t>Write method</a:t>
-            </a:r>
-          </a:p>
-          <a:p>
-            <a:r>
-              <a:rPr lang="en-US" dirty="0" smtClean="0"/>
-              <a:t>Create working code class</a:t>
-            </a:r>
-          </a:p>
-          <a:p>
-            <a:r>
-              <a:rPr lang="en-US" dirty="0" smtClean="0"/>
-              <a:t>Implement method</a:t>
-            </a:r>
-          </a:p>
-          <a:p>
-            <a:endParaRPr lang="en-US" dirty="0"/>
-          </a:p>
-        </p:txBody>
-      </p:sp>
-      <p:sp>
-        <p:nvSpPr>
-          <p:cNvPr id="4" name="Content Placeholder 2"/>
-          <p:cNvSpPr txBox="1">
-            <a:spLocks/>
-          </p:cNvSpPr>
-          <p:nvPr/>
-        </p:nvSpPr>
-        <p:spPr>
-          <a:xfrm>
-            <a:off x="6183086" y="1825625"/>
-            <a:ext cx="4430486" cy="4351338"/>
+            <a:off x="838200" y="5989320"/>
+            <a:ext cx="10515600" cy="503872"/>
           </a:xfrm>
           <a:prstGeom prst="rect">
             <a:avLst/>
@@ -5082,18 +4981,347 @@
           <a:p>
             <a:r>
               <a:rPr lang="en-US" dirty="0" smtClean="0"/>
-              <a:t>Write a function</a:t>
-            </a:r>
-          </a:p>
-          <a:p>
+              <a:t>Example…</a:t>
+            </a:r>
             <a:endParaRPr lang="en-US" dirty="0"/>
           </a:p>
         </p:txBody>
       </p:sp>
+    </p:spTree>
+    <p:extLst>
+      <p:ext uri="{BB962C8B-B14F-4D97-AF65-F5344CB8AC3E}">
+        <p14:creationId xmlns:p14="http://schemas.microsoft.com/office/powerpoint/2010/main" val="1358624829"/>
+      </p:ext>
+    </p:extLst>
+  </p:cSld>
+  <p:clrMapOvr>
+    <a:masterClrMapping/>
+  </p:clrMapOvr>
+</p:sld>
+</file>
+
+<file path=ppt/slides/slide14.xml><?xml version="1.0" encoding="utf-8"?>
+<p:sld xmlns:a="http://schemas.openxmlformats.org/drawingml/2006/main" xmlns:r="http://schemas.openxmlformats.org/officeDocument/2006/relationships" xmlns:p="http://schemas.openxmlformats.org/presentationml/2006/main">
+  <p:cSld>
+    <p:spTree>
+      <p:nvGrpSpPr>
+        <p:cNvPr id="1" name=""/>
+        <p:cNvGrpSpPr/>
+        <p:nvPr/>
+      </p:nvGrpSpPr>
+      <p:grpSpPr>
+        <a:xfrm>
+          <a:off x="0" y="0"/>
+          <a:ext cx="0" cy="0"/>
+          <a:chOff x="0" y="0"/>
+          <a:chExt cx="0" cy="0"/>
+        </a:xfrm>
+      </p:grpSpPr>
+      <p:sp>
+        <p:nvSpPr>
+          <p:cNvPr id="2" name="Title 1"/>
+          <p:cNvSpPr>
+            <a:spLocks noGrp="1"/>
+          </p:cNvSpPr>
+          <p:nvPr>
+            <p:ph type="title"/>
+          </p:nvPr>
+        </p:nvSpPr>
+        <p:spPr>
+          <a:xfrm>
+            <a:off x="925286" y="169861"/>
+            <a:ext cx="10515600" cy="1325563"/>
+          </a:xfrm>
+        </p:spPr>
+        <p:txBody>
+          <a:bodyPr/>
+          <a:lstStyle/>
+          <a:p>
+            <a:r>
+              <a:rPr lang="en-US" dirty="0" smtClean="0"/>
+              <a:t>Fail Fast and Early</a:t>
+            </a:r>
+            <a:endParaRPr lang="en-US" dirty="0"/>
+          </a:p>
+        </p:txBody>
+      </p:sp>
+      <p:sp>
+        <p:nvSpPr>
+          <p:cNvPr id="3" name="Content Placeholder 2"/>
+          <p:cNvSpPr>
+            <a:spLocks noGrp="1"/>
+          </p:cNvSpPr>
+          <p:nvPr>
+            <p:ph idx="1"/>
+          </p:nvPr>
+        </p:nvSpPr>
+        <p:spPr>
+          <a:xfrm>
+            <a:off x="838200" y="1719943"/>
+            <a:ext cx="4702630" cy="4457020"/>
+          </a:xfrm>
+        </p:spPr>
+        <p:txBody>
+          <a:bodyPr/>
+          <a:lstStyle/>
+          <a:p>
+            <a:r>
+              <a:rPr lang="en-US" dirty="0" smtClean="0"/>
+              <a:t>Extract an interface</a:t>
+            </a:r>
+          </a:p>
+          <a:p>
+            <a:r>
+              <a:rPr lang="en-US" dirty="0" smtClean="0"/>
+              <a:t>Create unit test class</a:t>
+            </a:r>
+          </a:p>
+          <a:p>
+            <a:r>
+              <a:rPr lang="en-US" dirty="0" smtClean="0"/>
+              <a:t>Create test method</a:t>
+            </a:r>
+          </a:p>
+          <a:p>
+            <a:r>
+              <a:rPr lang="en-US" dirty="0"/>
+              <a:t>Create </a:t>
+            </a:r>
+            <a:r>
+              <a:rPr lang="en-US" dirty="0" smtClean="0"/>
+              <a:t>SUT </a:t>
+            </a:r>
+            <a:r>
+              <a:rPr lang="en-US" dirty="0"/>
+              <a:t>class</a:t>
+            </a:r>
+          </a:p>
+          <a:p>
+            <a:r>
+              <a:rPr lang="en-US" dirty="0" smtClean="0"/>
+              <a:t>Implement method</a:t>
+            </a:r>
+          </a:p>
+          <a:p>
+            <a:r>
+              <a:rPr lang="en-US" dirty="0" smtClean="0"/>
+              <a:t>Wash… Rinse… Repeat…</a:t>
+            </a:r>
+            <a:endParaRPr lang="en-US" dirty="0"/>
+          </a:p>
+        </p:txBody>
+      </p:sp>
+      <p:pic>
+        <p:nvPicPr>
+          <p:cNvPr id="7" name="Picture 6"/>
+          <p:cNvPicPr>
+            <a:picLocks noChangeAspect="1"/>
+          </p:cNvPicPr>
+          <p:nvPr/>
+        </p:nvPicPr>
+        <p:blipFill>
+          <a:blip r:embed="rId2">
+            <a:extLst>
+              <a:ext uri="{28A0092B-C50C-407E-A947-70E740481C1C}">
+                <a14:useLocalDpi xmlns:a14="http://schemas.microsoft.com/office/drawing/2010/main" val="0"/>
+              </a:ext>
+            </a:extLst>
+          </a:blip>
+          <a:stretch>
+            <a:fillRect/>
+          </a:stretch>
+        </p:blipFill>
+        <p:spPr>
+          <a:xfrm>
+            <a:off x="6104164" y="1306965"/>
+            <a:ext cx="2857500" cy="1914525"/>
+          </a:xfrm>
+          <a:prstGeom prst="rect">
+            <a:avLst/>
+          </a:prstGeom>
+        </p:spPr>
+      </p:pic>
+      <p:pic>
+        <p:nvPicPr>
+          <p:cNvPr id="8" name="Picture 7"/>
+          <p:cNvPicPr>
+            <a:picLocks noChangeAspect="1"/>
+          </p:cNvPicPr>
+          <p:nvPr/>
+        </p:nvPicPr>
+        <p:blipFill>
+          <a:blip r:embed="rId3">
+            <a:extLst>
+              <a:ext uri="{28A0092B-C50C-407E-A947-70E740481C1C}">
+                <a14:useLocalDpi xmlns:a14="http://schemas.microsoft.com/office/drawing/2010/main" val="0"/>
+              </a:ext>
+            </a:extLst>
+          </a:blip>
+          <a:stretch>
+            <a:fillRect/>
+          </a:stretch>
+        </p:blipFill>
+        <p:spPr>
+          <a:xfrm>
+            <a:off x="9320893" y="2997313"/>
+            <a:ext cx="2446564" cy="1834923"/>
+          </a:xfrm>
+          <a:prstGeom prst="rect">
+            <a:avLst/>
+          </a:prstGeom>
+        </p:spPr>
+      </p:pic>
+      <p:pic>
+        <p:nvPicPr>
+          <p:cNvPr id="9" name="Picture 8"/>
+          <p:cNvPicPr>
+            <a:picLocks noChangeAspect="1"/>
+          </p:cNvPicPr>
+          <p:nvPr/>
+        </p:nvPicPr>
+        <p:blipFill>
+          <a:blip r:embed="rId4">
+            <a:extLst>
+              <a:ext uri="{28A0092B-C50C-407E-A947-70E740481C1C}">
+                <a14:useLocalDpi xmlns:a14="http://schemas.microsoft.com/office/drawing/2010/main" val="0"/>
+              </a:ext>
+            </a:extLst>
+          </a:blip>
+          <a:stretch>
+            <a:fillRect/>
+          </a:stretch>
+        </p:blipFill>
+        <p:spPr>
+          <a:xfrm>
+            <a:off x="6803571" y="3755571"/>
+            <a:ext cx="1678013" cy="2153330"/>
+          </a:xfrm>
+          <a:prstGeom prst="rect">
+            <a:avLst/>
+          </a:prstGeom>
+        </p:spPr>
+      </p:pic>
     </p:spTree>
     <p:extLst>
       <p:ext uri="{BB962C8B-B14F-4D97-AF65-F5344CB8AC3E}">
         <p14:creationId xmlns:p14="http://schemas.microsoft.com/office/powerpoint/2010/main" val="2119202571"/>
+      </p:ext>
+    </p:extLst>
+  </p:cSld>
+  <p:clrMapOvr>
+    <a:masterClrMapping/>
+  </p:clrMapOvr>
+</p:sld>
+</file>
+
+<file path=ppt/slides/slide15.xml><?xml version="1.0" encoding="utf-8"?>
+<p:sld xmlns:a="http://schemas.openxmlformats.org/drawingml/2006/main" xmlns:r="http://schemas.openxmlformats.org/officeDocument/2006/relationships" xmlns:p="http://schemas.openxmlformats.org/presentationml/2006/main">
+  <p:cSld>
+    <p:spTree>
+      <p:nvGrpSpPr>
+        <p:cNvPr id="1" name=""/>
+        <p:cNvGrpSpPr/>
+        <p:nvPr/>
+      </p:nvGrpSpPr>
+      <p:grpSpPr>
+        <a:xfrm>
+          <a:off x="0" y="0"/>
+          <a:ext cx="0" cy="0"/>
+          <a:chOff x="0" y="0"/>
+          <a:chExt cx="0" cy="0"/>
+        </a:xfrm>
+      </p:grpSpPr>
+      <p:sp>
+        <p:nvSpPr>
+          <p:cNvPr id="2" name="Title 1"/>
+          <p:cNvSpPr>
+            <a:spLocks noGrp="1"/>
+          </p:cNvSpPr>
+          <p:nvPr>
+            <p:ph type="title"/>
+          </p:nvPr>
+        </p:nvSpPr>
+        <p:spPr/>
+        <p:txBody>
+          <a:bodyPr/>
+          <a:lstStyle/>
+          <a:p>
+            <a:r>
+              <a:rPr lang="en-US" dirty="0"/>
+              <a:t>Stop Context </a:t>
+            </a:r>
+            <a:r>
+              <a:rPr lang="en-US" dirty="0" smtClean="0"/>
+              <a:t>Switching</a:t>
+            </a:r>
+            <a:endParaRPr lang="en-US" dirty="0"/>
+          </a:p>
+        </p:txBody>
+      </p:sp>
+      <p:sp>
+        <p:nvSpPr>
+          <p:cNvPr id="3" name="Content Placeholder 2"/>
+          <p:cNvSpPr>
+            <a:spLocks noGrp="1"/>
+          </p:cNvSpPr>
+          <p:nvPr>
+            <p:ph idx="1"/>
+          </p:nvPr>
+        </p:nvSpPr>
+        <p:spPr>
+          <a:xfrm>
+            <a:off x="914400" y="1852747"/>
+            <a:ext cx="4488180" cy="3616643"/>
+          </a:xfrm>
+        </p:spPr>
+        <p:txBody>
+          <a:bodyPr/>
+          <a:lstStyle/>
+          <a:p>
+            <a:r>
+              <a:rPr lang="en-US" dirty="0"/>
+              <a:t>Switch between UT and SUT</a:t>
+            </a:r>
+          </a:p>
+          <a:p>
+            <a:endParaRPr lang="en-US" dirty="0"/>
+          </a:p>
+        </p:txBody>
+      </p:sp>
+      <p:pic>
+        <p:nvPicPr>
+          <p:cNvPr id="5" name="Picture 4"/>
+          <p:cNvPicPr>
+            <a:picLocks noChangeAspect="1"/>
+          </p:cNvPicPr>
+          <p:nvPr/>
+        </p:nvPicPr>
+        <p:blipFill>
+          <a:blip r:embed="rId2">
+            <a:extLst>
+              <a:ext uri="{28A0092B-C50C-407E-A947-70E740481C1C}">
+                <a14:useLocalDpi xmlns:a14="http://schemas.microsoft.com/office/drawing/2010/main" val="0"/>
+              </a:ext>
+            </a:extLst>
+          </a:blip>
+          <a:stretch>
+            <a:fillRect/>
+          </a:stretch>
+        </p:blipFill>
+        <p:spPr>
+          <a:xfrm>
+            <a:off x="7149193" y="2618080"/>
+            <a:ext cx="2857500" cy="2085975"/>
+          </a:xfrm>
+          <a:prstGeom prst="rect">
+            <a:avLst/>
+          </a:prstGeom>
+        </p:spPr>
+      </p:pic>
+    </p:spTree>
+    <p:extLst>
+      <p:ext uri="{BB962C8B-B14F-4D97-AF65-F5344CB8AC3E}">
+        <p14:creationId xmlns:p14="http://schemas.microsoft.com/office/powerpoint/2010/main" val="280862405"/>
       </p:ext>
     </p:extLst>
   </p:cSld>
@@ -5137,7 +5365,7 @@
           <a:p>
             <a:r>
               <a:rPr lang="en-US" dirty="0" smtClean="0"/>
-              <a:t>Stop Context Switching/Remove the Noise</a:t>
+              <a:t>Working Too Hard Makes More Work</a:t>
             </a:r>
             <a:endParaRPr lang="en-US" dirty="0"/>
           </a:p>
@@ -5153,52 +5381,96 @@
             <p:ph idx="1"/>
           </p:nvPr>
         </p:nvSpPr>
-        <p:spPr/>
-        <p:txBody>
-          <a:bodyPr/>
-          <a:lstStyle/>
-          <a:p>
-            <a:endParaRPr lang="en-US" dirty="0" smtClean="0"/>
-          </a:p>
-          <a:p>
-            <a:endParaRPr lang="en-US" dirty="0"/>
-          </a:p>
-          <a:p>
-            <a:endParaRPr lang="en-US" dirty="0" smtClean="0"/>
-          </a:p>
-          <a:p>
-            <a:endParaRPr lang="en-US" dirty="0"/>
-          </a:p>
-          <a:p>
-            <a:endParaRPr lang="en-US" dirty="0" smtClean="0"/>
-          </a:p>
-          <a:p>
-            <a:endParaRPr lang="en-US" dirty="0"/>
-          </a:p>
-          <a:p>
-            <a:endParaRPr lang="en-US" dirty="0" smtClean="0"/>
-          </a:p>
-          <a:p>
-            <a:r>
-              <a:rPr lang="en-US" dirty="0" smtClean="0"/>
-              <a:t>See The Burning Monks series</a:t>
-            </a:r>
-            <a:endParaRPr lang="en-US" dirty="0"/>
-          </a:p>
-        </p:txBody>
-      </p:sp>
-      <p:sp>
-        <p:nvSpPr>
-          <p:cNvPr id="4" name="Content Placeholder 2"/>
-          <p:cNvSpPr txBox="1">
-            <a:spLocks/>
-          </p:cNvSpPr>
-          <p:nvPr/>
-        </p:nvSpPr>
         <p:spPr>
           <a:xfrm>
             <a:off x="838200" y="1825625"/>
-            <a:ext cx="4430486" cy="3203575"/>
+            <a:ext cx="5214257" cy="4163695"/>
+          </a:xfrm>
+        </p:spPr>
+        <p:txBody>
+          <a:bodyPr/>
+          <a:lstStyle/>
+          <a:p>
+            <a:r>
+              <a:rPr lang="en-US" dirty="0" smtClean="0"/>
+              <a:t>What % Code Coverage is right?</a:t>
+            </a:r>
+          </a:p>
+          <a:p>
+            <a:r>
+              <a:rPr lang="en-US" dirty="0"/>
+              <a:t>Props need to be unit tested</a:t>
+            </a:r>
+            <a:r>
+              <a:rPr lang="en-US" dirty="0" smtClean="0"/>
+              <a:t>?</a:t>
+            </a:r>
+          </a:p>
+          <a:p>
+            <a:r>
+              <a:rPr lang="en-US" dirty="0" smtClean="0"/>
+              <a:t>Does 1 +1 need to be tested?</a:t>
+            </a:r>
+          </a:p>
+          <a:p>
+            <a:r>
+              <a:rPr lang="en-US" dirty="0" smtClean="0"/>
+              <a:t>What about mocks?</a:t>
+            </a:r>
+          </a:p>
+          <a:p>
+            <a:pPr marL="0" indent="0">
+              <a:buNone/>
+            </a:pPr>
+            <a:endParaRPr lang="en-US" dirty="0"/>
+          </a:p>
+          <a:p>
+            <a:endParaRPr lang="en-US" dirty="0"/>
+          </a:p>
+        </p:txBody>
+      </p:sp>
+      <p:pic>
+        <p:nvPicPr>
+          <p:cNvPr id="5" name="Picture 4"/>
+          <p:cNvPicPr>
+            <a:picLocks noChangeAspect="1"/>
+          </p:cNvPicPr>
+          <p:nvPr/>
+        </p:nvPicPr>
+        <p:blipFill>
+          <a:blip r:embed="rId3">
+            <a:extLst>
+              <a:ext uri="{28A0092B-C50C-407E-A947-70E740481C1C}">
+                <a14:useLocalDpi xmlns:a14="http://schemas.microsoft.com/office/drawing/2010/main" val="0"/>
+              </a:ext>
+            </a:extLst>
+          </a:blip>
+          <a:stretch>
+            <a:fillRect/>
+          </a:stretch>
+        </p:blipFill>
+        <p:spPr>
+          <a:xfrm>
+            <a:off x="7214506" y="2228397"/>
+            <a:ext cx="3431721" cy="2688181"/>
+          </a:xfrm>
+          <a:prstGeom prst="rect">
+            <a:avLst/>
+          </a:prstGeom>
+        </p:spPr>
+      </p:pic>
+      <p:sp>
+        <p:nvSpPr>
+          <p:cNvPr id="6" name="Content Placeholder 5"/>
+          <p:cNvSpPr txBox="1">
+            <a:spLocks/>
+          </p:cNvSpPr>
+          <p:nvPr/>
+        </p:nvSpPr>
+        <p:spPr>
+          <a:xfrm>
+            <a:off x="838200" y="5989320"/>
+            <a:ext cx="10515600" cy="503872"/>
           </a:xfrm>
           <a:prstGeom prst="rect">
             <a:avLst/>
@@ -5375,42 +5647,174 @@
           <a:p>
             <a:r>
               <a:rPr lang="en-US" dirty="0" smtClean="0"/>
-              <a:t>; ?</a:t>
-            </a:r>
-          </a:p>
+              <a:t>Example…</a:t>
+            </a:r>
+            <a:endParaRPr lang="en-US" dirty="0"/>
+          </a:p>
+        </p:txBody>
+      </p:sp>
+    </p:spTree>
+    <p:extLst>
+      <p:ext uri="{BB962C8B-B14F-4D97-AF65-F5344CB8AC3E}">
+        <p14:creationId xmlns:p14="http://schemas.microsoft.com/office/powerpoint/2010/main" val="3388284204"/>
+      </p:ext>
+    </p:extLst>
+  </p:cSld>
+  <p:clrMapOvr>
+    <a:masterClrMapping/>
+  </p:clrMapOvr>
+</p:sld>
+</file>
+
+<file path=ppt/slides/slide17.xml><?xml version="1.0" encoding="utf-8"?>
+<p:sld xmlns:a="http://schemas.openxmlformats.org/drawingml/2006/main" xmlns:r="http://schemas.openxmlformats.org/officeDocument/2006/relationships" xmlns:p="http://schemas.openxmlformats.org/presentationml/2006/main">
+  <p:cSld>
+    <p:spTree>
+      <p:nvGrpSpPr>
+        <p:cNvPr id="1" name=""/>
+        <p:cNvGrpSpPr/>
+        <p:nvPr/>
+      </p:nvGrpSpPr>
+      <p:grpSpPr>
+        <a:xfrm>
+          <a:off x="0" y="0"/>
+          <a:ext cx="0" cy="0"/>
+          <a:chOff x="0" y="0"/>
+          <a:chExt cx="0" cy="0"/>
+        </a:xfrm>
+      </p:grpSpPr>
+      <p:sp>
+        <p:nvSpPr>
+          <p:cNvPr id="2" name="Title 1"/>
+          <p:cNvSpPr>
+            <a:spLocks noGrp="1"/>
+          </p:cNvSpPr>
+          <p:nvPr>
+            <p:ph type="title"/>
+          </p:nvPr>
+        </p:nvSpPr>
+        <p:spPr>
+          <a:xfrm>
+            <a:off x="838200" y="299811"/>
+            <a:ext cx="4680857" cy="1325563"/>
+          </a:xfrm>
+        </p:spPr>
+        <p:txBody>
+          <a:bodyPr/>
+          <a:lstStyle/>
           <a:p>
             <a:r>
               <a:rPr lang="en-US" dirty="0" smtClean="0"/>
-              <a:t>{ } ?</a:t>
-            </a:r>
-          </a:p>
-          <a:p>
-            <a:r>
-              <a:rPr lang="en-US" dirty="0"/>
-              <a:t>p</a:t>
-            </a:r>
+              <a:t>Why Unit Tests?</a:t>
+            </a:r>
+            <a:endParaRPr lang="en-US" dirty="0"/>
+          </a:p>
+        </p:txBody>
+      </p:sp>
+      <p:sp>
+        <p:nvSpPr>
+          <p:cNvPr id="3" name="Content Placeholder 2"/>
+          <p:cNvSpPr>
+            <a:spLocks noGrp="1"/>
+          </p:cNvSpPr>
+          <p:nvPr>
+            <p:ph idx="1"/>
+          </p:nvPr>
+        </p:nvSpPr>
+        <p:spPr>
+          <a:xfrm>
+            <a:off x="838200" y="1869167"/>
+            <a:ext cx="4528457" cy="4422775"/>
+          </a:xfrm>
+        </p:spPr>
+        <p:txBody>
+          <a:bodyPr>
+            <a:normAutofit/>
+          </a:bodyPr>
+          <a:lstStyle/>
+          <a:p>
             <a:r>
               <a:rPr lang="en-US" dirty="0" smtClean="0"/>
-              <a:t>ublic class ?</a:t>
-            </a:r>
-          </a:p>
-          <a:p>
+              <a:t>Benefits</a:t>
+            </a:r>
+          </a:p>
+          <a:p>
+            <a:pPr lvl="1"/>
             <a:r>
               <a:rPr lang="en-US" dirty="0" smtClean="0"/>
-              <a:t>Switch between UT and SUT</a:t>
-            </a:r>
-          </a:p>
-          <a:p>
+              <a:t>Correctness</a:t>
+            </a:r>
+          </a:p>
+          <a:p>
+            <a:pPr lvl="1"/>
+            <a:r>
+              <a:rPr lang="en-US" dirty="0" smtClean="0"/>
+              <a:t>Change-Proof</a:t>
+            </a:r>
+          </a:p>
+          <a:p>
+            <a:pPr lvl="1"/>
+            <a:r>
+              <a:rPr lang="en-US" dirty="0" smtClean="0"/>
+              <a:t>Force small testable methods</a:t>
+            </a:r>
+          </a:p>
+          <a:p>
+            <a:pPr lvl="1"/>
             <a:endParaRPr lang="en-US" dirty="0" smtClean="0"/>
           </a:p>
           <a:p>
+            <a:r>
+              <a:rPr lang="en-US" dirty="0" smtClean="0"/>
+              <a:t>Costs</a:t>
+            </a:r>
+          </a:p>
+          <a:p>
+            <a:pPr lvl="1"/>
+            <a:r>
+              <a:rPr lang="en-US" dirty="0" smtClean="0"/>
+              <a:t>More Code</a:t>
+            </a:r>
+          </a:p>
+          <a:p>
+            <a:pPr lvl="1"/>
+            <a:r>
+              <a:rPr lang="en-US" dirty="0" smtClean="0"/>
+              <a:t>More Noise</a:t>
+            </a:r>
+          </a:p>
+          <a:p>
+            <a:pPr lvl="1"/>
+            <a:r>
+              <a:rPr lang="en-US" dirty="0" smtClean="0"/>
+              <a:t>More Context Switching</a:t>
+            </a:r>
+          </a:p>
+          <a:p>
+            <a:pPr lvl="1"/>
+            <a:endParaRPr lang="en-US" dirty="0" smtClean="0"/>
+          </a:p>
+          <a:p>
+            <a:pPr marL="457200" lvl="1" indent="0">
+              <a:buNone/>
+            </a:pPr>
+            <a:endParaRPr lang="en-US" dirty="0" smtClean="0"/>
+          </a:p>
+          <a:p>
+            <a:pPr lvl="1"/>
             <a:endParaRPr lang="en-US" dirty="0"/>
           </a:p>
-        </p:txBody>
-      </p:sp>
-      <p:sp>
-        <p:nvSpPr>
-          <p:cNvPr id="5" name="Content Placeholder 2"/>
+          <a:p>
+            <a:endParaRPr lang="en-US" dirty="0" smtClean="0"/>
+          </a:p>
+          <a:p>
+            <a:endParaRPr lang="en-US" dirty="0"/>
+          </a:p>
+        </p:txBody>
+      </p:sp>
+      <p:sp>
+        <p:nvSpPr>
+          <p:cNvPr id="6" name="Title 1"/>
           <p:cNvSpPr txBox="1">
             <a:spLocks/>
           </p:cNvSpPr>
@@ -5418,8 +5822,57 @@
         </p:nvSpPr>
         <p:spPr>
           <a:xfrm>
-            <a:off x="6183086" y="1825625"/>
-            <a:ext cx="4430486" cy="4351338"/>
+            <a:off x="7043058" y="299810"/>
+            <a:ext cx="4680857" cy="1325563"/>
+          </a:xfrm>
+          <a:prstGeom prst="rect">
+            <a:avLst/>
+          </a:prstGeom>
+        </p:spPr>
+        <p:txBody>
+          <a:bodyPr vert="horz" lIns="91440" tIns="45720" rIns="91440" bIns="45720" rtlCol="0" anchor="ctr">
+            <a:normAutofit/>
+          </a:bodyPr>
+          <a:lstStyle>
+            <a:lvl1pPr algn="l" defTabSz="914400" rtl="0" eaLnBrk="1" latinLnBrk="0" hangingPunct="1">
+              <a:lnSpc>
+                <a:spcPct val="90000"/>
+              </a:lnSpc>
+              <a:spcBef>
+                <a:spcPct val="0"/>
+              </a:spcBef>
+              <a:buNone/>
+              <a:defRPr sz="4400" kern="1200">
+                <a:solidFill>
+                  <a:schemeClr val="tx1"/>
+                </a:solidFill>
+                <a:latin typeface="+mj-lt"/>
+                <a:ea typeface="+mj-ea"/>
+                <a:cs typeface="+mj-cs"/>
+              </a:defRPr>
+            </a:lvl1pPr>
+          </a:lstStyle>
+          <a:p>
+            <a:r>
+              <a:rPr lang="en-US" dirty="0" smtClean="0"/>
+              <a:t>Why REPL?</a:t>
+            </a:r>
+            <a:endParaRPr lang="en-US" dirty="0"/>
+          </a:p>
+        </p:txBody>
+      </p:sp>
+      <p:sp>
+        <p:nvSpPr>
+          <p:cNvPr id="7" name="Content Placeholder 2"/>
+          <p:cNvSpPr txBox="1">
+            <a:spLocks/>
+          </p:cNvSpPr>
+          <p:nvPr/>
+        </p:nvSpPr>
+        <p:spPr>
+          <a:xfrm>
+            <a:off x="6749143" y="1869167"/>
+            <a:ext cx="4528457" cy="4422775"/>
           </a:xfrm>
           <a:prstGeom prst="rect">
             <a:avLst/>
@@ -5596,8 +6049,57 @@
           <a:p>
             <a:r>
               <a:rPr lang="en-US" dirty="0" smtClean="0"/>
-              <a:t>Write a function</a:t>
-            </a:r>
+              <a:t>Benefits</a:t>
+            </a:r>
+          </a:p>
+          <a:p>
+            <a:pPr lvl="1"/>
+            <a:r>
+              <a:rPr lang="en-US" dirty="0" smtClean="0"/>
+              <a:t>Correctness</a:t>
+            </a:r>
+          </a:p>
+          <a:p>
+            <a:pPr lvl="1"/>
+            <a:r>
+              <a:rPr lang="en-US" dirty="0" smtClean="0"/>
+              <a:t>Force small testable methods</a:t>
+            </a:r>
+          </a:p>
+          <a:p>
+            <a:pPr lvl="1"/>
+            <a:endParaRPr lang="en-US" dirty="0" smtClean="0"/>
+          </a:p>
+          <a:p>
+            <a:r>
+              <a:rPr lang="en-US" dirty="0" smtClean="0"/>
+              <a:t>Costs</a:t>
+            </a:r>
+          </a:p>
+          <a:p>
+            <a:pPr lvl="1"/>
+            <a:r>
+              <a:rPr lang="en-US" dirty="0" smtClean="0"/>
+              <a:t>Does not protect against change</a:t>
+            </a:r>
+          </a:p>
+          <a:p>
+            <a:pPr lvl="1"/>
+            <a:endParaRPr lang="en-US" dirty="0" smtClean="0"/>
+          </a:p>
+          <a:p>
+            <a:pPr marL="457200" lvl="1" indent="0">
+              <a:buFont typeface="Arial" panose="020B0604020202020204" pitchFamily="34" charset="0"/>
+              <a:buNone/>
+            </a:pPr>
+            <a:endParaRPr lang="en-US" dirty="0" smtClean="0"/>
+          </a:p>
+          <a:p>
+            <a:pPr lvl="1"/>
+            <a:endParaRPr lang="en-US" dirty="0" smtClean="0"/>
+          </a:p>
+          <a:p>
+            <a:endParaRPr lang="en-US" dirty="0" smtClean="0"/>
           </a:p>
           <a:p>
             <a:endParaRPr lang="en-US" dirty="0"/>
@@ -5607,7 +6109,7 @@
     </p:spTree>
     <p:extLst>
       <p:ext uri="{BB962C8B-B14F-4D97-AF65-F5344CB8AC3E}">
-        <p14:creationId xmlns:p14="http://schemas.microsoft.com/office/powerpoint/2010/main" val="3035983225"/>
+        <p14:creationId xmlns:p14="http://schemas.microsoft.com/office/powerpoint/2010/main" val="806549103"/>
       </p:ext>
     </p:extLst>
   </p:cSld>
@@ -5617,7 +6119,7 @@
 </p:sld>
 </file>
 
-<file path=ppt/slides/slide17.xml><?xml version="1.0" encoding="utf-8"?>
+<file path=ppt/slides/slide18.xml><?xml version="1.0" encoding="utf-8"?>
 <p:sld xmlns:a="http://schemas.openxmlformats.org/drawingml/2006/main" xmlns:r="http://schemas.openxmlformats.org/officeDocument/2006/relationships" xmlns:p="http://schemas.openxmlformats.org/presentationml/2006/main">
   <p:cSld>
     <p:spTree>
@@ -5651,7 +6153,7 @@
           <a:p>
             <a:r>
               <a:rPr lang="en-US" dirty="0" smtClean="0"/>
-              <a:t>Working Too Hard Makes More Work</a:t>
+              <a:t>Why RDD</a:t>
             </a:r>
             <a:endParaRPr lang="en-US" dirty="0"/>
           </a:p>
@@ -5659,77 +6161,489 @@
       </p:sp>
       <p:sp>
         <p:nvSpPr>
-          <p:cNvPr id="3" name="Content Placeholder 2"/>
-          <p:cNvSpPr>
-            <a:spLocks noGrp="1"/>
-          </p:cNvSpPr>
-          <p:nvPr>
-            <p:ph idx="1"/>
-          </p:nvPr>
-        </p:nvSpPr>
-        <p:spPr/>
-        <p:txBody>
-          <a:bodyPr/>
-          <a:lstStyle/>
-          <a:p>
-            <a:r>
-              <a:rPr lang="en-US" dirty="0" smtClean="0"/>
-              <a:t>What % Code Coverage is right?</a:t>
-            </a:r>
-          </a:p>
-          <a:p>
-            <a:r>
-              <a:rPr lang="en-US" dirty="0"/>
-              <a:t>Props need to be unit tested</a:t>
-            </a:r>
-            <a:r>
-              <a:rPr lang="en-US" dirty="0" smtClean="0"/>
-              <a:t>?</a:t>
-            </a:r>
-          </a:p>
-          <a:p>
-            <a:r>
-              <a:rPr lang="en-US" dirty="0" smtClean="0"/>
-              <a:t>Does 1 +1 need to be tested?</a:t>
-            </a:r>
-          </a:p>
-          <a:p>
-            <a:r>
-              <a:rPr lang="en-US" dirty="0" smtClean="0"/>
-              <a:t>What about mocks?</a:t>
-            </a:r>
-          </a:p>
-          <a:p>
-            <a:pPr marL="0" indent="0">
-              <a:buNone/>
-            </a:pPr>
-            <a:endParaRPr lang="en-US" dirty="0"/>
-          </a:p>
-          <a:p>
-            <a:endParaRPr lang="en-US" dirty="0"/>
-          </a:p>
-        </p:txBody>
-      </p:sp>
-      <p:sp>
-        <p:nvSpPr>
-          <p:cNvPr id="4" name="Content Placeholder 2"/>
-          <p:cNvSpPr txBox="1">
-            <a:spLocks/>
-          </p:cNvSpPr>
+          <p:cNvPr id="4" name="Rectangle 3"/>
+          <p:cNvSpPr/>
           <p:nvPr/>
         </p:nvSpPr>
         <p:spPr>
           <a:xfrm>
-            <a:off x="6183086" y="1825625"/>
-            <a:ext cx="4430486" cy="4351338"/>
+            <a:off x="1328057" y="2231571"/>
+            <a:ext cx="1730829" cy="2231572"/>
           </a:xfrm>
           <a:prstGeom prst="rect">
             <a:avLst/>
           </a:prstGeom>
         </p:spPr>
+        <p:style>
+          <a:lnRef idx="2">
+            <a:schemeClr val="accent1">
+              <a:shade val="50000"/>
+            </a:schemeClr>
+          </a:lnRef>
+          <a:fillRef idx="1">
+            <a:schemeClr val="accent1"/>
+          </a:fillRef>
+          <a:effectRef idx="0">
+            <a:schemeClr val="accent1"/>
+          </a:effectRef>
+          <a:fontRef idx="minor">
+            <a:schemeClr val="lt1"/>
+          </a:fontRef>
+        </p:style>
+        <p:txBody>
+          <a:bodyPr rtlCol="0" anchor="ctr"/>
+          <a:lstStyle/>
+          <a:p>
+            <a:pPr algn="ctr"/>
+            <a:r>
+              <a:rPr lang="en-US" dirty="0" smtClean="0"/>
+              <a:t>REPL</a:t>
+            </a:r>
+            <a:endParaRPr lang="en-US" dirty="0"/>
+          </a:p>
+        </p:txBody>
+      </p:sp>
+      <p:sp>
+        <p:nvSpPr>
+          <p:cNvPr id="5" name="Rectangle 4"/>
+          <p:cNvSpPr/>
+          <p:nvPr/>
+        </p:nvSpPr>
+        <p:spPr>
+          <a:xfrm>
+            <a:off x="4680854" y="1724886"/>
+            <a:ext cx="1556657" cy="1513115"/>
+          </a:xfrm>
+          <a:prstGeom prst="rect">
+            <a:avLst/>
+          </a:prstGeom>
+        </p:spPr>
+        <p:style>
+          <a:lnRef idx="2">
+            <a:schemeClr val="accent1">
+              <a:shade val="50000"/>
+            </a:schemeClr>
+          </a:lnRef>
+          <a:fillRef idx="1">
+            <a:schemeClr val="accent1"/>
+          </a:fillRef>
+          <a:effectRef idx="0">
+            <a:schemeClr val="accent1"/>
+          </a:effectRef>
+          <a:fontRef idx="minor">
+            <a:schemeClr val="lt1"/>
+          </a:fontRef>
+        </p:style>
+        <p:txBody>
+          <a:bodyPr rtlCol="0" anchor="ctr"/>
+          <a:lstStyle/>
+          <a:p>
+            <a:pPr algn="ctr"/>
+            <a:r>
+              <a:rPr lang="en-US" dirty="0" smtClean="0"/>
+              <a:t>SUT</a:t>
+            </a:r>
+            <a:endParaRPr lang="en-US" dirty="0"/>
+          </a:p>
+        </p:txBody>
+      </p:sp>
+      <p:sp>
+        <p:nvSpPr>
+          <p:cNvPr id="6" name="Rectangle 5"/>
+          <p:cNvSpPr/>
+          <p:nvPr/>
+        </p:nvSpPr>
+        <p:spPr>
+          <a:xfrm>
+            <a:off x="4680854" y="3772808"/>
+            <a:ext cx="1556657" cy="1513115"/>
+          </a:xfrm>
+          <a:prstGeom prst="rect">
+            <a:avLst/>
+          </a:prstGeom>
+        </p:spPr>
+        <p:style>
+          <a:lnRef idx="2">
+            <a:schemeClr val="accent1">
+              <a:shade val="50000"/>
+            </a:schemeClr>
+          </a:lnRef>
+          <a:fillRef idx="1">
+            <a:schemeClr val="accent1"/>
+          </a:fillRef>
+          <a:effectRef idx="0">
+            <a:schemeClr val="accent1"/>
+          </a:effectRef>
+          <a:fontRef idx="minor">
+            <a:schemeClr val="lt1"/>
+          </a:fontRef>
+        </p:style>
+        <p:txBody>
+          <a:bodyPr rtlCol="0" anchor="ctr"/>
+          <a:lstStyle/>
+          <a:p>
+            <a:pPr algn="ctr"/>
+            <a:r>
+              <a:rPr lang="en-US" dirty="0" smtClean="0"/>
+              <a:t>UNIT TESTS</a:t>
+            </a:r>
+            <a:endParaRPr lang="en-US" dirty="0"/>
+          </a:p>
+        </p:txBody>
+      </p:sp>
+      <p:sp>
+        <p:nvSpPr>
+          <p:cNvPr id="3" name="Right Arrow 2"/>
+          <p:cNvSpPr/>
+          <p:nvPr/>
+        </p:nvSpPr>
+        <p:spPr>
+          <a:xfrm>
+            <a:off x="3200399" y="2259693"/>
+            <a:ext cx="1338943" cy="646791"/>
+          </a:xfrm>
+          <a:prstGeom prst="rightArrow">
+            <a:avLst/>
+          </a:prstGeom>
+        </p:spPr>
+        <p:style>
+          <a:lnRef idx="2">
+            <a:schemeClr val="accent1">
+              <a:shade val="50000"/>
+            </a:schemeClr>
+          </a:lnRef>
+          <a:fillRef idx="1">
+            <a:schemeClr val="accent1"/>
+          </a:fillRef>
+          <a:effectRef idx="0">
+            <a:schemeClr val="accent1"/>
+          </a:effectRef>
+          <a:fontRef idx="minor">
+            <a:schemeClr val="lt1"/>
+          </a:fontRef>
+        </p:style>
+        <p:txBody>
+          <a:bodyPr rtlCol="0" anchor="ctr"/>
+          <a:lstStyle/>
+          <a:p>
+            <a:pPr algn="ctr"/>
+            <a:endParaRPr lang="en-US"/>
+          </a:p>
+        </p:txBody>
+      </p:sp>
+      <p:sp>
+        <p:nvSpPr>
+          <p:cNvPr id="7" name="Right Arrow 6"/>
+          <p:cNvSpPr/>
+          <p:nvPr/>
+        </p:nvSpPr>
+        <p:spPr>
+          <a:xfrm>
+            <a:off x="3200400" y="3915291"/>
+            <a:ext cx="1338943" cy="646791"/>
+          </a:xfrm>
+          <a:prstGeom prst="rightArrow">
+            <a:avLst/>
+          </a:prstGeom>
+        </p:spPr>
+        <p:style>
+          <a:lnRef idx="2">
+            <a:schemeClr val="accent1">
+              <a:shade val="50000"/>
+            </a:schemeClr>
+          </a:lnRef>
+          <a:fillRef idx="1">
+            <a:schemeClr val="accent1"/>
+          </a:fillRef>
+          <a:effectRef idx="0">
+            <a:schemeClr val="accent1"/>
+          </a:effectRef>
+          <a:fontRef idx="minor">
+            <a:schemeClr val="lt1"/>
+          </a:fontRef>
+        </p:style>
+        <p:txBody>
+          <a:bodyPr rtlCol="0" anchor="ctr"/>
+          <a:lstStyle/>
+          <a:p>
+            <a:pPr algn="ctr"/>
+            <a:endParaRPr lang="en-US"/>
+          </a:p>
+        </p:txBody>
+      </p:sp>
+      <p:sp>
+        <p:nvSpPr>
+          <p:cNvPr id="8" name="Rectangle 7"/>
+          <p:cNvSpPr/>
+          <p:nvPr/>
+        </p:nvSpPr>
+        <p:spPr>
+          <a:xfrm>
+            <a:off x="8673732" y="1204572"/>
+            <a:ext cx="1556657" cy="1513115"/>
+          </a:xfrm>
+          <a:prstGeom prst="rect">
+            <a:avLst/>
+          </a:prstGeom>
+        </p:spPr>
+        <p:style>
+          <a:lnRef idx="2">
+            <a:schemeClr val="accent1">
+              <a:shade val="50000"/>
+            </a:schemeClr>
+          </a:lnRef>
+          <a:fillRef idx="1">
+            <a:schemeClr val="accent1"/>
+          </a:fillRef>
+          <a:effectRef idx="0">
+            <a:schemeClr val="accent1"/>
+          </a:effectRef>
+          <a:fontRef idx="minor">
+            <a:schemeClr val="lt1"/>
+          </a:fontRef>
+        </p:style>
+        <p:txBody>
+          <a:bodyPr rtlCol="0" anchor="ctr"/>
+          <a:lstStyle/>
+          <a:p>
+            <a:pPr algn="ctr"/>
+            <a:r>
+              <a:rPr lang="en-US" dirty="0" smtClean="0"/>
+              <a:t>SUT</a:t>
+            </a:r>
+            <a:endParaRPr lang="en-US" dirty="0"/>
+          </a:p>
+        </p:txBody>
+      </p:sp>
+      <p:sp>
+        <p:nvSpPr>
+          <p:cNvPr id="9" name="Rectangle 8"/>
+          <p:cNvSpPr/>
+          <p:nvPr/>
+        </p:nvSpPr>
+        <p:spPr>
+          <a:xfrm>
+            <a:off x="8673733" y="4562082"/>
+            <a:ext cx="1556657" cy="1513115"/>
+          </a:xfrm>
+          <a:prstGeom prst="rect">
+            <a:avLst/>
+          </a:prstGeom>
+        </p:spPr>
+        <p:style>
+          <a:lnRef idx="2">
+            <a:schemeClr val="accent1">
+              <a:shade val="50000"/>
+            </a:schemeClr>
+          </a:lnRef>
+          <a:fillRef idx="1">
+            <a:schemeClr val="accent1"/>
+          </a:fillRef>
+          <a:effectRef idx="0">
+            <a:schemeClr val="accent1"/>
+          </a:effectRef>
+          <a:fontRef idx="minor">
+            <a:schemeClr val="lt1"/>
+          </a:fontRef>
+        </p:style>
+        <p:txBody>
+          <a:bodyPr rtlCol="0" anchor="ctr"/>
+          <a:lstStyle/>
+          <a:p>
+            <a:pPr algn="ctr"/>
+            <a:r>
+              <a:rPr lang="en-US" dirty="0" smtClean="0"/>
+              <a:t>UNIT TESTS</a:t>
+            </a:r>
+            <a:endParaRPr lang="en-US" dirty="0"/>
+          </a:p>
+        </p:txBody>
+      </p:sp>
+      <p:sp>
+        <p:nvSpPr>
+          <p:cNvPr id="11" name="Up-Down Arrow 10"/>
+          <p:cNvSpPr/>
+          <p:nvPr/>
+        </p:nvSpPr>
+        <p:spPr>
+          <a:xfrm>
+            <a:off x="8989145" y="2905642"/>
+            <a:ext cx="925830" cy="1556659"/>
+          </a:xfrm>
+          <a:prstGeom prst="upDownArrow">
+            <a:avLst/>
+          </a:prstGeom>
+        </p:spPr>
+        <p:style>
+          <a:lnRef idx="2">
+            <a:schemeClr val="accent1">
+              <a:shade val="50000"/>
+            </a:schemeClr>
+          </a:lnRef>
+          <a:fillRef idx="1">
+            <a:schemeClr val="accent1"/>
+          </a:fillRef>
+          <a:effectRef idx="0">
+            <a:schemeClr val="accent1"/>
+          </a:effectRef>
+          <a:fontRef idx="minor">
+            <a:schemeClr val="lt1"/>
+          </a:fontRef>
+        </p:style>
+        <p:txBody>
+          <a:bodyPr rtlCol="0" anchor="ctr"/>
+          <a:lstStyle/>
+          <a:p>
+            <a:pPr algn="ctr"/>
+            <a:endParaRPr lang="en-US"/>
+          </a:p>
+        </p:txBody>
+      </p:sp>
+    </p:spTree>
+    <p:extLst>
+      <p:ext uri="{BB962C8B-B14F-4D97-AF65-F5344CB8AC3E}">
+        <p14:creationId xmlns:p14="http://schemas.microsoft.com/office/powerpoint/2010/main" val="4272843108"/>
+      </p:ext>
+    </p:extLst>
+  </p:cSld>
+  <p:clrMapOvr>
+    <a:masterClrMapping/>
+  </p:clrMapOvr>
+</p:sld>
+</file>
+
+<file path=ppt/slides/slide19.xml><?xml version="1.0" encoding="utf-8"?>
+<p:sld xmlns:a="http://schemas.openxmlformats.org/drawingml/2006/main" xmlns:r="http://schemas.openxmlformats.org/officeDocument/2006/relationships" xmlns:p="http://schemas.openxmlformats.org/presentationml/2006/main">
+  <p:cSld>
+    <p:spTree>
+      <p:nvGrpSpPr>
+        <p:cNvPr id="1" name=""/>
+        <p:cNvGrpSpPr/>
+        <p:nvPr/>
+      </p:nvGrpSpPr>
+      <p:grpSpPr>
+        <a:xfrm>
+          <a:off x="0" y="0"/>
+          <a:ext cx="0" cy="0"/>
+          <a:chOff x="0" y="0"/>
+          <a:chExt cx="0" cy="0"/>
+        </a:xfrm>
+      </p:grpSpPr>
+      <p:sp>
+        <p:nvSpPr>
+          <p:cNvPr id="2" name="Title 1"/>
+          <p:cNvSpPr>
+            <a:spLocks noGrp="1"/>
+          </p:cNvSpPr>
+          <p:nvPr>
+            <p:ph type="title"/>
+          </p:nvPr>
+        </p:nvSpPr>
+        <p:spPr/>
+        <p:txBody>
+          <a:bodyPr/>
+          <a:lstStyle/>
+          <a:p>
+            <a:r>
+              <a:rPr lang="en-US" dirty="0" smtClean="0"/>
+              <a:t>Remove the </a:t>
+            </a:r>
+            <a:r>
+              <a:rPr lang="en-US" dirty="0" smtClean="0"/>
+              <a:t>Noise &amp; Clutter</a:t>
+            </a:r>
+            <a:endParaRPr lang="en-US" dirty="0"/>
+          </a:p>
+        </p:txBody>
+      </p:sp>
+      <p:sp>
+        <p:nvSpPr>
+          <p:cNvPr id="6" name="Content Placeholder 5"/>
+          <p:cNvSpPr>
+            <a:spLocks noGrp="1"/>
+          </p:cNvSpPr>
+          <p:nvPr>
+            <p:ph idx="1"/>
+          </p:nvPr>
+        </p:nvSpPr>
+        <p:spPr>
+          <a:xfrm>
+            <a:off x="838200" y="5203371"/>
+            <a:ext cx="10515600" cy="1289821"/>
+          </a:xfrm>
+        </p:spPr>
+        <p:txBody>
+          <a:bodyPr>
+            <a:normAutofit fontScale="85000" lnSpcReduction="10000"/>
+          </a:bodyPr>
+          <a:lstStyle/>
+          <a:p>
+            <a:r>
+              <a:rPr lang="en-US" dirty="0"/>
+              <a:t>Example…</a:t>
+            </a:r>
+          </a:p>
+          <a:p>
+            <a:r>
+              <a:rPr lang="en-US" dirty="0" smtClean="0">
+                <a:hlinkClick r:id="rId2"/>
+              </a:rPr>
+              <a:t>https</a:t>
+            </a:r>
+            <a:r>
+              <a:rPr lang="en-US" dirty="0">
+                <a:hlinkClick r:id="rId2"/>
+              </a:rPr>
+              <a:t>://</a:t>
+            </a:r>
+            <a:r>
+              <a:rPr lang="en-US" dirty="0" smtClean="0">
+                <a:hlinkClick r:id="rId2"/>
+              </a:rPr>
+              <a:t>skillsmatter.com/skillscasts/6938-7-ineffective-coding-habits-with-yan-cui</a:t>
+            </a:r>
+            <a:endParaRPr lang="en-US" dirty="0" smtClean="0"/>
+          </a:p>
+          <a:p>
+            <a:r>
+              <a:rPr lang="en-US" dirty="0">
+                <a:hlinkClick r:id="rId3"/>
+              </a:rPr>
+              <a:t>http://fsharpforfunandprofit.com/rop</a:t>
+            </a:r>
+            <a:r>
+              <a:rPr lang="en-US" dirty="0" smtClean="0">
+                <a:hlinkClick r:id="rId3"/>
+              </a:rPr>
+              <a:t>/</a:t>
+            </a:r>
+            <a:endParaRPr lang="en-US" dirty="0" smtClean="0"/>
+          </a:p>
+          <a:p>
+            <a:endParaRPr lang="en-US" dirty="0"/>
+          </a:p>
+        </p:txBody>
+      </p:sp>
+      <p:sp>
+        <p:nvSpPr>
+          <p:cNvPr id="4" name="Content Placeholder 2"/>
+          <p:cNvSpPr txBox="1">
+            <a:spLocks/>
+          </p:cNvSpPr>
+          <p:nvPr/>
+        </p:nvSpPr>
+        <p:spPr>
+          <a:xfrm>
+            <a:off x="838199" y="1871980"/>
+            <a:ext cx="7119257" cy="2765334"/>
+          </a:xfrm>
+          <a:prstGeom prst="rect">
+            <a:avLst/>
+          </a:prstGeom>
+        </p:spPr>
         <p:txBody>
           <a:bodyPr vert="horz" lIns="91440" tIns="45720" rIns="91440" bIns="45720" rtlCol="0">
-            <a:normAutofit/>
+            <a:normAutofit lnSpcReduction="10000"/>
           </a:bodyPr>
           <a:lstStyle>
             <a:lvl1pPr marL="228600" indent="-228600" algn="l" defTabSz="914400" rtl="0" eaLnBrk="1" latinLnBrk="0" hangingPunct="1">
@@ -5898,194 +6812,120 @@
           <a:p>
             <a:r>
               <a:rPr lang="en-US" dirty="0" smtClean="0"/>
-              <a:t>Write a function</a:t>
-            </a:r>
-          </a:p>
-          <a:p>
+              <a:t>Why </a:t>
+            </a:r>
+            <a:r>
+              <a:rPr lang="en-US" dirty="0" smtClean="0"/>
+              <a:t>is so important that we have intention revealing names</a:t>
+            </a:r>
+            <a:r>
+              <a:rPr lang="en-US" dirty="0" smtClean="0"/>
+              <a:t>?</a:t>
+            </a:r>
+          </a:p>
+          <a:p>
+            <a:r>
+              <a:rPr lang="en-US" dirty="0" smtClean="0"/>
+              <a:t>Why </a:t>
+            </a:r>
+            <a:r>
+              <a:rPr lang="en-US" dirty="0"/>
+              <a:t>do you need </a:t>
+            </a:r>
+            <a:r>
+              <a:rPr lang="en-US" dirty="0" err="1"/>
+              <a:t>Resharper</a:t>
+            </a:r>
+            <a:r>
+              <a:rPr lang="en-US" dirty="0" smtClean="0"/>
+              <a:t>?</a:t>
+            </a:r>
+          </a:p>
+          <a:p>
+            <a:r>
+              <a:rPr lang="en-US" dirty="0" smtClean="0"/>
+              <a:t>Do you really know what that code-gen or template is doing?  </a:t>
+            </a:r>
+          </a:p>
+          <a:p>
+            <a:r>
+              <a:rPr lang="en-US" dirty="0" smtClean="0"/>
+              <a:t>Should you?</a:t>
+            </a:r>
             <a:endParaRPr lang="en-US" dirty="0"/>
           </a:p>
-        </p:txBody>
-      </p:sp>
+          <a:p>
+            <a:endParaRPr lang="en-US" dirty="0" smtClean="0"/>
+          </a:p>
+          <a:p>
+            <a:endParaRPr lang="en-US" dirty="0"/>
+          </a:p>
+        </p:txBody>
+      </p:sp>
+      <p:pic>
+        <p:nvPicPr>
+          <p:cNvPr id="3" name="Picture 2"/>
+          <p:cNvPicPr>
+            <a:picLocks noChangeAspect="1"/>
+          </p:cNvPicPr>
+          <p:nvPr/>
+        </p:nvPicPr>
+        <p:blipFill>
+          <a:blip r:embed="rId4">
+            <a:extLst>
+              <a:ext uri="{28A0092B-C50C-407E-A947-70E740481C1C}">
+                <a14:useLocalDpi xmlns:a14="http://schemas.microsoft.com/office/drawing/2010/main" val="0"/>
+              </a:ext>
+            </a:extLst>
+          </a:blip>
+          <a:stretch>
+            <a:fillRect/>
+          </a:stretch>
+        </p:blipFill>
+        <p:spPr>
+          <a:xfrm>
+            <a:off x="8139793" y="555535"/>
+            <a:ext cx="3420835" cy="2451598"/>
+          </a:xfrm>
+          <a:prstGeom prst="rect">
+            <a:avLst/>
+          </a:prstGeom>
+        </p:spPr>
+      </p:pic>
+      <p:pic>
+        <p:nvPicPr>
+          <p:cNvPr id="7" name="Picture 6"/>
+          <p:cNvPicPr>
+            <a:picLocks noChangeAspect="1"/>
+          </p:cNvPicPr>
+          <p:nvPr/>
+        </p:nvPicPr>
+        <p:blipFill>
+          <a:blip r:embed="rId5">
+            <a:extLst>
+              <a:ext uri="{28A0092B-C50C-407E-A947-70E740481C1C}">
+                <a14:useLocalDpi xmlns:a14="http://schemas.microsoft.com/office/drawing/2010/main" val="0"/>
+              </a:ext>
+            </a:extLst>
+          </a:blip>
+          <a:stretch>
+            <a:fillRect/>
+          </a:stretch>
+        </p:blipFill>
+        <p:spPr>
+          <a:xfrm>
+            <a:off x="8139793" y="3254647"/>
+            <a:ext cx="3420835" cy="1826079"/>
+          </a:xfrm>
+          <a:prstGeom prst="rect">
+            <a:avLst/>
+          </a:prstGeom>
+        </p:spPr>
+      </p:pic>
     </p:spTree>
     <p:extLst>
       <p:ext uri="{BB962C8B-B14F-4D97-AF65-F5344CB8AC3E}">
-        <p14:creationId xmlns:p14="http://schemas.microsoft.com/office/powerpoint/2010/main" val="3388284204"/>
-      </p:ext>
-    </p:extLst>
-  </p:cSld>
-  <p:clrMapOvr>
-    <a:masterClrMapping/>
-  </p:clrMapOvr>
-</p:sld>
-</file>
-
-<file path=ppt/slides/slide18.xml><?xml version="1.0" encoding="utf-8"?>
-<p:sld xmlns:a="http://schemas.openxmlformats.org/drawingml/2006/main" xmlns:r="http://schemas.openxmlformats.org/officeDocument/2006/relationships" xmlns:p="http://schemas.openxmlformats.org/presentationml/2006/main">
-  <p:cSld>
-    <p:spTree>
-      <p:nvGrpSpPr>
-        <p:cNvPr id="1" name=""/>
-        <p:cNvGrpSpPr/>
-        <p:nvPr/>
-      </p:nvGrpSpPr>
-      <p:grpSpPr>
-        <a:xfrm>
-          <a:off x="0" y="0"/>
-          <a:ext cx="0" cy="0"/>
-          <a:chOff x="0" y="0"/>
-          <a:chExt cx="0" cy="0"/>
-        </a:xfrm>
-      </p:grpSpPr>
-      <p:sp>
-        <p:nvSpPr>
-          <p:cNvPr id="2" name="Title 1"/>
-          <p:cNvSpPr>
-            <a:spLocks noGrp="1"/>
-          </p:cNvSpPr>
-          <p:nvPr>
-            <p:ph type="title"/>
-          </p:nvPr>
-        </p:nvSpPr>
-        <p:spPr/>
-        <p:txBody>
-          <a:bodyPr/>
-          <a:lstStyle/>
-          <a:p>
-            <a:r>
-              <a:rPr lang="en-US" dirty="0" smtClean="0"/>
-              <a:t>Duplication/Boilerplates/Templates are a complete and total waste</a:t>
-            </a:r>
-            <a:endParaRPr lang="en-US" dirty="0"/>
-          </a:p>
-        </p:txBody>
-      </p:sp>
-      <p:sp>
-        <p:nvSpPr>
-          <p:cNvPr id="3" name="Content Placeholder 2"/>
-          <p:cNvSpPr>
-            <a:spLocks noGrp="1"/>
-          </p:cNvSpPr>
-          <p:nvPr>
-            <p:ph idx="1"/>
-          </p:nvPr>
-        </p:nvSpPr>
-        <p:spPr>
-          <a:xfrm>
-            <a:off x="838200" y="1825625"/>
-            <a:ext cx="3820886" cy="4351338"/>
-          </a:xfrm>
-        </p:spPr>
-        <p:txBody>
-          <a:bodyPr/>
-          <a:lstStyle/>
-          <a:p>
-            <a:r>
-              <a:rPr lang="en-US" dirty="0" smtClean="0"/>
-              <a:t>Why are they needed?</a:t>
-            </a:r>
-            <a:endParaRPr lang="en-US" dirty="0"/>
-          </a:p>
-        </p:txBody>
-      </p:sp>
-    </p:spTree>
-    <p:extLst>
-      <p:ext uri="{BB962C8B-B14F-4D97-AF65-F5344CB8AC3E}">
-        <p14:creationId xmlns:p14="http://schemas.microsoft.com/office/powerpoint/2010/main" val="153963186"/>
-      </p:ext>
-    </p:extLst>
-  </p:cSld>
-  <p:clrMapOvr>
-    <a:masterClrMapping/>
-  </p:clrMapOvr>
-</p:sld>
-</file>
-
-<file path=ppt/slides/slide19.xml><?xml version="1.0" encoding="utf-8"?>
-<p:sld xmlns:a="http://schemas.openxmlformats.org/drawingml/2006/main" xmlns:r="http://schemas.openxmlformats.org/officeDocument/2006/relationships" xmlns:p="http://schemas.openxmlformats.org/presentationml/2006/main">
-  <p:cSld>
-    <p:spTree>
-      <p:nvGrpSpPr>
-        <p:cNvPr id="1" name=""/>
-        <p:cNvGrpSpPr/>
-        <p:nvPr/>
-      </p:nvGrpSpPr>
-      <p:grpSpPr>
-        <a:xfrm>
-          <a:off x="0" y="0"/>
-          <a:ext cx="0" cy="0"/>
-          <a:chOff x="0" y="0"/>
-          <a:chExt cx="0" cy="0"/>
-        </a:xfrm>
-      </p:grpSpPr>
-      <p:sp>
-        <p:nvSpPr>
-          <p:cNvPr id="2" name="Title 1"/>
-          <p:cNvSpPr>
-            <a:spLocks noGrp="1"/>
-          </p:cNvSpPr>
-          <p:nvPr>
-            <p:ph type="title"/>
-          </p:nvPr>
-        </p:nvSpPr>
-        <p:spPr/>
-        <p:txBody>
-          <a:bodyPr/>
-          <a:lstStyle/>
-          <a:p>
-            <a:r>
-              <a:rPr lang="en-US" dirty="0" smtClean="0"/>
-              <a:t>Why TDD?</a:t>
-            </a:r>
-            <a:endParaRPr lang="en-US" dirty="0"/>
-          </a:p>
-        </p:txBody>
-      </p:sp>
-      <p:sp>
-        <p:nvSpPr>
-          <p:cNvPr id="3" name="Content Placeholder 2"/>
-          <p:cNvSpPr>
-            <a:spLocks noGrp="1"/>
-          </p:cNvSpPr>
-          <p:nvPr>
-            <p:ph idx="1"/>
-          </p:nvPr>
-        </p:nvSpPr>
-        <p:spPr>
-          <a:xfrm>
-            <a:off x="838200" y="1825625"/>
-            <a:ext cx="10515600" cy="1919061"/>
-          </a:xfrm>
-        </p:spPr>
-        <p:txBody>
-          <a:bodyPr/>
-          <a:lstStyle/>
-          <a:p>
-            <a:r>
-              <a:rPr lang="en-US" dirty="0" smtClean="0"/>
-              <a:t>Correctness</a:t>
-            </a:r>
-          </a:p>
-          <a:p>
-            <a:r>
-              <a:rPr lang="en-US" dirty="0" smtClean="0"/>
-              <a:t>Change-Proof</a:t>
-            </a:r>
-          </a:p>
-          <a:p>
-            <a:r>
-              <a:rPr lang="en-US" dirty="0" smtClean="0"/>
-              <a:t>Force small testable methods</a:t>
-            </a:r>
-          </a:p>
-          <a:p>
-            <a:endParaRPr lang="en-US" dirty="0"/>
-          </a:p>
-        </p:txBody>
-      </p:sp>
-    </p:spTree>
-    <p:extLst>
-      <p:ext uri="{BB962C8B-B14F-4D97-AF65-F5344CB8AC3E}">
-        <p14:creationId xmlns:p14="http://schemas.microsoft.com/office/powerpoint/2010/main" val="806549103"/>
+        <p14:creationId xmlns:p14="http://schemas.microsoft.com/office/powerpoint/2010/main" val="3035983225"/>
       </p:ext>
     </p:extLst>
   </p:cSld>
@@ -6285,7 +7125,7 @@
           <a:p>
             <a:r>
               <a:rPr lang="en-US" dirty="0" smtClean="0"/>
-              <a:t>Is This a Natural Evolution?</a:t>
+              <a:t>Questions?</a:t>
             </a:r>
             <a:endParaRPr lang="en-US" dirty="0"/>
           </a:p>
@@ -6293,7 +7133,7 @@
       </p:sp>
       <p:sp>
         <p:nvSpPr>
-          <p:cNvPr id="3" name="Content Placeholder 2"/>
+          <p:cNvPr id="4" name="Content Placeholder 3"/>
           <p:cNvSpPr>
             <a:spLocks noGrp="1"/>
           </p:cNvSpPr>
@@ -6306,25 +7146,7 @@
           <a:bodyPr/>
           <a:lstStyle/>
           <a:p>
-            <a:r>
-              <a:rPr lang="en-US" dirty="0" smtClean="0"/>
-              <a:t>Code and pray</a:t>
-            </a:r>
-          </a:p>
-          <a:p>
-            <a:r>
-              <a:rPr lang="en-US" dirty="0" smtClean="0"/>
-              <a:t>TDD</a:t>
-            </a:r>
-          </a:p>
-          <a:p>
-            <a:r>
-              <a:rPr lang="en-US" dirty="0" smtClean="0"/>
-              <a:t>RDD</a:t>
-            </a:r>
-          </a:p>
-          <a:p>
-            <a:endParaRPr lang="en-US" dirty="0"/>
+            <a:endParaRPr lang="en-US"/>
           </a:p>
         </p:txBody>
       </p:sp>
@@ -7144,2632 +7966,6 @@
           </a:p>
         </p:txBody>
       </p:sp>
-      <p:graphicFrame>
-        <p:nvGraphicFramePr>
-          <p:cNvPr id="4" name="Table 3"/>
-          <p:cNvGraphicFramePr>
-            <a:graphicFrameLocks noGrp="1"/>
-          </p:cNvGraphicFramePr>
-          <p:nvPr>
-            <p:extLst>
-              <p:ext uri="{D42A27DB-BD31-4B8C-83A1-F6EECF244321}">
-                <p14:modId xmlns:p14="http://schemas.microsoft.com/office/powerpoint/2010/main" val="3647715834"/>
-              </p:ext>
-            </p:extLst>
-          </p:nvPr>
-        </p:nvGraphicFramePr>
-        <p:xfrm>
-          <a:off x="6925359" y="1911566"/>
-          <a:ext cx="3799115" cy="2702604"/>
-        </p:xfrm>
-        <a:graphic>
-          <a:graphicData uri="http://schemas.openxmlformats.org/drawingml/2006/table">
-            <a:tbl>
-              <a:tblPr>
-                <a:tableStyleId>{5C22544A-7EE6-4342-B048-85BDC9FD1C3A}</a:tableStyleId>
-              </a:tblPr>
-              <a:tblGrid>
-                <a:gridCol w="759823"/>
-                <a:gridCol w="759823"/>
-                <a:gridCol w="759823"/>
-                <a:gridCol w="759823"/>
-                <a:gridCol w="759823"/>
-              </a:tblGrid>
-              <a:tr h="203970">
-                <a:tc>
-                  <a:txBody>
-                    <a:bodyPr/>
-                    <a:lstStyle/>
-                    <a:p>
-                      <a:pPr algn="l" fontAlgn="b"/>
-                      <a:r>
-                        <a:rPr lang="en-US" sz="1100" u="none" strike="noStrike" dirty="0">
-                          <a:effectLst/>
-                        </a:rPr>
-                        <a:t>WW</a:t>
-                      </a:r>
-                      <a:endParaRPr lang="en-US" sz="1100" b="1" i="0" u="none" strike="noStrike" dirty="0">
-                        <a:solidFill>
-                          <a:srgbClr val="000000"/>
-                        </a:solidFill>
-                        <a:effectLst/>
-                        <a:latin typeface="Calibri" panose="020F0502020204030204" pitchFamily="34" charset="0"/>
-                      </a:endParaRPr>
-                    </a:p>
-                  </a:txBody>
-                  <a:tcPr marL="7620" marR="7620" marT="7620" marB="0" anchor="b"/>
-                </a:tc>
-                <a:tc>
-                  <a:txBody>
-                    <a:bodyPr/>
-                    <a:lstStyle/>
-                    <a:p>
-                      <a:pPr algn="ctr" fontAlgn="b"/>
-                      <a:r>
-                        <a:rPr lang="en-US" sz="1100" u="none" strike="noStrike">
-                          <a:effectLst/>
-                        </a:rPr>
-                        <a:t>1900</a:t>
-                      </a:r>
-                      <a:endParaRPr lang="en-US" sz="1100" b="0" i="0" u="none" strike="noStrike">
-                        <a:solidFill>
-                          <a:srgbClr val="000000"/>
-                        </a:solidFill>
-                        <a:effectLst/>
-                        <a:latin typeface="Calibri" panose="020F0502020204030204" pitchFamily="34" charset="0"/>
-                      </a:endParaRPr>
-                    </a:p>
-                  </a:txBody>
-                  <a:tcPr marL="7620" marR="7620" marT="7620" marB="0" anchor="b"/>
-                </a:tc>
-                <a:tc>
-                  <a:txBody>
-                    <a:bodyPr/>
-                    <a:lstStyle/>
-                    <a:p>
-                      <a:pPr algn="ctr" fontAlgn="b"/>
-                      <a:r>
-                        <a:rPr lang="en-US" sz="1100" u="none" strike="noStrike">
-                          <a:effectLst/>
-                        </a:rPr>
-                        <a:t>1901</a:t>
-                      </a:r>
-                      <a:endParaRPr lang="en-US" sz="1100" b="0" i="0" u="none" strike="noStrike">
-                        <a:solidFill>
-                          <a:srgbClr val="000000"/>
-                        </a:solidFill>
-                        <a:effectLst/>
-                        <a:latin typeface="Calibri" panose="020F0502020204030204" pitchFamily="34" charset="0"/>
-                      </a:endParaRPr>
-                    </a:p>
-                  </a:txBody>
-                  <a:tcPr marL="7620" marR="7620" marT="7620" marB="0" anchor="b"/>
-                </a:tc>
-                <a:tc>
-                  <a:txBody>
-                    <a:bodyPr/>
-                    <a:lstStyle/>
-                    <a:p>
-                      <a:pPr algn="ctr" fontAlgn="b"/>
-                      <a:r>
-                        <a:rPr lang="en-US" sz="1100" u="none" strike="noStrike" dirty="0">
-                          <a:effectLst/>
-                        </a:rPr>
-                        <a:t>1902</a:t>
-                      </a:r>
-                      <a:endParaRPr lang="en-US" sz="1100" b="0" i="0" u="none" strike="noStrike" dirty="0">
-                        <a:solidFill>
-                          <a:srgbClr val="000000"/>
-                        </a:solidFill>
-                        <a:effectLst/>
-                        <a:latin typeface="Calibri" panose="020F0502020204030204" pitchFamily="34" charset="0"/>
-                      </a:endParaRPr>
-                    </a:p>
-                  </a:txBody>
-                  <a:tcPr marL="7620" marR="7620" marT="7620" marB="0" anchor="b"/>
-                </a:tc>
-                <a:tc>
-                  <a:txBody>
-                    <a:bodyPr/>
-                    <a:lstStyle/>
-                    <a:p>
-                      <a:pPr algn="ctr" fontAlgn="b"/>
-                      <a:r>
-                        <a:rPr lang="en-US" sz="1100" u="none" strike="noStrike">
-                          <a:effectLst/>
-                        </a:rPr>
-                        <a:t>1903</a:t>
-                      </a:r>
-                      <a:endParaRPr lang="en-US" sz="1100" b="0" i="0" u="none" strike="noStrike">
-                        <a:solidFill>
-                          <a:srgbClr val="000000"/>
-                        </a:solidFill>
-                        <a:effectLst/>
-                        <a:latin typeface="Calibri" panose="020F0502020204030204" pitchFamily="34" charset="0"/>
-                      </a:endParaRPr>
-                    </a:p>
-                  </a:txBody>
-                  <a:tcPr marL="7620" marR="7620" marT="7620" marB="0" anchor="b"/>
-                </a:tc>
-              </a:tr>
-              <a:tr h="203970">
-                <a:tc>
-                  <a:txBody>
-                    <a:bodyPr/>
-                    <a:lstStyle/>
-                    <a:p>
-                      <a:pPr algn="l" fontAlgn="b"/>
-                      <a:r>
-                        <a:rPr lang="en-US" sz="1100" u="none" strike="noStrike">
-                          <a:effectLst/>
-                        </a:rPr>
-                        <a:t>Jan</a:t>
-                      </a:r>
-                      <a:endParaRPr lang="en-US" sz="1100" b="0" i="0" u="none" strike="noStrike">
-                        <a:solidFill>
-                          <a:srgbClr val="000000"/>
-                        </a:solidFill>
-                        <a:effectLst/>
-                        <a:latin typeface="Calibri" panose="020F0502020204030204" pitchFamily="34" charset="0"/>
-                      </a:endParaRPr>
-                    </a:p>
-                  </a:txBody>
-                  <a:tcPr marL="7620" marR="7620" marT="7620" marB="0" anchor="b"/>
-                </a:tc>
-                <a:tc>
-                  <a:txBody>
-                    <a:bodyPr/>
-                    <a:lstStyle/>
-                    <a:p>
-                      <a:pPr algn="ctr" fontAlgn="b"/>
-                      <a:endParaRPr lang="en-US" sz="1100" b="0" i="0" u="none" strike="noStrike">
-                        <a:solidFill>
-                          <a:srgbClr val="000000"/>
-                        </a:solidFill>
-                        <a:effectLst/>
-                        <a:latin typeface="Calibri" panose="020F0502020204030204" pitchFamily="34" charset="0"/>
-                      </a:endParaRPr>
-                    </a:p>
-                  </a:txBody>
-                  <a:tcPr marL="7620" marR="7620" marT="7620" marB="0" anchor="b"/>
-                </a:tc>
-                <a:tc>
-                  <a:txBody>
-                    <a:bodyPr/>
-                    <a:lstStyle/>
-                    <a:p>
-                      <a:pPr algn="ctr" fontAlgn="b"/>
-                      <a:endParaRPr lang="en-US" sz="1100" b="0" i="0" u="none" strike="noStrike">
-                        <a:solidFill>
-                          <a:srgbClr val="000000"/>
-                        </a:solidFill>
-                        <a:effectLst/>
-                        <a:latin typeface="Calibri" panose="020F0502020204030204" pitchFamily="34" charset="0"/>
-                      </a:endParaRPr>
-                    </a:p>
-                  </a:txBody>
-                  <a:tcPr marL="7620" marR="7620" marT="7620" marB="0" anchor="b"/>
-                </a:tc>
-                <a:tc>
-                  <a:txBody>
-                    <a:bodyPr/>
-                    <a:lstStyle/>
-                    <a:p>
-                      <a:pPr algn="ctr" fontAlgn="b"/>
-                      <a:endParaRPr lang="en-US" sz="1100" b="0" i="0" u="none" strike="noStrike">
-                        <a:solidFill>
-                          <a:srgbClr val="000000"/>
-                        </a:solidFill>
-                        <a:effectLst/>
-                        <a:latin typeface="Calibri" panose="020F0502020204030204" pitchFamily="34" charset="0"/>
-                      </a:endParaRPr>
-                    </a:p>
-                  </a:txBody>
-                  <a:tcPr marL="7620" marR="7620" marT="7620" marB="0" anchor="b"/>
-                </a:tc>
-                <a:tc>
-                  <a:txBody>
-                    <a:bodyPr/>
-                    <a:lstStyle/>
-                    <a:p>
-                      <a:pPr algn="ctr" fontAlgn="b"/>
-                      <a:endParaRPr lang="en-US" sz="1100" b="0" i="0" u="none" strike="noStrike">
-                        <a:solidFill>
-                          <a:srgbClr val="000000"/>
-                        </a:solidFill>
-                        <a:effectLst/>
-                        <a:latin typeface="Calibri" panose="020F0502020204030204" pitchFamily="34" charset="0"/>
-                      </a:endParaRPr>
-                    </a:p>
-                  </a:txBody>
-                  <a:tcPr marL="7620" marR="7620" marT="7620" marB="0" anchor="b"/>
-                </a:tc>
-              </a:tr>
-              <a:tr h="203970">
-                <a:tc>
-                  <a:txBody>
-                    <a:bodyPr/>
-                    <a:lstStyle/>
-                    <a:p>
-                      <a:pPr algn="l" fontAlgn="b"/>
-                      <a:r>
-                        <a:rPr lang="en-US" sz="1100" u="none" strike="noStrike">
-                          <a:effectLst/>
-                        </a:rPr>
-                        <a:t>Feb</a:t>
-                      </a:r>
-                      <a:endParaRPr lang="en-US" sz="1100" b="0" i="0" u="none" strike="noStrike">
-                        <a:solidFill>
-                          <a:srgbClr val="000000"/>
-                        </a:solidFill>
-                        <a:effectLst/>
-                        <a:latin typeface="Calibri" panose="020F0502020204030204" pitchFamily="34" charset="0"/>
-                      </a:endParaRPr>
-                    </a:p>
-                  </a:txBody>
-                  <a:tcPr marL="7620" marR="7620" marT="7620" marB="0" anchor="b"/>
-                </a:tc>
-                <a:tc>
-                  <a:txBody>
-                    <a:bodyPr/>
-                    <a:lstStyle/>
-                    <a:p>
-                      <a:pPr algn="ctr" fontAlgn="b"/>
-                      <a:endParaRPr lang="en-US" sz="1100" b="0" i="0" u="none" strike="noStrike" dirty="0">
-                        <a:solidFill>
-                          <a:srgbClr val="000000"/>
-                        </a:solidFill>
-                        <a:effectLst/>
-                        <a:latin typeface="Calibri" panose="020F0502020204030204" pitchFamily="34" charset="0"/>
-                      </a:endParaRPr>
-                    </a:p>
-                  </a:txBody>
-                  <a:tcPr marL="7620" marR="7620" marT="7620" marB="0" anchor="b"/>
-                </a:tc>
-                <a:tc>
-                  <a:txBody>
-                    <a:bodyPr/>
-                    <a:lstStyle/>
-                    <a:p>
-                      <a:pPr algn="ctr" fontAlgn="b"/>
-                      <a:endParaRPr lang="en-US" sz="1100" b="0" i="0" u="none" strike="noStrike">
-                        <a:solidFill>
-                          <a:srgbClr val="000000"/>
-                        </a:solidFill>
-                        <a:effectLst/>
-                        <a:latin typeface="Calibri" panose="020F0502020204030204" pitchFamily="34" charset="0"/>
-                      </a:endParaRPr>
-                    </a:p>
-                  </a:txBody>
-                  <a:tcPr marL="7620" marR="7620" marT="7620" marB="0" anchor="b"/>
-                </a:tc>
-                <a:tc>
-                  <a:txBody>
-                    <a:bodyPr/>
-                    <a:lstStyle/>
-                    <a:p>
-                      <a:pPr algn="ctr" fontAlgn="b"/>
-                      <a:endParaRPr lang="en-US" sz="1100" b="0" i="0" u="none" strike="noStrike">
-                        <a:solidFill>
-                          <a:srgbClr val="000000"/>
-                        </a:solidFill>
-                        <a:effectLst/>
-                        <a:latin typeface="Calibri" panose="020F0502020204030204" pitchFamily="34" charset="0"/>
-                      </a:endParaRPr>
-                    </a:p>
-                  </a:txBody>
-                  <a:tcPr marL="7620" marR="7620" marT="7620" marB="0" anchor="b"/>
-                </a:tc>
-                <a:tc>
-                  <a:txBody>
-                    <a:bodyPr/>
-                    <a:lstStyle/>
-                    <a:p>
-                      <a:pPr algn="ctr" fontAlgn="b"/>
-                      <a:endParaRPr lang="en-US" sz="1100" b="0" i="0" u="none" strike="noStrike">
-                        <a:solidFill>
-                          <a:srgbClr val="000000"/>
-                        </a:solidFill>
-                        <a:effectLst/>
-                        <a:latin typeface="Calibri" panose="020F0502020204030204" pitchFamily="34" charset="0"/>
-                      </a:endParaRPr>
-                    </a:p>
-                  </a:txBody>
-                  <a:tcPr marL="7620" marR="7620" marT="7620" marB="0" anchor="b"/>
-                </a:tc>
-              </a:tr>
-              <a:tr h="203970">
-                <a:tc>
-                  <a:txBody>
-                    <a:bodyPr/>
-                    <a:lstStyle/>
-                    <a:p>
-                      <a:pPr algn="l" fontAlgn="b"/>
-                      <a:r>
-                        <a:rPr lang="en-US" sz="1100" u="none" strike="noStrike">
-                          <a:effectLst/>
-                        </a:rPr>
-                        <a:t>Mar</a:t>
-                      </a:r>
-                      <a:endParaRPr lang="en-US" sz="1100" b="0" i="0" u="none" strike="noStrike">
-                        <a:solidFill>
-                          <a:srgbClr val="000000"/>
-                        </a:solidFill>
-                        <a:effectLst/>
-                        <a:latin typeface="Calibri" panose="020F0502020204030204" pitchFamily="34" charset="0"/>
-                      </a:endParaRPr>
-                    </a:p>
-                  </a:txBody>
-                  <a:tcPr marL="7620" marR="7620" marT="7620" marB="0" anchor="b"/>
-                </a:tc>
-                <a:tc>
-                  <a:txBody>
-                    <a:bodyPr/>
-                    <a:lstStyle/>
-                    <a:p>
-                      <a:pPr algn="ctr" fontAlgn="b"/>
-                      <a:endParaRPr lang="en-US" sz="1100" b="0" i="0" u="none" strike="noStrike">
-                        <a:solidFill>
-                          <a:srgbClr val="000000"/>
-                        </a:solidFill>
-                        <a:effectLst/>
-                        <a:latin typeface="Calibri" panose="020F0502020204030204" pitchFamily="34" charset="0"/>
-                      </a:endParaRPr>
-                    </a:p>
-                  </a:txBody>
-                  <a:tcPr marL="7620" marR="7620" marT="7620" marB="0" anchor="b"/>
-                </a:tc>
-                <a:tc>
-                  <a:txBody>
-                    <a:bodyPr/>
-                    <a:lstStyle/>
-                    <a:p>
-                      <a:pPr algn="ctr" fontAlgn="b"/>
-                      <a:endParaRPr lang="en-US" sz="1100" b="0" i="0" u="none" strike="noStrike">
-                        <a:solidFill>
-                          <a:srgbClr val="000000"/>
-                        </a:solidFill>
-                        <a:effectLst/>
-                        <a:latin typeface="Calibri" panose="020F0502020204030204" pitchFamily="34" charset="0"/>
-                      </a:endParaRPr>
-                    </a:p>
-                  </a:txBody>
-                  <a:tcPr marL="7620" marR="7620" marT="7620" marB="0" anchor="b"/>
-                </a:tc>
-                <a:tc>
-                  <a:txBody>
-                    <a:bodyPr/>
-                    <a:lstStyle/>
-                    <a:p>
-                      <a:pPr algn="ctr" fontAlgn="b"/>
-                      <a:endParaRPr lang="en-US" sz="1100" b="0" i="0" u="none" strike="noStrike">
-                        <a:solidFill>
-                          <a:srgbClr val="000000"/>
-                        </a:solidFill>
-                        <a:effectLst/>
-                        <a:latin typeface="Calibri" panose="020F0502020204030204" pitchFamily="34" charset="0"/>
-                      </a:endParaRPr>
-                    </a:p>
-                  </a:txBody>
-                  <a:tcPr marL="7620" marR="7620" marT="7620" marB="0" anchor="b"/>
-                </a:tc>
-                <a:tc>
-                  <a:txBody>
-                    <a:bodyPr/>
-                    <a:lstStyle/>
-                    <a:p>
-                      <a:pPr algn="ctr" fontAlgn="b"/>
-                      <a:endParaRPr lang="en-US" sz="1100" b="0" i="0" u="none" strike="noStrike">
-                        <a:solidFill>
-                          <a:srgbClr val="000000"/>
-                        </a:solidFill>
-                        <a:effectLst/>
-                        <a:latin typeface="Calibri" panose="020F0502020204030204" pitchFamily="34" charset="0"/>
-                      </a:endParaRPr>
-                    </a:p>
-                  </a:txBody>
-                  <a:tcPr marL="7620" marR="7620" marT="7620" marB="0" anchor="b"/>
-                </a:tc>
-              </a:tr>
-              <a:tr h="203970">
-                <a:tc>
-                  <a:txBody>
-                    <a:bodyPr/>
-                    <a:lstStyle/>
-                    <a:p>
-                      <a:pPr algn="l" fontAlgn="b"/>
-                      <a:r>
-                        <a:rPr lang="en-US" sz="1100" u="none" strike="noStrike">
-                          <a:effectLst/>
-                        </a:rPr>
-                        <a:t>Apr</a:t>
-                      </a:r>
-                      <a:endParaRPr lang="en-US" sz="1100" b="0" i="0" u="none" strike="noStrike">
-                        <a:solidFill>
-                          <a:srgbClr val="000000"/>
-                        </a:solidFill>
-                        <a:effectLst/>
-                        <a:latin typeface="Calibri" panose="020F0502020204030204" pitchFamily="34" charset="0"/>
-                      </a:endParaRPr>
-                    </a:p>
-                  </a:txBody>
-                  <a:tcPr marL="7620" marR="7620" marT="7620" marB="0" anchor="b"/>
-                </a:tc>
-                <a:tc>
-                  <a:txBody>
-                    <a:bodyPr/>
-                    <a:lstStyle/>
-                    <a:p>
-                      <a:pPr algn="ctr" fontAlgn="b"/>
-                      <a:endParaRPr lang="en-US" sz="1100" b="0" i="0" u="none" strike="noStrike">
-                        <a:solidFill>
-                          <a:srgbClr val="000000"/>
-                        </a:solidFill>
-                        <a:effectLst/>
-                        <a:latin typeface="Calibri" panose="020F0502020204030204" pitchFamily="34" charset="0"/>
-                      </a:endParaRPr>
-                    </a:p>
-                  </a:txBody>
-                  <a:tcPr marL="7620" marR="7620" marT="7620" marB="0" anchor="b"/>
-                </a:tc>
-                <a:tc>
-                  <a:txBody>
-                    <a:bodyPr/>
-                    <a:lstStyle/>
-                    <a:p>
-                      <a:pPr algn="ctr" fontAlgn="b"/>
-                      <a:endParaRPr lang="en-US" sz="1100" b="0" i="0" u="none" strike="noStrike">
-                        <a:solidFill>
-                          <a:srgbClr val="000000"/>
-                        </a:solidFill>
-                        <a:effectLst/>
-                        <a:latin typeface="Calibri" panose="020F0502020204030204" pitchFamily="34" charset="0"/>
-                      </a:endParaRPr>
-                    </a:p>
-                  </a:txBody>
-                  <a:tcPr marL="7620" marR="7620" marT="7620" marB="0" anchor="b"/>
-                </a:tc>
-                <a:tc>
-                  <a:txBody>
-                    <a:bodyPr/>
-                    <a:lstStyle/>
-                    <a:p>
-                      <a:pPr algn="ctr" fontAlgn="b"/>
-                      <a:endParaRPr lang="en-US" sz="1100" b="0" i="0" u="none" strike="noStrike">
-                        <a:solidFill>
-                          <a:srgbClr val="000000"/>
-                        </a:solidFill>
-                        <a:effectLst/>
-                        <a:latin typeface="Calibri" panose="020F0502020204030204" pitchFamily="34" charset="0"/>
-                      </a:endParaRPr>
-                    </a:p>
-                  </a:txBody>
-                  <a:tcPr marL="7620" marR="7620" marT="7620" marB="0" anchor="b"/>
-                </a:tc>
-                <a:tc>
-                  <a:txBody>
-                    <a:bodyPr/>
-                    <a:lstStyle/>
-                    <a:p>
-                      <a:pPr algn="ctr" fontAlgn="b"/>
-                      <a:endParaRPr lang="en-US" sz="1100" b="0" i="0" u="none" strike="noStrike">
-                        <a:solidFill>
-                          <a:srgbClr val="000000"/>
-                        </a:solidFill>
-                        <a:effectLst/>
-                        <a:latin typeface="Calibri" panose="020F0502020204030204" pitchFamily="34" charset="0"/>
-                      </a:endParaRPr>
-                    </a:p>
-                  </a:txBody>
-                  <a:tcPr marL="7620" marR="7620" marT="7620" marB="0" anchor="b"/>
-                </a:tc>
-              </a:tr>
-              <a:tr h="203970">
-                <a:tc>
-                  <a:txBody>
-                    <a:bodyPr/>
-                    <a:lstStyle/>
-                    <a:p>
-                      <a:pPr algn="l" fontAlgn="b"/>
-                      <a:r>
-                        <a:rPr lang="en-US" sz="1100" u="none" strike="noStrike">
-                          <a:effectLst/>
-                        </a:rPr>
-                        <a:t>May</a:t>
-                      </a:r>
-                      <a:endParaRPr lang="en-US" sz="1100" b="0" i="0" u="none" strike="noStrike">
-                        <a:solidFill>
-                          <a:srgbClr val="000000"/>
-                        </a:solidFill>
-                        <a:effectLst/>
-                        <a:latin typeface="Calibri" panose="020F0502020204030204" pitchFamily="34" charset="0"/>
-                      </a:endParaRPr>
-                    </a:p>
-                  </a:txBody>
-                  <a:tcPr marL="7620" marR="7620" marT="7620" marB="0" anchor="b"/>
-                </a:tc>
-                <a:tc>
-                  <a:txBody>
-                    <a:bodyPr/>
-                    <a:lstStyle/>
-                    <a:p>
-                      <a:pPr algn="ctr" fontAlgn="b"/>
-                      <a:endParaRPr lang="en-US" sz="1100" b="0" i="0" u="none" strike="noStrike">
-                        <a:solidFill>
-                          <a:srgbClr val="000000"/>
-                        </a:solidFill>
-                        <a:effectLst/>
-                        <a:latin typeface="Calibri" panose="020F0502020204030204" pitchFamily="34" charset="0"/>
-                      </a:endParaRPr>
-                    </a:p>
-                  </a:txBody>
-                  <a:tcPr marL="7620" marR="7620" marT="7620" marB="0" anchor="b"/>
-                </a:tc>
-                <a:tc>
-                  <a:txBody>
-                    <a:bodyPr/>
-                    <a:lstStyle/>
-                    <a:p>
-                      <a:pPr algn="ctr" fontAlgn="b"/>
-                      <a:endParaRPr lang="en-US" sz="1100" b="0" i="0" u="none" strike="noStrike">
-                        <a:solidFill>
-                          <a:srgbClr val="000000"/>
-                        </a:solidFill>
-                        <a:effectLst/>
-                        <a:latin typeface="Calibri" panose="020F0502020204030204" pitchFamily="34" charset="0"/>
-                      </a:endParaRPr>
-                    </a:p>
-                  </a:txBody>
-                  <a:tcPr marL="7620" marR="7620" marT="7620" marB="0" anchor="b"/>
-                </a:tc>
-                <a:tc>
-                  <a:txBody>
-                    <a:bodyPr/>
-                    <a:lstStyle/>
-                    <a:p>
-                      <a:pPr algn="ctr" fontAlgn="b"/>
-                      <a:endParaRPr lang="en-US" sz="1100" b="0" i="0" u="none" strike="noStrike">
-                        <a:solidFill>
-                          <a:srgbClr val="000000"/>
-                        </a:solidFill>
-                        <a:effectLst/>
-                        <a:latin typeface="Calibri" panose="020F0502020204030204" pitchFamily="34" charset="0"/>
-                      </a:endParaRPr>
-                    </a:p>
-                  </a:txBody>
-                  <a:tcPr marL="7620" marR="7620" marT="7620" marB="0" anchor="b"/>
-                </a:tc>
-                <a:tc>
-                  <a:txBody>
-                    <a:bodyPr/>
-                    <a:lstStyle/>
-                    <a:p>
-                      <a:pPr algn="ctr" fontAlgn="b"/>
-                      <a:endParaRPr lang="en-US" sz="1100" b="0" i="0" u="none" strike="noStrike">
-                        <a:solidFill>
-                          <a:srgbClr val="000000"/>
-                        </a:solidFill>
-                        <a:effectLst/>
-                        <a:latin typeface="Calibri" panose="020F0502020204030204" pitchFamily="34" charset="0"/>
-                      </a:endParaRPr>
-                    </a:p>
-                  </a:txBody>
-                  <a:tcPr marL="7620" marR="7620" marT="7620" marB="0" anchor="b"/>
-                </a:tc>
-              </a:tr>
-              <a:tr h="212469">
-                <a:tc>
-                  <a:txBody>
-                    <a:bodyPr/>
-                    <a:lstStyle/>
-                    <a:p>
-                      <a:pPr algn="l" fontAlgn="b"/>
-                      <a:r>
-                        <a:rPr lang="en-US" sz="1100" u="none" strike="noStrike">
-                          <a:effectLst/>
-                        </a:rPr>
-                        <a:t>Jun</a:t>
-                      </a:r>
-                      <a:endParaRPr lang="en-US" sz="1100" b="0" i="0" u="none" strike="noStrike">
-                        <a:solidFill>
-                          <a:srgbClr val="000000"/>
-                        </a:solidFill>
-                        <a:effectLst/>
-                        <a:latin typeface="Calibri" panose="020F0502020204030204" pitchFamily="34" charset="0"/>
-                      </a:endParaRPr>
-                    </a:p>
-                  </a:txBody>
-                  <a:tcPr marL="7620" marR="7620" marT="7620" marB="0" anchor="b"/>
-                </a:tc>
-                <a:tc>
-                  <a:txBody>
-                    <a:bodyPr/>
-                    <a:lstStyle/>
-                    <a:p>
-                      <a:pPr algn="ctr" fontAlgn="b"/>
-                      <a:endParaRPr lang="en-US" sz="1100" b="0" i="0" u="none" strike="noStrike">
-                        <a:solidFill>
-                          <a:srgbClr val="000000"/>
-                        </a:solidFill>
-                        <a:effectLst/>
-                        <a:latin typeface="Calibri" panose="020F0502020204030204" pitchFamily="34" charset="0"/>
-                      </a:endParaRPr>
-                    </a:p>
-                  </a:txBody>
-                  <a:tcPr marL="7620" marR="7620" marT="7620" marB="0" anchor="b"/>
-                </a:tc>
-                <a:tc>
-                  <a:txBody>
-                    <a:bodyPr/>
-                    <a:lstStyle/>
-                    <a:p>
-                      <a:pPr algn="ctr" fontAlgn="b"/>
-                      <a:endParaRPr lang="en-US" sz="1100" b="0" i="0" u="none" strike="noStrike">
-                        <a:solidFill>
-                          <a:srgbClr val="000000"/>
-                        </a:solidFill>
-                        <a:effectLst/>
-                        <a:latin typeface="Calibri" panose="020F0502020204030204" pitchFamily="34" charset="0"/>
-                      </a:endParaRPr>
-                    </a:p>
-                  </a:txBody>
-                  <a:tcPr marL="7620" marR="7620" marT="7620" marB="0" anchor="b"/>
-                </a:tc>
-                <a:tc>
-                  <a:txBody>
-                    <a:bodyPr/>
-                    <a:lstStyle/>
-                    <a:p>
-                      <a:pPr algn="ctr" fontAlgn="b"/>
-                      <a:endParaRPr lang="en-US" sz="1100" b="0" i="0" u="none" strike="noStrike">
-                        <a:solidFill>
-                          <a:srgbClr val="000000"/>
-                        </a:solidFill>
-                        <a:effectLst/>
-                        <a:latin typeface="Calibri" panose="020F0502020204030204" pitchFamily="34" charset="0"/>
-                      </a:endParaRPr>
-                    </a:p>
-                  </a:txBody>
-                  <a:tcPr marL="7620" marR="7620" marT="7620" marB="0" anchor="b"/>
-                </a:tc>
-                <a:tc>
-                  <a:txBody>
-                    <a:bodyPr/>
-                    <a:lstStyle/>
-                    <a:p>
-                      <a:pPr algn="ctr" fontAlgn="b"/>
-                      <a:endParaRPr lang="en-US" sz="1100" b="0" i="0" u="none" strike="noStrike">
-                        <a:solidFill>
-                          <a:srgbClr val="000000"/>
-                        </a:solidFill>
-                        <a:effectLst/>
-                        <a:latin typeface="Calibri" panose="020F0502020204030204" pitchFamily="34" charset="0"/>
-                      </a:endParaRPr>
-                    </a:p>
-                  </a:txBody>
-                  <a:tcPr marL="7620" marR="7620" marT="7620" marB="0" anchor="b"/>
-                </a:tc>
-              </a:tr>
-              <a:tr h="212469">
-                <a:tc>
-                  <a:txBody>
-                    <a:bodyPr/>
-                    <a:lstStyle/>
-                    <a:p>
-                      <a:pPr algn="l" fontAlgn="b"/>
-                      <a:r>
-                        <a:rPr lang="en-US" sz="1100" u="none" strike="noStrike">
-                          <a:effectLst/>
-                        </a:rPr>
-                        <a:t>Jul</a:t>
-                      </a:r>
-                      <a:endParaRPr lang="en-US" sz="1100" b="0" i="0" u="none" strike="noStrike">
-                        <a:solidFill>
-                          <a:srgbClr val="000000"/>
-                        </a:solidFill>
-                        <a:effectLst/>
-                        <a:latin typeface="Calibri" panose="020F0502020204030204" pitchFamily="34" charset="0"/>
-                      </a:endParaRPr>
-                    </a:p>
-                  </a:txBody>
-                  <a:tcPr marL="7620" marR="7620" marT="7620" marB="0" anchor="b"/>
-                </a:tc>
-                <a:tc>
-                  <a:txBody>
-                    <a:bodyPr/>
-                    <a:lstStyle/>
-                    <a:p>
-                      <a:pPr algn="ctr" fontAlgn="b"/>
-                      <a:endParaRPr lang="en-US" sz="1100" b="0" i="0" u="none" strike="noStrike">
-                        <a:solidFill>
-                          <a:srgbClr val="000000"/>
-                        </a:solidFill>
-                        <a:effectLst/>
-                        <a:latin typeface="Calibri" panose="020F0502020204030204" pitchFamily="34" charset="0"/>
-                      </a:endParaRPr>
-                    </a:p>
-                  </a:txBody>
-                  <a:tcPr marL="7620" marR="7620" marT="7620" marB="0" anchor="b"/>
-                </a:tc>
-                <a:tc>
-                  <a:txBody>
-                    <a:bodyPr/>
-                    <a:lstStyle/>
-                    <a:p>
-                      <a:pPr algn="ctr" fontAlgn="b"/>
-                      <a:r>
-                        <a:rPr lang="en-US" sz="1100" u="none" strike="noStrike">
-                          <a:effectLst/>
-                        </a:rPr>
-                        <a:t>15</a:t>
-                      </a:r>
-                      <a:endParaRPr lang="en-US" sz="1100" b="0" i="0" u="none" strike="noStrike">
-                        <a:solidFill>
-                          <a:srgbClr val="000000"/>
-                        </a:solidFill>
-                        <a:effectLst/>
-                        <a:latin typeface="Calibri" panose="020F0502020204030204" pitchFamily="34" charset="0"/>
-                      </a:endParaRPr>
-                    </a:p>
-                  </a:txBody>
-                  <a:tcPr marL="7620" marR="7620" marT="7620" marB="0" anchor="b"/>
-                </a:tc>
-                <a:tc>
-                  <a:txBody>
-                    <a:bodyPr/>
-                    <a:lstStyle/>
-                    <a:p>
-                      <a:pPr algn="ctr" fontAlgn="b"/>
-                      <a:endParaRPr lang="en-US" sz="1100" b="0" i="0" u="none" strike="noStrike">
-                        <a:solidFill>
-                          <a:srgbClr val="000000"/>
-                        </a:solidFill>
-                        <a:effectLst/>
-                        <a:latin typeface="Calibri" panose="020F0502020204030204" pitchFamily="34" charset="0"/>
-                      </a:endParaRPr>
-                    </a:p>
-                  </a:txBody>
-                  <a:tcPr marL="7620" marR="7620" marT="7620" marB="0" anchor="b"/>
-                </a:tc>
-                <a:tc>
-                  <a:txBody>
-                    <a:bodyPr/>
-                    <a:lstStyle/>
-                    <a:p>
-                      <a:pPr algn="ctr" fontAlgn="b"/>
-                      <a:endParaRPr lang="en-US" sz="1100" b="0" i="0" u="none" strike="noStrike">
-                        <a:solidFill>
-                          <a:srgbClr val="000000"/>
-                        </a:solidFill>
-                        <a:effectLst/>
-                        <a:latin typeface="Calibri" panose="020F0502020204030204" pitchFamily="34" charset="0"/>
-                      </a:endParaRPr>
-                    </a:p>
-                  </a:txBody>
-                  <a:tcPr marL="7620" marR="7620" marT="7620" marB="0" anchor="b"/>
-                </a:tc>
-              </a:tr>
-              <a:tr h="212469">
-                <a:tc>
-                  <a:txBody>
-                    <a:bodyPr/>
-                    <a:lstStyle/>
-                    <a:p>
-                      <a:pPr algn="l" fontAlgn="b"/>
-                      <a:r>
-                        <a:rPr lang="en-US" sz="1100" u="none" strike="noStrike">
-                          <a:effectLst/>
-                        </a:rPr>
-                        <a:t>Aug</a:t>
-                      </a:r>
-                      <a:endParaRPr lang="en-US" sz="1100" b="0" i="0" u="none" strike="noStrike">
-                        <a:solidFill>
-                          <a:srgbClr val="000000"/>
-                        </a:solidFill>
-                        <a:effectLst/>
-                        <a:latin typeface="Calibri" panose="020F0502020204030204" pitchFamily="34" charset="0"/>
-                      </a:endParaRPr>
-                    </a:p>
-                  </a:txBody>
-                  <a:tcPr marL="7620" marR="7620" marT="7620" marB="0" anchor="b"/>
-                </a:tc>
-                <a:tc>
-                  <a:txBody>
-                    <a:bodyPr/>
-                    <a:lstStyle/>
-                    <a:p>
-                      <a:pPr algn="ctr" fontAlgn="b"/>
-                      <a:endParaRPr lang="en-US" sz="1100" b="0" i="0" u="none" strike="noStrike">
-                        <a:solidFill>
-                          <a:srgbClr val="000000"/>
-                        </a:solidFill>
-                        <a:effectLst/>
-                        <a:latin typeface="Calibri" panose="020F0502020204030204" pitchFamily="34" charset="0"/>
-                      </a:endParaRPr>
-                    </a:p>
-                  </a:txBody>
-                  <a:tcPr marL="7620" marR="7620" marT="7620" marB="0" anchor="b"/>
-                </a:tc>
-                <a:tc>
-                  <a:txBody>
-                    <a:bodyPr/>
-                    <a:lstStyle/>
-                    <a:p>
-                      <a:pPr algn="ctr" fontAlgn="b"/>
-                      <a:r>
-                        <a:rPr lang="en-US" sz="1100" u="none" strike="noStrike">
-                          <a:effectLst/>
-                        </a:rPr>
-                        <a:t>60</a:t>
-                      </a:r>
-                      <a:endParaRPr lang="en-US" sz="1100" b="0" i="0" u="none" strike="noStrike">
-                        <a:solidFill>
-                          <a:srgbClr val="000000"/>
-                        </a:solidFill>
-                        <a:effectLst/>
-                        <a:latin typeface="Calibri" panose="020F0502020204030204" pitchFamily="34" charset="0"/>
-                      </a:endParaRPr>
-                    </a:p>
-                  </a:txBody>
-                  <a:tcPr marL="7620" marR="7620" marT="7620" marB="0" anchor="b"/>
-                </a:tc>
-                <a:tc>
-                  <a:txBody>
-                    <a:bodyPr/>
-                    <a:lstStyle/>
-                    <a:p>
-                      <a:pPr algn="ctr" fontAlgn="b"/>
-                      <a:r>
-                        <a:rPr lang="en-US" sz="1100" u="none" strike="noStrike">
-                          <a:effectLst/>
-                        </a:rPr>
-                        <a:t> </a:t>
-                      </a:r>
-                      <a:endParaRPr lang="en-US" sz="1100" b="0" i="0" u="none" strike="noStrike">
-                        <a:solidFill>
-                          <a:srgbClr val="000000"/>
-                        </a:solidFill>
-                        <a:effectLst/>
-                        <a:latin typeface="Calibri" panose="020F0502020204030204" pitchFamily="34" charset="0"/>
-                      </a:endParaRPr>
-                    </a:p>
-                  </a:txBody>
-                  <a:tcPr marL="7620" marR="7620" marT="7620" marB="0" anchor="b"/>
-                </a:tc>
-                <a:tc>
-                  <a:txBody>
-                    <a:bodyPr/>
-                    <a:lstStyle/>
-                    <a:p>
-                      <a:pPr algn="ctr" fontAlgn="b"/>
-                      <a:endParaRPr lang="en-US" sz="1100" b="0" i="0" u="none" strike="noStrike">
-                        <a:solidFill>
-                          <a:srgbClr val="000000"/>
-                        </a:solidFill>
-                        <a:effectLst/>
-                        <a:latin typeface="Calibri" panose="020F0502020204030204" pitchFamily="34" charset="0"/>
-                      </a:endParaRPr>
-                    </a:p>
-                  </a:txBody>
-                  <a:tcPr marL="7620" marR="7620" marT="7620" marB="0" anchor="b"/>
-                </a:tc>
-              </a:tr>
-              <a:tr h="212469">
-                <a:tc>
-                  <a:txBody>
-                    <a:bodyPr/>
-                    <a:lstStyle/>
-                    <a:p>
-                      <a:pPr algn="l" fontAlgn="b"/>
-                      <a:r>
-                        <a:rPr lang="en-US" sz="1100" u="none" strike="noStrike">
-                          <a:effectLst/>
-                        </a:rPr>
-                        <a:t>Sep</a:t>
-                      </a:r>
-                      <a:endParaRPr lang="en-US" sz="1100" b="0" i="0" u="none" strike="noStrike">
-                        <a:solidFill>
-                          <a:srgbClr val="000000"/>
-                        </a:solidFill>
-                        <a:effectLst/>
-                        <a:latin typeface="Calibri" panose="020F0502020204030204" pitchFamily="34" charset="0"/>
-                      </a:endParaRPr>
-                    </a:p>
-                  </a:txBody>
-                  <a:tcPr marL="7620" marR="7620" marT="7620" marB="0" anchor="b"/>
-                </a:tc>
-                <a:tc>
-                  <a:txBody>
-                    <a:bodyPr/>
-                    <a:lstStyle/>
-                    <a:p>
-                      <a:pPr algn="ctr" fontAlgn="b"/>
-                      <a:r>
-                        <a:rPr lang="en-US" sz="1100" u="none" strike="noStrike">
-                          <a:effectLst/>
-                        </a:rPr>
-                        <a:t> </a:t>
-                      </a:r>
-                      <a:endParaRPr lang="en-US" sz="1100" b="0" i="0" u="none" strike="noStrike">
-                        <a:solidFill>
-                          <a:srgbClr val="000000"/>
-                        </a:solidFill>
-                        <a:effectLst/>
-                        <a:latin typeface="Calibri" panose="020F0502020204030204" pitchFamily="34" charset="0"/>
-                      </a:endParaRPr>
-                    </a:p>
-                  </a:txBody>
-                  <a:tcPr marL="7620" marR="7620" marT="7620" marB="0" anchor="b"/>
-                </a:tc>
-                <a:tc>
-                  <a:txBody>
-                    <a:bodyPr/>
-                    <a:lstStyle/>
-                    <a:p>
-                      <a:pPr algn="ctr" fontAlgn="b"/>
-                      <a:endParaRPr lang="en-US" sz="1100" b="0" i="0" u="none" strike="noStrike">
-                        <a:solidFill>
-                          <a:srgbClr val="000000"/>
-                        </a:solidFill>
-                        <a:effectLst/>
-                        <a:latin typeface="Calibri" panose="020F0502020204030204" pitchFamily="34" charset="0"/>
-                      </a:endParaRPr>
-                    </a:p>
-                  </a:txBody>
-                  <a:tcPr marL="7620" marR="7620" marT="7620" marB="0" anchor="b"/>
-                </a:tc>
-                <a:tc>
-                  <a:txBody>
-                    <a:bodyPr/>
-                    <a:lstStyle/>
-                    <a:p>
-                      <a:pPr algn="ctr" fontAlgn="b"/>
-                      <a:r>
-                        <a:rPr lang="en-US" sz="1100" u="none" strike="noStrike">
-                          <a:effectLst/>
-                        </a:rPr>
-                        <a:t>25</a:t>
-                      </a:r>
-                      <a:endParaRPr lang="en-US" sz="1100" b="0" i="0" u="none" strike="noStrike">
-                        <a:solidFill>
-                          <a:srgbClr val="000000"/>
-                        </a:solidFill>
-                        <a:effectLst/>
-                        <a:latin typeface="Calibri" panose="020F0502020204030204" pitchFamily="34" charset="0"/>
-                      </a:endParaRPr>
-                    </a:p>
-                  </a:txBody>
-                  <a:tcPr marL="7620" marR="7620" marT="7620" marB="0" anchor="b"/>
-                </a:tc>
-                <a:tc>
-                  <a:txBody>
-                    <a:bodyPr/>
-                    <a:lstStyle/>
-                    <a:p>
-                      <a:pPr algn="ctr" fontAlgn="b"/>
-                      <a:endParaRPr lang="en-US" sz="1100" b="0" i="0" u="none" strike="noStrike">
-                        <a:solidFill>
-                          <a:srgbClr val="000000"/>
-                        </a:solidFill>
-                        <a:effectLst/>
-                        <a:latin typeface="Calibri" panose="020F0502020204030204" pitchFamily="34" charset="0"/>
-                      </a:endParaRPr>
-                    </a:p>
-                  </a:txBody>
-                  <a:tcPr marL="7620" marR="7620" marT="7620" marB="0" anchor="b"/>
-                </a:tc>
-              </a:tr>
-              <a:tr h="212469">
-                <a:tc>
-                  <a:txBody>
-                    <a:bodyPr/>
-                    <a:lstStyle/>
-                    <a:p>
-                      <a:pPr algn="l" fontAlgn="b"/>
-                      <a:r>
-                        <a:rPr lang="en-US" sz="1100" u="none" strike="noStrike">
-                          <a:effectLst/>
-                        </a:rPr>
-                        <a:t>Oct</a:t>
-                      </a:r>
-                      <a:endParaRPr lang="en-US" sz="1100" b="0" i="0" u="none" strike="noStrike">
-                        <a:solidFill>
-                          <a:srgbClr val="000000"/>
-                        </a:solidFill>
-                        <a:effectLst/>
-                        <a:latin typeface="Calibri" panose="020F0502020204030204" pitchFamily="34" charset="0"/>
-                      </a:endParaRPr>
-                    </a:p>
-                  </a:txBody>
-                  <a:tcPr marL="7620" marR="7620" marT="7620" marB="0" anchor="b"/>
-                </a:tc>
-                <a:tc>
-                  <a:txBody>
-                    <a:bodyPr/>
-                    <a:lstStyle/>
-                    <a:p>
-                      <a:pPr algn="ctr" fontAlgn="b"/>
-                      <a:r>
-                        <a:rPr lang="en-US" sz="1100" u="none" strike="noStrike">
-                          <a:effectLst/>
-                        </a:rPr>
-                        <a:t>50</a:t>
-                      </a:r>
-                      <a:endParaRPr lang="en-US" sz="1100" b="0" i="0" u="none" strike="noStrike">
-                        <a:solidFill>
-                          <a:srgbClr val="000000"/>
-                        </a:solidFill>
-                        <a:effectLst/>
-                        <a:latin typeface="Calibri" panose="020F0502020204030204" pitchFamily="34" charset="0"/>
-                      </a:endParaRPr>
-                    </a:p>
-                  </a:txBody>
-                  <a:tcPr marL="7620" marR="7620" marT="7620" marB="0" anchor="b"/>
-                </a:tc>
-                <a:tc>
-                  <a:txBody>
-                    <a:bodyPr/>
-                    <a:lstStyle/>
-                    <a:p>
-                      <a:pPr algn="ctr" fontAlgn="b"/>
-                      <a:endParaRPr lang="en-US" sz="1100" b="0" i="0" u="none" strike="noStrike">
-                        <a:solidFill>
-                          <a:srgbClr val="000000"/>
-                        </a:solidFill>
-                        <a:effectLst/>
-                        <a:latin typeface="Calibri" panose="020F0502020204030204" pitchFamily="34" charset="0"/>
-                      </a:endParaRPr>
-                    </a:p>
-                  </a:txBody>
-                  <a:tcPr marL="7620" marR="7620" marT="7620" marB="0" anchor="b"/>
-                </a:tc>
-                <a:tc>
-                  <a:txBody>
-                    <a:bodyPr/>
-                    <a:lstStyle/>
-                    <a:p>
-                      <a:pPr algn="ctr" fontAlgn="b"/>
-                      <a:r>
-                        <a:rPr lang="en-US" sz="1100" u="none" strike="noStrike" dirty="0">
-                          <a:effectLst/>
-                        </a:rPr>
-                        <a:t>350</a:t>
-                      </a:r>
-                      <a:endParaRPr lang="en-US" sz="1100" b="0" i="0" u="none" strike="noStrike" dirty="0">
-                        <a:solidFill>
-                          <a:srgbClr val="000000"/>
-                        </a:solidFill>
-                        <a:effectLst/>
-                        <a:latin typeface="Calibri" panose="020F0502020204030204" pitchFamily="34" charset="0"/>
-                      </a:endParaRPr>
-                    </a:p>
-                  </a:txBody>
-                  <a:tcPr marL="7620" marR="7620" marT="7620" marB="0" anchor="b"/>
-                </a:tc>
-                <a:tc>
-                  <a:txBody>
-                    <a:bodyPr/>
-                    <a:lstStyle/>
-                    <a:p>
-                      <a:pPr algn="ctr" fontAlgn="b"/>
-                      <a:r>
-                        <a:rPr lang="en-US" sz="1100" u="none" strike="noStrike">
-                          <a:effectLst/>
-                        </a:rPr>
-                        <a:t> </a:t>
-                      </a:r>
-                      <a:endParaRPr lang="en-US" sz="1100" b="0" i="0" u="none" strike="noStrike">
-                        <a:solidFill>
-                          <a:srgbClr val="000000"/>
-                        </a:solidFill>
-                        <a:effectLst/>
-                        <a:latin typeface="Calibri" panose="020F0502020204030204" pitchFamily="34" charset="0"/>
-                      </a:endParaRPr>
-                    </a:p>
-                  </a:txBody>
-                  <a:tcPr marL="7620" marR="7620" marT="7620" marB="0" anchor="b"/>
-                </a:tc>
-              </a:tr>
-              <a:tr h="203970">
-                <a:tc>
-                  <a:txBody>
-                    <a:bodyPr/>
-                    <a:lstStyle/>
-                    <a:p>
-                      <a:pPr algn="l" fontAlgn="b"/>
-                      <a:r>
-                        <a:rPr lang="en-US" sz="1100" u="none" strike="noStrike">
-                          <a:effectLst/>
-                        </a:rPr>
-                        <a:t>Nov</a:t>
-                      </a:r>
-                      <a:endParaRPr lang="en-US" sz="1100" b="0" i="0" u="none" strike="noStrike">
-                        <a:solidFill>
-                          <a:srgbClr val="000000"/>
-                        </a:solidFill>
-                        <a:effectLst/>
-                        <a:latin typeface="Calibri" panose="020F0502020204030204" pitchFamily="34" charset="0"/>
-                      </a:endParaRPr>
-                    </a:p>
-                  </a:txBody>
-                  <a:tcPr marL="7620" marR="7620" marT="7620" marB="0" anchor="b"/>
-                </a:tc>
-                <a:tc>
-                  <a:txBody>
-                    <a:bodyPr/>
-                    <a:lstStyle/>
-                    <a:p>
-                      <a:pPr algn="ctr" fontAlgn="b"/>
-                      <a:endParaRPr lang="en-US" sz="1100" b="0" i="0" u="none" strike="noStrike">
-                        <a:solidFill>
-                          <a:srgbClr val="000000"/>
-                        </a:solidFill>
-                        <a:effectLst/>
-                        <a:latin typeface="Calibri" panose="020F0502020204030204" pitchFamily="34" charset="0"/>
-                      </a:endParaRPr>
-                    </a:p>
-                  </a:txBody>
-                  <a:tcPr marL="7620" marR="7620" marT="7620" marB="0" anchor="b"/>
-                </a:tc>
-                <a:tc>
-                  <a:txBody>
-                    <a:bodyPr/>
-                    <a:lstStyle/>
-                    <a:p>
-                      <a:pPr algn="ctr" fontAlgn="b"/>
-                      <a:endParaRPr lang="en-US" sz="1100" b="0" i="0" u="none" strike="noStrike">
-                        <a:solidFill>
-                          <a:srgbClr val="000000"/>
-                        </a:solidFill>
-                        <a:effectLst/>
-                        <a:latin typeface="Calibri" panose="020F0502020204030204" pitchFamily="34" charset="0"/>
-                      </a:endParaRPr>
-                    </a:p>
-                  </a:txBody>
-                  <a:tcPr marL="7620" marR="7620" marT="7620" marB="0" anchor="b"/>
-                </a:tc>
-                <a:tc>
-                  <a:txBody>
-                    <a:bodyPr/>
-                    <a:lstStyle/>
-                    <a:p>
-                      <a:pPr algn="ctr" fontAlgn="b"/>
-                      <a:endParaRPr lang="en-US" sz="1100" b="0" i="0" u="none" strike="noStrike" dirty="0">
-                        <a:solidFill>
-                          <a:srgbClr val="000000"/>
-                        </a:solidFill>
-                        <a:effectLst/>
-                        <a:latin typeface="Calibri" panose="020F0502020204030204" pitchFamily="34" charset="0"/>
-                      </a:endParaRPr>
-                    </a:p>
-                  </a:txBody>
-                  <a:tcPr marL="7620" marR="7620" marT="7620" marB="0" anchor="b"/>
-                </a:tc>
-                <a:tc>
-                  <a:txBody>
-                    <a:bodyPr/>
-                    <a:lstStyle/>
-                    <a:p>
-                      <a:pPr algn="ctr" fontAlgn="b"/>
-                      <a:r>
-                        <a:rPr lang="en-US" sz="1100" u="none" strike="noStrike">
-                          <a:effectLst/>
-                        </a:rPr>
-                        <a:t> </a:t>
-                      </a:r>
-                      <a:endParaRPr lang="en-US" sz="1100" b="0" i="0" u="none" strike="noStrike">
-                        <a:solidFill>
-                          <a:srgbClr val="000000"/>
-                        </a:solidFill>
-                        <a:effectLst/>
-                        <a:latin typeface="Calibri" panose="020F0502020204030204" pitchFamily="34" charset="0"/>
-                      </a:endParaRPr>
-                    </a:p>
-                  </a:txBody>
-                  <a:tcPr marL="7620" marR="7620" marT="7620" marB="0" anchor="b"/>
-                </a:tc>
-              </a:tr>
-              <a:tr h="212469">
-                <a:tc>
-                  <a:txBody>
-                    <a:bodyPr/>
-                    <a:lstStyle/>
-                    <a:p>
-                      <a:pPr algn="l" fontAlgn="b"/>
-                      <a:r>
-                        <a:rPr lang="en-US" sz="1100" u="none" strike="noStrike">
-                          <a:effectLst/>
-                        </a:rPr>
-                        <a:t>Dec</a:t>
-                      </a:r>
-                      <a:endParaRPr lang="en-US" sz="1100" b="0" i="0" u="none" strike="noStrike">
-                        <a:solidFill>
-                          <a:srgbClr val="000000"/>
-                        </a:solidFill>
-                        <a:effectLst/>
-                        <a:latin typeface="Calibri" panose="020F0502020204030204" pitchFamily="34" charset="0"/>
-                      </a:endParaRPr>
-                    </a:p>
-                  </a:txBody>
-                  <a:tcPr marL="7620" marR="7620" marT="7620" marB="0" anchor="b"/>
-                </a:tc>
-                <a:tc>
-                  <a:txBody>
-                    <a:bodyPr/>
-                    <a:lstStyle/>
-                    <a:p>
-                      <a:pPr algn="ctr" fontAlgn="b"/>
-                      <a:endParaRPr lang="en-US" sz="1100" b="0" i="0" u="none" strike="noStrike">
-                        <a:solidFill>
-                          <a:srgbClr val="000000"/>
-                        </a:solidFill>
-                        <a:effectLst/>
-                        <a:latin typeface="Calibri" panose="020F0502020204030204" pitchFamily="34" charset="0"/>
-                      </a:endParaRPr>
-                    </a:p>
-                  </a:txBody>
-                  <a:tcPr marL="7620" marR="7620" marT="7620" marB="0" anchor="b"/>
-                </a:tc>
-                <a:tc>
-                  <a:txBody>
-                    <a:bodyPr/>
-                    <a:lstStyle/>
-                    <a:p>
-                      <a:pPr algn="ctr" fontAlgn="b"/>
-                      <a:endParaRPr lang="en-US" sz="1100" b="0" i="0" u="none" strike="noStrike">
-                        <a:solidFill>
-                          <a:srgbClr val="000000"/>
-                        </a:solidFill>
-                        <a:effectLst/>
-                        <a:latin typeface="Calibri" panose="020F0502020204030204" pitchFamily="34" charset="0"/>
-                      </a:endParaRPr>
-                    </a:p>
-                  </a:txBody>
-                  <a:tcPr marL="7620" marR="7620" marT="7620" marB="0" anchor="b"/>
-                </a:tc>
-                <a:tc>
-                  <a:txBody>
-                    <a:bodyPr/>
-                    <a:lstStyle/>
-                    <a:p>
-                      <a:pPr algn="ctr" fontAlgn="b"/>
-                      <a:endParaRPr lang="en-US" sz="1100" b="0" i="0" u="none" strike="noStrike">
-                        <a:solidFill>
-                          <a:srgbClr val="000000"/>
-                        </a:solidFill>
-                        <a:effectLst/>
-                        <a:latin typeface="Calibri" panose="020F0502020204030204" pitchFamily="34" charset="0"/>
-                      </a:endParaRPr>
-                    </a:p>
-                  </a:txBody>
-                  <a:tcPr marL="7620" marR="7620" marT="7620" marB="0" anchor="b"/>
-                </a:tc>
-                <a:tc>
-                  <a:txBody>
-                    <a:bodyPr/>
-                    <a:lstStyle/>
-                    <a:p>
-                      <a:pPr algn="ctr" fontAlgn="b"/>
-                      <a:r>
-                        <a:rPr lang="en-US" sz="1100" u="none" strike="noStrike" dirty="0">
-                          <a:effectLst/>
-                        </a:rPr>
-                        <a:t>3 </a:t>
-                      </a:r>
-                      <a:r>
-                        <a:rPr lang="en-US" sz="1100" u="none" strike="noStrike" dirty="0" smtClean="0">
-                          <a:effectLst/>
-                        </a:rPr>
-                        <a:t> - X</a:t>
-                      </a:r>
-                      <a:endParaRPr lang="en-US" sz="1100" b="0" i="0" u="none" strike="noStrike" dirty="0">
-                        <a:solidFill>
-                          <a:srgbClr val="000000"/>
-                        </a:solidFill>
-                        <a:effectLst/>
-                        <a:latin typeface="Calibri" panose="020F0502020204030204" pitchFamily="34" charset="0"/>
-                      </a:endParaRPr>
-                    </a:p>
-                  </a:txBody>
-                  <a:tcPr marL="7620" marR="7620" marT="7620" marB="0" anchor="b"/>
-                </a:tc>
-              </a:tr>
-            </a:tbl>
-          </a:graphicData>
-        </a:graphic>
-      </p:graphicFrame>
-      <p:graphicFrame>
-        <p:nvGraphicFramePr>
-          <p:cNvPr id="5" name="Table 4"/>
-          <p:cNvGraphicFramePr>
-            <a:graphicFrameLocks noGrp="1"/>
-          </p:cNvGraphicFramePr>
-          <p:nvPr>
-            <p:extLst>
-              <p:ext uri="{D42A27DB-BD31-4B8C-83A1-F6EECF244321}">
-                <p14:modId xmlns:p14="http://schemas.microsoft.com/office/powerpoint/2010/main" val="759729401"/>
-              </p:ext>
-            </p:extLst>
-          </p:nvPr>
-        </p:nvGraphicFramePr>
-        <p:xfrm>
-          <a:off x="1295400" y="1911566"/>
-          <a:ext cx="3635830" cy="2748889"/>
-        </p:xfrm>
-        <a:graphic>
-          <a:graphicData uri="http://schemas.openxmlformats.org/drawingml/2006/table">
-            <a:tbl>
-              <a:tblPr>
-                <a:tableStyleId>{5C22544A-7EE6-4342-B048-85BDC9FD1C3A}</a:tableStyleId>
-              </a:tblPr>
-              <a:tblGrid>
-                <a:gridCol w="727166"/>
-                <a:gridCol w="727166"/>
-                <a:gridCol w="727166"/>
-                <a:gridCol w="727166"/>
-                <a:gridCol w="727166"/>
-              </a:tblGrid>
-              <a:tr h="211453">
-                <a:tc>
-                  <a:txBody>
-                    <a:bodyPr/>
-                    <a:lstStyle/>
-                    <a:p>
-                      <a:pPr algn="l" fontAlgn="b"/>
-                      <a:r>
-                        <a:rPr lang="en-US" sz="1100" u="none" strike="noStrike" dirty="0">
-                          <a:effectLst/>
-                        </a:rPr>
-                        <a:t>SL</a:t>
-                      </a:r>
-                      <a:endParaRPr lang="en-US" sz="1100" b="1" i="0" u="none" strike="noStrike" dirty="0">
-                        <a:solidFill>
-                          <a:srgbClr val="000000"/>
-                        </a:solidFill>
-                        <a:effectLst/>
-                        <a:latin typeface="Calibri" panose="020F0502020204030204" pitchFamily="34" charset="0"/>
-                      </a:endParaRPr>
-                    </a:p>
-                  </a:txBody>
-                  <a:tcPr marL="7620" marR="7620" marT="7620" marB="0" anchor="b"/>
-                </a:tc>
-                <a:tc>
-                  <a:txBody>
-                    <a:bodyPr/>
-                    <a:lstStyle/>
-                    <a:p>
-                      <a:pPr algn="ctr" fontAlgn="b"/>
-                      <a:r>
-                        <a:rPr lang="en-US" sz="1100" u="none" strike="noStrike">
-                          <a:effectLst/>
-                        </a:rPr>
-                        <a:t>1900</a:t>
-                      </a:r>
-                      <a:endParaRPr lang="en-US" sz="1100" b="0" i="0" u="none" strike="noStrike">
-                        <a:solidFill>
-                          <a:srgbClr val="000000"/>
-                        </a:solidFill>
-                        <a:effectLst/>
-                        <a:latin typeface="Calibri" panose="020F0502020204030204" pitchFamily="34" charset="0"/>
-                      </a:endParaRPr>
-                    </a:p>
-                  </a:txBody>
-                  <a:tcPr marL="7620" marR="7620" marT="7620" marB="0" anchor="b"/>
-                </a:tc>
-                <a:tc>
-                  <a:txBody>
-                    <a:bodyPr/>
-                    <a:lstStyle/>
-                    <a:p>
-                      <a:pPr algn="ctr" fontAlgn="b"/>
-                      <a:r>
-                        <a:rPr lang="en-US" sz="1100" u="none" strike="noStrike">
-                          <a:effectLst/>
-                        </a:rPr>
-                        <a:t>1901</a:t>
-                      </a:r>
-                      <a:endParaRPr lang="en-US" sz="1100" b="0" i="0" u="none" strike="noStrike">
-                        <a:solidFill>
-                          <a:srgbClr val="000000"/>
-                        </a:solidFill>
-                        <a:effectLst/>
-                        <a:latin typeface="Calibri" panose="020F0502020204030204" pitchFamily="34" charset="0"/>
-                      </a:endParaRPr>
-                    </a:p>
-                  </a:txBody>
-                  <a:tcPr marL="7620" marR="7620" marT="7620" marB="0" anchor="b"/>
-                </a:tc>
-                <a:tc>
-                  <a:txBody>
-                    <a:bodyPr/>
-                    <a:lstStyle/>
-                    <a:p>
-                      <a:pPr algn="ctr" fontAlgn="b"/>
-                      <a:r>
-                        <a:rPr lang="en-US" sz="1100" u="none" strike="noStrike">
-                          <a:effectLst/>
-                        </a:rPr>
-                        <a:t>1902</a:t>
-                      </a:r>
-                      <a:endParaRPr lang="en-US" sz="1100" b="0" i="0" u="none" strike="noStrike">
-                        <a:solidFill>
-                          <a:srgbClr val="000000"/>
-                        </a:solidFill>
-                        <a:effectLst/>
-                        <a:latin typeface="Calibri" panose="020F0502020204030204" pitchFamily="34" charset="0"/>
-                      </a:endParaRPr>
-                    </a:p>
-                  </a:txBody>
-                  <a:tcPr marL="7620" marR="7620" marT="7620" marB="0" anchor="b"/>
-                </a:tc>
-                <a:tc>
-                  <a:txBody>
-                    <a:bodyPr/>
-                    <a:lstStyle/>
-                    <a:p>
-                      <a:pPr algn="ctr" fontAlgn="b"/>
-                      <a:r>
-                        <a:rPr lang="en-US" sz="1100" u="none" strike="noStrike">
-                          <a:effectLst/>
-                        </a:rPr>
-                        <a:t>1903</a:t>
-                      </a:r>
-                      <a:endParaRPr lang="en-US" sz="1100" b="0" i="0" u="none" strike="noStrike">
-                        <a:solidFill>
-                          <a:srgbClr val="000000"/>
-                        </a:solidFill>
-                        <a:effectLst/>
-                        <a:latin typeface="Calibri" panose="020F0502020204030204" pitchFamily="34" charset="0"/>
-                      </a:endParaRPr>
-                    </a:p>
-                  </a:txBody>
-                  <a:tcPr marL="7620" marR="7620" marT="7620" marB="0" anchor="b"/>
-                </a:tc>
-              </a:tr>
-              <a:tr h="211453">
-                <a:tc>
-                  <a:txBody>
-                    <a:bodyPr/>
-                    <a:lstStyle/>
-                    <a:p>
-                      <a:pPr algn="l" fontAlgn="b"/>
-                      <a:r>
-                        <a:rPr lang="en-US" sz="1100" u="none" strike="noStrike">
-                          <a:effectLst/>
-                        </a:rPr>
-                        <a:t>Jan</a:t>
-                      </a:r>
-                      <a:endParaRPr lang="en-US" sz="1100" b="0" i="0" u="none" strike="noStrike">
-                        <a:solidFill>
-                          <a:srgbClr val="000000"/>
-                        </a:solidFill>
-                        <a:effectLst/>
-                        <a:latin typeface="Calibri" panose="020F0502020204030204" pitchFamily="34" charset="0"/>
-                      </a:endParaRPr>
-                    </a:p>
-                  </a:txBody>
-                  <a:tcPr marL="7620" marR="7620" marT="7620" marB="0" anchor="b"/>
-                </a:tc>
-                <a:tc>
-                  <a:txBody>
-                    <a:bodyPr/>
-                    <a:lstStyle/>
-                    <a:p>
-                      <a:pPr algn="ctr" fontAlgn="b"/>
-                      <a:endParaRPr lang="en-US" sz="1100" b="0" i="0" u="none" strike="noStrike">
-                        <a:solidFill>
-                          <a:srgbClr val="000000"/>
-                        </a:solidFill>
-                        <a:effectLst/>
-                        <a:latin typeface="Calibri" panose="020F0502020204030204" pitchFamily="34" charset="0"/>
-                      </a:endParaRPr>
-                    </a:p>
-                  </a:txBody>
-                  <a:tcPr marL="7620" marR="7620" marT="7620" marB="0" anchor="b"/>
-                </a:tc>
-                <a:tc>
-                  <a:txBody>
-                    <a:bodyPr/>
-                    <a:lstStyle/>
-                    <a:p>
-                      <a:pPr algn="ctr" fontAlgn="b"/>
-                      <a:endParaRPr lang="en-US" sz="1100" b="0" i="0" u="none" strike="noStrike">
-                        <a:solidFill>
-                          <a:srgbClr val="000000"/>
-                        </a:solidFill>
-                        <a:effectLst/>
-                        <a:latin typeface="Calibri" panose="020F0502020204030204" pitchFamily="34" charset="0"/>
-                      </a:endParaRPr>
-                    </a:p>
-                  </a:txBody>
-                  <a:tcPr marL="7620" marR="7620" marT="7620" marB="0" anchor="b"/>
-                </a:tc>
-                <a:tc>
-                  <a:txBody>
-                    <a:bodyPr/>
-                    <a:lstStyle/>
-                    <a:p>
-                      <a:pPr algn="ctr" fontAlgn="b"/>
-                      <a:endParaRPr lang="en-US" sz="1100" b="0" i="0" u="none" strike="noStrike">
-                        <a:solidFill>
-                          <a:srgbClr val="000000"/>
-                        </a:solidFill>
-                        <a:effectLst/>
-                        <a:latin typeface="Calibri" panose="020F0502020204030204" pitchFamily="34" charset="0"/>
-                      </a:endParaRPr>
-                    </a:p>
-                  </a:txBody>
-                  <a:tcPr marL="7620" marR="7620" marT="7620" marB="0" anchor="b"/>
-                </a:tc>
-                <a:tc>
-                  <a:txBody>
-                    <a:bodyPr/>
-                    <a:lstStyle/>
-                    <a:p>
-                      <a:pPr algn="ctr" fontAlgn="b"/>
-                      <a:endParaRPr lang="en-US" sz="1100" b="0" i="0" u="none" strike="noStrike">
-                        <a:solidFill>
-                          <a:srgbClr val="000000"/>
-                        </a:solidFill>
-                        <a:effectLst/>
-                        <a:latin typeface="Calibri" panose="020F0502020204030204" pitchFamily="34" charset="0"/>
-                      </a:endParaRPr>
-                    </a:p>
-                  </a:txBody>
-                  <a:tcPr marL="7620" marR="7620" marT="7620" marB="0" anchor="b"/>
-                </a:tc>
-              </a:tr>
-              <a:tr h="211453">
-                <a:tc>
-                  <a:txBody>
-                    <a:bodyPr/>
-                    <a:lstStyle/>
-                    <a:p>
-                      <a:pPr algn="l" fontAlgn="b"/>
-                      <a:r>
-                        <a:rPr lang="en-US" sz="1100" u="none" strike="noStrike">
-                          <a:effectLst/>
-                        </a:rPr>
-                        <a:t>Feb</a:t>
-                      </a:r>
-                      <a:endParaRPr lang="en-US" sz="1100" b="0" i="0" u="none" strike="noStrike">
-                        <a:solidFill>
-                          <a:srgbClr val="000000"/>
-                        </a:solidFill>
-                        <a:effectLst/>
-                        <a:latin typeface="Calibri" panose="020F0502020204030204" pitchFamily="34" charset="0"/>
-                      </a:endParaRPr>
-                    </a:p>
-                  </a:txBody>
-                  <a:tcPr marL="7620" marR="7620" marT="7620" marB="0" anchor="b"/>
-                </a:tc>
-                <a:tc>
-                  <a:txBody>
-                    <a:bodyPr/>
-                    <a:lstStyle/>
-                    <a:p>
-                      <a:pPr algn="ctr" fontAlgn="b"/>
-                      <a:endParaRPr lang="en-US" sz="1100" b="0" i="0" u="none" strike="noStrike">
-                        <a:solidFill>
-                          <a:srgbClr val="000000"/>
-                        </a:solidFill>
-                        <a:effectLst/>
-                        <a:latin typeface="Calibri" panose="020F0502020204030204" pitchFamily="34" charset="0"/>
-                      </a:endParaRPr>
-                    </a:p>
-                  </a:txBody>
-                  <a:tcPr marL="7620" marR="7620" marT="7620" marB="0" anchor="b"/>
-                </a:tc>
-                <a:tc>
-                  <a:txBody>
-                    <a:bodyPr/>
-                    <a:lstStyle/>
-                    <a:p>
-                      <a:pPr algn="ctr" fontAlgn="b"/>
-                      <a:endParaRPr lang="en-US" sz="1100" b="0" i="0" u="none" strike="noStrike">
-                        <a:solidFill>
-                          <a:srgbClr val="000000"/>
-                        </a:solidFill>
-                        <a:effectLst/>
-                        <a:latin typeface="Calibri" panose="020F0502020204030204" pitchFamily="34" charset="0"/>
-                      </a:endParaRPr>
-                    </a:p>
-                  </a:txBody>
-                  <a:tcPr marL="7620" marR="7620" marT="7620" marB="0" anchor="b"/>
-                </a:tc>
-                <a:tc>
-                  <a:txBody>
-                    <a:bodyPr/>
-                    <a:lstStyle/>
-                    <a:p>
-                      <a:pPr algn="ctr" fontAlgn="b"/>
-                      <a:endParaRPr lang="en-US" sz="1100" b="0" i="0" u="none" strike="noStrike">
-                        <a:solidFill>
-                          <a:srgbClr val="000000"/>
-                        </a:solidFill>
-                        <a:effectLst/>
-                        <a:latin typeface="Calibri" panose="020F0502020204030204" pitchFamily="34" charset="0"/>
-                      </a:endParaRPr>
-                    </a:p>
-                  </a:txBody>
-                  <a:tcPr marL="7620" marR="7620" marT="7620" marB="0" anchor="b"/>
-                </a:tc>
-                <a:tc>
-                  <a:txBody>
-                    <a:bodyPr/>
-                    <a:lstStyle/>
-                    <a:p>
-                      <a:pPr algn="ctr" fontAlgn="b"/>
-                      <a:endParaRPr lang="en-US" sz="1100" b="0" i="0" u="none" strike="noStrike">
-                        <a:solidFill>
-                          <a:srgbClr val="000000"/>
-                        </a:solidFill>
-                        <a:effectLst/>
-                        <a:latin typeface="Calibri" panose="020F0502020204030204" pitchFamily="34" charset="0"/>
-                      </a:endParaRPr>
-                    </a:p>
-                  </a:txBody>
-                  <a:tcPr marL="7620" marR="7620" marT="7620" marB="0" anchor="b"/>
-                </a:tc>
-              </a:tr>
-              <a:tr h="211453">
-                <a:tc>
-                  <a:txBody>
-                    <a:bodyPr/>
-                    <a:lstStyle/>
-                    <a:p>
-                      <a:pPr algn="l" fontAlgn="b"/>
-                      <a:r>
-                        <a:rPr lang="en-US" sz="1100" u="none" strike="noStrike">
-                          <a:effectLst/>
-                        </a:rPr>
-                        <a:t>Mar</a:t>
-                      </a:r>
-                      <a:endParaRPr lang="en-US" sz="1100" b="0" i="0" u="none" strike="noStrike">
-                        <a:solidFill>
-                          <a:srgbClr val="000000"/>
-                        </a:solidFill>
-                        <a:effectLst/>
-                        <a:latin typeface="Calibri" panose="020F0502020204030204" pitchFamily="34" charset="0"/>
-                      </a:endParaRPr>
-                    </a:p>
-                  </a:txBody>
-                  <a:tcPr marL="7620" marR="7620" marT="7620" marB="0" anchor="b"/>
-                </a:tc>
-                <a:tc>
-                  <a:txBody>
-                    <a:bodyPr/>
-                    <a:lstStyle/>
-                    <a:p>
-                      <a:pPr algn="ctr" fontAlgn="b"/>
-                      <a:endParaRPr lang="en-US" sz="1100" b="0" i="0" u="none" strike="noStrike">
-                        <a:solidFill>
-                          <a:srgbClr val="000000"/>
-                        </a:solidFill>
-                        <a:effectLst/>
-                        <a:latin typeface="Calibri" panose="020F0502020204030204" pitchFamily="34" charset="0"/>
-                      </a:endParaRPr>
-                    </a:p>
-                  </a:txBody>
-                  <a:tcPr marL="7620" marR="7620" marT="7620" marB="0" anchor="b"/>
-                </a:tc>
-                <a:tc>
-                  <a:txBody>
-                    <a:bodyPr/>
-                    <a:lstStyle/>
-                    <a:p>
-                      <a:pPr algn="ctr" fontAlgn="b"/>
-                      <a:endParaRPr lang="en-US" sz="1100" b="0" i="0" u="none" strike="noStrike">
-                        <a:solidFill>
-                          <a:srgbClr val="000000"/>
-                        </a:solidFill>
-                        <a:effectLst/>
-                        <a:latin typeface="Calibri" panose="020F0502020204030204" pitchFamily="34" charset="0"/>
-                      </a:endParaRPr>
-                    </a:p>
-                  </a:txBody>
-                  <a:tcPr marL="7620" marR="7620" marT="7620" marB="0" anchor="b"/>
-                </a:tc>
-                <a:tc>
-                  <a:txBody>
-                    <a:bodyPr/>
-                    <a:lstStyle/>
-                    <a:p>
-                      <a:pPr algn="ctr" fontAlgn="b"/>
-                      <a:endParaRPr lang="en-US" sz="1100" b="0" i="0" u="none" strike="noStrike">
-                        <a:solidFill>
-                          <a:srgbClr val="000000"/>
-                        </a:solidFill>
-                        <a:effectLst/>
-                        <a:latin typeface="Calibri" panose="020F0502020204030204" pitchFamily="34" charset="0"/>
-                      </a:endParaRPr>
-                    </a:p>
-                  </a:txBody>
-                  <a:tcPr marL="7620" marR="7620" marT="7620" marB="0" anchor="b"/>
-                </a:tc>
-                <a:tc>
-                  <a:txBody>
-                    <a:bodyPr/>
-                    <a:lstStyle/>
-                    <a:p>
-                      <a:pPr algn="ctr" fontAlgn="b"/>
-                      <a:endParaRPr lang="en-US" sz="1100" b="0" i="0" u="none" strike="noStrike">
-                        <a:solidFill>
-                          <a:srgbClr val="000000"/>
-                        </a:solidFill>
-                        <a:effectLst/>
-                        <a:latin typeface="Calibri" panose="020F0502020204030204" pitchFamily="34" charset="0"/>
-                      </a:endParaRPr>
-                    </a:p>
-                  </a:txBody>
-                  <a:tcPr marL="7620" marR="7620" marT="7620" marB="0" anchor="b"/>
-                </a:tc>
-              </a:tr>
-              <a:tr h="211453">
-                <a:tc>
-                  <a:txBody>
-                    <a:bodyPr/>
-                    <a:lstStyle/>
-                    <a:p>
-                      <a:pPr algn="l" fontAlgn="b"/>
-                      <a:r>
-                        <a:rPr lang="en-US" sz="1100" u="none" strike="noStrike">
-                          <a:effectLst/>
-                        </a:rPr>
-                        <a:t>Apr</a:t>
-                      </a:r>
-                      <a:endParaRPr lang="en-US" sz="1100" b="0" i="0" u="none" strike="noStrike">
-                        <a:solidFill>
-                          <a:srgbClr val="000000"/>
-                        </a:solidFill>
-                        <a:effectLst/>
-                        <a:latin typeface="Calibri" panose="020F0502020204030204" pitchFamily="34" charset="0"/>
-                      </a:endParaRPr>
-                    </a:p>
-                  </a:txBody>
-                  <a:tcPr marL="7620" marR="7620" marT="7620" marB="0" anchor="b"/>
-                </a:tc>
-                <a:tc>
-                  <a:txBody>
-                    <a:bodyPr/>
-                    <a:lstStyle/>
-                    <a:p>
-                      <a:pPr algn="ctr" fontAlgn="b"/>
-                      <a:endParaRPr lang="en-US" sz="1100" b="0" i="0" u="none" strike="noStrike">
-                        <a:solidFill>
-                          <a:srgbClr val="000000"/>
-                        </a:solidFill>
-                        <a:effectLst/>
-                        <a:latin typeface="Calibri" panose="020F0502020204030204" pitchFamily="34" charset="0"/>
-                      </a:endParaRPr>
-                    </a:p>
-                  </a:txBody>
-                  <a:tcPr marL="7620" marR="7620" marT="7620" marB="0" anchor="b"/>
-                </a:tc>
-                <a:tc>
-                  <a:txBody>
-                    <a:bodyPr/>
-                    <a:lstStyle/>
-                    <a:p>
-                      <a:pPr algn="ctr" fontAlgn="b"/>
-                      <a:endParaRPr lang="en-US" sz="1100" b="0" i="0" u="none" strike="noStrike">
-                        <a:solidFill>
-                          <a:srgbClr val="000000"/>
-                        </a:solidFill>
-                        <a:effectLst/>
-                        <a:latin typeface="Calibri" panose="020F0502020204030204" pitchFamily="34" charset="0"/>
-                      </a:endParaRPr>
-                    </a:p>
-                  </a:txBody>
-                  <a:tcPr marL="7620" marR="7620" marT="7620" marB="0" anchor="b"/>
-                </a:tc>
-                <a:tc>
-                  <a:txBody>
-                    <a:bodyPr/>
-                    <a:lstStyle/>
-                    <a:p>
-                      <a:pPr algn="ctr" fontAlgn="b"/>
-                      <a:endParaRPr lang="en-US" sz="1100" b="0" i="0" u="none" strike="noStrike">
-                        <a:solidFill>
-                          <a:srgbClr val="000000"/>
-                        </a:solidFill>
-                        <a:effectLst/>
-                        <a:latin typeface="Calibri" panose="020F0502020204030204" pitchFamily="34" charset="0"/>
-                      </a:endParaRPr>
-                    </a:p>
-                  </a:txBody>
-                  <a:tcPr marL="7620" marR="7620" marT="7620" marB="0" anchor="b"/>
-                </a:tc>
-                <a:tc>
-                  <a:txBody>
-                    <a:bodyPr/>
-                    <a:lstStyle/>
-                    <a:p>
-                      <a:pPr algn="ctr" fontAlgn="b"/>
-                      <a:endParaRPr lang="en-US" sz="1100" b="0" i="0" u="none" strike="noStrike">
-                        <a:solidFill>
-                          <a:srgbClr val="000000"/>
-                        </a:solidFill>
-                        <a:effectLst/>
-                        <a:latin typeface="Calibri" panose="020F0502020204030204" pitchFamily="34" charset="0"/>
-                      </a:endParaRPr>
-                    </a:p>
-                  </a:txBody>
-                  <a:tcPr marL="7620" marR="7620" marT="7620" marB="0" anchor="b"/>
-                </a:tc>
-              </a:tr>
-              <a:tr h="211453">
-                <a:tc>
-                  <a:txBody>
-                    <a:bodyPr/>
-                    <a:lstStyle/>
-                    <a:p>
-                      <a:pPr algn="l" fontAlgn="b"/>
-                      <a:r>
-                        <a:rPr lang="en-US" sz="1100" u="none" strike="noStrike">
-                          <a:effectLst/>
-                        </a:rPr>
-                        <a:t>May</a:t>
-                      </a:r>
-                      <a:endParaRPr lang="en-US" sz="1100" b="0" i="0" u="none" strike="noStrike">
-                        <a:solidFill>
-                          <a:srgbClr val="000000"/>
-                        </a:solidFill>
-                        <a:effectLst/>
-                        <a:latin typeface="Calibri" panose="020F0502020204030204" pitchFamily="34" charset="0"/>
-                      </a:endParaRPr>
-                    </a:p>
-                  </a:txBody>
-                  <a:tcPr marL="7620" marR="7620" marT="7620" marB="0" anchor="b"/>
-                </a:tc>
-                <a:tc>
-                  <a:txBody>
-                    <a:bodyPr/>
-                    <a:lstStyle/>
-                    <a:p>
-                      <a:pPr algn="ctr" fontAlgn="b"/>
-                      <a:endParaRPr lang="en-US" sz="1100" b="0" i="0" u="none" strike="noStrike">
-                        <a:solidFill>
-                          <a:srgbClr val="000000"/>
-                        </a:solidFill>
-                        <a:effectLst/>
-                        <a:latin typeface="Calibri" panose="020F0502020204030204" pitchFamily="34" charset="0"/>
-                      </a:endParaRPr>
-                    </a:p>
-                  </a:txBody>
-                  <a:tcPr marL="7620" marR="7620" marT="7620" marB="0" anchor="b"/>
-                </a:tc>
-                <a:tc>
-                  <a:txBody>
-                    <a:bodyPr/>
-                    <a:lstStyle/>
-                    <a:p>
-                      <a:pPr algn="ctr" fontAlgn="b"/>
-                      <a:endParaRPr lang="en-US" sz="1100" b="0" i="0" u="none" strike="noStrike">
-                        <a:solidFill>
-                          <a:srgbClr val="000000"/>
-                        </a:solidFill>
-                        <a:effectLst/>
-                        <a:latin typeface="Calibri" panose="020F0502020204030204" pitchFamily="34" charset="0"/>
-                      </a:endParaRPr>
-                    </a:p>
-                  </a:txBody>
-                  <a:tcPr marL="7620" marR="7620" marT="7620" marB="0" anchor="b"/>
-                </a:tc>
-                <a:tc>
-                  <a:txBody>
-                    <a:bodyPr/>
-                    <a:lstStyle/>
-                    <a:p>
-                      <a:pPr algn="ctr" fontAlgn="b"/>
-                      <a:endParaRPr lang="en-US" sz="1100" b="0" i="0" u="none" strike="noStrike">
-                        <a:solidFill>
-                          <a:srgbClr val="000000"/>
-                        </a:solidFill>
-                        <a:effectLst/>
-                        <a:latin typeface="Calibri" panose="020F0502020204030204" pitchFamily="34" charset="0"/>
-                      </a:endParaRPr>
-                    </a:p>
-                  </a:txBody>
-                  <a:tcPr marL="7620" marR="7620" marT="7620" marB="0" anchor="b"/>
-                </a:tc>
-                <a:tc>
-                  <a:txBody>
-                    <a:bodyPr/>
-                    <a:lstStyle/>
-                    <a:p>
-                      <a:pPr algn="ctr" fontAlgn="b"/>
-                      <a:endParaRPr lang="en-US" sz="1100" b="0" i="0" u="none" strike="noStrike">
-                        <a:solidFill>
-                          <a:srgbClr val="000000"/>
-                        </a:solidFill>
-                        <a:effectLst/>
-                        <a:latin typeface="Calibri" panose="020F0502020204030204" pitchFamily="34" charset="0"/>
-                      </a:endParaRPr>
-                    </a:p>
-                  </a:txBody>
-                  <a:tcPr marL="7620" marR="7620" marT="7620" marB="0" anchor="b"/>
-                </a:tc>
-              </a:tr>
-              <a:tr h="211453">
-                <a:tc>
-                  <a:txBody>
-                    <a:bodyPr/>
-                    <a:lstStyle/>
-                    <a:p>
-                      <a:pPr algn="l" fontAlgn="b"/>
-                      <a:r>
-                        <a:rPr lang="en-US" sz="1100" u="none" strike="noStrike">
-                          <a:effectLst/>
-                        </a:rPr>
-                        <a:t>Jun</a:t>
-                      </a:r>
-                      <a:endParaRPr lang="en-US" sz="1100" b="0" i="0" u="none" strike="noStrike">
-                        <a:solidFill>
-                          <a:srgbClr val="000000"/>
-                        </a:solidFill>
-                        <a:effectLst/>
-                        <a:latin typeface="Calibri" panose="020F0502020204030204" pitchFamily="34" charset="0"/>
-                      </a:endParaRPr>
-                    </a:p>
-                  </a:txBody>
-                  <a:tcPr marL="7620" marR="7620" marT="7620" marB="0" anchor="b"/>
-                </a:tc>
-                <a:tc>
-                  <a:txBody>
-                    <a:bodyPr/>
-                    <a:lstStyle/>
-                    <a:p>
-                      <a:pPr algn="ctr" fontAlgn="b"/>
-                      <a:endParaRPr lang="en-US" sz="1100" b="0" i="0" u="none" strike="noStrike">
-                        <a:solidFill>
-                          <a:srgbClr val="000000"/>
-                        </a:solidFill>
-                        <a:effectLst/>
-                        <a:latin typeface="Calibri" panose="020F0502020204030204" pitchFamily="34" charset="0"/>
-                      </a:endParaRPr>
-                    </a:p>
-                  </a:txBody>
-                  <a:tcPr marL="7620" marR="7620" marT="7620" marB="0" anchor="b"/>
-                </a:tc>
-                <a:tc>
-                  <a:txBody>
-                    <a:bodyPr/>
-                    <a:lstStyle/>
-                    <a:p>
-                      <a:pPr algn="ctr" fontAlgn="b"/>
-                      <a:r>
-                        <a:rPr lang="en-US" sz="1100" u="none" strike="noStrike">
-                          <a:effectLst/>
-                        </a:rPr>
-                        <a:t>3</a:t>
-                      </a:r>
-                      <a:endParaRPr lang="en-US" sz="1100" b="0" i="0" u="none" strike="noStrike">
-                        <a:solidFill>
-                          <a:srgbClr val="000000"/>
-                        </a:solidFill>
-                        <a:effectLst/>
-                        <a:latin typeface="Calibri" panose="020F0502020204030204" pitchFamily="34" charset="0"/>
-                      </a:endParaRPr>
-                    </a:p>
-                  </a:txBody>
-                  <a:tcPr marL="7620" marR="7620" marT="7620" marB="0" anchor="b"/>
-                </a:tc>
-                <a:tc>
-                  <a:txBody>
-                    <a:bodyPr/>
-                    <a:lstStyle/>
-                    <a:p>
-                      <a:pPr algn="ctr" fontAlgn="b"/>
-                      <a:endParaRPr lang="en-US" sz="1100" b="0" i="0" u="none" strike="noStrike">
-                        <a:solidFill>
-                          <a:srgbClr val="000000"/>
-                        </a:solidFill>
-                        <a:effectLst/>
-                        <a:latin typeface="Calibri" panose="020F0502020204030204" pitchFamily="34" charset="0"/>
-                      </a:endParaRPr>
-                    </a:p>
-                  </a:txBody>
-                  <a:tcPr marL="7620" marR="7620" marT="7620" marB="0" anchor="b"/>
-                </a:tc>
-                <a:tc>
-                  <a:txBody>
-                    <a:bodyPr/>
-                    <a:lstStyle/>
-                    <a:p>
-                      <a:pPr algn="ctr" fontAlgn="b"/>
-                      <a:endParaRPr lang="en-US" sz="1100" b="0" i="0" u="none" strike="noStrike">
-                        <a:solidFill>
-                          <a:srgbClr val="000000"/>
-                        </a:solidFill>
-                        <a:effectLst/>
-                        <a:latin typeface="Calibri" panose="020F0502020204030204" pitchFamily="34" charset="0"/>
-                      </a:endParaRPr>
-                    </a:p>
-                  </a:txBody>
-                  <a:tcPr marL="7620" marR="7620" marT="7620" marB="0" anchor="b"/>
-                </a:tc>
-              </a:tr>
-              <a:tr h="211453">
-                <a:tc>
-                  <a:txBody>
-                    <a:bodyPr/>
-                    <a:lstStyle/>
-                    <a:p>
-                      <a:pPr algn="l" fontAlgn="b"/>
-                      <a:r>
-                        <a:rPr lang="en-US" sz="1100" u="none" strike="noStrike">
-                          <a:effectLst/>
-                        </a:rPr>
-                        <a:t>Jul</a:t>
-                      </a:r>
-                      <a:endParaRPr lang="en-US" sz="1100" b="0" i="0" u="none" strike="noStrike">
-                        <a:solidFill>
-                          <a:srgbClr val="000000"/>
-                        </a:solidFill>
-                        <a:effectLst/>
-                        <a:latin typeface="Calibri" panose="020F0502020204030204" pitchFamily="34" charset="0"/>
-                      </a:endParaRPr>
-                    </a:p>
-                  </a:txBody>
-                  <a:tcPr marL="7620" marR="7620" marT="7620" marB="0" anchor="b"/>
-                </a:tc>
-                <a:tc>
-                  <a:txBody>
-                    <a:bodyPr/>
-                    <a:lstStyle/>
-                    <a:p>
-                      <a:pPr algn="ctr" fontAlgn="b"/>
-                      <a:endParaRPr lang="en-US" sz="1100" b="0" i="0" u="none" strike="noStrike">
-                        <a:solidFill>
-                          <a:srgbClr val="000000"/>
-                        </a:solidFill>
-                        <a:effectLst/>
-                        <a:latin typeface="Calibri" panose="020F0502020204030204" pitchFamily="34" charset="0"/>
-                      </a:endParaRPr>
-                    </a:p>
-                  </a:txBody>
-                  <a:tcPr marL="7620" marR="7620" marT="7620" marB="0" anchor="b"/>
-                </a:tc>
-                <a:tc>
-                  <a:txBody>
-                    <a:bodyPr/>
-                    <a:lstStyle/>
-                    <a:p>
-                      <a:pPr algn="ctr" fontAlgn="b"/>
-                      <a:endParaRPr lang="en-US" sz="1100" b="0" i="0" u="none" strike="noStrike">
-                        <a:solidFill>
-                          <a:srgbClr val="000000"/>
-                        </a:solidFill>
-                        <a:effectLst/>
-                        <a:latin typeface="Calibri" panose="020F0502020204030204" pitchFamily="34" charset="0"/>
-                      </a:endParaRPr>
-                    </a:p>
-                  </a:txBody>
-                  <a:tcPr marL="7620" marR="7620" marT="7620" marB="0" anchor="b"/>
-                </a:tc>
-                <a:tc>
-                  <a:txBody>
-                    <a:bodyPr/>
-                    <a:lstStyle/>
-                    <a:p>
-                      <a:pPr algn="ctr" fontAlgn="b"/>
-                      <a:endParaRPr lang="en-US" sz="1100" b="0" i="0" u="none" strike="noStrike">
-                        <a:solidFill>
-                          <a:srgbClr val="000000"/>
-                        </a:solidFill>
-                        <a:effectLst/>
-                        <a:latin typeface="Calibri" panose="020F0502020204030204" pitchFamily="34" charset="0"/>
-                      </a:endParaRPr>
-                    </a:p>
-                  </a:txBody>
-                  <a:tcPr marL="7620" marR="7620" marT="7620" marB="0" anchor="b"/>
-                </a:tc>
-                <a:tc>
-                  <a:txBody>
-                    <a:bodyPr/>
-                    <a:lstStyle/>
-                    <a:p>
-                      <a:pPr algn="ctr" fontAlgn="b"/>
-                      <a:endParaRPr lang="en-US" sz="1100" b="0" i="0" u="none" strike="noStrike">
-                        <a:solidFill>
-                          <a:srgbClr val="000000"/>
-                        </a:solidFill>
-                        <a:effectLst/>
-                        <a:latin typeface="Calibri" panose="020F0502020204030204" pitchFamily="34" charset="0"/>
-                      </a:endParaRPr>
-                    </a:p>
-                  </a:txBody>
-                  <a:tcPr marL="7620" marR="7620" marT="7620" marB="0" anchor="b"/>
-                </a:tc>
-              </a:tr>
-              <a:tr h="211453">
-                <a:tc>
-                  <a:txBody>
-                    <a:bodyPr/>
-                    <a:lstStyle/>
-                    <a:p>
-                      <a:pPr algn="l" fontAlgn="b"/>
-                      <a:r>
-                        <a:rPr lang="en-US" sz="1100" u="none" strike="noStrike">
-                          <a:effectLst/>
-                        </a:rPr>
-                        <a:t>Aug</a:t>
-                      </a:r>
-                      <a:endParaRPr lang="en-US" sz="1100" b="0" i="0" u="none" strike="noStrike">
-                        <a:solidFill>
-                          <a:srgbClr val="000000"/>
-                        </a:solidFill>
-                        <a:effectLst/>
-                        <a:latin typeface="Calibri" panose="020F0502020204030204" pitchFamily="34" charset="0"/>
-                      </a:endParaRPr>
-                    </a:p>
-                  </a:txBody>
-                  <a:tcPr marL="7620" marR="7620" marT="7620" marB="0" anchor="b"/>
-                </a:tc>
-                <a:tc>
-                  <a:txBody>
-                    <a:bodyPr/>
-                    <a:lstStyle/>
-                    <a:p>
-                      <a:pPr algn="ctr" fontAlgn="b"/>
-                      <a:endParaRPr lang="en-US" sz="1100" b="0" i="0" u="none" strike="noStrike">
-                        <a:solidFill>
-                          <a:srgbClr val="000000"/>
-                        </a:solidFill>
-                        <a:effectLst/>
-                        <a:latin typeface="Calibri" panose="020F0502020204030204" pitchFamily="34" charset="0"/>
-                      </a:endParaRPr>
-                    </a:p>
-                  </a:txBody>
-                  <a:tcPr marL="7620" marR="7620" marT="7620" marB="0" anchor="b"/>
-                </a:tc>
-                <a:tc>
-                  <a:txBody>
-                    <a:bodyPr/>
-                    <a:lstStyle/>
-                    <a:p>
-                      <a:pPr algn="ctr" fontAlgn="b"/>
-                      <a:endParaRPr lang="en-US" sz="1100" b="0" i="0" u="none" strike="noStrike">
-                        <a:solidFill>
-                          <a:srgbClr val="000000"/>
-                        </a:solidFill>
-                        <a:effectLst/>
-                        <a:latin typeface="Calibri" panose="020F0502020204030204" pitchFamily="34" charset="0"/>
-                      </a:endParaRPr>
-                    </a:p>
-                  </a:txBody>
-                  <a:tcPr marL="7620" marR="7620" marT="7620" marB="0" anchor="b"/>
-                </a:tc>
-                <a:tc>
-                  <a:txBody>
-                    <a:bodyPr/>
-                    <a:lstStyle/>
-                    <a:p>
-                      <a:pPr algn="ctr" fontAlgn="b"/>
-                      <a:endParaRPr lang="en-US" sz="1100" b="0" i="0" u="none" strike="noStrike" dirty="0">
-                        <a:solidFill>
-                          <a:srgbClr val="000000"/>
-                        </a:solidFill>
-                        <a:effectLst/>
-                        <a:latin typeface="Calibri" panose="020F0502020204030204" pitchFamily="34" charset="0"/>
-                      </a:endParaRPr>
-                    </a:p>
-                  </a:txBody>
-                  <a:tcPr marL="7620" marR="7620" marT="7620" marB="0" anchor="b"/>
-                </a:tc>
-                <a:tc>
-                  <a:txBody>
-                    <a:bodyPr/>
-                    <a:lstStyle/>
-                    <a:p>
-                      <a:pPr algn="ctr" fontAlgn="b"/>
-                      <a:r>
-                        <a:rPr lang="en-US" sz="1100" u="none" strike="noStrike">
-                          <a:effectLst/>
-                        </a:rPr>
-                        <a:t>1</a:t>
-                      </a:r>
-                      <a:endParaRPr lang="en-US" sz="1100" b="0" i="0" u="none" strike="noStrike">
-                        <a:solidFill>
-                          <a:srgbClr val="000000"/>
-                        </a:solidFill>
-                        <a:effectLst/>
-                        <a:latin typeface="Calibri" panose="020F0502020204030204" pitchFamily="34" charset="0"/>
-                      </a:endParaRPr>
-                    </a:p>
-                  </a:txBody>
-                  <a:tcPr marL="7620" marR="7620" marT="7620" marB="0" anchor="b"/>
-                </a:tc>
-              </a:tr>
-              <a:tr h="211453">
-                <a:tc>
-                  <a:txBody>
-                    <a:bodyPr/>
-                    <a:lstStyle/>
-                    <a:p>
-                      <a:pPr algn="l" fontAlgn="b"/>
-                      <a:r>
-                        <a:rPr lang="en-US" sz="1100" u="none" strike="noStrike">
-                          <a:effectLst/>
-                        </a:rPr>
-                        <a:t>Sep</a:t>
-                      </a:r>
-                      <a:endParaRPr lang="en-US" sz="1100" b="0" i="0" u="none" strike="noStrike">
-                        <a:solidFill>
-                          <a:srgbClr val="000000"/>
-                        </a:solidFill>
-                        <a:effectLst/>
-                        <a:latin typeface="Calibri" panose="020F0502020204030204" pitchFamily="34" charset="0"/>
-                      </a:endParaRPr>
-                    </a:p>
-                  </a:txBody>
-                  <a:tcPr marL="7620" marR="7620" marT="7620" marB="0" anchor="b"/>
-                </a:tc>
-                <a:tc>
-                  <a:txBody>
-                    <a:bodyPr/>
-                    <a:lstStyle/>
-                    <a:p>
-                      <a:pPr algn="ctr" fontAlgn="b"/>
-                      <a:endParaRPr lang="en-US" sz="1100" b="0" i="0" u="none" strike="noStrike">
-                        <a:solidFill>
-                          <a:srgbClr val="000000"/>
-                        </a:solidFill>
-                        <a:effectLst/>
-                        <a:latin typeface="Calibri" panose="020F0502020204030204" pitchFamily="34" charset="0"/>
-                      </a:endParaRPr>
-                    </a:p>
-                  </a:txBody>
-                  <a:tcPr marL="7620" marR="7620" marT="7620" marB="0" anchor="b"/>
-                </a:tc>
-                <a:tc>
-                  <a:txBody>
-                    <a:bodyPr/>
-                    <a:lstStyle/>
-                    <a:p>
-                      <a:pPr algn="ctr" fontAlgn="b"/>
-                      <a:endParaRPr lang="en-US" sz="1100" b="0" i="0" u="none" strike="noStrike">
-                        <a:solidFill>
-                          <a:srgbClr val="000000"/>
-                        </a:solidFill>
-                        <a:effectLst/>
-                        <a:latin typeface="Calibri" panose="020F0502020204030204" pitchFamily="34" charset="0"/>
-                      </a:endParaRPr>
-                    </a:p>
-                  </a:txBody>
-                  <a:tcPr marL="7620" marR="7620" marT="7620" marB="0" anchor="b"/>
-                </a:tc>
-                <a:tc>
-                  <a:txBody>
-                    <a:bodyPr/>
-                    <a:lstStyle/>
-                    <a:p>
-                      <a:pPr algn="ctr" fontAlgn="b"/>
-                      <a:endParaRPr lang="en-US" sz="1100" b="0" i="0" u="none" strike="noStrike">
-                        <a:solidFill>
-                          <a:srgbClr val="000000"/>
-                        </a:solidFill>
-                        <a:effectLst/>
-                        <a:latin typeface="Calibri" panose="020F0502020204030204" pitchFamily="34" charset="0"/>
-                      </a:endParaRPr>
-                    </a:p>
-                  </a:txBody>
-                  <a:tcPr marL="7620" marR="7620" marT="7620" marB="0" anchor="b"/>
-                </a:tc>
-                <a:tc>
-                  <a:txBody>
-                    <a:bodyPr/>
-                    <a:lstStyle/>
-                    <a:p>
-                      <a:pPr algn="ctr" fontAlgn="b"/>
-                      <a:endParaRPr lang="en-US" sz="1100" b="0" i="0" u="none" strike="noStrike">
-                        <a:solidFill>
-                          <a:srgbClr val="000000"/>
-                        </a:solidFill>
-                        <a:effectLst/>
-                        <a:latin typeface="Calibri" panose="020F0502020204030204" pitchFamily="34" charset="0"/>
-                      </a:endParaRPr>
-                    </a:p>
-                  </a:txBody>
-                  <a:tcPr marL="7620" marR="7620" marT="7620" marB="0" anchor="b"/>
-                </a:tc>
-              </a:tr>
-              <a:tr h="211453">
-                <a:tc>
-                  <a:txBody>
-                    <a:bodyPr/>
-                    <a:lstStyle/>
-                    <a:p>
-                      <a:pPr algn="l" fontAlgn="b"/>
-                      <a:r>
-                        <a:rPr lang="en-US" sz="1100" u="none" strike="noStrike">
-                          <a:effectLst/>
-                        </a:rPr>
-                        <a:t>Oct</a:t>
-                      </a:r>
-                      <a:endParaRPr lang="en-US" sz="1100" b="0" i="0" u="none" strike="noStrike">
-                        <a:solidFill>
-                          <a:srgbClr val="000000"/>
-                        </a:solidFill>
-                        <a:effectLst/>
-                        <a:latin typeface="Calibri" panose="020F0502020204030204" pitchFamily="34" charset="0"/>
-                      </a:endParaRPr>
-                    </a:p>
-                  </a:txBody>
-                  <a:tcPr marL="7620" marR="7620" marT="7620" marB="0" anchor="b"/>
-                </a:tc>
-                <a:tc>
-                  <a:txBody>
-                    <a:bodyPr/>
-                    <a:lstStyle/>
-                    <a:p>
-                      <a:pPr algn="ctr" fontAlgn="b"/>
-                      <a:endParaRPr lang="en-US" sz="1100" b="0" i="0" u="none" strike="noStrike">
-                        <a:solidFill>
-                          <a:srgbClr val="000000"/>
-                        </a:solidFill>
-                        <a:effectLst/>
-                        <a:latin typeface="Calibri" panose="020F0502020204030204" pitchFamily="34" charset="0"/>
-                      </a:endParaRPr>
-                    </a:p>
-                  </a:txBody>
-                  <a:tcPr marL="7620" marR="7620" marT="7620" marB="0" anchor="b"/>
-                </a:tc>
-                <a:tc>
-                  <a:txBody>
-                    <a:bodyPr/>
-                    <a:lstStyle/>
-                    <a:p>
-                      <a:pPr algn="ctr" fontAlgn="b"/>
-                      <a:endParaRPr lang="en-US" sz="1100" b="0" i="0" u="none" strike="noStrike">
-                        <a:solidFill>
-                          <a:srgbClr val="000000"/>
-                        </a:solidFill>
-                        <a:effectLst/>
-                        <a:latin typeface="Calibri" panose="020F0502020204030204" pitchFamily="34" charset="0"/>
-                      </a:endParaRPr>
-                    </a:p>
-                  </a:txBody>
-                  <a:tcPr marL="7620" marR="7620" marT="7620" marB="0" anchor="b"/>
-                </a:tc>
-                <a:tc>
-                  <a:txBody>
-                    <a:bodyPr/>
-                    <a:lstStyle/>
-                    <a:p>
-                      <a:pPr algn="ctr" fontAlgn="b"/>
-                      <a:endParaRPr lang="en-US" sz="1100" b="0" i="0" u="none" strike="noStrike">
-                        <a:solidFill>
-                          <a:srgbClr val="000000"/>
-                        </a:solidFill>
-                        <a:effectLst/>
-                        <a:latin typeface="Calibri" panose="020F0502020204030204" pitchFamily="34" charset="0"/>
-                      </a:endParaRPr>
-                    </a:p>
-                  </a:txBody>
-                  <a:tcPr marL="7620" marR="7620" marT="7620" marB="0" anchor="b"/>
-                </a:tc>
-                <a:tc>
-                  <a:txBody>
-                    <a:bodyPr/>
-                    <a:lstStyle/>
-                    <a:p>
-                      <a:pPr algn="ctr" fontAlgn="b"/>
-                      <a:r>
-                        <a:rPr lang="en-US" sz="1100" u="none" strike="noStrike">
-                          <a:effectLst/>
-                        </a:rPr>
-                        <a:t>1</a:t>
-                      </a:r>
-                      <a:endParaRPr lang="en-US" sz="1100" b="0" i="0" u="none" strike="noStrike">
-                        <a:solidFill>
-                          <a:srgbClr val="000000"/>
-                        </a:solidFill>
-                        <a:effectLst/>
-                        <a:latin typeface="Calibri" panose="020F0502020204030204" pitchFamily="34" charset="0"/>
-                      </a:endParaRPr>
-                    </a:p>
-                  </a:txBody>
-                  <a:tcPr marL="7620" marR="7620" marT="7620" marB="0" anchor="b"/>
-                </a:tc>
-              </a:tr>
-              <a:tr h="211453">
-                <a:tc>
-                  <a:txBody>
-                    <a:bodyPr/>
-                    <a:lstStyle/>
-                    <a:p>
-                      <a:pPr algn="l" fontAlgn="b"/>
-                      <a:r>
-                        <a:rPr lang="en-US" sz="1100" u="none" strike="noStrike">
-                          <a:effectLst/>
-                        </a:rPr>
-                        <a:t>Nov</a:t>
-                      </a:r>
-                      <a:endParaRPr lang="en-US" sz="1100" b="0" i="0" u="none" strike="noStrike">
-                        <a:solidFill>
-                          <a:srgbClr val="000000"/>
-                        </a:solidFill>
-                        <a:effectLst/>
-                        <a:latin typeface="Calibri" panose="020F0502020204030204" pitchFamily="34" charset="0"/>
-                      </a:endParaRPr>
-                    </a:p>
-                  </a:txBody>
-                  <a:tcPr marL="7620" marR="7620" marT="7620" marB="0" anchor="b"/>
-                </a:tc>
-                <a:tc>
-                  <a:txBody>
-                    <a:bodyPr/>
-                    <a:lstStyle/>
-                    <a:p>
-                      <a:pPr algn="ctr" fontAlgn="b"/>
-                      <a:endParaRPr lang="en-US" sz="1100" b="0" i="0" u="none" strike="noStrike">
-                        <a:solidFill>
-                          <a:srgbClr val="000000"/>
-                        </a:solidFill>
-                        <a:effectLst/>
-                        <a:latin typeface="Calibri" panose="020F0502020204030204" pitchFamily="34" charset="0"/>
-                      </a:endParaRPr>
-                    </a:p>
-                  </a:txBody>
-                  <a:tcPr marL="7620" marR="7620" marT="7620" marB="0" anchor="b"/>
-                </a:tc>
-                <a:tc>
-                  <a:txBody>
-                    <a:bodyPr/>
-                    <a:lstStyle/>
-                    <a:p>
-                      <a:pPr algn="ctr" fontAlgn="b"/>
-                      <a:endParaRPr lang="en-US" sz="1100" b="0" i="0" u="none" strike="noStrike">
-                        <a:solidFill>
-                          <a:srgbClr val="000000"/>
-                        </a:solidFill>
-                        <a:effectLst/>
-                        <a:latin typeface="Calibri" panose="020F0502020204030204" pitchFamily="34" charset="0"/>
-                      </a:endParaRPr>
-                    </a:p>
-                  </a:txBody>
-                  <a:tcPr marL="7620" marR="7620" marT="7620" marB="0" anchor="b"/>
-                </a:tc>
-                <a:tc>
-                  <a:txBody>
-                    <a:bodyPr/>
-                    <a:lstStyle/>
-                    <a:p>
-                      <a:pPr algn="ctr" fontAlgn="b"/>
-                      <a:endParaRPr lang="en-US" sz="1100" b="0" i="0" u="none" strike="noStrike">
-                        <a:solidFill>
-                          <a:srgbClr val="000000"/>
-                        </a:solidFill>
-                        <a:effectLst/>
-                        <a:latin typeface="Calibri" panose="020F0502020204030204" pitchFamily="34" charset="0"/>
-                      </a:endParaRPr>
-                    </a:p>
-                  </a:txBody>
-                  <a:tcPr marL="7620" marR="7620" marT="7620" marB="0" anchor="b"/>
-                </a:tc>
-                <a:tc>
-                  <a:txBody>
-                    <a:bodyPr/>
-                    <a:lstStyle/>
-                    <a:p>
-                      <a:pPr algn="ctr" fontAlgn="b"/>
-                      <a:endParaRPr lang="en-US" sz="1100" b="0" i="0" u="none" strike="noStrike">
-                        <a:solidFill>
-                          <a:srgbClr val="000000"/>
-                        </a:solidFill>
-                        <a:effectLst/>
-                        <a:latin typeface="Calibri" panose="020F0502020204030204" pitchFamily="34" charset="0"/>
-                      </a:endParaRPr>
-                    </a:p>
-                  </a:txBody>
-                  <a:tcPr marL="7620" marR="7620" marT="7620" marB="0" anchor="b"/>
-                </a:tc>
-              </a:tr>
-              <a:tr h="211453">
-                <a:tc>
-                  <a:txBody>
-                    <a:bodyPr/>
-                    <a:lstStyle/>
-                    <a:p>
-                      <a:pPr algn="l" fontAlgn="b"/>
-                      <a:r>
-                        <a:rPr lang="en-US" sz="1100" u="none" strike="noStrike">
-                          <a:effectLst/>
-                        </a:rPr>
-                        <a:t>Dec</a:t>
-                      </a:r>
-                      <a:endParaRPr lang="en-US" sz="1100" b="0" i="0" u="none" strike="noStrike">
-                        <a:solidFill>
-                          <a:srgbClr val="000000"/>
-                        </a:solidFill>
-                        <a:effectLst/>
-                        <a:latin typeface="Calibri" panose="020F0502020204030204" pitchFamily="34" charset="0"/>
-                      </a:endParaRPr>
-                    </a:p>
-                  </a:txBody>
-                  <a:tcPr marL="7620" marR="7620" marT="7620" marB="0" anchor="b"/>
-                </a:tc>
-                <a:tc>
-                  <a:txBody>
-                    <a:bodyPr/>
-                    <a:lstStyle/>
-                    <a:p>
-                      <a:pPr algn="ctr" fontAlgn="b"/>
-                      <a:endParaRPr lang="en-US" sz="1100" b="0" i="0" u="none" strike="noStrike" dirty="0">
-                        <a:solidFill>
-                          <a:srgbClr val="000000"/>
-                        </a:solidFill>
-                        <a:effectLst/>
-                        <a:latin typeface="Calibri" panose="020F0502020204030204" pitchFamily="34" charset="0"/>
-                      </a:endParaRPr>
-                    </a:p>
-                  </a:txBody>
-                  <a:tcPr marL="7620" marR="7620" marT="7620" marB="0" anchor="b"/>
-                </a:tc>
-                <a:tc>
-                  <a:txBody>
-                    <a:bodyPr/>
-                    <a:lstStyle/>
-                    <a:p>
-                      <a:pPr algn="ctr" fontAlgn="b"/>
-                      <a:endParaRPr lang="en-US" sz="1100" b="0" i="0" u="none" strike="noStrike">
-                        <a:solidFill>
-                          <a:srgbClr val="000000"/>
-                        </a:solidFill>
-                        <a:effectLst/>
-                        <a:latin typeface="Calibri" panose="020F0502020204030204" pitchFamily="34" charset="0"/>
-                      </a:endParaRPr>
-                    </a:p>
-                  </a:txBody>
-                  <a:tcPr marL="7620" marR="7620" marT="7620" marB="0" anchor="b"/>
-                </a:tc>
-                <a:tc>
-                  <a:txBody>
-                    <a:bodyPr/>
-                    <a:lstStyle/>
-                    <a:p>
-                      <a:pPr algn="ctr" fontAlgn="b"/>
-                      <a:endParaRPr lang="en-US" sz="1100" b="0" i="0" u="none" strike="noStrike">
-                        <a:solidFill>
-                          <a:srgbClr val="000000"/>
-                        </a:solidFill>
-                        <a:effectLst/>
-                        <a:latin typeface="Calibri" panose="020F0502020204030204" pitchFamily="34" charset="0"/>
-                      </a:endParaRPr>
-                    </a:p>
-                  </a:txBody>
-                  <a:tcPr marL="7620" marR="7620" marT="7620" marB="0" anchor="b"/>
-                </a:tc>
-                <a:tc>
-                  <a:txBody>
-                    <a:bodyPr/>
-                    <a:lstStyle/>
-                    <a:p>
-                      <a:pPr algn="ctr" fontAlgn="b"/>
-                      <a:r>
-                        <a:rPr lang="en-US" sz="1100" u="none" strike="noStrike" dirty="0">
-                          <a:effectLst/>
-                        </a:rPr>
-                        <a:t>X</a:t>
-                      </a:r>
-                      <a:endParaRPr lang="en-US" sz="1100" b="0" i="0" u="none" strike="noStrike" dirty="0">
-                        <a:solidFill>
-                          <a:srgbClr val="000000"/>
-                        </a:solidFill>
-                        <a:effectLst/>
-                        <a:latin typeface="Calibri" panose="020F0502020204030204" pitchFamily="34" charset="0"/>
-                      </a:endParaRPr>
-                    </a:p>
-                  </a:txBody>
-                  <a:tcPr marL="7620" marR="7620" marT="7620" marB="0" anchor="b"/>
-                </a:tc>
-              </a:tr>
-            </a:tbl>
-          </a:graphicData>
-        </a:graphic>
-      </p:graphicFrame>
       <p:pic>
         <p:nvPicPr>
           <p:cNvPr id="6" name="Content Placeholder 4"/>
@@ -9799,6 +7995,2632 @@
           </a:xfrm>
         </p:spPr>
       </p:pic>
+      <p:graphicFrame>
+        <p:nvGraphicFramePr>
+          <p:cNvPr id="4" name="Table 3"/>
+          <p:cNvGraphicFramePr>
+            <a:graphicFrameLocks noGrp="1"/>
+          </p:cNvGraphicFramePr>
+          <p:nvPr>
+            <p:extLst>
+              <p:ext uri="{D42A27DB-BD31-4B8C-83A1-F6EECF244321}">
+                <p14:modId xmlns:p14="http://schemas.microsoft.com/office/powerpoint/2010/main" val="3647715834"/>
+              </p:ext>
+            </p:extLst>
+          </p:nvPr>
+        </p:nvGraphicFramePr>
+        <p:xfrm>
+          <a:off x="6925359" y="1911566"/>
+          <a:ext cx="3799115" cy="2702604"/>
+        </p:xfrm>
+        <a:graphic>
+          <a:graphicData uri="http://schemas.openxmlformats.org/drawingml/2006/table">
+            <a:tbl>
+              <a:tblPr>
+                <a:tableStyleId>{5C22544A-7EE6-4342-B048-85BDC9FD1C3A}</a:tableStyleId>
+              </a:tblPr>
+              <a:tblGrid>
+                <a:gridCol w="759823"/>
+                <a:gridCol w="759823"/>
+                <a:gridCol w="759823"/>
+                <a:gridCol w="759823"/>
+                <a:gridCol w="759823"/>
+              </a:tblGrid>
+              <a:tr h="203970">
+                <a:tc>
+                  <a:txBody>
+                    <a:bodyPr/>
+                    <a:lstStyle/>
+                    <a:p>
+                      <a:pPr algn="l" fontAlgn="b"/>
+                      <a:r>
+                        <a:rPr lang="en-US" sz="1100" u="none" strike="noStrike" dirty="0">
+                          <a:effectLst/>
+                        </a:rPr>
+                        <a:t>WW</a:t>
+                      </a:r>
+                      <a:endParaRPr lang="en-US" sz="1100" b="1" i="0" u="none" strike="noStrike" dirty="0">
+                        <a:solidFill>
+                          <a:srgbClr val="000000"/>
+                        </a:solidFill>
+                        <a:effectLst/>
+                        <a:latin typeface="Calibri" panose="020F0502020204030204" pitchFamily="34" charset="0"/>
+                      </a:endParaRPr>
+                    </a:p>
+                  </a:txBody>
+                  <a:tcPr marL="7620" marR="7620" marT="7620" marB="0" anchor="b"/>
+                </a:tc>
+                <a:tc>
+                  <a:txBody>
+                    <a:bodyPr/>
+                    <a:lstStyle/>
+                    <a:p>
+                      <a:pPr algn="ctr" fontAlgn="b"/>
+                      <a:r>
+                        <a:rPr lang="en-US" sz="1100" u="none" strike="noStrike">
+                          <a:effectLst/>
+                        </a:rPr>
+                        <a:t>1900</a:t>
+                      </a:r>
+                      <a:endParaRPr lang="en-US" sz="1100" b="0" i="0" u="none" strike="noStrike">
+                        <a:solidFill>
+                          <a:srgbClr val="000000"/>
+                        </a:solidFill>
+                        <a:effectLst/>
+                        <a:latin typeface="Calibri" panose="020F0502020204030204" pitchFamily="34" charset="0"/>
+                      </a:endParaRPr>
+                    </a:p>
+                  </a:txBody>
+                  <a:tcPr marL="7620" marR="7620" marT="7620" marB="0" anchor="b"/>
+                </a:tc>
+                <a:tc>
+                  <a:txBody>
+                    <a:bodyPr/>
+                    <a:lstStyle/>
+                    <a:p>
+                      <a:pPr algn="ctr" fontAlgn="b"/>
+                      <a:r>
+                        <a:rPr lang="en-US" sz="1100" u="none" strike="noStrike">
+                          <a:effectLst/>
+                        </a:rPr>
+                        <a:t>1901</a:t>
+                      </a:r>
+                      <a:endParaRPr lang="en-US" sz="1100" b="0" i="0" u="none" strike="noStrike">
+                        <a:solidFill>
+                          <a:srgbClr val="000000"/>
+                        </a:solidFill>
+                        <a:effectLst/>
+                        <a:latin typeface="Calibri" panose="020F0502020204030204" pitchFamily="34" charset="0"/>
+                      </a:endParaRPr>
+                    </a:p>
+                  </a:txBody>
+                  <a:tcPr marL="7620" marR="7620" marT="7620" marB="0" anchor="b"/>
+                </a:tc>
+                <a:tc>
+                  <a:txBody>
+                    <a:bodyPr/>
+                    <a:lstStyle/>
+                    <a:p>
+                      <a:pPr algn="ctr" fontAlgn="b"/>
+                      <a:r>
+                        <a:rPr lang="en-US" sz="1100" u="none" strike="noStrike" dirty="0">
+                          <a:effectLst/>
+                        </a:rPr>
+                        <a:t>1902</a:t>
+                      </a:r>
+                      <a:endParaRPr lang="en-US" sz="1100" b="0" i="0" u="none" strike="noStrike" dirty="0">
+                        <a:solidFill>
+                          <a:srgbClr val="000000"/>
+                        </a:solidFill>
+                        <a:effectLst/>
+                        <a:latin typeface="Calibri" panose="020F0502020204030204" pitchFamily="34" charset="0"/>
+                      </a:endParaRPr>
+                    </a:p>
+                  </a:txBody>
+                  <a:tcPr marL="7620" marR="7620" marT="7620" marB="0" anchor="b"/>
+                </a:tc>
+                <a:tc>
+                  <a:txBody>
+                    <a:bodyPr/>
+                    <a:lstStyle/>
+                    <a:p>
+                      <a:pPr algn="ctr" fontAlgn="b"/>
+                      <a:r>
+                        <a:rPr lang="en-US" sz="1100" u="none" strike="noStrike">
+                          <a:effectLst/>
+                        </a:rPr>
+                        <a:t>1903</a:t>
+                      </a:r>
+                      <a:endParaRPr lang="en-US" sz="1100" b="0" i="0" u="none" strike="noStrike">
+                        <a:solidFill>
+                          <a:srgbClr val="000000"/>
+                        </a:solidFill>
+                        <a:effectLst/>
+                        <a:latin typeface="Calibri" panose="020F0502020204030204" pitchFamily="34" charset="0"/>
+                      </a:endParaRPr>
+                    </a:p>
+                  </a:txBody>
+                  <a:tcPr marL="7620" marR="7620" marT="7620" marB="0" anchor="b"/>
+                </a:tc>
+              </a:tr>
+              <a:tr h="203970">
+                <a:tc>
+                  <a:txBody>
+                    <a:bodyPr/>
+                    <a:lstStyle/>
+                    <a:p>
+                      <a:pPr algn="l" fontAlgn="b"/>
+                      <a:r>
+                        <a:rPr lang="en-US" sz="1100" u="none" strike="noStrike">
+                          <a:effectLst/>
+                        </a:rPr>
+                        <a:t>Jan</a:t>
+                      </a:r>
+                      <a:endParaRPr lang="en-US" sz="1100" b="0" i="0" u="none" strike="noStrike">
+                        <a:solidFill>
+                          <a:srgbClr val="000000"/>
+                        </a:solidFill>
+                        <a:effectLst/>
+                        <a:latin typeface="Calibri" panose="020F0502020204030204" pitchFamily="34" charset="0"/>
+                      </a:endParaRPr>
+                    </a:p>
+                  </a:txBody>
+                  <a:tcPr marL="7620" marR="7620" marT="7620" marB="0" anchor="b"/>
+                </a:tc>
+                <a:tc>
+                  <a:txBody>
+                    <a:bodyPr/>
+                    <a:lstStyle/>
+                    <a:p>
+                      <a:pPr algn="ctr" fontAlgn="b"/>
+                      <a:endParaRPr lang="en-US" sz="1100" b="0" i="0" u="none" strike="noStrike">
+                        <a:solidFill>
+                          <a:srgbClr val="000000"/>
+                        </a:solidFill>
+                        <a:effectLst/>
+                        <a:latin typeface="Calibri" panose="020F0502020204030204" pitchFamily="34" charset="0"/>
+                      </a:endParaRPr>
+                    </a:p>
+                  </a:txBody>
+                  <a:tcPr marL="7620" marR="7620" marT="7620" marB="0" anchor="b"/>
+                </a:tc>
+                <a:tc>
+                  <a:txBody>
+                    <a:bodyPr/>
+                    <a:lstStyle/>
+                    <a:p>
+                      <a:pPr algn="ctr" fontAlgn="b"/>
+                      <a:endParaRPr lang="en-US" sz="1100" b="0" i="0" u="none" strike="noStrike">
+                        <a:solidFill>
+                          <a:srgbClr val="000000"/>
+                        </a:solidFill>
+                        <a:effectLst/>
+                        <a:latin typeface="Calibri" panose="020F0502020204030204" pitchFamily="34" charset="0"/>
+                      </a:endParaRPr>
+                    </a:p>
+                  </a:txBody>
+                  <a:tcPr marL="7620" marR="7620" marT="7620" marB="0" anchor="b"/>
+                </a:tc>
+                <a:tc>
+                  <a:txBody>
+                    <a:bodyPr/>
+                    <a:lstStyle/>
+                    <a:p>
+                      <a:pPr algn="ctr" fontAlgn="b"/>
+                      <a:endParaRPr lang="en-US" sz="1100" b="0" i="0" u="none" strike="noStrike">
+                        <a:solidFill>
+                          <a:srgbClr val="000000"/>
+                        </a:solidFill>
+                        <a:effectLst/>
+                        <a:latin typeface="Calibri" panose="020F0502020204030204" pitchFamily="34" charset="0"/>
+                      </a:endParaRPr>
+                    </a:p>
+                  </a:txBody>
+                  <a:tcPr marL="7620" marR="7620" marT="7620" marB="0" anchor="b"/>
+                </a:tc>
+                <a:tc>
+                  <a:txBody>
+                    <a:bodyPr/>
+                    <a:lstStyle/>
+                    <a:p>
+                      <a:pPr algn="ctr" fontAlgn="b"/>
+                      <a:endParaRPr lang="en-US" sz="1100" b="0" i="0" u="none" strike="noStrike">
+                        <a:solidFill>
+                          <a:srgbClr val="000000"/>
+                        </a:solidFill>
+                        <a:effectLst/>
+                        <a:latin typeface="Calibri" panose="020F0502020204030204" pitchFamily="34" charset="0"/>
+                      </a:endParaRPr>
+                    </a:p>
+                  </a:txBody>
+                  <a:tcPr marL="7620" marR="7620" marT="7620" marB="0" anchor="b"/>
+                </a:tc>
+              </a:tr>
+              <a:tr h="203970">
+                <a:tc>
+                  <a:txBody>
+                    <a:bodyPr/>
+                    <a:lstStyle/>
+                    <a:p>
+                      <a:pPr algn="l" fontAlgn="b"/>
+                      <a:r>
+                        <a:rPr lang="en-US" sz="1100" u="none" strike="noStrike">
+                          <a:effectLst/>
+                        </a:rPr>
+                        <a:t>Feb</a:t>
+                      </a:r>
+                      <a:endParaRPr lang="en-US" sz="1100" b="0" i="0" u="none" strike="noStrike">
+                        <a:solidFill>
+                          <a:srgbClr val="000000"/>
+                        </a:solidFill>
+                        <a:effectLst/>
+                        <a:latin typeface="Calibri" panose="020F0502020204030204" pitchFamily="34" charset="0"/>
+                      </a:endParaRPr>
+                    </a:p>
+                  </a:txBody>
+                  <a:tcPr marL="7620" marR="7620" marT="7620" marB="0" anchor="b"/>
+                </a:tc>
+                <a:tc>
+                  <a:txBody>
+                    <a:bodyPr/>
+                    <a:lstStyle/>
+                    <a:p>
+                      <a:pPr algn="ctr" fontAlgn="b"/>
+                      <a:endParaRPr lang="en-US" sz="1100" b="0" i="0" u="none" strike="noStrike" dirty="0">
+                        <a:solidFill>
+                          <a:srgbClr val="000000"/>
+                        </a:solidFill>
+                        <a:effectLst/>
+                        <a:latin typeface="Calibri" panose="020F0502020204030204" pitchFamily="34" charset="0"/>
+                      </a:endParaRPr>
+                    </a:p>
+                  </a:txBody>
+                  <a:tcPr marL="7620" marR="7620" marT="7620" marB="0" anchor="b"/>
+                </a:tc>
+                <a:tc>
+                  <a:txBody>
+                    <a:bodyPr/>
+                    <a:lstStyle/>
+                    <a:p>
+                      <a:pPr algn="ctr" fontAlgn="b"/>
+                      <a:endParaRPr lang="en-US" sz="1100" b="0" i="0" u="none" strike="noStrike">
+                        <a:solidFill>
+                          <a:srgbClr val="000000"/>
+                        </a:solidFill>
+                        <a:effectLst/>
+                        <a:latin typeface="Calibri" panose="020F0502020204030204" pitchFamily="34" charset="0"/>
+                      </a:endParaRPr>
+                    </a:p>
+                  </a:txBody>
+                  <a:tcPr marL="7620" marR="7620" marT="7620" marB="0" anchor="b"/>
+                </a:tc>
+                <a:tc>
+                  <a:txBody>
+                    <a:bodyPr/>
+                    <a:lstStyle/>
+                    <a:p>
+                      <a:pPr algn="ctr" fontAlgn="b"/>
+                      <a:endParaRPr lang="en-US" sz="1100" b="0" i="0" u="none" strike="noStrike">
+                        <a:solidFill>
+                          <a:srgbClr val="000000"/>
+                        </a:solidFill>
+                        <a:effectLst/>
+                        <a:latin typeface="Calibri" panose="020F0502020204030204" pitchFamily="34" charset="0"/>
+                      </a:endParaRPr>
+                    </a:p>
+                  </a:txBody>
+                  <a:tcPr marL="7620" marR="7620" marT="7620" marB="0" anchor="b"/>
+                </a:tc>
+                <a:tc>
+                  <a:txBody>
+                    <a:bodyPr/>
+                    <a:lstStyle/>
+                    <a:p>
+                      <a:pPr algn="ctr" fontAlgn="b"/>
+                      <a:endParaRPr lang="en-US" sz="1100" b="0" i="0" u="none" strike="noStrike">
+                        <a:solidFill>
+                          <a:srgbClr val="000000"/>
+                        </a:solidFill>
+                        <a:effectLst/>
+                        <a:latin typeface="Calibri" panose="020F0502020204030204" pitchFamily="34" charset="0"/>
+                      </a:endParaRPr>
+                    </a:p>
+                  </a:txBody>
+                  <a:tcPr marL="7620" marR="7620" marT="7620" marB="0" anchor="b"/>
+                </a:tc>
+              </a:tr>
+              <a:tr h="203970">
+                <a:tc>
+                  <a:txBody>
+                    <a:bodyPr/>
+                    <a:lstStyle/>
+                    <a:p>
+                      <a:pPr algn="l" fontAlgn="b"/>
+                      <a:r>
+                        <a:rPr lang="en-US" sz="1100" u="none" strike="noStrike">
+                          <a:effectLst/>
+                        </a:rPr>
+                        <a:t>Mar</a:t>
+                      </a:r>
+                      <a:endParaRPr lang="en-US" sz="1100" b="0" i="0" u="none" strike="noStrike">
+                        <a:solidFill>
+                          <a:srgbClr val="000000"/>
+                        </a:solidFill>
+                        <a:effectLst/>
+                        <a:latin typeface="Calibri" panose="020F0502020204030204" pitchFamily="34" charset="0"/>
+                      </a:endParaRPr>
+                    </a:p>
+                  </a:txBody>
+                  <a:tcPr marL="7620" marR="7620" marT="7620" marB="0" anchor="b"/>
+                </a:tc>
+                <a:tc>
+                  <a:txBody>
+                    <a:bodyPr/>
+                    <a:lstStyle/>
+                    <a:p>
+                      <a:pPr algn="ctr" fontAlgn="b"/>
+                      <a:endParaRPr lang="en-US" sz="1100" b="0" i="0" u="none" strike="noStrike">
+                        <a:solidFill>
+                          <a:srgbClr val="000000"/>
+                        </a:solidFill>
+                        <a:effectLst/>
+                        <a:latin typeface="Calibri" panose="020F0502020204030204" pitchFamily="34" charset="0"/>
+                      </a:endParaRPr>
+                    </a:p>
+                  </a:txBody>
+                  <a:tcPr marL="7620" marR="7620" marT="7620" marB="0" anchor="b"/>
+                </a:tc>
+                <a:tc>
+                  <a:txBody>
+                    <a:bodyPr/>
+                    <a:lstStyle/>
+                    <a:p>
+                      <a:pPr algn="ctr" fontAlgn="b"/>
+                      <a:endParaRPr lang="en-US" sz="1100" b="0" i="0" u="none" strike="noStrike">
+                        <a:solidFill>
+                          <a:srgbClr val="000000"/>
+                        </a:solidFill>
+                        <a:effectLst/>
+                        <a:latin typeface="Calibri" panose="020F0502020204030204" pitchFamily="34" charset="0"/>
+                      </a:endParaRPr>
+                    </a:p>
+                  </a:txBody>
+                  <a:tcPr marL="7620" marR="7620" marT="7620" marB="0" anchor="b"/>
+                </a:tc>
+                <a:tc>
+                  <a:txBody>
+                    <a:bodyPr/>
+                    <a:lstStyle/>
+                    <a:p>
+                      <a:pPr algn="ctr" fontAlgn="b"/>
+                      <a:endParaRPr lang="en-US" sz="1100" b="0" i="0" u="none" strike="noStrike">
+                        <a:solidFill>
+                          <a:srgbClr val="000000"/>
+                        </a:solidFill>
+                        <a:effectLst/>
+                        <a:latin typeface="Calibri" panose="020F0502020204030204" pitchFamily="34" charset="0"/>
+                      </a:endParaRPr>
+                    </a:p>
+                  </a:txBody>
+                  <a:tcPr marL="7620" marR="7620" marT="7620" marB="0" anchor="b"/>
+                </a:tc>
+                <a:tc>
+                  <a:txBody>
+                    <a:bodyPr/>
+                    <a:lstStyle/>
+                    <a:p>
+                      <a:pPr algn="ctr" fontAlgn="b"/>
+                      <a:endParaRPr lang="en-US" sz="1100" b="0" i="0" u="none" strike="noStrike">
+                        <a:solidFill>
+                          <a:srgbClr val="000000"/>
+                        </a:solidFill>
+                        <a:effectLst/>
+                        <a:latin typeface="Calibri" panose="020F0502020204030204" pitchFamily="34" charset="0"/>
+                      </a:endParaRPr>
+                    </a:p>
+                  </a:txBody>
+                  <a:tcPr marL="7620" marR="7620" marT="7620" marB="0" anchor="b"/>
+                </a:tc>
+              </a:tr>
+              <a:tr h="203970">
+                <a:tc>
+                  <a:txBody>
+                    <a:bodyPr/>
+                    <a:lstStyle/>
+                    <a:p>
+                      <a:pPr algn="l" fontAlgn="b"/>
+                      <a:r>
+                        <a:rPr lang="en-US" sz="1100" u="none" strike="noStrike">
+                          <a:effectLst/>
+                        </a:rPr>
+                        <a:t>Apr</a:t>
+                      </a:r>
+                      <a:endParaRPr lang="en-US" sz="1100" b="0" i="0" u="none" strike="noStrike">
+                        <a:solidFill>
+                          <a:srgbClr val="000000"/>
+                        </a:solidFill>
+                        <a:effectLst/>
+                        <a:latin typeface="Calibri" panose="020F0502020204030204" pitchFamily="34" charset="0"/>
+                      </a:endParaRPr>
+                    </a:p>
+                  </a:txBody>
+                  <a:tcPr marL="7620" marR="7620" marT="7620" marB="0" anchor="b"/>
+                </a:tc>
+                <a:tc>
+                  <a:txBody>
+                    <a:bodyPr/>
+                    <a:lstStyle/>
+                    <a:p>
+                      <a:pPr algn="ctr" fontAlgn="b"/>
+                      <a:endParaRPr lang="en-US" sz="1100" b="0" i="0" u="none" strike="noStrike">
+                        <a:solidFill>
+                          <a:srgbClr val="000000"/>
+                        </a:solidFill>
+                        <a:effectLst/>
+                        <a:latin typeface="Calibri" panose="020F0502020204030204" pitchFamily="34" charset="0"/>
+                      </a:endParaRPr>
+                    </a:p>
+                  </a:txBody>
+                  <a:tcPr marL="7620" marR="7620" marT="7620" marB="0" anchor="b"/>
+                </a:tc>
+                <a:tc>
+                  <a:txBody>
+                    <a:bodyPr/>
+                    <a:lstStyle/>
+                    <a:p>
+                      <a:pPr algn="ctr" fontAlgn="b"/>
+                      <a:endParaRPr lang="en-US" sz="1100" b="0" i="0" u="none" strike="noStrike">
+                        <a:solidFill>
+                          <a:srgbClr val="000000"/>
+                        </a:solidFill>
+                        <a:effectLst/>
+                        <a:latin typeface="Calibri" panose="020F0502020204030204" pitchFamily="34" charset="0"/>
+                      </a:endParaRPr>
+                    </a:p>
+                  </a:txBody>
+                  <a:tcPr marL="7620" marR="7620" marT="7620" marB="0" anchor="b"/>
+                </a:tc>
+                <a:tc>
+                  <a:txBody>
+                    <a:bodyPr/>
+                    <a:lstStyle/>
+                    <a:p>
+                      <a:pPr algn="ctr" fontAlgn="b"/>
+                      <a:endParaRPr lang="en-US" sz="1100" b="0" i="0" u="none" strike="noStrike">
+                        <a:solidFill>
+                          <a:srgbClr val="000000"/>
+                        </a:solidFill>
+                        <a:effectLst/>
+                        <a:latin typeface="Calibri" panose="020F0502020204030204" pitchFamily="34" charset="0"/>
+                      </a:endParaRPr>
+                    </a:p>
+                  </a:txBody>
+                  <a:tcPr marL="7620" marR="7620" marT="7620" marB="0" anchor="b"/>
+                </a:tc>
+                <a:tc>
+                  <a:txBody>
+                    <a:bodyPr/>
+                    <a:lstStyle/>
+                    <a:p>
+                      <a:pPr algn="ctr" fontAlgn="b"/>
+                      <a:endParaRPr lang="en-US" sz="1100" b="0" i="0" u="none" strike="noStrike">
+                        <a:solidFill>
+                          <a:srgbClr val="000000"/>
+                        </a:solidFill>
+                        <a:effectLst/>
+                        <a:latin typeface="Calibri" panose="020F0502020204030204" pitchFamily="34" charset="0"/>
+                      </a:endParaRPr>
+                    </a:p>
+                  </a:txBody>
+                  <a:tcPr marL="7620" marR="7620" marT="7620" marB="0" anchor="b"/>
+                </a:tc>
+              </a:tr>
+              <a:tr h="203970">
+                <a:tc>
+                  <a:txBody>
+                    <a:bodyPr/>
+                    <a:lstStyle/>
+                    <a:p>
+                      <a:pPr algn="l" fontAlgn="b"/>
+                      <a:r>
+                        <a:rPr lang="en-US" sz="1100" u="none" strike="noStrike">
+                          <a:effectLst/>
+                        </a:rPr>
+                        <a:t>May</a:t>
+                      </a:r>
+                      <a:endParaRPr lang="en-US" sz="1100" b="0" i="0" u="none" strike="noStrike">
+                        <a:solidFill>
+                          <a:srgbClr val="000000"/>
+                        </a:solidFill>
+                        <a:effectLst/>
+                        <a:latin typeface="Calibri" panose="020F0502020204030204" pitchFamily="34" charset="0"/>
+                      </a:endParaRPr>
+                    </a:p>
+                  </a:txBody>
+                  <a:tcPr marL="7620" marR="7620" marT="7620" marB="0" anchor="b"/>
+                </a:tc>
+                <a:tc>
+                  <a:txBody>
+                    <a:bodyPr/>
+                    <a:lstStyle/>
+                    <a:p>
+                      <a:pPr algn="ctr" fontAlgn="b"/>
+                      <a:endParaRPr lang="en-US" sz="1100" b="0" i="0" u="none" strike="noStrike">
+                        <a:solidFill>
+                          <a:srgbClr val="000000"/>
+                        </a:solidFill>
+                        <a:effectLst/>
+                        <a:latin typeface="Calibri" panose="020F0502020204030204" pitchFamily="34" charset="0"/>
+                      </a:endParaRPr>
+                    </a:p>
+                  </a:txBody>
+                  <a:tcPr marL="7620" marR="7620" marT="7620" marB="0" anchor="b"/>
+                </a:tc>
+                <a:tc>
+                  <a:txBody>
+                    <a:bodyPr/>
+                    <a:lstStyle/>
+                    <a:p>
+                      <a:pPr algn="ctr" fontAlgn="b"/>
+                      <a:endParaRPr lang="en-US" sz="1100" b="0" i="0" u="none" strike="noStrike">
+                        <a:solidFill>
+                          <a:srgbClr val="000000"/>
+                        </a:solidFill>
+                        <a:effectLst/>
+                        <a:latin typeface="Calibri" panose="020F0502020204030204" pitchFamily="34" charset="0"/>
+                      </a:endParaRPr>
+                    </a:p>
+                  </a:txBody>
+                  <a:tcPr marL="7620" marR="7620" marT="7620" marB="0" anchor="b"/>
+                </a:tc>
+                <a:tc>
+                  <a:txBody>
+                    <a:bodyPr/>
+                    <a:lstStyle/>
+                    <a:p>
+                      <a:pPr algn="ctr" fontAlgn="b"/>
+                      <a:endParaRPr lang="en-US" sz="1100" b="0" i="0" u="none" strike="noStrike">
+                        <a:solidFill>
+                          <a:srgbClr val="000000"/>
+                        </a:solidFill>
+                        <a:effectLst/>
+                        <a:latin typeface="Calibri" panose="020F0502020204030204" pitchFamily="34" charset="0"/>
+                      </a:endParaRPr>
+                    </a:p>
+                  </a:txBody>
+                  <a:tcPr marL="7620" marR="7620" marT="7620" marB="0" anchor="b"/>
+                </a:tc>
+                <a:tc>
+                  <a:txBody>
+                    <a:bodyPr/>
+                    <a:lstStyle/>
+                    <a:p>
+                      <a:pPr algn="ctr" fontAlgn="b"/>
+                      <a:endParaRPr lang="en-US" sz="1100" b="0" i="0" u="none" strike="noStrike">
+                        <a:solidFill>
+                          <a:srgbClr val="000000"/>
+                        </a:solidFill>
+                        <a:effectLst/>
+                        <a:latin typeface="Calibri" panose="020F0502020204030204" pitchFamily="34" charset="0"/>
+                      </a:endParaRPr>
+                    </a:p>
+                  </a:txBody>
+                  <a:tcPr marL="7620" marR="7620" marT="7620" marB="0" anchor="b"/>
+                </a:tc>
+              </a:tr>
+              <a:tr h="212469">
+                <a:tc>
+                  <a:txBody>
+                    <a:bodyPr/>
+                    <a:lstStyle/>
+                    <a:p>
+                      <a:pPr algn="l" fontAlgn="b"/>
+                      <a:r>
+                        <a:rPr lang="en-US" sz="1100" u="none" strike="noStrike">
+                          <a:effectLst/>
+                        </a:rPr>
+                        <a:t>Jun</a:t>
+                      </a:r>
+                      <a:endParaRPr lang="en-US" sz="1100" b="0" i="0" u="none" strike="noStrike">
+                        <a:solidFill>
+                          <a:srgbClr val="000000"/>
+                        </a:solidFill>
+                        <a:effectLst/>
+                        <a:latin typeface="Calibri" panose="020F0502020204030204" pitchFamily="34" charset="0"/>
+                      </a:endParaRPr>
+                    </a:p>
+                  </a:txBody>
+                  <a:tcPr marL="7620" marR="7620" marT="7620" marB="0" anchor="b"/>
+                </a:tc>
+                <a:tc>
+                  <a:txBody>
+                    <a:bodyPr/>
+                    <a:lstStyle/>
+                    <a:p>
+                      <a:pPr algn="ctr" fontAlgn="b"/>
+                      <a:endParaRPr lang="en-US" sz="1100" b="0" i="0" u="none" strike="noStrike">
+                        <a:solidFill>
+                          <a:srgbClr val="000000"/>
+                        </a:solidFill>
+                        <a:effectLst/>
+                        <a:latin typeface="Calibri" panose="020F0502020204030204" pitchFamily="34" charset="0"/>
+                      </a:endParaRPr>
+                    </a:p>
+                  </a:txBody>
+                  <a:tcPr marL="7620" marR="7620" marT="7620" marB="0" anchor="b"/>
+                </a:tc>
+                <a:tc>
+                  <a:txBody>
+                    <a:bodyPr/>
+                    <a:lstStyle/>
+                    <a:p>
+                      <a:pPr algn="ctr" fontAlgn="b"/>
+                      <a:endParaRPr lang="en-US" sz="1100" b="0" i="0" u="none" strike="noStrike">
+                        <a:solidFill>
+                          <a:srgbClr val="000000"/>
+                        </a:solidFill>
+                        <a:effectLst/>
+                        <a:latin typeface="Calibri" panose="020F0502020204030204" pitchFamily="34" charset="0"/>
+                      </a:endParaRPr>
+                    </a:p>
+                  </a:txBody>
+                  <a:tcPr marL="7620" marR="7620" marT="7620" marB="0" anchor="b"/>
+                </a:tc>
+                <a:tc>
+                  <a:txBody>
+                    <a:bodyPr/>
+                    <a:lstStyle/>
+                    <a:p>
+                      <a:pPr algn="ctr" fontAlgn="b"/>
+                      <a:endParaRPr lang="en-US" sz="1100" b="0" i="0" u="none" strike="noStrike">
+                        <a:solidFill>
+                          <a:srgbClr val="000000"/>
+                        </a:solidFill>
+                        <a:effectLst/>
+                        <a:latin typeface="Calibri" panose="020F0502020204030204" pitchFamily="34" charset="0"/>
+                      </a:endParaRPr>
+                    </a:p>
+                  </a:txBody>
+                  <a:tcPr marL="7620" marR="7620" marT="7620" marB="0" anchor="b"/>
+                </a:tc>
+                <a:tc>
+                  <a:txBody>
+                    <a:bodyPr/>
+                    <a:lstStyle/>
+                    <a:p>
+                      <a:pPr algn="ctr" fontAlgn="b"/>
+                      <a:endParaRPr lang="en-US" sz="1100" b="0" i="0" u="none" strike="noStrike">
+                        <a:solidFill>
+                          <a:srgbClr val="000000"/>
+                        </a:solidFill>
+                        <a:effectLst/>
+                        <a:latin typeface="Calibri" panose="020F0502020204030204" pitchFamily="34" charset="0"/>
+                      </a:endParaRPr>
+                    </a:p>
+                  </a:txBody>
+                  <a:tcPr marL="7620" marR="7620" marT="7620" marB="0" anchor="b"/>
+                </a:tc>
+              </a:tr>
+              <a:tr h="212469">
+                <a:tc>
+                  <a:txBody>
+                    <a:bodyPr/>
+                    <a:lstStyle/>
+                    <a:p>
+                      <a:pPr algn="l" fontAlgn="b"/>
+                      <a:r>
+                        <a:rPr lang="en-US" sz="1100" u="none" strike="noStrike">
+                          <a:effectLst/>
+                        </a:rPr>
+                        <a:t>Jul</a:t>
+                      </a:r>
+                      <a:endParaRPr lang="en-US" sz="1100" b="0" i="0" u="none" strike="noStrike">
+                        <a:solidFill>
+                          <a:srgbClr val="000000"/>
+                        </a:solidFill>
+                        <a:effectLst/>
+                        <a:latin typeface="Calibri" panose="020F0502020204030204" pitchFamily="34" charset="0"/>
+                      </a:endParaRPr>
+                    </a:p>
+                  </a:txBody>
+                  <a:tcPr marL="7620" marR="7620" marT="7620" marB="0" anchor="b"/>
+                </a:tc>
+                <a:tc>
+                  <a:txBody>
+                    <a:bodyPr/>
+                    <a:lstStyle/>
+                    <a:p>
+                      <a:pPr algn="ctr" fontAlgn="b"/>
+                      <a:endParaRPr lang="en-US" sz="1100" b="0" i="0" u="none" strike="noStrike">
+                        <a:solidFill>
+                          <a:srgbClr val="000000"/>
+                        </a:solidFill>
+                        <a:effectLst/>
+                        <a:latin typeface="Calibri" panose="020F0502020204030204" pitchFamily="34" charset="0"/>
+                      </a:endParaRPr>
+                    </a:p>
+                  </a:txBody>
+                  <a:tcPr marL="7620" marR="7620" marT="7620" marB="0" anchor="b"/>
+                </a:tc>
+                <a:tc>
+                  <a:txBody>
+                    <a:bodyPr/>
+                    <a:lstStyle/>
+                    <a:p>
+                      <a:pPr algn="ctr" fontAlgn="b"/>
+                      <a:r>
+                        <a:rPr lang="en-US" sz="1100" u="none" strike="noStrike">
+                          <a:effectLst/>
+                        </a:rPr>
+                        <a:t>15</a:t>
+                      </a:r>
+                      <a:endParaRPr lang="en-US" sz="1100" b="0" i="0" u="none" strike="noStrike">
+                        <a:solidFill>
+                          <a:srgbClr val="000000"/>
+                        </a:solidFill>
+                        <a:effectLst/>
+                        <a:latin typeface="Calibri" panose="020F0502020204030204" pitchFamily="34" charset="0"/>
+                      </a:endParaRPr>
+                    </a:p>
+                  </a:txBody>
+                  <a:tcPr marL="7620" marR="7620" marT="7620" marB="0" anchor="b"/>
+                </a:tc>
+                <a:tc>
+                  <a:txBody>
+                    <a:bodyPr/>
+                    <a:lstStyle/>
+                    <a:p>
+                      <a:pPr algn="ctr" fontAlgn="b"/>
+                      <a:endParaRPr lang="en-US" sz="1100" b="0" i="0" u="none" strike="noStrike">
+                        <a:solidFill>
+                          <a:srgbClr val="000000"/>
+                        </a:solidFill>
+                        <a:effectLst/>
+                        <a:latin typeface="Calibri" panose="020F0502020204030204" pitchFamily="34" charset="0"/>
+                      </a:endParaRPr>
+                    </a:p>
+                  </a:txBody>
+                  <a:tcPr marL="7620" marR="7620" marT="7620" marB="0" anchor="b"/>
+                </a:tc>
+                <a:tc>
+                  <a:txBody>
+                    <a:bodyPr/>
+                    <a:lstStyle/>
+                    <a:p>
+                      <a:pPr algn="ctr" fontAlgn="b"/>
+                      <a:endParaRPr lang="en-US" sz="1100" b="0" i="0" u="none" strike="noStrike">
+                        <a:solidFill>
+                          <a:srgbClr val="000000"/>
+                        </a:solidFill>
+                        <a:effectLst/>
+                        <a:latin typeface="Calibri" panose="020F0502020204030204" pitchFamily="34" charset="0"/>
+                      </a:endParaRPr>
+                    </a:p>
+                  </a:txBody>
+                  <a:tcPr marL="7620" marR="7620" marT="7620" marB="0" anchor="b"/>
+                </a:tc>
+              </a:tr>
+              <a:tr h="212469">
+                <a:tc>
+                  <a:txBody>
+                    <a:bodyPr/>
+                    <a:lstStyle/>
+                    <a:p>
+                      <a:pPr algn="l" fontAlgn="b"/>
+                      <a:r>
+                        <a:rPr lang="en-US" sz="1100" u="none" strike="noStrike">
+                          <a:effectLst/>
+                        </a:rPr>
+                        <a:t>Aug</a:t>
+                      </a:r>
+                      <a:endParaRPr lang="en-US" sz="1100" b="0" i="0" u="none" strike="noStrike">
+                        <a:solidFill>
+                          <a:srgbClr val="000000"/>
+                        </a:solidFill>
+                        <a:effectLst/>
+                        <a:latin typeface="Calibri" panose="020F0502020204030204" pitchFamily="34" charset="0"/>
+                      </a:endParaRPr>
+                    </a:p>
+                  </a:txBody>
+                  <a:tcPr marL="7620" marR="7620" marT="7620" marB="0" anchor="b"/>
+                </a:tc>
+                <a:tc>
+                  <a:txBody>
+                    <a:bodyPr/>
+                    <a:lstStyle/>
+                    <a:p>
+                      <a:pPr algn="ctr" fontAlgn="b"/>
+                      <a:endParaRPr lang="en-US" sz="1100" b="0" i="0" u="none" strike="noStrike">
+                        <a:solidFill>
+                          <a:srgbClr val="000000"/>
+                        </a:solidFill>
+                        <a:effectLst/>
+                        <a:latin typeface="Calibri" panose="020F0502020204030204" pitchFamily="34" charset="0"/>
+                      </a:endParaRPr>
+                    </a:p>
+                  </a:txBody>
+                  <a:tcPr marL="7620" marR="7620" marT="7620" marB="0" anchor="b"/>
+                </a:tc>
+                <a:tc>
+                  <a:txBody>
+                    <a:bodyPr/>
+                    <a:lstStyle/>
+                    <a:p>
+                      <a:pPr algn="ctr" fontAlgn="b"/>
+                      <a:r>
+                        <a:rPr lang="en-US" sz="1100" u="none" strike="noStrike">
+                          <a:effectLst/>
+                        </a:rPr>
+                        <a:t>60</a:t>
+                      </a:r>
+                      <a:endParaRPr lang="en-US" sz="1100" b="0" i="0" u="none" strike="noStrike">
+                        <a:solidFill>
+                          <a:srgbClr val="000000"/>
+                        </a:solidFill>
+                        <a:effectLst/>
+                        <a:latin typeface="Calibri" panose="020F0502020204030204" pitchFamily="34" charset="0"/>
+                      </a:endParaRPr>
+                    </a:p>
+                  </a:txBody>
+                  <a:tcPr marL="7620" marR="7620" marT="7620" marB="0" anchor="b"/>
+                </a:tc>
+                <a:tc>
+                  <a:txBody>
+                    <a:bodyPr/>
+                    <a:lstStyle/>
+                    <a:p>
+                      <a:pPr algn="ctr" fontAlgn="b"/>
+                      <a:r>
+                        <a:rPr lang="en-US" sz="1100" u="none" strike="noStrike">
+                          <a:effectLst/>
+                        </a:rPr>
+                        <a:t> </a:t>
+                      </a:r>
+                      <a:endParaRPr lang="en-US" sz="1100" b="0" i="0" u="none" strike="noStrike">
+                        <a:solidFill>
+                          <a:srgbClr val="000000"/>
+                        </a:solidFill>
+                        <a:effectLst/>
+                        <a:latin typeface="Calibri" panose="020F0502020204030204" pitchFamily="34" charset="0"/>
+                      </a:endParaRPr>
+                    </a:p>
+                  </a:txBody>
+                  <a:tcPr marL="7620" marR="7620" marT="7620" marB="0" anchor="b"/>
+                </a:tc>
+                <a:tc>
+                  <a:txBody>
+                    <a:bodyPr/>
+                    <a:lstStyle/>
+                    <a:p>
+                      <a:pPr algn="ctr" fontAlgn="b"/>
+                      <a:endParaRPr lang="en-US" sz="1100" b="0" i="0" u="none" strike="noStrike">
+                        <a:solidFill>
+                          <a:srgbClr val="000000"/>
+                        </a:solidFill>
+                        <a:effectLst/>
+                        <a:latin typeface="Calibri" panose="020F0502020204030204" pitchFamily="34" charset="0"/>
+                      </a:endParaRPr>
+                    </a:p>
+                  </a:txBody>
+                  <a:tcPr marL="7620" marR="7620" marT="7620" marB="0" anchor="b"/>
+                </a:tc>
+              </a:tr>
+              <a:tr h="212469">
+                <a:tc>
+                  <a:txBody>
+                    <a:bodyPr/>
+                    <a:lstStyle/>
+                    <a:p>
+                      <a:pPr algn="l" fontAlgn="b"/>
+                      <a:r>
+                        <a:rPr lang="en-US" sz="1100" u="none" strike="noStrike">
+                          <a:effectLst/>
+                        </a:rPr>
+                        <a:t>Sep</a:t>
+                      </a:r>
+                      <a:endParaRPr lang="en-US" sz="1100" b="0" i="0" u="none" strike="noStrike">
+                        <a:solidFill>
+                          <a:srgbClr val="000000"/>
+                        </a:solidFill>
+                        <a:effectLst/>
+                        <a:latin typeface="Calibri" panose="020F0502020204030204" pitchFamily="34" charset="0"/>
+                      </a:endParaRPr>
+                    </a:p>
+                  </a:txBody>
+                  <a:tcPr marL="7620" marR="7620" marT="7620" marB="0" anchor="b"/>
+                </a:tc>
+                <a:tc>
+                  <a:txBody>
+                    <a:bodyPr/>
+                    <a:lstStyle/>
+                    <a:p>
+                      <a:pPr algn="ctr" fontAlgn="b"/>
+                      <a:r>
+                        <a:rPr lang="en-US" sz="1100" u="none" strike="noStrike">
+                          <a:effectLst/>
+                        </a:rPr>
+                        <a:t> </a:t>
+                      </a:r>
+                      <a:endParaRPr lang="en-US" sz="1100" b="0" i="0" u="none" strike="noStrike">
+                        <a:solidFill>
+                          <a:srgbClr val="000000"/>
+                        </a:solidFill>
+                        <a:effectLst/>
+                        <a:latin typeface="Calibri" panose="020F0502020204030204" pitchFamily="34" charset="0"/>
+                      </a:endParaRPr>
+                    </a:p>
+                  </a:txBody>
+                  <a:tcPr marL="7620" marR="7620" marT="7620" marB="0" anchor="b"/>
+                </a:tc>
+                <a:tc>
+                  <a:txBody>
+                    <a:bodyPr/>
+                    <a:lstStyle/>
+                    <a:p>
+                      <a:pPr algn="ctr" fontAlgn="b"/>
+                      <a:endParaRPr lang="en-US" sz="1100" b="0" i="0" u="none" strike="noStrike">
+                        <a:solidFill>
+                          <a:srgbClr val="000000"/>
+                        </a:solidFill>
+                        <a:effectLst/>
+                        <a:latin typeface="Calibri" panose="020F0502020204030204" pitchFamily="34" charset="0"/>
+                      </a:endParaRPr>
+                    </a:p>
+                  </a:txBody>
+                  <a:tcPr marL="7620" marR="7620" marT="7620" marB="0" anchor="b"/>
+                </a:tc>
+                <a:tc>
+                  <a:txBody>
+                    <a:bodyPr/>
+                    <a:lstStyle/>
+                    <a:p>
+                      <a:pPr algn="ctr" fontAlgn="b"/>
+                      <a:r>
+                        <a:rPr lang="en-US" sz="1100" u="none" strike="noStrike">
+                          <a:effectLst/>
+                        </a:rPr>
+                        <a:t>25</a:t>
+                      </a:r>
+                      <a:endParaRPr lang="en-US" sz="1100" b="0" i="0" u="none" strike="noStrike">
+                        <a:solidFill>
+                          <a:srgbClr val="000000"/>
+                        </a:solidFill>
+                        <a:effectLst/>
+                        <a:latin typeface="Calibri" panose="020F0502020204030204" pitchFamily="34" charset="0"/>
+                      </a:endParaRPr>
+                    </a:p>
+                  </a:txBody>
+                  <a:tcPr marL="7620" marR="7620" marT="7620" marB="0" anchor="b"/>
+                </a:tc>
+                <a:tc>
+                  <a:txBody>
+                    <a:bodyPr/>
+                    <a:lstStyle/>
+                    <a:p>
+                      <a:pPr algn="ctr" fontAlgn="b"/>
+                      <a:endParaRPr lang="en-US" sz="1100" b="0" i="0" u="none" strike="noStrike">
+                        <a:solidFill>
+                          <a:srgbClr val="000000"/>
+                        </a:solidFill>
+                        <a:effectLst/>
+                        <a:latin typeface="Calibri" panose="020F0502020204030204" pitchFamily="34" charset="0"/>
+                      </a:endParaRPr>
+                    </a:p>
+                  </a:txBody>
+                  <a:tcPr marL="7620" marR="7620" marT="7620" marB="0" anchor="b"/>
+                </a:tc>
+              </a:tr>
+              <a:tr h="212469">
+                <a:tc>
+                  <a:txBody>
+                    <a:bodyPr/>
+                    <a:lstStyle/>
+                    <a:p>
+                      <a:pPr algn="l" fontAlgn="b"/>
+                      <a:r>
+                        <a:rPr lang="en-US" sz="1100" u="none" strike="noStrike">
+                          <a:effectLst/>
+                        </a:rPr>
+                        <a:t>Oct</a:t>
+                      </a:r>
+                      <a:endParaRPr lang="en-US" sz="1100" b="0" i="0" u="none" strike="noStrike">
+                        <a:solidFill>
+                          <a:srgbClr val="000000"/>
+                        </a:solidFill>
+                        <a:effectLst/>
+                        <a:latin typeface="Calibri" panose="020F0502020204030204" pitchFamily="34" charset="0"/>
+                      </a:endParaRPr>
+                    </a:p>
+                  </a:txBody>
+                  <a:tcPr marL="7620" marR="7620" marT="7620" marB="0" anchor="b"/>
+                </a:tc>
+                <a:tc>
+                  <a:txBody>
+                    <a:bodyPr/>
+                    <a:lstStyle/>
+                    <a:p>
+                      <a:pPr algn="ctr" fontAlgn="b"/>
+                      <a:r>
+                        <a:rPr lang="en-US" sz="1100" u="none" strike="noStrike">
+                          <a:effectLst/>
+                        </a:rPr>
+                        <a:t>50</a:t>
+                      </a:r>
+                      <a:endParaRPr lang="en-US" sz="1100" b="0" i="0" u="none" strike="noStrike">
+                        <a:solidFill>
+                          <a:srgbClr val="000000"/>
+                        </a:solidFill>
+                        <a:effectLst/>
+                        <a:latin typeface="Calibri" panose="020F0502020204030204" pitchFamily="34" charset="0"/>
+                      </a:endParaRPr>
+                    </a:p>
+                  </a:txBody>
+                  <a:tcPr marL="7620" marR="7620" marT="7620" marB="0" anchor="b"/>
+                </a:tc>
+                <a:tc>
+                  <a:txBody>
+                    <a:bodyPr/>
+                    <a:lstStyle/>
+                    <a:p>
+                      <a:pPr algn="ctr" fontAlgn="b"/>
+                      <a:endParaRPr lang="en-US" sz="1100" b="0" i="0" u="none" strike="noStrike">
+                        <a:solidFill>
+                          <a:srgbClr val="000000"/>
+                        </a:solidFill>
+                        <a:effectLst/>
+                        <a:latin typeface="Calibri" panose="020F0502020204030204" pitchFamily="34" charset="0"/>
+                      </a:endParaRPr>
+                    </a:p>
+                  </a:txBody>
+                  <a:tcPr marL="7620" marR="7620" marT="7620" marB="0" anchor="b"/>
+                </a:tc>
+                <a:tc>
+                  <a:txBody>
+                    <a:bodyPr/>
+                    <a:lstStyle/>
+                    <a:p>
+                      <a:pPr algn="ctr" fontAlgn="b"/>
+                      <a:r>
+                        <a:rPr lang="en-US" sz="1100" u="none" strike="noStrike" dirty="0">
+                          <a:effectLst/>
+                        </a:rPr>
+                        <a:t>350</a:t>
+                      </a:r>
+                      <a:endParaRPr lang="en-US" sz="1100" b="0" i="0" u="none" strike="noStrike" dirty="0">
+                        <a:solidFill>
+                          <a:srgbClr val="000000"/>
+                        </a:solidFill>
+                        <a:effectLst/>
+                        <a:latin typeface="Calibri" panose="020F0502020204030204" pitchFamily="34" charset="0"/>
+                      </a:endParaRPr>
+                    </a:p>
+                  </a:txBody>
+                  <a:tcPr marL="7620" marR="7620" marT="7620" marB="0" anchor="b"/>
+                </a:tc>
+                <a:tc>
+                  <a:txBody>
+                    <a:bodyPr/>
+                    <a:lstStyle/>
+                    <a:p>
+                      <a:pPr algn="ctr" fontAlgn="b"/>
+                      <a:r>
+                        <a:rPr lang="en-US" sz="1100" u="none" strike="noStrike">
+                          <a:effectLst/>
+                        </a:rPr>
+                        <a:t> </a:t>
+                      </a:r>
+                      <a:endParaRPr lang="en-US" sz="1100" b="0" i="0" u="none" strike="noStrike">
+                        <a:solidFill>
+                          <a:srgbClr val="000000"/>
+                        </a:solidFill>
+                        <a:effectLst/>
+                        <a:latin typeface="Calibri" panose="020F0502020204030204" pitchFamily="34" charset="0"/>
+                      </a:endParaRPr>
+                    </a:p>
+                  </a:txBody>
+                  <a:tcPr marL="7620" marR="7620" marT="7620" marB="0" anchor="b"/>
+                </a:tc>
+              </a:tr>
+              <a:tr h="203970">
+                <a:tc>
+                  <a:txBody>
+                    <a:bodyPr/>
+                    <a:lstStyle/>
+                    <a:p>
+                      <a:pPr algn="l" fontAlgn="b"/>
+                      <a:r>
+                        <a:rPr lang="en-US" sz="1100" u="none" strike="noStrike">
+                          <a:effectLst/>
+                        </a:rPr>
+                        <a:t>Nov</a:t>
+                      </a:r>
+                      <a:endParaRPr lang="en-US" sz="1100" b="0" i="0" u="none" strike="noStrike">
+                        <a:solidFill>
+                          <a:srgbClr val="000000"/>
+                        </a:solidFill>
+                        <a:effectLst/>
+                        <a:latin typeface="Calibri" panose="020F0502020204030204" pitchFamily="34" charset="0"/>
+                      </a:endParaRPr>
+                    </a:p>
+                  </a:txBody>
+                  <a:tcPr marL="7620" marR="7620" marT="7620" marB="0" anchor="b"/>
+                </a:tc>
+                <a:tc>
+                  <a:txBody>
+                    <a:bodyPr/>
+                    <a:lstStyle/>
+                    <a:p>
+                      <a:pPr algn="ctr" fontAlgn="b"/>
+                      <a:endParaRPr lang="en-US" sz="1100" b="0" i="0" u="none" strike="noStrike">
+                        <a:solidFill>
+                          <a:srgbClr val="000000"/>
+                        </a:solidFill>
+                        <a:effectLst/>
+                        <a:latin typeface="Calibri" panose="020F0502020204030204" pitchFamily="34" charset="0"/>
+                      </a:endParaRPr>
+                    </a:p>
+                  </a:txBody>
+                  <a:tcPr marL="7620" marR="7620" marT="7620" marB="0" anchor="b"/>
+                </a:tc>
+                <a:tc>
+                  <a:txBody>
+                    <a:bodyPr/>
+                    <a:lstStyle/>
+                    <a:p>
+                      <a:pPr algn="ctr" fontAlgn="b"/>
+                      <a:endParaRPr lang="en-US" sz="1100" b="0" i="0" u="none" strike="noStrike">
+                        <a:solidFill>
+                          <a:srgbClr val="000000"/>
+                        </a:solidFill>
+                        <a:effectLst/>
+                        <a:latin typeface="Calibri" panose="020F0502020204030204" pitchFamily="34" charset="0"/>
+                      </a:endParaRPr>
+                    </a:p>
+                  </a:txBody>
+                  <a:tcPr marL="7620" marR="7620" marT="7620" marB="0" anchor="b"/>
+                </a:tc>
+                <a:tc>
+                  <a:txBody>
+                    <a:bodyPr/>
+                    <a:lstStyle/>
+                    <a:p>
+                      <a:pPr algn="ctr" fontAlgn="b"/>
+                      <a:endParaRPr lang="en-US" sz="1100" b="0" i="0" u="none" strike="noStrike" dirty="0">
+                        <a:solidFill>
+                          <a:srgbClr val="000000"/>
+                        </a:solidFill>
+                        <a:effectLst/>
+                        <a:latin typeface="Calibri" panose="020F0502020204030204" pitchFamily="34" charset="0"/>
+                      </a:endParaRPr>
+                    </a:p>
+                  </a:txBody>
+                  <a:tcPr marL="7620" marR="7620" marT="7620" marB="0" anchor="b"/>
+                </a:tc>
+                <a:tc>
+                  <a:txBody>
+                    <a:bodyPr/>
+                    <a:lstStyle/>
+                    <a:p>
+                      <a:pPr algn="ctr" fontAlgn="b"/>
+                      <a:r>
+                        <a:rPr lang="en-US" sz="1100" u="none" strike="noStrike">
+                          <a:effectLst/>
+                        </a:rPr>
+                        <a:t> </a:t>
+                      </a:r>
+                      <a:endParaRPr lang="en-US" sz="1100" b="0" i="0" u="none" strike="noStrike">
+                        <a:solidFill>
+                          <a:srgbClr val="000000"/>
+                        </a:solidFill>
+                        <a:effectLst/>
+                        <a:latin typeface="Calibri" panose="020F0502020204030204" pitchFamily="34" charset="0"/>
+                      </a:endParaRPr>
+                    </a:p>
+                  </a:txBody>
+                  <a:tcPr marL="7620" marR="7620" marT="7620" marB="0" anchor="b"/>
+                </a:tc>
+              </a:tr>
+              <a:tr h="212469">
+                <a:tc>
+                  <a:txBody>
+                    <a:bodyPr/>
+                    <a:lstStyle/>
+                    <a:p>
+                      <a:pPr algn="l" fontAlgn="b"/>
+                      <a:r>
+                        <a:rPr lang="en-US" sz="1100" u="none" strike="noStrike">
+                          <a:effectLst/>
+                        </a:rPr>
+                        <a:t>Dec</a:t>
+                      </a:r>
+                      <a:endParaRPr lang="en-US" sz="1100" b="0" i="0" u="none" strike="noStrike">
+                        <a:solidFill>
+                          <a:srgbClr val="000000"/>
+                        </a:solidFill>
+                        <a:effectLst/>
+                        <a:latin typeface="Calibri" panose="020F0502020204030204" pitchFamily="34" charset="0"/>
+                      </a:endParaRPr>
+                    </a:p>
+                  </a:txBody>
+                  <a:tcPr marL="7620" marR="7620" marT="7620" marB="0" anchor="b"/>
+                </a:tc>
+                <a:tc>
+                  <a:txBody>
+                    <a:bodyPr/>
+                    <a:lstStyle/>
+                    <a:p>
+                      <a:pPr algn="ctr" fontAlgn="b"/>
+                      <a:endParaRPr lang="en-US" sz="1100" b="0" i="0" u="none" strike="noStrike">
+                        <a:solidFill>
+                          <a:srgbClr val="000000"/>
+                        </a:solidFill>
+                        <a:effectLst/>
+                        <a:latin typeface="Calibri" panose="020F0502020204030204" pitchFamily="34" charset="0"/>
+                      </a:endParaRPr>
+                    </a:p>
+                  </a:txBody>
+                  <a:tcPr marL="7620" marR="7620" marT="7620" marB="0" anchor="b"/>
+                </a:tc>
+                <a:tc>
+                  <a:txBody>
+                    <a:bodyPr/>
+                    <a:lstStyle/>
+                    <a:p>
+                      <a:pPr algn="ctr" fontAlgn="b"/>
+                      <a:endParaRPr lang="en-US" sz="1100" b="0" i="0" u="none" strike="noStrike">
+                        <a:solidFill>
+                          <a:srgbClr val="000000"/>
+                        </a:solidFill>
+                        <a:effectLst/>
+                        <a:latin typeface="Calibri" panose="020F0502020204030204" pitchFamily="34" charset="0"/>
+                      </a:endParaRPr>
+                    </a:p>
+                  </a:txBody>
+                  <a:tcPr marL="7620" marR="7620" marT="7620" marB="0" anchor="b"/>
+                </a:tc>
+                <a:tc>
+                  <a:txBody>
+                    <a:bodyPr/>
+                    <a:lstStyle/>
+                    <a:p>
+                      <a:pPr algn="ctr" fontAlgn="b"/>
+                      <a:endParaRPr lang="en-US" sz="1100" b="0" i="0" u="none" strike="noStrike">
+                        <a:solidFill>
+                          <a:srgbClr val="000000"/>
+                        </a:solidFill>
+                        <a:effectLst/>
+                        <a:latin typeface="Calibri" panose="020F0502020204030204" pitchFamily="34" charset="0"/>
+                      </a:endParaRPr>
+                    </a:p>
+                  </a:txBody>
+                  <a:tcPr marL="7620" marR="7620" marT="7620" marB="0" anchor="b"/>
+                </a:tc>
+                <a:tc>
+                  <a:txBody>
+                    <a:bodyPr/>
+                    <a:lstStyle/>
+                    <a:p>
+                      <a:pPr algn="ctr" fontAlgn="b"/>
+                      <a:r>
+                        <a:rPr lang="en-US" sz="1100" u="none" strike="noStrike" dirty="0">
+                          <a:effectLst/>
+                        </a:rPr>
+                        <a:t>3 </a:t>
+                      </a:r>
+                      <a:r>
+                        <a:rPr lang="en-US" sz="1100" u="none" strike="noStrike" dirty="0" smtClean="0">
+                          <a:effectLst/>
+                        </a:rPr>
+                        <a:t> - X</a:t>
+                      </a:r>
+                      <a:endParaRPr lang="en-US" sz="1100" b="0" i="0" u="none" strike="noStrike" dirty="0">
+                        <a:solidFill>
+                          <a:srgbClr val="000000"/>
+                        </a:solidFill>
+                        <a:effectLst/>
+                        <a:latin typeface="Calibri" panose="020F0502020204030204" pitchFamily="34" charset="0"/>
+                      </a:endParaRPr>
+                    </a:p>
+                  </a:txBody>
+                  <a:tcPr marL="7620" marR="7620" marT="7620" marB="0" anchor="b"/>
+                </a:tc>
+              </a:tr>
+            </a:tbl>
+          </a:graphicData>
+        </a:graphic>
+      </p:graphicFrame>
+      <p:graphicFrame>
+        <p:nvGraphicFramePr>
+          <p:cNvPr id="5" name="Table 4"/>
+          <p:cNvGraphicFramePr>
+            <a:graphicFrameLocks noGrp="1"/>
+          </p:cNvGraphicFramePr>
+          <p:nvPr>
+            <p:extLst>
+              <p:ext uri="{D42A27DB-BD31-4B8C-83A1-F6EECF244321}">
+                <p14:modId xmlns:p14="http://schemas.microsoft.com/office/powerpoint/2010/main" val="759729401"/>
+              </p:ext>
+            </p:extLst>
+          </p:nvPr>
+        </p:nvGraphicFramePr>
+        <p:xfrm>
+          <a:off x="1295400" y="1911566"/>
+          <a:ext cx="3635830" cy="2748889"/>
+        </p:xfrm>
+        <a:graphic>
+          <a:graphicData uri="http://schemas.openxmlformats.org/drawingml/2006/table">
+            <a:tbl>
+              <a:tblPr>
+                <a:tableStyleId>{5C22544A-7EE6-4342-B048-85BDC9FD1C3A}</a:tableStyleId>
+              </a:tblPr>
+              <a:tblGrid>
+                <a:gridCol w="727166"/>
+                <a:gridCol w="727166"/>
+                <a:gridCol w="727166"/>
+                <a:gridCol w="727166"/>
+                <a:gridCol w="727166"/>
+              </a:tblGrid>
+              <a:tr h="211453">
+                <a:tc>
+                  <a:txBody>
+                    <a:bodyPr/>
+                    <a:lstStyle/>
+                    <a:p>
+                      <a:pPr algn="l" fontAlgn="b"/>
+                      <a:r>
+                        <a:rPr lang="en-US" sz="1100" u="none" strike="noStrike" dirty="0">
+                          <a:effectLst/>
+                        </a:rPr>
+                        <a:t>SL</a:t>
+                      </a:r>
+                      <a:endParaRPr lang="en-US" sz="1100" b="1" i="0" u="none" strike="noStrike" dirty="0">
+                        <a:solidFill>
+                          <a:srgbClr val="000000"/>
+                        </a:solidFill>
+                        <a:effectLst/>
+                        <a:latin typeface="Calibri" panose="020F0502020204030204" pitchFamily="34" charset="0"/>
+                      </a:endParaRPr>
+                    </a:p>
+                  </a:txBody>
+                  <a:tcPr marL="7620" marR="7620" marT="7620" marB="0" anchor="b"/>
+                </a:tc>
+                <a:tc>
+                  <a:txBody>
+                    <a:bodyPr/>
+                    <a:lstStyle/>
+                    <a:p>
+                      <a:pPr algn="ctr" fontAlgn="b"/>
+                      <a:r>
+                        <a:rPr lang="en-US" sz="1100" u="none" strike="noStrike">
+                          <a:effectLst/>
+                        </a:rPr>
+                        <a:t>1900</a:t>
+                      </a:r>
+                      <a:endParaRPr lang="en-US" sz="1100" b="0" i="0" u="none" strike="noStrike">
+                        <a:solidFill>
+                          <a:srgbClr val="000000"/>
+                        </a:solidFill>
+                        <a:effectLst/>
+                        <a:latin typeface="Calibri" panose="020F0502020204030204" pitchFamily="34" charset="0"/>
+                      </a:endParaRPr>
+                    </a:p>
+                  </a:txBody>
+                  <a:tcPr marL="7620" marR="7620" marT="7620" marB="0" anchor="b"/>
+                </a:tc>
+                <a:tc>
+                  <a:txBody>
+                    <a:bodyPr/>
+                    <a:lstStyle/>
+                    <a:p>
+                      <a:pPr algn="ctr" fontAlgn="b"/>
+                      <a:r>
+                        <a:rPr lang="en-US" sz="1100" u="none" strike="noStrike">
+                          <a:effectLst/>
+                        </a:rPr>
+                        <a:t>1901</a:t>
+                      </a:r>
+                      <a:endParaRPr lang="en-US" sz="1100" b="0" i="0" u="none" strike="noStrike">
+                        <a:solidFill>
+                          <a:srgbClr val="000000"/>
+                        </a:solidFill>
+                        <a:effectLst/>
+                        <a:latin typeface="Calibri" panose="020F0502020204030204" pitchFamily="34" charset="0"/>
+                      </a:endParaRPr>
+                    </a:p>
+                  </a:txBody>
+                  <a:tcPr marL="7620" marR="7620" marT="7620" marB="0" anchor="b"/>
+                </a:tc>
+                <a:tc>
+                  <a:txBody>
+                    <a:bodyPr/>
+                    <a:lstStyle/>
+                    <a:p>
+                      <a:pPr algn="ctr" fontAlgn="b"/>
+                      <a:r>
+                        <a:rPr lang="en-US" sz="1100" u="none" strike="noStrike">
+                          <a:effectLst/>
+                        </a:rPr>
+                        <a:t>1902</a:t>
+                      </a:r>
+                      <a:endParaRPr lang="en-US" sz="1100" b="0" i="0" u="none" strike="noStrike">
+                        <a:solidFill>
+                          <a:srgbClr val="000000"/>
+                        </a:solidFill>
+                        <a:effectLst/>
+                        <a:latin typeface="Calibri" panose="020F0502020204030204" pitchFamily="34" charset="0"/>
+                      </a:endParaRPr>
+                    </a:p>
+                  </a:txBody>
+                  <a:tcPr marL="7620" marR="7620" marT="7620" marB="0" anchor="b"/>
+                </a:tc>
+                <a:tc>
+                  <a:txBody>
+                    <a:bodyPr/>
+                    <a:lstStyle/>
+                    <a:p>
+                      <a:pPr algn="ctr" fontAlgn="b"/>
+                      <a:r>
+                        <a:rPr lang="en-US" sz="1100" u="none" strike="noStrike">
+                          <a:effectLst/>
+                        </a:rPr>
+                        <a:t>1903</a:t>
+                      </a:r>
+                      <a:endParaRPr lang="en-US" sz="1100" b="0" i="0" u="none" strike="noStrike">
+                        <a:solidFill>
+                          <a:srgbClr val="000000"/>
+                        </a:solidFill>
+                        <a:effectLst/>
+                        <a:latin typeface="Calibri" panose="020F0502020204030204" pitchFamily="34" charset="0"/>
+                      </a:endParaRPr>
+                    </a:p>
+                  </a:txBody>
+                  <a:tcPr marL="7620" marR="7620" marT="7620" marB="0" anchor="b"/>
+                </a:tc>
+              </a:tr>
+              <a:tr h="211453">
+                <a:tc>
+                  <a:txBody>
+                    <a:bodyPr/>
+                    <a:lstStyle/>
+                    <a:p>
+                      <a:pPr algn="l" fontAlgn="b"/>
+                      <a:r>
+                        <a:rPr lang="en-US" sz="1100" u="none" strike="noStrike">
+                          <a:effectLst/>
+                        </a:rPr>
+                        <a:t>Jan</a:t>
+                      </a:r>
+                      <a:endParaRPr lang="en-US" sz="1100" b="0" i="0" u="none" strike="noStrike">
+                        <a:solidFill>
+                          <a:srgbClr val="000000"/>
+                        </a:solidFill>
+                        <a:effectLst/>
+                        <a:latin typeface="Calibri" panose="020F0502020204030204" pitchFamily="34" charset="0"/>
+                      </a:endParaRPr>
+                    </a:p>
+                  </a:txBody>
+                  <a:tcPr marL="7620" marR="7620" marT="7620" marB="0" anchor="b"/>
+                </a:tc>
+                <a:tc>
+                  <a:txBody>
+                    <a:bodyPr/>
+                    <a:lstStyle/>
+                    <a:p>
+                      <a:pPr algn="ctr" fontAlgn="b"/>
+                      <a:endParaRPr lang="en-US" sz="1100" b="0" i="0" u="none" strike="noStrike">
+                        <a:solidFill>
+                          <a:srgbClr val="000000"/>
+                        </a:solidFill>
+                        <a:effectLst/>
+                        <a:latin typeface="Calibri" panose="020F0502020204030204" pitchFamily="34" charset="0"/>
+                      </a:endParaRPr>
+                    </a:p>
+                  </a:txBody>
+                  <a:tcPr marL="7620" marR="7620" marT="7620" marB="0" anchor="b"/>
+                </a:tc>
+                <a:tc>
+                  <a:txBody>
+                    <a:bodyPr/>
+                    <a:lstStyle/>
+                    <a:p>
+                      <a:pPr algn="ctr" fontAlgn="b"/>
+                      <a:endParaRPr lang="en-US" sz="1100" b="0" i="0" u="none" strike="noStrike">
+                        <a:solidFill>
+                          <a:srgbClr val="000000"/>
+                        </a:solidFill>
+                        <a:effectLst/>
+                        <a:latin typeface="Calibri" panose="020F0502020204030204" pitchFamily="34" charset="0"/>
+                      </a:endParaRPr>
+                    </a:p>
+                  </a:txBody>
+                  <a:tcPr marL="7620" marR="7620" marT="7620" marB="0" anchor="b"/>
+                </a:tc>
+                <a:tc>
+                  <a:txBody>
+                    <a:bodyPr/>
+                    <a:lstStyle/>
+                    <a:p>
+                      <a:pPr algn="ctr" fontAlgn="b"/>
+                      <a:endParaRPr lang="en-US" sz="1100" b="0" i="0" u="none" strike="noStrike">
+                        <a:solidFill>
+                          <a:srgbClr val="000000"/>
+                        </a:solidFill>
+                        <a:effectLst/>
+                        <a:latin typeface="Calibri" panose="020F0502020204030204" pitchFamily="34" charset="0"/>
+                      </a:endParaRPr>
+                    </a:p>
+                  </a:txBody>
+                  <a:tcPr marL="7620" marR="7620" marT="7620" marB="0" anchor="b"/>
+                </a:tc>
+                <a:tc>
+                  <a:txBody>
+                    <a:bodyPr/>
+                    <a:lstStyle/>
+                    <a:p>
+                      <a:pPr algn="ctr" fontAlgn="b"/>
+                      <a:endParaRPr lang="en-US" sz="1100" b="0" i="0" u="none" strike="noStrike">
+                        <a:solidFill>
+                          <a:srgbClr val="000000"/>
+                        </a:solidFill>
+                        <a:effectLst/>
+                        <a:latin typeface="Calibri" panose="020F0502020204030204" pitchFamily="34" charset="0"/>
+                      </a:endParaRPr>
+                    </a:p>
+                  </a:txBody>
+                  <a:tcPr marL="7620" marR="7620" marT="7620" marB="0" anchor="b"/>
+                </a:tc>
+              </a:tr>
+              <a:tr h="211453">
+                <a:tc>
+                  <a:txBody>
+                    <a:bodyPr/>
+                    <a:lstStyle/>
+                    <a:p>
+                      <a:pPr algn="l" fontAlgn="b"/>
+                      <a:r>
+                        <a:rPr lang="en-US" sz="1100" u="none" strike="noStrike">
+                          <a:effectLst/>
+                        </a:rPr>
+                        <a:t>Feb</a:t>
+                      </a:r>
+                      <a:endParaRPr lang="en-US" sz="1100" b="0" i="0" u="none" strike="noStrike">
+                        <a:solidFill>
+                          <a:srgbClr val="000000"/>
+                        </a:solidFill>
+                        <a:effectLst/>
+                        <a:latin typeface="Calibri" panose="020F0502020204030204" pitchFamily="34" charset="0"/>
+                      </a:endParaRPr>
+                    </a:p>
+                  </a:txBody>
+                  <a:tcPr marL="7620" marR="7620" marT="7620" marB="0" anchor="b"/>
+                </a:tc>
+                <a:tc>
+                  <a:txBody>
+                    <a:bodyPr/>
+                    <a:lstStyle/>
+                    <a:p>
+                      <a:pPr algn="ctr" fontAlgn="b"/>
+                      <a:endParaRPr lang="en-US" sz="1100" b="0" i="0" u="none" strike="noStrike">
+                        <a:solidFill>
+                          <a:srgbClr val="000000"/>
+                        </a:solidFill>
+                        <a:effectLst/>
+                        <a:latin typeface="Calibri" panose="020F0502020204030204" pitchFamily="34" charset="0"/>
+                      </a:endParaRPr>
+                    </a:p>
+                  </a:txBody>
+                  <a:tcPr marL="7620" marR="7620" marT="7620" marB="0" anchor="b"/>
+                </a:tc>
+                <a:tc>
+                  <a:txBody>
+                    <a:bodyPr/>
+                    <a:lstStyle/>
+                    <a:p>
+                      <a:pPr algn="ctr" fontAlgn="b"/>
+                      <a:endParaRPr lang="en-US" sz="1100" b="0" i="0" u="none" strike="noStrike">
+                        <a:solidFill>
+                          <a:srgbClr val="000000"/>
+                        </a:solidFill>
+                        <a:effectLst/>
+                        <a:latin typeface="Calibri" panose="020F0502020204030204" pitchFamily="34" charset="0"/>
+                      </a:endParaRPr>
+                    </a:p>
+                  </a:txBody>
+                  <a:tcPr marL="7620" marR="7620" marT="7620" marB="0" anchor="b"/>
+                </a:tc>
+                <a:tc>
+                  <a:txBody>
+                    <a:bodyPr/>
+                    <a:lstStyle/>
+                    <a:p>
+                      <a:pPr algn="ctr" fontAlgn="b"/>
+                      <a:endParaRPr lang="en-US" sz="1100" b="0" i="0" u="none" strike="noStrike">
+                        <a:solidFill>
+                          <a:srgbClr val="000000"/>
+                        </a:solidFill>
+                        <a:effectLst/>
+                        <a:latin typeface="Calibri" panose="020F0502020204030204" pitchFamily="34" charset="0"/>
+                      </a:endParaRPr>
+                    </a:p>
+                  </a:txBody>
+                  <a:tcPr marL="7620" marR="7620" marT="7620" marB="0" anchor="b"/>
+                </a:tc>
+                <a:tc>
+                  <a:txBody>
+                    <a:bodyPr/>
+                    <a:lstStyle/>
+                    <a:p>
+                      <a:pPr algn="ctr" fontAlgn="b"/>
+                      <a:endParaRPr lang="en-US" sz="1100" b="0" i="0" u="none" strike="noStrike">
+                        <a:solidFill>
+                          <a:srgbClr val="000000"/>
+                        </a:solidFill>
+                        <a:effectLst/>
+                        <a:latin typeface="Calibri" panose="020F0502020204030204" pitchFamily="34" charset="0"/>
+                      </a:endParaRPr>
+                    </a:p>
+                  </a:txBody>
+                  <a:tcPr marL="7620" marR="7620" marT="7620" marB="0" anchor="b"/>
+                </a:tc>
+              </a:tr>
+              <a:tr h="211453">
+                <a:tc>
+                  <a:txBody>
+                    <a:bodyPr/>
+                    <a:lstStyle/>
+                    <a:p>
+                      <a:pPr algn="l" fontAlgn="b"/>
+                      <a:r>
+                        <a:rPr lang="en-US" sz="1100" u="none" strike="noStrike">
+                          <a:effectLst/>
+                        </a:rPr>
+                        <a:t>Mar</a:t>
+                      </a:r>
+                      <a:endParaRPr lang="en-US" sz="1100" b="0" i="0" u="none" strike="noStrike">
+                        <a:solidFill>
+                          <a:srgbClr val="000000"/>
+                        </a:solidFill>
+                        <a:effectLst/>
+                        <a:latin typeface="Calibri" panose="020F0502020204030204" pitchFamily="34" charset="0"/>
+                      </a:endParaRPr>
+                    </a:p>
+                  </a:txBody>
+                  <a:tcPr marL="7620" marR="7620" marT="7620" marB="0" anchor="b"/>
+                </a:tc>
+                <a:tc>
+                  <a:txBody>
+                    <a:bodyPr/>
+                    <a:lstStyle/>
+                    <a:p>
+                      <a:pPr algn="ctr" fontAlgn="b"/>
+                      <a:endParaRPr lang="en-US" sz="1100" b="0" i="0" u="none" strike="noStrike">
+                        <a:solidFill>
+                          <a:srgbClr val="000000"/>
+                        </a:solidFill>
+                        <a:effectLst/>
+                        <a:latin typeface="Calibri" panose="020F0502020204030204" pitchFamily="34" charset="0"/>
+                      </a:endParaRPr>
+                    </a:p>
+                  </a:txBody>
+                  <a:tcPr marL="7620" marR="7620" marT="7620" marB="0" anchor="b"/>
+                </a:tc>
+                <a:tc>
+                  <a:txBody>
+                    <a:bodyPr/>
+                    <a:lstStyle/>
+                    <a:p>
+                      <a:pPr algn="ctr" fontAlgn="b"/>
+                      <a:endParaRPr lang="en-US" sz="1100" b="0" i="0" u="none" strike="noStrike">
+                        <a:solidFill>
+                          <a:srgbClr val="000000"/>
+                        </a:solidFill>
+                        <a:effectLst/>
+                        <a:latin typeface="Calibri" panose="020F0502020204030204" pitchFamily="34" charset="0"/>
+                      </a:endParaRPr>
+                    </a:p>
+                  </a:txBody>
+                  <a:tcPr marL="7620" marR="7620" marT="7620" marB="0" anchor="b"/>
+                </a:tc>
+                <a:tc>
+                  <a:txBody>
+                    <a:bodyPr/>
+                    <a:lstStyle/>
+                    <a:p>
+                      <a:pPr algn="ctr" fontAlgn="b"/>
+                      <a:endParaRPr lang="en-US" sz="1100" b="0" i="0" u="none" strike="noStrike">
+                        <a:solidFill>
+                          <a:srgbClr val="000000"/>
+                        </a:solidFill>
+                        <a:effectLst/>
+                        <a:latin typeface="Calibri" panose="020F0502020204030204" pitchFamily="34" charset="0"/>
+                      </a:endParaRPr>
+                    </a:p>
+                  </a:txBody>
+                  <a:tcPr marL="7620" marR="7620" marT="7620" marB="0" anchor="b"/>
+                </a:tc>
+                <a:tc>
+                  <a:txBody>
+                    <a:bodyPr/>
+                    <a:lstStyle/>
+                    <a:p>
+                      <a:pPr algn="ctr" fontAlgn="b"/>
+                      <a:endParaRPr lang="en-US" sz="1100" b="0" i="0" u="none" strike="noStrike">
+                        <a:solidFill>
+                          <a:srgbClr val="000000"/>
+                        </a:solidFill>
+                        <a:effectLst/>
+                        <a:latin typeface="Calibri" panose="020F0502020204030204" pitchFamily="34" charset="0"/>
+                      </a:endParaRPr>
+                    </a:p>
+                  </a:txBody>
+                  <a:tcPr marL="7620" marR="7620" marT="7620" marB="0" anchor="b"/>
+                </a:tc>
+              </a:tr>
+              <a:tr h="211453">
+                <a:tc>
+                  <a:txBody>
+                    <a:bodyPr/>
+                    <a:lstStyle/>
+                    <a:p>
+                      <a:pPr algn="l" fontAlgn="b"/>
+                      <a:r>
+                        <a:rPr lang="en-US" sz="1100" u="none" strike="noStrike">
+                          <a:effectLst/>
+                        </a:rPr>
+                        <a:t>Apr</a:t>
+                      </a:r>
+                      <a:endParaRPr lang="en-US" sz="1100" b="0" i="0" u="none" strike="noStrike">
+                        <a:solidFill>
+                          <a:srgbClr val="000000"/>
+                        </a:solidFill>
+                        <a:effectLst/>
+                        <a:latin typeface="Calibri" panose="020F0502020204030204" pitchFamily="34" charset="0"/>
+                      </a:endParaRPr>
+                    </a:p>
+                  </a:txBody>
+                  <a:tcPr marL="7620" marR="7620" marT="7620" marB="0" anchor="b"/>
+                </a:tc>
+                <a:tc>
+                  <a:txBody>
+                    <a:bodyPr/>
+                    <a:lstStyle/>
+                    <a:p>
+                      <a:pPr algn="ctr" fontAlgn="b"/>
+                      <a:endParaRPr lang="en-US" sz="1100" b="0" i="0" u="none" strike="noStrike">
+                        <a:solidFill>
+                          <a:srgbClr val="000000"/>
+                        </a:solidFill>
+                        <a:effectLst/>
+                        <a:latin typeface="Calibri" panose="020F0502020204030204" pitchFamily="34" charset="0"/>
+                      </a:endParaRPr>
+                    </a:p>
+                  </a:txBody>
+                  <a:tcPr marL="7620" marR="7620" marT="7620" marB="0" anchor="b"/>
+                </a:tc>
+                <a:tc>
+                  <a:txBody>
+                    <a:bodyPr/>
+                    <a:lstStyle/>
+                    <a:p>
+                      <a:pPr algn="ctr" fontAlgn="b"/>
+                      <a:endParaRPr lang="en-US" sz="1100" b="0" i="0" u="none" strike="noStrike">
+                        <a:solidFill>
+                          <a:srgbClr val="000000"/>
+                        </a:solidFill>
+                        <a:effectLst/>
+                        <a:latin typeface="Calibri" panose="020F0502020204030204" pitchFamily="34" charset="0"/>
+                      </a:endParaRPr>
+                    </a:p>
+                  </a:txBody>
+                  <a:tcPr marL="7620" marR="7620" marT="7620" marB="0" anchor="b"/>
+                </a:tc>
+                <a:tc>
+                  <a:txBody>
+                    <a:bodyPr/>
+                    <a:lstStyle/>
+                    <a:p>
+                      <a:pPr algn="ctr" fontAlgn="b"/>
+                      <a:endParaRPr lang="en-US" sz="1100" b="0" i="0" u="none" strike="noStrike">
+                        <a:solidFill>
+                          <a:srgbClr val="000000"/>
+                        </a:solidFill>
+                        <a:effectLst/>
+                        <a:latin typeface="Calibri" panose="020F0502020204030204" pitchFamily="34" charset="0"/>
+                      </a:endParaRPr>
+                    </a:p>
+                  </a:txBody>
+                  <a:tcPr marL="7620" marR="7620" marT="7620" marB="0" anchor="b"/>
+                </a:tc>
+                <a:tc>
+                  <a:txBody>
+                    <a:bodyPr/>
+                    <a:lstStyle/>
+                    <a:p>
+                      <a:pPr algn="ctr" fontAlgn="b"/>
+                      <a:endParaRPr lang="en-US" sz="1100" b="0" i="0" u="none" strike="noStrike">
+                        <a:solidFill>
+                          <a:srgbClr val="000000"/>
+                        </a:solidFill>
+                        <a:effectLst/>
+                        <a:latin typeface="Calibri" panose="020F0502020204030204" pitchFamily="34" charset="0"/>
+                      </a:endParaRPr>
+                    </a:p>
+                  </a:txBody>
+                  <a:tcPr marL="7620" marR="7620" marT="7620" marB="0" anchor="b"/>
+                </a:tc>
+              </a:tr>
+              <a:tr h="211453">
+                <a:tc>
+                  <a:txBody>
+                    <a:bodyPr/>
+                    <a:lstStyle/>
+                    <a:p>
+                      <a:pPr algn="l" fontAlgn="b"/>
+                      <a:r>
+                        <a:rPr lang="en-US" sz="1100" u="none" strike="noStrike">
+                          <a:effectLst/>
+                        </a:rPr>
+                        <a:t>May</a:t>
+                      </a:r>
+                      <a:endParaRPr lang="en-US" sz="1100" b="0" i="0" u="none" strike="noStrike">
+                        <a:solidFill>
+                          <a:srgbClr val="000000"/>
+                        </a:solidFill>
+                        <a:effectLst/>
+                        <a:latin typeface="Calibri" panose="020F0502020204030204" pitchFamily="34" charset="0"/>
+                      </a:endParaRPr>
+                    </a:p>
+                  </a:txBody>
+                  <a:tcPr marL="7620" marR="7620" marT="7620" marB="0" anchor="b"/>
+                </a:tc>
+                <a:tc>
+                  <a:txBody>
+                    <a:bodyPr/>
+                    <a:lstStyle/>
+                    <a:p>
+                      <a:pPr algn="ctr" fontAlgn="b"/>
+                      <a:endParaRPr lang="en-US" sz="1100" b="0" i="0" u="none" strike="noStrike">
+                        <a:solidFill>
+                          <a:srgbClr val="000000"/>
+                        </a:solidFill>
+                        <a:effectLst/>
+                        <a:latin typeface="Calibri" panose="020F0502020204030204" pitchFamily="34" charset="0"/>
+                      </a:endParaRPr>
+                    </a:p>
+                  </a:txBody>
+                  <a:tcPr marL="7620" marR="7620" marT="7620" marB="0" anchor="b"/>
+                </a:tc>
+                <a:tc>
+                  <a:txBody>
+                    <a:bodyPr/>
+                    <a:lstStyle/>
+                    <a:p>
+                      <a:pPr algn="ctr" fontAlgn="b"/>
+                      <a:endParaRPr lang="en-US" sz="1100" b="0" i="0" u="none" strike="noStrike">
+                        <a:solidFill>
+                          <a:srgbClr val="000000"/>
+                        </a:solidFill>
+                        <a:effectLst/>
+                        <a:latin typeface="Calibri" panose="020F0502020204030204" pitchFamily="34" charset="0"/>
+                      </a:endParaRPr>
+                    </a:p>
+                  </a:txBody>
+                  <a:tcPr marL="7620" marR="7620" marT="7620" marB="0" anchor="b"/>
+                </a:tc>
+                <a:tc>
+                  <a:txBody>
+                    <a:bodyPr/>
+                    <a:lstStyle/>
+                    <a:p>
+                      <a:pPr algn="ctr" fontAlgn="b"/>
+                      <a:endParaRPr lang="en-US" sz="1100" b="0" i="0" u="none" strike="noStrike">
+                        <a:solidFill>
+                          <a:srgbClr val="000000"/>
+                        </a:solidFill>
+                        <a:effectLst/>
+                        <a:latin typeface="Calibri" panose="020F0502020204030204" pitchFamily="34" charset="0"/>
+                      </a:endParaRPr>
+                    </a:p>
+                  </a:txBody>
+                  <a:tcPr marL="7620" marR="7620" marT="7620" marB="0" anchor="b"/>
+                </a:tc>
+                <a:tc>
+                  <a:txBody>
+                    <a:bodyPr/>
+                    <a:lstStyle/>
+                    <a:p>
+                      <a:pPr algn="ctr" fontAlgn="b"/>
+                      <a:endParaRPr lang="en-US" sz="1100" b="0" i="0" u="none" strike="noStrike">
+                        <a:solidFill>
+                          <a:srgbClr val="000000"/>
+                        </a:solidFill>
+                        <a:effectLst/>
+                        <a:latin typeface="Calibri" panose="020F0502020204030204" pitchFamily="34" charset="0"/>
+                      </a:endParaRPr>
+                    </a:p>
+                  </a:txBody>
+                  <a:tcPr marL="7620" marR="7620" marT="7620" marB="0" anchor="b"/>
+                </a:tc>
+              </a:tr>
+              <a:tr h="211453">
+                <a:tc>
+                  <a:txBody>
+                    <a:bodyPr/>
+                    <a:lstStyle/>
+                    <a:p>
+                      <a:pPr algn="l" fontAlgn="b"/>
+                      <a:r>
+                        <a:rPr lang="en-US" sz="1100" u="none" strike="noStrike">
+                          <a:effectLst/>
+                        </a:rPr>
+                        <a:t>Jun</a:t>
+                      </a:r>
+                      <a:endParaRPr lang="en-US" sz="1100" b="0" i="0" u="none" strike="noStrike">
+                        <a:solidFill>
+                          <a:srgbClr val="000000"/>
+                        </a:solidFill>
+                        <a:effectLst/>
+                        <a:latin typeface="Calibri" panose="020F0502020204030204" pitchFamily="34" charset="0"/>
+                      </a:endParaRPr>
+                    </a:p>
+                  </a:txBody>
+                  <a:tcPr marL="7620" marR="7620" marT="7620" marB="0" anchor="b"/>
+                </a:tc>
+                <a:tc>
+                  <a:txBody>
+                    <a:bodyPr/>
+                    <a:lstStyle/>
+                    <a:p>
+                      <a:pPr algn="ctr" fontAlgn="b"/>
+                      <a:endParaRPr lang="en-US" sz="1100" b="0" i="0" u="none" strike="noStrike">
+                        <a:solidFill>
+                          <a:srgbClr val="000000"/>
+                        </a:solidFill>
+                        <a:effectLst/>
+                        <a:latin typeface="Calibri" panose="020F0502020204030204" pitchFamily="34" charset="0"/>
+                      </a:endParaRPr>
+                    </a:p>
+                  </a:txBody>
+                  <a:tcPr marL="7620" marR="7620" marT="7620" marB="0" anchor="b"/>
+                </a:tc>
+                <a:tc>
+                  <a:txBody>
+                    <a:bodyPr/>
+                    <a:lstStyle/>
+                    <a:p>
+                      <a:pPr algn="ctr" fontAlgn="b"/>
+                      <a:r>
+                        <a:rPr lang="en-US" sz="1100" u="none" strike="noStrike">
+                          <a:effectLst/>
+                        </a:rPr>
+                        <a:t>3</a:t>
+                      </a:r>
+                      <a:endParaRPr lang="en-US" sz="1100" b="0" i="0" u="none" strike="noStrike">
+                        <a:solidFill>
+                          <a:srgbClr val="000000"/>
+                        </a:solidFill>
+                        <a:effectLst/>
+                        <a:latin typeface="Calibri" panose="020F0502020204030204" pitchFamily="34" charset="0"/>
+                      </a:endParaRPr>
+                    </a:p>
+                  </a:txBody>
+                  <a:tcPr marL="7620" marR="7620" marT="7620" marB="0" anchor="b"/>
+                </a:tc>
+                <a:tc>
+                  <a:txBody>
+                    <a:bodyPr/>
+                    <a:lstStyle/>
+                    <a:p>
+                      <a:pPr algn="ctr" fontAlgn="b"/>
+                      <a:endParaRPr lang="en-US" sz="1100" b="0" i="0" u="none" strike="noStrike">
+                        <a:solidFill>
+                          <a:srgbClr val="000000"/>
+                        </a:solidFill>
+                        <a:effectLst/>
+                        <a:latin typeface="Calibri" panose="020F0502020204030204" pitchFamily="34" charset="0"/>
+                      </a:endParaRPr>
+                    </a:p>
+                  </a:txBody>
+                  <a:tcPr marL="7620" marR="7620" marT="7620" marB="0" anchor="b"/>
+                </a:tc>
+                <a:tc>
+                  <a:txBody>
+                    <a:bodyPr/>
+                    <a:lstStyle/>
+                    <a:p>
+                      <a:pPr algn="ctr" fontAlgn="b"/>
+                      <a:endParaRPr lang="en-US" sz="1100" b="0" i="0" u="none" strike="noStrike">
+                        <a:solidFill>
+                          <a:srgbClr val="000000"/>
+                        </a:solidFill>
+                        <a:effectLst/>
+                        <a:latin typeface="Calibri" panose="020F0502020204030204" pitchFamily="34" charset="0"/>
+                      </a:endParaRPr>
+                    </a:p>
+                  </a:txBody>
+                  <a:tcPr marL="7620" marR="7620" marT="7620" marB="0" anchor="b"/>
+                </a:tc>
+              </a:tr>
+              <a:tr h="211453">
+                <a:tc>
+                  <a:txBody>
+                    <a:bodyPr/>
+                    <a:lstStyle/>
+                    <a:p>
+                      <a:pPr algn="l" fontAlgn="b"/>
+                      <a:r>
+                        <a:rPr lang="en-US" sz="1100" u="none" strike="noStrike">
+                          <a:effectLst/>
+                        </a:rPr>
+                        <a:t>Jul</a:t>
+                      </a:r>
+                      <a:endParaRPr lang="en-US" sz="1100" b="0" i="0" u="none" strike="noStrike">
+                        <a:solidFill>
+                          <a:srgbClr val="000000"/>
+                        </a:solidFill>
+                        <a:effectLst/>
+                        <a:latin typeface="Calibri" panose="020F0502020204030204" pitchFamily="34" charset="0"/>
+                      </a:endParaRPr>
+                    </a:p>
+                  </a:txBody>
+                  <a:tcPr marL="7620" marR="7620" marT="7620" marB="0" anchor="b"/>
+                </a:tc>
+                <a:tc>
+                  <a:txBody>
+                    <a:bodyPr/>
+                    <a:lstStyle/>
+                    <a:p>
+                      <a:pPr algn="ctr" fontAlgn="b"/>
+                      <a:endParaRPr lang="en-US" sz="1100" b="0" i="0" u="none" strike="noStrike">
+                        <a:solidFill>
+                          <a:srgbClr val="000000"/>
+                        </a:solidFill>
+                        <a:effectLst/>
+                        <a:latin typeface="Calibri" panose="020F0502020204030204" pitchFamily="34" charset="0"/>
+                      </a:endParaRPr>
+                    </a:p>
+                  </a:txBody>
+                  <a:tcPr marL="7620" marR="7620" marT="7620" marB="0" anchor="b"/>
+                </a:tc>
+                <a:tc>
+                  <a:txBody>
+                    <a:bodyPr/>
+                    <a:lstStyle/>
+                    <a:p>
+                      <a:pPr algn="ctr" fontAlgn="b"/>
+                      <a:endParaRPr lang="en-US" sz="1100" b="0" i="0" u="none" strike="noStrike">
+                        <a:solidFill>
+                          <a:srgbClr val="000000"/>
+                        </a:solidFill>
+                        <a:effectLst/>
+                        <a:latin typeface="Calibri" panose="020F0502020204030204" pitchFamily="34" charset="0"/>
+                      </a:endParaRPr>
+                    </a:p>
+                  </a:txBody>
+                  <a:tcPr marL="7620" marR="7620" marT="7620" marB="0" anchor="b"/>
+                </a:tc>
+                <a:tc>
+                  <a:txBody>
+                    <a:bodyPr/>
+                    <a:lstStyle/>
+                    <a:p>
+                      <a:pPr algn="ctr" fontAlgn="b"/>
+                      <a:endParaRPr lang="en-US" sz="1100" b="0" i="0" u="none" strike="noStrike">
+                        <a:solidFill>
+                          <a:srgbClr val="000000"/>
+                        </a:solidFill>
+                        <a:effectLst/>
+                        <a:latin typeface="Calibri" panose="020F0502020204030204" pitchFamily="34" charset="0"/>
+                      </a:endParaRPr>
+                    </a:p>
+                  </a:txBody>
+                  <a:tcPr marL="7620" marR="7620" marT="7620" marB="0" anchor="b"/>
+                </a:tc>
+                <a:tc>
+                  <a:txBody>
+                    <a:bodyPr/>
+                    <a:lstStyle/>
+                    <a:p>
+                      <a:pPr algn="ctr" fontAlgn="b"/>
+                      <a:endParaRPr lang="en-US" sz="1100" b="0" i="0" u="none" strike="noStrike">
+                        <a:solidFill>
+                          <a:srgbClr val="000000"/>
+                        </a:solidFill>
+                        <a:effectLst/>
+                        <a:latin typeface="Calibri" panose="020F0502020204030204" pitchFamily="34" charset="0"/>
+                      </a:endParaRPr>
+                    </a:p>
+                  </a:txBody>
+                  <a:tcPr marL="7620" marR="7620" marT="7620" marB="0" anchor="b"/>
+                </a:tc>
+              </a:tr>
+              <a:tr h="211453">
+                <a:tc>
+                  <a:txBody>
+                    <a:bodyPr/>
+                    <a:lstStyle/>
+                    <a:p>
+                      <a:pPr algn="l" fontAlgn="b"/>
+                      <a:r>
+                        <a:rPr lang="en-US" sz="1100" u="none" strike="noStrike">
+                          <a:effectLst/>
+                        </a:rPr>
+                        <a:t>Aug</a:t>
+                      </a:r>
+                      <a:endParaRPr lang="en-US" sz="1100" b="0" i="0" u="none" strike="noStrike">
+                        <a:solidFill>
+                          <a:srgbClr val="000000"/>
+                        </a:solidFill>
+                        <a:effectLst/>
+                        <a:latin typeface="Calibri" panose="020F0502020204030204" pitchFamily="34" charset="0"/>
+                      </a:endParaRPr>
+                    </a:p>
+                  </a:txBody>
+                  <a:tcPr marL="7620" marR="7620" marT="7620" marB="0" anchor="b"/>
+                </a:tc>
+                <a:tc>
+                  <a:txBody>
+                    <a:bodyPr/>
+                    <a:lstStyle/>
+                    <a:p>
+                      <a:pPr algn="ctr" fontAlgn="b"/>
+                      <a:endParaRPr lang="en-US" sz="1100" b="0" i="0" u="none" strike="noStrike">
+                        <a:solidFill>
+                          <a:srgbClr val="000000"/>
+                        </a:solidFill>
+                        <a:effectLst/>
+                        <a:latin typeface="Calibri" panose="020F0502020204030204" pitchFamily="34" charset="0"/>
+                      </a:endParaRPr>
+                    </a:p>
+                  </a:txBody>
+                  <a:tcPr marL="7620" marR="7620" marT="7620" marB="0" anchor="b"/>
+                </a:tc>
+                <a:tc>
+                  <a:txBody>
+                    <a:bodyPr/>
+                    <a:lstStyle/>
+                    <a:p>
+                      <a:pPr algn="ctr" fontAlgn="b"/>
+                      <a:endParaRPr lang="en-US" sz="1100" b="0" i="0" u="none" strike="noStrike">
+                        <a:solidFill>
+                          <a:srgbClr val="000000"/>
+                        </a:solidFill>
+                        <a:effectLst/>
+                        <a:latin typeface="Calibri" panose="020F0502020204030204" pitchFamily="34" charset="0"/>
+                      </a:endParaRPr>
+                    </a:p>
+                  </a:txBody>
+                  <a:tcPr marL="7620" marR="7620" marT="7620" marB="0" anchor="b"/>
+                </a:tc>
+                <a:tc>
+                  <a:txBody>
+                    <a:bodyPr/>
+                    <a:lstStyle/>
+                    <a:p>
+                      <a:pPr algn="ctr" fontAlgn="b"/>
+                      <a:endParaRPr lang="en-US" sz="1100" b="0" i="0" u="none" strike="noStrike" dirty="0">
+                        <a:solidFill>
+                          <a:srgbClr val="000000"/>
+                        </a:solidFill>
+                        <a:effectLst/>
+                        <a:latin typeface="Calibri" panose="020F0502020204030204" pitchFamily="34" charset="0"/>
+                      </a:endParaRPr>
+                    </a:p>
+                  </a:txBody>
+                  <a:tcPr marL="7620" marR="7620" marT="7620" marB="0" anchor="b"/>
+                </a:tc>
+                <a:tc>
+                  <a:txBody>
+                    <a:bodyPr/>
+                    <a:lstStyle/>
+                    <a:p>
+                      <a:pPr algn="ctr" fontAlgn="b"/>
+                      <a:r>
+                        <a:rPr lang="en-US" sz="1100" u="none" strike="noStrike">
+                          <a:effectLst/>
+                        </a:rPr>
+                        <a:t>1</a:t>
+                      </a:r>
+                      <a:endParaRPr lang="en-US" sz="1100" b="0" i="0" u="none" strike="noStrike">
+                        <a:solidFill>
+                          <a:srgbClr val="000000"/>
+                        </a:solidFill>
+                        <a:effectLst/>
+                        <a:latin typeface="Calibri" panose="020F0502020204030204" pitchFamily="34" charset="0"/>
+                      </a:endParaRPr>
+                    </a:p>
+                  </a:txBody>
+                  <a:tcPr marL="7620" marR="7620" marT="7620" marB="0" anchor="b"/>
+                </a:tc>
+              </a:tr>
+              <a:tr h="211453">
+                <a:tc>
+                  <a:txBody>
+                    <a:bodyPr/>
+                    <a:lstStyle/>
+                    <a:p>
+                      <a:pPr algn="l" fontAlgn="b"/>
+                      <a:r>
+                        <a:rPr lang="en-US" sz="1100" u="none" strike="noStrike">
+                          <a:effectLst/>
+                        </a:rPr>
+                        <a:t>Sep</a:t>
+                      </a:r>
+                      <a:endParaRPr lang="en-US" sz="1100" b="0" i="0" u="none" strike="noStrike">
+                        <a:solidFill>
+                          <a:srgbClr val="000000"/>
+                        </a:solidFill>
+                        <a:effectLst/>
+                        <a:latin typeface="Calibri" panose="020F0502020204030204" pitchFamily="34" charset="0"/>
+                      </a:endParaRPr>
+                    </a:p>
+                  </a:txBody>
+                  <a:tcPr marL="7620" marR="7620" marT="7620" marB="0" anchor="b"/>
+                </a:tc>
+                <a:tc>
+                  <a:txBody>
+                    <a:bodyPr/>
+                    <a:lstStyle/>
+                    <a:p>
+                      <a:pPr algn="ctr" fontAlgn="b"/>
+                      <a:endParaRPr lang="en-US" sz="1100" b="0" i="0" u="none" strike="noStrike">
+                        <a:solidFill>
+                          <a:srgbClr val="000000"/>
+                        </a:solidFill>
+                        <a:effectLst/>
+                        <a:latin typeface="Calibri" panose="020F0502020204030204" pitchFamily="34" charset="0"/>
+                      </a:endParaRPr>
+                    </a:p>
+                  </a:txBody>
+                  <a:tcPr marL="7620" marR="7620" marT="7620" marB="0" anchor="b"/>
+                </a:tc>
+                <a:tc>
+                  <a:txBody>
+                    <a:bodyPr/>
+                    <a:lstStyle/>
+                    <a:p>
+                      <a:pPr algn="ctr" fontAlgn="b"/>
+                      <a:endParaRPr lang="en-US" sz="1100" b="0" i="0" u="none" strike="noStrike">
+                        <a:solidFill>
+                          <a:srgbClr val="000000"/>
+                        </a:solidFill>
+                        <a:effectLst/>
+                        <a:latin typeface="Calibri" panose="020F0502020204030204" pitchFamily="34" charset="0"/>
+                      </a:endParaRPr>
+                    </a:p>
+                  </a:txBody>
+                  <a:tcPr marL="7620" marR="7620" marT="7620" marB="0" anchor="b"/>
+                </a:tc>
+                <a:tc>
+                  <a:txBody>
+                    <a:bodyPr/>
+                    <a:lstStyle/>
+                    <a:p>
+                      <a:pPr algn="ctr" fontAlgn="b"/>
+                      <a:endParaRPr lang="en-US" sz="1100" b="0" i="0" u="none" strike="noStrike">
+                        <a:solidFill>
+                          <a:srgbClr val="000000"/>
+                        </a:solidFill>
+                        <a:effectLst/>
+                        <a:latin typeface="Calibri" panose="020F0502020204030204" pitchFamily="34" charset="0"/>
+                      </a:endParaRPr>
+                    </a:p>
+                  </a:txBody>
+                  <a:tcPr marL="7620" marR="7620" marT="7620" marB="0" anchor="b"/>
+                </a:tc>
+                <a:tc>
+                  <a:txBody>
+                    <a:bodyPr/>
+                    <a:lstStyle/>
+                    <a:p>
+                      <a:pPr algn="ctr" fontAlgn="b"/>
+                      <a:endParaRPr lang="en-US" sz="1100" b="0" i="0" u="none" strike="noStrike">
+                        <a:solidFill>
+                          <a:srgbClr val="000000"/>
+                        </a:solidFill>
+                        <a:effectLst/>
+                        <a:latin typeface="Calibri" panose="020F0502020204030204" pitchFamily="34" charset="0"/>
+                      </a:endParaRPr>
+                    </a:p>
+                  </a:txBody>
+                  <a:tcPr marL="7620" marR="7620" marT="7620" marB="0" anchor="b"/>
+                </a:tc>
+              </a:tr>
+              <a:tr h="211453">
+                <a:tc>
+                  <a:txBody>
+                    <a:bodyPr/>
+                    <a:lstStyle/>
+                    <a:p>
+                      <a:pPr algn="l" fontAlgn="b"/>
+                      <a:r>
+                        <a:rPr lang="en-US" sz="1100" u="none" strike="noStrike">
+                          <a:effectLst/>
+                        </a:rPr>
+                        <a:t>Oct</a:t>
+                      </a:r>
+                      <a:endParaRPr lang="en-US" sz="1100" b="0" i="0" u="none" strike="noStrike">
+                        <a:solidFill>
+                          <a:srgbClr val="000000"/>
+                        </a:solidFill>
+                        <a:effectLst/>
+                        <a:latin typeface="Calibri" panose="020F0502020204030204" pitchFamily="34" charset="0"/>
+                      </a:endParaRPr>
+                    </a:p>
+                  </a:txBody>
+                  <a:tcPr marL="7620" marR="7620" marT="7620" marB="0" anchor="b"/>
+                </a:tc>
+                <a:tc>
+                  <a:txBody>
+                    <a:bodyPr/>
+                    <a:lstStyle/>
+                    <a:p>
+                      <a:pPr algn="ctr" fontAlgn="b"/>
+                      <a:endParaRPr lang="en-US" sz="1100" b="0" i="0" u="none" strike="noStrike">
+                        <a:solidFill>
+                          <a:srgbClr val="000000"/>
+                        </a:solidFill>
+                        <a:effectLst/>
+                        <a:latin typeface="Calibri" panose="020F0502020204030204" pitchFamily="34" charset="0"/>
+                      </a:endParaRPr>
+                    </a:p>
+                  </a:txBody>
+                  <a:tcPr marL="7620" marR="7620" marT="7620" marB="0" anchor="b"/>
+                </a:tc>
+                <a:tc>
+                  <a:txBody>
+                    <a:bodyPr/>
+                    <a:lstStyle/>
+                    <a:p>
+                      <a:pPr algn="ctr" fontAlgn="b"/>
+                      <a:endParaRPr lang="en-US" sz="1100" b="0" i="0" u="none" strike="noStrike">
+                        <a:solidFill>
+                          <a:srgbClr val="000000"/>
+                        </a:solidFill>
+                        <a:effectLst/>
+                        <a:latin typeface="Calibri" panose="020F0502020204030204" pitchFamily="34" charset="0"/>
+                      </a:endParaRPr>
+                    </a:p>
+                  </a:txBody>
+                  <a:tcPr marL="7620" marR="7620" marT="7620" marB="0" anchor="b"/>
+                </a:tc>
+                <a:tc>
+                  <a:txBody>
+                    <a:bodyPr/>
+                    <a:lstStyle/>
+                    <a:p>
+                      <a:pPr algn="ctr" fontAlgn="b"/>
+                      <a:endParaRPr lang="en-US" sz="1100" b="0" i="0" u="none" strike="noStrike">
+                        <a:solidFill>
+                          <a:srgbClr val="000000"/>
+                        </a:solidFill>
+                        <a:effectLst/>
+                        <a:latin typeface="Calibri" panose="020F0502020204030204" pitchFamily="34" charset="0"/>
+                      </a:endParaRPr>
+                    </a:p>
+                  </a:txBody>
+                  <a:tcPr marL="7620" marR="7620" marT="7620" marB="0" anchor="b"/>
+                </a:tc>
+                <a:tc>
+                  <a:txBody>
+                    <a:bodyPr/>
+                    <a:lstStyle/>
+                    <a:p>
+                      <a:pPr algn="ctr" fontAlgn="b"/>
+                      <a:r>
+                        <a:rPr lang="en-US" sz="1100" u="none" strike="noStrike">
+                          <a:effectLst/>
+                        </a:rPr>
+                        <a:t>1</a:t>
+                      </a:r>
+                      <a:endParaRPr lang="en-US" sz="1100" b="0" i="0" u="none" strike="noStrike">
+                        <a:solidFill>
+                          <a:srgbClr val="000000"/>
+                        </a:solidFill>
+                        <a:effectLst/>
+                        <a:latin typeface="Calibri" panose="020F0502020204030204" pitchFamily="34" charset="0"/>
+                      </a:endParaRPr>
+                    </a:p>
+                  </a:txBody>
+                  <a:tcPr marL="7620" marR="7620" marT="7620" marB="0" anchor="b"/>
+                </a:tc>
+              </a:tr>
+              <a:tr h="211453">
+                <a:tc>
+                  <a:txBody>
+                    <a:bodyPr/>
+                    <a:lstStyle/>
+                    <a:p>
+                      <a:pPr algn="l" fontAlgn="b"/>
+                      <a:r>
+                        <a:rPr lang="en-US" sz="1100" u="none" strike="noStrike">
+                          <a:effectLst/>
+                        </a:rPr>
+                        <a:t>Nov</a:t>
+                      </a:r>
+                      <a:endParaRPr lang="en-US" sz="1100" b="0" i="0" u="none" strike="noStrike">
+                        <a:solidFill>
+                          <a:srgbClr val="000000"/>
+                        </a:solidFill>
+                        <a:effectLst/>
+                        <a:latin typeface="Calibri" panose="020F0502020204030204" pitchFamily="34" charset="0"/>
+                      </a:endParaRPr>
+                    </a:p>
+                  </a:txBody>
+                  <a:tcPr marL="7620" marR="7620" marT="7620" marB="0" anchor="b"/>
+                </a:tc>
+                <a:tc>
+                  <a:txBody>
+                    <a:bodyPr/>
+                    <a:lstStyle/>
+                    <a:p>
+                      <a:pPr algn="ctr" fontAlgn="b"/>
+                      <a:endParaRPr lang="en-US" sz="1100" b="0" i="0" u="none" strike="noStrike">
+                        <a:solidFill>
+                          <a:srgbClr val="000000"/>
+                        </a:solidFill>
+                        <a:effectLst/>
+                        <a:latin typeface="Calibri" panose="020F0502020204030204" pitchFamily="34" charset="0"/>
+                      </a:endParaRPr>
+                    </a:p>
+                  </a:txBody>
+                  <a:tcPr marL="7620" marR="7620" marT="7620" marB="0" anchor="b"/>
+                </a:tc>
+                <a:tc>
+                  <a:txBody>
+                    <a:bodyPr/>
+                    <a:lstStyle/>
+                    <a:p>
+                      <a:pPr algn="ctr" fontAlgn="b"/>
+                      <a:endParaRPr lang="en-US" sz="1100" b="0" i="0" u="none" strike="noStrike">
+                        <a:solidFill>
+                          <a:srgbClr val="000000"/>
+                        </a:solidFill>
+                        <a:effectLst/>
+                        <a:latin typeface="Calibri" panose="020F0502020204030204" pitchFamily="34" charset="0"/>
+                      </a:endParaRPr>
+                    </a:p>
+                  </a:txBody>
+                  <a:tcPr marL="7620" marR="7620" marT="7620" marB="0" anchor="b"/>
+                </a:tc>
+                <a:tc>
+                  <a:txBody>
+                    <a:bodyPr/>
+                    <a:lstStyle/>
+                    <a:p>
+                      <a:pPr algn="ctr" fontAlgn="b"/>
+                      <a:endParaRPr lang="en-US" sz="1100" b="0" i="0" u="none" strike="noStrike">
+                        <a:solidFill>
+                          <a:srgbClr val="000000"/>
+                        </a:solidFill>
+                        <a:effectLst/>
+                        <a:latin typeface="Calibri" panose="020F0502020204030204" pitchFamily="34" charset="0"/>
+                      </a:endParaRPr>
+                    </a:p>
+                  </a:txBody>
+                  <a:tcPr marL="7620" marR="7620" marT="7620" marB="0" anchor="b"/>
+                </a:tc>
+                <a:tc>
+                  <a:txBody>
+                    <a:bodyPr/>
+                    <a:lstStyle/>
+                    <a:p>
+                      <a:pPr algn="ctr" fontAlgn="b"/>
+                      <a:endParaRPr lang="en-US" sz="1100" b="0" i="0" u="none" strike="noStrike">
+                        <a:solidFill>
+                          <a:srgbClr val="000000"/>
+                        </a:solidFill>
+                        <a:effectLst/>
+                        <a:latin typeface="Calibri" panose="020F0502020204030204" pitchFamily="34" charset="0"/>
+                      </a:endParaRPr>
+                    </a:p>
+                  </a:txBody>
+                  <a:tcPr marL="7620" marR="7620" marT="7620" marB="0" anchor="b"/>
+                </a:tc>
+              </a:tr>
+              <a:tr h="211453">
+                <a:tc>
+                  <a:txBody>
+                    <a:bodyPr/>
+                    <a:lstStyle/>
+                    <a:p>
+                      <a:pPr algn="l" fontAlgn="b"/>
+                      <a:r>
+                        <a:rPr lang="en-US" sz="1100" u="none" strike="noStrike">
+                          <a:effectLst/>
+                        </a:rPr>
+                        <a:t>Dec</a:t>
+                      </a:r>
+                      <a:endParaRPr lang="en-US" sz="1100" b="0" i="0" u="none" strike="noStrike">
+                        <a:solidFill>
+                          <a:srgbClr val="000000"/>
+                        </a:solidFill>
+                        <a:effectLst/>
+                        <a:latin typeface="Calibri" panose="020F0502020204030204" pitchFamily="34" charset="0"/>
+                      </a:endParaRPr>
+                    </a:p>
+                  </a:txBody>
+                  <a:tcPr marL="7620" marR="7620" marT="7620" marB="0" anchor="b"/>
+                </a:tc>
+                <a:tc>
+                  <a:txBody>
+                    <a:bodyPr/>
+                    <a:lstStyle/>
+                    <a:p>
+                      <a:pPr algn="ctr" fontAlgn="b"/>
+                      <a:endParaRPr lang="en-US" sz="1100" b="0" i="0" u="none" strike="noStrike" dirty="0">
+                        <a:solidFill>
+                          <a:srgbClr val="000000"/>
+                        </a:solidFill>
+                        <a:effectLst/>
+                        <a:latin typeface="Calibri" panose="020F0502020204030204" pitchFamily="34" charset="0"/>
+                      </a:endParaRPr>
+                    </a:p>
+                  </a:txBody>
+                  <a:tcPr marL="7620" marR="7620" marT="7620" marB="0" anchor="b"/>
+                </a:tc>
+                <a:tc>
+                  <a:txBody>
+                    <a:bodyPr/>
+                    <a:lstStyle/>
+                    <a:p>
+                      <a:pPr algn="ctr" fontAlgn="b"/>
+                      <a:endParaRPr lang="en-US" sz="1100" b="0" i="0" u="none" strike="noStrike">
+                        <a:solidFill>
+                          <a:srgbClr val="000000"/>
+                        </a:solidFill>
+                        <a:effectLst/>
+                        <a:latin typeface="Calibri" panose="020F0502020204030204" pitchFamily="34" charset="0"/>
+                      </a:endParaRPr>
+                    </a:p>
+                  </a:txBody>
+                  <a:tcPr marL="7620" marR="7620" marT="7620" marB="0" anchor="b"/>
+                </a:tc>
+                <a:tc>
+                  <a:txBody>
+                    <a:bodyPr/>
+                    <a:lstStyle/>
+                    <a:p>
+                      <a:pPr algn="ctr" fontAlgn="b"/>
+                      <a:endParaRPr lang="en-US" sz="1100" b="0" i="0" u="none" strike="noStrike">
+                        <a:solidFill>
+                          <a:srgbClr val="000000"/>
+                        </a:solidFill>
+                        <a:effectLst/>
+                        <a:latin typeface="Calibri" panose="020F0502020204030204" pitchFamily="34" charset="0"/>
+                      </a:endParaRPr>
+                    </a:p>
+                  </a:txBody>
+                  <a:tcPr marL="7620" marR="7620" marT="7620" marB="0" anchor="b"/>
+                </a:tc>
+                <a:tc>
+                  <a:txBody>
+                    <a:bodyPr/>
+                    <a:lstStyle/>
+                    <a:p>
+                      <a:pPr algn="ctr" fontAlgn="b"/>
+                      <a:r>
+                        <a:rPr lang="en-US" sz="1100" u="none" strike="noStrike" dirty="0">
+                          <a:effectLst/>
+                        </a:rPr>
+                        <a:t>X</a:t>
+                      </a:r>
+                      <a:endParaRPr lang="en-US" sz="1100" b="0" i="0" u="none" strike="noStrike" dirty="0">
+                        <a:solidFill>
+                          <a:srgbClr val="000000"/>
+                        </a:solidFill>
+                        <a:effectLst/>
+                        <a:latin typeface="Calibri" panose="020F0502020204030204" pitchFamily="34" charset="0"/>
+                      </a:endParaRPr>
+                    </a:p>
+                  </a:txBody>
+                  <a:tcPr marL="7620" marR="7620" marT="7620" marB="0" anchor="b"/>
+                </a:tc>
+              </a:tr>
+            </a:tbl>
+          </a:graphicData>
+        </a:graphic>
+      </p:graphicFrame>
       <p:pic>
         <p:nvPicPr>
           <p:cNvPr id="7" name="Picture 6"/>
@@ -9884,6 +10706,35 @@
       </p:sp>
       <p:pic>
         <p:nvPicPr>
+          <p:cNvPr id="7" name="Content Placeholder 4"/>
+          <p:cNvPicPr>
+            <a:picLocks noGrp="1" noChangeAspect="1"/>
+          </p:cNvPicPr>
+          <p:nvPr>
+            <p:ph idx="1"/>
+          </p:nvPr>
+        </p:nvPicPr>
+        <p:blipFill>
+          <a:blip r:embed="rId2">
+            <a:extLst>
+              <a:ext uri="{28A0092B-C50C-407E-A947-70E740481C1C}">
+                <a14:useLocalDpi xmlns:a14="http://schemas.microsoft.com/office/drawing/2010/main" val="0"/>
+              </a:ext>
+            </a:extLst>
+          </a:blip>
+          <a:stretch>
+            <a:fillRect/>
+          </a:stretch>
+        </p:blipFill>
+        <p:spPr>
+          <a:xfrm>
+            <a:off x="838200" y="2010747"/>
+            <a:ext cx="1953014" cy="2372081"/>
+          </a:xfrm>
+        </p:spPr>
+      </p:pic>
+      <p:pic>
+        <p:nvPicPr>
           <p:cNvPr id="4" name="Picture 3"/>
           <p:cNvPicPr>
             <a:picLocks noChangeAspect="1"/>
@@ -9891,7 +10742,7 @@
           <p:nvPr/>
         </p:nvPicPr>
         <p:blipFill>
-          <a:blip r:embed="rId2">
+          <a:blip r:embed="rId3">
             <a:extLst>
               <a:ext uri="{28A0092B-C50C-407E-A947-70E740481C1C}">
                 <a14:useLocalDpi xmlns:a14="http://schemas.microsoft.com/office/drawing/2010/main" val="0"/>
@@ -9921,7 +10772,7 @@
           <p:nvPr/>
         </p:nvPicPr>
         <p:blipFill>
-          <a:blip r:embed="rId3">
+          <a:blip r:embed="rId4">
             <a:extLst>
               <a:ext uri="{28A0092B-C50C-407E-A947-70E740481C1C}">
                 <a14:useLocalDpi xmlns:a14="http://schemas.microsoft.com/office/drawing/2010/main" val="0"/>
@@ -9951,7 +10802,7 @@
           <p:nvPr/>
         </p:nvPicPr>
         <p:blipFill>
-          <a:blip r:embed="rId4"/>
+          <a:blip r:embed="rId5"/>
           <a:stretch>
             <a:fillRect/>
           </a:stretch>
@@ -9964,35 +10815,6 @@
           <a:prstGeom prst="rect">
             <a:avLst/>
           </a:prstGeom>
-        </p:spPr>
-      </p:pic>
-      <p:pic>
-        <p:nvPicPr>
-          <p:cNvPr id="7" name="Content Placeholder 4"/>
-          <p:cNvPicPr>
-            <a:picLocks noGrp="1" noChangeAspect="1"/>
-          </p:cNvPicPr>
-          <p:nvPr>
-            <p:ph idx="1"/>
-          </p:nvPr>
-        </p:nvPicPr>
-        <p:blipFill>
-          <a:blip r:embed="rId5">
-            <a:extLst>
-              <a:ext uri="{28A0092B-C50C-407E-A947-70E740481C1C}">
-                <a14:useLocalDpi xmlns:a14="http://schemas.microsoft.com/office/drawing/2010/main" val="0"/>
-              </a:ext>
-            </a:extLst>
-          </a:blip>
-          <a:stretch>
-            <a:fillRect/>
-          </a:stretch>
-        </p:blipFill>
-        <p:spPr>
-          <a:xfrm>
-            <a:off x="838200" y="2010747"/>
-            <a:ext cx="1953014" cy="2372081"/>
-          </a:xfrm>
         </p:spPr>
       </p:pic>
       <p:pic>
@@ -10039,7 +10861,7 @@
 </file>
 
 <file path=ppt/theme/theme1.xml><?xml version="1.0" encoding="utf-8"?>
-<a:theme xmlns:a="http://schemas.openxmlformats.org/drawingml/2006/main" name="Office Theme">
+<a:theme xmlns:a="http://schemas.openxmlformats.org/drawingml/2006/main" name="HDOfficeLightV0">
   <a:themeElements>
     <a:clrScheme name="Office">
       <a:dk1>
@@ -10081,7 +10903,7 @@
     </a:clrScheme>
     <a:fontScheme name="Office">
       <a:majorFont>
-        <a:latin typeface="Calibri Light" panose="020F0302020204030204"/>
+        <a:latin typeface="Calibri Light"/>
         <a:ea typeface=""/>
         <a:cs typeface=""/>
         <a:font script="Jpan" typeface="ＭＳ Ｐゴシック"/>
@@ -10116,7 +10938,7 @@
         <a:font script="Geor" typeface="Sylfaen"/>
       </a:majorFont>
       <a:minorFont>
-        <a:latin typeface="Calibri" panose="020F0502020204030204"/>
+        <a:latin typeface="Calibri"/>
         <a:ea typeface=""/>
         <a:cs typeface=""/>
         <a:font script="Jpan" typeface="ＭＳ Ｐゴシック"/>
@@ -10160,23 +10982,23 @@
           <a:gsLst>
             <a:gs pos="0">
               <a:schemeClr val="phClr">
+                <a:tint val="67000"/>
+                <a:satMod val="105000"/>
                 <a:lumMod val="110000"/>
-                <a:satMod val="105000"/>
-                <a:tint val="67000"/>
               </a:schemeClr>
             </a:gs>
             <a:gs pos="50000">
               <a:schemeClr val="phClr">
+                <a:tint val="73000"/>
+                <a:satMod val="103000"/>
                 <a:lumMod val="105000"/>
-                <a:satMod val="103000"/>
-                <a:tint val="73000"/>
               </a:schemeClr>
             </a:gs>
             <a:gs pos="100000">
               <a:schemeClr val="phClr">
+                <a:tint val="81000"/>
+                <a:satMod val="109000"/>
                 <a:lumMod val="105000"/>
-                <a:satMod val="109000"/>
-                <a:tint val="81000"/>
               </a:schemeClr>
             </a:gs>
           </a:gsLst>
@@ -10186,23 +11008,23 @@
           <a:gsLst>
             <a:gs pos="0">
               <a:schemeClr val="phClr">
+                <a:tint val="94000"/>
                 <a:satMod val="103000"/>
                 <a:lumMod val="102000"/>
-                <a:tint val="94000"/>
               </a:schemeClr>
             </a:gs>
             <a:gs pos="50000">
               <a:schemeClr val="phClr">
+                <a:shade val="100000"/>
                 <a:satMod val="110000"/>
                 <a:lumMod val="100000"/>
-                <a:shade val="100000"/>
               </a:schemeClr>
             </a:gs>
             <a:gs pos="100000">
               <a:schemeClr val="phClr">
+                <a:shade val="78000"/>
+                <a:satMod val="120000"/>
                 <a:lumMod val="99000"/>
-                <a:satMod val="120000"/>
-                <a:shade val="78000"/>
               </a:schemeClr>
             </a:gs>
           </a:gsLst>
@@ -10215,21 +11037,18 @@
             <a:schemeClr val="phClr"/>
           </a:solidFill>
           <a:prstDash val="solid"/>
-          <a:miter lim="800000"/>
         </a:ln>
         <a:ln w="12700" cap="flat" cmpd="sng" algn="ctr">
           <a:solidFill>
             <a:schemeClr val="phClr"/>
           </a:solidFill>
           <a:prstDash val="solid"/>
-          <a:miter lim="800000"/>
         </a:ln>
         <a:ln w="19050" cap="flat" cmpd="sng" algn="ctr">
           <a:solidFill>
             <a:schemeClr val="phClr"/>
           </a:solidFill>
           <a:prstDash val="solid"/>
-          <a:miter lim="800000"/>
         </a:ln>
       </a:lnStyleLst>
       <a:effectStyleLst>
@@ -10264,16 +11083,16 @@
             <a:gs pos="0">
               <a:schemeClr val="phClr">
                 <a:tint val="93000"/>
+                <a:shade val="98000"/>
                 <a:satMod val="150000"/>
-                <a:shade val="98000"/>
                 <a:lumMod val="102000"/>
               </a:schemeClr>
             </a:gs>
             <a:gs pos="50000">
               <a:schemeClr val="phClr">
                 <a:tint val="98000"/>
+                <a:shade val="90000"/>
                 <a:satMod val="130000"/>
-                <a:shade val="90000"/>
                 <a:lumMod val="103000"/>
               </a:schemeClr>
             </a:gs>
@@ -10291,11 +11110,6 @@
   </a:themeElements>
   <a:objectDefaults/>
   <a:extraClrSchemeLst/>
-  <a:extLst>
-    <a:ext uri="{05A4C25C-085E-4340-85A3-A5531E510DB2}">
-      <thm15:themeFamily xmlns:thm15="http://schemas.microsoft.com/office/thememl/2012/main" name="Office Theme" id="{62F939B6-93AF-4DB8-9C6B-D6C7DFDC589F}" vid="{4A3C46E8-61CC-4603-A589-7422A47A8E4A}"/>
-    </a:ext>
-  </a:extLst>
 </a:theme>
 </file>
 

--- a/REPL-Driven-Development.pptx
+++ b/REPL-Driven-Development.pptx
@@ -11,15 +11,15 @@
     <p:sldId id="256" r:id="rId2"/>
     <p:sldId id="257" r:id="rId3"/>
     <p:sldId id="258" r:id="rId4"/>
-    <p:sldId id="261" r:id="rId5"/>
-    <p:sldId id="271" r:id="rId6"/>
-    <p:sldId id="264" r:id="rId7"/>
-    <p:sldId id="265" r:id="rId8"/>
-    <p:sldId id="276" r:id="rId9"/>
-    <p:sldId id="266" r:id="rId10"/>
-    <p:sldId id="259" r:id="rId11"/>
-    <p:sldId id="281" r:id="rId12"/>
-    <p:sldId id="277" r:id="rId13"/>
+    <p:sldId id="277" r:id="rId5"/>
+    <p:sldId id="261" r:id="rId6"/>
+    <p:sldId id="271" r:id="rId7"/>
+    <p:sldId id="264" r:id="rId8"/>
+    <p:sldId id="265" r:id="rId9"/>
+    <p:sldId id="276" r:id="rId10"/>
+    <p:sldId id="266" r:id="rId11"/>
+    <p:sldId id="259" r:id="rId12"/>
+    <p:sldId id="281" r:id="rId13"/>
     <p:sldId id="268" r:id="rId14"/>
     <p:sldId id="285" r:id="rId15"/>
     <p:sldId id="292" r:id="rId16"/>
@@ -802,7 +802,7 @@
           <a:p>
             <a:fld id="{AD49793D-66B8-4F70-9EED-FB8F0263A06D}" type="slidenum">
               <a:rPr lang="en-US" smtClean="0"/>
-              <a:t>4</a:t>
+              <a:t>5</a:t>
             </a:fld>
             <a:endParaRPr lang="en-US"/>
           </a:p>
@@ -918,7 +918,7 @@
           <a:p>
             <a:fld id="{AD49793D-66B8-4F70-9EED-FB8F0263A06D}" type="slidenum">
               <a:rPr lang="en-US" smtClean="0"/>
-              <a:t>6</a:t>
+              <a:t>7</a:t>
             </a:fld>
             <a:endParaRPr lang="en-US"/>
           </a:p>
@@ -1011,7 +1011,7 @@
           <a:p>
             <a:fld id="{AD49793D-66B8-4F70-9EED-FB8F0263A06D}" type="slidenum">
               <a:rPr lang="en-US" smtClean="0"/>
-              <a:t>7</a:t>
+              <a:t>8</a:t>
             </a:fld>
             <a:endParaRPr lang="en-US"/>
           </a:p>
@@ -1095,7 +1095,7 @@
           <a:p>
             <a:fld id="{AD49793D-66B8-4F70-9EED-FB8F0263A06D}" type="slidenum">
               <a:rPr lang="en-US" smtClean="0"/>
-              <a:t>10</a:t>
+              <a:t>11</a:t>
             </a:fld>
             <a:endParaRPr lang="en-US"/>
           </a:p>
@@ -4142,11 +4142,7 @@
             </a:r>
             <a:r>
               <a:rPr lang="en-US" dirty="0" err="1" smtClean="0"/>
-              <a:t>j</a:t>
-            </a:r>
-            <a:r>
-              <a:rPr lang="en-US" dirty="0" err="1" smtClean="0"/>
-              <a:t>uni</a:t>
+              <a:t>juni</a:t>
             </a:r>
             <a:r>
               <a:rPr lang="en-US" dirty="0" smtClean="0"/>
@@ -4170,6 +4166,202 @@
 </file>
 
 <file path=ppt/slides/slide10.xml><?xml version="1.0" encoding="utf-8"?>
+<p:sld xmlns:a="http://schemas.openxmlformats.org/drawingml/2006/main" xmlns:r="http://schemas.openxmlformats.org/officeDocument/2006/relationships" xmlns:p="http://schemas.openxmlformats.org/presentationml/2006/main">
+  <p:cSld>
+    <p:spTree>
+      <p:nvGrpSpPr>
+        <p:cNvPr id="1" name=""/>
+        <p:cNvGrpSpPr/>
+        <p:nvPr/>
+      </p:nvGrpSpPr>
+      <p:grpSpPr>
+        <a:xfrm>
+          <a:off x="0" y="0"/>
+          <a:ext cx="0" cy="0"/>
+          <a:chOff x="0" y="0"/>
+          <a:chExt cx="0" cy="0"/>
+        </a:xfrm>
+      </p:grpSpPr>
+      <p:sp>
+        <p:nvSpPr>
+          <p:cNvPr id="2" name="Title 1"/>
+          <p:cNvSpPr>
+            <a:spLocks noGrp="1"/>
+          </p:cNvSpPr>
+          <p:nvPr>
+            <p:ph type="title"/>
+          </p:nvPr>
+        </p:nvSpPr>
+        <p:spPr/>
+        <p:txBody>
+          <a:bodyPr/>
+          <a:lstStyle/>
+          <a:p>
+            <a:r>
+              <a:rPr lang="en-US" dirty="0" smtClean="0"/>
+              <a:t>Challenge Everything</a:t>
+            </a:r>
+            <a:endParaRPr lang="en-US" dirty="0"/>
+          </a:p>
+        </p:txBody>
+      </p:sp>
+      <p:pic>
+        <p:nvPicPr>
+          <p:cNvPr id="7" name="Content Placeholder 4"/>
+          <p:cNvPicPr>
+            <a:picLocks noGrp="1" noChangeAspect="1"/>
+          </p:cNvPicPr>
+          <p:nvPr>
+            <p:ph idx="1"/>
+          </p:nvPr>
+        </p:nvPicPr>
+        <p:blipFill>
+          <a:blip r:embed="rId2">
+            <a:extLst>
+              <a:ext uri="{28A0092B-C50C-407E-A947-70E740481C1C}">
+                <a14:useLocalDpi xmlns:a14="http://schemas.microsoft.com/office/drawing/2010/main" val="0"/>
+              </a:ext>
+            </a:extLst>
+          </a:blip>
+          <a:stretch>
+            <a:fillRect/>
+          </a:stretch>
+        </p:blipFill>
+        <p:spPr>
+          <a:xfrm>
+            <a:off x="838200" y="2010747"/>
+            <a:ext cx="1953014" cy="2372081"/>
+          </a:xfrm>
+        </p:spPr>
+      </p:pic>
+      <p:pic>
+        <p:nvPicPr>
+          <p:cNvPr id="4" name="Picture 3"/>
+          <p:cNvPicPr>
+            <a:picLocks noChangeAspect="1"/>
+          </p:cNvPicPr>
+          <p:nvPr/>
+        </p:nvPicPr>
+        <p:blipFill>
+          <a:blip r:embed="rId3">
+            <a:extLst>
+              <a:ext uri="{28A0092B-C50C-407E-A947-70E740481C1C}">
+                <a14:useLocalDpi xmlns:a14="http://schemas.microsoft.com/office/drawing/2010/main" val="0"/>
+              </a:ext>
+            </a:extLst>
+          </a:blip>
+          <a:stretch>
+            <a:fillRect/>
+          </a:stretch>
+        </p:blipFill>
+        <p:spPr>
+          <a:xfrm>
+            <a:off x="5117305" y="2109788"/>
+            <a:ext cx="1893094" cy="2372081"/>
+          </a:xfrm>
+          <a:prstGeom prst="rect">
+            <a:avLst/>
+          </a:prstGeom>
+        </p:spPr>
+      </p:pic>
+      <p:pic>
+        <p:nvPicPr>
+          <p:cNvPr id="5" name="Picture 4"/>
+          <p:cNvPicPr>
+            <a:picLocks noChangeAspect="1"/>
+          </p:cNvPicPr>
+          <p:nvPr/>
+        </p:nvPicPr>
+        <p:blipFill>
+          <a:blip r:embed="rId4">
+            <a:extLst>
+              <a:ext uri="{28A0092B-C50C-407E-A947-70E740481C1C}">
+                <a14:useLocalDpi xmlns:a14="http://schemas.microsoft.com/office/drawing/2010/main" val="0"/>
+              </a:ext>
+            </a:extLst>
+          </a:blip>
+          <a:stretch>
+            <a:fillRect/>
+          </a:stretch>
+        </p:blipFill>
+        <p:spPr>
+          <a:xfrm>
+            <a:off x="7758112" y="1567834"/>
+            <a:ext cx="2847975" cy="1971675"/>
+          </a:xfrm>
+          <a:prstGeom prst="rect">
+            <a:avLst/>
+          </a:prstGeom>
+        </p:spPr>
+      </p:pic>
+      <p:pic>
+        <p:nvPicPr>
+          <p:cNvPr id="6" name="Picture 5"/>
+          <p:cNvPicPr>
+            <a:picLocks noChangeAspect="1"/>
+          </p:cNvPicPr>
+          <p:nvPr/>
+        </p:nvPicPr>
+        <p:blipFill>
+          <a:blip r:embed="rId5"/>
+          <a:stretch>
+            <a:fillRect/>
+          </a:stretch>
+        </p:blipFill>
+        <p:spPr>
+          <a:xfrm>
+            <a:off x="6675665" y="3925155"/>
+            <a:ext cx="4400550" cy="2604232"/>
+          </a:xfrm>
+          <a:prstGeom prst="rect">
+            <a:avLst/>
+          </a:prstGeom>
+        </p:spPr>
+      </p:pic>
+      <p:pic>
+        <p:nvPicPr>
+          <p:cNvPr id="8" name="Picture 7"/>
+          <p:cNvPicPr>
+            <a:picLocks noChangeAspect="1"/>
+          </p:cNvPicPr>
+          <p:nvPr/>
+        </p:nvPicPr>
+        <p:blipFill>
+          <a:blip r:embed="rId6">
+            <a:extLst>
+              <a:ext uri="{28A0092B-C50C-407E-A947-70E740481C1C}">
+                <a14:useLocalDpi xmlns:a14="http://schemas.microsoft.com/office/drawing/2010/main" val="0"/>
+              </a:ext>
+            </a:extLst>
+          </a:blip>
+          <a:stretch>
+            <a:fillRect/>
+          </a:stretch>
+        </p:blipFill>
+        <p:spPr>
+          <a:xfrm>
+            <a:off x="1812521" y="3925155"/>
+            <a:ext cx="2394917" cy="2075595"/>
+          </a:xfrm>
+          <a:prstGeom prst="rect">
+            <a:avLst/>
+          </a:prstGeom>
+        </p:spPr>
+      </p:pic>
+    </p:spTree>
+    <p:extLst>
+      <p:ext uri="{BB962C8B-B14F-4D97-AF65-F5344CB8AC3E}">
+        <p14:creationId xmlns:p14="http://schemas.microsoft.com/office/powerpoint/2010/main" val="796471201"/>
+      </p:ext>
+    </p:extLst>
+  </p:cSld>
+  <p:clrMapOvr>
+    <a:masterClrMapping/>
+  </p:clrMapOvr>
+</p:sld>
+</file>
+
+<file path=ppt/slides/slide11.xml><?xml version="1.0" encoding="utf-8"?>
 <p:sld xmlns:a="http://schemas.openxmlformats.org/drawingml/2006/main" xmlns:r="http://schemas.openxmlformats.org/officeDocument/2006/relationships" xmlns:p="http://schemas.openxmlformats.org/presentationml/2006/main">
   <p:cSld>
     <p:spTree>
@@ -4341,7 +4533,7 @@
 </p:sld>
 </file>
 
-<file path=ppt/slides/slide11.xml><?xml version="1.0" encoding="utf-8"?>
+<file path=ppt/slides/slide12.xml><?xml version="1.0" encoding="utf-8"?>
 <p:sld xmlns:a="http://schemas.openxmlformats.org/drawingml/2006/main" xmlns:r="http://schemas.openxmlformats.org/officeDocument/2006/relationships" xmlns:p="http://schemas.openxmlformats.org/presentationml/2006/main">
   <p:cSld>
     <p:spTree>
@@ -4543,96 +4735,6 @@
 </p:sld>
 </file>
 
-<file path=ppt/slides/slide12.xml><?xml version="1.0" encoding="utf-8"?>
-<p:sld xmlns:a="http://schemas.openxmlformats.org/drawingml/2006/main" xmlns:r="http://schemas.openxmlformats.org/officeDocument/2006/relationships" xmlns:p="http://schemas.openxmlformats.org/presentationml/2006/main">
-  <p:cSld>
-    <p:spTree>
-      <p:nvGrpSpPr>
-        <p:cNvPr id="1" name=""/>
-        <p:cNvGrpSpPr/>
-        <p:nvPr/>
-      </p:nvGrpSpPr>
-      <p:grpSpPr>
-        <a:xfrm>
-          <a:off x="0" y="0"/>
-          <a:ext cx="0" cy="0"/>
-          <a:chOff x="0" y="0"/>
-          <a:chExt cx="0" cy="0"/>
-        </a:xfrm>
-      </p:grpSpPr>
-      <p:pic>
-        <p:nvPicPr>
-          <p:cNvPr id="4" name="Picture 3"/>
-          <p:cNvPicPr>
-            <a:picLocks noChangeAspect="1"/>
-          </p:cNvPicPr>
-          <p:nvPr/>
-        </p:nvPicPr>
-        <p:blipFill>
-          <a:blip r:embed="rId2">
-            <a:extLst>
-              <a:ext uri="{28A0092B-C50C-407E-A947-70E740481C1C}">
-                <a14:useLocalDpi xmlns:a14="http://schemas.microsoft.com/office/drawing/2010/main" val="0"/>
-              </a:ext>
-            </a:extLst>
-          </a:blip>
-          <a:stretch>
-            <a:fillRect/>
-          </a:stretch>
-        </p:blipFill>
-        <p:spPr>
-          <a:xfrm>
-            <a:off x="1614940" y="1703615"/>
-            <a:ext cx="3302000" cy="1981200"/>
-          </a:xfrm>
-          <a:prstGeom prst="rect">
-            <a:avLst/>
-          </a:prstGeom>
-        </p:spPr>
-      </p:pic>
-      <p:pic>
-        <p:nvPicPr>
-          <p:cNvPr id="6" name="Picture 5"/>
-          <p:cNvPicPr>
-            <a:picLocks noChangeAspect="1"/>
-          </p:cNvPicPr>
-          <p:nvPr/>
-        </p:nvPicPr>
-        <p:blipFill>
-          <a:blip r:embed="rId3">
-            <a:extLst>
-              <a:ext uri="{28A0092B-C50C-407E-A947-70E740481C1C}">
-                <a14:useLocalDpi xmlns:a14="http://schemas.microsoft.com/office/drawing/2010/main" val="0"/>
-              </a:ext>
-            </a:extLst>
-          </a:blip>
-          <a:stretch>
-            <a:fillRect/>
-          </a:stretch>
-        </p:blipFill>
-        <p:spPr>
-          <a:xfrm>
-            <a:off x="7153955" y="1703615"/>
-            <a:ext cx="2847975" cy="1981200"/>
-          </a:xfrm>
-          <a:prstGeom prst="rect">
-            <a:avLst/>
-          </a:prstGeom>
-        </p:spPr>
-      </p:pic>
-    </p:spTree>
-    <p:extLst>
-      <p:ext uri="{BB962C8B-B14F-4D97-AF65-F5344CB8AC3E}">
-        <p14:creationId xmlns:p14="http://schemas.microsoft.com/office/powerpoint/2010/main" val="2431281987"/>
-      </p:ext>
-    </p:extLst>
-  </p:cSld>
-  <p:clrMapOvr>
-    <a:masterClrMapping/>
-  </p:clrMapOvr>
-</p:sld>
-</file>
-
 <file path=ppt/slides/slide13.xml><?xml version="1.0" encoding="utf-8"?>
 <p:sld xmlns:a="http://schemas.openxmlformats.org/drawingml/2006/main" xmlns:r="http://schemas.openxmlformats.org/officeDocument/2006/relationships" xmlns:p="http://schemas.openxmlformats.org/presentationml/2006/main">
   <p:cSld>
@@ -4691,7 +4793,7 @@
         </p:spPr>
         <p:txBody>
           <a:bodyPr>
-            <a:normAutofit/>
+            <a:normAutofit fontScale="92500" lnSpcReduction="10000"/>
           </a:bodyPr>
           <a:lstStyle/>
           <a:p>
@@ -4713,8 +4815,25 @@
             </a:r>
             <a:r>
               <a:rPr lang="en-US" dirty="0" smtClean="0"/>
-              <a:t> time?</a:t>
-            </a:r>
+              <a:t> time</a:t>
+            </a:r>
+            <a:r>
+              <a:rPr lang="en-US" dirty="0" smtClean="0"/>
+              <a:t>?</a:t>
+            </a:r>
+          </a:p>
+          <a:p>
+            <a:r>
+              <a:rPr lang="en-US" dirty="0" smtClean="0"/>
+              <a:t>Evolve the design?</a:t>
+            </a:r>
+          </a:p>
+          <a:p>
+            <a:r>
+              <a:rPr lang="en-US" dirty="0" smtClean="0"/>
+              <a:t>Incremental small changes?</a:t>
+            </a:r>
+            <a:endParaRPr lang="en-US" dirty="0" smtClean="0"/>
           </a:p>
           <a:p>
             <a:r>
@@ -5058,7 +5177,7 @@
         <p:spPr>
           <a:xfrm>
             <a:off x="838200" y="1719943"/>
-            <a:ext cx="4702630" cy="4457020"/>
+            <a:ext cx="4702630" cy="3352800"/>
           </a:xfrm>
         </p:spPr>
         <p:txBody>
@@ -6138,29 +6257,6 @@
       </p:grpSpPr>
       <p:sp>
         <p:nvSpPr>
-          <p:cNvPr id="2" name="Title 1"/>
-          <p:cNvSpPr>
-            <a:spLocks noGrp="1"/>
-          </p:cNvSpPr>
-          <p:nvPr>
-            <p:ph type="title"/>
-          </p:nvPr>
-        </p:nvSpPr>
-        <p:spPr/>
-        <p:txBody>
-          <a:bodyPr/>
-          <a:lstStyle/>
-          <a:p>
-            <a:r>
-              <a:rPr lang="en-US" dirty="0" smtClean="0"/>
-              <a:t>Why RDD</a:t>
-            </a:r>
-            <a:endParaRPr lang="en-US" dirty="0"/>
-          </a:p>
-        </p:txBody>
-      </p:sp>
-      <p:sp>
-        <p:nvSpPr>
           <p:cNvPr id="4" name="Rectangle 3"/>
           <p:cNvSpPr/>
           <p:nvPr/>
@@ -6546,11 +6642,7 @@
           <a:p>
             <a:r>
               <a:rPr lang="en-US" dirty="0" smtClean="0"/>
-              <a:t>Remove the </a:t>
-            </a:r>
-            <a:r>
-              <a:rPr lang="en-US" dirty="0" smtClean="0"/>
-              <a:t>Noise &amp; Clutter</a:t>
+              <a:t>Remove the Noise &amp; Clutter</a:t>
             </a:r>
             <a:endParaRPr lang="en-US" dirty="0"/>
           </a:p>
@@ -6568,7 +6660,7 @@
         </p:nvSpPr>
         <p:spPr>
           <a:xfrm>
-            <a:off x="838200" y="5203371"/>
+            <a:off x="838199" y="5475513"/>
             <a:ext cx="10515600" cy="1289821"/>
           </a:xfrm>
         </p:spPr>
@@ -6812,11 +6904,21 @@
           <a:p>
             <a:r>
               <a:rPr lang="en-US" dirty="0" smtClean="0"/>
+              <a:t>Why is so important that we have intention revealing names?</a:t>
+            </a:r>
+          </a:p>
+          <a:p>
+            <a:r>
+              <a:rPr lang="en-US" dirty="0" smtClean="0"/>
               <a:t>Why </a:t>
             </a:r>
             <a:r>
-              <a:rPr lang="en-US" dirty="0" smtClean="0"/>
-              <a:t>is so important that we have intention revealing names</a:t>
+              <a:rPr lang="en-US" dirty="0"/>
+              <a:t>do you need </a:t>
+            </a:r>
+            <a:r>
+              <a:rPr lang="en-US" dirty="0" err="1"/>
+              <a:t>Resharper</a:t>
             </a:r>
             <a:r>
               <a:rPr lang="en-US" dirty="0" smtClean="0"/>
@@ -6826,24 +6928,6 @@
           <a:p>
             <a:r>
               <a:rPr lang="en-US" dirty="0" smtClean="0"/>
-              <a:t>Why </a:t>
-            </a:r>
-            <a:r>
-              <a:rPr lang="en-US" dirty="0"/>
-              <a:t>do you need </a:t>
-            </a:r>
-            <a:r>
-              <a:rPr lang="en-US" dirty="0" err="1"/>
-              <a:t>Resharper</a:t>
-            </a:r>
-            <a:r>
-              <a:rPr lang="en-US" dirty="0" smtClean="0"/>
-              <a:t>?</a:t>
-            </a:r>
-          </a:p>
-          <a:p>
-            <a:r>
-              <a:rPr lang="en-US" dirty="0" smtClean="0"/>
               <a:t>Do you really know what that code-gen or template is doing?  </a:t>
             </a:r>
           </a:p>
@@ -6864,7 +6948,7 @@
       </p:sp>
       <p:pic>
         <p:nvPicPr>
-          <p:cNvPr id="3" name="Picture 2"/>
+          <p:cNvPr id="7" name="Picture 6"/>
           <p:cNvPicPr>
             <a:picLocks noChangeAspect="1"/>
           </p:cNvPicPr>
@@ -6884,8 +6968,8 @@
         </p:blipFill>
         <p:spPr>
           <a:xfrm>
-            <a:off x="8139793" y="555535"/>
-            <a:ext cx="3420835" cy="2451598"/>
+            <a:off x="8139793" y="3548562"/>
+            <a:ext cx="3420835" cy="1826079"/>
           </a:xfrm>
           <a:prstGeom prst="rect">
             <a:avLst/>
@@ -6894,7 +6978,7 @@
       </p:pic>
       <p:pic>
         <p:nvPicPr>
-          <p:cNvPr id="7" name="Picture 6"/>
+          <p:cNvPr id="5" name="Picture 4"/>
           <p:cNvPicPr>
             <a:picLocks noChangeAspect="1"/>
           </p:cNvPicPr>
@@ -6914,8 +6998,8 @@
         </p:blipFill>
         <p:spPr>
           <a:xfrm>
-            <a:off x="8139793" y="3254647"/>
-            <a:ext cx="3420835" cy="1826079"/>
+            <a:off x="8139793" y="928479"/>
+            <a:ext cx="3420835" cy="2326168"/>
           </a:xfrm>
           <a:prstGeom prst="rect">
             <a:avLst/>
@@ -7301,6 +7385,96 @@
       </p:grpSpPr>
       <p:pic>
         <p:nvPicPr>
+          <p:cNvPr id="4" name="Picture 3"/>
+          <p:cNvPicPr>
+            <a:picLocks noChangeAspect="1"/>
+          </p:cNvPicPr>
+          <p:nvPr/>
+        </p:nvPicPr>
+        <p:blipFill>
+          <a:blip r:embed="rId2">
+            <a:extLst>
+              <a:ext uri="{28A0092B-C50C-407E-A947-70E740481C1C}">
+                <a14:useLocalDpi xmlns:a14="http://schemas.microsoft.com/office/drawing/2010/main" val="0"/>
+              </a:ext>
+            </a:extLst>
+          </a:blip>
+          <a:stretch>
+            <a:fillRect/>
+          </a:stretch>
+        </p:blipFill>
+        <p:spPr>
+          <a:xfrm>
+            <a:off x="1614940" y="1703615"/>
+            <a:ext cx="3302000" cy="1981200"/>
+          </a:xfrm>
+          <a:prstGeom prst="rect">
+            <a:avLst/>
+          </a:prstGeom>
+        </p:spPr>
+      </p:pic>
+      <p:pic>
+        <p:nvPicPr>
+          <p:cNvPr id="6" name="Picture 5"/>
+          <p:cNvPicPr>
+            <a:picLocks noChangeAspect="1"/>
+          </p:cNvPicPr>
+          <p:nvPr/>
+        </p:nvPicPr>
+        <p:blipFill>
+          <a:blip r:embed="rId3">
+            <a:extLst>
+              <a:ext uri="{28A0092B-C50C-407E-A947-70E740481C1C}">
+                <a14:useLocalDpi xmlns:a14="http://schemas.microsoft.com/office/drawing/2010/main" val="0"/>
+              </a:ext>
+            </a:extLst>
+          </a:blip>
+          <a:stretch>
+            <a:fillRect/>
+          </a:stretch>
+        </p:blipFill>
+        <p:spPr>
+          <a:xfrm>
+            <a:off x="7153955" y="1703615"/>
+            <a:ext cx="2847975" cy="1981200"/>
+          </a:xfrm>
+          <a:prstGeom prst="rect">
+            <a:avLst/>
+          </a:prstGeom>
+        </p:spPr>
+      </p:pic>
+    </p:spTree>
+    <p:extLst>
+      <p:ext uri="{BB962C8B-B14F-4D97-AF65-F5344CB8AC3E}">
+        <p14:creationId xmlns:p14="http://schemas.microsoft.com/office/powerpoint/2010/main" val="2431281987"/>
+      </p:ext>
+    </p:extLst>
+  </p:cSld>
+  <p:clrMapOvr>
+    <a:masterClrMapping/>
+  </p:clrMapOvr>
+</p:sld>
+</file>
+
+<file path=ppt/slides/slide5.xml><?xml version="1.0" encoding="utf-8"?>
+<p:sld xmlns:a="http://schemas.openxmlformats.org/drawingml/2006/main" xmlns:r="http://schemas.openxmlformats.org/officeDocument/2006/relationships" xmlns:p="http://schemas.openxmlformats.org/presentationml/2006/main">
+  <p:cSld>
+    <p:spTree>
+      <p:nvGrpSpPr>
+        <p:cNvPr id="1" name=""/>
+        <p:cNvGrpSpPr/>
+        <p:nvPr/>
+      </p:nvGrpSpPr>
+      <p:grpSpPr>
+        <a:xfrm>
+          <a:off x="0" y="0"/>
+          <a:ext cx="0" cy="0"/>
+          <a:chOff x="0" y="0"/>
+          <a:chExt cx="0" cy="0"/>
+        </a:xfrm>
+      </p:grpSpPr>
+      <p:pic>
+        <p:nvPicPr>
           <p:cNvPr id="5" name="Picture 4"/>
           <p:cNvPicPr>
             <a:picLocks noChangeAspect="1"/>
@@ -7402,7 +7576,7 @@
 </p:sld>
 </file>
 
-<file path=ppt/slides/slide5.xml><?xml version="1.0" encoding="utf-8"?>
+<file path=ppt/slides/slide6.xml><?xml version="1.0" encoding="utf-8"?>
 <p:sld xmlns:a="http://schemas.openxmlformats.org/drawingml/2006/main" xmlns:r="http://schemas.openxmlformats.org/officeDocument/2006/relationships" xmlns:p="http://schemas.openxmlformats.org/presentationml/2006/main">
   <p:cSld>
     <p:spTree>
@@ -7521,7 +7695,7 @@
 </p:sld>
 </file>
 
-<file path=ppt/slides/slide6.xml><?xml version="1.0" encoding="utf-8"?>
+<file path=ppt/slides/slide7.xml><?xml version="1.0" encoding="utf-8"?>
 <p:sld xmlns:a="http://schemas.openxmlformats.org/drawingml/2006/main" xmlns:r="http://schemas.openxmlformats.org/officeDocument/2006/relationships" xmlns:p="http://schemas.openxmlformats.org/presentationml/2006/main">
   <p:cSld>
     <p:spTree>
@@ -7693,7 +7867,7 @@
 </p:sld>
 </file>
 
-<file path=ppt/slides/slide7.xml><?xml version="1.0" encoding="utf-8"?>
+<file path=ppt/slides/slide8.xml><?xml version="1.0" encoding="utf-8"?>
 <p:sld xmlns:a="http://schemas.openxmlformats.org/drawingml/2006/main" xmlns:r="http://schemas.openxmlformats.org/officeDocument/2006/relationships" xmlns:p="http://schemas.openxmlformats.org/presentationml/2006/main">
   <p:cSld>
     <p:spTree>
@@ -7926,7 +8100,7 @@
 </p:sld>
 </file>
 
-<file path=ppt/slides/slide8.xml><?xml version="1.0" encoding="utf-8"?>
+<file path=ppt/slides/slide9.xml><?xml version="1.0" encoding="utf-8"?>
 <p:sld xmlns:a="http://schemas.openxmlformats.org/drawingml/2006/main" xmlns:r="http://schemas.openxmlformats.org/officeDocument/2006/relationships" xmlns:p="http://schemas.openxmlformats.org/presentationml/2006/main">
   <p:cSld>
     <p:spTree>
@@ -10655,202 +10829,6 @@
     <p:extLst>
       <p:ext uri="{BB962C8B-B14F-4D97-AF65-F5344CB8AC3E}">
         <p14:creationId xmlns:p14="http://schemas.microsoft.com/office/powerpoint/2010/main" val="655426626"/>
-      </p:ext>
-    </p:extLst>
-  </p:cSld>
-  <p:clrMapOvr>
-    <a:masterClrMapping/>
-  </p:clrMapOvr>
-</p:sld>
-</file>
-
-<file path=ppt/slides/slide9.xml><?xml version="1.0" encoding="utf-8"?>
-<p:sld xmlns:a="http://schemas.openxmlformats.org/drawingml/2006/main" xmlns:r="http://schemas.openxmlformats.org/officeDocument/2006/relationships" xmlns:p="http://schemas.openxmlformats.org/presentationml/2006/main">
-  <p:cSld>
-    <p:spTree>
-      <p:nvGrpSpPr>
-        <p:cNvPr id="1" name=""/>
-        <p:cNvGrpSpPr/>
-        <p:nvPr/>
-      </p:nvGrpSpPr>
-      <p:grpSpPr>
-        <a:xfrm>
-          <a:off x="0" y="0"/>
-          <a:ext cx="0" cy="0"/>
-          <a:chOff x="0" y="0"/>
-          <a:chExt cx="0" cy="0"/>
-        </a:xfrm>
-      </p:grpSpPr>
-      <p:sp>
-        <p:nvSpPr>
-          <p:cNvPr id="2" name="Title 1"/>
-          <p:cNvSpPr>
-            <a:spLocks noGrp="1"/>
-          </p:cNvSpPr>
-          <p:nvPr>
-            <p:ph type="title"/>
-          </p:nvPr>
-        </p:nvSpPr>
-        <p:spPr/>
-        <p:txBody>
-          <a:bodyPr/>
-          <a:lstStyle/>
-          <a:p>
-            <a:r>
-              <a:rPr lang="en-US" dirty="0" smtClean="0"/>
-              <a:t>Challenge Everything</a:t>
-            </a:r>
-            <a:endParaRPr lang="en-US" dirty="0"/>
-          </a:p>
-        </p:txBody>
-      </p:sp>
-      <p:pic>
-        <p:nvPicPr>
-          <p:cNvPr id="7" name="Content Placeholder 4"/>
-          <p:cNvPicPr>
-            <a:picLocks noGrp="1" noChangeAspect="1"/>
-          </p:cNvPicPr>
-          <p:nvPr>
-            <p:ph idx="1"/>
-          </p:nvPr>
-        </p:nvPicPr>
-        <p:blipFill>
-          <a:blip r:embed="rId2">
-            <a:extLst>
-              <a:ext uri="{28A0092B-C50C-407E-A947-70E740481C1C}">
-                <a14:useLocalDpi xmlns:a14="http://schemas.microsoft.com/office/drawing/2010/main" val="0"/>
-              </a:ext>
-            </a:extLst>
-          </a:blip>
-          <a:stretch>
-            <a:fillRect/>
-          </a:stretch>
-        </p:blipFill>
-        <p:spPr>
-          <a:xfrm>
-            <a:off x="838200" y="2010747"/>
-            <a:ext cx="1953014" cy="2372081"/>
-          </a:xfrm>
-        </p:spPr>
-      </p:pic>
-      <p:pic>
-        <p:nvPicPr>
-          <p:cNvPr id="4" name="Picture 3"/>
-          <p:cNvPicPr>
-            <a:picLocks noChangeAspect="1"/>
-          </p:cNvPicPr>
-          <p:nvPr/>
-        </p:nvPicPr>
-        <p:blipFill>
-          <a:blip r:embed="rId3">
-            <a:extLst>
-              <a:ext uri="{28A0092B-C50C-407E-A947-70E740481C1C}">
-                <a14:useLocalDpi xmlns:a14="http://schemas.microsoft.com/office/drawing/2010/main" val="0"/>
-              </a:ext>
-            </a:extLst>
-          </a:blip>
-          <a:stretch>
-            <a:fillRect/>
-          </a:stretch>
-        </p:blipFill>
-        <p:spPr>
-          <a:xfrm>
-            <a:off x="5117305" y="2109788"/>
-            <a:ext cx="1893094" cy="2372081"/>
-          </a:xfrm>
-          <a:prstGeom prst="rect">
-            <a:avLst/>
-          </a:prstGeom>
-        </p:spPr>
-      </p:pic>
-      <p:pic>
-        <p:nvPicPr>
-          <p:cNvPr id="5" name="Picture 4"/>
-          <p:cNvPicPr>
-            <a:picLocks noChangeAspect="1"/>
-          </p:cNvPicPr>
-          <p:nvPr/>
-        </p:nvPicPr>
-        <p:blipFill>
-          <a:blip r:embed="rId4">
-            <a:extLst>
-              <a:ext uri="{28A0092B-C50C-407E-A947-70E740481C1C}">
-                <a14:useLocalDpi xmlns:a14="http://schemas.microsoft.com/office/drawing/2010/main" val="0"/>
-              </a:ext>
-            </a:extLst>
-          </a:blip>
-          <a:stretch>
-            <a:fillRect/>
-          </a:stretch>
-        </p:blipFill>
-        <p:spPr>
-          <a:xfrm>
-            <a:off x="7758112" y="1567834"/>
-            <a:ext cx="2847975" cy="1971675"/>
-          </a:xfrm>
-          <a:prstGeom prst="rect">
-            <a:avLst/>
-          </a:prstGeom>
-        </p:spPr>
-      </p:pic>
-      <p:pic>
-        <p:nvPicPr>
-          <p:cNvPr id="6" name="Picture 5"/>
-          <p:cNvPicPr>
-            <a:picLocks noChangeAspect="1"/>
-          </p:cNvPicPr>
-          <p:nvPr/>
-        </p:nvPicPr>
-        <p:blipFill>
-          <a:blip r:embed="rId5"/>
-          <a:stretch>
-            <a:fillRect/>
-          </a:stretch>
-        </p:blipFill>
-        <p:spPr>
-          <a:xfrm>
-            <a:off x="6675665" y="3925155"/>
-            <a:ext cx="4400550" cy="2604232"/>
-          </a:xfrm>
-          <a:prstGeom prst="rect">
-            <a:avLst/>
-          </a:prstGeom>
-        </p:spPr>
-      </p:pic>
-      <p:pic>
-        <p:nvPicPr>
-          <p:cNvPr id="8" name="Picture 7"/>
-          <p:cNvPicPr>
-            <a:picLocks noChangeAspect="1"/>
-          </p:cNvPicPr>
-          <p:nvPr/>
-        </p:nvPicPr>
-        <p:blipFill>
-          <a:blip r:embed="rId6">
-            <a:extLst>
-              <a:ext uri="{28A0092B-C50C-407E-A947-70E740481C1C}">
-                <a14:useLocalDpi xmlns:a14="http://schemas.microsoft.com/office/drawing/2010/main" val="0"/>
-              </a:ext>
-            </a:extLst>
-          </a:blip>
-          <a:stretch>
-            <a:fillRect/>
-          </a:stretch>
-        </p:blipFill>
-        <p:spPr>
-          <a:xfrm>
-            <a:off x="1812521" y="3925155"/>
-            <a:ext cx="2394917" cy="2075595"/>
-          </a:xfrm>
-          <a:prstGeom prst="rect">
-            <a:avLst/>
-          </a:prstGeom>
-        </p:spPr>
-      </p:pic>
-    </p:spTree>
-    <p:extLst>
-      <p:ext uri="{BB962C8B-B14F-4D97-AF65-F5344CB8AC3E}">
-        <p14:creationId xmlns:p14="http://schemas.microsoft.com/office/powerpoint/2010/main" val="796471201"/>
       </p:ext>
     </p:extLst>
   </p:cSld>

--- a/REPL-Driven-Development.pptx
+++ b/REPL-Driven-Development.pptx
@@ -893,8 +893,22 @@
           <a:p>
             <a:r>
               <a:rPr lang="en-US" baseline="0" dirty="0" smtClean="0"/>
-              <a:t>“Only speak when asked a question.  Otherwise he was not listening”</a:t>
-            </a:r>
+              <a:t>“Only speak when asked a question.  Otherwise he was not listening</a:t>
+            </a:r>
+            <a:r>
+              <a:rPr lang="en-US" baseline="0" dirty="0" smtClean="0"/>
+              <a:t>”</a:t>
+            </a:r>
+          </a:p>
+          <a:p>
+            <a:endParaRPr lang="en-US" baseline="0" dirty="0" smtClean="0"/>
+          </a:p>
+          <a:p>
+            <a:r>
+              <a:rPr lang="en-US" baseline="0" dirty="0" smtClean="0"/>
+              <a:t>Charlie Taylor</a:t>
+            </a:r>
+            <a:endParaRPr lang="en-US" baseline="0" dirty="0" smtClean="0"/>
           </a:p>
           <a:p>
             <a:endParaRPr lang="en-US" dirty="0"/>
@@ -981,9 +995,58 @@
           <a:bodyPr/>
           <a:lstStyle/>
           <a:p>
+            <a:pPr marL="0" marR="0" indent="0" algn="l" defTabSz="914400" rtl="0" eaLnBrk="1" fontAlgn="auto" latinLnBrk="0" hangingPunct="1">
+              <a:lnSpc>
+                <a:spcPct val="100000"/>
+              </a:lnSpc>
+              <a:spcBef>
+                <a:spcPts val="0"/>
+              </a:spcBef>
+              <a:spcAft>
+                <a:spcPts val="0"/>
+              </a:spcAft>
+              <a:buClrTx/>
+              <a:buSzTx/>
+              <a:buFontTx/>
+              <a:buNone/>
+              <a:tabLst/>
+              <a:defRPr/>
+            </a:pPr>
+            <a:r>
+              <a:rPr lang="en-US" b="0" dirty="0" smtClean="0">
+                <a:effectLst/>
+              </a:rPr>
+              <a:t>Otto Lilienthal</a:t>
+            </a:r>
+          </a:p>
+          <a:p>
+            <a:pPr marL="0" marR="0" indent="0" algn="l" defTabSz="914400" rtl="0" eaLnBrk="1" fontAlgn="auto" latinLnBrk="0" hangingPunct="1">
+              <a:lnSpc>
+                <a:spcPct val="100000"/>
+              </a:lnSpc>
+              <a:spcBef>
+                <a:spcPts val="0"/>
+              </a:spcBef>
+              <a:spcAft>
+                <a:spcPts val="0"/>
+              </a:spcAft>
+              <a:buClrTx/>
+              <a:buSzTx/>
+              <a:buFontTx/>
+              <a:buNone/>
+              <a:tabLst/>
+              <a:defRPr/>
+            </a:pPr>
+            <a:endParaRPr lang="en-US" baseline="0" dirty="0" smtClean="0"/>
+          </a:p>
+          <a:p>
             <a:r>
               <a:rPr lang="en-US" baseline="0" dirty="0" smtClean="0"/>
-              <a:t>Power to stay aloft</a:t>
+              <a:t>Power </a:t>
+            </a:r>
+            <a:r>
+              <a:rPr lang="en-US" baseline="0" dirty="0" smtClean="0"/>
+              <a:t>to stay aloft</a:t>
             </a:r>
           </a:p>
           <a:p>
@@ -1095,6 +1158,90 @@
           <a:p>
             <a:fld id="{AD49793D-66B8-4F70-9EED-FB8F0263A06D}" type="slidenum">
               <a:rPr lang="en-US" smtClean="0"/>
+              <a:t>10</a:t>
+            </a:fld>
+            <a:endParaRPr lang="en-US"/>
+          </a:p>
+        </p:txBody>
+      </p:sp>
+    </p:spTree>
+    <p:extLst>
+      <p:ext uri="{BB962C8B-B14F-4D97-AF65-F5344CB8AC3E}">
+        <p14:creationId xmlns:p14="http://schemas.microsoft.com/office/powerpoint/2010/main" val="2200008522"/>
+      </p:ext>
+    </p:extLst>
+  </p:cSld>
+  <p:clrMapOvr>
+    <a:masterClrMapping/>
+  </p:clrMapOvr>
+</p:notes>
+</file>
+
+<file path=ppt/notesSlides/notesSlide7.xml><?xml version="1.0" encoding="utf-8"?>
+<p:notes xmlns:a="http://schemas.openxmlformats.org/drawingml/2006/main" xmlns:r="http://schemas.openxmlformats.org/officeDocument/2006/relationships" xmlns:p="http://schemas.openxmlformats.org/presentationml/2006/main">
+  <p:cSld>
+    <p:spTree>
+      <p:nvGrpSpPr>
+        <p:cNvPr id="1" name=""/>
+        <p:cNvGrpSpPr/>
+        <p:nvPr/>
+      </p:nvGrpSpPr>
+      <p:grpSpPr>
+        <a:xfrm>
+          <a:off x="0" y="0"/>
+          <a:ext cx="0" cy="0"/>
+          <a:chOff x="0" y="0"/>
+          <a:chExt cx="0" cy="0"/>
+        </a:xfrm>
+      </p:grpSpPr>
+      <p:sp>
+        <p:nvSpPr>
+          <p:cNvPr id="2" name="Slide Image Placeholder 1"/>
+          <p:cNvSpPr>
+            <a:spLocks noGrp="1" noRot="1" noChangeAspect="1"/>
+          </p:cNvSpPr>
+          <p:nvPr>
+            <p:ph type="sldImg"/>
+          </p:nvPr>
+        </p:nvSpPr>
+        <p:spPr/>
+      </p:sp>
+      <p:sp>
+        <p:nvSpPr>
+          <p:cNvPr id="3" name="Notes Placeholder 2"/>
+          <p:cNvSpPr>
+            <a:spLocks noGrp="1"/>
+          </p:cNvSpPr>
+          <p:nvPr>
+            <p:ph type="body" idx="1"/>
+          </p:nvPr>
+        </p:nvSpPr>
+        <p:spPr/>
+        <p:txBody>
+          <a:bodyPr/>
+          <a:lstStyle/>
+          <a:p>
+            <a:endParaRPr lang="en-US" dirty="0"/>
+          </a:p>
+        </p:txBody>
+      </p:sp>
+      <p:sp>
+        <p:nvSpPr>
+          <p:cNvPr id="4" name="Slide Number Placeholder 3"/>
+          <p:cNvSpPr>
+            <a:spLocks noGrp="1"/>
+          </p:cNvSpPr>
+          <p:nvPr>
+            <p:ph type="sldNum" sz="quarter" idx="10"/>
+          </p:nvPr>
+        </p:nvSpPr>
+        <p:spPr/>
+        <p:txBody>
+          <a:bodyPr/>
+          <a:lstStyle/>
+          <a:p>
+            <a:fld id="{AD49793D-66B8-4F70-9EED-FB8F0263A06D}" type="slidenum">
+              <a:rPr lang="en-US" smtClean="0"/>
               <a:t>11</a:t>
             </a:fld>
             <a:endParaRPr lang="en-US"/>
@@ -1114,7 +1261,7 @@
 </p:notes>
 </file>
 
-<file path=ppt/notesSlides/notesSlide7.xml><?xml version="1.0" encoding="utf-8"?>
+<file path=ppt/notesSlides/notesSlide8.xml><?xml version="1.0" encoding="utf-8"?>
 <p:notes xmlns:a="http://schemas.openxmlformats.org/drawingml/2006/main" xmlns:r="http://schemas.openxmlformats.org/officeDocument/2006/relationships" xmlns:p="http://schemas.openxmlformats.org/presentationml/2006/main">
   <p:cSld>
     <p:spTree>
@@ -4216,7 +4363,7 @@
           </p:nvPr>
         </p:nvPicPr>
         <p:blipFill>
-          <a:blip r:embed="rId2">
+          <a:blip r:embed="rId3">
             <a:extLst>
               <a:ext uri="{28A0092B-C50C-407E-A947-70E740481C1C}">
                 <a14:useLocalDpi xmlns:a14="http://schemas.microsoft.com/office/drawing/2010/main" val="0"/>
@@ -4243,7 +4390,7 @@
           <p:nvPr/>
         </p:nvPicPr>
         <p:blipFill>
-          <a:blip r:embed="rId3">
+          <a:blip r:embed="rId4">
             <a:extLst>
               <a:ext uri="{28A0092B-C50C-407E-A947-70E740481C1C}">
                 <a14:useLocalDpi xmlns:a14="http://schemas.microsoft.com/office/drawing/2010/main" val="0"/>
@@ -4273,7 +4420,7 @@
           <p:nvPr/>
         </p:nvPicPr>
         <p:blipFill>
-          <a:blip r:embed="rId4">
+          <a:blip r:embed="rId5">
             <a:extLst>
               <a:ext uri="{28A0092B-C50C-407E-A947-70E740481C1C}">
                 <a14:useLocalDpi xmlns:a14="http://schemas.microsoft.com/office/drawing/2010/main" val="0"/>
@@ -4303,7 +4450,7 @@
           <p:nvPr/>
         </p:nvPicPr>
         <p:blipFill>
-          <a:blip r:embed="rId5"/>
+          <a:blip r:embed="rId6"/>
           <a:stretch>
             <a:fillRect/>
           </a:stretch>
@@ -4327,7 +4474,7 @@
           <p:nvPr/>
         </p:nvPicPr>
         <p:blipFill>
-          <a:blip r:embed="rId6">
+          <a:blip r:embed="rId7">
             <a:extLst>
               <a:ext uri="{28A0092B-C50C-407E-A947-70E740481C1C}">
                 <a14:useLocalDpi xmlns:a14="http://schemas.microsoft.com/office/drawing/2010/main" val="0"/>
@@ -4634,7 +4781,7 @@
       </p:pic>
       <p:pic>
         <p:nvPicPr>
-          <p:cNvPr id="5" name="Picture 4"/>
+          <p:cNvPr id="6" name="Picture 5"/>
           <p:cNvPicPr>
             <a:picLocks noChangeAspect="1"/>
           </p:cNvPicPr>
@@ -4642,36 +4789,6 @@
         </p:nvPicPr>
         <p:blipFill>
           <a:blip r:embed="rId4">
-            <a:extLst>
-              <a:ext uri="{28A0092B-C50C-407E-A947-70E740481C1C}">
-                <a14:useLocalDpi xmlns:a14="http://schemas.microsoft.com/office/drawing/2010/main" val="0"/>
-              </a:ext>
-            </a:extLst>
-          </a:blip>
-          <a:stretch>
-            <a:fillRect/>
-          </a:stretch>
-        </p:blipFill>
-        <p:spPr>
-          <a:xfrm>
-            <a:off x="3964442" y="3804089"/>
-            <a:ext cx="2719388" cy="1873558"/>
-          </a:xfrm>
-          <a:prstGeom prst="rect">
-            <a:avLst/>
-          </a:prstGeom>
-        </p:spPr>
-      </p:pic>
-      <p:pic>
-        <p:nvPicPr>
-          <p:cNvPr id="6" name="Picture 5"/>
-          <p:cNvPicPr>
-            <a:picLocks noChangeAspect="1"/>
-          </p:cNvPicPr>
-          <p:nvPr/>
-        </p:nvPicPr>
-        <p:blipFill>
-          <a:blip r:embed="rId5">
             <a:extLst>
               <a:ext uri="{28A0092B-C50C-407E-A947-70E740481C1C}">
                 <a14:useLocalDpi xmlns:a14="http://schemas.microsoft.com/office/drawing/2010/main" val="0"/>
@@ -4701,7 +4818,7 @@
           <p:nvPr/>
         </p:nvPicPr>
         <p:blipFill>
-          <a:blip r:embed="rId6">
+          <a:blip r:embed="rId5">
             <a:extLst>
               <a:ext uri="{28A0092B-C50C-407E-A947-70E740481C1C}">
                 <a14:useLocalDpi xmlns:a14="http://schemas.microsoft.com/office/drawing/2010/main" val="0"/>
@@ -4716,6 +4833,30 @@
           <a:xfrm>
             <a:off x="8366101" y="3662333"/>
             <a:ext cx="2195137" cy="2026280"/>
+          </a:xfrm>
+          <a:prstGeom prst="rect">
+            <a:avLst/>
+          </a:prstGeom>
+        </p:spPr>
+      </p:pic>
+      <p:pic>
+        <p:nvPicPr>
+          <p:cNvPr id="7" name="Picture 6"/>
+          <p:cNvPicPr>
+            <a:picLocks noChangeAspect="1"/>
+          </p:cNvPicPr>
+          <p:nvPr/>
+        </p:nvPicPr>
+        <p:blipFill>
+          <a:blip r:embed="rId6"/>
+          <a:stretch>
+            <a:fillRect/>
+          </a:stretch>
+        </p:blipFill>
+        <p:spPr>
+          <a:xfrm>
+            <a:off x="3719706" y="3755038"/>
+            <a:ext cx="2892868" cy="1933575"/>
           </a:xfrm>
           <a:prstGeom prst="rect">
             <a:avLst/>
@@ -4815,11 +4956,7 @@
             </a:r>
             <a:r>
               <a:rPr lang="en-US" dirty="0" smtClean="0"/>
-              <a:t> time</a:t>
-            </a:r>
-            <a:r>
-              <a:rPr lang="en-US" dirty="0" smtClean="0"/>
-              <a:t>?</a:t>
+              <a:t> time?</a:t>
             </a:r>
           </a:p>
           <a:p>
@@ -4833,7 +4970,6 @@
               <a:rPr lang="en-US" dirty="0" smtClean="0"/>
               <a:t>Incremental small changes?</a:t>
             </a:r>
-            <a:endParaRPr lang="en-US" dirty="0" smtClean="0"/>
           </a:p>
           <a:p>
             <a:r>
@@ -7225,12 +7361,65 @@
             <p:ph idx="1"/>
           </p:nvPr>
         </p:nvSpPr>
-        <p:spPr/>
+        <p:spPr>
+          <a:xfrm>
+            <a:off x="845127" y="2661557"/>
+            <a:ext cx="10515600" cy="3518580"/>
+          </a:xfrm>
+        </p:spPr>
         <p:txBody>
           <a:bodyPr/>
           <a:lstStyle/>
           <a:p>
-            <a:endParaRPr lang="en-US"/>
+            <a:r>
+              <a:rPr lang="en-US" dirty="0">
+                <a:hlinkClick r:id="rId2"/>
+              </a:rPr>
+              <a:t>https://</a:t>
+            </a:r>
+            <a:r>
+              <a:rPr lang="en-US" dirty="0" smtClean="0">
+                <a:hlinkClick r:id="rId2"/>
+              </a:rPr>
+              <a:t>github.com/jamessdixon/REPL-Driven-Development</a:t>
+            </a:r>
+            <a:endParaRPr lang="en-US" dirty="0" smtClean="0"/>
+          </a:p>
+          <a:p>
+            <a:endParaRPr lang="en-US" dirty="0"/>
+          </a:p>
+          <a:p>
+            <a:r>
+              <a:rPr lang="en-US" dirty="0" smtClean="0"/>
+              <a:t>@</a:t>
+            </a:r>
+            <a:r>
+              <a:rPr lang="en-US" dirty="0" err="1" smtClean="0"/>
+              <a:t>jamie_Dixon</a:t>
+            </a:r>
+            <a:endParaRPr lang="en-US" dirty="0" smtClean="0"/>
+          </a:p>
+          <a:p>
+            <a:r>
+              <a:rPr lang="en-US" dirty="0" smtClean="0">
+                <a:hlinkClick r:id="rId3"/>
+              </a:rPr>
+              <a:t>jamessdixon@gmail.com</a:t>
+            </a:r>
+            <a:endParaRPr lang="en-US" dirty="0" smtClean="0"/>
+          </a:p>
+          <a:p>
+            <a:r>
+              <a:rPr lang="en-US" dirty="0"/>
+              <a:t>j</a:t>
+            </a:r>
+            <a:r>
+              <a:rPr lang="en-US" dirty="0" smtClean="0"/>
+              <a:t>amessdixon.wordpress.com</a:t>
+            </a:r>
+          </a:p>
+          <a:p>
+            <a:endParaRPr lang="en-US" dirty="0"/>
           </a:p>
         </p:txBody>
       </p:sp>
@@ -7495,7 +7684,7 @@
         </p:blipFill>
         <p:spPr>
           <a:xfrm>
-            <a:off x="4514850" y="2376487"/>
+            <a:off x="4384222" y="2376485"/>
             <a:ext cx="2857500" cy="1876425"/>
           </a:xfrm>
           <a:prstGeom prst="rect">
@@ -7505,7 +7694,7 @@
       </p:pic>
       <p:pic>
         <p:nvPicPr>
-          <p:cNvPr id="6" name="Picture 5"/>
+          <p:cNvPr id="7" name="Picture 6"/>
           <p:cNvPicPr>
             <a:picLocks noChangeAspect="1"/>
           </p:cNvPicPr>
@@ -7525,8 +7714,8 @@
         </p:blipFill>
         <p:spPr>
           <a:xfrm>
-            <a:off x="8286750" y="2171699"/>
-            <a:ext cx="3048000" cy="2286000"/>
+            <a:off x="1234785" y="1890711"/>
+            <a:ext cx="1988809" cy="2847975"/>
           </a:xfrm>
           <a:prstGeom prst="rect">
             <a:avLst/>
@@ -7535,28 +7724,22 @@
       </p:pic>
       <p:pic>
         <p:nvPicPr>
-          <p:cNvPr id="7" name="Picture 6"/>
+          <p:cNvPr id="2" name="Picture 1"/>
           <p:cNvPicPr>
             <a:picLocks noChangeAspect="1"/>
           </p:cNvPicPr>
           <p:nvPr/>
         </p:nvPicPr>
         <p:blipFill>
-          <a:blip r:embed="rId5">
-            <a:extLst>
-              <a:ext uri="{28A0092B-C50C-407E-A947-70E740481C1C}">
-                <a14:useLocalDpi xmlns:a14="http://schemas.microsoft.com/office/drawing/2010/main" val="0"/>
-              </a:ext>
-            </a:extLst>
-          </a:blip>
+          <a:blip r:embed="rId5"/>
           <a:stretch>
             <a:fillRect/>
           </a:stretch>
         </p:blipFill>
         <p:spPr>
           <a:xfrm>
-            <a:off x="1234785" y="1890711"/>
-            <a:ext cx="1988809" cy="2847975"/>
+            <a:off x="7895544" y="1890711"/>
+            <a:ext cx="4007985" cy="2961855"/>
           </a:xfrm>
           <a:prstGeom prst="rect">
             <a:avLst/>
@@ -7816,8 +7999,8 @@
         </p:blipFill>
         <p:spPr>
           <a:xfrm>
-            <a:off x="2043306" y="3492856"/>
-            <a:ext cx="2509651" cy="1895475"/>
+            <a:off x="2231728" y="3779739"/>
+            <a:ext cx="2699501" cy="2038864"/>
           </a:xfrm>
           <a:prstGeom prst="rect">
             <a:avLst/>
@@ -7848,6 +8031,36 @@
           <a:xfrm>
             <a:off x="8212128" y="3492857"/>
             <a:ext cx="2305050" cy="1895475"/>
+          </a:xfrm>
+          <a:prstGeom prst="rect">
+            <a:avLst/>
+          </a:prstGeom>
+        </p:spPr>
+      </p:pic>
+      <p:pic>
+        <p:nvPicPr>
+          <p:cNvPr id="8" name="Picture 7"/>
+          <p:cNvPicPr>
+            <a:picLocks noChangeAspect="1"/>
+          </p:cNvPicPr>
+          <p:nvPr/>
+        </p:nvPicPr>
+        <p:blipFill>
+          <a:blip r:embed="rId7">
+            <a:extLst>
+              <a:ext uri="{28A0092B-C50C-407E-A947-70E740481C1C}">
+                <a14:useLocalDpi xmlns:a14="http://schemas.microsoft.com/office/drawing/2010/main" val="0"/>
+              </a:ext>
+            </a:extLst>
+          </a:blip>
+          <a:stretch>
+            <a:fillRect/>
+          </a:stretch>
+        </p:blipFill>
+        <p:spPr>
+          <a:xfrm>
+            <a:off x="281563" y="3727670"/>
+            <a:ext cx="1645208" cy="1425847"/>
           </a:xfrm>
           <a:prstGeom prst="rect">
             <a:avLst/>
@@ -7989,8 +8202,8 @@
         </p:blipFill>
         <p:spPr>
           <a:xfrm>
-            <a:off x="5365458" y="4122650"/>
-            <a:ext cx="1781175" cy="1781175"/>
+            <a:off x="5791871" y="4950999"/>
+            <a:ext cx="1455569" cy="1455569"/>
           </a:xfrm>
           <a:prstGeom prst="rect">
             <a:avLst/>
@@ -8019,7 +8232,7 @@
         </p:blipFill>
         <p:spPr>
           <a:xfrm>
-            <a:off x="8944640" y="4140334"/>
+            <a:off x="8944640" y="4596167"/>
             <a:ext cx="2857500" cy="1781175"/>
           </a:xfrm>
           <a:prstGeom prst="rect">
@@ -8049,8 +8262,8 @@
         </p:blipFill>
         <p:spPr>
           <a:xfrm>
-            <a:off x="267830" y="2562336"/>
-            <a:ext cx="3050747" cy="2033831"/>
+            <a:off x="804070" y="2393210"/>
+            <a:ext cx="3304436" cy="2202957"/>
           </a:xfrm>
           <a:prstGeom prst="rect">
             <a:avLst/>
@@ -8079,8 +8292,38 @@
         </p:blipFill>
         <p:spPr>
           <a:xfrm>
-            <a:off x="1930982" y="4140334"/>
-            <a:ext cx="2247821" cy="1745808"/>
+            <a:off x="846906" y="4811737"/>
+            <a:ext cx="2053430" cy="1594831"/>
+          </a:xfrm>
+          <a:prstGeom prst="rect">
+            <a:avLst/>
+          </a:prstGeom>
+        </p:spPr>
+      </p:pic>
+      <p:pic>
+        <p:nvPicPr>
+          <p:cNvPr id="11" name="Picture 10"/>
+          <p:cNvPicPr>
+            <a:picLocks noChangeAspect="1"/>
+          </p:cNvPicPr>
+          <p:nvPr/>
+        </p:nvPicPr>
+        <p:blipFill>
+          <a:blip r:embed="rId9">
+            <a:extLst>
+              <a:ext uri="{28A0092B-C50C-407E-A947-70E740481C1C}">
+                <a14:useLocalDpi xmlns:a14="http://schemas.microsoft.com/office/drawing/2010/main" val="0"/>
+              </a:ext>
+            </a:extLst>
+          </a:blip>
+          <a:stretch>
+            <a:fillRect/>
+          </a:stretch>
+        </p:blipFill>
+        <p:spPr>
+          <a:xfrm>
+            <a:off x="3846883" y="4941115"/>
+            <a:ext cx="1657185" cy="1436227"/>
           </a:xfrm>
           <a:prstGeom prst="rect">
             <a:avLst/>
@@ -8164,1345 +8407,11 @@
         </p:blipFill>
         <p:spPr>
           <a:xfrm>
-            <a:off x="2449097" y="4917258"/>
+            <a:off x="1295400" y="4895312"/>
             <a:ext cx="1328435" cy="1613483"/>
           </a:xfrm>
         </p:spPr>
       </p:pic>
-      <p:graphicFrame>
-        <p:nvGraphicFramePr>
-          <p:cNvPr id="4" name="Table 3"/>
-          <p:cNvGraphicFramePr>
-            <a:graphicFrameLocks noGrp="1"/>
-          </p:cNvGraphicFramePr>
-          <p:nvPr>
-            <p:extLst>
-              <p:ext uri="{D42A27DB-BD31-4B8C-83A1-F6EECF244321}">
-                <p14:modId xmlns:p14="http://schemas.microsoft.com/office/powerpoint/2010/main" val="3647715834"/>
-              </p:ext>
-            </p:extLst>
-          </p:nvPr>
-        </p:nvGraphicFramePr>
-        <p:xfrm>
-          <a:off x="6925359" y="1911566"/>
-          <a:ext cx="3799115" cy="2702604"/>
-        </p:xfrm>
-        <a:graphic>
-          <a:graphicData uri="http://schemas.openxmlformats.org/drawingml/2006/table">
-            <a:tbl>
-              <a:tblPr>
-                <a:tableStyleId>{5C22544A-7EE6-4342-B048-85BDC9FD1C3A}</a:tableStyleId>
-              </a:tblPr>
-              <a:tblGrid>
-                <a:gridCol w="759823"/>
-                <a:gridCol w="759823"/>
-                <a:gridCol w="759823"/>
-                <a:gridCol w="759823"/>
-                <a:gridCol w="759823"/>
-              </a:tblGrid>
-              <a:tr h="203970">
-                <a:tc>
-                  <a:txBody>
-                    <a:bodyPr/>
-                    <a:lstStyle/>
-                    <a:p>
-                      <a:pPr algn="l" fontAlgn="b"/>
-                      <a:r>
-                        <a:rPr lang="en-US" sz="1100" u="none" strike="noStrike" dirty="0">
-                          <a:effectLst/>
-                        </a:rPr>
-                        <a:t>WW</a:t>
-                      </a:r>
-                      <a:endParaRPr lang="en-US" sz="1100" b="1" i="0" u="none" strike="noStrike" dirty="0">
-                        <a:solidFill>
-                          <a:srgbClr val="000000"/>
-                        </a:solidFill>
-                        <a:effectLst/>
-                        <a:latin typeface="Calibri" panose="020F0502020204030204" pitchFamily="34" charset="0"/>
-                      </a:endParaRPr>
-                    </a:p>
-                  </a:txBody>
-                  <a:tcPr marL="7620" marR="7620" marT="7620" marB="0" anchor="b"/>
-                </a:tc>
-                <a:tc>
-                  <a:txBody>
-                    <a:bodyPr/>
-                    <a:lstStyle/>
-                    <a:p>
-                      <a:pPr algn="ctr" fontAlgn="b"/>
-                      <a:r>
-                        <a:rPr lang="en-US" sz="1100" u="none" strike="noStrike">
-                          <a:effectLst/>
-                        </a:rPr>
-                        <a:t>1900</a:t>
-                      </a:r>
-                      <a:endParaRPr lang="en-US" sz="1100" b="0" i="0" u="none" strike="noStrike">
-                        <a:solidFill>
-                          <a:srgbClr val="000000"/>
-                        </a:solidFill>
-                        <a:effectLst/>
-                        <a:latin typeface="Calibri" panose="020F0502020204030204" pitchFamily="34" charset="0"/>
-                      </a:endParaRPr>
-                    </a:p>
-                  </a:txBody>
-                  <a:tcPr marL="7620" marR="7620" marT="7620" marB="0" anchor="b"/>
-                </a:tc>
-                <a:tc>
-                  <a:txBody>
-                    <a:bodyPr/>
-                    <a:lstStyle/>
-                    <a:p>
-                      <a:pPr algn="ctr" fontAlgn="b"/>
-                      <a:r>
-                        <a:rPr lang="en-US" sz="1100" u="none" strike="noStrike">
-                          <a:effectLst/>
-                        </a:rPr>
-                        <a:t>1901</a:t>
-                      </a:r>
-                      <a:endParaRPr lang="en-US" sz="1100" b="0" i="0" u="none" strike="noStrike">
-                        <a:solidFill>
-                          <a:srgbClr val="000000"/>
-                        </a:solidFill>
-                        <a:effectLst/>
-                        <a:latin typeface="Calibri" panose="020F0502020204030204" pitchFamily="34" charset="0"/>
-                      </a:endParaRPr>
-                    </a:p>
-                  </a:txBody>
-                  <a:tcPr marL="7620" marR="7620" marT="7620" marB="0" anchor="b"/>
-                </a:tc>
-                <a:tc>
-                  <a:txBody>
-                    <a:bodyPr/>
-                    <a:lstStyle/>
-                    <a:p>
-                      <a:pPr algn="ctr" fontAlgn="b"/>
-                      <a:r>
-                        <a:rPr lang="en-US" sz="1100" u="none" strike="noStrike" dirty="0">
-                          <a:effectLst/>
-                        </a:rPr>
-                        <a:t>1902</a:t>
-                      </a:r>
-                      <a:endParaRPr lang="en-US" sz="1100" b="0" i="0" u="none" strike="noStrike" dirty="0">
-                        <a:solidFill>
-                          <a:srgbClr val="000000"/>
-                        </a:solidFill>
-                        <a:effectLst/>
-                        <a:latin typeface="Calibri" panose="020F0502020204030204" pitchFamily="34" charset="0"/>
-                      </a:endParaRPr>
-                    </a:p>
-                  </a:txBody>
-                  <a:tcPr marL="7620" marR="7620" marT="7620" marB="0" anchor="b"/>
-                </a:tc>
-                <a:tc>
-                  <a:txBody>
-                    <a:bodyPr/>
-                    <a:lstStyle/>
-                    <a:p>
-                      <a:pPr algn="ctr" fontAlgn="b"/>
-                      <a:r>
-                        <a:rPr lang="en-US" sz="1100" u="none" strike="noStrike">
-                          <a:effectLst/>
-                        </a:rPr>
-                        <a:t>1903</a:t>
-                      </a:r>
-                      <a:endParaRPr lang="en-US" sz="1100" b="0" i="0" u="none" strike="noStrike">
-                        <a:solidFill>
-                          <a:srgbClr val="000000"/>
-                        </a:solidFill>
-                        <a:effectLst/>
-                        <a:latin typeface="Calibri" panose="020F0502020204030204" pitchFamily="34" charset="0"/>
-                      </a:endParaRPr>
-                    </a:p>
-                  </a:txBody>
-                  <a:tcPr marL="7620" marR="7620" marT="7620" marB="0" anchor="b"/>
-                </a:tc>
-              </a:tr>
-              <a:tr h="203970">
-                <a:tc>
-                  <a:txBody>
-                    <a:bodyPr/>
-                    <a:lstStyle/>
-                    <a:p>
-                      <a:pPr algn="l" fontAlgn="b"/>
-                      <a:r>
-                        <a:rPr lang="en-US" sz="1100" u="none" strike="noStrike">
-                          <a:effectLst/>
-                        </a:rPr>
-                        <a:t>Jan</a:t>
-                      </a:r>
-                      <a:endParaRPr lang="en-US" sz="1100" b="0" i="0" u="none" strike="noStrike">
-                        <a:solidFill>
-                          <a:srgbClr val="000000"/>
-                        </a:solidFill>
-                        <a:effectLst/>
-                        <a:latin typeface="Calibri" panose="020F0502020204030204" pitchFamily="34" charset="0"/>
-                      </a:endParaRPr>
-                    </a:p>
-                  </a:txBody>
-                  <a:tcPr marL="7620" marR="7620" marT="7620" marB="0" anchor="b"/>
-                </a:tc>
-                <a:tc>
-                  <a:txBody>
-                    <a:bodyPr/>
-                    <a:lstStyle/>
-                    <a:p>
-                      <a:pPr algn="ctr" fontAlgn="b"/>
-                      <a:endParaRPr lang="en-US" sz="1100" b="0" i="0" u="none" strike="noStrike">
-                        <a:solidFill>
-                          <a:srgbClr val="000000"/>
-                        </a:solidFill>
-                        <a:effectLst/>
-                        <a:latin typeface="Calibri" panose="020F0502020204030204" pitchFamily="34" charset="0"/>
-                      </a:endParaRPr>
-                    </a:p>
-                  </a:txBody>
-                  <a:tcPr marL="7620" marR="7620" marT="7620" marB="0" anchor="b"/>
-                </a:tc>
-                <a:tc>
-                  <a:txBody>
-                    <a:bodyPr/>
-                    <a:lstStyle/>
-                    <a:p>
-                      <a:pPr algn="ctr" fontAlgn="b"/>
-                      <a:endParaRPr lang="en-US" sz="1100" b="0" i="0" u="none" strike="noStrike">
-                        <a:solidFill>
-                          <a:srgbClr val="000000"/>
-                        </a:solidFill>
-                        <a:effectLst/>
-                        <a:latin typeface="Calibri" panose="020F0502020204030204" pitchFamily="34" charset="0"/>
-                      </a:endParaRPr>
-                    </a:p>
-                  </a:txBody>
-                  <a:tcPr marL="7620" marR="7620" marT="7620" marB="0" anchor="b"/>
-                </a:tc>
-                <a:tc>
-                  <a:txBody>
-                    <a:bodyPr/>
-                    <a:lstStyle/>
-                    <a:p>
-                      <a:pPr algn="ctr" fontAlgn="b"/>
-                      <a:endParaRPr lang="en-US" sz="1100" b="0" i="0" u="none" strike="noStrike">
-                        <a:solidFill>
-                          <a:srgbClr val="000000"/>
-                        </a:solidFill>
-                        <a:effectLst/>
-                        <a:latin typeface="Calibri" panose="020F0502020204030204" pitchFamily="34" charset="0"/>
-                      </a:endParaRPr>
-                    </a:p>
-                  </a:txBody>
-                  <a:tcPr marL="7620" marR="7620" marT="7620" marB="0" anchor="b"/>
-                </a:tc>
-                <a:tc>
-                  <a:txBody>
-                    <a:bodyPr/>
-                    <a:lstStyle/>
-                    <a:p>
-                      <a:pPr algn="ctr" fontAlgn="b"/>
-                      <a:endParaRPr lang="en-US" sz="1100" b="0" i="0" u="none" strike="noStrike">
-                        <a:solidFill>
-                          <a:srgbClr val="000000"/>
-                        </a:solidFill>
-                        <a:effectLst/>
-                        <a:latin typeface="Calibri" panose="020F0502020204030204" pitchFamily="34" charset="0"/>
-                      </a:endParaRPr>
-                    </a:p>
-                  </a:txBody>
-                  <a:tcPr marL="7620" marR="7620" marT="7620" marB="0" anchor="b"/>
-                </a:tc>
-              </a:tr>
-              <a:tr h="203970">
-                <a:tc>
-                  <a:txBody>
-                    <a:bodyPr/>
-                    <a:lstStyle/>
-                    <a:p>
-                      <a:pPr algn="l" fontAlgn="b"/>
-                      <a:r>
-                        <a:rPr lang="en-US" sz="1100" u="none" strike="noStrike">
-                          <a:effectLst/>
-                        </a:rPr>
-                        <a:t>Feb</a:t>
-                      </a:r>
-                      <a:endParaRPr lang="en-US" sz="1100" b="0" i="0" u="none" strike="noStrike">
-                        <a:solidFill>
-                          <a:srgbClr val="000000"/>
-                        </a:solidFill>
-                        <a:effectLst/>
-                        <a:latin typeface="Calibri" panose="020F0502020204030204" pitchFamily="34" charset="0"/>
-                      </a:endParaRPr>
-                    </a:p>
-                  </a:txBody>
-                  <a:tcPr marL="7620" marR="7620" marT="7620" marB="0" anchor="b"/>
-                </a:tc>
-                <a:tc>
-                  <a:txBody>
-                    <a:bodyPr/>
-                    <a:lstStyle/>
-                    <a:p>
-                      <a:pPr algn="ctr" fontAlgn="b"/>
-                      <a:endParaRPr lang="en-US" sz="1100" b="0" i="0" u="none" strike="noStrike" dirty="0">
-                        <a:solidFill>
-                          <a:srgbClr val="000000"/>
-                        </a:solidFill>
-                        <a:effectLst/>
-                        <a:latin typeface="Calibri" panose="020F0502020204030204" pitchFamily="34" charset="0"/>
-                      </a:endParaRPr>
-                    </a:p>
-                  </a:txBody>
-                  <a:tcPr marL="7620" marR="7620" marT="7620" marB="0" anchor="b"/>
-                </a:tc>
-                <a:tc>
-                  <a:txBody>
-                    <a:bodyPr/>
-                    <a:lstStyle/>
-                    <a:p>
-                      <a:pPr algn="ctr" fontAlgn="b"/>
-                      <a:endParaRPr lang="en-US" sz="1100" b="0" i="0" u="none" strike="noStrike">
-                        <a:solidFill>
-                          <a:srgbClr val="000000"/>
-                        </a:solidFill>
-                        <a:effectLst/>
-                        <a:latin typeface="Calibri" panose="020F0502020204030204" pitchFamily="34" charset="0"/>
-                      </a:endParaRPr>
-                    </a:p>
-                  </a:txBody>
-                  <a:tcPr marL="7620" marR="7620" marT="7620" marB="0" anchor="b"/>
-                </a:tc>
-                <a:tc>
-                  <a:txBody>
-                    <a:bodyPr/>
-                    <a:lstStyle/>
-                    <a:p>
-                      <a:pPr algn="ctr" fontAlgn="b"/>
-                      <a:endParaRPr lang="en-US" sz="1100" b="0" i="0" u="none" strike="noStrike">
-                        <a:solidFill>
-                          <a:srgbClr val="000000"/>
-                        </a:solidFill>
-                        <a:effectLst/>
-                        <a:latin typeface="Calibri" panose="020F0502020204030204" pitchFamily="34" charset="0"/>
-                      </a:endParaRPr>
-                    </a:p>
-                  </a:txBody>
-                  <a:tcPr marL="7620" marR="7620" marT="7620" marB="0" anchor="b"/>
-                </a:tc>
-                <a:tc>
-                  <a:txBody>
-                    <a:bodyPr/>
-                    <a:lstStyle/>
-                    <a:p>
-                      <a:pPr algn="ctr" fontAlgn="b"/>
-                      <a:endParaRPr lang="en-US" sz="1100" b="0" i="0" u="none" strike="noStrike">
-                        <a:solidFill>
-                          <a:srgbClr val="000000"/>
-                        </a:solidFill>
-                        <a:effectLst/>
-                        <a:latin typeface="Calibri" panose="020F0502020204030204" pitchFamily="34" charset="0"/>
-                      </a:endParaRPr>
-                    </a:p>
-                  </a:txBody>
-                  <a:tcPr marL="7620" marR="7620" marT="7620" marB="0" anchor="b"/>
-                </a:tc>
-              </a:tr>
-              <a:tr h="203970">
-                <a:tc>
-                  <a:txBody>
-                    <a:bodyPr/>
-                    <a:lstStyle/>
-                    <a:p>
-                      <a:pPr algn="l" fontAlgn="b"/>
-                      <a:r>
-                        <a:rPr lang="en-US" sz="1100" u="none" strike="noStrike">
-                          <a:effectLst/>
-                        </a:rPr>
-                        <a:t>Mar</a:t>
-                      </a:r>
-                      <a:endParaRPr lang="en-US" sz="1100" b="0" i="0" u="none" strike="noStrike">
-                        <a:solidFill>
-                          <a:srgbClr val="000000"/>
-                        </a:solidFill>
-                        <a:effectLst/>
-                        <a:latin typeface="Calibri" panose="020F0502020204030204" pitchFamily="34" charset="0"/>
-                      </a:endParaRPr>
-                    </a:p>
-                  </a:txBody>
-                  <a:tcPr marL="7620" marR="7620" marT="7620" marB="0" anchor="b"/>
-                </a:tc>
-                <a:tc>
-                  <a:txBody>
-                    <a:bodyPr/>
-                    <a:lstStyle/>
-                    <a:p>
-                      <a:pPr algn="ctr" fontAlgn="b"/>
-                      <a:endParaRPr lang="en-US" sz="1100" b="0" i="0" u="none" strike="noStrike">
-                        <a:solidFill>
-                          <a:srgbClr val="000000"/>
-                        </a:solidFill>
-                        <a:effectLst/>
-                        <a:latin typeface="Calibri" panose="020F0502020204030204" pitchFamily="34" charset="0"/>
-                      </a:endParaRPr>
-                    </a:p>
-                  </a:txBody>
-                  <a:tcPr marL="7620" marR="7620" marT="7620" marB="0" anchor="b"/>
-                </a:tc>
-                <a:tc>
-                  <a:txBody>
-                    <a:bodyPr/>
-                    <a:lstStyle/>
-                    <a:p>
-                      <a:pPr algn="ctr" fontAlgn="b"/>
-                      <a:endParaRPr lang="en-US" sz="1100" b="0" i="0" u="none" strike="noStrike">
-                        <a:solidFill>
-                          <a:srgbClr val="000000"/>
-                        </a:solidFill>
-                        <a:effectLst/>
-                        <a:latin typeface="Calibri" panose="020F0502020204030204" pitchFamily="34" charset="0"/>
-                      </a:endParaRPr>
-                    </a:p>
-                  </a:txBody>
-                  <a:tcPr marL="7620" marR="7620" marT="7620" marB="0" anchor="b"/>
-                </a:tc>
-                <a:tc>
-                  <a:txBody>
-                    <a:bodyPr/>
-                    <a:lstStyle/>
-                    <a:p>
-                      <a:pPr algn="ctr" fontAlgn="b"/>
-                      <a:endParaRPr lang="en-US" sz="1100" b="0" i="0" u="none" strike="noStrike">
-                        <a:solidFill>
-                          <a:srgbClr val="000000"/>
-                        </a:solidFill>
-                        <a:effectLst/>
-                        <a:latin typeface="Calibri" panose="020F0502020204030204" pitchFamily="34" charset="0"/>
-                      </a:endParaRPr>
-                    </a:p>
-                  </a:txBody>
-                  <a:tcPr marL="7620" marR="7620" marT="7620" marB="0" anchor="b"/>
-                </a:tc>
-                <a:tc>
-                  <a:txBody>
-                    <a:bodyPr/>
-                    <a:lstStyle/>
-                    <a:p>
-                      <a:pPr algn="ctr" fontAlgn="b"/>
-                      <a:endParaRPr lang="en-US" sz="1100" b="0" i="0" u="none" strike="noStrike">
-                        <a:solidFill>
-                          <a:srgbClr val="000000"/>
-                        </a:solidFill>
-                        <a:effectLst/>
-                        <a:latin typeface="Calibri" panose="020F0502020204030204" pitchFamily="34" charset="0"/>
-                      </a:endParaRPr>
-                    </a:p>
-                  </a:txBody>
-                  <a:tcPr marL="7620" marR="7620" marT="7620" marB="0" anchor="b"/>
-                </a:tc>
-              </a:tr>
-              <a:tr h="203970">
-                <a:tc>
-                  <a:txBody>
-                    <a:bodyPr/>
-                    <a:lstStyle/>
-                    <a:p>
-                      <a:pPr algn="l" fontAlgn="b"/>
-                      <a:r>
-                        <a:rPr lang="en-US" sz="1100" u="none" strike="noStrike">
-                          <a:effectLst/>
-                        </a:rPr>
-                        <a:t>Apr</a:t>
-                      </a:r>
-                      <a:endParaRPr lang="en-US" sz="1100" b="0" i="0" u="none" strike="noStrike">
-                        <a:solidFill>
-                          <a:srgbClr val="000000"/>
-                        </a:solidFill>
-                        <a:effectLst/>
-                        <a:latin typeface="Calibri" panose="020F0502020204030204" pitchFamily="34" charset="0"/>
-                      </a:endParaRPr>
-                    </a:p>
-                  </a:txBody>
-                  <a:tcPr marL="7620" marR="7620" marT="7620" marB="0" anchor="b"/>
-                </a:tc>
-                <a:tc>
-                  <a:txBody>
-                    <a:bodyPr/>
-                    <a:lstStyle/>
-                    <a:p>
-                      <a:pPr algn="ctr" fontAlgn="b"/>
-                      <a:endParaRPr lang="en-US" sz="1100" b="0" i="0" u="none" strike="noStrike">
-                        <a:solidFill>
-                          <a:srgbClr val="000000"/>
-                        </a:solidFill>
-                        <a:effectLst/>
-                        <a:latin typeface="Calibri" panose="020F0502020204030204" pitchFamily="34" charset="0"/>
-                      </a:endParaRPr>
-                    </a:p>
-                  </a:txBody>
-                  <a:tcPr marL="7620" marR="7620" marT="7620" marB="0" anchor="b"/>
-                </a:tc>
-                <a:tc>
-                  <a:txBody>
-                    <a:bodyPr/>
-                    <a:lstStyle/>
-                    <a:p>
-                      <a:pPr algn="ctr" fontAlgn="b"/>
-                      <a:endParaRPr lang="en-US" sz="1100" b="0" i="0" u="none" strike="noStrike">
-                        <a:solidFill>
-                          <a:srgbClr val="000000"/>
-                        </a:solidFill>
-                        <a:effectLst/>
-                        <a:latin typeface="Calibri" panose="020F0502020204030204" pitchFamily="34" charset="0"/>
-                      </a:endParaRPr>
-                    </a:p>
-                  </a:txBody>
-                  <a:tcPr marL="7620" marR="7620" marT="7620" marB="0" anchor="b"/>
-                </a:tc>
-                <a:tc>
-                  <a:txBody>
-                    <a:bodyPr/>
-                    <a:lstStyle/>
-                    <a:p>
-                      <a:pPr algn="ctr" fontAlgn="b"/>
-                      <a:endParaRPr lang="en-US" sz="1100" b="0" i="0" u="none" strike="noStrike">
-                        <a:solidFill>
-                          <a:srgbClr val="000000"/>
-                        </a:solidFill>
-                        <a:effectLst/>
-                        <a:latin typeface="Calibri" panose="020F0502020204030204" pitchFamily="34" charset="0"/>
-                      </a:endParaRPr>
-                    </a:p>
-                  </a:txBody>
-                  <a:tcPr marL="7620" marR="7620" marT="7620" marB="0" anchor="b"/>
-                </a:tc>
-                <a:tc>
-                  <a:txBody>
-                    <a:bodyPr/>
-                    <a:lstStyle/>
-                    <a:p>
-                      <a:pPr algn="ctr" fontAlgn="b"/>
-                      <a:endParaRPr lang="en-US" sz="1100" b="0" i="0" u="none" strike="noStrike">
-                        <a:solidFill>
-                          <a:srgbClr val="000000"/>
-                        </a:solidFill>
-                        <a:effectLst/>
-                        <a:latin typeface="Calibri" panose="020F0502020204030204" pitchFamily="34" charset="0"/>
-                      </a:endParaRPr>
-                    </a:p>
-                  </a:txBody>
-                  <a:tcPr marL="7620" marR="7620" marT="7620" marB="0" anchor="b"/>
-                </a:tc>
-              </a:tr>
-              <a:tr h="203970">
-                <a:tc>
-                  <a:txBody>
-                    <a:bodyPr/>
-                    <a:lstStyle/>
-                    <a:p>
-                      <a:pPr algn="l" fontAlgn="b"/>
-                      <a:r>
-                        <a:rPr lang="en-US" sz="1100" u="none" strike="noStrike">
-                          <a:effectLst/>
-                        </a:rPr>
-                        <a:t>May</a:t>
-                      </a:r>
-                      <a:endParaRPr lang="en-US" sz="1100" b="0" i="0" u="none" strike="noStrike">
-                        <a:solidFill>
-                          <a:srgbClr val="000000"/>
-                        </a:solidFill>
-                        <a:effectLst/>
-                        <a:latin typeface="Calibri" panose="020F0502020204030204" pitchFamily="34" charset="0"/>
-                      </a:endParaRPr>
-                    </a:p>
-                  </a:txBody>
-                  <a:tcPr marL="7620" marR="7620" marT="7620" marB="0" anchor="b"/>
-                </a:tc>
-                <a:tc>
-                  <a:txBody>
-                    <a:bodyPr/>
-                    <a:lstStyle/>
-                    <a:p>
-                      <a:pPr algn="ctr" fontAlgn="b"/>
-                      <a:endParaRPr lang="en-US" sz="1100" b="0" i="0" u="none" strike="noStrike">
-                        <a:solidFill>
-                          <a:srgbClr val="000000"/>
-                        </a:solidFill>
-                        <a:effectLst/>
-                        <a:latin typeface="Calibri" panose="020F0502020204030204" pitchFamily="34" charset="0"/>
-                      </a:endParaRPr>
-                    </a:p>
-                  </a:txBody>
-                  <a:tcPr marL="7620" marR="7620" marT="7620" marB="0" anchor="b"/>
-                </a:tc>
-                <a:tc>
-                  <a:txBody>
-                    <a:bodyPr/>
-                    <a:lstStyle/>
-                    <a:p>
-                      <a:pPr algn="ctr" fontAlgn="b"/>
-                      <a:endParaRPr lang="en-US" sz="1100" b="0" i="0" u="none" strike="noStrike">
-                        <a:solidFill>
-                          <a:srgbClr val="000000"/>
-                        </a:solidFill>
-                        <a:effectLst/>
-                        <a:latin typeface="Calibri" panose="020F0502020204030204" pitchFamily="34" charset="0"/>
-                      </a:endParaRPr>
-                    </a:p>
-                  </a:txBody>
-                  <a:tcPr marL="7620" marR="7620" marT="7620" marB="0" anchor="b"/>
-                </a:tc>
-                <a:tc>
-                  <a:txBody>
-                    <a:bodyPr/>
-                    <a:lstStyle/>
-                    <a:p>
-                      <a:pPr algn="ctr" fontAlgn="b"/>
-                      <a:endParaRPr lang="en-US" sz="1100" b="0" i="0" u="none" strike="noStrike">
-                        <a:solidFill>
-                          <a:srgbClr val="000000"/>
-                        </a:solidFill>
-                        <a:effectLst/>
-                        <a:latin typeface="Calibri" panose="020F0502020204030204" pitchFamily="34" charset="0"/>
-                      </a:endParaRPr>
-                    </a:p>
-                  </a:txBody>
-                  <a:tcPr marL="7620" marR="7620" marT="7620" marB="0" anchor="b"/>
-                </a:tc>
-                <a:tc>
-                  <a:txBody>
-                    <a:bodyPr/>
-                    <a:lstStyle/>
-                    <a:p>
-                      <a:pPr algn="ctr" fontAlgn="b"/>
-                      <a:endParaRPr lang="en-US" sz="1100" b="0" i="0" u="none" strike="noStrike">
-                        <a:solidFill>
-                          <a:srgbClr val="000000"/>
-                        </a:solidFill>
-                        <a:effectLst/>
-                        <a:latin typeface="Calibri" panose="020F0502020204030204" pitchFamily="34" charset="0"/>
-                      </a:endParaRPr>
-                    </a:p>
-                  </a:txBody>
-                  <a:tcPr marL="7620" marR="7620" marT="7620" marB="0" anchor="b"/>
-                </a:tc>
-              </a:tr>
-              <a:tr h="212469">
-                <a:tc>
-                  <a:txBody>
-                    <a:bodyPr/>
-                    <a:lstStyle/>
-                    <a:p>
-                      <a:pPr algn="l" fontAlgn="b"/>
-                      <a:r>
-                        <a:rPr lang="en-US" sz="1100" u="none" strike="noStrike">
-                          <a:effectLst/>
-                        </a:rPr>
-                        <a:t>Jun</a:t>
-                      </a:r>
-                      <a:endParaRPr lang="en-US" sz="1100" b="0" i="0" u="none" strike="noStrike">
-                        <a:solidFill>
-                          <a:srgbClr val="000000"/>
-                        </a:solidFill>
-                        <a:effectLst/>
-                        <a:latin typeface="Calibri" panose="020F0502020204030204" pitchFamily="34" charset="0"/>
-                      </a:endParaRPr>
-                    </a:p>
-                  </a:txBody>
-                  <a:tcPr marL="7620" marR="7620" marT="7620" marB="0" anchor="b"/>
-                </a:tc>
-                <a:tc>
-                  <a:txBody>
-                    <a:bodyPr/>
-                    <a:lstStyle/>
-                    <a:p>
-                      <a:pPr algn="ctr" fontAlgn="b"/>
-                      <a:endParaRPr lang="en-US" sz="1100" b="0" i="0" u="none" strike="noStrike">
-                        <a:solidFill>
-                          <a:srgbClr val="000000"/>
-                        </a:solidFill>
-                        <a:effectLst/>
-                        <a:latin typeface="Calibri" panose="020F0502020204030204" pitchFamily="34" charset="0"/>
-                      </a:endParaRPr>
-                    </a:p>
-                  </a:txBody>
-                  <a:tcPr marL="7620" marR="7620" marT="7620" marB="0" anchor="b"/>
-                </a:tc>
-                <a:tc>
-                  <a:txBody>
-                    <a:bodyPr/>
-                    <a:lstStyle/>
-                    <a:p>
-                      <a:pPr algn="ctr" fontAlgn="b"/>
-                      <a:endParaRPr lang="en-US" sz="1100" b="0" i="0" u="none" strike="noStrike">
-                        <a:solidFill>
-                          <a:srgbClr val="000000"/>
-                        </a:solidFill>
-                        <a:effectLst/>
-                        <a:latin typeface="Calibri" panose="020F0502020204030204" pitchFamily="34" charset="0"/>
-                      </a:endParaRPr>
-                    </a:p>
-                  </a:txBody>
-                  <a:tcPr marL="7620" marR="7620" marT="7620" marB="0" anchor="b"/>
-                </a:tc>
-                <a:tc>
-                  <a:txBody>
-                    <a:bodyPr/>
-                    <a:lstStyle/>
-                    <a:p>
-                      <a:pPr algn="ctr" fontAlgn="b"/>
-                      <a:endParaRPr lang="en-US" sz="1100" b="0" i="0" u="none" strike="noStrike">
-                        <a:solidFill>
-                          <a:srgbClr val="000000"/>
-                        </a:solidFill>
-                        <a:effectLst/>
-                        <a:latin typeface="Calibri" panose="020F0502020204030204" pitchFamily="34" charset="0"/>
-                      </a:endParaRPr>
-                    </a:p>
-                  </a:txBody>
-                  <a:tcPr marL="7620" marR="7620" marT="7620" marB="0" anchor="b"/>
-                </a:tc>
-                <a:tc>
-                  <a:txBody>
-                    <a:bodyPr/>
-                    <a:lstStyle/>
-                    <a:p>
-                      <a:pPr algn="ctr" fontAlgn="b"/>
-                      <a:endParaRPr lang="en-US" sz="1100" b="0" i="0" u="none" strike="noStrike">
-                        <a:solidFill>
-                          <a:srgbClr val="000000"/>
-                        </a:solidFill>
-                        <a:effectLst/>
-                        <a:latin typeface="Calibri" panose="020F0502020204030204" pitchFamily="34" charset="0"/>
-                      </a:endParaRPr>
-                    </a:p>
-                  </a:txBody>
-                  <a:tcPr marL="7620" marR="7620" marT="7620" marB="0" anchor="b"/>
-                </a:tc>
-              </a:tr>
-              <a:tr h="212469">
-                <a:tc>
-                  <a:txBody>
-                    <a:bodyPr/>
-                    <a:lstStyle/>
-                    <a:p>
-                      <a:pPr algn="l" fontAlgn="b"/>
-                      <a:r>
-                        <a:rPr lang="en-US" sz="1100" u="none" strike="noStrike">
-                          <a:effectLst/>
-                        </a:rPr>
-                        <a:t>Jul</a:t>
-                      </a:r>
-                      <a:endParaRPr lang="en-US" sz="1100" b="0" i="0" u="none" strike="noStrike">
-                        <a:solidFill>
-                          <a:srgbClr val="000000"/>
-                        </a:solidFill>
-                        <a:effectLst/>
-                        <a:latin typeface="Calibri" panose="020F0502020204030204" pitchFamily="34" charset="0"/>
-                      </a:endParaRPr>
-                    </a:p>
-                  </a:txBody>
-                  <a:tcPr marL="7620" marR="7620" marT="7620" marB="0" anchor="b"/>
-                </a:tc>
-                <a:tc>
-                  <a:txBody>
-                    <a:bodyPr/>
-                    <a:lstStyle/>
-                    <a:p>
-                      <a:pPr algn="ctr" fontAlgn="b"/>
-                      <a:endParaRPr lang="en-US" sz="1100" b="0" i="0" u="none" strike="noStrike">
-                        <a:solidFill>
-                          <a:srgbClr val="000000"/>
-                        </a:solidFill>
-                        <a:effectLst/>
-                        <a:latin typeface="Calibri" panose="020F0502020204030204" pitchFamily="34" charset="0"/>
-                      </a:endParaRPr>
-                    </a:p>
-                  </a:txBody>
-                  <a:tcPr marL="7620" marR="7620" marT="7620" marB="0" anchor="b"/>
-                </a:tc>
-                <a:tc>
-                  <a:txBody>
-                    <a:bodyPr/>
-                    <a:lstStyle/>
-                    <a:p>
-                      <a:pPr algn="ctr" fontAlgn="b"/>
-                      <a:r>
-                        <a:rPr lang="en-US" sz="1100" u="none" strike="noStrike">
-                          <a:effectLst/>
-                        </a:rPr>
-                        <a:t>15</a:t>
-                      </a:r>
-                      <a:endParaRPr lang="en-US" sz="1100" b="0" i="0" u="none" strike="noStrike">
-                        <a:solidFill>
-                          <a:srgbClr val="000000"/>
-                        </a:solidFill>
-                        <a:effectLst/>
-                        <a:latin typeface="Calibri" panose="020F0502020204030204" pitchFamily="34" charset="0"/>
-                      </a:endParaRPr>
-                    </a:p>
-                  </a:txBody>
-                  <a:tcPr marL="7620" marR="7620" marT="7620" marB="0" anchor="b"/>
-                </a:tc>
-                <a:tc>
-                  <a:txBody>
-                    <a:bodyPr/>
-                    <a:lstStyle/>
-                    <a:p>
-                      <a:pPr algn="ctr" fontAlgn="b"/>
-                      <a:endParaRPr lang="en-US" sz="1100" b="0" i="0" u="none" strike="noStrike">
-                        <a:solidFill>
-                          <a:srgbClr val="000000"/>
-                        </a:solidFill>
-                        <a:effectLst/>
-                        <a:latin typeface="Calibri" panose="020F0502020204030204" pitchFamily="34" charset="0"/>
-                      </a:endParaRPr>
-                    </a:p>
-                  </a:txBody>
-                  <a:tcPr marL="7620" marR="7620" marT="7620" marB="0" anchor="b"/>
-                </a:tc>
-                <a:tc>
-                  <a:txBody>
-                    <a:bodyPr/>
-                    <a:lstStyle/>
-                    <a:p>
-                      <a:pPr algn="ctr" fontAlgn="b"/>
-                      <a:endParaRPr lang="en-US" sz="1100" b="0" i="0" u="none" strike="noStrike">
-                        <a:solidFill>
-                          <a:srgbClr val="000000"/>
-                        </a:solidFill>
-                        <a:effectLst/>
-                        <a:latin typeface="Calibri" panose="020F0502020204030204" pitchFamily="34" charset="0"/>
-                      </a:endParaRPr>
-                    </a:p>
-                  </a:txBody>
-                  <a:tcPr marL="7620" marR="7620" marT="7620" marB="0" anchor="b"/>
-                </a:tc>
-              </a:tr>
-              <a:tr h="212469">
-                <a:tc>
-                  <a:txBody>
-                    <a:bodyPr/>
-                    <a:lstStyle/>
-                    <a:p>
-                      <a:pPr algn="l" fontAlgn="b"/>
-                      <a:r>
-                        <a:rPr lang="en-US" sz="1100" u="none" strike="noStrike">
-                          <a:effectLst/>
-                        </a:rPr>
-                        <a:t>Aug</a:t>
-                      </a:r>
-                      <a:endParaRPr lang="en-US" sz="1100" b="0" i="0" u="none" strike="noStrike">
-                        <a:solidFill>
-                          <a:srgbClr val="000000"/>
-                        </a:solidFill>
-                        <a:effectLst/>
-                        <a:latin typeface="Calibri" panose="020F0502020204030204" pitchFamily="34" charset="0"/>
-                      </a:endParaRPr>
-                    </a:p>
-                  </a:txBody>
-                  <a:tcPr marL="7620" marR="7620" marT="7620" marB="0" anchor="b"/>
-                </a:tc>
-                <a:tc>
-                  <a:txBody>
-                    <a:bodyPr/>
-                    <a:lstStyle/>
-                    <a:p>
-                      <a:pPr algn="ctr" fontAlgn="b"/>
-                      <a:endParaRPr lang="en-US" sz="1100" b="0" i="0" u="none" strike="noStrike">
-                        <a:solidFill>
-                          <a:srgbClr val="000000"/>
-                        </a:solidFill>
-                        <a:effectLst/>
-                        <a:latin typeface="Calibri" panose="020F0502020204030204" pitchFamily="34" charset="0"/>
-                      </a:endParaRPr>
-                    </a:p>
-                  </a:txBody>
-                  <a:tcPr marL="7620" marR="7620" marT="7620" marB="0" anchor="b"/>
-                </a:tc>
-                <a:tc>
-                  <a:txBody>
-                    <a:bodyPr/>
-                    <a:lstStyle/>
-                    <a:p>
-                      <a:pPr algn="ctr" fontAlgn="b"/>
-                      <a:r>
-                        <a:rPr lang="en-US" sz="1100" u="none" strike="noStrike">
-                          <a:effectLst/>
-                        </a:rPr>
-                        <a:t>60</a:t>
-                      </a:r>
-                      <a:endParaRPr lang="en-US" sz="1100" b="0" i="0" u="none" strike="noStrike">
-                        <a:solidFill>
-                          <a:srgbClr val="000000"/>
-                        </a:solidFill>
-                        <a:effectLst/>
-                        <a:latin typeface="Calibri" panose="020F0502020204030204" pitchFamily="34" charset="0"/>
-                      </a:endParaRPr>
-                    </a:p>
-                  </a:txBody>
-                  <a:tcPr marL="7620" marR="7620" marT="7620" marB="0" anchor="b"/>
-                </a:tc>
-                <a:tc>
-                  <a:txBody>
-                    <a:bodyPr/>
-                    <a:lstStyle/>
-                    <a:p>
-                      <a:pPr algn="ctr" fontAlgn="b"/>
-                      <a:r>
-                        <a:rPr lang="en-US" sz="1100" u="none" strike="noStrike">
-                          <a:effectLst/>
-                        </a:rPr>
-                        <a:t> </a:t>
-                      </a:r>
-                      <a:endParaRPr lang="en-US" sz="1100" b="0" i="0" u="none" strike="noStrike">
-                        <a:solidFill>
-                          <a:srgbClr val="000000"/>
-                        </a:solidFill>
-                        <a:effectLst/>
-                        <a:latin typeface="Calibri" panose="020F0502020204030204" pitchFamily="34" charset="0"/>
-                      </a:endParaRPr>
-                    </a:p>
-                  </a:txBody>
-                  <a:tcPr marL="7620" marR="7620" marT="7620" marB="0" anchor="b"/>
-                </a:tc>
-                <a:tc>
-                  <a:txBody>
-                    <a:bodyPr/>
-                    <a:lstStyle/>
-                    <a:p>
-                      <a:pPr algn="ctr" fontAlgn="b"/>
-                      <a:endParaRPr lang="en-US" sz="1100" b="0" i="0" u="none" strike="noStrike">
-                        <a:solidFill>
-                          <a:srgbClr val="000000"/>
-                        </a:solidFill>
-                        <a:effectLst/>
-                        <a:latin typeface="Calibri" panose="020F0502020204030204" pitchFamily="34" charset="0"/>
-                      </a:endParaRPr>
-                    </a:p>
-                  </a:txBody>
-                  <a:tcPr marL="7620" marR="7620" marT="7620" marB="0" anchor="b"/>
-                </a:tc>
-              </a:tr>
-              <a:tr h="212469">
-                <a:tc>
-                  <a:txBody>
-                    <a:bodyPr/>
-                    <a:lstStyle/>
-                    <a:p>
-                      <a:pPr algn="l" fontAlgn="b"/>
-                      <a:r>
-                        <a:rPr lang="en-US" sz="1100" u="none" strike="noStrike">
-                          <a:effectLst/>
-                        </a:rPr>
-                        <a:t>Sep</a:t>
-                      </a:r>
-                      <a:endParaRPr lang="en-US" sz="1100" b="0" i="0" u="none" strike="noStrike">
-                        <a:solidFill>
-                          <a:srgbClr val="000000"/>
-                        </a:solidFill>
-                        <a:effectLst/>
-                        <a:latin typeface="Calibri" panose="020F0502020204030204" pitchFamily="34" charset="0"/>
-                      </a:endParaRPr>
-                    </a:p>
-                  </a:txBody>
-                  <a:tcPr marL="7620" marR="7620" marT="7620" marB="0" anchor="b"/>
-                </a:tc>
-                <a:tc>
-                  <a:txBody>
-                    <a:bodyPr/>
-                    <a:lstStyle/>
-                    <a:p>
-                      <a:pPr algn="ctr" fontAlgn="b"/>
-                      <a:r>
-                        <a:rPr lang="en-US" sz="1100" u="none" strike="noStrike">
-                          <a:effectLst/>
-                        </a:rPr>
-                        <a:t> </a:t>
-                      </a:r>
-                      <a:endParaRPr lang="en-US" sz="1100" b="0" i="0" u="none" strike="noStrike">
-                        <a:solidFill>
-                          <a:srgbClr val="000000"/>
-                        </a:solidFill>
-                        <a:effectLst/>
-                        <a:latin typeface="Calibri" panose="020F0502020204030204" pitchFamily="34" charset="0"/>
-                      </a:endParaRPr>
-                    </a:p>
-                  </a:txBody>
-                  <a:tcPr marL="7620" marR="7620" marT="7620" marB="0" anchor="b"/>
-                </a:tc>
-                <a:tc>
-                  <a:txBody>
-                    <a:bodyPr/>
-                    <a:lstStyle/>
-                    <a:p>
-                      <a:pPr algn="ctr" fontAlgn="b"/>
-                      <a:endParaRPr lang="en-US" sz="1100" b="0" i="0" u="none" strike="noStrike">
-                        <a:solidFill>
-                          <a:srgbClr val="000000"/>
-                        </a:solidFill>
-                        <a:effectLst/>
-                        <a:latin typeface="Calibri" panose="020F0502020204030204" pitchFamily="34" charset="0"/>
-                      </a:endParaRPr>
-                    </a:p>
-                  </a:txBody>
-                  <a:tcPr marL="7620" marR="7620" marT="7620" marB="0" anchor="b"/>
-                </a:tc>
-                <a:tc>
-                  <a:txBody>
-                    <a:bodyPr/>
-                    <a:lstStyle/>
-                    <a:p>
-                      <a:pPr algn="ctr" fontAlgn="b"/>
-                      <a:r>
-                        <a:rPr lang="en-US" sz="1100" u="none" strike="noStrike">
-                          <a:effectLst/>
-                        </a:rPr>
-                        <a:t>25</a:t>
-                      </a:r>
-                      <a:endParaRPr lang="en-US" sz="1100" b="0" i="0" u="none" strike="noStrike">
-                        <a:solidFill>
-                          <a:srgbClr val="000000"/>
-                        </a:solidFill>
-                        <a:effectLst/>
-                        <a:latin typeface="Calibri" panose="020F0502020204030204" pitchFamily="34" charset="0"/>
-                      </a:endParaRPr>
-                    </a:p>
-                  </a:txBody>
-                  <a:tcPr marL="7620" marR="7620" marT="7620" marB="0" anchor="b"/>
-                </a:tc>
-                <a:tc>
-                  <a:txBody>
-                    <a:bodyPr/>
-                    <a:lstStyle/>
-                    <a:p>
-                      <a:pPr algn="ctr" fontAlgn="b"/>
-                      <a:endParaRPr lang="en-US" sz="1100" b="0" i="0" u="none" strike="noStrike">
-                        <a:solidFill>
-                          <a:srgbClr val="000000"/>
-                        </a:solidFill>
-                        <a:effectLst/>
-                        <a:latin typeface="Calibri" panose="020F0502020204030204" pitchFamily="34" charset="0"/>
-                      </a:endParaRPr>
-                    </a:p>
-                  </a:txBody>
-                  <a:tcPr marL="7620" marR="7620" marT="7620" marB="0" anchor="b"/>
-                </a:tc>
-              </a:tr>
-              <a:tr h="212469">
-                <a:tc>
-                  <a:txBody>
-                    <a:bodyPr/>
-                    <a:lstStyle/>
-                    <a:p>
-                      <a:pPr algn="l" fontAlgn="b"/>
-                      <a:r>
-                        <a:rPr lang="en-US" sz="1100" u="none" strike="noStrike">
-                          <a:effectLst/>
-                        </a:rPr>
-                        <a:t>Oct</a:t>
-                      </a:r>
-                      <a:endParaRPr lang="en-US" sz="1100" b="0" i="0" u="none" strike="noStrike">
-                        <a:solidFill>
-                          <a:srgbClr val="000000"/>
-                        </a:solidFill>
-                        <a:effectLst/>
-                        <a:latin typeface="Calibri" panose="020F0502020204030204" pitchFamily="34" charset="0"/>
-                      </a:endParaRPr>
-                    </a:p>
-                  </a:txBody>
-                  <a:tcPr marL="7620" marR="7620" marT="7620" marB="0" anchor="b"/>
-                </a:tc>
-                <a:tc>
-                  <a:txBody>
-                    <a:bodyPr/>
-                    <a:lstStyle/>
-                    <a:p>
-                      <a:pPr algn="ctr" fontAlgn="b"/>
-                      <a:r>
-                        <a:rPr lang="en-US" sz="1100" u="none" strike="noStrike">
-                          <a:effectLst/>
-                        </a:rPr>
-                        <a:t>50</a:t>
-                      </a:r>
-                      <a:endParaRPr lang="en-US" sz="1100" b="0" i="0" u="none" strike="noStrike">
-                        <a:solidFill>
-                          <a:srgbClr val="000000"/>
-                        </a:solidFill>
-                        <a:effectLst/>
-                        <a:latin typeface="Calibri" panose="020F0502020204030204" pitchFamily="34" charset="0"/>
-                      </a:endParaRPr>
-                    </a:p>
-                  </a:txBody>
-                  <a:tcPr marL="7620" marR="7620" marT="7620" marB="0" anchor="b"/>
-                </a:tc>
-                <a:tc>
-                  <a:txBody>
-                    <a:bodyPr/>
-                    <a:lstStyle/>
-                    <a:p>
-                      <a:pPr algn="ctr" fontAlgn="b"/>
-                      <a:endParaRPr lang="en-US" sz="1100" b="0" i="0" u="none" strike="noStrike">
-                        <a:solidFill>
-                          <a:srgbClr val="000000"/>
-                        </a:solidFill>
-                        <a:effectLst/>
-                        <a:latin typeface="Calibri" panose="020F0502020204030204" pitchFamily="34" charset="0"/>
-                      </a:endParaRPr>
-                    </a:p>
-                  </a:txBody>
-                  <a:tcPr marL="7620" marR="7620" marT="7620" marB="0" anchor="b"/>
-                </a:tc>
-                <a:tc>
-                  <a:txBody>
-                    <a:bodyPr/>
-                    <a:lstStyle/>
-                    <a:p>
-                      <a:pPr algn="ctr" fontAlgn="b"/>
-                      <a:r>
-                        <a:rPr lang="en-US" sz="1100" u="none" strike="noStrike" dirty="0">
-                          <a:effectLst/>
-                        </a:rPr>
-                        <a:t>350</a:t>
-                      </a:r>
-                      <a:endParaRPr lang="en-US" sz="1100" b="0" i="0" u="none" strike="noStrike" dirty="0">
-                        <a:solidFill>
-                          <a:srgbClr val="000000"/>
-                        </a:solidFill>
-                        <a:effectLst/>
-                        <a:latin typeface="Calibri" panose="020F0502020204030204" pitchFamily="34" charset="0"/>
-                      </a:endParaRPr>
-                    </a:p>
-                  </a:txBody>
-                  <a:tcPr marL="7620" marR="7620" marT="7620" marB="0" anchor="b"/>
-                </a:tc>
-                <a:tc>
-                  <a:txBody>
-                    <a:bodyPr/>
-                    <a:lstStyle/>
-                    <a:p>
-                      <a:pPr algn="ctr" fontAlgn="b"/>
-                      <a:r>
-                        <a:rPr lang="en-US" sz="1100" u="none" strike="noStrike">
-                          <a:effectLst/>
-                        </a:rPr>
-                        <a:t> </a:t>
-                      </a:r>
-                      <a:endParaRPr lang="en-US" sz="1100" b="0" i="0" u="none" strike="noStrike">
-                        <a:solidFill>
-                          <a:srgbClr val="000000"/>
-                        </a:solidFill>
-                        <a:effectLst/>
-                        <a:latin typeface="Calibri" panose="020F0502020204030204" pitchFamily="34" charset="0"/>
-                      </a:endParaRPr>
-                    </a:p>
-                  </a:txBody>
-                  <a:tcPr marL="7620" marR="7620" marT="7620" marB="0" anchor="b"/>
-                </a:tc>
-              </a:tr>
-              <a:tr h="203970">
-                <a:tc>
-                  <a:txBody>
-                    <a:bodyPr/>
-                    <a:lstStyle/>
-                    <a:p>
-                      <a:pPr algn="l" fontAlgn="b"/>
-                      <a:r>
-                        <a:rPr lang="en-US" sz="1100" u="none" strike="noStrike">
-                          <a:effectLst/>
-                        </a:rPr>
-                        <a:t>Nov</a:t>
-                      </a:r>
-                      <a:endParaRPr lang="en-US" sz="1100" b="0" i="0" u="none" strike="noStrike">
-                        <a:solidFill>
-                          <a:srgbClr val="000000"/>
-                        </a:solidFill>
-                        <a:effectLst/>
-                        <a:latin typeface="Calibri" panose="020F0502020204030204" pitchFamily="34" charset="0"/>
-                      </a:endParaRPr>
-                    </a:p>
-                  </a:txBody>
-                  <a:tcPr marL="7620" marR="7620" marT="7620" marB="0" anchor="b"/>
-                </a:tc>
-                <a:tc>
-                  <a:txBody>
-                    <a:bodyPr/>
-                    <a:lstStyle/>
-                    <a:p>
-                      <a:pPr algn="ctr" fontAlgn="b"/>
-                      <a:endParaRPr lang="en-US" sz="1100" b="0" i="0" u="none" strike="noStrike">
-                        <a:solidFill>
-                          <a:srgbClr val="000000"/>
-                        </a:solidFill>
-                        <a:effectLst/>
-                        <a:latin typeface="Calibri" panose="020F0502020204030204" pitchFamily="34" charset="0"/>
-                      </a:endParaRPr>
-                    </a:p>
-                  </a:txBody>
-                  <a:tcPr marL="7620" marR="7620" marT="7620" marB="0" anchor="b"/>
-                </a:tc>
-                <a:tc>
-                  <a:txBody>
-                    <a:bodyPr/>
-                    <a:lstStyle/>
-                    <a:p>
-                      <a:pPr algn="ctr" fontAlgn="b"/>
-                      <a:endParaRPr lang="en-US" sz="1100" b="0" i="0" u="none" strike="noStrike">
-                        <a:solidFill>
-                          <a:srgbClr val="000000"/>
-                        </a:solidFill>
-                        <a:effectLst/>
-                        <a:latin typeface="Calibri" panose="020F0502020204030204" pitchFamily="34" charset="0"/>
-                      </a:endParaRPr>
-                    </a:p>
-                  </a:txBody>
-                  <a:tcPr marL="7620" marR="7620" marT="7620" marB="0" anchor="b"/>
-                </a:tc>
-                <a:tc>
-                  <a:txBody>
-                    <a:bodyPr/>
-                    <a:lstStyle/>
-                    <a:p>
-                      <a:pPr algn="ctr" fontAlgn="b"/>
-                      <a:endParaRPr lang="en-US" sz="1100" b="0" i="0" u="none" strike="noStrike" dirty="0">
-                        <a:solidFill>
-                          <a:srgbClr val="000000"/>
-                        </a:solidFill>
-                        <a:effectLst/>
-                        <a:latin typeface="Calibri" panose="020F0502020204030204" pitchFamily="34" charset="0"/>
-                      </a:endParaRPr>
-                    </a:p>
-                  </a:txBody>
-                  <a:tcPr marL="7620" marR="7620" marT="7620" marB="0" anchor="b"/>
-                </a:tc>
-                <a:tc>
-                  <a:txBody>
-                    <a:bodyPr/>
-                    <a:lstStyle/>
-                    <a:p>
-                      <a:pPr algn="ctr" fontAlgn="b"/>
-                      <a:r>
-                        <a:rPr lang="en-US" sz="1100" u="none" strike="noStrike">
-                          <a:effectLst/>
-                        </a:rPr>
-                        <a:t> </a:t>
-                      </a:r>
-                      <a:endParaRPr lang="en-US" sz="1100" b="0" i="0" u="none" strike="noStrike">
-                        <a:solidFill>
-                          <a:srgbClr val="000000"/>
-                        </a:solidFill>
-                        <a:effectLst/>
-                        <a:latin typeface="Calibri" panose="020F0502020204030204" pitchFamily="34" charset="0"/>
-                      </a:endParaRPr>
-                    </a:p>
-                  </a:txBody>
-                  <a:tcPr marL="7620" marR="7620" marT="7620" marB="0" anchor="b"/>
-                </a:tc>
-              </a:tr>
-              <a:tr h="212469">
-                <a:tc>
-                  <a:txBody>
-                    <a:bodyPr/>
-                    <a:lstStyle/>
-                    <a:p>
-                      <a:pPr algn="l" fontAlgn="b"/>
-                      <a:r>
-                        <a:rPr lang="en-US" sz="1100" u="none" strike="noStrike">
-                          <a:effectLst/>
-                        </a:rPr>
-                        <a:t>Dec</a:t>
-                      </a:r>
-                      <a:endParaRPr lang="en-US" sz="1100" b="0" i="0" u="none" strike="noStrike">
-                        <a:solidFill>
-                          <a:srgbClr val="000000"/>
-                        </a:solidFill>
-                        <a:effectLst/>
-                        <a:latin typeface="Calibri" panose="020F0502020204030204" pitchFamily="34" charset="0"/>
-                      </a:endParaRPr>
-                    </a:p>
-                  </a:txBody>
-                  <a:tcPr marL="7620" marR="7620" marT="7620" marB="0" anchor="b"/>
-                </a:tc>
-                <a:tc>
-                  <a:txBody>
-                    <a:bodyPr/>
-                    <a:lstStyle/>
-                    <a:p>
-                      <a:pPr algn="ctr" fontAlgn="b"/>
-                      <a:endParaRPr lang="en-US" sz="1100" b="0" i="0" u="none" strike="noStrike">
-                        <a:solidFill>
-                          <a:srgbClr val="000000"/>
-                        </a:solidFill>
-                        <a:effectLst/>
-                        <a:latin typeface="Calibri" panose="020F0502020204030204" pitchFamily="34" charset="0"/>
-                      </a:endParaRPr>
-                    </a:p>
-                  </a:txBody>
-                  <a:tcPr marL="7620" marR="7620" marT="7620" marB="0" anchor="b"/>
-                </a:tc>
-                <a:tc>
-                  <a:txBody>
-                    <a:bodyPr/>
-                    <a:lstStyle/>
-                    <a:p>
-                      <a:pPr algn="ctr" fontAlgn="b"/>
-                      <a:endParaRPr lang="en-US" sz="1100" b="0" i="0" u="none" strike="noStrike">
-                        <a:solidFill>
-                          <a:srgbClr val="000000"/>
-                        </a:solidFill>
-                        <a:effectLst/>
-                        <a:latin typeface="Calibri" panose="020F0502020204030204" pitchFamily="34" charset="0"/>
-                      </a:endParaRPr>
-                    </a:p>
-                  </a:txBody>
-                  <a:tcPr marL="7620" marR="7620" marT="7620" marB="0" anchor="b"/>
-                </a:tc>
-                <a:tc>
-                  <a:txBody>
-                    <a:bodyPr/>
-                    <a:lstStyle/>
-                    <a:p>
-                      <a:pPr algn="ctr" fontAlgn="b"/>
-                      <a:endParaRPr lang="en-US" sz="1100" b="0" i="0" u="none" strike="noStrike">
-                        <a:solidFill>
-                          <a:srgbClr val="000000"/>
-                        </a:solidFill>
-                        <a:effectLst/>
-                        <a:latin typeface="Calibri" panose="020F0502020204030204" pitchFamily="34" charset="0"/>
-                      </a:endParaRPr>
-                    </a:p>
-                  </a:txBody>
-                  <a:tcPr marL="7620" marR="7620" marT="7620" marB="0" anchor="b"/>
-                </a:tc>
-                <a:tc>
-                  <a:txBody>
-                    <a:bodyPr/>
-                    <a:lstStyle/>
-                    <a:p>
-                      <a:pPr algn="ctr" fontAlgn="b"/>
-                      <a:r>
-                        <a:rPr lang="en-US" sz="1100" u="none" strike="noStrike" dirty="0">
-                          <a:effectLst/>
-                        </a:rPr>
-                        <a:t>3 </a:t>
-                      </a:r>
-                      <a:r>
-                        <a:rPr lang="en-US" sz="1100" u="none" strike="noStrike" dirty="0" smtClean="0">
-                          <a:effectLst/>
-                        </a:rPr>
-                        <a:t> - X</a:t>
-                      </a:r>
-                      <a:endParaRPr lang="en-US" sz="1100" b="0" i="0" u="none" strike="noStrike" dirty="0">
-                        <a:solidFill>
-                          <a:srgbClr val="000000"/>
-                        </a:solidFill>
-                        <a:effectLst/>
-                        <a:latin typeface="Calibri" panose="020F0502020204030204" pitchFamily="34" charset="0"/>
-                      </a:endParaRPr>
-                    </a:p>
-                  </a:txBody>
-                  <a:tcPr marL="7620" marR="7620" marT="7620" marB="0" anchor="b"/>
-                </a:tc>
-              </a:tr>
-            </a:tbl>
-          </a:graphicData>
-        </a:graphic>
-      </p:graphicFrame>
       <p:graphicFrame>
         <p:nvGraphicFramePr>
           <p:cNvPr id="5" name="Table 4"/>
@@ -10819,6 +9728,1364 @@
           <a:xfrm>
             <a:off x="8152406" y="4845408"/>
             <a:ext cx="1345019" cy="1685333"/>
+          </a:xfrm>
+          <a:prstGeom prst="rect">
+            <a:avLst/>
+          </a:prstGeom>
+        </p:spPr>
+      </p:pic>
+      <p:graphicFrame>
+        <p:nvGraphicFramePr>
+          <p:cNvPr id="8" name="Table 7"/>
+          <p:cNvGraphicFramePr>
+            <a:graphicFrameLocks noGrp="1"/>
+          </p:cNvGraphicFramePr>
+          <p:nvPr>
+            <p:extLst>
+              <p:ext uri="{D42A27DB-BD31-4B8C-83A1-F6EECF244321}">
+                <p14:modId xmlns:p14="http://schemas.microsoft.com/office/powerpoint/2010/main" val="3965265773"/>
+              </p:ext>
+            </p:extLst>
+          </p:nvPr>
+        </p:nvGraphicFramePr>
+        <p:xfrm>
+          <a:off x="6939642" y="1911565"/>
+          <a:ext cx="3412670" cy="2748889"/>
+        </p:xfrm>
+        <a:graphic>
+          <a:graphicData uri="http://schemas.openxmlformats.org/drawingml/2006/table">
+            <a:tbl>
+              <a:tblPr>
+                <a:tableStyleId>{5C22544A-7EE6-4342-B048-85BDC9FD1C3A}</a:tableStyleId>
+              </a:tblPr>
+              <a:tblGrid>
+                <a:gridCol w="682534"/>
+                <a:gridCol w="682534"/>
+                <a:gridCol w="682534"/>
+                <a:gridCol w="682534"/>
+                <a:gridCol w="682534"/>
+              </a:tblGrid>
+              <a:tr h="206683">
+                <a:tc>
+                  <a:txBody>
+                    <a:bodyPr/>
+                    <a:lstStyle/>
+                    <a:p>
+                      <a:pPr algn="l" fontAlgn="b"/>
+                      <a:r>
+                        <a:rPr lang="en-US" sz="1100" u="none" strike="noStrike">
+                          <a:effectLst/>
+                        </a:rPr>
+                        <a:t>WW</a:t>
+                      </a:r>
+                      <a:endParaRPr lang="en-US" sz="1100" b="1" i="0" u="none" strike="noStrike">
+                        <a:solidFill>
+                          <a:srgbClr val="000000"/>
+                        </a:solidFill>
+                        <a:effectLst/>
+                        <a:latin typeface="Calibri" panose="020F0502020204030204" pitchFamily="34" charset="0"/>
+                      </a:endParaRPr>
+                    </a:p>
+                  </a:txBody>
+                  <a:tcPr marL="9525" marR="9525" marT="9525" marB="0" anchor="b"/>
+                </a:tc>
+                <a:tc>
+                  <a:txBody>
+                    <a:bodyPr/>
+                    <a:lstStyle/>
+                    <a:p>
+                      <a:pPr algn="ctr" fontAlgn="b"/>
+                      <a:r>
+                        <a:rPr lang="en-US" sz="1100" u="none" strike="noStrike">
+                          <a:effectLst/>
+                        </a:rPr>
+                        <a:t>1900</a:t>
+                      </a:r>
+                      <a:endParaRPr lang="en-US" sz="1100" b="0" i="0" u="none" strike="noStrike">
+                        <a:solidFill>
+                          <a:srgbClr val="000000"/>
+                        </a:solidFill>
+                        <a:effectLst/>
+                        <a:latin typeface="Calibri" panose="020F0502020204030204" pitchFamily="34" charset="0"/>
+                      </a:endParaRPr>
+                    </a:p>
+                  </a:txBody>
+                  <a:tcPr marL="9525" marR="9525" marT="9525" marB="0" anchor="b"/>
+                </a:tc>
+                <a:tc>
+                  <a:txBody>
+                    <a:bodyPr/>
+                    <a:lstStyle/>
+                    <a:p>
+                      <a:pPr algn="ctr" fontAlgn="b"/>
+                      <a:r>
+                        <a:rPr lang="en-US" sz="1100" u="none" strike="noStrike">
+                          <a:effectLst/>
+                        </a:rPr>
+                        <a:t>1901</a:t>
+                      </a:r>
+                      <a:endParaRPr lang="en-US" sz="1100" b="0" i="0" u="none" strike="noStrike">
+                        <a:solidFill>
+                          <a:srgbClr val="000000"/>
+                        </a:solidFill>
+                        <a:effectLst/>
+                        <a:latin typeface="Calibri" panose="020F0502020204030204" pitchFamily="34" charset="0"/>
+                      </a:endParaRPr>
+                    </a:p>
+                  </a:txBody>
+                  <a:tcPr marL="9525" marR="9525" marT="9525" marB="0" anchor="b"/>
+                </a:tc>
+                <a:tc>
+                  <a:txBody>
+                    <a:bodyPr/>
+                    <a:lstStyle/>
+                    <a:p>
+                      <a:pPr algn="ctr" fontAlgn="b"/>
+                      <a:r>
+                        <a:rPr lang="en-US" sz="1100" u="none" strike="noStrike">
+                          <a:effectLst/>
+                        </a:rPr>
+                        <a:t>1902</a:t>
+                      </a:r>
+                      <a:endParaRPr lang="en-US" sz="1100" b="0" i="0" u="none" strike="noStrike">
+                        <a:solidFill>
+                          <a:srgbClr val="000000"/>
+                        </a:solidFill>
+                        <a:effectLst/>
+                        <a:latin typeface="Calibri" panose="020F0502020204030204" pitchFamily="34" charset="0"/>
+                      </a:endParaRPr>
+                    </a:p>
+                  </a:txBody>
+                  <a:tcPr marL="9525" marR="9525" marT="9525" marB="0" anchor="b"/>
+                </a:tc>
+                <a:tc>
+                  <a:txBody>
+                    <a:bodyPr/>
+                    <a:lstStyle/>
+                    <a:p>
+                      <a:pPr algn="ctr" fontAlgn="b"/>
+                      <a:r>
+                        <a:rPr lang="en-US" sz="1100" u="none" strike="noStrike">
+                          <a:effectLst/>
+                        </a:rPr>
+                        <a:t>1903</a:t>
+                      </a:r>
+                      <a:endParaRPr lang="en-US" sz="1100" b="0" i="0" u="none" strike="noStrike">
+                        <a:solidFill>
+                          <a:srgbClr val="000000"/>
+                        </a:solidFill>
+                        <a:effectLst/>
+                        <a:latin typeface="Calibri" panose="020F0502020204030204" pitchFamily="34" charset="0"/>
+                      </a:endParaRPr>
+                    </a:p>
+                  </a:txBody>
+                  <a:tcPr marL="9525" marR="9525" marT="9525" marB="0" anchor="b"/>
+                </a:tc>
+              </a:tr>
+              <a:tr h="206683">
+                <a:tc>
+                  <a:txBody>
+                    <a:bodyPr/>
+                    <a:lstStyle/>
+                    <a:p>
+                      <a:pPr algn="l" fontAlgn="b"/>
+                      <a:r>
+                        <a:rPr lang="en-US" sz="1100" u="none" strike="noStrike">
+                          <a:effectLst/>
+                        </a:rPr>
+                        <a:t>Jan</a:t>
+                      </a:r>
+                      <a:endParaRPr lang="en-US" sz="1100" b="0" i="0" u="none" strike="noStrike">
+                        <a:solidFill>
+                          <a:srgbClr val="000000"/>
+                        </a:solidFill>
+                        <a:effectLst/>
+                        <a:latin typeface="Calibri" panose="020F0502020204030204" pitchFamily="34" charset="0"/>
+                      </a:endParaRPr>
+                    </a:p>
+                  </a:txBody>
+                  <a:tcPr marL="9525" marR="9525" marT="9525" marB="0" anchor="b"/>
+                </a:tc>
+                <a:tc>
+                  <a:txBody>
+                    <a:bodyPr/>
+                    <a:lstStyle/>
+                    <a:p>
+                      <a:pPr algn="ctr" fontAlgn="b"/>
+                      <a:endParaRPr lang="en-US" sz="1100" b="0" i="0" u="none" strike="noStrike">
+                        <a:solidFill>
+                          <a:srgbClr val="000000"/>
+                        </a:solidFill>
+                        <a:effectLst/>
+                        <a:latin typeface="Calibri" panose="020F0502020204030204" pitchFamily="34" charset="0"/>
+                      </a:endParaRPr>
+                    </a:p>
+                  </a:txBody>
+                  <a:tcPr marL="9525" marR="9525" marT="9525" marB="0" anchor="b"/>
+                </a:tc>
+                <a:tc>
+                  <a:txBody>
+                    <a:bodyPr/>
+                    <a:lstStyle/>
+                    <a:p>
+                      <a:pPr algn="ctr" fontAlgn="b"/>
+                      <a:endParaRPr lang="en-US" sz="1100" b="0" i="0" u="none" strike="noStrike">
+                        <a:solidFill>
+                          <a:srgbClr val="000000"/>
+                        </a:solidFill>
+                        <a:effectLst/>
+                        <a:latin typeface="Calibri" panose="020F0502020204030204" pitchFamily="34" charset="0"/>
+                      </a:endParaRPr>
+                    </a:p>
+                  </a:txBody>
+                  <a:tcPr marL="9525" marR="9525" marT="9525" marB="0" anchor="b"/>
+                </a:tc>
+                <a:tc>
+                  <a:txBody>
+                    <a:bodyPr/>
+                    <a:lstStyle/>
+                    <a:p>
+                      <a:pPr algn="ctr" fontAlgn="b"/>
+                      <a:endParaRPr lang="en-US" sz="1100" b="0" i="0" u="none" strike="noStrike">
+                        <a:solidFill>
+                          <a:srgbClr val="000000"/>
+                        </a:solidFill>
+                        <a:effectLst/>
+                        <a:latin typeface="Calibri" panose="020F0502020204030204" pitchFamily="34" charset="0"/>
+                      </a:endParaRPr>
+                    </a:p>
+                  </a:txBody>
+                  <a:tcPr marL="9525" marR="9525" marT="9525" marB="0" anchor="b"/>
+                </a:tc>
+                <a:tc>
+                  <a:txBody>
+                    <a:bodyPr/>
+                    <a:lstStyle/>
+                    <a:p>
+                      <a:pPr algn="ctr" fontAlgn="b"/>
+                      <a:endParaRPr lang="en-US" sz="1100" b="0" i="0" u="none" strike="noStrike">
+                        <a:solidFill>
+                          <a:srgbClr val="000000"/>
+                        </a:solidFill>
+                        <a:effectLst/>
+                        <a:latin typeface="Calibri" panose="020F0502020204030204" pitchFamily="34" charset="0"/>
+                      </a:endParaRPr>
+                    </a:p>
+                  </a:txBody>
+                  <a:tcPr marL="9525" marR="9525" marT="9525" marB="0" anchor="b"/>
+                </a:tc>
+              </a:tr>
+              <a:tr h="206683">
+                <a:tc>
+                  <a:txBody>
+                    <a:bodyPr/>
+                    <a:lstStyle/>
+                    <a:p>
+                      <a:pPr algn="l" fontAlgn="b"/>
+                      <a:r>
+                        <a:rPr lang="en-US" sz="1100" u="none" strike="noStrike">
+                          <a:effectLst/>
+                        </a:rPr>
+                        <a:t>Feb</a:t>
+                      </a:r>
+                      <a:endParaRPr lang="en-US" sz="1100" b="0" i="0" u="none" strike="noStrike">
+                        <a:solidFill>
+                          <a:srgbClr val="000000"/>
+                        </a:solidFill>
+                        <a:effectLst/>
+                        <a:latin typeface="Calibri" panose="020F0502020204030204" pitchFamily="34" charset="0"/>
+                      </a:endParaRPr>
+                    </a:p>
+                  </a:txBody>
+                  <a:tcPr marL="9525" marR="9525" marT="9525" marB="0" anchor="b"/>
+                </a:tc>
+                <a:tc>
+                  <a:txBody>
+                    <a:bodyPr/>
+                    <a:lstStyle/>
+                    <a:p>
+                      <a:pPr algn="ctr" fontAlgn="b"/>
+                      <a:endParaRPr lang="en-US" sz="1100" b="0" i="0" u="none" strike="noStrike">
+                        <a:solidFill>
+                          <a:srgbClr val="000000"/>
+                        </a:solidFill>
+                        <a:effectLst/>
+                        <a:latin typeface="Calibri" panose="020F0502020204030204" pitchFamily="34" charset="0"/>
+                      </a:endParaRPr>
+                    </a:p>
+                  </a:txBody>
+                  <a:tcPr marL="9525" marR="9525" marT="9525" marB="0" anchor="b"/>
+                </a:tc>
+                <a:tc>
+                  <a:txBody>
+                    <a:bodyPr/>
+                    <a:lstStyle/>
+                    <a:p>
+                      <a:pPr algn="ctr" fontAlgn="b"/>
+                      <a:endParaRPr lang="en-US" sz="1100" b="0" i="0" u="none" strike="noStrike">
+                        <a:solidFill>
+                          <a:srgbClr val="000000"/>
+                        </a:solidFill>
+                        <a:effectLst/>
+                        <a:latin typeface="Calibri" panose="020F0502020204030204" pitchFamily="34" charset="0"/>
+                      </a:endParaRPr>
+                    </a:p>
+                  </a:txBody>
+                  <a:tcPr marL="9525" marR="9525" marT="9525" marB="0" anchor="b"/>
+                </a:tc>
+                <a:tc>
+                  <a:txBody>
+                    <a:bodyPr/>
+                    <a:lstStyle/>
+                    <a:p>
+                      <a:pPr algn="ctr" fontAlgn="b"/>
+                      <a:endParaRPr lang="en-US" sz="1100" b="0" i="0" u="none" strike="noStrike">
+                        <a:solidFill>
+                          <a:srgbClr val="000000"/>
+                        </a:solidFill>
+                        <a:effectLst/>
+                        <a:latin typeface="Calibri" panose="020F0502020204030204" pitchFamily="34" charset="0"/>
+                      </a:endParaRPr>
+                    </a:p>
+                  </a:txBody>
+                  <a:tcPr marL="9525" marR="9525" marT="9525" marB="0" anchor="b"/>
+                </a:tc>
+                <a:tc>
+                  <a:txBody>
+                    <a:bodyPr/>
+                    <a:lstStyle/>
+                    <a:p>
+                      <a:pPr algn="ctr" fontAlgn="b"/>
+                      <a:endParaRPr lang="en-US" sz="1100" b="0" i="0" u="none" strike="noStrike">
+                        <a:solidFill>
+                          <a:srgbClr val="000000"/>
+                        </a:solidFill>
+                        <a:effectLst/>
+                        <a:latin typeface="Calibri" panose="020F0502020204030204" pitchFamily="34" charset="0"/>
+                      </a:endParaRPr>
+                    </a:p>
+                  </a:txBody>
+                  <a:tcPr marL="9525" marR="9525" marT="9525" marB="0" anchor="b"/>
+                </a:tc>
+              </a:tr>
+              <a:tr h="206683">
+                <a:tc>
+                  <a:txBody>
+                    <a:bodyPr/>
+                    <a:lstStyle/>
+                    <a:p>
+                      <a:pPr algn="l" fontAlgn="b"/>
+                      <a:r>
+                        <a:rPr lang="en-US" sz="1100" u="none" strike="noStrike">
+                          <a:effectLst/>
+                        </a:rPr>
+                        <a:t>Mar</a:t>
+                      </a:r>
+                      <a:endParaRPr lang="en-US" sz="1100" b="0" i="0" u="none" strike="noStrike">
+                        <a:solidFill>
+                          <a:srgbClr val="000000"/>
+                        </a:solidFill>
+                        <a:effectLst/>
+                        <a:latin typeface="Calibri" panose="020F0502020204030204" pitchFamily="34" charset="0"/>
+                      </a:endParaRPr>
+                    </a:p>
+                  </a:txBody>
+                  <a:tcPr marL="9525" marR="9525" marT="9525" marB="0" anchor="b"/>
+                </a:tc>
+                <a:tc>
+                  <a:txBody>
+                    <a:bodyPr/>
+                    <a:lstStyle/>
+                    <a:p>
+                      <a:pPr algn="ctr" fontAlgn="b"/>
+                      <a:endParaRPr lang="en-US" sz="1100" b="0" i="0" u="none" strike="noStrike">
+                        <a:solidFill>
+                          <a:srgbClr val="000000"/>
+                        </a:solidFill>
+                        <a:effectLst/>
+                        <a:latin typeface="Calibri" panose="020F0502020204030204" pitchFamily="34" charset="0"/>
+                      </a:endParaRPr>
+                    </a:p>
+                  </a:txBody>
+                  <a:tcPr marL="9525" marR="9525" marT="9525" marB="0" anchor="b"/>
+                </a:tc>
+                <a:tc>
+                  <a:txBody>
+                    <a:bodyPr/>
+                    <a:lstStyle/>
+                    <a:p>
+                      <a:pPr algn="ctr" fontAlgn="b"/>
+                      <a:endParaRPr lang="en-US" sz="1100" b="0" i="0" u="none" strike="noStrike">
+                        <a:solidFill>
+                          <a:srgbClr val="000000"/>
+                        </a:solidFill>
+                        <a:effectLst/>
+                        <a:latin typeface="Calibri" panose="020F0502020204030204" pitchFamily="34" charset="0"/>
+                      </a:endParaRPr>
+                    </a:p>
+                  </a:txBody>
+                  <a:tcPr marL="9525" marR="9525" marT="9525" marB="0" anchor="b"/>
+                </a:tc>
+                <a:tc>
+                  <a:txBody>
+                    <a:bodyPr/>
+                    <a:lstStyle/>
+                    <a:p>
+                      <a:pPr algn="ctr" fontAlgn="b"/>
+                      <a:endParaRPr lang="en-US" sz="1100" b="0" i="0" u="none" strike="noStrike">
+                        <a:solidFill>
+                          <a:srgbClr val="000000"/>
+                        </a:solidFill>
+                        <a:effectLst/>
+                        <a:latin typeface="Calibri" panose="020F0502020204030204" pitchFamily="34" charset="0"/>
+                      </a:endParaRPr>
+                    </a:p>
+                  </a:txBody>
+                  <a:tcPr marL="9525" marR="9525" marT="9525" marB="0" anchor="b"/>
+                </a:tc>
+                <a:tc>
+                  <a:txBody>
+                    <a:bodyPr/>
+                    <a:lstStyle/>
+                    <a:p>
+                      <a:pPr algn="ctr" fontAlgn="b"/>
+                      <a:endParaRPr lang="en-US" sz="1100" b="0" i="0" u="none" strike="noStrike">
+                        <a:solidFill>
+                          <a:srgbClr val="000000"/>
+                        </a:solidFill>
+                        <a:effectLst/>
+                        <a:latin typeface="Calibri" panose="020F0502020204030204" pitchFamily="34" charset="0"/>
+                      </a:endParaRPr>
+                    </a:p>
+                  </a:txBody>
+                  <a:tcPr marL="9525" marR="9525" marT="9525" marB="0" anchor="b"/>
+                </a:tc>
+              </a:tr>
+              <a:tr h="206683">
+                <a:tc>
+                  <a:txBody>
+                    <a:bodyPr/>
+                    <a:lstStyle/>
+                    <a:p>
+                      <a:pPr algn="l" fontAlgn="b"/>
+                      <a:r>
+                        <a:rPr lang="en-US" sz="1100" u="none" strike="noStrike">
+                          <a:effectLst/>
+                        </a:rPr>
+                        <a:t>Apr</a:t>
+                      </a:r>
+                      <a:endParaRPr lang="en-US" sz="1100" b="0" i="0" u="none" strike="noStrike">
+                        <a:solidFill>
+                          <a:srgbClr val="000000"/>
+                        </a:solidFill>
+                        <a:effectLst/>
+                        <a:latin typeface="Calibri" panose="020F0502020204030204" pitchFamily="34" charset="0"/>
+                      </a:endParaRPr>
+                    </a:p>
+                  </a:txBody>
+                  <a:tcPr marL="9525" marR="9525" marT="9525" marB="0" anchor="b"/>
+                </a:tc>
+                <a:tc>
+                  <a:txBody>
+                    <a:bodyPr/>
+                    <a:lstStyle/>
+                    <a:p>
+                      <a:pPr algn="ctr" fontAlgn="b"/>
+                      <a:endParaRPr lang="en-US" sz="1100" b="0" i="0" u="none" strike="noStrike">
+                        <a:solidFill>
+                          <a:srgbClr val="000000"/>
+                        </a:solidFill>
+                        <a:effectLst/>
+                        <a:latin typeface="Calibri" panose="020F0502020204030204" pitchFamily="34" charset="0"/>
+                      </a:endParaRPr>
+                    </a:p>
+                  </a:txBody>
+                  <a:tcPr marL="9525" marR="9525" marT="9525" marB="0" anchor="b"/>
+                </a:tc>
+                <a:tc>
+                  <a:txBody>
+                    <a:bodyPr/>
+                    <a:lstStyle/>
+                    <a:p>
+                      <a:pPr algn="ctr" fontAlgn="b"/>
+                      <a:endParaRPr lang="en-US" sz="1100" b="0" i="0" u="none" strike="noStrike">
+                        <a:solidFill>
+                          <a:srgbClr val="000000"/>
+                        </a:solidFill>
+                        <a:effectLst/>
+                        <a:latin typeface="Calibri" panose="020F0502020204030204" pitchFamily="34" charset="0"/>
+                      </a:endParaRPr>
+                    </a:p>
+                  </a:txBody>
+                  <a:tcPr marL="9525" marR="9525" marT="9525" marB="0" anchor="b"/>
+                </a:tc>
+                <a:tc>
+                  <a:txBody>
+                    <a:bodyPr/>
+                    <a:lstStyle/>
+                    <a:p>
+                      <a:pPr algn="ctr" fontAlgn="b"/>
+                      <a:endParaRPr lang="en-US" sz="1100" b="0" i="0" u="none" strike="noStrike">
+                        <a:solidFill>
+                          <a:srgbClr val="000000"/>
+                        </a:solidFill>
+                        <a:effectLst/>
+                        <a:latin typeface="Calibri" panose="020F0502020204030204" pitchFamily="34" charset="0"/>
+                      </a:endParaRPr>
+                    </a:p>
+                  </a:txBody>
+                  <a:tcPr marL="9525" marR="9525" marT="9525" marB="0" anchor="b"/>
+                </a:tc>
+                <a:tc>
+                  <a:txBody>
+                    <a:bodyPr/>
+                    <a:lstStyle/>
+                    <a:p>
+                      <a:pPr algn="ctr" fontAlgn="b"/>
+                      <a:endParaRPr lang="en-US" sz="1100" b="0" i="0" u="none" strike="noStrike">
+                        <a:solidFill>
+                          <a:srgbClr val="000000"/>
+                        </a:solidFill>
+                        <a:effectLst/>
+                        <a:latin typeface="Calibri" panose="020F0502020204030204" pitchFamily="34" charset="0"/>
+                      </a:endParaRPr>
+                    </a:p>
+                  </a:txBody>
+                  <a:tcPr marL="9525" marR="9525" marT="9525" marB="0" anchor="b"/>
+                </a:tc>
+              </a:tr>
+              <a:tr h="206683">
+                <a:tc>
+                  <a:txBody>
+                    <a:bodyPr/>
+                    <a:lstStyle/>
+                    <a:p>
+                      <a:pPr algn="l" fontAlgn="b"/>
+                      <a:r>
+                        <a:rPr lang="en-US" sz="1100" u="none" strike="noStrike">
+                          <a:effectLst/>
+                        </a:rPr>
+                        <a:t>May</a:t>
+                      </a:r>
+                      <a:endParaRPr lang="en-US" sz="1100" b="0" i="0" u="none" strike="noStrike">
+                        <a:solidFill>
+                          <a:srgbClr val="000000"/>
+                        </a:solidFill>
+                        <a:effectLst/>
+                        <a:latin typeface="Calibri" panose="020F0502020204030204" pitchFamily="34" charset="0"/>
+                      </a:endParaRPr>
+                    </a:p>
+                  </a:txBody>
+                  <a:tcPr marL="9525" marR="9525" marT="9525" marB="0" anchor="b"/>
+                </a:tc>
+                <a:tc>
+                  <a:txBody>
+                    <a:bodyPr/>
+                    <a:lstStyle/>
+                    <a:p>
+                      <a:pPr algn="ctr" fontAlgn="b"/>
+                      <a:endParaRPr lang="en-US" sz="1100" b="0" i="0" u="none" strike="noStrike">
+                        <a:solidFill>
+                          <a:srgbClr val="000000"/>
+                        </a:solidFill>
+                        <a:effectLst/>
+                        <a:latin typeface="Calibri" panose="020F0502020204030204" pitchFamily="34" charset="0"/>
+                      </a:endParaRPr>
+                    </a:p>
+                  </a:txBody>
+                  <a:tcPr marL="9525" marR="9525" marT="9525" marB="0" anchor="b"/>
+                </a:tc>
+                <a:tc>
+                  <a:txBody>
+                    <a:bodyPr/>
+                    <a:lstStyle/>
+                    <a:p>
+                      <a:pPr algn="ctr" fontAlgn="b"/>
+                      <a:endParaRPr lang="en-US" sz="1100" b="0" i="0" u="none" strike="noStrike">
+                        <a:solidFill>
+                          <a:srgbClr val="000000"/>
+                        </a:solidFill>
+                        <a:effectLst/>
+                        <a:latin typeface="Calibri" panose="020F0502020204030204" pitchFamily="34" charset="0"/>
+                      </a:endParaRPr>
+                    </a:p>
+                  </a:txBody>
+                  <a:tcPr marL="9525" marR="9525" marT="9525" marB="0" anchor="b"/>
+                </a:tc>
+                <a:tc>
+                  <a:txBody>
+                    <a:bodyPr/>
+                    <a:lstStyle/>
+                    <a:p>
+                      <a:pPr algn="ctr" fontAlgn="b"/>
+                      <a:endParaRPr lang="en-US" sz="1100" b="0" i="0" u="none" strike="noStrike">
+                        <a:solidFill>
+                          <a:srgbClr val="000000"/>
+                        </a:solidFill>
+                        <a:effectLst/>
+                        <a:latin typeface="Calibri" panose="020F0502020204030204" pitchFamily="34" charset="0"/>
+                      </a:endParaRPr>
+                    </a:p>
+                  </a:txBody>
+                  <a:tcPr marL="9525" marR="9525" marT="9525" marB="0" anchor="b"/>
+                </a:tc>
+                <a:tc>
+                  <a:txBody>
+                    <a:bodyPr/>
+                    <a:lstStyle/>
+                    <a:p>
+                      <a:pPr algn="ctr" fontAlgn="b"/>
+                      <a:endParaRPr lang="en-US" sz="1100" b="0" i="0" u="none" strike="noStrike">
+                        <a:solidFill>
+                          <a:srgbClr val="000000"/>
+                        </a:solidFill>
+                        <a:effectLst/>
+                        <a:latin typeface="Calibri" panose="020F0502020204030204" pitchFamily="34" charset="0"/>
+                      </a:endParaRPr>
+                    </a:p>
+                  </a:txBody>
+                  <a:tcPr marL="9525" marR="9525" marT="9525" marB="0" anchor="b"/>
+                </a:tc>
+              </a:tr>
+              <a:tr h="217018">
+                <a:tc>
+                  <a:txBody>
+                    <a:bodyPr/>
+                    <a:lstStyle/>
+                    <a:p>
+                      <a:pPr algn="l" fontAlgn="b"/>
+                      <a:r>
+                        <a:rPr lang="en-US" sz="1100" u="none" strike="noStrike">
+                          <a:effectLst/>
+                        </a:rPr>
+                        <a:t>Jun</a:t>
+                      </a:r>
+                      <a:endParaRPr lang="en-US" sz="1100" b="0" i="0" u="none" strike="noStrike">
+                        <a:solidFill>
+                          <a:srgbClr val="000000"/>
+                        </a:solidFill>
+                        <a:effectLst/>
+                        <a:latin typeface="Calibri" panose="020F0502020204030204" pitchFamily="34" charset="0"/>
+                      </a:endParaRPr>
+                    </a:p>
+                  </a:txBody>
+                  <a:tcPr marL="9525" marR="9525" marT="9525" marB="0" anchor="b"/>
+                </a:tc>
+                <a:tc>
+                  <a:txBody>
+                    <a:bodyPr/>
+                    <a:lstStyle/>
+                    <a:p>
+                      <a:pPr algn="ctr" fontAlgn="b"/>
+                      <a:endParaRPr lang="en-US" sz="1100" b="0" i="0" u="none" strike="noStrike">
+                        <a:solidFill>
+                          <a:srgbClr val="000000"/>
+                        </a:solidFill>
+                        <a:effectLst/>
+                        <a:latin typeface="Calibri" panose="020F0502020204030204" pitchFamily="34" charset="0"/>
+                      </a:endParaRPr>
+                    </a:p>
+                  </a:txBody>
+                  <a:tcPr marL="9525" marR="9525" marT="9525" marB="0" anchor="b"/>
+                </a:tc>
+                <a:tc>
+                  <a:txBody>
+                    <a:bodyPr/>
+                    <a:lstStyle/>
+                    <a:p>
+                      <a:pPr algn="ctr" fontAlgn="b"/>
+                      <a:endParaRPr lang="en-US" sz="1100" b="0" i="0" u="none" strike="noStrike">
+                        <a:solidFill>
+                          <a:srgbClr val="000000"/>
+                        </a:solidFill>
+                        <a:effectLst/>
+                        <a:latin typeface="Calibri" panose="020F0502020204030204" pitchFamily="34" charset="0"/>
+                      </a:endParaRPr>
+                    </a:p>
+                  </a:txBody>
+                  <a:tcPr marL="9525" marR="9525" marT="9525" marB="0" anchor="b"/>
+                </a:tc>
+                <a:tc>
+                  <a:txBody>
+                    <a:bodyPr/>
+                    <a:lstStyle/>
+                    <a:p>
+                      <a:pPr algn="ctr" fontAlgn="b"/>
+                      <a:endParaRPr lang="en-US" sz="1100" b="0" i="0" u="none" strike="noStrike">
+                        <a:solidFill>
+                          <a:srgbClr val="000000"/>
+                        </a:solidFill>
+                        <a:effectLst/>
+                        <a:latin typeface="Calibri" panose="020F0502020204030204" pitchFamily="34" charset="0"/>
+                      </a:endParaRPr>
+                    </a:p>
+                  </a:txBody>
+                  <a:tcPr marL="9525" marR="9525" marT="9525" marB="0" anchor="b"/>
+                </a:tc>
+                <a:tc>
+                  <a:txBody>
+                    <a:bodyPr/>
+                    <a:lstStyle/>
+                    <a:p>
+                      <a:pPr algn="ctr" fontAlgn="b"/>
+                      <a:endParaRPr lang="en-US" sz="1100" b="0" i="0" u="none" strike="noStrike">
+                        <a:solidFill>
+                          <a:srgbClr val="000000"/>
+                        </a:solidFill>
+                        <a:effectLst/>
+                        <a:latin typeface="Calibri" panose="020F0502020204030204" pitchFamily="34" charset="0"/>
+                      </a:endParaRPr>
+                    </a:p>
+                  </a:txBody>
+                  <a:tcPr marL="9525" marR="9525" marT="9525" marB="0" anchor="b"/>
+                </a:tc>
+              </a:tr>
+              <a:tr h="217018">
+                <a:tc>
+                  <a:txBody>
+                    <a:bodyPr/>
+                    <a:lstStyle/>
+                    <a:p>
+                      <a:pPr algn="l" fontAlgn="b"/>
+                      <a:r>
+                        <a:rPr lang="en-US" sz="1100" u="none" strike="noStrike">
+                          <a:effectLst/>
+                        </a:rPr>
+                        <a:t>Jul</a:t>
+                      </a:r>
+                      <a:endParaRPr lang="en-US" sz="1100" b="0" i="0" u="none" strike="noStrike">
+                        <a:solidFill>
+                          <a:srgbClr val="000000"/>
+                        </a:solidFill>
+                        <a:effectLst/>
+                        <a:latin typeface="Calibri" panose="020F0502020204030204" pitchFamily="34" charset="0"/>
+                      </a:endParaRPr>
+                    </a:p>
+                  </a:txBody>
+                  <a:tcPr marL="9525" marR="9525" marT="9525" marB="0" anchor="b"/>
+                </a:tc>
+                <a:tc>
+                  <a:txBody>
+                    <a:bodyPr/>
+                    <a:lstStyle/>
+                    <a:p>
+                      <a:pPr algn="ctr" fontAlgn="b"/>
+                      <a:endParaRPr lang="en-US" sz="1100" b="0" i="0" u="none" strike="noStrike">
+                        <a:solidFill>
+                          <a:srgbClr val="000000"/>
+                        </a:solidFill>
+                        <a:effectLst/>
+                        <a:latin typeface="Calibri" panose="020F0502020204030204" pitchFamily="34" charset="0"/>
+                      </a:endParaRPr>
+                    </a:p>
+                  </a:txBody>
+                  <a:tcPr marL="9525" marR="9525" marT="9525" marB="0" anchor="b"/>
+                </a:tc>
+                <a:tc>
+                  <a:txBody>
+                    <a:bodyPr/>
+                    <a:lstStyle/>
+                    <a:p>
+                      <a:pPr algn="ctr" fontAlgn="b"/>
+                      <a:r>
+                        <a:rPr lang="en-US" sz="1100" u="none" strike="noStrike">
+                          <a:effectLst/>
+                        </a:rPr>
+                        <a:t>10</a:t>
+                      </a:r>
+                      <a:endParaRPr lang="en-US" sz="1100" b="0" i="0" u="none" strike="noStrike">
+                        <a:solidFill>
+                          <a:srgbClr val="000000"/>
+                        </a:solidFill>
+                        <a:effectLst/>
+                        <a:latin typeface="Calibri" panose="020F0502020204030204" pitchFamily="34" charset="0"/>
+                      </a:endParaRPr>
+                    </a:p>
+                  </a:txBody>
+                  <a:tcPr marL="9525" marR="9525" marT="9525" marB="0" anchor="b"/>
+                </a:tc>
+                <a:tc>
+                  <a:txBody>
+                    <a:bodyPr/>
+                    <a:lstStyle/>
+                    <a:p>
+                      <a:pPr algn="ctr" fontAlgn="b"/>
+                      <a:endParaRPr lang="en-US" sz="1100" b="0" i="0" u="none" strike="noStrike">
+                        <a:solidFill>
+                          <a:srgbClr val="000000"/>
+                        </a:solidFill>
+                        <a:effectLst/>
+                        <a:latin typeface="Calibri" panose="020F0502020204030204" pitchFamily="34" charset="0"/>
+                      </a:endParaRPr>
+                    </a:p>
+                  </a:txBody>
+                  <a:tcPr marL="9525" marR="9525" marT="9525" marB="0" anchor="b"/>
+                </a:tc>
+                <a:tc>
+                  <a:txBody>
+                    <a:bodyPr/>
+                    <a:lstStyle/>
+                    <a:p>
+                      <a:pPr algn="ctr" fontAlgn="b"/>
+                      <a:endParaRPr lang="en-US" sz="1100" b="0" i="0" u="none" strike="noStrike">
+                        <a:solidFill>
+                          <a:srgbClr val="000000"/>
+                        </a:solidFill>
+                        <a:effectLst/>
+                        <a:latin typeface="Calibri" panose="020F0502020204030204" pitchFamily="34" charset="0"/>
+                      </a:endParaRPr>
+                    </a:p>
+                  </a:txBody>
+                  <a:tcPr marL="9525" marR="9525" marT="9525" marB="0" anchor="b"/>
+                </a:tc>
+              </a:tr>
+              <a:tr h="217018">
+                <a:tc>
+                  <a:txBody>
+                    <a:bodyPr/>
+                    <a:lstStyle/>
+                    <a:p>
+                      <a:pPr algn="l" fontAlgn="b"/>
+                      <a:r>
+                        <a:rPr lang="en-US" sz="1100" u="none" strike="noStrike">
+                          <a:effectLst/>
+                        </a:rPr>
+                        <a:t>Aug</a:t>
+                      </a:r>
+                      <a:endParaRPr lang="en-US" sz="1100" b="0" i="0" u="none" strike="noStrike">
+                        <a:solidFill>
+                          <a:srgbClr val="000000"/>
+                        </a:solidFill>
+                        <a:effectLst/>
+                        <a:latin typeface="Calibri" panose="020F0502020204030204" pitchFamily="34" charset="0"/>
+                      </a:endParaRPr>
+                    </a:p>
+                  </a:txBody>
+                  <a:tcPr marL="9525" marR="9525" marT="9525" marB="0" anchor="b"/>
+                </a:tc>
+                <a:tc>
+                  <a:txBody>
+                    <a:bodyPr/>
+                    <a:lstStyle/>
+                    <a:p>
+                      <a:pPr algn="ctr" fontAlgn="b"/>
+                      <a:endParaRPr lang="en-US" sz="1100" b="0" i="0" u="none" strike="noStrike">
+                        <a:solidFill>
+                          <a:srgbClr val="000000"/>
+                        </a:solidFill>
+                        <a:effectLst/>
+                        <a:latin typeface="Calibri" panose="020F0502020204030204" pitchFamily="34" charset="0"/>
+                      </a:endParaRPr>
+                    </a:p>
+                  </a:txBody>
+                  <a:tcPr marL="9525" marR="9525" marT="9525" marB="0" anchor="b"/>
+                </a:tc>
+                <a:tc>
+                  <a:txBody>
+                    <a:bodyPr/>
+                    <a:lstStyle/>
+                    <a:p>
+                      <a:pPr algn="ctr" fontAlgn="b"/>
+                      <a:r>
+                        <a:rPr lang="en-US" sz="1100" u="none" strike="noStrike">
+                          <a:effectLst/>
+                        </a:rPr>
+                        <a:t>25</a:t>
+                      </a:r>
+                      <a:endParaRPr lang="en-US" sz="1100" b="0" i="0" u="none" strike="noStrike">
+                        <a:solidFill>
+                          <a:srgbClr val="000000"/>
+                        </a:solidFill>
+                        <a:effectLst/>
+                        <a:latin typeface="Calibri" panose="020F0502020204030204" pitchFamily="34" charset="0"/>
+                      </a:endParaRPr>
+                    </a:p>
+                  </a:txBody>
+                  <a:tcPr marL="9525" marR="9525" marT="9525" marB="0" anchor="b"/>
+                </a:tc>
+                <a:tc>
+                  <a:txBody>
+                    <a:bodyPr/>
+                    <a:lstStyle/>
+                    <a:p>
+                      <a:pPr algn="ctr" fontAlgn="b"/>
+                      <a:r>
+                        <a:rPr lang="en-US" sz="1100" u="none" strike="noStrike">
+                          <a:effectLst/>
+                        </a:rPr>
+                        <a:t> </a:t>
+                      </a:r>
+                      <a:endParaRPr lang="en-US" sz="1100" b="0" i="0" u="none" strike="noStrike">
+                        <a:solidFill>
+                          <a:srgbClr val="000000"/>
+                        </a:solidFill>
+                        <a:effectLst/>
+                        <a:latin typeface="Calibri" panose="020F0502020204030204" pitchFamily="34" charset="0"/>
+                      </a:endParaRPr>
+                    </a:p>
+                  </a:txBody>
+                  <a:tcPr marL="9525" marR="9525" marT="9525" marB="0" anchor="b"/>
+                </a:tc>
+                <a:tc>
+                  <a:txBody>
+                    <a:bodyPr/>
+                    <a:lstStyle/>
+                    <a:p>
+                      <a:pPr algn="ctr" fontAlgn="b"/>
+                      <a:endParaRPr lang="en-US" sz="1100" b="0" i="0" u="none" strike="noStrike">
+                        <a:solidFill>
+                          <a:srgbClr val="000000"/>
+                        </a:solidFill>
+                        <a:effectLst/>
+                        <a:latin typeface="Calibri" panose="020F0502020204030204" pitchFamily="34" charset="0"/>
+                      </a:endParaRPr>
+                    </a:p>
+                  </a:txBody>
+                  <a:tcPr marL="9525" marR="9525" marT="9525" marB="0" anchor="b"/>
+                </a:tc>
+              </a:tr>
+              <a:tr h="217018">
+                <a:tc>
+                  <a:txBody>
+                    <a:bodyPr/>
+                    <a:lstStyle/>
+                    <a:p>
+                      <a:pPr algn="l" fontAlgn="b"/>
+                      <a:r>
+                        <a:rPr lang="en-US" sz="1100" u="none" strike="noStrike">
+                          <a:effectLst/>
+                        </a:rPr>
+                        <a:t>Sep</a:t>
+                      </a:r>
+                      <a:endParaRPr lang="en-US" sz="1100" b="0" i="0" u="none" strike="noStrike">
+                        <a:solidFill>
+                          <a:srgbClr val="000000"/>
+                        </a:solidFill>
+                        <a:effectLst/>
+                        <a:latin typeface="Calibri" panose="020F0502020204030204" pitchFamily="34" charset="0"/>
+                      </a:endParaRPr>
+                    </a:p>
+                  </a:txBody>
+                  <a:tcPr marL="9525" marR="9525" marT="9525" marB="0" anchor="b"/>
+                </a:tc>
+                <a:tc>
+                  <a:txBody>
+                    <a:bodyPr/>
+                    <a:lstStyle/>
+                    <a:p>
+                      <a:pPr algn="ctr" fontAlgn="b"/>
+                      <a:r>
+                        <a:rPr lang="en-US" sz="1100" u="none" strike="noStrike">
+                          <a:effectLst/>
+                        </a:rPr>
+                        <a:t> </a:t>
+                      </a:r>
+                      <a:endParaRPr lang="en-US" sz="1100" b="0" i="0" u="none" strike="noStrike">
+                        <a:solidFill>
+                          <a:srgbClr val="000000"/>
+                        </a:solidFill>
+                        <a:effectLst/>
+                        <a:latin typeface="Calibri" panose="020F0502020204030204" pitchFamily="34" charset="0"/>
+                      </a:endParaRPr>
+                    </a:p>
+                  </a:txBody>
+                  <a:tcPr marL="9525" marR="9525" marT="9525" marB="0" anchor="b"/>
+                </a:tc>
+                <a:tc>
+                  <a:txBody>
+                    <a:bodyPr/>
+                    <a:lstStyle/>
+                    <a:p>
+                      <a:pPr algn="ctr" fontAlgn="b"/>
+                      <a:endParaRPr lang="en-US" sz="1100" b="0" i="0" u="none" strike="noStrike">
+                        <a:solidFill>
+                          <a:srgbClr val="000000"/>
+                        </a:solidFill>
+                        <a:effectLst/>
+                        <a:latin typeface="Calibri" panose="020F0502020204030204" pitchFamily="34" charset="0"/>
+                      </a:endParaRPr>
+                    </a:p>
+                  </a:txBody>
+                  <a:tcPr marL="9525" marR="9525" marT="9525" marB="0" anchor="b"/>
+                </a:tc>
+                <a:tc>
+                  <a:txBody>
+                    <a:bodyPr/>
+                    <a:lstStyle/>
+                    <a:p>
+                      <a:pPr algn="ctr" fontAlgn="b"/>
+                      <a:r>
+                        <a:rPr lang="en-US" sz="1100" u="none" strike="noStrike">
+                          <a:effectLst/>
+                        </a:rPr>
+                        <a:t>25</a:t>
+                      </a:r>
+                      <a:endParaRPr lang="en-US" sz="1100" b="0" i="0" u="none" strike="noStrike">
+                        <a:solidFill>
+                          <a:srgbClr val="000000"/>
+                        </a:solidFill>
+                        <a:effectLst/>
+                        <a:latin typeface="Calibri" panose="020F0502020204030204" pitchFamily="34" charset="0"/>
+                      </a:endParaRPr>
+                    </a:p>
+                  </a:txBody>
+                  <a:tcPr marL="9525" marR="9525" marT="9525" marB="0" anchor="b"/>
+                </a:tc>
+                <a:tc>
+                  <a:txBody>
+                    <a:bodyPr/>
+                    <a:lstStyle/>
+                    <a:p>
+                      <a:pPr algn="ctr" fontAlgn="b"/>
+                      <a:endParaRPr lang="en-US" sz="1100" b="0" i="0" u="none" strike="noStrike">
+                        <a:solidFill>
+                          <a:srgbClr val="000000"/>
+                        </a:solidFill>
+                        <a:effectLst/>
+                        <a:latin typeface="Calibri" panose="020F0502020204030204" pitchFamily="34" charset="0"/>
+                      </a:endParaRPr>
+                    </a:p>
+                  </a:txBody>
+                  <a:tcPr marL="9525" marR="9525" marT="9525" marB="0" anchor="b"/>
+                </a:tc>
+              </a:tr>
+              <a:tr h="217018">
+                <a:tc>
+                  <a:txBody>
+                    <a:bodyPr/>
+                    <a:lstStyle/>
+                    <a:p>
+                      <a:pPr algn="l" fontAlgn="b"/>
+                      <a:r>
+                        <a:rPr lang="en-US" sz="1100" u="none" strike="noStrike">
+                          <a:effectLst/>
+                        </a:rPr>
+                        <a:t>Oct</a:t>
+                      </a:r>
+                      <a:endParaRPr lang="en-US" sz="1100" b="0" i="0" u="none" strike="noStrike">
+                        <a:solidFill>
+                          <a:srgbClr val="000000"/>
+                        </a:solidFill>
+                        <a:effectLst/>
+                        <a:latin typeface="Calibri" panose="020F0502020204030204" pitchFamily="34" charset="0"/>
+                      </a:endParaRPr>
+                    </a:p>
+                  </a:txBody>
+                  <a:tcPr marL="9525" marR="9525" marT="9525" marB="0" anchor="b"/>
+                </a:tc>
+                <a:tc>
+                  <a:txBody>
+                    <a:bodyPr/>
+                    <a:lstStyle/>
+                    <a:p>
+                      <a:pPr algn="ctr" fontAlgn="b"/>
+                      <a:r>
+                        <a:rPr lang="en-US" sz="1100" u="none" strike="noStrike">
+                          <a:effectLst/>
+                        </a:rPr>
+                        <a:t>25</a:t>
+                      </a:r>
+                      <a:endParaRPr lang="en-US" sz="1100" b="0" i="0" u="none" strike="noStrike">
+                        <a:solidFill>
+                          <a:srgbClr val="000000"/>
+                        </a:solidFill>
+                        <a:effectLst/>
+                        <a:latin typeface="Calibri" panose="020F0502020204030204" pitchFamily="34" charset="0"/>
+                      </a:endParaRPr>
+                    </a:p>
+                  </a:txBody>
+                  <a:tcPr marL="9525" marR="9525" marT="9525" marB="0" anchor="b"/>
+                </a:tc>
+                <a:tc>
+                  <a:txBody>
+                    <a:bodyPr/>
+                    <a:lstStyle/>
+                    <a:p>
+                      <a:pPr algn="ctr" fontAlgn="b"/>
+                      <a:endParaRPr lang="en-US" sz="1100" b="0" i="0" u="none" strike="noStrike">
+                        <a:solidFill>
+                          <a:srgbClr val="000000"/>
+                        </a:solidFill>
+                        <a:effectLst/>
+                        <a:latin typeface="Calibri" panose="020F0502020204030204" pitchFamily="34" charset="0"/>
+                      </a:endParaRPr>
+                    </a:p>
+                  </a:txBody>
+                  <a:tcPr marL="9525" marR="9525" marT="9525" marB="0" anchor="b"/>
+                </a:tc>
+                <a:tc>
+                  <a:txBody>
+                    <a:bodyPr/>
+                    <a:lstStyle/>
+                    <a:p>
+                      <a:pPr algn="ctr" fontAlgn="b"/>
+                      <a:r>
+                        <a:rPr lang="en-US" sz="1100" u="none" strike="noStrike">
+                          <a:effectLst/>
+                        </a:rPr>
+                        <a:t>250</a:t>
+                      </a:r>
+                      <a:endParaRPr lang="en-US" sz="1100" b="0" i="0" u="none" strike="noStrike">
+                        <a:solidFill>
+                          <a:srgbClr val="000000"/>
+                        </a:solidFill>
+                        <a:effectLst/>
+                        <a:latin typeface="Calibri" panose="020F0502020204030204" pitchFamily="34" charset="0"/>
+                      </a:endParaRPr>
+                    </a:p>
+                  </a:txBody>
+                  <a:tcPr marL="9525" marR="9525" marT="9525" marB="0" anchor="b"/>
+                </a:tc>
+                <a:tc>
+                  <a:txBody>
+                    <a:bodyPr/>
+                    <a:lstStyle/>
+                    <a:p>
+                      <a:pPr algn="ctr" fontAlgn="b"/>
+                      <a:r>
+                        <a:rPr lang="en-US" sz="1100" u="none" strike="noStrike">
+                          <a:effectLst/>
+                        </a:rPr>
+                        <a:t> </a:t>
+                      </a:r>
+                      <a:endParaRPr lang="en-US" sz="1100" b="0" i="0" u="none" strike="noStrike">
+                        <a:solidFill>
+                          <a:srgbClr val="000000"/>
+                        </a:solidFill>
+                        <a:effectLst/>
+                        <a:latin typeface="Calibri" panose="020F0502020204030204" pitchFamily="34" charset="0"/>
+                      </a:endParaRPr>
+                    </a:p>
+                  </a:txBody>
+                  <a:tcPr marL="9525" marR="9525" marT="9525" marB="0" anchor="b"/>
+                </a:tc>
+              </a:tr>
+              <a:tr h="206683">
+                <a:tc>
+                  <a:txBody>
+                    <a:bodyPr/>
+                    <a:lstStyle/>
+                    <a:p>
+                      <a:pPr algn="l" fontAlgn="b"/>
+                      <a:r>
+                        <a:rPr lang="en-US" sz="1100" u="none" strike="noStrike">
+                          <a:effectLst/>
+                        </a:rPr>
+                        <a:t>Nov</a:t>
+                      </a:r>
+                      <a:endParaRPr lang="en-US" sz="1100" b="0" i="0" u="none" strike="noStrike">
+                        <a:solidFill>
+                          <a:srgbClr val="000000"/>
+                        </a:solidFill>
+                        <a:effectLst/>
+                        <a:latin typeface="Calibri" panose="020F0502020204030204" pitchFamily="34" charset="0"/>
+                      </a:endParaRPr>
+                    </a:p>
+                  </a:txBody>
+                  <a:tcPr marL="9525" marR="9525" marT="9525" marB="0" anchor="b"/>
+                </a:tc>
+                <a:tc>
+                  <a:txBody>
+                    <a:bodyPr/>
+                    <a:lstStyle/>
+                    <a:p>
+                      <a:pPr algn="ctr" fontAlgn="b"/>
+                      <a:endParaRPr lang="en-US" sz="1100" b="0" i="0" u="none" strike="noStrike">
+                        <a:solidFill>
+                          <a:srgbClr val="000000"/>
+                        </a:solidFill>
+                        <a:effectLst/>
+                        <a:latin typeface="Calibri" panose="020F0502020204030204" pitchFamily="34" charset="0"/>
+                      </a:endParaRPr>
+                    </a:p>
+                  </a:txBody>
+                  <a:tcPr marL="9525" marR="9525" marT="9525" marB="0" anchor="b"/>
+                </a:tc>
+                <a:tc>
+                  <a:txBody>
+                    <a:bodyPr/>
+                    <a:lstStyle/>
+                    <a:p>
+                      <a:pPr algn="ctr" fontAlgn="b"/>
+                      <a:endParaRPr lang="en-US" sz="1100" b="0" i="0" u="none" strike="noStrike">
+                        <a:solidFill>
+                          <a:srgbClr val="000000"/>
+                        </a:solidFill>
+                        <a:effectLst/>
+                        <a:latin typeface="Calibri" panose="020F0502020204030204" pitchFamily="34" charset="0"/>
+                      </a:endParaRPr>
+                    </a:p>
+                  </a:txBody>
+                  <a:tcPr marL="9525" marR="9525" marT="9525" marB="0" anchor="b"/>
+                </a:tc>
+                <a:tc>
+                  <a:txBody>
+                    <a:bodyPr/>
+                    <a:lstStyle/>
+                    <a:p>
+                      <a:pPr algn="ctr" fontAlgn="b"/>
+                      <a:endParaRPr lang="en-US" sz="1100" b="0" i="0" u="none" strike="noStrike">
+                        <a:solidFill>
+                          <a:srgbClr val="000000"/>
+                        </a:solidFill>
+                        <a:effectLst/>
+                        <a:latin typeface="Calibri" panose="020F0502020204030204" pitchFamily="34" charset="0"/>
+                      </a:endParaRPr>
+                    </a:p>
+                  </a:txBody>
+                  <a:tcPr marL="9525" marR="9525" marT="9525" marB="0" anchor="b"/>
+                </a:tc>
+                <a:tc>
+                  <a:txBody>
+                    <a:bodyPr/>
+                    <a:lstStyle/>
+                    <a:p>
+                      <a:pPr algn="ctr" fontAlgn="b"/>
+                      <a:r>
+                        <a:rPr lang="en-US" sz="1100" u="none" strike="noStrike">
+                          <a:effectLst/>
+                        </a:rPr>
+                        <a:t> </a:t>
+                      </a:r>
+                      <a:endParaRPr lang="en-US" sz="1100" b="0" i="0" u="none" strike="noStrike">
+                        <a:solidFill>
+                          <a:srgbClr val="000000"/>
+                        </a:solidFill>
+                        <a:effectLst/>
+                        <a:latin typeface="Calibri" panose="020F0502020204030204" pitchFamily="34" charset="0"/>
+                      </a:endParaRPr>
+                    </a:p>
+                  </a:txBody>
+                  <a:tcPr marL="9525" marR="9525" marT="9525" marB="0" anchor="b"/>
+                </a:tc>
+              </a:tr>
+              <a:tr h="217018">
+                <a:tc>
+                  <a:txBody>
+                    <a:bodyPr/>
+                    <a:lstStyle/>
+                    <a:p>
+                      <a:pPr algn="l" fontAlgn="b"/>
+                      <a:r>
+                        <a:rPr lang="en-US" sz="1100" u="none" strike="noStrike">
+                          <a:effectLst/>
+                        </a:rPr>
+                        <a:t>Dec</a:t>
+                      </a:r>
+                      <a:endParaRPr lang="en-US" sz="1100" b="0" i="0" u="none" strike="noStrike">
+                        <a:solidFill>
+                          <a:srgbClr val="000000"/>
+                        </a:solidFill>
+                        <a:effectLst/>
+                        <a:latin typeface="Calibri" panose="020F0502020204030204" pitchFamily="34" charset="0"/>
+                      </a:endParaRPr>
+                    </a:p>
+                  </a:txBody>
+                  <a:tcPr marL="9525" marR="9525" marT="9525" marB="0" anchor="b"/>
+                </a:tc>
+                <a:tc>
+                  <a:txBody>
+                    <a:bodyPr/>
+                    <a:lstStyle/>
+                    <a:p>
+                      <a:pPr algn="ctr" fontAlgn="b"/>
+                      <a:endParaRPr lang="en-US" sz="1100" b="0" i="0" u="none" strike="noStrike">
+                        <a:solidFill>
+                          <a:srgbClr val="000000"/>
+                        </a:solidFill>
+                        <a:effectLst/>
+                        <a:latin typeface="Calibri" panose="020F0502020204030204" pitchFamily="34" charset="0"/>
+                      </a:endParaRPr>
+                    </a:p>
+                  </a:txBody>
+                  <a:tcPr marL="9525" marR="9525" marT="9525" marB="0" anchor="b"/>
+                </a:tc>
+                <a:tc>
+                  <a:txBody>
+                    <a:bodyPr/>
+                    <a:lstStyle/>
+                    <a:p>
+                      <a:pPr algn="ctr" fontAlgn="b"/>
+                      <a:endParaRPr lang="en-US" sz="1100" b="0" i="0" u="none" strike="noStrike">
+                        <a:solidFill>
+                          <a:srgbClr val="000000"/>
+                        </a:solidFill>
+                        <a:effectLst/>
+                        <a:latin typeface="Calibri" panose="020F0502020204030204" pitchFamily="34" charset="0"/>
+                      </a:endParaRPr>
+                    </a:p>
+                  </a:txBody>
+                  <a:tcPr marL="9525" marR="9525" marT="9525" marB="0" anchor="b"/>
+                </a:tc>
+                <a:tc>
+                  <a:txBody>
+                    <a:bodyPr/>
+                    <a:lstStyle/>
+                    <a:p>
+                      <a:pPr algn="ctr" fontAlgn="b"/>
+                      <a:endParaRPr lang="en-US" sz="1100" b="0" i="0" u="none" strike="noStrike">
+                        <a:solidFill>
+                          <a:srgbClr val="000000"/>
+                        </a:solidFill>
+                        <a:effectLst/>
+                        <a:latin typeface="Calibri" panose="020F0502020204030204" pitchFamily="34" charset="0"/>
+                      </a:endParaRPr>
+                    </a:p>
+                  </a:txBody>
+                  <a:tcPr marL="9525" marR="9525" marT="9525" marB="0" anchor="b"/>
+                </a:tc>
+                <a:tc>
+                  <a:txBody>
+                    <a:bodyPr/>
+                    <a:lstStyle/>
+                    <a:p>
+                      <a:pPr algn="ctr" fontAlgn="b"/>
+                      <a:r>
+                        <a:rPr lang="en-US" sz="1100" u="none" strike="noStrike" dirty="0">
+                          <a:effectLst/>
+                        </a:rPr>
+                        <a:t>3 -X</a:t>
+                      </a:r>
+                      <a:endParaRPr lang="en-US" sz="1100" b="0" i="0" u="none" strike="noStrike" dirty="0">
+                        <a:solidFill>
+                          <a:srgbClr val="000000"/>
+                        </a:solidFill>
+                        <a:effectLst/>
+                        <a:latin typeface="Calibri" panose="020F0502020204030204" pitchFamily="34" charset="0"/>
+                      </a:endParaRPr>
+                    </a:p>
+                  </a:txBody>
+                  <a:tcPr marL="9525" marR="9525" marT="9525" marB="0" anchor="b"/>
+                </a:tc>
+              </a:tr>
+            </a:tbl>
+          </a:graphicData>
+        </a:graphic>
+      </p:graphicFrame>
+      <p:pic>
+        <p:nvPicPr>
+          <p:cNvPr id="9" name="Picture 8"/>
+          <p:cNvPicPr>
+            <a:picLocks noChangeAspect="1"/>
+          </p:cNvPicPr>
+          <p:nvPr/>
+        </p:nvPicPr>
+        <p:blipFill>
+          <a:blip r:embed="rId4">
+            <a:extLst>
+              <a:ext uri="{28A0092B-C50C-407E-A947-70E740481C1C}">
+                <a14:useLocalDpi xmlns:a14="http://schemas.microsoft.com/office/drawing/2010/main" val="0"/>
+              </a:ext>
+            </a:extLst>
+          </a:blip>
+          <a:stretch>
+            <a:fillRect/>
+          </a:stretch>
+        </p:blipFill>
+        <p:spPr>
+          <a:xfrm>
+            <a:off x="3018876" y="4873368"/>
+            <a:ext cx="1912354" cy="1657373"/>
           </a:xfrm>
           <a:prstGeom prst="rect">
             <a:avLst/>

--- a/REPL-Driven-Development.pptx
+++ b/REPL-Driven-Development.pptx
@@ -216,7 +216,7 @@
           <a:p>
             <a:fld id="{97FCCB77-9557-4FCB-BD32-C7F96AFA0985}" type="datetimeFigureOut">
               <a:rPr lang="en-US" smtClean="0"/>
-              <a:t>5/22/2016</a:t>
+              <a:t>6/7/2016</a:t>
             </a:fld>
             <a:endParaRPr lang="en-US"/>
           </a:p>
@@ -578,6 +578,98 @@
 </p:notes>
 </file>
 
+<file path=ppt/notesSlides/notesSlide10.xml><?xml version="1.0" encoding="utf-8"?>
+<p:notes xmlns:a="http://schemas.openxmlformats.org/drawingml/2006/main" xmlns:r="http://schemas.openxmlformats.org/officeDocument/2006/relationships" xmlns:p="http://schemas.openxmlformats.org/presentationml/2006/main">
+  <p:cSld>
+    <p:spTree>
+      <p:nvGrpSpPr>
+        <p:cNvPr id="1" name=""/>
+        <p:cNvGrpSpPr/>
+        <p:nvPr/>
+      </p:nvGrpSpPr>
+      <p:grpSpPr>
+        <a:xfrm>
+          <a:off x="0" y="0"/>
+          <a:ext cx="0" cy="0"/>
+          <a:chOff x="0" y="0"/>
+          <a:chExt cx="0" cy="0"/>
+        </a:xfrm>
+      </p:grpSpPr>
+      <p:sp>
+        <p:nvSpPr>
+          <p:cNvPr id="2" name="Slide Image Placeholder 1"/>
+          <p:cNvSpPr>
+            <a:spLocks noGrp="1" noRot="1" noChangeAspect="1"/>
+          </p:cNvSpPr>
+          <p:nvPr>
+            <p:ph type="sldImg"/>
+          </p:nvPr>
+        </p:nvSpPr>
+        <p:spPr/>
+      </p:sp>
+      <p:sp>
+        <p:nvSpPr>
+          <p:cNvPr id="3" name="Notes Placeholder 2"/>
+          <p:cNvSpPr>
+            <a:spLocks noGrp="1"/>
+          </p:cNvSpPr>
+          <p:nvPr>
+            <p:ph type="body" idx="1"/>
+          </p:nvPr>
+        </p:nvSpPr>
+        <p:spPr/>
+        <p:txBody>
+          <a:bodyPr/>
+          <a:lstStyle/>
+          <a:p>
+            <a:r>
+              <a:rPr lang="en-US" dirty="0" smtClean="0"/>
+              <a:t>Property</a:t>
+            </a:r>
+            <a:r>
+              <a:rPr lang="en-US" baseline="0" dirty="0" smtClean="0"/>
+              <a:t> based versus Example Based Testing</a:t>
+            </a:r>
+            <a:endParaRPr lang="en-US" dirty="0"/>
+          </a:p>
+        </p:txBody>
+      </p:sp>
+      <p:sp>
+        <p:nvSpPr>
+          <p:cNvPr id="4" name="Slide Number Placeholder 3"/>
+          <p:cNvSpPr>
+            <a:spLocks noGrp="1"/>
+          </p:cNvSpPr>
+          <p:nvPr>
+            <p:ph type="sldNum" sz="quarter" idx="10"/>
+          </p:nvPr>
+        </p:nvSpPr>
+        <p:spPr/>
+        <p:txBody>
+          <a:bodyPr/>
+          <a:lstStyle/>
+          <a:p>
+            <a:fld id="{AD49793D-66B8-4F70-9EED-FB8F0263A06D}" type="slidenum">
+              <a:rPr lang="en-US" smtClean="0"/>
+              <a:t>16</a:t>
+            </a:fld>
+            <a:endParaRPr lang="en-US"/>
+          </a:p>
+        </p:txBody>
+      </p:sp>
+    </p:spTree>
+    <p:extLst>
+      <p:ext uri="{BB962C8B-B14F-4D97-AF65-F5344CB8AC3E}">
+        <p14:creationId xmlns:p14="http://schemas.microsoft.com/office/powerpoint/2010/main" val="1611145580"/>
+      </p:ext>
+    </p:extLst>
+  </p:cSld>
+  <p:clrMapOvr>
+    <a:masterClrMapping/>
+  </p:clrMapOvr>
+</p:notes>
+</file>
+
 <file path=ppt/notesSlides/notesSlide2.xml><?xml version="1.0" encoding="utf-8"?>
 <p:notes xmlns:a="http://schemas.openxmlformats.org/drawingml/2006/main" xmlns:r="http://schemas.openxmlformats.org/officeDocument/2006/relationships" xmlns:p="http://schemas.openxmlformats.org/presentationml/2006/main">
   <p:cSld>
@@ -749,38 +841,22 @@
           <a:p>
             <a:r>
               <a:rPr lang="en-US" dirty="0" smtClean="0"/>
-              <a:t>Jeff Sutherland</a:t>
-            </a:r>
-          </a:p>
-          <a:p>
+              <a:t>Three years later: Dec 1903</a:t>
+            </a:r>
+          </a:p>
+          <a:p>
+            <a:r>
+              <a:rPr lang="en-US" dirty="0" err="1" smtClean="0"/>
+              <a:t>Langly</a:t>
+            </a:r>
             <a:r>
               <a:rPr lang="en-US" dirty="0" smtClean="0"/>
-              <a:t>Fighter pilot in Vietnam</a:t>
-            </a:r>
-          </a:p>
-          <a:p>
-            <a:r>
-              <a:rPr lang="en-US" dirty="0" smtClean="0"/>
-              <a:t>Uncle Bob</a:t>
+              <a:t> did not fly, Wright</a:t>
             </a:r>
             <a:r>
               <a:rPr lang="en-US" baseline="0" dirty="0" smtClean="0"/>
-              <a:t> – SOLID</a:t>
-            </a:r>
-          </a:p>
-          <a:p>
-            <a:r>
-              <a:rPr lang="en-US" baseline="0" dirty="0" smtClean="0"/>
-              <a:t>Andy Hunt – Grows Method</a:t>
-            </a:r>
-          </a:p>
-          <a:p>
-            <a:r>
-              <a:rPr lang="en-US" dirty="0" smtClean="0"/>
-              <a:t>Jeff Sutherland - Scrum</a:t>
-            </a:r>
-          </a:p>
-          <a:p>
+              <a:t> brothers flew</a:t>
+            </a:r>
             <a:endParaRPr lang="en-US" dirty="0"/>
           </a:p>
         </p:txBody>
@@ -802,7 +878,7 @@
           <a:p>
             <a:fld id="{AD49793D-66B8-4F70-9EED-FB8F0263A06D}" type="slidenum">
               <a:rPr lang="en-US" smtClean="0"/>
-              <a:t>5</a:t>
+              <a:t>4</a:t>
             </a:fld>
             <a:endParaRPr lang="en-US"/>
           </a:p>
@@ -811,7 +887,7 @@
     </p:spTree>
     <p:extLst>
       <p:ext uri="{BB962C8B-B14F-4D97-AF65-F5344CB8AC3E}">
-        <p14:creationId xmlns:p14="http://schemas.microsoft.com/office/powerpoint/2010/main" val="114083479"/>
+        <p14:creationId xmlns:p14="http://schemas.microsoft.com/office/powerpoint/2010/main" val="1425405853"/>
       </p:ext>
     </p:extLst>
   </p:cSld>
@@ -867,48 +943,36 @@
           <a:p>
             <a:r>
               <a:rPr lang="en-US" dirty="0" smtClean="0"/>
-              <a:t>30</a:t>
+              <a:t>Jeff Sutherland</a:t>
+            </a:r>
+          </a:p>
+          <a:p>
+            <a:r>
+              <a:rPr lang="en-US" dirty="0" smtClean="0"/>
+              <a:t>Fighter pilot in Vietnam</a:t>
+            </a:r>
+          </a:p>
+          <a:p>
+            <a:r>
+              <a:rPr lang="en-US" dirty="0" smtClean="0"/>
+              <a:t>Uncle Bob</a:t>
             </a:r>
             <a:r>
               <a:rPr lang="en-US" baseline="0" dirty="0" smtClean="0"/>
-              <a:t> people at max</a:t>
+              <a:t> – SOLID</a:t>
+            </a:r>
+          </a:p>
+          <a:p>
+            <a:r>
+              <a:rPr lang="en-US" baseline="0" dirty="0" smtClean="0"/>
+              <a:t>Andy Hunt – Grows Method</a:t>
             </a:r>
           </a:p>
           <a:p>
             <a:r>
               <a:rPr lang="en-US" dirty="0" smtClean="0"/>
-              <a:t>“He would be married 1 day and expect</a:t>
-            </a:r>
-            <a:r>
-              <a:rPr lang="en-US" baseline="0" dirty="0" smtClean="0"/>
-              <a:t> a grown-up family next”</a:t>
-            </a:r>
-          </a:p>
-          <a:p>
-            <a:r>
-              <a:rPr lang="en-US" baseline="0" dirty="0" smtClean="0"/>
-              <a:t>He did not know his employees names – 1 step behind</a:t>
-            </a:r>
-          </a:p>
-          <a:p>
-            <a:r>
-              <a:rPr lang="en-US" baseline="0" dirty="0" smtClean="0"/>
-              <a:t>“Only speak when asked a question.  Otherwise he was not listening</a:t>
-            </a:r>
-            <a:r>
-              <a:rPr lang="en-US" baseline="0" dirty="0" smtClean="0"/>
-              <a:t>”</a:t>
-            </a:r>
-          </a:p>
-          <a:p>
-            <a:endParaRPr lang="en-US" baseline="0" dirty="0" smtClean="0"/>
-          </a:p>
-          <a:p>
-            <a:r>
-              <a:rPr lang="en-US" baseline="0" dirty="0" smtClean="0"/>
-              <a:t>Charlie Taylor</a:t>
-            </a:r>
-            <a:endParaRPr lang="en-US" baseline="0" dirty="0" smtClean="0"/>
+              <a:t>Jeff Sutherland - Scrum</a:t>
+            </a:r>
           </a:p>
           <a:p>
             <a:endParaRPr lang="en-US" dirty="0"/>
@@ -932,7 +996,7 @@
           <a:p>
             <a:fld id="{AD49793D-66B8-4F70-9EED-FB8F0263A06D}" type="slidenum">
               <a:rPr lang="en-US" smtClean="0"/>
-              <a:t>7</a:t>
+              <a:t>5</a:t>
             </a:fld>
             <a:endParaRPr lang="en-US"/>
           </a:p>
@@ -941,7 +1005,7 @@
     </p:spTree>
     <p:extLst>
       <p:ext uri="{BB962C8B-B14F-4D97-AF65-F5344CB8AC3E}">
-        <p14:creationId xmlns:p14="http://schemas.microsoft.com/office/powerpoint/2010/main" val="785572011"/>
+        <p14:creationId xmlns:p14="http://schemas.microsoft.com/office/powerpoint/2010/main" val="114083479"/>
       </p:ext>
     </p:extLst>
   </p:cSld>
@@ -995,65 +1059,48 @@
           <a:bodyPr/>
           <a:lstStyle/>
           <a:p>
-            <a:pPr marL="0" marR="0" indent="0" algn="l" defTabSz="914400" rtl="0" eaLnBrk="1" fontAlgn="auto" latinLnBrk="0" hangingPunct="1">
-              <a:lnSpc>
-                <a:spcPct val="100000"/>
-              </a:lnSpc>
-              <a:spcBef>
-                <a:spcPts val="0"/>
-              </a:spcBef>
-              <a:spcAft>
-                <a:spcPts val="0"/>
-              </a:spcAft>
-              <a:buClrTx/>
-              <a:buSzTx/>
-              <a:buFontTx/>
-              <a:buNone/>
-              <a:tabLst/>
-              <a:defRPr/>
-            </a:pPr>
-            <a:r>
-              <a:rPr lang="en-US" b="0" dirty="0" smtClean="0">
-                <a:effectLst/>
-              </a:rPr>
-              <a:t>Otto Lilienthal</a:t>
-            </a:r>
-          </a:p>
-          <a:p>
-            <a:pPr marL="0" marR="0" indent="0" algn="l" defTabSz="914400" rtl="0" eaLnBrk="1" fontAlgn="auto" latinLnBrk="0" hangingPunct="1">
-              <a:lnSpc>
-                <a:spcPct val="100000"/>
-              </a:lnSpc>
-              <a:spcBef>
-                <a:spcPts val="0"/>
-              </a:spcBef>
-              <a:spcAft>
-                <a:spcPts val="0"/>
-              </a:spcAft>
-              <a:buClrTx/>
-              <a:buSzTx/>
-              <a:buFontTx/>
-              <a:buNone/>
-              <a:tabLst/>
-              <a:defRPr/>
-            </a:pPr>
+            <a:r>
+              <a:rPr lang="en-US" dirty="0" smtClean="0"/>
+              <a:t>30</a:t>
+            </a:r>
+            <a:r>
+              <a:rPr lang="en-US" baseline="0" dirty="0" smtClean="0"/>
+              <a:t> people at max</a:t>
+            </a:r>
+          </a:p>
+          <a:p>
+            <a:r>
+              <a:rPr lang="en-US" dirty="0" smtClean="0"/>
+              <a:t>“He would be married 1 day and expect</a:t>
+            </a:r>
+            <a:r>
+              <a:rPr lang="en-US" baseline="0" dirty="0" smtClean="0"/>
+              <a:t> a grown-up family next”</a:t>
+            </a:r>
+          </a:p>
+          <a:p>
+            <a:r>
+              <a:rPr lang="en-US" baseline="0" dirty="0" smtClean="0"/>
+              <a:t>He did not know his employees names – 1 step behind</a:t>
+            </a:r>
+          </a:p>
+          <a:p>
+            <a:r>
+              <a:rPr lang="en-US" baseline="0" dirty="0" smtClean="0"/>
+              <a:t>“Only speak when asked a question.  Otherwise he was not listening”</a:t>
+            </a:r>
+          </a:p>
+          <a:p>
             <a:endParaRPr lang="en-US" baseline="0" dirty="0" smtClean="0"/>
           </a:p>
           <a:p>
             <a:r>
               <a:rPr lang="en-US" baseline="0" dirty="0" smtClean="0"/>
-              <a:t>Power </a:t>
-            </a:r>
-            <a:r>
-              <a:rPr lang="en-US" baseline="0" dirty="0" smtClean="0"/>
-              <a:t>to stay aloft</a:t>
-            </a:r>
-          </a:p>
-          <a:p>
-            <a:r>
-              <a:rPr lang="en-US" baseline="0" dirty="0" smtClean="0"/>
-              <a:t>There are 2 ways to learn how to ride a horse: sit on the fence or get on it</a:t>
-            </a:r>
+              <a:t>Charlie Taylor</a:t>
+            </a:r>
+          </a:p>
+          <a:p>
+            <a:endParaRPr lang="en-US" dirty="0"/>
           </a:p>
         </p:txBody>
       </p:sp>
@@ -1074,7 +1121,7 @@
           <a:p>
             <a:fld id="{AD49793D-66B8-4F70-9EED-FB8F0263A06D}" type="slidenum">
               <a:rPr lang="en-US" smtClean="0"/>
-              <a:t>8</a:t>
+              <a:t>7</a:t>
             </a:fld>
             <a:endParaRPr lang="en-US"/>
           </a:p>
@@ -1083,7 +1130,7 @@
     </p:spTree>
     <p:extLst>
       <p:ext uri="{BB962C8B-B14F-4D97-AF65-F5344CB8AC3E}">
-        <p14:creationId xmlns:p14="http://schemas.microsoft.com/office/powerpoint/2010/main" val="62994337"/>
+        <p14:creationId xmlns:p14="http://schemas.microsoft.com/office/powerpoint/2010/main" val="785572011"/>
       </p:ext>
     </p:extLst>
   </p:cSld>
@@ -1137,7 +1184,61 @@
           <a:bodyPr/>
           <a:lstStyle/>
           <a:p>
-            <a:endParaRPr lang="en-US" dirty="0"/>
+            <a:pPr marL="0" marR="0" indent="0" algn="l" defTabSz="914400" rtl="0" eaLnBrk="1" fontAlgn="auto" latinLnBrk="0" hangingPunct="1">
+              <a:lnSpc>
+                <a:spcPct val="100000"/>
+              </a:lnSpc>
+              <a:spcBef>
+                <a:spcPts val="0"/>
+              </a:spcBef>
+              <a:spcAft>
+                <a:spcPts val="0"/>
+              </a:spcAft>
+              <a:buClrTx/>
+              <a:buSzTx/>
+              <a:buFontTx/>
+              <a:buNone/>
+              <a:tabLst/>
+              <a:defRPr/>
+            </a:pPr>
+            <a:r>
+              <a:rPr lang="en-US" b="0" dirty="0" smtClean="0">
+                <a:effectLst/>
+              </a:rPr>
+              <a:t>Otto Lilienthal</a:t>
+            </a:r>
+          </a:p>
+          <a:p>
+            <a:pPr marL="0" marR="0" indent="0" algn="l" defTabSz="914400" rtl="0" eaLnBrk="1" fontAlgn="auto" latinLnBrk="0" hangingPunct="1">
+              <a:lnSpc>
+                <a:spcPct val="100000"/>
+              </a:lnSpc>
+              <a:spcBef>
+                <a:spcPts val="0"/>
+              </a:spcBef>
+              <a:spcAft>
+                <a:spcPts val="0"/>
+              </a:spcAft>
+              <a:buClrTx/>
+              <a:buSzTx/>
+              <a:buFontTx/>
+              <a:buNone/>
+              <a:tabLst/>
+              <a:defRPr/>
+            </a:pPr>
+            <a:endParaRPr lang="en-US" baseline="0" dirty="0" smtClean="0"/>
+          </a:p>
+          <a:p>
+            <a:r>
+              <a:rPr lang="en-US" baseline="0" dirty="0" smtClean="0"/>
+              <a:t>Power to stay aloft</a:t>
+            </a:r>
+          </a:p>
+          <a:p>
+            <a:r>
+              <a:rPr lang="en-US" baseline="0" dirty="0" smtClean="0"/>
+              <a:t>There are 2 ways to learn how to ride a horse: sit on the fence or get on it</a:t>
+            </a:r>
           </a:p>
         </p:txBody>
       </p:sp>
@@ -1158,7 +1259,7 @@
           <a:p>
             <a:fld id="{AD49793D-66B8-4F70-9EED-FB8F0263A06D}" type="slidenum">
               <a:rPr lang="en-US" smtClean="0"/>
-              <a:t>10</a:t>
+              <a:t>8</a:t>
             </a:fld>
             <a:endParaRPr lang="en-US"/>
           </a:p>
@@ -1167,7 +1268,7 @@
     </p:spTree>
     <p:extLst>
       <p:ext uri="{BB962C8B-B14F-4D97-AF65-F5344CB8AC3E}">
-        <p14:creationId xmlns:p14="http://schemas.microsoft.com/office/powerpoint/2010/main" val="2200008522"/>
+        <p14:creationId xmlns:p14="http://schemas.microsoft.com/office/powerpoint/2010/main" val="62994337"/>
       </p:ext>
     </p:extLst>
   </p:cSld>
@@ -1221,6 +1322,20 @@
           <a:bodyPr/>
           <a:lstStyle/>
           <a:p>
+            <a:r>
+              <a:rPr lang="en-US" dirty="0" smtClean="0"/>
+              <a:t>August 2901 – threw out </a:t>
+            </a:r>
+            <a:r>
+              <a:rPr lang="en-US" dirty="0" err="1" smtClean="0"/>
+              <a:t>Lillenthall’s</a:t>
+            </a:r>
+            <a:r>
+              <a:rPr lang="en-US" dirty="0" smtClean="0"/>
+              <a:t> tables</a:t>
+            </a:r>
+          </a:p>
+          <a:p>
             <a:endParaRPr lang="en-US" dirty="0"/>
           </a:p>
         </p:txBody>
@@ -1242,7 +1357,7 @@
           <a:p>
             <a:fld id="{AD49793D-66B8-4F70-9EED-FB8F0263A06D}" type="slidenum">
               <a:rPr lang="en-US" smtClean="0"/>
-              <a:t>11</a:t>
+              <a:t>10</a:t>
             </a:fld>
             <a:endParaRPr lang="en-US"/>
           </a:p>
@@ -1251,7 +1366,7 @@
     </p:spTree>
     <p:extLst>
       <p:ext uri="{BB962C8B-B14F-4D97-AF65-F5344CB8AC3E}">
-        <p14:creationId xmlns:p14="http://schemas.microsoft.com/office/powerpoint/2010/main" val="2377360003"/>
+        <p14:creationId xmlns:p14="http://schemas.microsoft.com/office/powerpoint/2010/main" val="2200008522"/>
       </p:ext>
     </p:extLst>
   </p:cSld>
@@ -1305,14 +1420,6 @@
           <a:bodyPr/>
           <a:lstStyle/>
           <a:p>
-            <a:r>
-              <a:rPr lang="en-US" dirty="0" smtClean="0"/>
-              <a:t>Property</a:t>
-            </a:r>
-            <a:r>
-              <a:rPr lang="en-US" baseline="0" dirty="0" smtClean="0"/>
-              <a:t> based versus Example Based Testing</a:t>
-            </a:r>
             <a:endParaRPr lang="en-US" dirty="0"/>
           </a:p>
         </p:txBody>
@@ -1334,7 +1441,7 @@
           <a:p>
             <a:fld id="{AD49793D-66B8-4F70-9EED-FB8F0263A06D}" type="slidenum">
               <a:rPr lang="en-US" smtClean="0"/>
-              <a:t>16</a:t>
+              <a:t>11</a:t>
             </a:fld>
             <a:endParaRPr lang="en-US"/>
           </a:p>
@@ -1343,7 +1450,134 @@
     </p:spTree>
     <p:extLst>
       <p:ext uri="{BB962C8B-B14F-4D97-AF65-F5344CB8AC3E}">
-        <p14:creationId xmlns:p14="http://schemas.microsoft.com/office/powerpoint/2010/main" val="1611145580"/>
+        <p14:creationId xmlns:p14="http://schemas.microsoft.com/office/powerpoint/2010/main" val="2377360003"/>
+      </p:ext>
+    </p:extLst>
+  </p:cSld>
+  <p:clrMapOvr>
+    <a:masterClrMapping/>
+  </p:clrMapOvr>
+</p:notes>
+</file>
+
+<file path=ppt/notesSlides/notesSlide9.xml><?xml version="1.0" encoding="utf-8"?>
+<p:notes xmlns:a="http://schemas.openxmlformats.org/drawingml/2006/main" xmlns:r="http://schemas.openxmlformats.org/officeDocument/2006/relationships" xmlns:p="http://schemas.openxmlformats.org/presentationml/2006/main">
+  <p:cSld>
+    <p:spTree>
+      <p:nvGrpSpPr>
+        <p:cNvPr id="1" name=""/>
+        <p:cNvGrpSpPr/>
+        <p:nvPr/>
+      </p:nvGrpSpPr>
+      <p:grpSpPr>
+        <a:xfrm>
+          <a:off x="0" y="0"/>
+          <a:ext cx="0" cy="0"/>
+          <a:chOff x="0" y="0"/>
+          <a:chExt cx="0" cy="0"/>
+        </a:xfrm>
+      </p:grpSpPr>
+      <p:sp>
+        <p:nvSpPr>
+          <p:cNvPr id="2" name="Slide Image Placeholder 1"/>
+          <p:cNvSpPr>
+            <a:spLocks noGrp="1" noRot="1" noChangeAspect="1"/>
+          </p:cNvSpPr>
+          <p:nvPr>
+            <p:ph type="sldImg"/>
+          </p:nvPr>
+        </p:nvSpPr>
+        <p:spPr/>
+      </p:sp>
+      <p:sp>
+        <p:nvSpPr>
+          <p:cNvPr id="3" name="Notes Placeholder 2"/>
+          <p:cNvSpPr>
+            <a:spLocks noGrp="1"/>
+          </p:cNvSpPr>
+          <p:nvPr>
+            <p:ph type="body" idx="1"/>
+          </p:nvPr>
+        </p:nvSpPr>
+        <p:spPr/>
+        <p:txBody>
+          <a:bodyPr/>
+          <a:lstStyle/>
+          <a:p>
+            <a:r>
+              <a:rPr lang="en-US" dirty="0" err="1" smtClean="0"/>
+              <a:t>Langly</a:t>
+            </a:r>
+            <a:r>
+              <a:rPr lang="en-US" dirty="0" smtClean="0"/>
+              <a:t>:</a:t>
+            </a:r>
+          </a:p>
+          <a:p>
+            <a:r>
+              <a:rPr lang="en-US" dirty="0" smtClean="0"/>
+              <a:t>Still running the Smithsonian</a:t>
+            </a:r>
+          </a:p>
+          <a:p>
+            <a:r>
+              <a:rPr lang="en-US" dirty="0" smtClean="0"/>
+              <a:t>Vacations: Caribbean, Europe, and Tahiti</a:t>
+            </a:r>
+          </a:p>
+          <a:p>
+            <a:endParaRPr lang="en-US" dirty="0" smtClean="0"/>
+          </a:p>
+          <a:p>
+            <a:r>
+              <a:rPr lang="en-US" dirty="0" smtClean="0"/>
+              <a:t>Will</a:t>
+            </a:r>
+          </a:p>
+          <a:p>
+            <a:r>
+              <a:rPr lang="en-US" dirty="0" smtClean="0"/>
+              <a:t>Sister</a:t>
+            </a:r>
+            <a:r>
+              <a:rPr lang="en-US" baseline="0" dirty="0" smtClean="0"/>
+              <a:t> ran </a:t>
+            </a:r>
+            <a:r>
+              <a:rPr lang="en-US" baseline="0" smtClean="0"/>
+              <a:t>the shop</a:t>
+            </a:r>
+            <a:endParaRPr lang="en-US" dirty="0"/>
+          </a:p>
+        </p:txBody>
+      </p:sp>
+      <p:sp>
+        <p:nvSpPr>
+          <p:cNvPr id="4" name="Slide Number Placeholder 3"/>
+          <p:cNvSpPr>
+            <a:spLocks noGrp="1"/>
+          </p:cNvSpPr>
+          <p:nvPr>
+            <p:ph type="sldNum" sz="quarter" idx="10"/>
+          </p:nvPr>
+        </p:nvSpPr>
+        <p:spPr/>
+        <p:txBody>
+          <a:bodyPr/>
+          <a:lstStyle/>
+          <a:p>
+            <a:fld id="{AD49793D-66B8-4F70-9EED-FB8F0263A06D}" type="slidenum">
+              <a:rPr lang="en-US" smtClean="0"/>
+              <a:t>12</a:t>
+            </a:fld>
+            <a:endParaRPr lang="en-US"/>
+          </a:p>
+        </p:txBody>
+      </p:sp>
+    </p:spTree>
+    <p:extLst>
+      <p:ext uri="{BB962C8B-B14F-4D97-AF65-F5344CB8AC3E}">
+        <p14:creationId xmlns:p14="http://schemas.microsoft.com/office/powerpoint/2010/main" val="3301073143"/>
       </p:ext>
     </p:extLst>
   </p:cSld>
@@ -1495,7 +1729,7 @@
           <a:p>
             <a:fld id="{2E9DB05E-0671-4B9C-8F82-30620B9FA112}" type="datetimeFigureOut">
               <a:rPr lang="en-US" smtClean="0"/>
-              <a:t>5/22/2016</a:t>
+              <a:t>6/7/2016</a:t>
             </a:fld>
             <a:endParaRPr lang="en-US"/>
           </a:p>
@@ -1665,7 +1899,7 @@
           <a:p>
             <a:fld id="{2E9DB05E-0671-4B9C-8F82-30620B9FA112}" type="datetimeFigureOut">
               <a:rPr lang="en-US" smtClean="0"/>
-              <a:t>5/22/2016</a:t>
+              <a:t>6/7/2016</a:t>
             </a:fld>
             <a:endParaRPr lang="en-US"/>
           </a:p>
@@ -1845,7 +2079,7 @@
           <a:p>
             <a:fld id="{2E9DB05E-0671-4B9C-8F82-30620B9FA112}" type="datetimeFigureOut">
               <a:rPr lang="en-US" smtClean="0"/>
-              <a:t>5/22/2016</a:t>
+              <a:t>6/7/2016</a:t>
             </a:fld>
             <a:endParaRPr lang="en-US"/>
           </a:p>
@@ -2015,7 +2249,7 @@
           <a:p>
             <a:fld id="{2E9DB05E-0671-4B9C-8F82-30620B9FA112}" type="datetimeFigureOut">
               <a:rPr lang="en-US" smtClean="0"/>
-              <a:t>5/22/2016</a:t>
+              <a:t>6/7/2016</a:t>
             </a:fld>
             <a:endParaRPr lang="en-US"/>
           </a:p>
@@ -2266,7 +2500,7 @@
           <a:p>
             <a:fld id="{2E9DB05E-0671-4B9C-8F82-30620B9FA112}" type="datetimeFigureOut">
               <a:rPr lang="en-US" smtClean="0"/>
-              <a:t>5/22/2016</a:t>
+              <a:t>6/7/2016</a:t>
             </a:fld>
             <a:endParaRPr lang="en-US"/>
           </a:p>
@@ -2498,7 +2732,7 @@
           <a:p>
             <a:fld id="{2E9DB05E-0671-4B9C-8F82-30620B9FA112}" type="datetimeFigureOut">
               <a:rPr lang="en-US" smtClean="0"/>
-              <a:t>5/22/2016</a:t>
+              <a:t>6/7/2016</a:t>
             </a:fld>
             <a:endParaRPr lang="en-US"/>
           </a:p>
@@ -2845,7 +3079,7 @@
           <a:p>
             <a:fld id="{2E9DB05E-0671-4B9C-8F82-30620B9FA112}" type="datetimeFigureOut">
               <a:rPr lang="en-US" smtClean="0"/>
-              <a:t>5/22/2016</a:t>
+              <a:t>6/7/2016</a:t>
             </a:fld>
             <a:endParaRPr lang="en-US"/>
           </a:p>
@@ -2963,7 +3197,7 @@
           <a:p>
             <a:fld id="{2E9DB05E-0671-4B9C-8F82-30620B9FA112}" type="datetimeFigureOut">
               <a:rPr lang="en-US" smtClean="0"/>
-              <a:t>5/22/2016</a:t>
+              <a:t>6/7/2016</a:t>
             </a:fld>
             <a:endParaRPr lang="en-US"/>
           </a:p>
@@ -3081,7 +3315,7 @@
           <a:p>
             <a:fld id="{2E9DB05E-0671-4B9C-8F82-30620B9FA112}" type="datetimeFigureOut">
               <a:rPr lang="en-US" smtClean="0"/>
-              <a:t>5/22/2016</a:t>
+              <a:t>6/7/2016</a:t>
             </a:fld>
             <a:endParaRPr lang="en-US"/>
           </a:p>
@@ -3365,7 +3599,7 @@
           <a:p>
             <a:fld id="{2E9DB05E-0671-4B9C-8F82-30620B9FA112}" type="datetimeFigureOut">
               <a:rPr lang="en-US" smtClean="0"/>
-              <a:t>5/22/2016</a:t>
+              <a:t>6/7/2016</a:t>
             </a:fld>
             <a:endParaRPr lang="en-US"/>
           </a:p>
@@ -3629,7 +3863,7 @@
           <a:p>
             <a:fld id="{2E9DB05E-0671-4B9C-8F82-30620B9FA112}" type="datetimeFigureOut">
               <a:rPr lang="en-US" smtClean="0"/>
-              <a:t>5/22/2016</a:t>
+              <a:t>6/7/2016</a:t>
             </a:fld>
             <a:endParaRPr lang="en-US"/>
           </a:p>
@@ -3843,7 +4077,7 @@
           <a:p>
             <a:fld id="{2E9DB05E-0671-4B9C-8F82-30620B9FA112}" type="datetimeFigureOut">
               <a:rPr lang="en-US" smtClean="0"/>
-              <a:t>5/22/2016</a:t>
+              <a:t>6/7/2016</a:t>
             </a:fld>
             <a:endParaRPr lang="en-US"/>
           </a:p>
@@ -4309,6 +4543,13 @@
   <p:clrMapOvr>
     <a:masterClrMapping/>
   </p:clrMapOvr>
+  <p:timing>
+    <p:tnLst>
+      <p:par>
+        <p:cTn id="1" dur="indefinite" restart="never" nodeType="tmRoot"/>
+      </p:par>
+    </p:tnLst>
+  </p:timing>
 </p:sld>
 </file>
 
@@ -4403,7 +4644,7 @@
         </p:blipFill>
         <p:spPr>
           <a:xfrm>
-            <a:off x="5117305" y="2109788"/>
+            <a:off x="6654955" y="1804988"/>
             <a:ext cx="1893094" cy="2372081"/>
           </a:xfrm>
           <a:prstGeom prst="rect">
@@ -4413,7 +4654,7 @@
       </p:pic>
       <p:pic>
         <p:nvPicPr>
-          <p:cNvPr id="5" name="Picture 4"/>
+          <p:cNvPr id="8" name="Picture 7"/>
           <p:cNvPicPr>
             <a:picLocks noChangeAspect="1"/>
           </p:cNvPicPr>
@@ -4433,8 +4674,8 @@
         </p:blipFill>
         <p:spPr>
           <a:xfrm>
-            <a:off x="7758112" y="1567834"/>
-            <a:ext cx="2847975" cy="1971675"/>
+            <a:off x="1814707" y="4001355"/>
+            <a:ext cx="2394917" cy="2075595"/>
           </a:xfrm>
           <a:prstGeom prst="rect">
             <a:avLst/>
@@ -4443,22 +4684,28 @@
       </p:pic>
       <p:pic>
         <p:nvPicPr>
-          <p:cNvPr id="6" name="Picture 5"/>
+          <p:cNvPr id="9" name="Picture 8"/>
           <p:cNvPicPr>
             <a:picLocks noChangeAspect="1"/>
           </p:cNvPicPr>
           <p:nvPr/>
         </p:nvPicPr>
         <p:blipFill>
-          <a:blip r:embed="rId6"/>
+          <a:blip r:embed="rId6">
+            <a:extLst>
+              <a:ext uri="{28A0092B-C50C-407E-A947-70E740481C1C}">
+                <a14:useLocalDpi xmlns:a14="http://schemas.microsoft.com/office/drawing/2010/main" val="0"/>
+              </a:ext>
+            </a:extLst>
+          </a:blip>
           <a:stretch>
             <a:fillRect/>
           </a:stretch>
         </p:blipFill>
         <p:spPr>
           <a:xfrm>
-            <a:off x="6675665" y="3925155"/>
-            <a:ext cx="4400550" cy="2604232"/>
+            <a:off x="8073365" y="2991028"/>
+            <a:ext cx="2672440" cy="2075595"/>
           </a:xfrm>
           <a:prstGeom prst="rect">
             <a:avLst/>
@@ -4467,7 +4714,7 @@
       </p:pic>
       <p:pic>
         <p:nvPicPr>
-          <p:cNvPr id="8" name="Picture 7"/>
+          <p:cNvPr id="5" name="Picture 4"/>
           <p:cNvPicPr>
             <a:picLocks noChangeAspect="1"/>
           </p:cNvPicPr>
@@ -4487,8 +4734,8 @@
         </p:blipFill>
         <p:spPr>
           <a:xfrm>
-            <a:off x="1812521" y="3925155"/>
-            <a:ext cx="2394917" cy="2075595"/>
+            <a:off x="6561610" y="4490937"/>
+            <a:ext cx="2847975" cy="1971675"/>
           </a:xfrm>
           <a:prstGeom prst="rect">
             <a:avLst/>
@@ -4505,6 +4752,171 @@
   <p:clrMapOvr>
     <a:masterClrMapping/>
   </p:clrMapOvr>
+  <p:timing>
+    <p:tnLst>
+      <p:par>
+        <p:cTn id="1" dur="indefinite" restart="never" nodeType="tmRoot">
+          <p:childTnLst>
+            <p:seq concurrent="1" nextAc="seek">
+              <p:cTn id="2" dur="indefinite" nodeType="mainSeq">
+                <p:childTnLst>
+                  <p:par>
+                    <p:cTn id="3" fill="hold">
+                      <p:stCondLst>
+                        <p:cond delay="indefinite"/>
+                      </p:stCondLst>
+                      <p:childTnLst>
+                        <p:par>
+                          <p:cTn id="4" fill="hold">
+                            <p:stCondLst>
+                              <p:cond delay="0"/>
+                            </p:stCondLst>
+                            <p:childTnLst>
+                              <p:par>
+                                <p:cTn id="5" presetID="1" presetClass="entr" presetSubtype="0" fill="hold" nodeType="clickEffect">
+                                  <p:stCondLst>
+                                    <p:cond delay="0"/>
+                                  </p:stCondLst>
+                                  <p:childTnLst>
+                                    <p:set>
+                                      <p:cBhvr>
+                                        <p:cTn id="6" dur="1" fill="hold">
+                                          <p:stCondLst>
+                                            <p:cond delay="0"/>
+                                          </p:stCondLst>
+                                        </p:cTn>
+                                        <p:tgtEl>
+                                          <p:spTgt spid="8"/>
+                                        </p:tgtEl>
+                                        <p:attrNameLst>
+                                          <p:attrName>style.visibility</p:attrName>
+                                        </p:attrNameLst>
+                                      </p:cBhvr>
+                                      <p:to>
+                                        <p:strVal val="visible"/>
+                                      </p:to>
+                                    </p:set>
+                                  </p:childTnLst>
+                                </p:cTn>
+                              </p:par>
+                            </p:childTnLst>
+                          </p:cTn>
+                        </p:par>
+                      </p:childTnLst>
+                    </p:cTn>
+                  </p:par>
+                  <p:par>
+                    <p:cTn id="7" fill="hold">
+                      <p:stCondLst>
+                        <p:cond delay="indefinite"/>
+                      </p:stCondLst>
+                      <p:childTnLst>
+                        <p:par>
+                          <p:cTn id="8" fill="hold">
+                            <p:stCondLst>
+                              <p:cond delay="0"/>
+                            </p:stCondLst>
+                            <p:childTnLst>
+                              <p:par>
+                                <p:cTn id="9" presetID="1" presetClass="entr" presetSubtype="0" fill="hold" nodeType="clickEffect">
+                                  <p:stCondLst>
+                                    <p:cond delay="0"/>
+                                  </p:stCondLst>
+                                  <p:childTnLst>
+                                    <p:set>
+                                      <p:cBhvr>
+                                        <p:cTn id="10" dur="1" fill="hold">
+                                          <p:stCondLst>
+                                            <p:cond delay="0"/>
+                                          </p:stCondLst>
+                                        </p:cTn>
+                                        <p:tgtEl>
+                                          <p:spTgt spid="9"/>
+                                        </p:tgtEl>
+                                        <p:attrNameLst>
+                                          <p:attrName>style.visibility</p:attrName>
+                                        </p:attrNameLst>
+                                      </p:cBhvr>
+                                      <p:to>
+                                        <p:strVal val="visible"/>
+                                      </p:to>
+                                    </p:set>
+                                  </p:childTnLst>
+                                </p:cTn>
+                              </p:par>
+                            </p:childTnLst>
+                          </p:cTn>
+                        </p:par>
+                      </p:childTnLst>
+                    </p:cTn>
+                  </p:par>
+                  <p:par>
+                    <p:cTn id="11" fill="hold">
+                      <p:stCondLst>
+                        <p:cond delay="indefinite"/>
+                      </p:stCondLst>
+                      <p:childTnLst>
+                        <p:par>
+                          <p:cTn id="12" fill="hold">
+                            <p:stCondLst>
+                              <p:cond delay="0"/>
+                            </p:stCondLst>
+                            <p:childTnLst>
+                              <p:par>
+                                <p:cTn id="13" presetID="1" presetClass="entr" presetSubtype="0" fill="hold" nodeType="clickEffect">
+                                  <p:stCondLst>
+                                    <p:cond delay="0"/>
+                                  </p:stCondLst>
+                                  <p:childTnLst>
+                                    <p:set>
+                                      <p:cBhvr>
+                                        <p:cTn id="14" dur="1" fill="hold">
+                                          <p:stCondLst>
+                                            <p:cond delay="0"/>
+                                          </p:stCondLst>
+                                        </p:cTn>
+                                        <p:tgtEl>
+                                          <p:spTgt spid="5"/>
+                                        </p:tgtEl>
+                                        <p:attrNameLst>
+                                          <p:attrName>style.visibility</p:attrName>
+                                        </p:attrNameLst>
+                                      </p:cBhvr>
+                                      <p:to>
+                                        <p:strVal val="visible"/>
+                                      </p:to>
+                                    </p:set>
+                                  </p:childTnLst>
+                                </p:cTn>
+                              </p:par>
+                            </p:childTnLst>
+                          </p:cTn>
+                        </p:par>
+                      </p:childTnLst>
+                    </p:cTn>
+                  </p:par>
+                </p:childTnLst>
+              </p:cTn>
+              <p:prevCondLst>
+                <p:cond evt="onPrev" delay="0">
+                  <p:tgtEl>
+                    <p:sldTgt/>
+                  </p:tgtEl>
+                </p:cond>
+              </p:prevCondLst>
+              <p:nextCondLst>
+                <p:cond evt="onNext" delay="0">
+                  <p:tgtEl>
+                    <p:sldTgt/>
+                  </p:tgtEl>
+                </p:cond>
+              </p:nextCondLst>
+            </p:seq>
+          </p:childTnLst>
+        </p:cTn>
+      </p:par>
+    </p:tnLst>
+  </p:timing>
 </p:sld>
 </file>
 
@@ -4659,7 +5071,7 @@
         </p:blipFill>
         <p:spPr>
           <a:xfrm>
-            <a:off x="8247948" y="3736989"/>
+            <a:off x="8095548" y="3736989"/>
             <a:ext cx="3531068" cy="2130411"/>
           </a:xfrm>
           <a:prstGeom prst="rect">
@@ -4677,6 +5089,126 @@
   <p:clrMapOvr>
     <a:masterClrMapping/>
   </p:clrMapOvr>
+  <p:timing>
+    <p:tnLst>
+      <p:par>
+        <p:cTn id="1" dur="indefinite" restart="never" nodeType="tmRoot">
+          <p:childTnLst>
+            <p:seq concurrent="1" nextAc="seek">
+              <p:cTn id="2" dur="indefinite" nodeType="mainSeq">
+                <p:childTnLst>
+                  <p:par>
+                    <p:cTn id="3" fill="hold">
+                      <p:stCondLst>
+                        <p:cond delay="indefinite"/>
+                      </p:stCondLst>
+                      <p:childTnLst>
+                        <p:par>
+                          <p:cTn id="4" fill="hold">
+                            <p:stCondLst>
+                              <p:cond delay="0"/>
+                            </p:stCondLst>
+                            <p:childTnLst>
+                              <p:par>
+                                <p:cTn id="5" presetID="1" presetClass="entr" presetSubtype="0" fill="hold" nodeType="clickEffect">
+                                  <p:stCondLst>
+                                    <p:cond delay="0"/>
+                                  </p:stCondLst>
+                                  <p:childTnLst>
+                                    <p:set>
+                                      <p:cBhvr>
+                                        <p:cTn id="6" dur="1" fill="hold">
+                                          <p:stCondLst>
+                                            <p:cond delay="0"/>
+                                          </p:stCondLst>
+                                        </p:cTn>
+                                        <p:tgtEl>
+                                          <p:spTgt spid="10"/>
+                                        </p:tgtEl>
+                                        <p:attrNameLst>
+                                          <p:attrName>style.visibility</p:attrName>
+                                        </p:attrNameLst>
+                                      </p:cBhvr>
+                                      <p:to>
+                                        <p:strVal val="visible"/>
+                                      </p:to>
+                                    </p:set>
+                                  </p:childTnLst>
+                                </p:cTn>
+                              </p:par>
+                            </p:childTnLst>
+                          </p:cTn>
+                        </p:par>
+                      </p:childTnLst>
+                    </p:cTn>
+                  </p:par>
+                  <p:par>
+                    <p:cTn id="7" fill="hold">
+                      <p:stCondLst>
+                        <p:cond delay="indefinite"/>
+                      </p:stCondLst>
+                      <p:childTnLst>
+                        <p:par>
+                          <p:cTn id="8" fill="hold">
+                            <p:stCondLst>
+                              <p:cond delay="0"/>
+                            </p:stCondLst>
+                            <p:childTnLst>
+                              <p:par>
+                                <p:cTn id="9" presetID="1" presetClass="entr" presetSubtype="0" fill="hold" nodeType="clickEffect">
+                                  <p:stCondLst>
+                                    <p:cond delay="0"/>
+                                  </p:stCondLst>
+                                  <p:childTnLst>
+                                    <p:set>
+                                      <p:cBhvr>
+                                        <p:cTn id="10" dur="1" fill="hold">
+                                          <p:stCondLst>
+                                            <p:cond delay="0"/>
+                                          </p:stCondLst>
+                                        </p:cTn>
+                                        <p:tgtEl>
+                                          <p:spTgt spid="11"/>
+                                        </p:tgtEl>
+                                        <p:attrNameLst>
+                                          <p:attrName>style.visibility</p:attrName>
+                                        </p:attrNameLst>
+                                      </p:cBhvr>
+                                      <p:to>
+                                        <p:strVal val="visible"/>
+                                      </p:to>
+                                    </p:set>
+                                  </p:childTnLst>
+                                </p:cTn>
+                              </p:par>
+                            </p:childTnLst>
+                          </p:cTn>
+                        </p:par>
+                      </p:childTnLst>
+                    </p:cTn>
+                  </p:par>
+                </p:childTnLst>
+              </p:cTn>
+              <p:prevCondLst>
+                <p:cond evt="onPrev" delay="0">
+                  <p:tgtEl>
+                    <p:sldTgt/>
+                  </p:tgtEl>
+                </p:cond>
+              </p:prevCondLst>
+              <p:nextCondLst>
+                <p:cond evt="onNext" delay="0">
+                  <p:tgtEl>
+                    <p:sldTgt/>
+                  </p:tgtEl>
+                </p:cond>
+              </p:nextCondLst>
+            </p:seq>
+          </p:childTnLst>
+        </p:cTn>
+      </p:par>
+    </p:tnLst>
+  </p:timing>
 </p:sld>
 </file>
 
@@ -4731,7 +5263,7 @@
           </p:nvPr>
         </p:nvPicPr>
         <p:blipFill>
-          <a:blip r:embed="rId2">
+          <a:blip r:embed="rId3">
             <a:extLst>
               <a:ext uri="{28A0092B-C50C-407E-A947-70E740481C1C}">
                 <a14:useLocalDpi xmlns:a14="http://schemas.microsoft.com/office/drawing/2010/main" val="0"/>
@@ -4758,7 +5290,7 @@
           <p:nvPr/>
         </p:nvPicPr>
         <p:blipFill>
-          <a:blip r:embed="rId3">
+          <a:blip r:embed="rId4">
             <a:extLst>
               <a:ext uri="{28A0092B-C50C-407E-A947-70E740481C1C}">
                 <a14:useLocalDpi xmlns:a14="http://schemas.microsoft.com/office/drawing/2010/main" val="0"/>
@@ -4788,7 +5320,7 @@
           <p:nvPr/>
         </p:nvPicPr>
         <p:blipFill>
-          <a:blip r:embed="rId4">
+          <a:blip r:embed="rId5">
             <a:extLst>
               <a:ext uri="{28A0092B-C50C-407E-A947-70E740481C1C}">
                 <a14:useLocalDpi xmlns:a14="http://schemas.microsoft.com/office/drawing/2010/main" val="0"/>
@@ -4818,7 +5350,7 @@
           <p:nvPr/>
         </p:nvPicPr>
         <p:blipFill>
-          <a:blip r:embed="rId5">
+          <a:blip r:embed="rId6">
             <a:extLst>
               <a:ext uri="{28A0092B-C50C-407E-A947-70E740481C1C}">
                 <a14:useLocalDpi xmlns:a14="http://schemas.microsoft.com/office/drawing/2010/main" val="0"/>
@@ -4848,7 +5380,7 @@
           <p:nvPr/>
         </p:nvPicPr>
         <p:blipFill>
-          <a:blip r:embed="rId6"/>
+          <a:blip r:embed="rId7"/>
           <a:stretch>
             <a:fillRect/>
           </a:stretch>
@@ -4873,6 +5405,171 @@
   <p:clrMapOvr>
     <a:masterClrMapping/>
   </p:clrMapOvr>
+  <p:timing>
+    <p:tnLst>
+      <p:par>
+        <p:cTn id="1" dur="indefinite" restart="never" nodeType="tmRoot">
+          <p:childTnLst>
+            <p:seq concurrent="1" nextAc="seek">
+              <p:cTn id="2" dur="indefinite" nodeType="mainSeq">
+                <p:childTnLst>
+                  <p:par>
+                    <p:cTn id="3" fill="hold">
+                      <p:stCondLst>
+                        <p:cond delay="indefinite"/>
+                      </p:stCondLst>
+                      <p:childTnLst>
+                        <p:par>
+                          <p:cTn id="4" fill="hold">
+                            <p:stCondLst>
+                              <p:cond delay="0"/>
+                            </p:stCondLst>
+                            <p:childTnLst>
+                              <p:par>
+                                <p:cTn id="5" presetID="1" presetClass="entr" presetSubtype="0" fill="hold" nodeType="clickEffect">
+                                  <p:stCondLst>
+                                    <p:cond delay="0"/>
+                                  </p:stCondLst>
+                                  <p:childTnLst>
+                                    <p:set>
+                                      <p:cBhvr>
+                                        <p:cTn id="6" dur="1" fill="hold">
+                                          <p:stCondLst>
+                                            <p:cond delay="0"/>
+                                          </p:stCondLst>
+                                        </p:cTn>
+                                        <p:tgtEl>
+                                          <p:spTgt spid="4"/>
+                                        </p:tgtEl>
+                                        <p:attrNameLst>
+                                          <p:attrName>style.visibility</p:attrName>
+                                        </p:attrNameLst>
+                                      </p:cBhvr>
+                                      <p:to>
+                                        <p:strVal val="visible"/>
+                                      </p:to>
+                                    </p:set>
+                                  </p:childTnLst>
+                                </p:cTn>
+                              </p:par>
+                            </p:childTnLst>
+                          </p:cTn>
+                        </p:par>
+                      </p:childTnLst>
+                    </p:cTn>
+                  </p:par>
+                  <p:par>
+                    <p:cTn id="7" fill="hold">
+                      <p:stCondLst>
+                        <p:cond delay="indefinite"/>
+                      </p:stCondLst>
+                      <p:childTnLst>
+                        <p:par>
+                          <p:cTn id="8" fill="hold">
+                            <p:stCondLst>
+                              <p:cond delay="0"/>
+                            </p:stCondLst>
+                            <p:childTnLst>
+                              <p:par>
+                                <p:cTn id="9" presetID="1" presetClass="entr" presetSubtype="0" fill="hold" nodeType="clickEffect">
+                                  <p:stCondLst>
+                                    <p:cond delay="0"/>
+                                  </p:stCondLst>
+                                  <p:childTnLst>
+                                    <p:set>
+                                      <p:cBhvr>
+                                        <p:cTn id="10" dur="1" fill="hold">
+                                          <p:stCondLst>
+                                            <p:cond delay="0"/>
+                                          </p:stCondLst>
+                                        </p:cTn>
+                                        <p:tgtEl>
+                                          <p:spTgt spid="7"/>
+                                        </p:tgtEl>
+                                        <p:attrNameLst>
+                                          <p:attrName>style.visibility</p:attrName>
+                                        </p:attrNameLst>
+                                      </p:cBhvr>
+                                      <p:to>
+                                        <p:strVal val="visible"/>
+                                      </p:to>
+                                    </p:set>
+                                  </p:childTnLst>
+                                </p:cTn>
+                              </p:par>
+                            </p:childTnLst>
+                          </p:cTn>
+                        </p:par>
+                      </p:childTnLst>
+                    </p:cTn>
+                  </p:par>
+                  <p:par>
+                    <p:cTn id="11" fill="hold">
+                      <p:stCondLst>
+                        <p:cond delay="indefinite"/>
+                      </p:stCondLst>
+                      <p:childTnLst>
+                        <p:par>
+                          <p:cTn id="12" fill="hold">
+                            <p:stCondLst>
+                              <p:cond delay="0"/>
+                            </p:stCondLst>
+                            <p:childTnLst>
+                              <p:par>
+                                <p:cTn id="13" presetID="1" presetClass="entr" presetSubtype="0" fill="hold" nodeType="clickEffect">
+                                  <p:stCondLst>
+                                    <p:cond delay="0"/>
+                                  </p:stCondLst>
+                                  <p:childTnLst>
+                                    <p:set>
+                                      <p:cBhvr>
+                                        <p:cTn id="14" dur="1" fill="hold">
+                                          <p:stCondLst>
+                                            <p:cond delay="0"/>
+                                          </p:stCondLst>
+                                        </p:cTn>
+                                        <p:tgtEl>
+                                          <p:spTgt spid="8"/>
+                                        </p:tgtEl>
+                                        <p:attrNameLst>
+                                          <p:attrName>style.visibility</p:attrName>
+                                        </p:attrNameLst>
+                                      </p:cBhvr>
+                                      <p:to>
+                                        <p:strVal val="visible"/>
+                                      </p:to>
+                                    </p:set>
+                                  </p:childTnLst>
+                                </p:cTn>
+                              </p:par>
+                            </p:childTnLst>
+                          </p:cTn>
+                        </p:par>
+                      </p:childTnLst>
+                    </p:cTn>
+                  </p:par>
+                </p:childTnLst>
+              </p:cTn>
+              <p:prevCondLst>
+                <p:cond evt="onPrev" delay="0">
+                  <p:tgtEl>
+                    <p:sldTgt/>
+                  </p:tgtEl>
+                </p:cond>
+              </p:prevCondLst>
+              <p:nextCondLst>
+                <p:cond evt="onNext" delay="0">
+                  <p:tgtEl>
+                    <p:sldTgt/>
+                  </p:tgtEl>
+                </p:cond>
+              </p:nextCondLst>
+            </p:seq>
+          </p:childTnLst>
+        </p:cTn>
+      </p:par>
+    </p:tnLst>
+  </p:timing>
 </p:sld>
 </file>
 
@@ -4929,12 +5626,12 @@
         <p:spPr>
           <a:xfrm>
             <a:off x="4637314" y="1825624"/>
-            <a:ext cx="3069772" cy="2936519"/>
+            <a:ext cx="3069772" cy="4163696"/>
           </a:xfrm>
         </p:spPr>
         <p:txBody>
           <a:bodyPr>
-            <a:normAutofit fontScale="92500" lnSpcReduction="10000"/>
+            <a:normAutofit lnSpcReduction="10000"/>
           </a:bodyPr>
           <a:lstStyle/>
           <a:p>
@@ -4968,14 +5665,28 @@
           <a:p>
             <a:r>
               <a:rPr lang="en-US" dirty="0" smtClean="0"/>
-              <a:t>Incremental small changes?</a:t>
-            </a:r>
-          </a:p>
-          <a:p>
+              <a:t>Incremental small changes</a:t>
+            </a:r>
             <a:r>
               <a:rPr lang="en-US" dirty="0" smtClean="0"/>
-              <a:t>Safely make small changes?</a:t>
-            </a:r>
+              <a:t>?</a:t>
+            </a:r>
+          </a:p>
+          <a:p>
+            <a:r>
+              <a:rPr lang="en-US" dirty="0" smtClean="0"/>
+              <a:t>Removed Your clutter?</a:t>
+            </a:r>
+            <a:endParaRPr lang="en-US" dirty="0" smtClean="0"/>
+          </a:p>
+          <a:p>
+            <a:r>
+              <a:rPr lang="en-US" dirty="0" smtClean="0"/>
+              <a:t>Challenging Everything?</a:t>
+            </a:r>
+          </a:p>
+          <a:p>
+            <a:endParaRPr lang="en-US" dirty="0" smtClean="0"/>
           </a:p>
           <a:p>
             <a:endParaRPr lang="en-US" dirty="0" smtClean="0"/>
@@ -4988,36 +5699,6 @@
           </a:p>
         </p:txBody>
       </p:sp>
-      <p:pic>
-        <p:nvPicPr>
-          <p:cNvPr id="4" name="Picture 3"/>
-          <p:cNvPicPr>
-            <a:picLocks noChangeAspect="1"/>
-          </p:cNvPicPr>
-          <p:nvPr/>
-        </p:nvPicPr>
-        <p:blipFill>
-          <a:blip r:embed="rId2">
-            <a:extLst>
-              <a:ext uri="{28A0092B-C50C-407E-A947-70E740481C1C}">
-                <a14:useLocalDpi xmlns:a14="http://schemas.microsoft.com/office/drawing/2010/main" val="0"/>
-              </a:ext>
-            </a:extLst>
-          </a:blip>
-          <a:stretch>
-            <a:fillRect/>
-          </a:stretch>
-        </p:blipFill>
-        <p:spPr>
-          <a:xfrm>
-            <a:off x="1187441" y="1967139"/>
-            <a:ext cx="3055851" cy="2648404"/>
-          </a:xfrm>
-          <a:prstGeom prst="rect">
-            <a:avLst/>
-          </a:prstGeom>
-        </p:spPr>
-      </p:pic>
       <p:pic>
         <p:nvPicPr>
           <p:cNvPr id="6" name="Picture 5"/>
@@ -5027,7 +5708,7 @@
           <p:nvPr/>
         </p:nvPicPr>
         <p:blipFill>
-          <a:blip r:embed="rId3">
+          <a:blip r:embed="rId2">
             <a:extLst>
               <a:ext uri="{28A0092B-C50C-407E-A947-70E740481C1C}">
                 <a14:useLocalDpi xmlns:a14="http://schemas.microsoft.com/office/drawing/2010/main" val="0"/>
@@ -5242,6 +5923,36 @@
           </a:p>
         </p:txBody>
       </p:sp>
+      <p:pic>
+        <p:nvPicPr>
+          <p:cNvPr id="3" name="Picture 2"/>
+          <p:cNvPicPr>
+            <a:picLocks noChangeAspect="1"/>
+          </p:cNvPicPr>
+          <p:nvPr/>
+        </p:nvPicPr>
+        <p:blipFill>
+          <a:blip r:embed="rId3">
+            <a:extLst>
+              <a:ext uri="{28A0092B-C50C-407E-A947-70E740481C1C}">
+                <a14:useLocalDpi xmlns:a14="http://schemas.microsoft.com/office/drawing/2010/main" val="0"/>
+              </a:ext>
+            </a:extLst>
+          </a:blip>
+          <a:stretch>
+            <a:fillRect/>
+          </a:stretch>
+        </p:blipFill>
+        <p:spPr>
+          <a:xfrm>
+            <a:off x="760184" y="1939403"/>
+            <a:ext cx="3761346" cy="2713883"/>
+          </a:xfrm>
+          <a:prstGeom prst="rect">
+            <a:avLst/>
+          </a:prstGeom>
+        </p:spPr>
+      </p:pic>
     </p:spTree>
     <p:extLst>
       <p:ext uri="{BB962C8B-B14F-4D97-AF65-F5344CB8AC3E}">
@@ -5252,6 +5963,330 @@
   <p:clrMapOvr>
     <a:masterClrMapping/>
   </p:clrMapOvr>
+  <p:timing>
+    <p:tnLst>
+      <p:par>
+        <p:cTn id="1" dur="indefinite" restart="never" nodeType="tmRoot">
+          <p:childTnLst>
+            <p:seq concurrent="1" nextAc="seek">
+              <p:cTn id="2" dur="indefinite" nodeType="mainSeq">
+                <p:childTnLst>
+                  <p:par>
+                    <p:cTn id="3" fill="hold">
+                      <p:stCondLst>
+                        <p:cond delay="indefinite"/>
+                      </p:stCondLst>
+                      <p:childTnLst>
+                        <p:par>
+                          <p:cTn id="4" fill="hold">
+                            <p:stCondLst>
+                              <p:cond delay="0"/>
+                            </p:stCondLst>
+                            <p:childTnLst>
+                              <p:par>
+                                <p:cTn id="5" presetID="1" presetClass="entr" presetSubtype="0" fill="hold" grpId="0" nodeType="clickEffect">
+                                  <p:stCondLst>
+                                    <p:cond delay="0"/>
+                                  </p:stCondLst>
+                                  <p:childTnLst>
+                                    <p:set>
+                                      <p:cBhvr>
+                                        <p:cTn id="6" dur="1" fill="hold">
+                                          <p:stCondLst>
+                                            <p:cond delay="0"/>
+                                          </p:stCondLst>
+                                        </p:cTn>
+                                        <p:tgtEl>
+                                          <p:spTgt spid="5">
+                                            <p:txEl>
+                                              <p:pRg st="0" end="0"/>
+                                            </p:txEl>
+                                          </p:spTgt>
+                                        </p:tgtEl>
+                                        <p:attrNameLst>
+                                          <p:attrName>style.visibility</p:attrName>
+                                        </p:attrNameLst>
+                                      </p:cBhvr>
+                                      <p:to>
+                                        <p:strVal val="visible"/>
+                                      </p:to>
+                                    </p:set>
+                                  </p:childTnLst>
+                                </p:cTn>
+                              </p:par>
+                            </p:childTnLst>
+                          </p:cTn>
+                        </p:par>
+                      </p:childTnLst>
+                    </p:cTn>
+                  </p:par>
+                  <p:par>
+                    <p:cTn id="7" fill="hold">
+                      <p:stCondLst>
+                        <p:cond delay="indefinite"/>
+                      </p:stCondLst>
+                      <p:childTnLst>
+                        <p:par>
+                          <p:cTn id="8" fill="hold">
+                            <p:stCondLst>
+                              <p:cond delay="0"/>
+                            </p:stCondLst>
+                            <p:childTnLst>
+                              <p:par>
+                                <p:cTn id="9" presetID="1" presetClass="entr" presetSubtype="0" fill="hold" grpId="0" nodeType="clickEffect">
+                                  <p:stCondLst>
+                                    <p:cond delay="0"/>
+                                  </p:stCondLst>
+                                  <p:childTnLst>
+                                    <p:set>
+                                      <p:cBhvr>
+                                        <p:cTn id="10" dur="1" fill="hold">
+                                          <p:stCondLst>
+                                            <p:cond delay="0"/>
+                                          </p:stCondLst>
+                                        </p:cTn>
+                                        <p:tgtEl>
+                                          <p:spTgt spid="5">
+                                            <p:txEl>
+                                              <p:pRg st="1" end="1"/>
+                                            </p:txEl>
+                                          </p:spTgt>
+                                        </p:tgtEl>
+                                        <p:attrNameLst>
+                                          <p:attrName>style.visibility</p:attrName>
+                                        </p:attrNameLst>
+                                      </p:cBhvr>
+                                      <p:to>
+                                        <p:strVal val="visible"/>
+                                      </p:to>
+                                    </p:set>
+                                  </p:childTnLst>
+                                </p:cTn>
+                              </p:par>
+                            </p:childTnLst>
+                          </p:cTn>
+                        </p:par>
+                      </p:childTnLst>
+                    </p:cTn>
+                  </p:par>
+                  <p:par>
+                    <p:cTn id="11" fill="hold">
+                      <p:stCondLst>
+                        <p:cond delay="indefinite"/>
+                      </p:stCondLst>
+                      <p:childTnLst>
+                        <p:par>
+                          <p:cTn id="12" fill="hold">
+                            <p:stCondLst>
+                              <p:cond delay="0"/>
+                            </p:stCondLst>
+                            <p:childTnLst>
+                              <p:par>
+                                <p:cTn id="13" presetID="1" presetClass="entr" presetSubtype="0" fill="hold" grpId="0" nodeType="clickEffect">
+                                  <p:stCondLst>
+                                    <p:cond delay="0"/>
+                                  </p:stCondLst>
+                                  <p:childTnLst>
+                                    <p:set>
+                                      <p:cBhvr>
+                                        <p:cTn id="14" dur="1" fill="hold">
+                                          <p:stCondLst>
+                                            <p:cond delay="0"/>
+                                          </p:stCondLst>
+                                        </p:cTn>
+                                        <p:tgtEl>
+                                          <p:spTgt spid="5">
+                                            <p:txEl>
+                                              <p:pRg st="2" end="2"/>
+                                            </p:txEl>
+                                          </p:spTgt>
+                                        </p:tgtEl>
+                                        <p:attrNameLst>
+                                          <p:attrName>style.visibility</p:attrName>
+                                        </p:attrNameLst>
+                                      </p:cBhvr>
+                                      <p:to>
+                                        <p:strVal val="visible"/>
+                                      </p:to>
+                                    </p:set>
+                                  </p:childTnLst>
+                                </p:cTn>
+                              </p:par>
+                            </p:childTnLst>
+                          </p:cTn>
+                        </p:par>
+                      </p:childTnLst>
+                    </p:cTn>
+                  </p:par>
+                  <p:par>
+                    <p:cTn id="15" fill="hold">
+                      <p:stCondLst>
+                        <p:cond delay="indefinite"/>
+                      </p:stCondLst>
+                      <p:childTnLst>
+                        <p:par>
+                          <p:cTn id="16" fill="hold">
+                            <p:stCondLst>
+                              <p:cond delay="0"/>
+                            </p:stCondLst>
+                            <p:childTnLst>
+                              <p:par>
+                                <p:cTn id="17" presetID="1" presetClass="entr" presetSubtype="0" fill="hold" grpId="0" nodeType="clickEffect">
+                                  <p:stCondLst>
+                                    <p:cond delay="0"/>
+                                  </p:stCondLst>
+                                  <p:childTnLst>
+                                    <p:set>
+                                      <p:cBhvr>
+                                        <p:cTn id="18" dur="1" fill="hold">
+                                          <p:stCondLst>
+                                            <p:cond delay="0"/>
+                                          </p:stCondLst>
+                                        </p:cTn>
+                                        <p:tgtEl>
+                                          <p:spTgt spid="5">
+                                            <p:txEl>
+                                              <p:pRg st="3" end="3"/>
+                                            </p:txEl>
+                                          </p:spTgt>
+                                        </p:tgtEl>
+                                        <p:attrNameLst>
+                                          <p:attrName>style.visibility</p:attrName>
+                                        </p:attrNameLst>
+                                      </p:cBhvr>
+                                      <p:to>
+                                        <p:strVal val="visible"/>
+                                      </p:to>
+                                    </p:set>
+                                  </p:childTnLst>
+                                </p:cTn>
+                              </p:par>
+                            </p:childTnLst>
+                          </p:cTn>
+                        </p:par>
+                      </p:childTnLst>
+                    </p:cTn>
+                  </p:par>
+                  <p:par>
+                    <p:cTn id="19" fill="hold">
+                      <p:stCondLst>
+                        <p:cond delay="indefinite"/>
+                      </p:stCondLst>
+                      <p:childTnLst>
+                        <p:par>
+                          <p:cTn id="20" fill="hold">
+                            <p:stCondLst>
+                              <p:cond delay="0"/>
+                            </p:stCondLst>
+                            <p:childTnLst>
+                              <p:par>
+                                <p:cTn id="21" presetID="1" presetClass="entr" presetSubtype="0" fill="hold" grpId="0" nodeType="clickEffect">
+                                  <p:stCondLst>
+                                    <p:cond delay="0"/>
+                                  </p:stCondLst>
+                                  <p:childTnLst>
+                                    <p:set>
+                                      <p:cBhvr>
+                                        <p:cTn id="22" dur="1" fill="hold">
+                                          <p:stCondLst>
+                                            <p:cond delay="0"/>
+                                          </p:stCondLst>
+                                        </p:cTn>
+                                        <p:tgtEl>
+                                          <p:spTgt spid="5">
+                                            <p:txEl>
+                                              <p:pRg st="4" end="4"/>
+                                            </p:txEl>
+                                          </p:spTgt>
+                                        </p:tgtEl>
+                                        <p:attrNameLst>
+                                          <p:attrName>style.visibility</p:attrName>
+                                        </p:attrNameLst>
+                                      </p:cBhvr>
+                                      <p:to>
+                                        <p:strVal val="visible"/>
+                                      </p:to>
+                                    </p:set>
+                                  </p:childTnLst>
+                                </p:cTn>
+                              </p:par>
+                            </p:childTnLst>
+                          </p:cTn>
+                        </p:par>
+                      </p:childTnLst>
+                    </p:cTn>
+                  </p:par>
+                  <p:par>
+                    <p:cTn id="23" fill="hold">
+                      <p:stCondLst>
+                        <p:cond delay="indefinite"/>
+                      </p:stCondLst>
+                      <p:childTnLst>
+                        <p:par>
+                          <p:cTn id="24" fill="hold">
+                            <p:stCondLst>
+                              <p:cond delay="0"/>
+                            </p:stCondLst>
+                            <p:childTnLst>
+                              <p:par>
+                                <p:cTn id="25" presetID="1" presetClass="entr" presetSubtype="0" fill="hold" grpId="0" nodeType="clickEffect">
+                                  <p:stCondLst>
+                                    <p:cond delay="0"/>
+                                  </p:stCondLst>
+                                  <p:childTnLst>
+                                    <p:set>
+                                      <p:cBhvr>
+                                        <p:cTn id="26" dur="1" fill="hold">
+                                          <p:stCondLst>
+                                            <p:cond delay="0"/>
+                                          </p:stCondLst>
+                                        </p:cTn>
+                                        <p:tgtEl>
+                                          <p:spTgt spid="7"/>
+                                        </p:tgtEl>
+                                        <p:attrNameLst>
+                                          <p:attrName>style.visibility</p:attrName>
+                                        </p:attrNameLst>
+                                      </p:cBhvr>
+                                      <p:to>
+                                        <p:strVal val="visible"/>
+                                      </p:to>
+                                    </p:set>
+                                  </p:childTnLst>
+                                </p:cTn>
+                              </p:par>
+                            </p:childTnLst>
+                          </p:cTn>
+                        </p:par>
+                      </p:childTnLst>
+                    </p:cTn>
+                  </p:par>
+                </p:childTnLst>
+              </p:cTn>
+              <p:prevCondLst>
+                <p:cond evt="onPrev" delay="0">
+                  <p:tgtEl>
+                    <p:sldTgt/>
+                  </p:tgtEl>
+                </p:cond>
+              </p:prevCondLst>
+              <p:nextCondLst>
+                <p:cond evt="onNext" delay="0">
+                  <p:tgtEl>
+                    <p:sldTgt/>
+                  </p:tgtEl>
+                </p:cond>
+              </p:nextCondLst>
+            </p:seq>
+          </p:childTnLst>
+        </p:cTn>
+      </p:par>
+    </p:tnLst>
+    <p:bldLst>
+      <p:bldP spid="5" grpId="0" build="p"/>
+      <p:bldP spid="7" grpId="0"/>
+    </p:bldLst>
+  </p:timing>
 </p:sld>
 </file>
 
@@ -5466,6 +6501,13 @@
   <p:clrMapOvr>
     <a:masterClrMapping/>
   </p:clrMapOvr>
+  <p:timing>
+    <p:tnLst>
+      <p:par>
+        <p:cTn id="1" dur="indefinite" restart="never" nodeType="tmRoot"/>
+      </p:par>
+    </p:tnLst>
+  </p:timing>
 </p:sld>
 </file>
 
@@ -5565,8 +6607,8 @@
         </p:blipFill>
         <p:spPr>
           <a:xfrm>
-            <a:off x="7149193" y="2618080"/>
-            <a:ext cx="2857500" cy="2085975"/>
+            <a:off x="5987143" y="1859188"/>
+            <a:ext cx="5371408" cy="3921128"/>
           </a:xfrm>
           <a:prstGeom prst="rect">
             <a:avLst/>
@@ -5583,6 +6625,13 @@
   <p:clrMapOvr>
     <a:masterClrMapping/>
   </p:clrMapOvr>
+  <p:timing>
+    <p:tnLst>
+      <p:par>
+        <p:cTn id="1" dur="indefinite" restart="never" nodeType="tmRoot"/>
+      </p:par>
+    </p:tnLst>
+  </p:timing>
 </p:sld>
 </file>
 
@@ -5706,8 +6755,8 @@
         </p:blipFill>
         <p:spPr>
           <a:xfrm>
-            <a:off x="7214506" y="2228397"/>
-            <a:ext cx="3431721" cy="2688181"/>
+            <a:off x="6388264" y="2228397"/>
+            <a:ext cx="4629728" cy="3626620"/>
           </a:xfrm>
           <a:prstGeom prst="rect">
             <a:avLst/>
@@ -5918,6 +6967,13 @@
   <p:clrMapOvr>
     <a:masterClrMapping/>
   </p:clrMapOvr>
+  <p:timing>
+    <p:tnLst>
+      <p:par>
+        <p:cTn id="1" dur="indefinite" restart="never" nodeType="tmRoot"/>
+      </p:par>
+    </p:tnLst>
+  </p:timing>
 </p:sld>
 </file>
 
@@ -6371,6 +7427,511 @@
   <p:clrMapOvr>
     <a:masterClrMapping/>
   </p:clrMapOvr>
+  <p:timing>
+    <p:tnLst>
+      <p:par>
+        <p:cTn id="1" dur="indefinite" restart="never" nodeType="tmRoot">
+          <p:childTnLst>
+            <p:seq concurrent="1" nextAc="seek">
+              <p:cTn id="2" dur="indefinite" nodeType="mainSeq">
+                <p:childTnLst>
+                  <p:par>
+                    <p:cTn id="3" fill="hold">
+                      <p:stCondLst>
+                        <p:cond delay="indefinite"/>
+                      </p:stCondLst>
+                      <p:childTnLst>
+                        <p:par>
+                          <p:cTn id="4" fill="hold">
+                            <p:stCondLst>
+                              <p:cond delay="0"/>
+                            </p:stCondLst>
+                            <p:childTnLst>
+                              <p:par>
+                                <p:cTn id="5" presetID="1" presetClass="entr" presetSubtype="0" fill="hold" nodeType="clickEffect">
+                                  <p:stCondLst>
+                                    <p:cond delay="0"/>
+                                  </p:stCondLst>
+                                  <p:childTnLst>
+                                    <p:set>
+                                      <p:cBhvr>
+                                        <p:cTn id="6" dur="1" fill="hold">
+                                          <p:stCondLst>
+                                            <p:cond delay="0"/>
+                                          </p:stCondLst>
+                                        </p:cTn>
+                                        <p:tgtEl>
+                                          <p:spTgt spid="3">
+                                            <p:txEl>
+                                              <p:pRg st="0" end="0"/>
+                                            </p:txEl>
+                                          </p:spTgt>
+                                        </p:tgtEl>
+                                        <p:attrNameLst>
+                                          <p:attrName>style.visibility</p:attrName>
+                                        </p:attrNameLst>
+                                      </p:cBhvr>
+                                      <p:to>
+                                        <p:strVal val="visible"/>
+                                      </p:to>
+                                    </p:set>
+                                  </p:childTnLst>
+                                </p:cTn>
+                              </p:par>
+                              <p:par>
+                                <p:cTn id="7" presetID="1" presetClass="entr" presetSubtype="0" fill="hold" nodeType="withEffect">
+                                  <p:stCondLst>
+                                    <p:cond delay="0"/>
+                                  </p:stCondLst>
+                                  <p:childTnLst>
+                                    <p:set>
+                                      <p:cBhvr>
+                                        <p:cTn id="8" dur="1" fill="hold">
+                                          <p:stCondLst>
+                                            <p:cond delay="0"/>
+                                          </p:stCondLst>
+                                        </p:cTn>
+                                        <p:tgtEl>
+                                          <p:spTgt spid="3">
+                                            <p:txEl>
+                                              <p:pRg st="1" end="1"/>
+                                            </p:txEl>
+                                          </p:spTgt>
+                                        </p:tgtEl>
+                                        <p:attrNameLst>
+                                          <p:attrName>style.visibility</p:attrName>
+                                        </p:attrNameLst>
+                                      </p:cBhvr>
+                                      <p:to>
+                                        <p:strVal val="visible"/>
+                                      </p:to>
+                                    </p:set>
+                                  </p:childTnLst>
+                                </p:cTn>
+                              </p:par>
+                              <p:par>
+                                <p:cTn id="9" presetID="1" presetClass="entr" presetSubtype="0" fill="hold" nodeType="withEffect">
+                                  <p:stCondLst>
+                                    <p:cond delay="0"/>
+                                  </p:stCondLst>
+                                  <p:childTnLst>
+                                    <p:set>
+                                      <p:cBhvr>
+                                        <p:cTn id="10" dur="1" fill="hold">
+                                          <p:stCondLst>
+                                            <p:cond delay="0"/>
+                                          </p:stCondLst>
+                                        </p:cTn>
+                                        <p:tgtEl>
+                                          <p:spTgt spid="3">
+                                            <p:txEl>
+                                              <p:pRg st="2" end="2"/>
+                                            </p:txEl>
+                                          </p:spTgt>
+                                        </p:tgtEl>
+                                        <p:attrNameLst>
+                                          <p:attrName>style.visibility</p:attrName>
+                                        </p:attrNameLst>
+                                      </p:cBhvr>
+                                      <p:to>
+                                        <p:strVal val="visible"/>
+                                      </p:to>
+                                    </p:set>
+                                  </p:childTnLst>
+                                </p:cTn>
+                              </p:par>
+                              <p:par>
+                                <p:cTn id="11" presetID="1" presetClass="entr" presetSubtype="0" fill="hold" nodeType="withEffect">
+                                  <p:stCondLst>
+                                    <p:cond delay="0"/>
+                                  </p:stCondLst>
+                                  <p:childTnLst>
+                                    <p:set>
+                                      <p:cBhvr>
+                                        <p:cTn id="12" dur="1" fill="hold">
+                                          <p:stCondLst>
+                                            <p:cond delay="0"/>
+                                          </p:stCondLst>
+                                        </p:cTn>
+                                        <p:tgtEl>
+                                          <p:spTgt spid="3">
+                                            <p:txEl>
+                                              <p:pRg st="3" end="3"/>
+                                            </p:txEl>
+                                          </p:spTgt>
+                                        </p:tgtEl>
+                                        <p:attrNameLst>
+                                          <p:attrName>style.visibility</p:attrName>
+                                        </p:attrNameLst>
+                                      </p:cBhvr>
+                                      <p:to>
+                                        <p:strVal val="visible"/>
+                                      </p:to>
+                                    </p:set>
+                                  </p:childTnLst>
+                                </p:cTn>
+                              </p:par>
+                            </p:childTnLst>
+                          </p:cTn>
+                        </p:par>
+                      </p:childTnLst>
+                    </p:cTn>
+                  </p:par>
+                  <p:par>
+                    <p:cTn id="13" fill="hold">
+                      <p:stCondLst>
+                        <p:cond delay="indefinite"/>
+                      </p:stCondLst>
+                      <p:childTnLst>
+                        <p:par>
+                          <p:cTn id="14" fill="hold">
+                            <p:stCondLst>
+                              <p:cond delay="0"/>
+                            </p:stCondLst>
+                            <p:childTnLst>
+                              <p:par>
+                                <p:cTn id="15" presetID="1" presetClass="entr" presetSubtype="0" fill="hold" nodeType="clickEffect">
+                                  <p:stCondLst>
+                                    <p:cond delay="0"/>
+                                  </p:stCondLst>
+                                  <p:childTnLst>
+                                    <p:set>
+                                      <p:cBhvr>
+                                        <p:cTn id="16" dur="1" fill="hold">
+                                          <p:stCondLst>
+                                            <p:cond delay="0"/>
+                                          </p:stCondLst>
+                                        </p:cTn>
+                                        <p:tgtEl>
+                                          <p:spTgt spid="3">
+                                            <p:txEl>
+                                              <p:pRg st="5" end="5"/>
+                                            </p:txEl>
+                                          </p:spTgt>
+                                        </p:tgtEl>
+                                        <p:attrNameLst>
+                                          <p:attrName>style.visibility</p:attrName>
+                                        </p:attrNameLst>
+                                      </p:cBhvr>
+                                      <p:to>
+                                        <p:strVal val="visible"/>
+                                      </p:to>
+                                    </p:set>
+                                  </p:childTnLst>
+                                </p:cTn>
+                              </p:par>
+                              <p:par>
+                                <p:cTn id="17" presetID="1" presetClass="entr" presetSubtype="0" fill="hold" nodeType="withEffect">
+                                  <p:stCondLst>
+                                    <p:cond delay="0"/>
+                                  </p:stCondLst>
+                                  <p:childTnLst>
+                                    <p:set>
+                                      <p:cBhvr>
+                                        <p:cTn id="18" dur="1" fill="hold">
+                                          <p:stCondLst>
+                                            <p:cond delay="0"/>
+                                          </p:stCondLst>
+                                        </p:cTn>
+                                        <p:tgtEl>
+                                          <p:spTgt spid="3">
+                                            <p:txEl>
+                                              <p:pRg st="6" end="6"/>
+                                            </p:txEl>
+                                          </p:spTgt>
+                                        </p:tgtEl>
+                                        <p:attrNameLst>
+                                          <p:attrName>style.visibility</p:attrName>
+                                        </p:attrNameLst>
+                                      </p:cBhvr>
+                                      <p:to>
+                                        <p:strVal val="visible"/>
+                                      </p:to>
+                                    </p:set>
+                                  </p:childTnLst>
+                                </p:cTn>
+                              </p:par>
+                              <p:par>
+                                <p:cTn id="19" presetID="1" presetClass="entr" presetSubtype="0" fill="hold" nodeType="withEffect">
+                                  <p:stCondLst>
+                                    <p:cond delay="0"/>
+                                  </p:stCondLst>
+                                  <p:childTnLst>
+                                    <p:set>
+                                      <p:cBhvr>
+                                        <p:cTn id="20" dur="1" fill="hold">
+                                          <p:stCondLst>
+                                            <p:cond delay="0"/>
+                                          </p:stCondLst>
+                                        </p:cTn>
+                                        <p:tgtEl>
+                                          <p:spTgt spid="3">
+                                            <p:txEl>
+                                              <p:pRg st="7" end="7"/>
+                                            </p:txEl>
+                                          </p:spTgt>
+                                        </p:tgtEl>
+                                        <p:attrNameLst>
+                                          <p:attrName>style.visibility</p:attrName>
+                                        </p:attrNameLst>
+                                      </p:cBhvr>
+                                      <p:to>
+                                        <p:strVal val="visible"/>
+                                      </p:to>
+                                    </p:set>
+                                  </p:childTnLst>
+                                </p:cTn>
+                              </p:par>
+                              <p:par>
+                                <p:cTn id="21" presetID="1" presetClass="entr" presetSubtype="0" fill="hold" nodeType="withEffect">
+                                  <p:stCondLst>
+                                    <p:cond delay="0"/>
+                                  </p:stCondLst>
+                                  <p:childTnLst>
+                                    <p:set>
+                                      <p:cBhvr>
+                                        <p:cTn id="22" dur="1" fill="hold">
+                                          <p:stCondLst>
+                                            <p:cond delay="0"/>
+                                          </p:stCondLst>
+                                        </p:cTn>
+                                        <p:tgtEl>
+                                          <p:spTgt spid="3">
+                                            <p:txEl>
+                                              <p:pRg st="8" end="8"/>
+                                            </p:txEl>
+                                          </p:spTgt>
+                                        </p:tgtEl>
+                                        <p:attrNameLst>
+                                          <p:attrName>style.visibility</p:attrName>
+                                        </p:attrNameLst>
+                                      </p:cBhvr>
+                                      <p:to>
+                                        <p:strVal val="visible"/>
+                                      </p:to>
+                                    </p:set>
+                                  </p:childTnLst>
+                                </p:cTn>
+                              </p:par>
+                            </p:childTnLst>
+                          </p:cTn>
+                        </p:par>
+                      </p:childTnLst>
+                    </p:cTn>
+                  </p:par>
+                  <p:par>
+                    <p:cTn id="23" fill="hold">
+                      <p:stCondLst>
+                        <p:cond delay="indefinite"/>
+                      </p:stCondLst>
+                      <p:childTnLst>
+                        <p:par>
+                          <p:cTn id="24" fill="hold">
+                            <p:stCondLst>
+                              <p:cond delay="0"/>
+                            </p:stCondLst>
+                            <p:childTnLst>
+                              <p:par>
+                                <p:cTn id="25" presetID="1" presetClass="entr" presetSubtype="0" fill="hold" nodeType="clickEffect">
+                                  <p:stCondLst>
+                                    <p:cond delay="0"/>
+                                  </p:stCondLst>
+                                  <p:childTnLst>
+                                    <p:set>
+                                      <p:cBhvr>
+                                        <p:cTn id="26" dur="1" fill="hold">
+                                          <p:stCondLst>
+                                            <p:cond delay="0"/>
+                                          </p:stCondLst>
+                                        </p:cTn>
+                                        <p:tgtEl>
+                                          <p:spTgt spid="7">
+                                            <p:txEl>
+                                              <p:pRg st="0" end="0"/>
+                                            </p:txEl>
+                                          </p:spTgt>
+                                        </p:tgtEl>
+                                        <p:attrNameLst>
+                                          <p:attrName>style.visibility</p:attrName>
+                                        </p:attrNameLst>
+                                      </p:cBhvr>
+                                      <p:to>
+                                        <p:strVal val="visible"/>
+                                      </p:to>
+                                    </p:set>
+                                  </p:childTnLst>
+                                </p:cTn>
+                              </p:par>
+                              <p:par>
+                                <p:cTn id="27" presetID="1" presetClass="entr" presetSubtype="0" fill="hold" nodeType="withEffect">
+                                  <p:stCondLst>
+                                    <p:cond delay="0"/>
+                                  </p:stCondLst>
+                                  <p:childTnLst>
+                                    <p:set>
+                                      <p:cBhvr>
+                                        <p:cTn id="28" dur="1" fill="hold">
+                                          <p:stCondLst>
+                                            <p:cond delay="0"/>
+                                          </p:stCondLst>
+                                        </p:cTn>
+                                        <p:tgtEl>
+                                          <p:spTgt spid="7">
+                                            <p:txEl>
+                                              <p:pRg st="1" end="1"/>
+                                            </p:txEl>
+                                          </p:spTgt>
+                                        </p:tgtEl>
+                                        <p:attrNameLst>
+                                          <p:attrName>style.visibility</p:attrName>
+                                        </p:attrNameLst>
+                                      </p:cBhvr>
+                                      <p:to>
+                                        <p:strVal val="visible"/>
+                                      </p:to>
+                                    </p:set>
+                                  </p:childTnLst>
+                                </p:cTn>
+                              </p:par>
+                              <p:par>
+                                <p:cTn id="29" presetID="1" presetClass="entr" presetSubtype="0" fill="hold" nodeType="withEffect">
+                                  <p:stCondLst>
+                                    <p:cond delay="0"/>
+                                  </p:stCondLst>
+                                  <p:childTnLst>
+                                    <p:set>
+                                      <p:cBhvr>
+                                        <p:cTn id="30" dur="1" fill="hold">
+                                          <p:stCondLst>
+                                            <p:cond delay="0"/>
+                                          </p:stCondLst>
+                                        </p:cTn>
+                                        <p:tgtEl>
+                                          <p:spTgt spid="7">
+                                            <p:txEl>
+                                              <p:pRg st="2" end="2"/>
+                                            </p:txEl>
+                                          </p:spTgt>
+                                        </p:tgtEl>
+                                        <p:attrNameLst>
+                                          <p:attrName>style.visibility</p:attrName>
+                                        </p:attrNameLst>
+                                      </p:cBhvr>
+                                      <p:to>
+                                        <p:strVal val="visible"/>
+                                      </p:to>
+                                    </p:set>
+                                  </p:childTnLst>
+                                </p:cTn>
+                              </p:par>
+                            </p:childTnLst>
+                          </p:cTn>
+                        </p:par>
+                      </p:childTnLst>
+                    </p:cTn>
+                  </p:par>
+                  <p:par>
+                    <p:cTn id="31" fill="hold">
+                      <p:stCondLst>
+                        <p:cond delay="indefinite"/>
+                      </p:stCondLst>
+                      <p:childTnLst>
+                        <p:par>
+                          <p:cTn id="32" fill="hold">
+                            <p:stCondLst>
+                              <p:cond delay="0"/>
+                            </p:stCondLst>
+                            <p:childTnLst>
+                              <p:par>
+                                <p:cTn id="33" presetID="1" presetClass="entr" presetSubtype="0" fill="hold" nodeType="clickEffect">
+                                  <p:stCondLst>
+                                    <p:cond delay="0"/>
+                                  </p:stCondLst>
+                                  <p:childTnLst>
+                                    <p:set>
+                                      <p:cBhvr>
+                                        <p:cTn id="34" dur="1" fill="hold">
+                                          <p:stCondLst>
+                                            <p:cond delay="0"/>
+                                          </p:stCondLst>
+                                        </p:cTn>
+                                        <p:tgtEl>
+                                          <p:spTgt spid="7">
+                                            <p:txEl>
+                                              <p:pRg st="4" end="4"/>
+                                            </p:txEl>
+                                          </p:spTgt>
+                                        </p:tgtEl>
+                                        <p:attrNameLst>
+                                          <p:attrName>style.visibility</p:attrName>
+                                        </p:attrNameLst>
+                                      </p:cBhvr>
+                                      <p:to>
+                                        <p:strVal val="visible"/>
+                                      </p:to>
+                                    </p:set>
+                                  </p:childTnLst>
+                                </p:cTn>
+                              </p:par>
+                              <p:par>
+                                <p:cTn id="35" presetID="1" presetClass="entr" presetSubtype="0" fill="hold" nodeType="withEffect">
+                                  <p:stCondLst>
+                                    <p:cond delay="0"/>
+                                  </p:stCondLst>
+                                  <p:childTnLst>
+                                    <p:set>
+                                      <p:cBhvr>
+                                        <p:cTn id="36" dur="1" fill="hold">
+                                          <p:stCondLst>
+                                            <p:cond delay="0"/>
+                                          </p:stCondLst>
+                                        </p:cTn>
+                                        <p:tgtEl>
+                                          <p:spTgt spid="7">
+                                            <p:txEl>
+                                              <p:pRg st="5" end="5"/>
+                                            </p:txEl>
+                                          </p:spTgt>
+                                        </p:tgtEl>
+                                        <p:attrNameLst>
+                                          <p:attrName>style.visibility</p:attrName>
+                                        </p:attrNameLst>
+                                      </p:cBhvr>
+                                      <p:to>
+                                        <p:strVal val="visible"/>
+                                      </p:to>
+                                    </p:set>
+                                  </p:childTnLst>
+                                </p:cTn>
+                              </p:par>
+                            </p:childTnLst>
+                          </p:cTn>
+                        </p:par>
+                      </p:childTnLst>
+                    </p:cTn>
+                  </p:par>
+                </p:childTnLst>
+              </p:cTn>
+              <p:prevCondLst>
+                <p:cond evt="onPrev" delay="0">
+                  <p:tgtEl>
+                    <p:sldTgt/>
+                  </p:tgtEl>
+                </p:cond>
+              </p:prevCondLst>
+              <p:nextCondLst>
+                <p:cond evt="onNext" delay="0">
+                  <p:tgtEl>
+                    <p:sldTgt/>
+                  </p:tgtEl>
+                </p:cond>
+              </p:nextCondLst>
+            </p:seq>
+          </p:childTnLst>
+        </p:cTn>
+      </p:par>
+    </p:tnLst>
+  </p:timing>
 </p:sld>
 </file>
 
@@ -6741,6 +8302,13 @@
   <p:clrMapOvr>
     <a:masterClrMapping/>
   </p:clrMapOvr>
+  <p:timing>
+    <p:tnLst>
+      <p:par>
+        <p:cTn id="1" dur="indefinite" restart="never" nodeType="tmRoot"/>
+      </p:par>
+    </p:tnLst>
+  </p:timing>
 </p:sld>
 </file>
 
@@ -7064,7 +8632,7 @@
           <a:p>
             <a:r>
               <a:rPr lang="en-US" dirty="0" smtClean="0"/>
-              <a:t>Do you really know what that code-gen or template is doing?  </a:t>
+              <a:t>Do you really know what that code-gen, framework, and template is doing?  </a:t>
             </a:r>
           </a:p>
           <a:p>
@@ -7152,6 +8720,361 @@
   <p:clrMapOvr>
     <a:masterClrMapping/>
   </p:clrMapOvr>
+  <p:timing>
+    <p:tnLst>
+      <p:par>
+        <p:cTn id="1" dur="indefinite" restart="never" nodeType="tmRoot">
+          <p:childTnLst>
+            <p:seq concurrent="1" nextAc="seek">
+              <p:cTn id="2" dur="indefinite" nodeType="mainSeq">
+                <p:childTnLst>
+                  <p:par>
+                    <p:cTn id="3" fill="hold">
+                      <p:stCondLst>
+                        <p:cond delay="indefinite"/>
+                      </p:stCondLst>
+                      <p:childTnLst>
+                        <p:par>
+                          <p:cTn id="4" fill="hold">
+                            <p:stCondLst>
+                              <p:cond delay="0"/>
+                            </p:stCondLst>
+                            <p:childTnLst>
+                              <p:par>
+                                <p:cTn id="5" presetID="1" presetClass="entr" presetSubtype="0" fill="hold" nodeType="clickEffect">
+                                  <p:stCondLst>
+                                    <p:cond delay="0"/>
+                                  </p:stCondLst>
+                                  <p:childTnLst>
+                                    <p:set>
+                                      <p:cBhvr>
+                                        <p:cTn id="6" dur="1" fill="hold">
+                                          <p:stCondLst>
+                                            <p:cond delay="0"/>
+                                          </p:stCondLst>
+                                        </p:cTn>
+                                        <p:tgtEl>
+                                          <p:spTgt spid="4">
+                                            <p:txEl>
+                                              <p:pRg st="0" end="0"/>
+                                            </p:txEl>
+                                          </p:spTgt>
+                                        </p:tgtEl>
+                                        <p:attrNameLst>
+                                          <p:attrName>style.visibility</p:attrName>
+                                        </p:attrNameLst>
+                                      </p:cBhvr>
+                                      <p:to>
+                                        <p:strVal val="visible"/>
+                                      </p:to>
+                                    </p:set>
+                                  </p:childTnLst>
+                                </p:cTn>
+                              </p:par>
+                              <p:par>
+                                <p:cTn id="7" presetID="1" presetClass="entr" presetSubtype="0" fill="hold" nodeType="withEffect">
+                                  <p:stCondLst>
+                                    <p:cond delay="0"/>
+                                  </p:stCondLst>
+                                  <p:childTnLst>
+                                    <p:set>
+                                      <p:cBhvr>
+                                        <p:cTn id="8" dur="1" fill="hold">
+                                          <p:stCondLst>
+                                            <p:cond delay="0"/>
+                                          </p:stCondLst>
+                                        </p:cTn>
+                                        <p:tgtEl>
+                                          <p:spTgt spid="4">
+                                            <p:txEl>
+                                              <p:pRg st="1" end="1"/>
+                                            </p:txEl>
+                                          </p:spTgt>
+                                        </p:tgtEl>
+                                        <p:attrNameLst>
+                                          <p:attrName>style.visibility</p:attrName>
+                                        </p:attrNameLst>
+                                      </p:cBhvr>
+                                      <p:to>
+                                        <p:strVal val="visible"/>
+                                      </p:to>
+                                    </p:set>
+                                  </p:childTnLst>
+                                </p:cTn>
+                              </p:par>
+                              <p:par>
+                                <p:cTn id="9" presetID="1" presetClass="entr" presetSubtype="0" fill="hold" nodeType="withEffect">
+                                  <p:stCondLst>
+                                    <p:cond delay="0"/>
+                                  </p:stCondLst>
+                                  <p:childTnLst>
+                                    <p:set>
+                                      <p:cBhvr>
+                                        <p:cTn id="10" dur="1" fill="hold">
+                                          <p:stCondLst>
+                                            <p:cond delay="0"/>
+                                          </p:stCondLst>
+                                        </p:cTn>
+                                        <p:tgtEl>
+                                          <p:spTgt spid="5"/>
+                                        </p:tgtEl>
+                                        <p:attrNameLst>
+                                          <p:attrName>style.visibility</p:attrName>
+                                        </p:attrNameLst>
+                                      </p:cBhvr>
+                                      <p:to>
+                                        <p:strVal val="visible"/>
+                                      </p:to>
+                                    </p:set>
+                                  </p:childTnLst>
+                                </p:cTn>
+                              </p:par>
+                            </p:childTnLst>
+                          </p:cTn>
+                        </p:par>
+                      </p:childTnLst>
+                    </p:cTn>
+                  </p:par>
+                  <p:par>
+                    <p:cTn id="11" fill="hold">
+                      <p:stCondLst>
+                        <p:cond delay="indefinite"/>
+                      </p:stCondLst>
+                      <p:childTnLst>
+                        <p:par>
+                          <p:cTn id="12" fill="hold">
+                            <p:stCondLst>
+                              <p:cond delay="0"/>
+                            </p:stCondLst>
+                            <p:childTnLst>
+                              <p:par>
+                                <p:cTn id="13" presetID="1" presetClass="entr" presetSubtype="0" fill="hold" nodeType="clickEffect">
+                                  <p:stCondLst>
+                                    <p:cond delay="0"/>
+                                  </p:stCondLst>
+                                  <p:childTnLst>
+                                    <p:set>
+                                      <p:cBhvr>
+                                        <p:cTn id="14" dur="1" fill="hold">
+                                          <p:stCondLst>
+                                            <p:cond delay="0"/>
+                                          </p:stCondLst>
+                                        </p:cTn>
+                                        <p:tgtEl>
+                                          <p:spTgt spid="4">
+                                            <p:txEl>
+                                              <p:pRg st="2" end="2"/>
+                                            </p:txEl>
+                                          </p:spTgt>
+                                        </p:tgtEl>
+                                        <p:attrNameLst>
+                                          <p:attrName>style.visibility</p:attrName>
+                                        </p:attrNameLst>
+                                      </p:cBhvr>
+                                      <p:to>
+                                        <p:strVal val="visible"/>
+                                      </p:to>
+                                    </p:set>
+                                  </p:childTnLst>
+                                </p:cTn>
+                              </p:par>
+                              <p:par>
+                                <p:cTn id="15" presetID="1" presetClass="entr" presetSubtype="0" fill="hold" nodeType="withEffect">
+                                  <p:stCondLst>
+                                    <p:cond delay="0"/>
+                                  </p:stCondLst>
+                                  <p:childTnLst>
+                                    <p:set>
+                                      <p:cBhvr>
+                                        <p:cTn id="16" dur="1" fill="hold">
+                                          <p:stCondLst>
+                                            <p:cond delay="0"/>
+                                          </p:stCondLst>
+                                        </p:cTn>
+                                        <p:tgtEl>
+                                          <p:spTgt spid="4">
+                                            <p:txEl>
+                                              <p:pRg st="3" end="3"/>
+                                            </p:txEl>
+                                          </p:spTgt>
+                                        </p:tgtEl>
+                                        <p:attrNameLst>
+                                          <p:attrName>style.visibility</p:attrName>
+                                        </p:attrNameLst>
+                                      </p:cBhvr>
+                                      <p:to>
+                                        <p:strVal val="visible"/>
+                                      </p:to>
+                                    </p:set>
+                                  </p:childTnLst>
+                                </p:cTn>
+                              </p:par>
+                              <p:par>
+                                <p:cTn id="17" presetID="1" presetClass="entr" presetSubtype="0" fill="hold" nodeType="withEffect">
+                                  <p:stCondLst>
+                                    <p:cond delay="0"/>
+                                  </p:stCondLst>
+                                  <p:childTnLst>
+                                    <p:set>
+                                      <p:cBhvr>
+                                        <p:cTn id="18" dur="1" fill="hold">
+                                          <p:stCondLst>
+                                            <p:cond delay="0"/>
+                                          </p:stCondLst>
+                                        </p:cTn>
+                                        <p:tgtEl>
+                                          <p:spTgt spid="7"/>
+                                        </p:tgtEl>
+                                        <p:attrNameLst>
+                                          <p:attrName>style.visibility</p:attrName>
+                                        </p:attrNameLst>
+                                      </p:cBhvr>
+                                      <p:to>
+                                        <p:strVal val="visible"/>
+                                      </p:to>
+                                    </p:set>
+                                  </p:childTnLst>
+                                </p:cTn>
+                              </p:par>
+                            </p:childTnLst>
+                          </p:cTn>
+                        </p:par>
+                      </p:childTnLst>
+                    </p:cTn>
+                  </p:par>
+                  <p:par>
+                    <p:cTn id="19" fill="hold">
+                      <p:stCondLst>
+                        <p:cond delay="indefinite"/>
+                      </p:stCondLst>
+                      <p:childTnLst>
+                        <p:par>
+                          <p:cTn id="20" fill="hold">
+                            <p:stCondLst>
+                              <p:cond delay="0"/>
+                            </p:stCondLst>
+                            <p:childTnLst>
+                              <p:par>
+                                <p:cTn id="21" presetID="1" presetClass="entr" presetSubtype="0" fill="hold" nodeType="clickEffect">
+                                  <p:stCondLst>
+                                    <p:cond delay="0"/>
+                                  </p:stCondLst>
+                                  <p:childTnLst>
+                                    <p:set>
+                                      <p:cBhvr>
+                                        <p:cTn id="22" dur="1" fill="hold">
+                                          <p:stCondLst>
+                                            <p:cond delay="0"/>
+                                          </p:stCondLst>
+                                        </p:cTn>
+                                        <p:tgtEl>
+                                          <p:spTgt spid="6">
+                                            <p:txEl>
+                                              <p:pRg st="1" end="1"/>
+                                            </p:txEl>
+                                          </p:spTgt>
+                                        </p:tgtEl>
+                                        <p:attrNameLst>
+                                          <p:attrName>style.visibility</p:attrName>
+                                        </p:attrNameLst>
+                                      </p:cBhvr>
+                                      <p:to>
+                                        <p:strVal val="visible"/>
+                                      </p:to>
+                                    </p:set>
+                                  </p:childTnLst>
+                                </p:cTn>
+                              </p:par>
+                              <p:par>
+                                <p:cTn id="23" presetID="1" presetClass="entr" presetSubtype="0" fill="hold" nodeType="withEffect">
+                                  <p:stCondLst>
+                                    <p:cond delay="0"/>
+                                  </p:stCondLst>
+                                  <p:childTnLst>
+                                    <p:set>
+                                      <p:cBhvr>
+                                        <p:cTn id="24" dur="1" fill="hold">
+                                          <p:stCondLst>
+                                            <p:cond delay="0"/>
+                                          </p:stCondLst>
+                                        </p:cTn>
+                                        <p:tgtEl>
+                                          <p:spTgt spid="6">
+                                            <p:txEl>
+                                              <p:pRg st="2" end="2"/>
+                                            </p:txEl>
+                                          </p:spTgt>
+                                        </p:tgtEl>
+                                        <p:attrNameLst>
+                                          <p:attrName>style.visibility</p:attrName>
+                                        </p:attrNameLst>
+                                      </p:cBhvr>
+                                      <p:to>
+                                        <p:strVal val="visible"/>
+                                      </p:to>
+                                    </p:set>
+                                  </p:childTnLst>
+                                </p:cTn>
+                              </p:par>
+                              <p:par>
+                                <p:cTn id="25" presetID="1" presetClass="entr" presetSubtype="0" fill="hold" nodeType="withEffect">
+                                  <p:stCondLst>
+                                    <p:cond delay="0"/>
+                                  </p:stCondLst>
+                                  <p:childTnLst>
+                                    <p:set>
+                                      <p:cBhvr>
+                                        <p:cTn id="26" dur="1" fill="hold">
+                                          <p:stCondLst>
+                                            <p:cond delay="0"/>
+                                          </p:stCondLst>
+                                        </p:cTn>
+                                        <p:tgtEl>
+                                          <p:spTgt spid="6">
+                                            <p:txEl>
+                                              <p:pRg st="0" end="0"/>
+                                            </p:txEl>
+                                          </p:spTgt>
+                                        </p:tgtEl>
+                                        <p:attrNameLst>
+                                          <p:attrName>style.visibility</p:attrName>
+                                        </p:attrNameLst>
+                                      </p:cBhvr>
+                                      <p:to>
+                                        <p:strVal val="visible"/>
+                                      </p:to>
+                                    </p:set>
+                                  </p:childTnLst>
+                                </p:cTn>
+                              </p:par>
+                            </p:childTnLst>
+                          </p:cTn>
+                        </p:par>
+                      </p:childTnLst>
+                    </p:cTn>
+                  </p:par>
+                </p:childTnLst>
+              </p:cTn>
+              <p:prevCondLst>
+                <p:cond evt="onPrev" delay="0">
+                  <p:tgtEl>
+                    <p:sldTgt/>
+                  </p:tgtEl>
+                </p:cond>
+              </p:prevCondLst>
+              <p:nextCondLst>
+                <p:cond evt="onNext" delay="0">
+                  <p:tgtEl>
+                    <p:sldTgt/>
+                  </p:tgtEl>
+                </p:cond>
+              </p:nextCondLst>
+            </p:seq>
+          </p:childTnLst>
+        </p:cTn>
+      </p:par>
+    </p:tnLst>
+  </p:timing>
 </p:sld>
 </file>
 
@@ -7308,6 +9231,223 @@
   <p:clrMapOvr>
     <a:masterClrMapping/>
   </p:clrMapOvr>
+  <p:timing>
+    <p:tnLst>
+      <p:par>
+        <p:cTn id="1" dur="indefinite" restart="never" nodeType="tmRoot">
+          <p:childTnLst>
+            <p:seq concurrent="1" nextAc="seek">
+              <p:cTn id="2" dur="indefinite" nodeType="mainSeq">
+                <p:childTnLst>
+                  <p:par>
+                    <p:cTn id="3" fill="hold">
+                      <p:stCondLst>
+                        <p:cond delay="indefinite"/>
+                      </p:stCondLst>
+                      <p:childTnLst>
+                        <p:par>
+                          <p:cTn id="4" fill="hold">
+                            <p:stCondLst>
+                              <p:cond delay="0"/>
+                            </p:stCondLst>
+                            <p:childTnLst>
+                              <p:par>
+                                <p:cTn id="5" presetID="1" presetClass="entr" presetSubtype="0" fill="hold" nodeType="clickEffect">
+                                  <p:stCondLst>
+                                    <p:cond delay="0"/>
+                                  </p:stCondLst>
+                                  <p:childTnLst>
+                                    <p:set>
+                                      <p:cBhvr>
+                                        <p:cTn id="6" dur="1" fill="hold">
+                                          <p:stCondLst>
+                                            <p:cond delay="0"/>
+                                          </p:stCondLst>
+                                        </p:cTn>
+                                        <p:tgtEl>
+                                          <p:spTgt spid="4"/>
+                                        </p:tgtEl>
+                                        <p:attrNameLst>
+                                          <p:attrName>style.visibility</p:attrName>
+                                        </p:attrNameLst>
+                                      </p:cBhvr>
+                                      <p:to>
+                                        <p:strVal val="visible"/>
+                                      </p:to>
+                                    </p:set>
+                                  </p:childTnLst>
+                                </p:cTn>
+                              </p:par>
+                            </p:childTnLst>
+                          </p:cTn>
+                        </p:par>
+                      </p:childTnLst>
+                    </p:cTn>
+                  </p:par>
+                  <p:par>
+                    <p:cTn id="7" fill="hold">
+                      <p:stCondLst>
+                        <p:cond delay="indefinite"/>
+                      </p:stCondLst>
+                      <p:childTnLst>
+                        <p:par>
+                          <p:cTn id="8" fill="hold">
+                            <p:stCondLst>
+                              <p:cond delay="0"/>
+                            </p:stCondLst>
+                            <p:childTnLst>
+                              <p:par>
+                                <p:cTn id="9" presetID="1" presetClass="entr" presetSubtype="0" fill="hold" nodeType="clickEffect">
+                                  <p:stCondLst>
+                                    <p:cond delay="0"/>
+                                  </p:stCondLst>
+                                  <p:childTnLst>
+                                    <p:set>
+                                      <p:cBhvr>
+                                        <p:cTn id="10" dur="1" fill="hold">
+                                          <p:stCondLst>
+                                            <p:cond delay="0"/>
+                                          </p:stCondLst>
+                                        </p:cTn>
+                                        <p:tgtEl>
+                                          <p:spTgt spid="5"/>
+                                        </p:tgtEl>
+                                        <p:attrNameLst>
+                                          <p:attrName>style.visibility</p:attrName>
+                                        </p:attrNameLst>
+                                      </p:cBhvr>
+                                      <p:to>
+                                        <p:strVal val="visible"/>
+                                      </p:to>
+                                    </p:set>
+                                  </p:childTnLst>
+                                </p:cTn>
+                              </p:par>
+                            </p:childTnLst>
+                          </p:cTn>
+                        </p:par>
+                      </p:childTnLst>
+                    </p:cTn>
+                  </p:par>
+                  <p:par>
+                    <p:cTn id="11" fill="hold">
+                      <p:stCondLst>
+                        <p:cond delay="indefinite"/>
+                      </p:stCondLst>
+                      <p:childTnLst>
+                        <p:par>
+                          <p:cTn id="12" fill="hold">
+                            <p:stCondLst>
+                              <p:cond delay="0"/>
+                            </p:stCondLst>
+                            <p:childTnLst>
+                              <p:par>
+                                <p:cTn id="13" presetID="1" presetClass="entr" presetSubtype="0" fill="hold" nodeType="clickEffect">
+                                  <p:stCondLst>
+                                    <p:cond delay="0"/>
+                                  </p:stCondLst>
+                                  <p:childTnLst>
+                                    <p:set>
+                                      <p:cBhvr>
+                                        <p:cTn id="14" dur="1" fill="hold">
+                                          <p:stCondLst>
+                                            <p:cond delay="0"/>
+                                          </p:stCondLst>
+                                        </p:cTn>
+                                        <p:tgtEl>
+                                          <p:spTgt spid="6"/>
+                                        </p:tgtEl>
+                                        <p:attrNameLst>
+                                          <p:attrName>style.visibility</p:attrName>
+                                        </p:attrNameLst>
+                                      </p:cBhvr>
+                                      <p:to>
+                                        <p:strVal val="visible"/>
+                                      </p:to>
+                                    </p:set>
+                                  </p:childTnLst>
+                                </p:cTn>
+                              </p:par>
+                            </p:childTnLst>
+                          </p:cTn>
+                        </p:par>
+                      </p:childTnLst>
+                    </p:cTn>
+                  </p:par>
+                  <p:par>
+                    <p:cTn id="15" fill="hold">
+                      <p:stCondLst>
+                        <p:cond delay="indefinite"/>
+                      </p:stCondLst>
+                      <p:childTnLst>
+                        <p:par>
+                          <p:cTn id="16" fill="hold">
+                            <p:stCondLst>
+                              <p:cond delay="0"/>
+                            </p:stCondLst>
+                            <p:childTnLst>
+                              <p:par>
+                                <p:cTn id="17" presetID="1" presetClass="entr" presetSubtype="0" fill="hold" grpId="0" nodeType="clickEffect">
+                                  <p:stCondLst>
+                                    <p:cond delay="0"/>
+                                  </p:stCondLst>
+                                  <p:childTnLst>
+                                    <p:set>
+                                      <p:cBhvr>
+                                        <p:cTn id="18" dur="1" fill="hold">
+                                          <p:stCondLst>
+                                            <p:cond delay="0"/>
+                                          </p:stCondLst>
+                                        </p:cTn>
+                                        <p:tgtEl>
+                                          <p:spTgt spid="7">
+                                            <p:txEl>
+                                              <p:pRg st="0" end="0"/>
+                                            </p:txEl>
+                                          </p:spTgt>
+                                        </p:tgtEl>
+                                        <p:attrNameLst>
+                                          <p:attrName>style.visibility</p:attrName>
+                                        </p:attrNameLst>
+                                      </p:cBhvr>
+                                      <p:to>
+                                        <p:strVal val="visible"/>
+                                      </p:to>
+                                    </p:set>
+                                  </p:childTnLst>
+                                </p:cTn>
+                              </p:par>
+                            </p:childTnLst>
+                          </p:cTn>
+                        </p:par>
+                      </p:childTnLst>
+                    </p:cTn>
+                  </p:par>
+                </p:childTnLst>
+              </p:cTn>
+              <p:prevCondLst>
+                <p:cond evt="onPrev" delay="0">
+                  <p:tgtEl>
+                    <p:sldTgt/>
+                  </p:tgtEl>
+                </p:cond>
+              </p:prevCondLst>
+              <p:nextCondLst>
+                <p:cond evt="onNext" delay="0">
+                  <p:tgtEl>
+                    <p:sldTgt/>
+                  </p:tgtEl>
+                </p:cond>
+              </p:nextCondLst>
+            </p:seq>
+          </p:childTnLst>
+        </p:cTn>
+      </p:par>
+    </p:tnLst>
+    <p:bldLst>
+      <p:bldP spid="7" grpId="0" build="p"/>
+    </p:bldLst>
+  </p:timing>
 </p:sld>
 </file>
 
@@ -7395,7 +9535,7 @@
             </a:r>
             <a:r>
               <a:rPr lang="en-US" dirty="0" err="1" smtClean="0"/>
-              <a:t>jamie_Dixon</a:t>
+              <a:t>jamie_dixon</a:t>
             </a:r>
             <a:endParaRPr lang="en-US" dirty="0" smtClean="0"/>
           </a:p>
@@ -7433,6 +9573,13 @@
   <p:clrMapOvr>
     <a:masterClrMapping/>
   </p:clrMapOvr>
+  <p:timing>
+    <p:tnLst>
+      <p:par>
+        <p:cTn id="1" dur="indefinite" restart="never" nodeType="tmRoot"/>
+      </p:par>
+    </p:tnLst>
+  </p:timing>
 </p:sld>
 </file>
 
@@ -7552,6 +9699,171 @@
   <p:clrMapOvr>
     <a:masterClrMapping/>
   </p:clrMapOvr>
+  <p:timing>
+    <p:tnLst>
+      <p:par>
+        <p:cTn id="1" dur="indefinite" restart="never" nodeType="tmRoot">
+          <p:childTnLst>
+            <p:seq concurrent="1" nextAc="seek">
+              <p:cTn id="2" dur="indefinite" nodeType="mainSeq">
+                <p:childTnLst>
+                  <p:par>
+                    <p:cTn id="3" fill="hold">
+                      <p:stCondLst>
+                        <p:cond delay="indefinite"/>
+                      </p:stCondLst>
+                      <p:childTnLst>
+                        <p:par>
+                          <p:cTn id="4" fill="hold">
+                            <p:stCondLst>
+                              <p:cond delay="0"/>
+                            </p:stCondLst>
+                            <p:childTnLst>
+                              <p:par>
+                                <p:cTn id="5" presetID="1" presetClass="entr" presetSubtype="0" fill="hold" nodeType="clickEffect">
+                                  <p:stCondLst>
+                                    <p:cond delay="0"/>
+                                  </p:stCondLst>
+                                  <p:childTnLst>
+                                    <p:set>
+                                      <p:cBhvr>
+                                        <p:cTn id="6" dur="1" fill="hold">
+                                          <p:stCondLst>
+                                            <p:cond delay="0"/>
+                                          </p:stCondLst>
+                                        </p:cTn>
+                                        <p:tgtEl>
+                                          <p:spTgt spid="5"/>
+                                        </p:tgtEl>
+                                        <p:attrNameLst>
+                                          <p:attrName>style.visibility</p:attrName>
+                                        </p:attrNameLst>
+                                      </p:cBhvr>
+                                      <p:to>
+                                        <p:strVal val="visible"/>
+                                      </p:to>
+                                    </p:set>
+                                  </p:childTnLst>
+                                </p:cTn>
+                              </p:par>
+                            </p:childTnLst>
+                          </p:cTn>
+                        </p:par>
+                      </p:childTnLst>
+                    </p:cTn>
+                  </p:par>
+                  <p:par>
+                    <p:cTn id="7" fill="hold">
+                      <p:stCondLst>
+                        <p:cond delay="indefinite"/>
+                      </p:stCondLst>
+                      <p:childTnLst>
+                        <p:par>
+                          <p:cTn id="8" fill="hold">
+                            <p:stCondLst>
+                              <p:cond delay="0"/>
+                            </p:stCondLst>
+                            <p:childTnLst>
+                              <p:par>
+                                <p:cTn id="9" presetID="1" presetClass="entr" presetSubtype="0" fill="hold" nodeType="clickEffect">
+                                  <p:stCondLst>
+                                    <p:cond delay="0"/>
+                                  </p:stCondLst>
+                                  <p:childTnLst>
+                                    <p:set>
+                                      <p:cBhvr>
+                                        <p:cTn id="10" dur="1" fill="hold">
+                                          <p:stCondLst>
+                                            <p:cond delay="0"/>
+                                          </p:stCondLst>
+                                        </p:cTn>
+                                        <p:tgtEl>
+                                          <p:spTgt spid="10"/>
+                                        </p:tgtEl>
+                                        <p:attrNameLst>
+                                          <p:attrName>style.visibility</p:attrName>
+                                        </p:attrNameLst>
+                                      </p:cBhvr>
+                                      <p:to>
+                                        <p:strVal val="visible"/>
+                                      </p:to>
+                                    </p:set>
+                                  </p:childTnLst>
+                                </p:cTn>
+                              </p:par>
+                            </p:childTnLst>
+                          </p:cTn>
+                        </p:par>
+                      </p:childTnLst>
+                    </p:cTn>
+                  </p:par>
+                  <p:par>
+                    <p:cTn id="11" fill="hold">
+                      <p:stCondLst>
+                        <p:cond delay="indefinite"/>
+                      </p:stCondLst>
+                      <p:childTnLst>
+                        <p:par>
+                          <p:cTn id="12" fill="hold">
+                            <p:stCondLst>
+                              <p:cond delay="0"/>
+                            </p:stCondLst>
+                            <p:childTnLst>
+                              <p:par>
+                                <p:cTn id="13" presetID="1" presetClass="entr" presetSubtype="0" fill="hold" nodeType="clickEffect">
+                                  <p:stCondLst>
+                                    <p:cond delay="0"/>
+                                  </p:stCondLst>
+                                  <p:childTnLst>
+                                    <p:set>
+                                      <p:cBhvr>
+                                        <p:cTn id="14" dur="1" fill="hold">
+                                          <p:stCondLst>
+                                            <p:cond delay="0"/>
+                                          </p:stCondLst>
+                                        </p:cTn>
+                                        <p:tgtEl>
+                                          <p:spTgt spid="11"/>
+                                        </p:tgtEl>
+                                        <p:attrNameLst>
+                                          <p:attrName>style.visibility</p:attrName>
+                                        </p:attrNameLst>
+                                      </p:cBhvr>
+                                      <p:to>
+                                        <p:strVal val="visible"/>
+                                      </p:to>
+                                    </p:set>
+                                  </p:childTnLst>
+                                </p:cTn>
+                              </p:par>
+                            </p:childTnLst>
+                          </p:cTn>
+                        </p:par>
+                      </p:childTnLst>
+                    </p:cTn>
+                  </p:par>
+                </p:childTnLst>
+              </p:cTn>
+              <p:prevCondLst>
+                <p:cond evt="onPrev" delay="0">
+                  <p:tgtEl>
+                    <p:sldTgt/>
+                  </p:tgtEl>
+                </p:cond>
+              </p:prevCondLst>
+              <p:nextCondLst>
+                <p:cond evt="onNext" delay="0">
+                  <p:tgtEl>
+                    <p:sldTgt/>
+                  </p:tgtEl>
+                </p:cond>
+              </p:nextCondLst>
+            </p:seq>
+          </p:childTnLst>
+        </p:cTn>
+      </p:par>
+    </p:tnLst>
+  </p:timing>
 </p:sld>
 </file>
 
@@ -7581,7 +9893,7 @@
           <p:nvPr/>
         </p:nvPicPr>
         <p:blipFill>
-          <a:blip r:embed="rId2">
+          <a:blip r:embed="rId3">
             <a:extLst>
               <a:ext uri="{28A0092B-C50C-407E-A947-70E740481C1C}">
                 <a14:useLocalDpi xmlns:a14="http://schemas.microsoft.com/office/drawing/2010/main" val="0"/>
@@ -7611,7 +9923,7 @@
           <p:nvPr/>
         </p:nvPicPr>
         <p:blipFill>
-          <a:blip r:embed="rId3">
+          <a:blip r:embed="rId4">
             <a:extLst>
               <a:ext uri="{28A0092B-C50C-407E-A947-70E740481C1C}">
                 <a14:useLocalDpi xmlns:a14="http://schemas.microsoft.com/office/drawing/2010/main" val="0"/>
@@ -7642,6 +9954,13 @@
   <p:clrMapOvr>
     <a:masterClrMapping/>
   </p:clrMapOvr>
+  <p:timing>
+    <p:tnLst>
+      <p:par>
+        <p:cTn id="1" dur="indefinite" restart="never" nodeType="tmRoot"/>
+      </p:par>
+    </p:tnLst>
+  </p:timing>
 </p:sld>
 </file>
 
@@ -7756,6 +10075,171 @@
   <p:clrMapOvr>
     <a:masterClrMapping/>
   </p:clrMapOvr>
+  <p:timing>
+    <p:tnLst>
+      <p:par>
+        <p:cTn id="1" dur="indefinite" restart="never" nodeType="tmRoot">
+          <p:childTnLst>
+            <p:seq concurrent="1" nextAc="seek">
+              <p:cTn id="2" dur="indefinite" nodeType="mainSeq">
+                <p:childTnLst>
+                  <p:par>
+                    <p:cTn id="3" fill="hold">
+                      <p:stCondLst>
+                        <p:cond delay="indefinite"/>
+                      </p:stCondLst>
+                      <p:childTnLst>
+                        <p:par>
+                          <p:cTn id="4" fill="hold">
+                            <p:stCondLst>
+                              <p:cond delay="0"/>
+                            </p:stCondLst>
+                            <p:childTnLst>
+                              <p:par>
+                                <p:cTn id="5" presetID="1" presetClass="entr" presetSubtype="0" fill="hold" nodeType="clickEffect">
+                                  <p:stCondLst>
+                                    <p:cond delay="0"/>
+                                  </p:stCondLst>
+                                  <p:childTnLst>
+                                    <p:set>
+                                      <p:cBhvr>
+                                        <p:cTn id="6" dur="1" fill="hold">
+                                          <p:stCondLst>
+                                            <p:cond delay="0"/>
+                                          </p:stCondLst>
+                                        </p:cTn>
+                                        <p:tgtEl>
+                                          <p:spTgt spid="7"/>
+                                        </p:tgtEl>
+                                        <p:attrNameLst>
+                                          <p:attrName>style.visibility</p:attrName>
+                                        </p:attrNameLst>
+                                      </p:cBhvr>
+                                      <p:to>
+                                        <p:strVal val="visible"/>
+                                      </p:to>
+                                    </p:set>
+                                  </p:childTnLst>
+                                </p:cTn>
+                              </p:par>
+                            </p:childTnLst>
+                          </p:cTn>
+                        </p:par>
+                      </p:childTnLst>
+                    </p:cTn>
+                  </p:par>
+                  <p:par>
+                    <p:cTn id="7" fill="hold">
+                      <p:stCondLst>
+                        <p:cond delay="indefinite"/>
+                      </p:stCondLst>
+                      <p:childTnLst>
+                        <p:par>
+                          <p:cTn id="8" fill="hold">
+                            <p:stCondLst>
+                              <p:cond delay="0"/>
+                            </p:stCondLst>
+                            <p:childTnLst>
+                              <p:par>
+                                <p:cTn id="9" presetID="1" presetClass="entr" presetSubtype="0" fill="hold" nodeType="clickEffect">
+                                  <p:stCondLst>
+                                    <p:cond delay="0"/>
+                                  </p:stCondLst>
+                                  <p:childTnLst>
+                                    <p:set>
+                                      <p:cBhvr>
+                                        <p:cTn id="10" dur="1" fill="hold">
+                                          <p:stCondLst>
+                                            <p:cond delay="0"/>
+                                          </p:stCondLst>
+                                        </p:cTn>
+                                        <p:tgtEl>
+                                          <p:spTgt spid="5"/>
+                                        </p:tgtEl>
+                                        <p:attrNameLst>
+                                          <p:attrName>style.visibility</p:attrName>
+                                        </p:attrNameLst>
+                                      </p:cBhvr>
+                                      <p:to>
+                                        <p:strVal val="visible"/>
+                                      </p:to>
+                                    </p:set>
+                                  </p:childTnLst>
+                                </p:cTn>
+                              </p:par>
+                            </p:childTnLst>
+                          </p:cTn>
+                        </p:par>
+                      </p:childTnLst>
+                    </p:cTn>
+                  </p:par>
+                  <p:par>
+                    <p:cTn id="11" fill="hold">
+                      <p:stCondLst>
+                        <p:cond delay="indefinite"/>
+                      </p:stCondLst>
+                      <p:childTnLst>
+                        <p:par>
+                          <p:cTn id="12" fill="hold">
+                            <p:stCondLst>
+                              <p:cond delay="0"/>
+                            </p:stCondLst>
+                            <p:childTnLst>
+                              <p:par>
+                                <p:cTn id="13" presetID="1" presetClass="entr" presetSubtype="0" fill="hold" nodeType="clickEffect">
+                                  <p:stCondLst>
+                                    <p:cond delay="0"/>
+                                  </p:stCondLst>
+                                  <p:childTnLst>
+                                    <p:set>
+                                      <p:cBhvr>
+                                        <p:cTn id="14" dur="1" fill="hold">
+                                          <p:stCondLst>
+                                            <p:cond delay="0"/>
+                                          </p:stCondLst>
+                                        </p:cTn>
+                                        <p:tgtEl>
+                                          <p:spTgt spid="2"/>
+                                        </p:tgtEl>
+                                        <p:attrNameLst>
+                                          <p:attrName>style.visibility</p:attrName>
+                                        </p:attrNameLst>
+                                      </p:cBhvr>
+                                      <p:to>
+                                        <p:strVal val="visible"/>
+                                      </p:to>
+                                    </p:set>
+                                  </p:childTnLst>
+                                </p:cTn>
+                              </p:par>
+                            </p:childTnLst>
+                          </p:cTn>
+                        </p:par>
+                      </p:childTnLst>
+                    </p:cTn>
+                  </p:par>
+                </p:childTnLst>
+              </p:cTn>
+              <p:prevCondLst>
+                <p:cond evt="onPrev" delay="0">
+                  <p:tgtEl>
+                    <p:sldTgt/>
+                  </p:tgtEl>
+                </p:cond>
+              </p:prevCondLst>
+              <p:nextCondLst>
+                <p:cond evt="onNext" delay="0">
+                  <p:tgtEl>
+                    <p:sldTgt/>
+                  </p:tgtEl>
+                </p:cond>
+              </p:nextCondLst>
+            </p:seq>
+          </p:childTnLst>
+        </p:cTn>
+      </p:par>
+    </p:tnLst>
+  </p:timing>
 </p:sld>
 </file>
 
@@ -7875,6 +10359,13 @@
   <p:clrMapOvr>
     <a:masterClrMapping/>
   </p:clrMapOvr>
+  <p:timing>
+    <p:tnLst>
+      <p:par>
+        <p:cTn id="1" dur="indefinite" restart="never" nodeType="tmRoot"/>
+      </p:par>
+    </p:tnLst>
+  </p:timing>
 </p:sld>
 </file>
 
@@ -8077,6 +10568,171 @@
   <p:clrMapOvr>
     <a:masterClrMapping/>
   </p:clrMapOvr>
+  <p:timing>
+    <p:tnLst>
+      <p:par>
+        <p:cTn id="1" dur="indefinite" restart="never" nodeType="tmRoot">
+          <p:childTnLst>
+            <p:seq concurrent="1" nextAc="seek">
+              <p:cTn id="2" dur="indefinite" nodeType="mainSeq">
+                <p:childTnLst>
+                  <p:par>
+                    <p:cTn id="3" fill="hold">
+                      <p:stCondLst>
+                        <p:cond delay="indefinite"/>
+                      </p:stCondLst>
+                      <p:childTnLst>
+                        <p:par>
+                          <p:cTn id="4" fill="hold">
+                            <p:stCondLst>
+                              <p:cond delay="0"/>
+                            </p:stCondLst>
+                            <p:childTnLst>
+                              <p:par>
+                                <p:cTn id="5" presetID="1" presetClass="entr" presetSubtype="0" fill="hold" nodeType="clickEffect">
+                                  <p:stCondLst>
+                                    <p:cond delay="0"/>
+                                  </p:stCondLst>
+                                  <p:childTnLst>
+                                    <p:set>
+                                      <p:cBhvr>
+                                        <p:cTn id="6" dur="1" fill="hold">
+                                          <p:stCondLst>
+                                            <p:cond delay="0"/>
+                                          </p:stCondLst>
+                                        </p:cTn>
+                                        <p:tgtEl>
+                                          <p:spTgt spid="8"/>
+                                        </p:tgtEl>
+                                        <p:attrNameLst>
+                                          <p:attrName>style.visibility</p:attrName>
+                                        </p:attrNameLst>
+                                      </p:cBhvr>
+                                      <p:to>
+                                        <p:strVal val="visible"/>
+                                      </p:to>
+                                    </p:set>
+                                  </p:childTnLst>
+                                </p:cTn>
+                              </p:par>
+                            </p:childTnLst>
+                          </p:cTn>
+                        </p:par>
+                      </p:childTnLst>
+                    </p:cTn>
+                  </p:par>
+                  <p:par>
+                    <p:cTn id="7" fill="hold">
+                      <p:stCondLst>
+                        <p:cond delay="indefinite"/>
+                      </p:stCondLst>
+                      <p:childTnLst>
+                        <p:par>
+                          <p:cTn id="8" fill="hold">
+                            <p:stCondLst>
+                              <p:cond delay="0"/>
+                            </p:stCondLst>
+                            <p:childTnLst>
+                              <p:par>
+                                <p:cTn id="9" presetID="1" presetClass="entr" presetSubtype="0" fill="hold" nodeType="clickEffect">
+                                  <p:stCondLst>
+                                    <p:cond delay="0"/>
+                                  </p:stCondLst>
+                                  <p:childTnLst>
+                                    <p:set>
+                                      <p:cBhvr>
+                                        <p:cTn id="10" dur="1" fill="hold">
+                                          <p:stCondLst>
+                                            <p:cond delay="0"/>
+                                          </p:stCondLst>
+                                        </p:cTn>
+                                        <p:tgtEl>
+                                          <p:spTgt spid="6"/>
+                                        </p:tgtEl>
+                                        <p:attrNameLst>
+                                          <p:attrName>style.visibility</p:attrName>
+                                        </p:attrNameLst>
+                                      </p:cBhvr>
+                                      <p:to>
+                                        <p:strVal val="visible"/>
+                                      </p:to>
+                                    </p:set>
+                                  </p:childTnLst>
+                                </p:cTn>
+                              </p:par>
+                            </p:childTnLst>
+                          </p:cTn>
+                        </p:par>
+                      </p:childTnLst>
+                    </p:cTn>
+                  </p:par>
+                  <p:par>
+                    <p:cTn id="11" fill="hold">
+                      <p:stCondLst>
+                        <p:cond delay="indefinite"/>
+                      </p:stCondLst>
+                      <p:childTnLst>
+                        <p:par>
+                          <p:cTn id="12" fill="hold">
+                            <p:stCondLst>
+                              <p:cond delay="0"/>
+                            </p:stCondLst>
+                            <p:childTnLst>
+                              <p:par>
+                                <p:cTn id="13" presetID="1" presetClass="entr" presetSubtype="0" fill="hold" nodeType="clickEffect">
+                                  <p:stCondLst>
+                                    <p:cond delay="0"/>
+                                  </p:stCondLst>
+                                  <p:childTnLst>
+                                    <p:set>
+                                      <p:cBhvr>
+                                        <p:cTn id="14" dur="1" fill="hold">
+                                          <p:stCondLst>
+                                            <p:cond delay="0"/>
+                                          </p:stCondLst>
+                                        </p:cTn>
+                                        <p:tgtEl>
+                                          <p:spTgt spid="7"/>
+                                        </p:tgtEl>
+                                        <p:attrNameLst>
+                                          <p:attrName>style.visibility</p:attrName>
+                                        </p:attrNameLst>
+                                      </p:cBhvr>
+                                      <p:to>
+                                        <p:strVal val="visible"/>
+                                      </p:to>
+                                    </p:set>
+                                  </p:childTnLst>
+                                </p:cTn>
+                              </p:par>
+                            </p:childTnLst>
+                          </p:cTn>
+                        </p:par>
+                      </p:childTnLst>
+                    </p:cTn>
+                  </p:par>
+                </p:childTnLst>
+              </p:cTn>
+              <p:prevCondLst>
+                <p:cond evt="onPrev" delay="0">
+                  <p:tgtEl>
+                    <p:sldTgt/>
+                  </p:tgtEl>
+                </p:cond>
+              </p:prevCondLst>
+              <p:nextCondLst>
+                <p:cond evt="onNext" delay="0">
+                  <p:tgtEl>
+                    <p:sldTgt/>
+                  </p:tgtEl>
+                </p:cond>
+              </p:nextCondLst>
+            </p:seq>
+          </p:childTnLst>
+        </p:cTn>
+      </p:par>
+    </p:tnLst>
+  </p:timing>
 </p:sld>
 </file>
 
@@ -8142,7 +10798,7 @@
         </p:blipFill>
         <p:spPr>
           <a:xfrm>
-            <a:off x="4566642" y="2393210"/>
+            <a:off x="1378403" y="2214739"/>
             <a:ext cx="1953014" cy="2372081"/>
           </a:xfrm>
           <a:prstGeom prst="rect">
@@ -8172,7 +10828,7 @@
         </p:blipFill>
         <p:spPr>
           <a:xfrm>
-            <a:off x="7998093" y="2224086"/>
+            <a:off x="8346436" y="2214740"/>
             <a:ext cx="1893094" cy="2372081"/>
           </a:xfrm>
           <a:prstGeom prst="rect">
@@ -8202,7 +10858,7 @@
         </p:blipFill>
         <p:spPr>
           <a:xfrm>
-            <a:off x="5791871" y="4950999"/>
+            <a:off x="2425172" y="4960669"/>
             <a:ext cx="1455569" cy="1455569"/>
           </a:xfrm>
           <a:prstGeom prst="rect">
@@ -8232,7 +10888,7 @@
         </p:blipFill>
         <p:spPr>
           <a:xfrm>
-            <a:off x="8944640" y="4596167"/>
+            <a:off x="8950616" y="4242556"/>
             <a:ext cx="2857500" cy="1781175"/>
           </a:xfrm>
           <a:prstGeom prst="rect">
@@ -8262,7 +10918,7 @@
         </p:blipFill>
         <p:spPr>
           <a:xfrm>
-            <a:off x="804070" y="2393210"/>
+            <a:off x="4450709" y="2219682"/>
             <a:ext cx="3304436" cy="2202957"/>
           </a:xfrm>
           <a:prstGeom prst="rect">
@@ -8292,7 +10948,7 @@
         </p:blipFill>
         <p:spPr>
           <a:xfrm>
-            <a:off x="846906" y="4811737"/>
+            <a:off x="5076212" y="4782511"/>
             <a:ext cx="2053430" cy="1594831"/>
           </a:xfrm>
           <a:prstGeom prst="rect">
@@ -8322,7 +10978,7 @@
         </p:blipFill>
         <p:spPr>
           <a:xfrm>
-            <a:off x="3846883" y="4941115"/>
+            <a:off x="549810" y="4242556"/>
             <a:ext cx="1657185" cy="1436227"/>
           </a:xfrm>
           <a:prstGeom prst="rect">
@@ -8340,6 +10996,261 @@
   <p:clrMapOvr>
     <a:masterClrMapping/>
   </p:clrMapOvr>
+  <p:timing>
+    <p:tnLst>
+      <p:par>
+        <p:cTn id="1" dur="indefinite" restart="never" nodeType="tmRoot">
+          <p:childTnLst>
+            <p:seq concurrent="1" nextAc="seek">
+              <p:cTn id="2" dur="indefinite" nodeType="mainSeq">
+                <p:childTnLst>
+                  <p:par>
+                    <p:cTn id="3" fill="hold">
+                      <p:stCondLst>
+                        <p:cond delay="indefinite"/>
+                      </p:stCondLst>
+                      <p:childTnLst>
+                        <p:par>
+                          <p:cTn id="4" fill="hold">
+                            <p:stCondLst>
+                              <p:cond delay="0"/>
+                            </p:stCondLst>
+                            <p:childTnLst>
+                              <p:par>
+                                <p:cTn id="5" presetID="1" presetClass="entr" presetSubtype="0" fill="hold" nodeType="clickEffect">
+                                  <p:stCondLst>
+                                    <p:cond delay="0"/>
+                                  </p:stCondLst>
+                                  <p:childTnLst>
+                                    <p:set>
+                                      <p:cBhvr>
+                                        <p:cTn id="6" dur="1" fill="hold">
+                                          <p:stCondLst>
+                                            <p:cond delay="0"/>
+                                          </p:stCondLst>
+                                        </p:cTn>
+                                        <p:tgtEl>
+                                          <p:spTgt spid="9"/>
+                                        </p:tgtEl>
+                                        <p:attrNameLst>
+                                          <p:attrName>style.visibility</p:attrName>
+                                        </p:attrNameLst>
+                                      </p:cBhvr>
+                                      <p:to>
+                                        <p:strVal val="visible"/>
+                                      </p:to>
+                                    </p:set>
+                                  </p:childTnLst>
+                                </p:cTn>
+                              </p:par>
+                            </p:childTnLst>
+                          </p:cTn>
+                        </p:par>
+                      </p:childTnLst>
+                    </p:cTn>
+                  </p:par>
+                  <p:par>
+                    <p:cTn id="7" fill="hold">
+                      <p:stCondLst>
+                        <p:cond delay="indefinite"/>
+                      </p:stCondLst>
+                      <p:childTnLst>
+                        <p:par>
+                          <p:cTn id="8" fill="hold">
+                            <p:stCondLst>
+                              <p:cond delay="0"/>
+                            </p:stCondLst>
+                            <p:childTnLst>
+                              <p:par>
+                                <p:cTn id="9" presetID="1" presetClass="entr" presetSubtype="0" fill="hold" nodeType="clickEffect">
+                                  <p:stCondLst>
+                                    <p:cond delay="0"/>
+                                  </p:stCondLst>
+                                  <p:childTnLst>
+                                    <p:set>
+                                      <p:cBhvr>
+                                        <p:cTn id="10" dur="1" fill="hold">
+                                          <p:stCondLst>
+                                            <p:cond delay="0"/>
+                                          </p:stCondLst>
+                                        </p:cTn>
+                                        <p:tgtEl>
+                                          <p:spTgt spid="10"/>
+                                        </p:tgtEl>
+                                        <p:attrNameLst>
+                                          <p:attrName>style.visibility</p:attrName>
+                                        </p:attrNameLst>
+                                      </p:cBhvr>
+                                      <p:to>
+                                        <p:strVal val="visible"/>
+                                      </p:to>
+                                    </p:set>
+                                  </p:childTnLst>
+                                </p:cTn>
+                              </p:par>
+                            </p:childTnLst>
+                          </p:cTn>
+                        </p:par>
+                      </p:childTnLst>
+                    </p:cTn>
+                  </p:par>
+                  <p:par>
+                    <p:cTn id="11" fill="hold">
+                      <p:stCondLst>
+                        <p:cond delay="indefinite"/>
+                      </p:stCondLst>
+                      <p:childTnLst>
+                        <p:par>
+                          <p:cTn id="12" fill="hold">
+                            <p:stCondLst>
+                              <p:cond delay="0"/>
+                            </p:stCondLst>
+                            <p:childTnLst>
+                              <p:par>
+                                <p:cTn id="13" presetID="1" presetClass="entr" presetSubtype="0" fill="hold" nodeType="clickEffect">
+                                  <p:stCondLst>
+                                    <p:cond delay="0"/>
+                                  </p:stCondLst>
+                                  <p:childTnLst>
+                                    <p:set>
+                                      <p:cBhvr>
+                                        <p:cTn id="14" dur="1" fill="hold">
+                                          <p:stCondLst>
+                                            <p:cond delay="0"/>
+                                          </p:stCondLst>
+                                        </p:cTn>
+                                        <p:tgtEl>
+                                          <p:spTgt spid="11"/>
+                                        </p:tgtEl>
+                                        <p:attrNameLst>
+                                          <p:attrName>style.visibility</p:attrName>
+                                        </p:attrNameLst>
+                                      </p:cBhvr>
+                                      <p:to>
+                                        <p:strVal val="visible"/>
+                                      </p:to>
+                                    </p:set>
+                                  </p:childTnLst>
+                                </p:cTn>
+                              </p:par>
+                            </p:childTnLst>
+                          </p:cTn>
+                        </p:par>
+                      </p:childTnLst>
+                    </p:cTn>
+                  </p:par>
+                  <p:par>
+                    <p:cTn id="15" fill="hold">
+                      <p:stCondLst>
+                        <p:cond delay="indefinite"/>
+                      </p:stCondLst>
+                      <p:childTnLst>
+                        <p:par>
+                          <p:cTn id="16" fill="hold">
+                            <p:stCondLst>
+                              <p:cond delay="0"/>
+                            </p:stCondLst>
+                            <p:childTnLst>
+                              <p:par>
+                                <p:cTn id="17" presetID="1" presetClass="entr" presetSubtype="0" fill="hold" nodeType="clickEffect">
+                                  <p:stCondLst>
+                                    <p:cond delay="0"/>
+                                  </p:stCondLst>
+                                  <p:childTnLst>
+                                    <p:set>
+                                      <p:cBhvr>
+                                        <p:cTn id="18" dur="1" fill="hold">
+                                          <p:stCondLst>
+                                            <p:cond delay="0"/>
+                                          </p:stCondLst>
+                                        </p:cTn>
+                                        <p:tgtEl>
+                                          <p:spTgt spid="6"/>
+                                        </p:tgtEl>
+                                        <p:attrNameLst>
+                                          <p:attrName>style.visibility</p:attrName>
+                                        </p:attrNameLst>
+                                      </p:cBhvr>
+                                      <p:to>
+                                        <p:strVal val="visible"/>
+                                      </p:to>
+                                    </p:set>
+                                  </p:childTnLst>
+                                </p:cTn>
+                              </p:par>
+                            </p:childTnLst>
+                          </p:cTn>
+                        </p:par>
+                      </p:childTnLst>
+                    </p:cTn>
+                  </p:par>
+                  <p:par>
+                    <p:cTn id="19" fill="hold">
+                      <p:stCondLst>
+                        <p:cond delay="indefinite"/>
+                      </p:stCondLst>
+                      <p:childTnLst>
+                        <p:par>
+                          <p:cTn id="20" fill="hold">
+                            <p:stCondLst>
+                              <p:cond delay="0"/>
+                            </p:stCondLst>
+                            <p:childTnLst>
+                              <p:par>
+                                <p:cTn id="21" presetID="1" presetClass="entr" presetSubtype="0" fill="hold" nodeType="clickEffect">
+                                  <p:stCondLst>
+                                    <p:cond delay="0"/>
+                                  </p:stCondLst>
+                                  <p:childTnLst>
+                                    <p:set>
+                                      <p:cBhvr>
+                                        <p:cTn id="22" dur="1" fill="hold">
+                                          <p:stCondLst>
+                                            <p:cond delay="0"/>
+                                          </p:stCondLst>
+                                        </p:cTn>
+                                        <p:tgtEl>
+                                          <p:spTgt spid="7"/>
+                                        </p:tgtEl>
+                                        <p:attrNameLst>
+                                          <p:attrName>style.visibility</p:attrName>
+                                        </p:attrNameLst>
+                                      </p:cBhvr>
+                                      <p:to>
+                                        <p:strVal val="visible"/>
+                                      </p:to>
+                                    </p:set>
+                                  </p:childTnLst>
+                                </p:cTn>
+                              </p:par>
+                            </p:childTnLst>
+                          </p:cTn>
+                        </p:par>
+                      </p:childTnLst>
+                    </p:cTn>
+                  </p:par>
+                </p:childTnLst>
+              </p:cTn>
+              <p:prevCondLst>
+                <p:cond evt="onPrev" delay="0">
+                  <p:tgtEl>
+                    <p:sldTgt/>
+                  </p:tgtEl>
+                </p:cond>
+              </p:prevCondLst>
+              <p:nextCondLst>
+                <p:cond evt="onNext" delay="0">
+                  <p:tgtEl>
+                    <p:sldTgt/>
+                  </p:tgtEl>
+                </p:cond>
+              </p:nextCondLst>
+            </p:seq>
+          </p:childTnLst>
+        </p:cTn>
+      </p:par>
+    </p:tnLst>
+  </p:timing>
 </p:sld>
 </file>
 
@@ -8407,7 +11318,7 @@
         </p:blipFill>
         <p:spPr>
           <a:xfrm>
-            <a:off x="1295400" y="4895312"/>
+            <a:off x="845127" y="1691322"/>
             <a:ext cx="1328435" cy="1613483"/>
           </a:xfrm>
         </p:spPr>
@@ -8421,14 +11332,14 @@
           <p:nvPr>
             <p:extLst>
               <p:ext uri="{D42A27DB-BD31-4B8C-83A1-F6EECF244321}">
-                <p14:modId xmlns:p14="http://schemas.microsoft.com/office/powerpoint/2010/main" val="759729401"/>
+                <p14:modId xmlns:p14="http://schemas.microsoft.com/office/powerpoint/2010/main" val="4088016671"/>
               </p:ext>
             </p:extLst>
           </p:nvPr>
         </p:nvGraphicFramePr>
         <p:xfrm>
-          <a:off x="1295400" y="1911566"/>
-          <a:ext cx="3635830" cy="2748889"/>
+          <a:off x="1602918" y="2651794"/>
+          <a:ext cx="4177395" cy="3150290"/>
         </p:xfrm>
         <a:graphic>
           <a:graphicData uri="http://schemas.openxmlformats.org/drawingml/2006/table">
@@ -8437,13 +11348,13 @@
                 <a:tableStyleId>{5C22544A-7EE6-4342-B048-85BDC9FD1C3A}</a:tableStyleId>
               </a:tblPr>
               <a:tblGrid>
-                <a:gridCol w="727166"/>
-                <a:gridCol w="727166"/>
-                <a:gridCol w="727166"/>
-                <a:gridCol w="727166"/>
-                <a:gridCol w="727166"/>
+                <a:gridCol w="835479"/>
+                <a:gridCol w="835479"/>
+                <a:gridCol w="835479"/>
+                <a:gridCol w="835479"/>
+                <a:gridCol w="835479"/>
               </a:tblGrid>
-              <a:tr h="211453">
+              <a:tr h="242330">
                 <a:tc>
                   <a:txBody>
                     <a:bodyPr/>
@@ -8560,7 +11471,7 @@
                   <a:tcPr marL="7620" marR="7620" marT="7620" marB="0" anchor="b"/>
                 </a:tc>
               </a:tr>
-              <a:tr h="211453">
+              <a:tr h="242330">
                 <a:tc>
                   <a:txBody>
                     <a:bodyPr/>
@@ -8590,7 +11501,7 @@
                     <a:lstStyle/>
                     <a:p>
                       <a:pPr algn="ctr" fontAlgn="b"/>
-                      <a:endParaRPr lang="en-US" sz="1100" b="0" i="0" u="none" strike="noStrike">
+                      <a:endParaRPr lang="en-US" sz="1100" b="0" i="0" u="none" strike="noStrike" dirty="0">
                         <a:solidFill>
                           <a:srgbClr val="000000"/>
                         </a:solidFill>
@@ -8653,7 +11564,7 @@
                   <a:tcPr marL="7620" marR="7620" marT="7620" marB="0" anchor="b"/>
                 </a:tc>
               </a:tr>
-              <a:tr h="211453">
+              <a:tr h="242330">
                 <a:tc>
                   <a:txBody>
                     <a:bodyPr/>
@@ -8746,7 +11657,7 @@
                   <a:tcPr marL="7620" marR="7620" marT="7620" marB="0" anchor="b"/>
                 </a:tc>
               </a:tr>
-              <a:tr h="211453">
+              <a:tr h="242330">
                 <a:tc>
                   <a:txBody>
                     <a:bodyPr/>
@@ -8839,7 +11750,7 @@
                   <a:tcPr marL="7620" marR="7620" marT="7620" marB="0" anchor="b"/>
                 </a:tc>
               </a:tr>
-              <a:tr h="211453">
+              <a:tr h="242330">
                 <a:tc>
                   <a:txBody>
                     <a:bodyPr/>
@@ -8932,7 +11843,7 @@
                   <a:tcPr marL="7620" marR="7620" marT="7620" marB="0" anchor="b"/>
                 </a:tc>
               </a:tr>
-              <a:tr h="211453">
+              <a:tr h="242330">
                 <a:tc>
                   <a:txBody>
                     <a:bodyPr/>
@@ -9025,7 +11936,7 @@
                   <a:tcPr marL="7620" marR="7620" marT="7620" marB="0" anchor="b"/>
                 </a:tc>
               </a:tr>
-              <a:tr h="211453">
+              <a:tr h="242330">
                 <a:tc>
                   <a:txBody>
                     <a:bodyPr/>
@@ -9124,7 +12035,7 @@
                   <a:tcPr marL="7620" marR="7620" marT="7620" marB="0" anchor="b"/>
                 </a:tc>
               </a:tr>
-              <a:tr h="211453">
+              <a:tr h="242330">
                 <a:tc>
                   <a:txBody>
                     <a:bodyPr/>
@@ -9217,7 +12128,7 @@
                   <a:tcPr marL="7620" marR="7620" marT="7620" marB="0" anchor="b"/>
                 </a:tc>
               </a:tr>
-              <a:tr h="211453">
+              <a:tr h="242330">
                 <a:tc>
                   <a:txBody>
                     <a:bodyPr/>
@@ -9316,7 +12227,7 @@
                   <a:tcPr marL="7620" marR="7620" marT="7620" marB="0" anchor="b"/>
                 </a:tc>
               </a:tr>
-              <a:tr h="211453">
+              <a:tr h="242330">
                 <a:tc>
                   <a:txBody>
                     <a:bodyPr/>
@@ -9409,7 +12320,7 @@
                   <a:tcPr marL="7620" marR="7620" marT="7620" marB="0" anchor="b"/>
                 </a:tc>
               </a:tr>
-              <a:tr h="211453">
+              <a:tr h="242330">
                 <a:tc>
                   <a:txBody>
                     <a:bodyPr/>
@@ -9508,7 +12419,7 @@
                   <a:tcPr marL="7620" marR="7620" marT="7620" marB="0" anchor="b"/>
                 </a:tc>
               </a:tr>
-              <a:tr h="211453">
+              <a:tr h="242330">
                 <a:tc>
                   <a:txBody>
                     <a:bodyPr/>
@@ -9601,7 +12512,7 @@
                   <a:tcPr marL="7620" marR="7620" marT="7620" marB="0" anchor="b"/>
                 </a:tc>
               </a:tr>
-              <a:tr h="211453">
+              <a:tr h="242330">
                 <a:tc>
                   <a:txBody>
                     <a:bodyPr/>
@@ -9726,7 +12637,7 @@
         </p:blipFill>
         <p:spPr>
           <a:xfrm>
-            <a:off x="8152406" y="4845408"/>
+            <a:off x="7183577" y="1481722"/>
             <a:ext cx="1345019" cy="1685333"/>
           </a:xfrm>
           <a:prstGeom prst="rect">
@@ -9743,14 +12654,14 @@
           <p:nvPr>
             <p:extLst>
               <p:ext uri="{D42A27DB-BD31-4B8C-83A1-F6EECF244321}">
-                <p14:modId xmlns:p14="http://schemas.microsoft.com/office/powerpoint/2010/main" val="3965265773"/>
+                <p14:modId xmlns:p14="http://schemas.microsoft.com/office/powerpoint/2010/main" val="3292600443"/>
               </p:ext>
             </p:extLst>
           </p:nvPr>
         </p:nvGraphicFramePr>
         <p:xfrm>
-          <a:off x="6939642" y="1911565"/>
-          <a:ext cx="3412670" cy="2748889"/>
+          <a:off x="7560371" y="2502099"/>
+          <a:ext cx="4054685" cy="3299989"/>
         </p:xfrm>
         <a:graphic>
           <a:graphicData uri="http://schemas.openxmlformats.org/drawingml/2006/table">
@@ -9759,13 +12670,13 @@
                 <a:tableStyleId>{5C22544A-7EE6-4342-B048-85BDC9FD1C3A}</a:tableStyleId>
               </a:tblPr>
               <a:tblGrid>
-                <a:gridCol w="682534"/>
-                <a:gridCol w="682534"/>
-                <a:gridCol w="682534"/>
-                <a:gridCol w="682534"/>
-                <a:gridCol w="682534"/>
+                <a:gridCol w="810937"/>
+                <a:gridCol w="810937"/>
+                <a:gridCol w="810937"/>
+                <a:gridCol w="810937"/>
+                <a:gridCol w="810937"/>
               </a:tblGrid>
-              <a:tr h="206683">
+              <a:tr h="248119">
                 <a:tc>
                   <a:txBody>
                     <a:bodyPr/>
@@ -9773,12 +12684,12 @@
                     <a:p>
                       <a:pPr algn="l" fontAlgn="b"/>
                       <a:r>
-                        <a:rPr lang="en-US" sz="1100" u="none" strike="noStrike">
+                        <a:rPr lang="en-US" sz="1100" u="none" strike="noStrike" dirty="0">
                           <a:effectLst/>
                         </a:rPr>
                         <a:t>WW</a:t>
                       </a:r>
-                      <a:endParaRPr lang="en-US" sz="1100" b="1" i="0" u="none" strike="noStrike">
+                      <a:endParaRPr lang="en-US" sz="1100" b="1" i="0" u="none" strike="noStrike" dirty="0">
                         <a:solidFill>
                           <a:srgbClr val="000000"/>
                         </a:solidFill>
@@ -9882,7 +12793,7 @@
                   <a:tcPr marL="9525" marR="9525" marT="9525" marB="0" anchor="b"/>
                 </a:tc>
               </a:tr>
-              <a:tr h="206683">
+              <a:tr h="248119">
                 <a:tc>
                   <a:txBody>
                     <a:bodyPr/>
@@ -9890,12 +12801,12 @@
                     <a:p>
                       <a:pPr algn="l" fontAlgn="b"/>
                       <a:r>
-                        <a:rPr lang="en-US" sz="1100" u="none" strike="noStrike">
+                        <a:rPr lang="en-US" sz="1100" u="none" strike="noStrike" dirty="0">
                           <a:effectLst/>
                         </a:rPr>
                         <a:t>Jan</a:t>
                       </a:r>
-                      <a:endParaRPr lang="en-US" sz="1100" b="0" i="0" u="none" strike="noStrike">
+                      <a:endParaRPr lang="en-US" sz="1100" b="0" i="0" u="none" strike="noStrike" dirty="0">
                         <a:solidFill>
                           <a:srgbClr val="000000"/>
                         </a:solidFill>
@@ -9975,7 +12886,7 @@
                   <a:tcPr marL="9525" marR="9525" marT="9525" marB="0" anchor="b"/>
                 </a:tc>
               </a:tr>
-              <a:tr h="206683">
+              <a:tr h="248119">
                 <a:tc>
                   <a:txBody>
                     <a:bodyPr/>
@@ -10022,7 +12933,7 @@
                     <a:lstStyle/>
                     <a:p>
                       <a:pPr algn="ctr" fontAlgn="b"/>
-                      <a:endParaRPr lang="en-US" sz="1100" b="0" i="0" u="none" strike="noStrike">
+                      <a:endParaRPr lang="en-US" sz="1100" b="0" i="0" u="none" strike="noStrike" dirty="0">
                         <a:solidFill>
                           <a:srgbClr val="000000"/>
                         </a:solidFill>
@@ -10068,7 +12979,7 @@
                   <a:tcPr marL="9525" marR="9525" marT="9525" marB="0" anchor="b"/>
                 </a:tc>
               </a:tr>
-              <a:tr h="206683">
+              <a:tr h="248119">
                 <a:tc>
                   <a:txBody>
                     <a:bodyPr/>
@@ -10161,7 +13072,7 @@
                   <a:tcPr marL="9525" marR="9525" marT="9525" marB="0" anchor="b"/>
                 </a:tc>
               </a:tr>
-              <a:tr h="206683">
+              <a:tr h="248119">
                 <a:tc>
                   <a:txBody>
                     <a:bodyPr/>
@@ -10254,7 +13165,7 @@
                   <a:tcPr marL="9525" marR="9525" marT="9525" marB="0" anchor="b"/>
                 </a:tc>
               </a:tr>
-              <a:tr h="206683">
+              <a:tr h="248119">
                 <a:tc>
                   <a:txBody>
                     <a:bodyPr/>
@@ -10347,7 +13258,7 @@
                   <a:tcPr marL="9525" marR="9525" marT="9525" marB="0" anchor="b"/>
                 </a:tc>
               </a:tr>
-              <a:tr h="217018">
+              <a:tr h="260526">
                 <a:tc>
                   <a:txBody>
                     <a:bodyPr/>
@@ -10440,7 +13351,7 @@
                   <a:tcPr marL="9525" marR="9525" marT="9525" marB="0" anchor="b"/>
                 </a:tc>
               </a:tr>
-              <a:tr h="217018">
+              <a:tr h="260526">
                 <a:tc>
                   <a:txBody>
                     <a:bodyPr/>
@@ -10539,7 +13450,7 @@
                   <a:tcPr marL="9525" marR="9525" marT="9525" marB="0" anchor="b"/>
                 </a:tc>
               </a:tr>
-              <a:tr h="217018">
+              <a:tr h="260526">
                 <a:tc>
                   <a:txBody>
                     <a:bodyPr/>
@@ -10644,7 +13555,7 @@
                   <a:tcPr marL="9525" marR="9525" marT="9525" marB="0" anchor="b"/>
                 </a:tc>
               </a:tr>
-              <a:tr h="217018">
+              <a:tr h="260526">
                 <a:tc>
                   <a:txBody>
                     <a:bodyPr/>
@@ -10749,7 +13660,7 @@
                   <a:tcPr marL="9525" marR="9525" marT="9525" marB="0" anchor="b"/>
                 </a:tc>
               </a:tr>
-              <a:tr h="217018">
+              <a:tr h="260526">
                 <a:tc>
                   <a:txBody>
                     <a:bodyPr/>
@@ -10860,7 +13771,7 @@
                   <a:tcPr marL="9525" marR="9525" marT="9525" marB="0" anchor="b"/>
                 </a:tc>
               </a:tr>
-              <a:tr h="206683">
+              <a:tr h="248119">
                 <a:tc>
                   <a:txBody>
                     <a:bodyPr/>
@@ -10959,7 +13870,7 @@
                   <a:tcPr marL="9525" marR="9525" marT="9525" marB="0" anchor="b"/>
                 </a:tc>
               </a:tr>
-              <a:tr h="217018">
+              <a:tr h="260526">
                 <a:tc>
                   <a:txBody>
                     <a:bodyPr/>
@@ -10967,12 +13878,12 @@
                     <a:p>
                       <a:pPr algn="l" fontAlgn="b"/>
                       <a:r>
-                        <a:rPr lang="en-US" sz="1100" u="none" strike="noStrike">
+                        <a:rPr lang="en-US" sz="1100" u="none" strike="noStrike" dirty="0">
                           <a:effectLst/>
                         </a:rPr>
                         <a:t>Dec</a:t>
                       </a:r>
-                      <a:endParaRPr lang="en-US" sz="1100" b="0" i="0" u="none" strike="noStrike">
+                      <a:endParaRPr lang="en-US" sz="1100" b="0" i="0" u="none" strike="noStrike" dirty="0">
                         <a:solidFill>
                           <a:srgbClr val="000000"/>
                         </a:solidFill>
@@ -11084,7 +13995,7 @@
         </p:blipFill>
         <p:spPr>
           <a:xfrm>
-            <a:off x="3018876" y="4873368"/>
+            <a:off x="1015905" y="4753625"/>
             <a:ext cx="1912354" cy="1657373"/>
           </a:xfrm>
           <a:prstGeom prst="rect">
@@ -11102,6 +14013,171 @@
   <p:clrMapOvr>
     <a:masterClrMapping/>
   </p:clrMapOvr>
+  <p:timing>
+    <p:tnLst>
+      <p:par>
+        <p:cTn id="1" dur="indefinite" restart="never" nodeType="tmRoot">
+          <p:childTnLst>
+            <p:seq concurrent="1" nextAc="seek">
+              <p:cTn id="2" dur="indefinite" nodeType="mainSeq">
+                <p:childTnLst>
+                  <p:par>
+                    <p:cTn id="3" fill="hold">
+                      <p:stCondLst>
+                        <p:cond delay="indefinite"/>
+                      </p:stCondLst>
+                      <p:childTnLst>
+                        <p:par>
+                          <p:cTn id="4" fill="hold">
+                            <p:stCondLst>
+                              <p:cond delay="0"/>
+                            </p:stCondLst>
+                            <p:childTnLst>
+                              <p:par>
+                                <p:cTn id="5" presetID="1" presetClass="entr" presetSubtype="0" fill="hold" nodeType="clickEffect">
+                                  <p:stCondLst>
+                                    <p:cond delay="0"/>
+                                  </p:stCondLst>
+                                  <p:childTnLst>
+                                    <p:set>
+                                      <p:cBhvr>
+                                        <p:cTn id="6" dur="1" fill="hold">
+                                          <p:stCondLst>
+                                            <p:cond delay="0"/>
+                                          </p:stCondLst>
+                                        </p:cTn>
+                                        <p:tgtEl>
+                                          <p:spTgt spid="5"/>
+                                        </p:tgtEl>
+                                        <p:attrNameLst>
+                                          <p:attrName>style.visibility</p:attrName>
+                                        </p:attrNameLst>
+                                      </p:cBhvr>
+                                      <p:to>
+                                        <p:strVal val="visible"/>
+                                      </p:to>
+                                    </p:set>
+                                  </p:childTnLst>
+                                </p:cTn>
+                              </p:par>
+                            </p:childTnLst>
+                          </p:cTn>
+                        </p:par>
+                      </p:childTnLst>
+                    </p:cTn>
+                  </p:par>
+                  <p:par>
+                    <p:cTn id="7" fill="hold">
+                      <p:stCondLst>
+                        <p:cond delay="indefinite"/>
+                      </p:stCondLst>
+                      <p:childTnLst>
+                        <p:par>
+                          <p:cTn id="8" fill="hold">
+                            <p:stCondLst>
+                              <p:cond delay="0"/>
+                            </p:stCondLst>
+                            <p:childTnLst>
+                              <p:par>
+                                <p:cTn id="9" presetID="1" presetClass="entr" presetSubtype="0" fill="hold" nodeType="clickEffect">
+                                  <p:stCondLst>
+                                    <p:cond delay="0"/>
+                                  </p:stCondLst>
+                                  <p:childTnLst>
+                                    <p:set>
+                                      <p:cBhvr>
+                                        <p:cTn id="10" dur="1" fill="hold">
+                                          <p:stCondLst>
+                                            <p:cond delay="0"/>
+                                          </p:stCondLst>
+                                        </p:cTn>
+                                        <p:tgtEl>
+                                          <p:spTgt spid="8"/>
+                                        </p:tgtEl>
+                                        <p:attrNameLst>
+                                          <p:attrName>style.visibility</p:attrName>
+                                        </p:attrNameLst>
+                                      </p:cBhvr>
+                                      <p:to>
+                                        <p:strVal val="visible"/>
+                                      </p:to>
+                                    </p:set>
+                                  </p:childTnLst>
+                                </p:cTn>
+                              </p:par>
+                            </p:childTnLst>
+                          </p:cTn>
+                        </p:par>
+                      </p:childTnLst>
+                    </p:cTn>
+                  </p:par>
+                  <p:par>
+                    <p:cTn id="11" fill="hold">
+                      <p:stCondLst>
+                        <p:cond delay="indefinite"/>
+                      </p:stCondLst>
+                      <p:childTnLst>
+                        <p:par>
+                          <p:cTn id="12" fill="hold">
+                            <p:stCondLst>
+                              <p:cond delay="0"/>
+                            </p:stCondLst>
+                            <p:childTnLst>
+                              <p:par>
+                                <p:cTn id="13" presetID="1" presetClass="entr" presetSubtype="0" fill="hold" nodeType="clickEffect">
+                                  <p:stCondLst>
+                                    <p:cond delay="0"/>
+                                  </p:stCondLst>
+                                  <p:childTnLst>
+                                    <p:set>
+                                      <p:cBhvr>
+                                        <p:cTn id="14" dur="1" fill="hold">
+                                          <p:stCondLst>
+                                            <p:cond delay="0"/>
+                                          </p:stCondLst>
+                                        </p:cTn>
+                                        <p:tgtEl>
+                                          <p:spTgt spid="9"/>
+                                        </p:tgtEl>
+                                        <p:attrNameLst>
+                                          <p:attrName>style.visibility</p:attrName>
+                                        </p:attrNameLst>
+                                      </p:cBhvr>
+                                      <p:to>
+                                        <p:strVal val="visible"/>
+                                      </p:to>
+                                    </p:set>
+                                  </p:childTnLst>
+                                </p:cTn>
+                              </p:par>
+                            </p:childTnLst>
+                          </p:cTn>
+                        </p:par>
+                      </p:childTnLst>
+                    </p:cTn>
+                  </p:par>
+                </p:childTnLst>
+              </p:cTn>
+              <p:prevCondLst>
+                <p:cond evt="onPrev" delay="0">
+                  <p:tgtEl>
+                    <p:sldTgt/>
+                  </p:tgtEl>
+                </p:cond>
+              </p:prevCondLst>
+              <p:nextCondLst>
+                <p:cond evt="onNext" delay="0">
+                  <p:tgtEl>
+                    <p:sldTgt/>
+                  </p:tgtEl>
+                </p:cond>
+              </p:nextCondLst>
+            </p:seq>
+          </p:childTnLst>
+        </p:cTn>
+      </p:par>
+    </p:tnLst>
+  </p:timing>
 </p:sld>
 </file>
 
